--- a/DSA_Algo/Slides/Data Structure.pptx
+++ b/DSA_Algo/Slides/Data Structure.pptx
@@ -2,10 +2,10 @@
 <file path=ppt/presentation.xml><?xml version="1.0" encoding="utf-8"?>
 <p:presentation xmlns:a="http://schemas.openxmlformats.org/drawingml/2006/main" xmlns:r="http://schemas.openxmlformats.org/officeDocument/2006/relationships" xmlns:p="http://schemas.openxmlformats.org/presentationml/2006/main" saveSubsetFonts="1">
   <p:sldMasterIdLst>
-    <p:sldMasterId id="2147483708" r:id="rId1"/>
+    <p:sldMasterId id="2147483720" r:id="rId1"/>
   </p:sldMasterIdLst>
   <p:notesMasterIdLst>
-    <p:notesMasterId r:id="rId30"/>
+    <p:notesMasterId r:id="rId33"/>
   </p:notesMasterIdLst>
   <p:sldIdLst>
     <p:sldId id="256" r:id="rId2"/>
@@ -24,18 +24,21 @@
     <p:sldId id="258" r:id="rId15"/>
     <p:sldId id="302" r:id="rId16"/>
     <p:sldId id="303" r:id="rId17"/>
-    <p:sldId id="293" r:id="rId18"/>
-    <p:sldId id="289" r:id="rId19"/>
-    <p:sldId id="290" r:id="rId20"/>
-    <p:sldId id="291" r:id="rId21"/>
-    <p:sldId id="292" r:id="rId22"/>
-    <p:sldId id="294" r:id="rId23"/>
-    <p:sldId id="296" r:id="rId24"/>
-    <p:sldId id="298" r:id="rId25"/>
-    <p:sldId id="295" r:id="rId26"/>
-    <p:sldId id="297" r:id="rId27"/>
-    <p:sldId id="299" r:id="rId28"/>
-    <p:sldId id="301" r:id="rId29"/>
+    <p:sldId id="306" r:id="rId18"/>
+    <p:sldId id="293" r:id="rId19"/>
+    <p:sldId id="289" r:id="rId20"/>
+    <p:sldId id="290" r:id="rId21"/>
+    <p:sldId id="291" r:id="rId22"/>
+    <p:sldId id="292" r:id="rId23"/>
+    <p:sldId id="294" r:id="rId24"/>
+    <p:sldId id="296" r:id="rId25"/>
+    <p:sldId id="298" r:id="rId26"/>
+    <p:sldId id="295" r:id="rId27"/>
+    <p:sldId id="297" r:id="rId28"/>
+    <p:sldId id="299" r:id="rId29"/>
+    <p:sldId id="301" r:id="rId30"/>
+    <p:sldId id="304" r:id="rId31"/>
+    <p:sldId id="305" r:id="rId32"/>
   </p:sldIdLst>
   <p:sldSz cx="12192000" cy="6858000"/>
   <p:notesSz cx="6858000" cy="9144000"/>
@@ -43,7 +46,7 @@
     <a:defPPr>
       <a:defRPr lang="en-US"/>
     </a:defPPr>
-    <a:lvl1pPr marL="0" algn="l" defTabSz="457200" rtl="0" eaLnBrk="1" latinLnBrk="0" hangingPunct="1">
+    <a:lvl1pPr marL="0" algn="l" defTabSz="914400" rtl="0" eaLnBrk="1" latinLnBrk="0" hangingPunct="1">
       <a:defRPr sz="1800" kern="1200">
         <a:solidFill>
           <a:schemeClr val="tx1"/>
@@ -53,7 +56,7 @@
         <a:cs typeface="+mn-cs"/>
       </a:defRPr>
     </a:lvl1pPr>
-    <a:lvl2pPr marL="457200" algn="l" defTabSz="457200" rtl="0" eaLnBrk="1" latinLnBrk="0" hangingPunct="1">
+    <a:lvl2pPr marL="457200" algn="l" defTabSz="914400" rtl="0" eaLnBrk="1" latinLnBrk="0" hangingPunct="1">
       <a:defRPr sz="1800" kern="1200">
         <a:solidFill>
           <a:schemeClr val="tx1"/>
@@ -63,7 +66,7 @@
         <a:cs typeface="+mn-cs"/>
       </a:defRPr>
     </a:lvl2pPr>
-    <a:lvl3pPr marL="914400" algn="l" defTabSz="457200" rtl="0" eaLnBrk="1" latinLnBrk="0" hangingPunct="1">
+    <a:lvl3pPr marL="914400" algn="l" defTabSz="914400" rtl="0" eaLnBrk="1" latinLnBrk="0" hangingPunct="1">
       <a:defRPr sz="1800" kern="1200">
         <a:solidFill>
           <a:schemeClr val="tx1"/>
@@ -73,7 +76,7 @@
         <a:cs typeface="+mn-cs"/>
       </a:defRPr>
     </a:lvl3pPr>
-    <a:lvl4pPr marL="1371600" algn="l" defTabSz="457200" rtl="0" eaLnBrk="1" latinLnBrk="0" hangingPunct="1">
+    <a:lvl4pPr marL="1371600" algn="l" defTabSz="914400" rtl="0" eaLnBrk="1" latinLnBrk="0" hangingPunct="1">
       <a:defRPr sz="1800" kern="1200">
         <a:solidFill>
           <a:schemeClr val="tx1"/>
@@ -83,7 +86,7 @@
         <a:cs typeface="+mn-cs"/>
       </a:defRPr>
     </a:lvl4pPr>
-    <a:lvl5pPr marL="1828800" algn="l" defTabSz="457200" rtl="0" eaLnBrk="1" latinLnBrk="0" hangingPunct="1">
+    <a:lvl5pPr marL="1828800" algn="l" defTabSz="914400" rtl="0" eaLnBrk="1" latinLnBrk="0" hangingPunct="1">
       <a:defRPr sz="1800" kern="1200">
         <a:solidFill>
           <a:schemeClr val="tx1"/>
@@ -93,7 +96,7 @@
         <a:cs typeface="+mn-cs"/>
       </a:defRPr>
     </a:lvl5pPr>
-    <a:lvl6pPr marL="2286000" algn="l" defTabSz="457200" rtl="0" eaLnBrk="1" latinLnBrk="0" hangingPunct="1">
+    <a:lvl6pPr marL="2286000" algn="l" defTabSz="914400" rtl="0" eaLnBrk="1" latinLnBrk="0" hangingPunct="1">
       <a:defRPr sz="1800" kern="1200">
         <a:solidFill>
           <a:schemeClr val="tx1"/>
@@ -103,7 +106,7 @@
         <a:cs typeface="+mn-cs"/>
       </a:defRPr>
     </a:lvl6pPr>
-    <a:lvl7pPr marL="2743200" algn="l" defTabSz="457200" rtl="0" eaLnBrk="1" latinLnBrk="0" hangingPunct="1">
+    <a:lvl7pPr marL="2743200" algn="l" defTabSz="914400" rtl="0" eaLnBrk="1" latinLnBrk="0" hangingPunct="1">
       <a:defRPr sz="1800" kern="1200">
         <a:solidFill>
           <a:schemeClr val="tx1"/>
@@ -113,7 +116,7 @@
         <a:cs typeface="+mn-cs"/>
       </a:defRPr>
     </a:lvl7pPr>
-    <a:lvl8pPr marL="3200400" algn="l" defTabSz="457200" rtl="0" eaLnBrk="1" latinLnBrk="0" hangingPunct="1">
+    <a:lvl8pPr marL="3200400" algn="l" defTabSz="914400" rtl="0" eaLnBrk="1" latinLnBrk="0" hangingPunct="1">
       <a:defRPr sz="1800" kern="1200">
         <a:solidFill>
           <a:schemeClr val="tx1"/>
@@ -123,7 +126,7 @@
         <a:cs typeface="+mn-cs"/>
       </a:defRPr>
     </a:lvl8pPr>
-    <a:lvl9pPr marL="3657600" algn="l" defTabSz="457200" rtl="0" eaLnBrk="1" latinLnBrk="0" hangingPunct="1">
+    <a:lvl9pPr marL="3657600" algn="l" defTabSz="914400" rtl="0" eaLnBrk="1" latinLnBrk="0" hangingPunct="1">
       <a:defRPr sz="1800" kern="1200">
         <a:solidFill>
           <a:schemeClr val="tx1"/>
@@ -808,9 +811,9 @@
   <inkml:trace contextRef="#ctx0" brushRef="#br0" timeOffset="43665.14">7980 13789 149 0,'0'0'8'16,"0"0"-6"-16,0 0 50 15,0 0-5-15,0 0-10 16,0 0 6-16,-9 85 3 16,9-63-3-16,0 0-15 15,0-3-16-15,0-3 13 16,0-8-24-16,0-4 0 16,0-1 11-16,0-3-11 15,0 0 43-15,0-10 12 0,3-11-17 16,8-8-34-16,3 0-5 15,3 7-1-15,-1 11-5 16,1 8-1-16,-1 3 7 16,2 0-1-16,0 15-8 15,-6 3 7-15,0 2-1 16,-6-2 3-16,-5-2-1 16,-1-1 4-16,0-3-3 15,-1 1 0-15,-13 1 4 16,-2-1 2-16,-2 1-6 0,0-2-5 15,0-1 1 1,3-2-70-16,-1-2-69 0,2-1-185 16</inkml:trace>
   <inkml:trace contextRef="#ctx0" brushRef="#br0" timeOffset="44154.86">7922 13757 22 0,'0'0'58'0,"0"0"-15"16,0 0-5-16,-8-84 29 16,7 74 7-16,-1 6-1 15,2 4 4-15,0 0-66 16,0 13-11-16,0 12 0 16,0 8 52-16,0 3-16 15,0-4-32-15,2-5 2 16,2-4-2-16,2 0 0 15,3-5-8-15,2-4-78 16,-1-5-171-16</inkml:trace>
   <inkml:trace contextRef="#ctx0" brushRef="#br0" timeOffset="47949.77">7698 8653 30 0,'0'0'44'0,"-136"0"60"15,60 0-43-15,-4 16-7 16,-6 4-9-16,-3 9-19 16,4 2-21-16,5 5 4 15,8 3-6-15,8 4 5 16,13 9-5-16,14 6 6 16,10 5 5-16,16 3-6 15,5 2 3-15,6-2-11 16,8-1 2-16,19-5 5 15,13-7-7-15,11-8 3 0,8-12 13 16,7-4 7-16,9-10 0 16,1-6-12-16,3-12-1 15,-2-1 1-15,-5-11 9 16,-3-17-4-16,-8-10 8 16,-4-11-16-16,-4-9 1 15,-5-6-3-15,-8-9 0 16,-4-6 2-16,-11-7-8 15,-8 3 1-15,-4 2-10 16,-13 15 9-16,0 12-9 16,-10 15-23-16,-11 16-50 15,-6 22-2-15,3 2-34 0,6 33-113 16</inkml:trace>
-  <inkml:trace contextRef="#ctx0" brushRef="#br0" timeOffset="48478.69">8086 9392 68 0,'0'0'74'15,"-106"-11"-30"-15,46 11-6 16,-8 0-24-16,-4 8 19 16,-2 16-10-16,0 12 10 15,4 7 19-15,6 8-27 16,6 3-14-16,4-1 10 15,11-4-8-15,16-6-3 16,12-3-10-16,15-1 9 16,0 0-7-16,22-4 0 15,13 1-2-15,11-6 6 16,9-10-6-16,8-8 0 0,4-9-5 16,5-3 19-16,-4-10-33 15,-5-18 19-15,-5-9-42 16,-6-3 17-16,-4-7 19 15,0-5 6-15,-6-5 14 16,-5-4-13-16,-7-3 24 16,-8-3-14-16,-8 1-5 15,-10 5 7-15,-4 11-11 16,-6 13-2-16,-22 15 0 16,-9 19-69-16,-7 3-56 15,-2 19-84-15</inkml:trace>
+  <inkml:trace contextRef="#ctx0" brushRef="#br0" timeOffset="48478.68">8086 9392 68 0,'0'0'74'15,"-106"-11"-30"-15,46 11-6 16,-8 0-24-16,-4 8 19 16,-2 16-10-16,0 12 10 15,4 7 19-15,6 8-27 16,6 3-14-16,4-1 10 15,11-4-8-15,16-6-3 16,12-3-10-16,15-1 9 16,0 0-7-16,22-4 0 15,13 1-2-15,11-6 6 16,9-10-6-16,8-8 0 0,4-9-5 16,5-3 19-16,-4-10-33 15,-5-18 19-15,-5-9-42 16,-6-3 17-16,-4-7 19 15,0-5 6-15,-6-5 14 16,-5-4-13-16,-7-3 24 16,-8-3-14-16,-8 1-5 15,-10 5 7-15,-4 11-11 16,-6 13-2-16,-22 15 0 16,-9 19-69-16,-7 3-56 15,-2 19-84-15</inkml:trace>
   <inkml:trace contextRef="#ctx0" brushRef="#br0" timeOffset="52009.06">8365 9450 5 0,'0'0'36'0,"0"0"8"16,0 0 13-16,0 0-23 15,0 0-21-15,0 0 15 16,0 0-12-16,0-20 5 16,0 18 17-16,0-1-30 15,0 0 17-15,0 1 1 16,0 2-25-16,0-2 21 15,0 2-12-15,0 0 3 16,0 0-9-16,0 0 1 16,0 0-5-16,0 0 0 15,0 0 0-15,0 0 1 0,0 0 1 16,0 0-2-16,0 0 0 16,0 0 6-16,0 0-5 15,0 0-1-15,0 0 3 16,0 0 13-16,0 0-10 15,0 0 0-15,0 0 2 16,0 0-7-16,0 0 11 16,0 0-12-16,0 0 0 15,0 0-1-15,0 0 2 16,0 0-1-16,0 0 0 16,0 0-6-16,0 7 5 15,1 10-1-15,4 4 2 16,-2 0 8-16,-2 3-6 15,1-1-1-15,-1-3-1 16,1-1 6-16,-1-2-2 0,1 0-4 16,-1-6 0-16,1 0 0 15,-2-4 2-15,3-3-2 16,-3-4 0-16,0 0 6 16,0 0-6-16,0 0 0 15,0 0-5-15,0 0 4 16,0 0-73-16,7 0-65 15,-2 0-52-15</inkml:trace>
-  <inkml:trace contextRef="#ctx0" brushRef="#br0" timeOffset="52515.72">8532 9455 3 0,'0'0'73'15,"0"0"17"-15,0 0-18 16,0 0-52-16,0 0-10 16,0 0 39-16,27 24-10 15,-15-9-12-15,3-1-20 0,-3-1 13 16,-1-3-17 0,-3-1-3-16,-2 1 4 0,2-3-1 15,-2 0-6-15,-1-3-1 16,0-2-78-16,-1-2-46 15,-1 0-70-15</inkml:trace>
+  <inkml:trace contextRef="#ctx0" brushRef="#br0" timeOffset="52515.71">8532 9455 3 0,'0'0'73'15,"0"0"17"-15,0 0-18 16,0 0-52-16,0 0-10 16,0 0 39-16,27 24-10 15,-15-9-12-15,3-1-20 0,-3-1 13 16,-1-3-17 0,-3-1-3-16,-2 1 4 0,2-3-1 15,-2 0-6-15,-1-3-1 16,0-2-78-16,-1-2-46 15,-1 0-70-15</inkml:trace>
   <inkml:trace contextRef="#ctx0" brushRef="#br0" timeOffset="52767.84">8635 9420 70 0,'0'0'36'0,"0"0"-19"0,0 0 55 16,0 0-10-16,0 0-10 15,0 0-10-15,-48 65-12 16,32-48-14-16,2 0-3 16,1-1-9-16,1-7-1 15,4 3-3-15,2-3 3 16,1 1-8-16,5-2-33 15,0-1-81-15,0-4-64 16</inkml:trace>
   <inkml:trace contextRef="#ctx0" brushRef="#br0" timeOffset="53340.8">8905 9415 113 0,'0'0'71'15,"0"0"0"-15,0 0-8 0,0 0 4 16,0 0-25-16,0 0-21 16,-66-5 3-16,57 10-23 15,-1 15 9-15,4 3 0 16,0 4-10-16,6 0 15 16,0-3-14-16,0-5 3 15,0-6-1-15,0-3 0 16,0-7-3-16,3-1 0 15,0-2 3-15,2 0-9 16,5-2 12-16,2-18 1 16,4-8 9-16,-1-6-15 15,0-2-1-15,-3-7-2 0,-1-2-14 16,-3 0 7 0,0 2-4-16,-4 10 10 0,1 10 0 15,-4 12 6-15,1 9 25 16,-2 2-27-16,0 2-1 15,0 18-3-15,0 9 1 16,0 4 4-16,0 5 5 16,0 3-5-16,0-2-2 15,0 1 0-15,3-4-3 16,0-1-21-16,-3-9-54 16,0-5-112-16</inkml:trace>
   <inkml:trace contextRef="#ctx0" brushRef="#br0" timeOffset="55078.14">8041 8890 16 0,'0'0'23'16,"0"0"-21"-16,0 0 1 16,0 0 22-16,0 0 32 15,0 0 4-15,0 0-17 0,0 0-17 16,0 0 14 0,0-2-23-16,0-1-5 0,0-1 3 15,0 0-15-15,0-2 4 16,0-1 2-16,5 0-6 15,-2 0 14-15,2 0-11 16,1 1-2-16,2-2-1 16,1-2 1-16,1 2-4 15,4 1 2-15,-5 2 0 16,7 0-1-16,-4 0 1 16,-3 4 0-16,0 1 0 15,-6 0-2-15,0 0-1 16,0 0 3-16,0 0-8 15,-3 13 2-15,0 3 6 16,0 2-2-16,0-2 1 0,-9 4 2 16,-2-4 5-16,-2 0-6 15,3-2 0-15,2-2 3 16,1-1-2-16,2-2-1 16,4 2 0-16,-1-5 5 15,2 0-2-15,0-1-3 16,0-3 0-16,0-1 13 15,6-1 0-15,12 0 16 16,0 0-9-16,5-1-14 16,-1-8-3-16,0 1-3 15,1 0-7-15,2 0-34 16,-1 0-98-16,-2-1-111 0</inkml:trace>
@@ -818,7 +821,7 @@
   <inkml:trace contextRef="#ctx0" brushRef="#br0" timeOffset="55609.8">8520 8722 34 0,'0'0'40'0,"0"0"25"16,0 0-5-16,0 0-18 16,0 0-2-16,0 0-27 15,-85 99-7-15,72-76-5 16,5 3 6-16,2-2-6 16,3 3-1-16,3-1-5 15,0-3-60-15,0-9-157 16</inkml:trace>
   <inkml:trace contextRef="#ctx0" brushRef="#br0" timeOffset="56167.06">8802 8745 31 0,'0'0'89'0,"0"0"-20"16,0 0-3-16,0 0 6 15,0 0-21-15,0 0-41 16,-49 22 21-16,44 3-22 16,2-3 3-16,3 1 0 15,0-4-11-15,0-4 9 16,0-5-10-16,2-3 0 16,1-5-2-16,3-2 2 15,4 0 0-15,2-16 11 16,2-5-8-16,-1-3 9 15,-4-4-12-15,-1-2 0 0,-4-1-1 16,-1 1-3 0,-3-2 4-16,0 4 0 0,0 8 3 15,0 10-1-15,0 6-1 16,1 4 12-16,2 6-13 16,3 22-2-16,-1 11 2 15,1 5 25-15,1 5-22 16,1 7 10-16,-1 1-13 15,2 2 0-15,1-2-4 16,1-6-17-16,-2-7-71 16,-3-5-137-16</inkml:trace>
   <inkml:trace contextRef="#ctx0" brushRef="#br0" timeOffset="57638.57">8173 13297 20 0,'0'0'22'0,"0"0"-22"16,0 0 0-16,0 0 0 0,0 0 0 15,0 0 6 1,-20 8-3-16,20-8 13 0,0 0 2 16,0 2-5-16,0-2 9 15,0 0 12-15,0 0 10 16,0 0 6-16,-2 0-27 16,1 0 7-16,1 0 6 15,0 0-8-15,0 0-3 16,0 0-25-16,0-2-12 15,12-6 10-15,9-1 4 16,4-2 3-16,-1-2-5 16,3 2 8-16,-2-1-7 0,-1 1-1 15,1 0 0 1,1 0-4-16,-1 3 5 0,-1-1-1 16,-5 2 0-16,-5 2-14 15,-2 1 8-15,-3 0 0 16,-3 2 2-16,-5 1 2 15,1-2 1-15,-2 0 0 16,0 0-2-16,0-1 0 16,0 0-1-16,-11 1 4 15,1-2 0-15,-2 2-5 16,1 0 5-16,1-2 0 16,1-1-1-16,0 0 4 15,3 1-9-15,-1 2 6 16,4 0 0-16,1 3 4 15,2 0 0-15,0 0 1 0,0 0-5 16,12 1 0-16,12 11 2 16,0-1-2-16,1-3 0 15,-4 2 0-15,-6 0 2 16,-7 0-2-16,-8 3 0 16,0 1-1-16,-8 4 1 15,-7-2 4-15,-1-1-3 16,7 2-1-16,4-1-2 15,4-3-152-15</inkml:trace>
-  <inkml:trace contextRef="#ctx0" brushRef="#br0" timeOffset="59105.76">8672 12980 22 0,'0'0'46'0,"0"0"-10"15,0 0 5-15,0 0-19 16,0 0-9-16,0 0-13 15,0-8 5-15,0 8-5 16,0 0 0-16,0 0 2 16,0 0 9-16,0 0-10 15,0 0-1-15,0 0 7 16,0 0-6-16,0 1 11 16,0 3-5-16,0-2 6 15,0 1 3-15,0 2-15 16,0 5 23-16,0 0 9 15,0 5-8-15,3-2 7 0,2 2-10 16,-2 0-16 0,1-2 15-16,-1 1-20 0,2 0 3 15,-4 3-4-15,1 0 5 16,-1 2-11-16,-1 0-4 16,0-3-69-16,3-3-18 15,-2-6-53-15</inkml:trace>
+  <inkml:trace contextRef="#ctx0" brushRef="#br0" timeOffset="59105.75">8672 12980 22 0,'0'0'46'0,"0"0"-10"15,0 0 5-15,0 0-19 16,0 0-9-16,0 0-13 15,0-8 5-15,0 8-5 16,0 0 0-16,0 0 2 16,0 0 9-16,0 0-10 15,0 0-1-15,0 0 7 16,0 0-6-16,0 1 11 16,0 3-5-16,0-2 6 15,0 1 3-15,0 2-15 16,0 5 23-16,0 0 9 15,0 5-8-15,3-2 7 0,2 2-10 16,-2 0-16 0,1-2 15-16,-1 1-20 0,2 0 3 15,-4 3-4-15,1 0 5 16,-1 2-11-16,-1 0-4 16,0-3-69-16,3-3-18 15,-2-6-53-15</inkml:trace>
   <inkml:trace contextRef="#ctx0" brushRef="#br0" timeOffset="59413.04">8820 13041 35 0,'0'0'121'15,"0"0"-117"-15,0 0 36 16,0 0 4-16,0 0-8 16,0 0-9-16,64 39-26 15,-54-29 4-15,1-2 1 16,-3-1-5-16,2-3-2 0,-4-1-12 15,1-3-29 1,1 0 1-16,2 0-48 0,-2 0-45 16</inkml:trace>
   <inkml:trace contextRef="#ctx0" brushRef="#br0" timeOffset="59626.17">8954 13009 30 0,'0'0'77'16,"0"0"-41"-16,0 0 31 16,0 0-3-16,0 0-19 0,0 0-9 15,-58 49-21 1,49-35-9-16,0 3 2 0,2-1-5 16,-2-1-3-16,0 0 0 15,3 0-31-15,3-3-54 16,3-6-104-16</inkml:trace>
   <inkml:trace contextRef="#ctx0" brushRef="#br0" timeOffset="60410.2">9133 12852 92 0,'0'0'90'15,"0"0"-31"-15,0 0 17 16,0 0-1-16,0 0-20 15,0 0-19-15,-52 0-32 16,52 27 1-16,0 6 22 0,0 0-15 16,0 1-2-16,0-6-2 15,3-6-3-15,3-4 0 16,0-8-5-16,1-2 0 16,1-8 9-16,-1 0-8 15,4-1 11-15,4-20-4 16,-2-6-3-16,0-6-4 15,0-5-1-15,-4-4-2 16,-1-3-9-16,-2-5 10 16,-3-3 1-16,-3 1-2 0,0 9 4 15,0 13-2 1,0 15 0-16,0 12 15 0,0 3 18 16,0 13-33-16,0 21 0 15,0 15 15-15,0 8-10 16,0 0 6-16,0 0-11 15,0-1-5-15,0 1 3 16,0-8-115-16,8-7-178 16</inkml:trace>
@@ -826,7 +829,7 @@
   <inkml:trace contextRef="#ctx0" brushRef="#br0" timeOffset="62143.85">9708 13329 123 0,'0'0'128'16,"0"0"-94"-16,0 0 24 16,0 0 29-16,0 0-35 15,0 0-3-15,-2-81-15 16,15 74-25-16,4 3-8 16,2 2 6-16,-2 2-7 15,4 0 0-15,-6 10 0 16,-5 0-6-16,-4 8 6 0,-6-1 0 15,0 4 4-15,-8 0-3 16,-8 1 15-16,1 0-3 16,2-2-7-1,5-2 8-15,4-2-9 0,4 0 6 16,0-3-11-16,0-2 5 16,9-4 1-16,9 0-6 15,3-6 2-15,4-1-5 16,5 0-8-16,3 0-66 15,-2-5-69-15,-3-7-237 16</inkml:trace>
   <inkml:trace contextRef="#ctx0" brushRef="#br0" timeOffset="62378.82">10078 13235 154 0,'0'0'253'0,"0"0"-210"16,0 0-37-16,0 0 39 16,0 0 24-16,88 60-35 15,-72-37-10-15,-4-4-14 16,2-2-4-16,-1 1-4 16,-3-7-2-16,-2-3-8 15,2-2-9-15,-4-6-64 16,0 0-51-16,-1 0-108 0</inkml:trace>
   <inkml:trace contextRef="#ctx0" brushRef="#br0" timeOffset="62548.85">10236 13280 123 0,'0'0'131'0,"0"0"-99"16,0 0 20-16,0 0 43 15,0 0-46-15,0 0-7 16,-57 43-7-16,38-20-27 15,-2 0 1-15,4 1-9 16,3-2-8-16,6-2-29 16,5-5-64-16,3-3-100 15</inkml:trace>
-  <inkml:trace contextRef="#ctx0" brushRef="#br0" timeOffset="63269.76">10467 13273 12 0,'0'0'22'0,"0"0"13"15,0 0 12-15,0 0-10 16,0 0 36-16,0 0-35 15,-12-50 0-15,9 39 13 16,-1 3-19-16,-2-1-8 16,-2 2 0-16,-5-3-24 15,4 3 17-15,-2 1-9 0,0 5-3 16,0-1 13-16,5 2-16 16,-3 3 8-16,0 20-10 15,-1 8 6-15,2 5 3 16,5 2-9-16,3-4 1 15,0-7 8-15,0-2-6 16,8-10-2-16,4-7 1 16,1-3 2-16,-1-5 7 15,6 0 9-15,-2-14 6 16,4-10-2-16,-2-6-19 16,1-4 8-16,-4-6-4 15,1-2-9-15,-5-4 21 0,-4-3-21 16,-4 0 0-1,-1 4 1-15,-2 11 3 0,0 13-4 16,0 11 30-16,0 8 15 16,0 2-11-16,0 13-34 15,-9 23 0-15,-5 13-7 16,-3 11 10-16,3-3-3 16,8-2 0-16,1-4 0 15,4-10-5-15,1-6-45 16,0-3-37-16,0-6-13 15,-6-2-86-15,-4-4-153 16</inkml:trace>
+  <inkml:trace contextRef="#ctx0" brushRef="#br0" timeOffset="63269.75">10467 13273 12 0,'0'0'22'0,"0"0"13"15,0 0 12-15,0 0-10 16,0 0 36-16,0 0-35 15,-12-50 0-15,9 39 13 16,-1 3-19-16,-2-1-8 16,-2 2 0-16,-5-3-24 15,4 3 17-15,-2 1-9 0,0 5-3 16,0-1 13-16,5 2-16 16,-3 3 8-16,0 20-10 15,-1 8 6-15,2 5 3 16,5 2-9-16,3-4 1 15,0-7 8-15,0-2-6 16,8-10-2-16,4-7 1 16,1-3 2-16,-1-5 7 15,6 0 9-15,-2-14 6 16,4-10-2-16,-2-6-19 16,1-4 8-16,-4-6-4 15,1-2-9-15,-5-4 21 0,-4-3-21 16,-4 0 0-1,-1 4 1-15,-2 11 3 0,0 13-4 16,0 11 30-16,0 8 15 16,0 2-11-16,0 13-34 15,-9 23 0-15,-5 13-7 16,-3 11 10-16,3-3-3 16,8-2 0-16,1-4 0 15,4-10-5-15,1-6-45 16,0-3-37-16,0-6-13 15,-6-2-86-15,-4-4-153 16</inkml:trace>
   <inkml:trace contextRef="#ctx0" brushRef="#br0" timeOffset="63623">9371 13972 173 0,'0'0'142'0,"0"0"-100"16,0 0-39-16,0 0 22 15,0 0 16-15,0 0-19 16,53 18 78-16,38-28-59 0,25-23-9 15,17-6-23-15,6-8-4 16,-6 2 1-16,-12 1-6 16,-15 2 0-16,-14 2 3 15,-13 7 1-15,-13 3-6 16,-14 8 2-16,-18 10-7 16,-14 8-51-16,-17 4 49 15,-3 0-36-15,-27 2-28 16,-24 12-118-16</inkml:trace>
   <inkml:trace contextRef="#ctx0" brushRef="#br0" timeOffset="64109.06">8559 13473 306 0,'0'0'81'0,"0"0"-72"15,137-55 42-15,-58 31-4 16,12 2 18-16,8 0-32 16,1-3-31-16,-1 3 6 15,-6-1-8-15,-11 4 0 16,-13 3-1-16,-17 3 1 0,-19 4-22 16,-14 7-30-16,-13 2-66 15,-6 0-66-15</inkml:trace>
   <inkml:trace contextRef="#ctx0" brushRef="#br0" timeOffset="74601.98">3480 6340 42 0,'0'0'63'0,"0"0"-34"15,-106-47-6-15,75 35 4 0,1-1-1 16,6 2 22-16,2 4 8 15,13 4 20-15,4 3-11 16,4 0-40-16,1 0-25 16,9 1-6-16,33 15-7 15,43 2 13-15,43-5 1 16,53-11 20-16,50-2 3 16,48-4-19-16,40-14 3 15,21 0-8-15,11-1-12 16,-2-4-15-16,-12-7 14 15,-16-5 13-15,-17-1 4 16,-26 7 0-16,-29 6-8 16,-30 2-2-16,-38 3-30 15,-43 6 16-15,-49 4-35 16,-42 3 0-16,-29 3-2 0,-18 0 17 16,-21 2 26-16,-31 0-46 15</inkml:trace>
@@ -858,7 +861,7 @@
   <inkml:trace contextRef="#ctx0" brushRef="#br0" timeOffset="-194672.28">19531 18583 217 0,'0'0'155'0,"0"0"-25"16,0 0-55-16,0 0-44 15,0 0 2-15,-81-7-1 16,57 23-16-16,5 4-9 16,10-3-7-16,4 0 0 0,5-2-3 15,0-4 2-15,11-9 1 16,9 1-2-16,3-3-10 16,-1 0 6-16,-7 0-16 15,-6 0 22-15,-6 0 6 16,0 0-4-16,-3 0-3 15,2 0 1-15,1 0-2 16,5 0-3-16,6 0 5 16,4 0-73-16,2 0 1 15,3 0-52-15,4-10-45 16,3-2-40-16</inkml:trace>
   <inkml:trace contextRef="#ctx0" brushRef="#br0" timeOffset="-194252.41">19765 18599 163 0,'0'0'113'0,"0"0"-42"15,0 0 11-15,0 0-31 16,0 0-15-16,0 0 22 16,-26-20-32-16,19 24-25 15,-2 8-1-15,8-1 0 16,1-1-8-16,0-3 0 16,5-4-29-16,13-3 37 15,8-3 19-15,1-17-14 16,4-10 6-16,0-7-6 15,1-9-3-15,0-10 5 16,-2 0-7-16,-1 5 0 0,-6 9 0 16,-9 16 2-1,-6 15 37-15,-7 11 47 0,-1 0-70 16,0 28-16-16,-15 12 0 16,-7 8 12-16,-2 3 11 15,0-3-21-15,1-5 2 16,7-9-4-16,6-13 3 15,7-10-2-15,3-10 3 16,3-1-4-16,20-12 21 16,9-3-15-16,-1-4-6 15,-6 8 0-15,-5 8 4 16,-4 3-11-16,-4 3-5 0,0 17 0 16,0 0 10-1,2 3-47-15,6-7-46 0,7-8-126 16</inkml:trace>
   <inkml:trace contextRef="#ctx0" brushRef="#br0" timeOffset="-193563.88">18733 17345 85 0,'0'0'89'15,"-63"135"-69"-15,51-66-8 16,12 1-7-16,1 2 34 15,24 0 39-15,10-3-49 16,7-7-10-16,8-10-17 0,7-10 1 16,9-15 6-16,5-18-3 15,7-9-4-15,0-20 92 16,-1-24-81-16,-2-11 11 16,-3-12-6-16,-10-18-12 15,-10-7 1-15,-14-10-7 16,-15-3 0-16,-13 5-1 15,-10 4 2-15,-23 11-5 16,-29 14-1-16,-20 12-34 16,-17 14 7-16,-19 10-59 15,-9 9-288-15</inkml:trace>
-  <inkml:trace contextRef="#ctx0" brushRef="#br0" timeOffset="-192602.74">13742 17280 34 0,'0'0'61'16,"-81"86"-1"-16,51-35-2 15,8 11-7-15,19 7-16 16,3 7-6-16,20 4-15 0,23-3 3 16,10-8-8-1,11-14-8-15,7-12 1 0,0-14-2 16,1-12 0-16,-7-17-2 15,0 0 15-15,-4-34-13 16,1-15 19-16,3-16-12 16,-4-17 0-16,-8-12-6 15,-9-8 2-15,-17-3-3 16,-23 3-5-16,-11 4 5 16,-47 20 1-16,-28 18-1 15,-19 23 0-15,-20 26-1 16,-8 11-10-16,1 3-18 15,7 19-96-15,20-2-88 16</inkml:trace>
+  <inkml:trace contextRef="#ctx0" brushRef="#br0" timeOffset="-192602.75">13742 17280 34 0,'0'0'61'16,"-81"86"-1"-16,51-35-2 15,8 11-7-15,19 7-16 16,3 7-6-16,20 4-15 0,23-3 3 16,10-8-8-1,11-14-8-15,7-12 1 0,0-14-2 16,1-12 0-16,-7-17-2 15,0 0 15-15,-4-34-13 16,1-15 19-16,3-16-12 16,-4-17 0-16,-8-12-6 15,-9-8 2-15,-17-3-3 16,-23 3-5-16,-11 4 5 16,-47 20 1-16,-28 18-1 15,-19 23 0-15,-20 26-1 16,-8 11-10-16,1 3-18 15,7 19-96-15,20-2-88 16</inkml:trace>
 </inkml:ink>
 </file>
 
@@ -951,7 +954,7 @@
   <inkml:trace contextRef="#ctx0" brushRef="#br0" timeOffset="6710.15">17254 3007 210 0,'0'0'57'0,"0"0"-47"15,0 0 17-15,0 0 26 16,0 0 4-16,0 0-24 0,0 0-15 16,9-2 9-16,12 0-24 15,20-8 11-15,25-2 3 16,25-5-14-16,23-2-3 15,24-7 11-15,30-9-10 16,27-4 4-16,19-7-5 16,15 4 0-16,-4 8 0 15,-11 5-6-15,-13 3 4 16,-19 6-35-16,-25-1-27 16,-29 7 43-16,-42 7 8 15,-39 6-41-15,-31-3-2 16,-16 4-50-16,-18-2 106 15,-13-1 10-15,-9 1-10 0,-8 2-34 16</inkml:trace>
   <inkml:trace contextRef="#ctx0" brushRef="#br0" timeOffset="7713.95">21801 2828 120 0,'0'0'134'0,"0"0"-112"16,0 0-17-16,0 0 29 15,143-23 9-15,-17 9 25 0,49-2-27 16,44 4-12 0,33 6-19-16,25 6 6 0,17 0-10 15,18 18 39-15,19 6-28 16,13 10-17-16,0-1-8 15,-10-1-91-15,-29 1 30 16,-35-13-97-16</inkml:trace>
   <inkml:trace contextRef="#ctx0" brushRef="#br0" timeOffset="9102.73">17372 3159 86 0,'0'0'49'0,"0"0"47"16,0 0-59-16,0 0 28 16,0 0-23-16,0 0-8 15,-14-31-14-15,44 17-15 16,15-4-4-16,19 0 6 15,23-1 10-15,24-3 0 0,24-4 10 16,26-2-14-16,22-4 2 16,25 0-12-16,19-3 3 15,5 2-6-15,-3 4 0 16,-13 1-2-16,-21 4 2 16,-20 3-36-16,-21 0 2 15,-32 6-2-15,-33 7-4 16,-36 2 5-16,-31 3-36 15,-22 3-1-15,-4 0 12 16,-25 0 48-16,-9 0-8 16,-14 0-102-16</inkml:trace>
-  <inkml:trace contextRef="#ctx0" brushRef="#br0" timeOffset="9533.87">17109 3131 49 0,'0'0'25'0,"0"0"-10"16,0 0-13-16,0 0 37 15,0 0 39-15,140-35-28 16,-38 10-21-16,37-2-1 15,31-9-17-15,31-3 14 16,23-2-25-16,21-3 4 16,10 2-4-16,6-1 0 15,-6 4-37-15,-16 2 1 16,-22 8-29-16,-19 5 4 0,-30 7-3 16,-34 5-11-1,-40 6 58-15</inkml:trace>
+  <inkml:trace contextRef="#ctx0" brushRef="#br0" timeOffset="9533.86">17109 3131 49 0,'0'0'25'0,"0"0"-10"16,0 0-13-16,0 0 37 15,0 0 39-15,140-35-28 16,-38 10-21-16,37-2-1 15,31-9-17-15,31-3 14 16,23-2-25-16,21-3 4 16,10 2-4-16,6-1 0 15,-6 4-37-15,-16 2 1 16,-22 8-29-16,-19 5 4 0,-30 7-3 16,-34 5-11-1,-40 6 58-15</inkml:trace>
   <inkml:trace contextRef="#ctx0" brushRef="#br0" timeOffset="11471.55">18987 2995 142 0,'0'0'120'0,"0"0"-120"16,0 0 8-16,0 0 7 15,0 0 51-15,122 92-20 0,-66-44 3 16,14 6-22 0,17 3 19-16,20 0-10 0,9-2-4 15,7 0 1-15,-3-5-33 16,-9-2 0-16,-12-6-5 15,-19-3 0-15,-19 0-42 16,-17-3-89-16,-10-7-156 16</inkml:trace>
   <inkml:trace contextRef="#ctx0" brushRef="#br0" timeOffset="11920.8">22789 3018 264 0,'0'0'51'0,"0"0"-46"15,-112 30-5-15,50 3 45 16,-10 10-6-16,-3 3-7 15,-2 3-27-15,2 0-4 16,-3 0 5-16,1 1-4 16,-2-3-2-16,0 0 0 15,3-5 8-15,4-2-12 16,5-3 4-16,8-8-9 16,12-7-17-16,17-12-53 15,20-10-56-15,10 0-3 16</inkml:trace>
   <inkml:trace contextRef="#ctx0" brushRef="#br0" timeOffset="12146.46">21733 3371 113 0,'0'0'68'16,"0"0"-27"-16,0 0-6 15,0 0 20-15,0 0-4 16,-90 97-18-16,68-70-9 15,4 0-17-15,7-6 11 16,5-2-18-16,6-6 0 16,0-1 8-16,17-5-7 15,10-6 26-15,4-1-14 0,4 0-13 16,-6 0-6 0,-9-6-161-16</inkml:trace>
@@ -982,7 +985,7 @@
   <inkml:trace contextRef="#ctx0" brushRef="#br0" timeOffset="47010.1">8944 13805 59 0,'0'0'60'0,"0"0"19"0,0 0-34 15,0 0-18-15,0 0-2 16,0 0-25-16,0 0 0 16,-66-53-3-16,56 53 3 15,-1 0 16-15,1 11-16 16,5 14 3-16,4 13-3 16,1 15-3-16,0 15 3 15,9 8 4-15,15-2-3 16,-2-8-2-16,6-20-2 15,-1-16-40-15,-4-14-18 16,-1-15 38-16,-6-1 2 16,-2-24-4-16,-8-22 25 15,0-15 23-15,-6-8 9 0,0-3 33 16,0 2-22-16,0 4-9 16,-3 13-27-16,-2 15 5 15,4 14 15-15,1 21 29 16,3 12-56-16,27 40 24 15,14 38-18-15,13 35 53 16,3 14-22-16,10 15-22 16,-9-4-11-16,-7-17-7 15,-11-11 3-15,-15-21-1 16,-11-20-2-16,-10-21-1 16,-4-27 4-16,-3-15-6 15,-7-15 17-15,-17 0 70 16,-18-13-14-16,-9-17-50 0,-7-14-17 15,-2-14-6 1,5-19-23-16,9-14 20 0,12-9-30 16,25 0 1-16,9 14-12 15,18 18-25-15,22 18-44 16,15 10-48-16</inkml:trace>
   <inkml:trace contextRef="#ctx0" brushRef="#br0" timeOffset="47505.39">9496 13556 204 0,'0'0'115'0,"0"0"-97"16,0 0 32-16,-99 41-20 16,81 3-13-16,11 8-12 15,7 7 18-15,7 1-23 16,19-7 0-16,4-6 3 16,3-8-3-16,2-8 0 15,-8-10 1-15,0-8-1 16,-5-11-4-16,-2-2-32 15,-7-18-7-15,-2-18 43 0,-3-9-12 16,-8-5 3-16,0-6 7 16,-4-4 4-16,-14-3 12 15,-4 3-13-15,4 7 5 16,0 17 14-16,7 13 5 16,8 17 38-16,3 6-33 15,0 9-30-15,14 20 0 16,7 6 0-16,1 3 6 15,-1-3 3-15,0-3-5 16,6-3-4-16,-2-4 0 16,5-3 6-16,-3-6-14 15,0-8-3-15,3-3-90 0,-8-5-101 16</inkml:trace>
   <inkml:trace contextRef="#ctx0" brushRef="#br0" timeOffset="48374.54">9933 13571 191 0,'0'0'94'15,"0"0"-17"-15,0 98-39 16,0-70-17-16,0-6 10 16,0-6-11-16,1-3-19 15,1-4 6-15,-1-7-7 16,-1-2 2-16,0 0 16 0,0-12-4 15,0-15 3-15,0-7-17 16,-1-5-25-16,-1 0 18 16,2 10-19-16,0 9 11 15,0 12 12-15,0 8-9 16,9 0 8-16,5 20 2 16,1 4 4-16,-3 1 2 15,-1 0-4-15,-3-5 0 16,-2-2 11-16,2-10-11 15,-5 1 0-15,-2-9 2 16,-1 0 1-16,2-9 21 16,0-13 19-16,-2-12-38 0,2-4 0 15,2-4-5-15,2 1 0 16,6 4-4 0,5 10 3-16,-1 6-1 0,2 13 1 15,3 6-5-15,-5 2 3 16,2 4 2-16,0 12-3 15,0 4 2-15,7-3 4 16,-2-4-4-16,2-2 2 16,1-6 0-16,-3-3 3 15,0-2-3-15,-5 0 3 16,-1-3-6-16,-3-11 6 16,-1-4 0-16,-4-6 0 15,-4-3-3-15,-4-4-2 16,-1-5-13-16,-1 1 14 15,-14 3 0-15,-6 5-6 0,6 8 7 16,3 12 18-16,6 7 5 16,3 1-11-16,2 26-11 15,1 9-1-15,0 6 8 16,0-2-2-16,12-4-6 16,4-7 0-16,2-9 3 15,-2-6-5-15,-1-4 2 16,3-8 0-16,0-2 0 15,3-1 5-15,4-23-10 16,-1-9 0-16,0-9 5 0,0-9 4 16,0-2-4-1,3-1 0-15,4 12-7 16,2 15 7-16,-2 17 0 0,-4 10 11 16,-5 8-6-16,-4 19 16 15,-3 3-16-15,-7 2-2 16,-4-3 11-16,-4-1-12 15,0-2 8-15,0-1-10 16,-9-4 7-16,-9 4-9 16,-2-8 2-16,0-3-67 15,-2-5-10-15,-2-4-82 16</inkml:trace>
-  <inkml:trace contextRef="#ctx0" brushRef="#br0" timeOffset="48935.79">11599 13000 332 0,'0'0'107'0,"0"0"-98"16,0 0-9-16,0 0 0 15,0 0 6-15,91-7 0 16,-43-9 25-16,10-7-29 15,5-1 0-15,1 0 15 16,-1-2-17-16,-6-2 0 16,-5 1-4-16,-3-2 11 15,-3-1-20-15,-5 2 10 16,-10 2-3-16,-12 3-5 16,-10 3 11-16,-9-2 1 15,0 2 16-15,0-2-15 16,-10 7 23-16,-4 3 2 15,4 7-11-15,2 2-7 0,5 3-9 16,3 0 0-16,0 0-2 16,0 0-5-16,6 4 4 15,8 13-2-15,-1 3 10 16,-2 2-6-16,-5 2 1 16,-2 4 0-16,-4 1-4 15,0 3 4-15,0 4-59 16,-9-3-87-16,-6-1-161 15</inkml:trace>
+  <inkml:trace contextRef="#ctx0" brushRef="#br0" timeOffset="48935.78">11599 13000 332 0,'0'0'107'0,"0"0"-98"16,0 0-9-16,0 0 0 15,0 0 6-15,91-7 0 16,-43-9 25-16,10-7-29 15,5-1 0-15,1 0 15 16,-1-2-17-16,-6-2 0 16,-5 1-4-16,-3-2 11 15,-3-1-20-15,-5 2 10 16,-10 2-3-16,-12 3-5 16,-10 3 11-16,-9-2 1 15,0 2 16-15,0-2-15 16,-10 7 23-16,-4 3 2 15,4 7-11-15,2 2-7 0,5 3-9 16,3 0 0-16,0 0-2 16,0 0-5-16,6 4 4 15,8 13-2-15,-1 3 10 16,-2 2-6-16,-5 2 1 16,-2 4 0-16,-4 1-4 15,0 3 4-15,0 4-59 16,-9-3-87-16,-6-1-161 15</inkml:trace>
   <inkml:trace contextRef="#ctx0" brushRef="#br0" timeOffset="93131.66">13279 12993 31 0,'0'0'25'16,"0"0"6"-16,0 0 64 16,0 0-17-16,0 0-31 15,0 0 14-15,0 0-44 16,0 0-2-16,0 0-13 16,0 0 28-16,-43-24-15 15,10 57-6-15,0 12-5 16,-1 6 10-16,7 4-14 0,5 1 0 15,7-3 6 1,12 0-3-16,3-4 6 0,0 1-9 16,12-5-1-16,4-3-1 15,5 1 2-15,3-2 0 16,-1 4-2-16,-1-4 6 16,-1-6-4-16,-3-6 0 15,-2-7 0-15,-4-7-3 16,1-9 3-16,1-4-5 15,5-2 5-15,6-9 4 16,7-18 1-16,4-10-5 16,3-5-1-16,-2 0-7 15,-3 6 3-15,-7 11 5 16,-9 11 17-16,-9 8-17 0,-6 6 11 16,0 0-11-16,-3 22 0 15,0 12 16 1,-3 9 20-16,-6-1-20 0,-2-4-1 15,4-4-11-15,3-6-2 16,-1-1 2-16,2-3-2 16,0 1-4-16,3-4-24 15,0-7-84-15,3-12-71 16,12-2-101-16</inkml:trace>
   <inkml:trace contextRef="#ctx0" brushRef="#br0" timeOffset="93591.88">13845 12910 292 0,'0'0'63'16,"-88"69"-10"-16,45-15-53 15,10 3 19-15,12 1 0 16,15 3 2-16,6 0 4 0,12 2-16 16,14-5 5-16,6-6-4 15,2-10-10-15,4-6 1 16,-3-11 4-16,-2-9-5 15,-1-13 0-15,0-3-9 16,1-23 9-16,4-24 14 16,-4-13-11-16,-6-9 12 15,-7-9-15-15,-11-2 9 16,-9-2-9-16,0 9-10 16,-23 13 10-16,-7 18 21 15,-4 21-19-15,-6 21-4 16,4 2-4-16,5 23-7 15,7 2-40-15,12 3-35 16,9-1-52-16,3-6-72 0</inkml:trace>
   <inkml:trace contextRef="#ctx0" brushRef="#br0" timeOffset="94025.09">14253 12979 309 0,'0'0'46'0,"0"0"5"16,74 110 13-16,-50-66-29 15,-4-3 12-15,-2-1-4 16,-1-3-30-16,-2-1-4 0,-1-7-9 16,-3-8 4-16,-5-8-3 15,-1-10-1-15,-4-3 0 16,5-3 21-16,0-31-4 15,3-20-10-15,0-11-7 16,0-3-9-16,-2 8 4 16,-2 18 5-16,-1 19 0 15,-1 12-4-15,3 11 0 16,3 0-9-16,5 17 4 16,3 10 9-16,4 2 5 15,-1 1 1-15,0-3-6 16,-3-7 3-16,1-8 2 15,-6-5-5-15,-2-7 2 16,1 0 0-16,1-8 16 0,1-18 18 16,8-9-12-16,-5-4-22 15,-1 1 5-15,-3 8-14 16,-3 9-15-16,-6 10-81 16,-3 11-177-16</inkml:trace>
@@ -1001,7 +1004,7 @@
   <inkml:trace contextRef="#ctx0" brushRef="#br0" timeOffset="126315.79">16636 14788 258 0,'0'0'56'16,"0"0"1"-16,0 0-20 15,0 0 27-15,0 0-57 16,-43 88 54-16,31-26-12 16,6-3-46-16,6-11 5 15,0-9-7-15,8-9 4 0,11-11-9 16,2-13 4-1,1-6-17-15,5-25-19 0,1-14-15 16,2-9 14-16,-4 1 24 16,-6 5 11-16,-3 11 1 15,-4 19 2-15,-1 12-1 16,-1 21 10-16,-1 26 26 16,-5 18 21-16,-5 14-21 15,0 10-13-15,0 11 19 16,0 1-8-16,0 4-18 15,0 1 21-15,0-3-27 16,0-4 0-16,-14-20-4 0,-10-25-4 16,-9-25 8-1,-5-22 16-15,-4-7 13 0,-2-14-13 16,3-20-20-16,8-8 2 16,12-10-8-16,17-8-6 15,5-11 6-15,33-9-76 16,11-4-58-16,4-3-62 15</inkml:trace>
   <inkml:trace contextRef="#ctx0" brushRef="#br0" timeOffset="127004.59">17276 14741 24 0,'0'0'492'0,"0"0"-409"15,-86-15-55-15,61 32 12 16,3 18 1-16,5 9-3 16,3 7-27-16,4-5-10 15,8-3 5-15,2-14-6 16,0-8 0-16,9-9 0 16,5-12-3-16,6 0 2 15,2-22-17-15,3-10-21 16,0-7 17-16,-1-3-4 15,-4 9-4-15,-4 10 0 16,-4 15 18-16,-1 8 11 16,-1 0 1-16,-1 14 10 0,-1 1 23 15,-2 2-17-15,-1-4 5 16,-1-6-6-16,-1-1-14 16,0-6 3-16,4 0-4 15,4 0 3-15,3-14 7 16,7-7-9-16,1-1 3 15,-1 1-4-15,-2 7 0 16,0 7 0-16,-3 3 0 16,-3 4 0-16,-3 0-7 15,-1 0 7-15,1 0 0 16,1 6-5-16,3-2 5 16,7-1-1-16,4-3-13 15,3 0-29-15,3 0 24 16,1-3-7-16,-5-8 2 15,-5 1 21-15,-1-5 3 0,-2-3 2 16,-2-3-2-16,2-7 2 16,1-8-2-16,-4 3 0 15,-4 3 0-15,-3 7 6 16,-8 12-5-16,-1 11 33 16,0 0 13-16,0 14-47 15,0 15 38-15,-1 4-9 16,-2 0-16-16,3-3 2 15,0-5-12-15,0-3 1 16,6-5-4-16,14-5 4 0,8-8-11 16,10-4 0-1,4 0-100-15,2-4-55 0,-4-15-311 16</inkml:trace>
   <inkml:trace contextRef="#ctx0" brushRef="#br0" timeOffset="127225.67">18805 14798 502 0,'0'0'3'0,"83"-22"-3"15,-21 6-13 1,8-3 9-16,3-3-22 0,-2-2-156 16</inkml:trace>
-  <inkml:trace contextRef="#ctx0" brushRef="#br0" timeOffset="128514.91">20191 13805 62 0,'0'0'86'16,"0"0"-45"-16,0 0 11 15,0 0 0-15,0 0-52 16,0 0 38-16,53 146 27 15,-32-76-29-15,-2-4-28 16,-3-6 6-16,-2-6-14 0,-5-4 1 16,-6-4-3-1,-3-3 2-15,0-10-57 0,6-10-65 16,7-12-57-16</inkml:trace>
+  <inkml:trace contextRef="#ctx0" brushRef="#br0" timeOffset="128514.9">20191 13805 62 0,'0'0'86'16,"0"0"-45"-16,0 0 11 15,0 0 0-15,0 0-52 16,0 0 38-16,53 146 27 15,-32-76-29-15,-2-4-28 16,-3-6 6-16,-2-6-14 0,-5-4 1 16,-6-4-3-1,-3-3 2-15,0-10-57 0,6-10-65 16,7-12-57-16</inkml:trace>
   <inkml:trace contextRef="#ctx0" brushRef="#br0" timeOffset="128931.8">20970 13697 168 0,'0'0'169'0,"0"0"-116"0,5 132-26 15,-5-77-8-15,0-2-3 16,0-3 13-16,0-5-1 16,0-8-28-16,-2-13 6 15,-1-12-6-15,3-9 4 16,-1-3 1-16,-2-10 15 16,1-19 12-16,-2-17-25 15,2-13-4-15,2-10-2 16,0-6-1-16,0 7-6 15,18 9 5-15,9 17-7 16,-2 14 5-16,2 13 0 16,-3 11 6-16,2 4 0 0,2 0-3 15,0 3 4-15,-2 11-3 16,-3 2-1-16,-3 2 0 16,-1-2-3-16,4-3 2 15,-2-1-53-15,4-8-61 16,2-4-127-16</inkml:trace>
   <inkml:trace contextRef="#ctx0" brushRef="#br0" timeOffset="129263.65">21544 13571 343 0,'0'0'102'0,"0"0"-65"16,-104 105-11-1,85-80 28-15,4-2-27 0,6-6-3 16,3-5-22-16,3-4-2 16,3-8 1-16,0 0 5 15,0-4-1-15,18-20-5 16,6-9-9-16,6-9 5 16,-1-3-22-16,-2-2-2 15,-1 5 2-15,-2 11-6 16,-5 11 22-16,-4 12 7 15,-2 8-7-15,-2 14 9 16,-1 19 2-16,-2 7 5 0,-7 6 9 16,1-4-14-1,1-6-1-15,1-6 0 0,4-12-131 16,3-12-210-16</inkml:trace>
   <inkml:trace contextRef="#ctx0" brushRef="#br0" timeOffset="129659.71">22064 13319 461 0,'0'0'2'16,"13"84"33"-16,-8-37 25 15,1 1-2-15,-3-2-9 16,-2-3-35-16,-1-2-9 0,0-8-2 15,0-11-3-15,0-12 0 16,0-7 3-16,0-3-1 16,0-14 14-16,0-18-16 15,0-10-9-15,0-4 3 16,0-2-28-16,7 10 0 16,15 10 9-16,9 13-13 15,5 15 30-15,4 0 5 16,-4 19 6-16,-8 9-4 15,-8 6 2-15,-10 0 7 16,-10-3 30-16,0-3-9 16,-6-2 0-16,-18-2-2 0,-7-4-13 15,-11 3 3 1,0-2-17-16,-1 1-2 0,3-4-27 16,4-1-93-16,6-6-92 15</inkml:trace>
@@ -1010,21 +1013,21 @@
   <inkml:trace contextRef="#ctx0" brushRef="#br0" timeOffset="134076.54">11062 16072 137 0,'0'0'17'0,"-100"75"-12"15,51-31-2-15,9-5 2 16,4-5-5-16,11-8 9 0,1-5-7 15,9-7-1 1,3-5 4-16,6-6-4 0,6 0 25 16,0 2 4-16,16 2-22 15,17 8 73-15,11 2-16 16,8 5-23-16,6-2 7 16,1 2-34-16,0-5 6 15,-5 1-11-15,-7 3-10 16,-8-1 0-16,-8-2-25 15,-5-4-42-15,-6-7-86 16</inkml:trace>
   <inkml:trace contextRef="#ctx0" brushRef="#br0" timeOffset="134616.31">11513 16365 138 0,'0'0'137'0,"0"0"-100"16,0-93-17-16,0 57 29 15,0-2-9-15,0 7-1 0,0 8-19 16,0 9 3-16,0 11 30 15,-5 3-32-15,2 3-21 16,2 21 0-16,-3 6 0 16,2 8 4-16,2-4-3 15,0-3 2-15,3-6-2 16,10-5-1-16,1-6-4 16,1-4 2-16,-2-6-5 15,0-4 7-15,-2 0-14 16,0-10-18-16,0-13 32 15,0-6-27-15,-4-5-7 16,-5-3 31-16,1 5 3 0,-3 7 0 16,0 7 6-1,0 10 6-15,0 5 43 0,0 3-21 16,0 0-34-16,4 13 0 16,4 5 0-16,1-2 9 15,4-2-5-15,-4-4-4 16,5-7 9-16,-3-3-8 15,1 0 5-15,3 0 6 16,-4-13-10-16,1-2-4 16,-1 0-24-16,-6 5-74 15,1 5-96-15</inkml:trace>
   <inkml:trace contextRef="#ctx0" brushRef="#br0" timeOffset="135069.26">11702 15675 69 0,'0'0'92'15,"0"0"-1"-15,0 0 6 16,0 0-49-16,0 0-36 16,32 98 74-16,-19-33-29 15,2 3-30-15,-3-4-5 16,1-4-21-16,1-9-1 16,4-7 5-16,0-9-5 15,1-5 0-15,2-7-47 0,-2-9-51 16,4-11-33-16,2-3-121 15</inkml:trace>
-  <inkml:trace contextRef="#ctx0" brushRef="#br0" timeOffset="135529.89">12083 15852 219 0,'0'0'76'15,"0"0"-38"-15,0 0 0 0,-85 59 18 16,76-12-15-16,7 8 6 16,2 0-13-16,0-5-15 15,15-11-18-15,2-8 10 16,2-10-11-16,3-11 0 15,-1-7-1-15,2-3 5 16,2-20 1-16,0-15-1 16,-2-12-4-16,-1-1-13 15,-6-8-13-15,-8-2 9 16,-8-6 13-16,0-3-4 16,0-8 8-16,-11 2 0 15,-6 1 5-15,-1 12-5 0,1 20 2 16,4 16 9-16,7 19 48 15,5 5-12-15,1 33-40 16,0 22 3-16,14 18 21 16,6 10-1-16,7-1-29 15,0-6 3-15,-1-2-4 16,1-12 0-16,3-6-35 16,-2-12-123-16,-5-11-249 15</inkml:trace>
+  <inkml:trace contextRef="#ctx0" brushRef="#br0" timeOffset="135529.88">12083 15852 219 0,'0'0'76'15,"0"0"-38"-15,0 0 0 0,-85 59 18 16,76-12-15-16,7 8 6 16,2 0-13-16,0-5-15 15,15-11-18-15,2-8 10 16,2-10-11-16,3-11 0 15,-1-7-1-15,2-3 5 16,2-20 1-16,0-15-1 16,-2-12-4-16,-1-1-13 15,-6-8-13-15,-8-2 9 16,-8-6 13-16,0-3-4 16,0-8 8-16,-11 2 0 15,-6 1 5-15,-1 12-5 0,1 20 2 16,4 16 9-16,7 19 48 15,5 5-12-15,1 33-40 16,0 22 3-16,14 18 21 16,6 10-1-16,7-1-29 15,0-6 3-15,-1-2-4 16,1-12 0-16,3-6-35 16,-2-12-123-16,-5-11-249 15</inkml:trace>
   <inkml:trace contextRef="#ctx0" brushRef="#br0" timeOffset="135869.43">12588 15939 173 0,'0'0'135'16,"0"0"-45"-16,-3-105-23 15,-8 65-7-15,-3 5-10 16,1 5-33-16,-1 9 5 16,4 13 13-16,-2 8-7 15,0 0-12-15,-1 18-12 16,2 15 0-16,2 9 11 16,8 6-10-16,1 0 6 15,1-1-2-15,17-4-9 0,6-6 8 16,0-6-8-1,1-9 3-15,-2-9-3 0,2-9-6 16,0-4-2-16,2-2-59 16,0-14-32-16,0-7-21 15,-6-3-146-15</inkml:trace>
   <inkml:trace contextRef="#ctx0" brushRef="#br0" timeOffset="136437.62">12802 15762 242 0,'0'0'149'0,"0"0"-86"16,0 0-9-16,0 0-8 16,0 0-17-16,-36 95 16 15,36-52-34-15,0-2 3 0,9-4-8 16,0-9-2-16,0-8-5 16,3-13 1-16,-2-6-24 15,1-1 1-15,4-8-7 16,-3-19-3-16,-2-9 2 15,-4-4 16-15,-3-8 8 16,-3-9-23-16,0-7 8 16,-6-4 1-16,-9-6-14 15,0 9 28-15,2 12 7 16,5 20 23-16,5 21 84 16,3 12-7-16,0 28-73 15,14 29-17-15,10 24 56 16,-2 13-26-16,-4 7 11 0,-9-4-35 15,-6-7 0-15,-3-6-8 16,0-10-5-16,0-6 3 16,0-11-6-16,0-22 0 15,0-16-3-15,0-13 9 16,0-6-6-16,0-27 6 16,0-13-4-16,0-16-4 15,1-12-7-15,1-9-20 16,4-3 15-16,6 7-11 15,6 9 8-15,9 14 12 16,2 20 1-16,1 16 1 16,-3 14-1-16,-6 7 4 0,-12 24 0 15,-6 4 12 1,-3 4 8-16,-8 2 1 0,-9 1-21 16,-6-2 9-16,4-3-9 15,1-2-8-15,6-5-55 16,4-10-85-16,3-9-145 15</inkml:trace>
-  <inkml:trace contextRef="#ctx0" brushRef="#br0" timeOffset="136813.82">13296 15705 319 0,'0'0'85'15,"0"0"-53"-15,0 0 44 16,89-104-9-16,-59 76-50 16,0-1 3-16,-6 5-20 15,-5 6 0-15,-8 0 11 16,-8 8 11-16,-3-1-4 16,0 2-15-16,-12 4 2 15,-3 3-10-15,0 2 4 16,3 3 1-16,3 19-4 15,8 4 1-15,1 3 3 16,0 4 0-16,3-5 2 16,8-1 0-16,0-9-2 15,2-2 0-15,-2-6-4 0,-4-4 4 16,-1-2 0-16,0 3 1 16,-6 3 1-16,0-1-4 15,0 7-10-15,-10 2-53 16,-4-1-41-16,-1-2-112 15</inkml:trace>
+  <inkml:trace contextRef="#ctx0" brushRef="#br0" timeOffset="136813.81">13296 15705 319 0,'0'0'85'15,"0"0"-53"-15,0 0 44 16,89-104-9-16,-59 76-50 16,0-1 3-16,-6 5-20 15,-5 6 0-15,-8 0 11 16,-8 8 11-16,-3-1-4 16,0 2-15-16,-12 4 2 15,-3 3-10-15,0 2 4 16,3 3 1-16,3 19-4 15,8 4 1-15,1 3 3 16,0 4 0-16,3-5 2 16,8-1 0-16,0-9-2 15,2-2 0-15,-2-6-4 0,-4-4 4 16,-1-2 0-16,0 3 1 16,-6 3 1-16,0-1-4 15,0 7-10-15,-10 2-53 16,-4-1-41-16,-1-2-112 15</inkml:trace>
   <inkml:trace contextRef="#ctx0" brushRef="#br0" timeOffset="141995.75">10552 16555 308 0,'0'0'60'16,"0"0"-54"-16,0 0-3 15,0 0 53-15,0 0 6 16,0 0-6-16,-82-17 3 16,67 1-27-16,-1-5 4 15,-7-8 8-15,0-7-29 16,-6-5-3-16,-13-2-12 16,-7 0 5-16,-19 3-7 0,-15-4 2 15,-18-4-7 1,-17 0 3-16,-13-5-14 0,-5-3 17 15,-4-2 0-15,12 3-4 16,8 5 1-16,11 13-6 16,14 12 9-16,10 14-7 15,13 4 8-15,20 6 0 16,13-2-1-16,14 0 1 16,5-2-4-16,5 1 4 15,4-3 0-15,3-1 0 16,2-2 4-16,3 2-4 15,3-4 0-15,0 2-6 16,0 4-20-16,0 1-25 16,0 4-13-16,0 1-16 15,0 0-97-15,-2 0-104 0</inkml:trace>
-  <inkml:trace contextRef="#ctx0" brushRef="#br0" timeOffset="142296.48">8750 15581 292 0,'0'0'59'0,"0"0"-48"16,0 0 2-16,-39 105 19 15,17-75 22-15,-5-1-26 0,7-6-11 16,1-7-9-16,11-6-7 15,2-4 4-15,4-6-3 16,2 0 0-16,0 0 18 16,0-19 5-16,4-1-25 15,8-5-1-15,2 7 1 16,-1 4 2-16,-6 4-2 16,1 5-10-16,-1 2-29 15,-1-4-112-15,-3 0-219 16</inkml:trace>
+  <inkml:trace contextRef="#ctx0" brushRef="#br0" timeOffset="142296.47">8750 15581 292 0,'0'0'59'0,"0"0"-48"16,0 0 2-16,-39 105 19 15,17-75 22-15,-5-1-26 0,7-6-11 16,1-7-9-16,11-6-7 15,2-4 4-15,4-6-3 16,2 0 0-16,0 0 18 16,0-19 5-16,4-1-25 15,8-5-1-15,2 7 1 16,-1 4 2-16,-6 4-2 16,1 5-10-16,-1 2-29 15,-1-4-112-15,-3 0-219 16</inkml:trace>
   <inkml:trace contextRef="#ctx0" brushRef="#br0" timeOffset="143148.01">6258 15438 107 0,'0'0'74'15,"0"0"16"-15,42 128-5 16,-30-76-45-16,0 2-20 15,0-4 0-15,0-4-6 16,1-1-10-16,-2-11 3 16,-2-9-7-16,-3-7 2 15,-2-8-2-15,-4-4 5 16,0-6 2-16,0 0 38 16,-10-6 10-16,-7-18-44 15,-7-11-9-15,-1-13-1 0,0-11-1 16,-5-10 3-16,3-8-5 15,1-4 2-15,-2 0 0 16,3-2-4-16,1-1 4 16,3 8 0-16,6 9-1 15,2 10-7-15,7 12 7 16,6 13 0-16,0 8-8 16,16 12 3-16,20 12-10 15,16 0 16-15,6 23 1 16,-2 6-1-16,-9 5 1 15,-12 7-1-15,-12 2 3 16,-12 6-3-16,-11 7 3 16,0 5 1-16,-9 0-1 15,-16 1-2-15,-2-12-2 0,0-10-52 16,6-10-79-16,3-15-107 16</inkml:trace>
   <inkml:trace contextRef="#ctx0" brushRef="#br0" timeOffset="143436.84">6558 15466 223 0,'0'0'65'0,"0"0"-44"0,0 0 17 15,57 95 12 1,-54-67-1-16,-2-2-14 0,-1-8-23 15,0-8 1-15,0-8 17 16,0-2 66-16,0 0-11 16,-4-9-47-16,-4-12-17 15,-5-7-18-15,7-7 2 16,3-6-10-16,3-4 3 16,0 2-19-16,6 4-53 15,21 9-20-15,4 13-24 16,2 17-43-16,-3 0-148 15</inkml:trace>
   <inkml:trace contextRef="#ctx0" brushRef="#br0" timeOffset="143788.1">6873 15327 332 0,'0'0'94'0,"0"0"-84"15,0 0 9-15,-45 91 32 16,35-58 2-16,10-1-43 16,0-8-6-16,0-9-4 15,7-10-3-15,5 0 3 16,0-5-1-16,0-5 1 16,2-15-1-16,-1-13 1 15,-4-8-14-15,-2-8 4 0,-4 4 10 16,-1 8 0-16,1 13 1 15,-3 11 7-15,4 13 34 16,4 0-38-16,4 17 4 16,5 11 3-16,2 3 1 15,-2 0 6-15,-3-8-18 16,2-5 2-16,-1-5-7 16,0-7-38-16,2-6-74 15,-1-6-106-15</inkml:trace>
   <inkml:trace contextRef="#ctx0" brushRef="#br0" timeOffset="144052.53">7124 15039 274 0,'0'0'115'0,"0"0"-85"16,0 0-8-16,0 0 4 15,0 0-24-15,0 0 10 16,28 62 2-16,8-36-14 15,2 2 14-15,-6-2-14 16,-11-1 0-16,-3-2 11 16,-9-2-4-16,-5-5 18 15,-2-1 2-15,-2-3-18 16,0-3 11-16,-3 1-17 16,-11-2-1-16,-2 1-4 15,5 0-32-15,2-3-64 16,8-1-107-16</inkml:trace>
   <inkml:trace contextRef="#ctx0" brushRef="#br0" timeOffset="144440.37">7447 14975 462 0,'0'0'41'0,"0"0"-30"16,-49 122 68-16,42-72-27 0,7-1-13 16,0-8-34-1,13-9 0-15,8-11-4 0,3-13-1 16,-6-8 0-16,0-3 5 16,-2-24-5-16,-1-11 0 15,0-5-10-15,-6-1-21 16,-5-2 6-16,-2 3 4 15,-2 3 21-15,0 12-7 16,0 11 12-16,0 9-5 16,0 8 28-16,0 0-11 15,0 0-17-15,0 15-6 16,0 3 6-16,0 2 6 16,4-3-4-16,8 4-2 15,3 0 0-15,4 2-7 0,4 2-14 16,2-2-67-16,2-2-108 15</inkml:trace>
-  <inkml:trace contextRef="#ctx0" brushRef="#br0" timeOffset="145154.45">7814 14898 97 0,'0'0'129'15,"0"0"-67"-15,0 0-5 16,0 0 5-16,0 0-21 16,-67 79-13-16,63-38 8 15,4 3-10-15,0-2 1 16,0-7-7-16,13-5-20 15,-2-12 4-15,2-8-3 16,-1-10 3-16,-1-8-4 16,2-23 17-16,-1-13-10 15,-3-8 4-15,0-6-6 16,-6-1 4-16,-2-3-3 0,-1-3-5 16,0 1-1-16,0-2 0 15,-3 10-5-15,-7 13 3 16,7 18 2-16,0 14 0 15,3 11 43-15,0 18-43 16,0 19-2-16,0 16 2 16,0 6 0-16,6 1 6 15,-2-6-6-15,-1-1-9 16,-3-7-19-16,0 3-44 16,0-6-50-16,-15 2-158 15</inkml:trace>
+  <inkml:trace contextRef="#ctx0" brushRef="#br0" timeOffset="145154.44">7814 14898 97 0,'0'0'129'15,"0"0"-67"-15,0 0-5 16,0 0 5-16,0 0-21 16,-67 79-13-16,63-38 8 15,4 3-10-15,0-2 1 16,0-7-7-16,13-5-20 15,-2-12 4-15,2-8-3 16,-1-10 3-16,-1-8-4 16,2-23 17-16,-1-13-10 15,-3-8 4-15,0-6-6 16,-6-1 4-16,-2-3-3 0,-1-3-5 16,0 1-1-16,0-2 0 15,-3 10-5-15,-7 13 3 16,7 18 2-16,0 14 0 15,3 11 43-15,0 18-43 16,0 19-2-16,0 16 2 16,0 6 0-16,6 1 6 15,-2-6-6-15,-1-1-9 16,-3-7-19-16,0 3-44 16,0-6-50-16,-15 2-158 15</inkml:trace>
   <inkml:trace contextRef="#ctx0" brushRef="#br0" timeOffset="145461.9">6561 16250 160 0,'0'0'98'0,"0"0"-63"16,0 0 11-16,0 0 16 15,0 0-20-15,0 0 26 16,46 24 29-16,40-71-35 16,36-20-11-16,45-21-33 0,27-12-17 15,10-7 0 1,-2-1-1-16,-26 10-16 0,-29 12-31 16,-33 17-23-16,-26 15 8 15,-28 16 8-15,-28 18 22 16,-23 12 27-16,-9 8-2 15,-37 21-44-15,-27 17-14 16,-24 17-128-16</inkml:trace>
   <inkml:trace contextRef="#ctx0" brushRef="#br0" timeOffset="145634.07">6916 16198 23 0,'0'0'78'0,"0"0"-34"0,-65 90-23 16,93-84-5-16,35-6 59 15,29-24 57-15,31-24-62 16,24-19-26-16,16-10-36 16,7-8-4-16,-12 1-8 15,-9 3-37-15,-25 4-84 16,-25 13-122-16</inkml:trace>
-  <inkml:trace contextRef="#ctx0" brushRef="#br0" timeOffset="167420.85">21682 13501 6 0,'0'0'12'16,"0"0"-1"-16,0 0-1 15,0 0-1-15,0 0 13 0,0 0 18 16,0 0-18-16,0 0-18 16,0 0 2-16,-9 0-6 15,9 0 11-15,-2 0 6 16,2 0 1-16,-1 0 14 16,-1 3-10-16,1 11-15 15,-3 12 10-15,-1 13 21 16,4 12-2-16,-1 5-1 15,2 0-25-15,0-4 0 16,0-10-9-16,0-8 0 16,0-6 6-16,0-4-5 15,0-9 7-15,0-3-4 0,3-5-3 16,-1-2-4 0,-1-2 1-16,1-3-53 0,3 0-56 15,3-11-20-15</inkml:trace>
+  <inkml:trace contextRef="#ctx0" brushRef="#br0" timeOffset="167420.84">21682 13501 6 0,'0'0'12'16,"0"0"-1"-16,0 0-1 15,0 0-1-15,0 0 13 0,0 0 18 16,0 0-18-16,0 0-18 16,0 0 2-16,-9 0-6 15,9 0 11-15,-2 0 6 16,2 0 1-16,-1 0 14 16,-1 3-10-16,1 11-15 15,-3 12 10-15,-1 13 21 16,4 12-2-16,-1 5-1 15,2 0-25-15,0-4 0 16,0-10-9-16,0-8 0 16,0-6 6-16,0-4-5 15,0-9 7-15,0-3-4 0,3-5-3 16,-1-2-4 0,-1-2 1-16,1-3-53 0,3 0-56 15,3-11-20-15</inkml:trace>
   <inkml:trace contextRef="#ctx0" brushRef="#br0" timeOffset="168108.56">22080 13225 10 0,'0'0'24'0,"0"0"21"16,0 0-32-16,0 0 2 15,0 0-6-15,0 0 25 16,-4-61 4-16,2 61 15 15,1 0-28-15,1 0-6 0,-2 0-11 16,1 0 0 0,-2 0-7-16,-1 15 5 0,-2 14 1 15,4 10 15-15,2 8-10 16,0 4 7-16,0-3-16 16,0-3-2-16,0-6 3 15,0-7-2-15,2-3-2 16,-2-5 0-16,0-7 3 15,0-3-3-15,0-4 0 16,0-2-3-16,0-4-24 16,1 2-76-16,1 0-53 15</inkml:trace>
   <inkml:trace contextRef="#ctx0" brushRef="#br0" timeOffset="172291.41">24062 13284 89 0,'0'0'77'15,"0"0"-30"-15,0 0-19 16,0 0-2-16,0 0 53 15,0 0-29-15,0 0-17 16,59-57 5-16,-48 39-22 0,-4-2 4 16,5-4 3-16,1-1-20 15,3-3 4-15,-3 1-7 16,-6 3 0-16,-2 4 4 16,-5 6-2-16,0 6-3 15,-9 3 1-15,-14 5 0 16,-2 6-5-16,-2 25 4 15,1 11-3-15,6 12-1 16,7 1 5-16,8-4 0 16,5-7 0-16,2-8 2 15,15-9-8-15,5-8 6 16,1-7-1-16,1-3-5 0,0-9-10 16,-3 0-38-16,3-4-27 15,0-19-124-15</inkml:trace>
   <inkml:trace contextRef="#ctx0" brushRef="#br0" timeOffset="172820.45">24399 13110 66 0,'0'0'65'0,"0"0"-26"15,0 0 17-15,-14 95 4 0,14-81-34 16,0-5-8 0,0-4-15-16,0-4 4 0,0-1 15 15,0-4 59-15,0-18-55 16,8-9-23-16,1-6-3 16,4-3 0-16,-1 4 2 15,1 6-2-15,-2 10 0 16,-3 15-6-16,3 5 3 15,-3 3-2-15,2 15 5 16,-1 5 3-16,-1 1 4 16,-4-1-5-16,-1-1-2 15,-1-4 0-15,-1-4 3 0,-1-6-2 16,0-2-1-16,2-5 0 16,-1-1 5-16,2 0-4 15,5 0-1-15,5-16 5 16,4-12-3-16,3-7-2 15,1 0-3-15,-4 7-1 16,-3 11 8-16,-4 7-3 16,-3 10 1-16,2 0 0 15,0 2-4-15,1 18 1 16,5 5 1-16,-3 0 3 16,3 1 0-16,0-4-3 15,3-7 0-15,0-4-20 16,3-7-28-16,2-4-66 15,0-2-49-15</inkml:trace>
@@ -1036,18 +1039,18 @@
   <inkml:trace contextRef="#ctx0" brushRef="#br0" timeOffset="202244.87">8729 16825 10 0,'0'0'65'0,"0"0"-8"0,0 0-16 15,0 0 2-15,0 0-31 16,0 0 3-16,22 27 17 15,-22-46 23-15,0-8-52 16,0-6 0-16,0-2 0 16,2 3-3-16,1 5 0 15,4 4 0-15,1 12 3 16,2 7-3-16,3 4 0 16,1 0-3-16,4 18 3 15,-3 0 3-15,-3 1-2 16,1-6 1-16,-5-2 2 15,-2-6-4-15,-3 1 0 16,-2-4 4-16,2-2-2 16,-2 0 6-16,4-3 26 15,-2-17-5-15,3-3-28 16,2-5-1-16,0 0 0 0,1 4 2 16,-1 7-4-16,-2 7 2 15,-3 10-3-15,4 0 2 16,-1 1-18-16,2 14 19 15,1 0 0-15,-1-1 5 16,0-2-8-16,-2-2 3 16,0-6 0-16,3 0 3 15,0 0 1-15,1 0-1 16,4 1 0-16,-2 0 0 16,0-1-3-16,-1-2 0 15,2-2-6-15,-3 0 3 0,-3-9-31 16,-2-7-19-16,-4-1 0 15,-1-6-2-15,0 3 26 16,0 2-23-16,-3-3-15 16,-1 4 46-16,-1 4 9 15,-2 6-5-15</inkml:trace>
   <inkml:trace contextRef="#ctx0" brushRef="#br0" timeOffset="202546.78">9121 16511 249 0,'0'0'107'15,"0"0"-93"-15,0 0 40 16,0 0 2-16,12 91 6 16,-3-66-41-16,-3-4-17 15,2-6 2-15,-4-3-2 16,0-2-2-16,1-3-2 16,-4-3-3-16,1-3-10 0,1-1-88 15,-3 0-94-15</inkml:trace>
   <inkml:trace contextRef="#ctx0" brushRef="#br0" timeOffset="202708.84">9023 16395 256 0,'0'0'128'15,"0"0"-78"-15,0 0-12 16,0 0-25-16,0 0-13 15,0 0-4-15,-19-12-162 16,19 16-96-16</inkml:trace>
-  <inkml:trace contextRef="#ctx0" brushRef="#br0" timeOffset="203008.88">9230 16590 0 0,'0'0'120'0,"0"0"-43"16,0 0-6-16,0 0-13 16,0 0 3-16,0 0-29 15,36 20 2-15,-36-20 29 16,0-2 3-16,0-13-23 0,0-8-43 16,-5-10 0-1,4-7 5-15,1-1-5 0,6 2-1 16,19 9 1-16,8 12-2 15,3 12-2-15,-3 6 4 16,-5 2-9-16,-6 17-9 16,-5 6-19-16,-4 11-14 15,-7 2-8-15,-4 1-79 16,-2-5-11-16</inkml:trace>
+  <inkml:trace contextRef="#ctx0" brushRef="#br0" timeOffset="203008.87">9230 16590 0 0,'0'0'120'0,"0"0"-43"16,0 0-6-16,0 0-13 16,0 0 3-16,0 0-29 15,36 20 2-15,-36-20 29 16,0-2 3-16,0-13-23 0,0-8-43 16,-5-10 0-1,4-7 5-15,1-1-5 0,6 2-1 16,19 9 1-16,8 12-2 15,3 12-2-15,-3 6 4 16,-5 2-9-16,-6 17-9 16,-5 6-19-16,-4 11-14 15,-7 2-8-15,-4 1-79 16,-2-5-11-16</inkml:trace>
   <inkml:trace contextRef="#ctx0" brushRef="#br0" timeOffset="203495.84">8602 17277 94 0,'0'0'145'0,"0"0"-76"15,0 0-63-15,0 0-5 16,0 0 10-16,0 0 116 15,130-49-55-15,-45 11-44 16,11-6-11-16,5-4-17 16,2-4 3-16,3-6-3 15,3-1 0-15,-11 0-3 16,-13 5-32-16,-22 17-19 16,-30 19 20-16,-26 18-15 0,-11 12-60 15,-43 34 76-15,-24 16 21 16,-26 13-64-16,-14 2 76 15,-5 2 17-15,3-3 34 16,8-3-12-16,13-9-1 16,16-15 12-16,25-10 1 15,25-22 0-15,25-10-44 16,2-7-7-16,37 0 0 16,17-13 50-16,23-25-3 15,13-15-15-15,16-17-30 16,9-10 6-16,1-10-8 15,2 3 3-15,-10 0-6 16,-18 9 3-16,-19 13-16 0,-20 20-18 16,-21 20-38-1,-17 16-19-15,-13 9-110 0</inkml:trace>
   <inkml:trace contextRef="#ctx0" brushRef="#br0" timeOffset="206310.57">11558 17090 94 0,'0'0'78'0,"0"0"-51"0,0 0-18 16,0 0-6-1,0 0 17-15,98-78-8 0,-32 43 6 16,16-6 17-16,19-5-18 15,13-9 8-15,10-5 0 16,10-6-16-16,5 0 9 16,-1-7-18-16,-5-2 0 15,-11 5 0-15,-7 0 5 16,-10 15-4-16,-19 16-1 16,-20 19-7-16,-24 10-23 15,-23 10-73-15,-17 0-15 16,-2 9 12-16,-27 12 74 15</inkml:trace>
   <inkml:trace contextRef="#ctx0" brushRef="#br0" timeOffset="206596.76">11404 17453 60 0,'0'0'33'0,"0"0"18"16,0 0-11-16,0 0-37 15,0 0 13-15,127-73 62 16,-18 18 3-16,34-15-42 16,38-23-18-16,36-19-7 15,18-11-14-15,-1-9 0 0,-9 6 6 16,-18 12-3-16,-17 10-3 15,-24 20-30-15,-39 24 7 16,-47 33-77-16,-55 27-135 16</inkml:trace>
   <inkml:trace contextRef="#ctx0" brushRef="#br0" timeOffset="211814.05">14995 12248 1 0,'0'0'17'16,"0"0"15"-16,-115-30-18 15,70 22 8-15,-5 2-10 0,-4 2-12 16,-7 1 3-16,-11 3-3 15,-19 0 3-15,-19 0-1 16,-11 0 5-16,-19 10 40 16,-12 19-26-16,-23 13-15 15,-20 13 0-15,-14 6-6 16,3 13-1-16,12 8 1 16,21 11 0-16,23 10 0 15,24 10 38-15,17 8 0 16,19 5-18-16,26-4-12 15,27-4-4-15,34-14-8 16,18-8 1-16,49-8 3 16,30-4 0-16,24-6 9 0,22 0-5 15,14-9 11-15,16-12-11 16,21-20-6-16,15-26 3 16,12-11-1-16,4-33 7 15,-5-24-5-15,-6-15 2 16,-10-16 2-16,-13-3 0 15,-25 2 15-15,-27-5-14 16,-32 5 8-16,-23-6-6 16,-22-11-8-16,-14-10-1 15,-15-18 0-15,-12-11 2 16,-17 3-5-16,-1 2 0 0,-31 15 3 16,-29 20 2-16,-34 12-2 15,-50 23-23-15,-50 27-46 16,-42 37-71-16,-35 23-28 15</inkml:trace>
   <inkml:trace contextRef="#ctx0" brushRef="#br0" timeOffset="-115025.93">17730 6168 17 0,'0'0'45'0,"0"0"-37"16,0 0 6-16,0 0 39 16,0 0-1-16,0 0-3 15,1 0-10-15,2 0-14 16,5 0-10-16,2 0-13 15,5 0-1-15,2 0 5 16,0 3-2-16,3-2-3 16,1-1 4-16,3 0-3 15,2 0 17-15,3 0-5 0,-1 0-10 16,5-4 8 0,0 1-10-16,-2-1 5 0,0-2-7 15,-1 4 5-15,-1 1-4 16,0 1-1-16,0 0 0 15,4-2 7-15,1 1-2 16,2-5 2-16,3 2-1 16,5-1-4-16,4-4 8 15,9 2-9-15,2-2 2 16,1-1 0-16,-2 6-3 16,-6 1 0-16,-5 1-5 15,-4 2 12-15,-3 0-6 0,1 0-1 16,0 0 4-1,3 0-4-15,5-2 1 0,2-1-1 16,2 0 2-16,-1 0 3 16,-4 0-5-16,-2-3 0 15,-1 6 7-15,0-4-10 16,1 3 3-16,5-5 0 16,0 0-2-16,4 0 0 15,2-2 2-15,2-2 2 16,4 2 4-16,1 0-8 15,0 2 2-15,-1 2 0 16,-5 1 11-16,-3 3-9 16,-4 0 3-16,-8 0-5 15,1 0 3-15,-3 0 2 16,4 0-5-16,3 0 0 0,3 0 10 16,4 0-7-16,1 0 5 15,1 3-8-15,0 2 5 16,-3 0-6-16,1 3 1 15,-2-1 0-15,1 1 10 16,-4 1-9-16,3 1 5 16,2 0-6-16,5-3 0 15,4 1-7-15,3-3 7 16,4 0 0-16,-2-2 1 16,-1-1 2-16,-4 0-1 15,-3 0-2-15,-6 1 2 16,-5-1 1-16,-4-1-3 15,-3 1 0-15,-3 0 1 0,3-1 4 16,-1 3-5-16,3 2 0 16,0-3 0-16,-1 7-6 15,-2-5 6-15,-4 3 0 16,-4-2 1-16,-1 3 0 16,-3-5-1-16,1 2 0 15,-1 1 3-15,0-3-2 16,0-1-1-16,-1 1 0 15,1-2-1-15,0-1 1 16,-2 0 0-16,2 1-2 16,-2-2 4-16,1 1-2 15,-4 0 0-15,-2 1 2 0,-3-1-2 16,0 2 0 0,-2-2 0-16,1-1-2 0,-1 0 7 15,3 0-5-15,3 0 0 16,-2 0 3-16,2 0-6 15,5 0 3-15,2 0 0 16,6 0-1-16,0 0 1 16,4 0 0-16,1 0 0 15,-1 0 5-15,1 0-10 16,1 0 5-16,2 0 0 16,-2 0 0-16,3 0 3 15,-1 0-3-15,-2 0 0 16,1 0 1-16,-3 5-1 0,-2-3 0 15,-1 2 1-15,-1 1-5 16,5-4 11-16,1 2-7 16,6 0 0-16,-1 1 2 15,0-1-1-15,-3 1-1 16,-3-2 0-16,-3 0 1 16,2 3 1-16,-2-2-1 15,4 3-1-15,2-1 0 16,7-2 2-16,3-2-2 15,-3 2 0-15,-1-3-4 16,-3 5 4-16,-3-1 0 16,2-3 0-16,4 2 7 15,3 1-9-15,2 0 2 16,1 0 0-16,-1-1-3 0,2 3 7 16,0-1-4-16,1-1 0 15,3 3-1-15,2-1-4 16,-2 0 0-16,4 0 5 15,-2-2 6-15,-1 3-5 16,-5-4-1-16,-1 5 0 16,-4-5 4-16,-4 3-8 15,-4 0 4-15,1 2 0 16,-1 2 6-16,-1-4-6 16,0 4 0-16,1-1-2 15,1-3 2-15,-2 2 0 16,-3-2 0-16,0-2 0 0,-7 2 1 15,-1-3-1-15,-3 0 0 16,-4 2-1-16,3-2 3 16,1 3-2-16,2 0 0 15,4-1 3-15,2-1-2 16,0-2-1-16,1 0 0 16,0-1-4-16,0-1 5 15,2 0-1-15,-3 0 2 16,-1 0 1-16,-2 0-6 15,-6 0 5-15,1 0-2 16,-1 0 0-16,0 0 1 16,1-3-1-16,0-2 0 15,-2 0 2-15,-4-1 1 0,-6 2-3 16,-5 0 0 0,-7-1 3-16,-4 4 1 0,0 0 4 15,-2 1-8-15,0 0 0 16,0 0-3-16,0 0-35 15,0 0-13-15,0 0 10 16,-7 0-49-16,-7-2-85 16</inkml:trace>
-  <inkml:trace contextRef="#ctx0" brushRef="#br0" timeOffset="-113593.17">25686 6233 7 0,'0'0'16'0,"0"0"33"16,0 0 14-16,0 0 39 16,0 0-31-16,0 0-16 15,29-13-23-15,-25 13-23 16,1 0-3-16,3 0-6 15,3 0 0-15,1 0 6 16,4 0-1-16,4 0-4 16,4 0 4-16,6 0-4 15,5 0 11-15,5 0-12 0,7 0 0 16,5 0 1 0,3 0 5-16,3 0-6 15,-2 0 3-15,-4 0 1 0,-2 0 1 16,-3 0-5-16,0 0 0 15,0 1 4-15,0 0-4 16,1 1 0-16,1-2 2 16,2 0 0-16,-1 0 0 15,2 0-2-15,0 0 4 16,-3 0-9-16,2 0 12 16,-3 0-7-16,1 0 0 15,-4 0 0-15,1 0 0 0,-4 0 0 16,-2 0 0-1,2 0 1-15,4 0 2 0,9 0-3 16,6 0 0-16,8 0 2 16,1 0 4-16,-1-2-6 15,-4-2 1-15,-6 1 3 16,-9-1-4-16,-6 3 0 16,-9 0 0-16,1 1 7 15,-1 0-14-15,3-4 14 16,6 2-7-16,3-1 10 15,1-1-10-15,3 3 4 16,-8 1-8-16,0-2 10 16,-7 2-6-16,-2 0 0 15,-2 0 3-15,-4 0-6 16,-1 0 3-16,-2 0-2 0,2 0 0 16,6 0 0-16,4 0 2 15,8 0 4-15,4 0-3 16,1 0 1-16,-1 3-2 15,-6 1 0-15,-4 1-3 16,-5 0 4-16,-1 0-1 16,4-2 1-16,9 0 4 15,5-2-4-15,9 1-1 16,0-2 0-16,-4 1-1 16,-4 1 7-16,-5-1-6 15,-5 5 0-15,-1-2 1 16,3-2-6-16,6 3 5 0,5 0 0 15,8 2-2-15,0 1 4 16,-1-2-2-16,4 2 0 16,3 1-6-16,5-2-1 15,2 1 7-15,-1-1 0 16,-2 3 5-16,-6 0-5 16,-4-2 0-16,-5 1 4 15,-4-6-3-15,-2 3 5 16,-1-2-6-16,-1-1 0 15,0-2 6-15,-1 2-1 16,-1 0-9-16,-2 0 4 16,-6 1-4-16,-4-2 2 15,-9 2 2-15,-3-1-1 0,-7 0 1 16,-7 0-55 0,-9-3-73-16,-2 0-123 0</inkml:trace>
+  <inkml:trace contextRef="#ctx0" brushRef="#br0" timeOffset="-113593.18">25686 6233 7 0,'0'0'16'0,"0"0"33"16,0 0 14-16,0 0 39 16,0 0-31-16,0 0-16 15,29-13-23-15,-25 13-23 16,1 0-3-16,3 0-6 15,3 0 0-15,1 0 6 16,4 0-1-16,4 0-4 16,4 0 4-16,6 0-4 15,5 0 11-15,5 0-12 0,7 0 0 16,5 0 1 0,3 0 5-16,3 0-6 15,-2 0 3-15,-4 0 1 0,-2 0 1 16,-3 0-5-16,0 0 0 15,0 1 4-15,0 0-4 16,1 1 0-16,1-2 2 16,2 0 0-16,-1 0 0 15,2 0-2-15,0 0 4 16,-3 0-9-16,2 0 12 16,-3 0-7-16,1 0 0 15,-4 0 0-15,1 0 0 0,-4 0 0 16,-2 0 0-1,2 0 1-15,4 0 2 0,9 0-3 16,6 0 0-16,8 0 2 16,1 0 4-16,-1-2-6 15,-4-2 1-15,-6 1 3 16,-9-1-4-16,-6 3 0 16,-9 0 0-16,1 1 7 15,-1 0-14-15,3-4 14 16,6 2-7-16,3-1 10 15,1-1-10-15,3 3 4 16,-8 1-8-16,0-2 10 16,-7 2-6-16,-2 0 0 15,-2 0 3-15,-4 0-6 16,-1 0 3-16,-2 0-2 0,2 0 0 16,6 0 0-16,4 0 2 15,8 0 4-15,4 0-3 16,1 0 1-16,-1 3-2 15,-6 1 0-15,-4 1-3 16,-5 0 4-16,-1 0-1 16,4-2 1-16,9 0 4 15,5-2-4-15,9 1-1 16,0-2 0-16,-4 1-1 16,-4 1 7-16,-5-1-6 15,-5 5 0-15,-1-2 1 16,3-2-6-16,6 3 5 0,5 0 0 15,8 2-2-15,0 1 4 16,-1-2-2-16,4 2 0 16,3 1-6-16,5-2-1 15,2 1 7-15,-1-1 0 16,-2 3 5-16,-6 0-5 16,-4-2 0-16,-5 1 4 15,-4-6-3-15,-2 3 5 16,-1-2-6-16,-1-1 0 15,0-2 6-15,-1 2-1 16,-1 0-9-16,-2 0 4 16,-6 1-4-16,-4-2 2 15,-9 2 2-15,-3-1-1 0,-7 0 1 16,-7 0-55 0,-9-3-73-16,-2 0-123 0</inkml:trace>
   <inkml:trace contextRef="#ctx0" brushRef="#br0" timeOffset="-111493.75">4277 7622 16 0,'0'0'29'0,"-94"17"5"16,64-8-16-16,11-6 11 15,10-2 31-15,4 1 14 0,5 0-29 16,0-2-27-16,0 0-16 16,0 0 6-16,0 0 1 15,0 0-9-15,0 0 8 16,12 0-6-16,15 0 21 16,9-2 2-16,18-7-22 15,10 0 10-15,8-3-1 16,8-3-10-16,11-4 11 15,17-5-10-15,11-4 5 16,12-2-2-16,2 2 1 16,0 0-5-16,2 3-2 15,6 5 0-15,6 1 4 16,10 1-4-16,6 1-5 0,-1 2 4 16,-2-2 0-16,-5 2-3 15,3-5-6-15,5 1 10 16,2-3-11-16,10-5 25 15,4 1-21-15,-5-2 7 16,-5 0-3-16,-18 2-15 16,-14 2 17-16,-20 6-11 15,-15 1 12-15,-16 4 1 16,-18 2 4-16,-17-1-5 16,-14 6 3-16,-13-4 0 15,-9 4 0-15,-8 2-2 16,-2 0 10-16,-2 3-9 0,0-2 0 15,1 1 5-15,-4 0-4 16,0 0 0-16,0 1-3 16,0-1 3-16,0 1-8 15,3-2-69-15,-3-4-285 16</inkml:trace>
   <inkml:trace contextRef="#ctx0" brushRef="#br0" timeOffset="-110023.06">26037 6063 157 0,'0'0'125'0,"0"0"-49"15,0 0-76-15,0 0-11 16,0 0 11-16,81 13 34 15,-28-9-28-15,11 1 7 16,13 0 2-16,14-2-10 16,16-1 10-16,18-2-15 15,29 0 5-15,22 0-9 16,25 0 4-16,22-2 0 16,2 2 0-16,-10 0-2 15,-21 0-22-15,-32 3-20 16,-33 5 31-16,-30 1-15 15,-33-1-23-15,-24-1 45 0,-18 0-52 16,-18-4-26-16,-6-2-1 16</inkml:trace>
   <inkml:trace contextRef="#ctx0" brushRef="#br0" timeOffset="-109702.99">26228 6181 37 0,'0'0'0'0,"0"0"-37"0,0 0 37 15,0 0 64-15,121 0 46 16,-36 0-29-16,30 0-23 15,28-5-11-15,24-3-32 16,20 3 23-16,18-2-19 16,6 4-2-16,-8 2-17 15,-17 1-1-15,-26 0 0 16,-35 0 0-16,-31 0-3 16,-27 0-43-16,-25 0-6 15,-21 0-31-15,-21 0-43 0</inkml:trace>
   <inkml:trace contextRef="#ctx0" brushRef="#br0" timeOffset="-109409.86">26226 6277 252 0,'0'0'0'16,"0"0"-98"-16,109 1 98 15,-21-1 38-15,30-10 79 16,33-8-44-16,29 1-40 16,22-1 19-16,13 3-34 15,1 6-18-15,-10 0 10 16,-20 3-10-16,-21-2 0 0,-27 8-3 16,-32 0 5-1,-28 0-11-15,-32 0 3 0,-24 0-4 16,-14 0 9-16,-8 0-88 15,0 3-20-15,-25 1 34 16,-17-3-71-16</inkml:trace>
-  <inkml:trace contextRef="#ctx0" brushRef="#br0" timeOffset="-108192.17">26337 6166 22 0,'0'0'0'16,"0"0"-17"-16,0 0 17 15,103-1 73-15,-52 1-17 16,20 0-2-16,26 0-17 16,30 0 6-16,22-7 3 15,17-1-20-15,7 1 0 16,-12 5-26-16,-15-1 3 15,-26 3-6-15,-25 0 3 16,-30 0-1-16,-27 0-22 16,-25 0-27-16,-13-3 22 15,-4-3-31-15,-27 0 59 16,-16 3 0-16,-21 1-20 16,-25 2-4-16,-25 0 13 0,-27 0-2 15,-13 7 13-15,0 6 1 16,10-2-1-16,26 1 19 15,28-5-6-15,34 1 21 16,31-3-10-16,29 0-23 16,15 2 8-16,46 4 40 15,43-4 2-15,40 2-25 16,51-5 14-16,36-3-35 16,15 2 7-16,2-3-7 15,-23 5-10-15,-38 0-9 16,-37-1-37-16,-44 2-9 15,-38-2 14-15,-40-4-86 0,-28 0 34 16,-30 0 78-16,-39-14 20 16,-26-3 0-16,-29-4 0 15,-24 2 28-15,-28 1 1 16,-22 5-7-16,-19 5-8 16,-9 5-14-16,1 3 2 15,14 0 0-15,23 0 0 16,33 0 0-16,43 0 0 15,42-1 19-15,36-2-9 16,28 2 15-16,6-6 58 16,16 2-78-16,24-1-2 15,24 0 12-15,32 1 0 16,34 2 0-16,38-2 40 0,25 5-41 16,17 0 17-16,6 0-22 15,-9 2-11-15,-12 9-8 16,-23 0 8-16,-26 2-35 15,-28-4 8-15,-29 1-46 16,-29-1-6-16,-24-5 15 16,-23-4 58-16,-13 0 6 15,-13 0 31-15,-41-11-23 16,-37-3-8-16,-39 2-38 16,-39 5 13-16,-38 5 20 15,-21 2 5-15,-4 0 6 16,6 0-2-16,17 0 17 0,24 2 11 15,24 3-8 1,34-5-4-16,40 0 5 0,38 0-12 16,33 0 16-16,16 0 37 15,43 0-66-15,30 0 29 16,36-5-20-16,39 1 19 16,29-1-5-16,26 2-19 15,15 3 2-15,0 0 0 16,-12 0-6-16,-24 0 0 15,-30 0-32-15,-31 0 7 16,-36 0-10-16,-31 0 35 16,-29-1 6-16,-25-8 5 15,-13-1 28-15,-46-1-38 0,-33-3-1 16,-41 4-13-16,-36 5-3 16,-33 5-19-16,-19 0 31 15,-16 2 1-15,4 12 1 16,8 2 1-16,18 1 2 15,36-2-1-15,46-2 0 16,54-5 0-16,54-5-5 16,30-3-3-16,50 0-12 15,28 0 5-15,22-5 30 16,17-10-17-16,9 1 2 16,1-2-3-16,-10 5-1 15,-11 4-13-15,-16 7-33 0,-21 0-44 16</inkml:trace>
+  <inkml:trace contextRef="#ctx0" brushRef="#br0" timeOffset="-108192.18">26337 6166 22 0,'0'0'0'16,"0"0"-17"-16,0 0 17 15,103-1 73-15,-52 1-17 16,20 0-2-16,26 0-17 16,30 0 6-16,22-7 3 15,17-1-20-15,7 1 0 16,-12 5-26-16,-15-1 3 15,-26 3-6-15,-25 0 3 16,-30 0-1-16,-27 0-22 16,-25 0-27-16,-13-3 22 15,-4-3-31-15,-27 0 59 16,-16 3 0-16,-21 1-20 16,-25 2-4-16,-25 0 13 0,-27 0-2 15,-13 7 13-15,0 6 1 16,10-2-1-16,26 1 19 15,28-5-6-15,34 1 21 16,31-3-10-16,29 0-23 16,15 2 8-16,46 4 40 15,43-4 2-15,40 2-25 16,51-5 14-16,36-3-35 16,15 2 7-16,2-3-7 15,-23 5-10-15,-38 0-9 16,-37-1-37-16,-44 2-9 15,-38-2 14-15,-40-4-86 0,-28 0 34 16,-30 0 78-16,-39-14 20 16,-26-3 0-16,-29-4 0 15,-24 2 28-15,-28 1 1 16,-22 5-7-16,-19 5-8 16,-9 5-14-16,1 3 2 15,14 0 0-15,23 0 0 16,33 0 0-16,43 0 0 15,42-1 19-15,36-2-9 16,28 2 15-16,6-6 58 16,16 2-78-16,24-1-2 15,24 0 12-15,32 1 0 16,34 2 0-16,38-2 40 0,25 5-41 16,17 0 17-16,6 0-22 15,-9 2-11-15,-12 9-8 16,-23 0 8-16,-26 2-35 15,-28-4 8-15,-29 1-46 16,-29-1-6-16,-24-5 15 16,-23-4 58-16,-13 0 6 15,-13 0 31-15,-41-11-23 16,-37-3-8-16,-39 2-38 16,-39 5 13-16,-38 5 20 15,-21 2 5-15,-4 0 6 16,6 0-2-16,17 0 17 0,24 2 11 15,24 3-8 1,34-5-4-16,40 0 5 0,38 0-12 16,33 0 16-16,16 0 37 15,43 0-66-15,30 0 29 16,36-5-20-16,39 1 19 16,29-1-5-16,26 2-19 15,15 3 2-15,0 0 0 16,-12 0-6-16,-24 0 0 15,-30 0-32-15,-31 0 7 16,-36 0-10-16,-31 0 35 16,-29-1 6-16,-25-8 5 15,-13-1 28-15,-46-1-38 0,-33-3-1 16,-41 4-13-16,-36 5-3 16,-33 5-19-16,-19 0 31 15,-16 2 1-15,4 12 1 16,8 2 1-16,18 1 2 15,36-2-1-15,46-2 0 16,54-5 0-16,54-5-5 16,30-3-3-16,50 0-12 15,28 0 5-15,22-5 30 16,17-10-17-16,9 1 2 16,1-2-3-16,-10 5-1 15,-11 4-13-15,-16 7-33 0,-21 0-44 16</inkml:trace>
   <inkml:trace contextRef="#ctx0" brushRef="#br0" timeOffset="-104531.23">28202 2146 1 0,'0'0'61'0,"0"0"-14"16,0 0-7-16,0 0 3 15,0 0-5-15,0 0-11 16,0 0-17-16,7-36-1 16,-7 36-9-16,0 0 0 15,0 0-1-15,0 0-36 16,0 0-1-16,2-4 22 0,1 1 2 16,0-1 14-16,0-1 0 15,-2 2 4-15,-1 0 3 16,0 2-6-16,0-1 4 15,0 0-5-15,0 1 5 16,0-1-2-16,-1-1-1 16,-2 0 0-16,-2 0 10 15,-1 1-11-15,2-2 18 16,-2 2-12-16,-2-1 0 16,4 2 9-16,1-1-13 15,0 1 7-15,1-1-9 16,2 2 3-16,0-2-8 15,0 2 4-15,0 0-26 0,0 0-43 16,0 0-57 0</inkml:trace>
   <inkml:trace contextRef="#ctx0" brushRef="#br0" timeOffset="-102799.72">28284 1576 32 0,'0'0'28'0,"0"0"-24"16,0 0-4-16,0 0 0 15,0 0-28-15</inkml:trace>
   <inkml:trace contextRef="#ctx0" brushRef="#br0" timeOffset="-102226.72">28499 1478 111 0,'0'0'69'0,"0"0"13"16,0 0-35-16,-63-80 32 16,36 69-48-16,-4 7-10 15,0 4-3-15,-2 5-15 16,0 28-3-16,3 16-6 0,3 15 6 16,6 6-5-1,6 1 7-15,11-7-4 0,4-7-3 16,4-11-34-16,19-13 23 15,2-13-30-15,0-12 0 16,2-8 11-16,-1-1 35 16,2-26 16-16,0-11-3 15,-1-7-4-15,-1-3 7 16,-4-4 36-16,-4-1-24 16,1-2 4-16,-1 3-28 15,-3 1 11-15,-3 14-4 16,-3 15 11-16,-6 12 31 15,-2 10-21-15,2 0-32 16,2 24-21-16,2 11 7 16,4 12 14-16,-4 1 0 0,2 0 0 15,-3-3-2-15,3-5-66 16,0-6-28-16,0-9-25 16</inkml:trace>
@@ -1060,7 +1063,7 @@
   <inkml:trace contextRef="#ctx0" brushRef="#br0" timeOffset="-99333.6">27784 2928 57 0,'0'0'123'0,"121"-51"-7"0,-8 7-50 16,42-11 2-16,47-6-38 15,41-2 23-15,24 10-30 16,15 6-23-16,2 10-1 16,-4 13 1-16,-13 6 3 15,-27 9-3-15,-28 9-7 16,-37 0-10-16,-35 0 15 16,-32 0-43-16,-31 0-63 15,-32 5-47-15</inkml:trace>
   <inkml:trace contextRef="#ctx0" brushRef="#br0" timeOffset="-92141.56">27878 3560 22 0,'0'0'32'0,"0"0"11"16,0 0-24 0,0 0 0-16,0 0-5 0,0 0-1 15,0 0 11-15,0 0-4 16,0 0 3-16,-1 0-1 15,1 0-7-15,0 0-6 16,0 0-2-16,0 0-6 16,0 0 16-16,0 0-17 15,0 0-1-15,0-1-13 16,9-3 14-16,7-5 41 16,5 0-20-16,-2-2-19 15,4-2 9-15,0 0-11 0,1 1 2 16,-1-1-1-1,-1 1-1-15,0 3 0 0,-7 1-45 16,-1 5-29-16,-10 1 38 16,-4 2-127-16</inkml:trace>
   <inkml:trace contextRef="#ctx0" brushRef="#br0" timeOffset="-91114.08">28084 3998 0 0,'0'0'13'16,"0"0"-1"-16,0 0 19 15,0 0-1-15,0 0-11 16,0 0 6-16,1 0-4 0,-1 0 13 16,0 0-7-1,2 0-19-15,2 0 0 0,10 0-6 16,1 0 15-16,8 0 28 15,4 0-33-15,2 0 17 16,0-6-5-16,-3-4-15 16,2-1 7-16,-2 2-16 15,-4 0-6-15,-7 4-50 16,-6-1-113-16</inkml:trace>
-  <inkml:trace contextRef="#ctx0" brushRef="#br0" timeOffset="-90581.87">28308 4648 72 0,'0'0'50'0,"0"0"-12"16,0 0 6-16,88 7 27 15,-57-7 5-15,5 0-32 16,3-7-32-16,5-2-12 16,-3 0-6-16,-5-2-67 15,-10 1-150-15</inkml:trace>
+  <inkml:trace contextRef="#ctx0" brushRef="#br0" timeOffset="-90581.88">28308 4648 72 0,'0'0'50'0,"0"0"-12"16,0 0 6-16,88 7 27 15,-57-7 5-15,5 0-32 16,3-7-32-16,5-2-12 16,-3 0-6-16,-5-2-67 15,-10 1-150-15</inkml:trace>
   <inkml:trace contextRef="#ctx0" brushRef="#br0" timeOffset="-86331.53">27518 3416 7 0,'0'0'17'15,"0"0"-15"-15,0 0 3 16,0 0-1-16,0 0-3 16,0 0 2-16,0-4-1 15,0 4 0-15,0 0 9 16,0 0-8-16,0 0 4 16,0 0-2-16,0 0-4 15,0 0 11-15,0 0-9 16,0 0 4-16,0 0 5 0,0-1 0 15,0 1 7-15,0 0-4 16,0-2 1-16,0 2 4 16,0 0-11-16,0-3-1 15,0 3-3-15,0 0-2 16,0 0-3-16,0 0 0 16,0 0 2-16,0 0-3 15,0 0 1-15,0 0-1 16,0 0-2-16,0 0-14 15,0 5 14-15,0 7 1 16,6-1 4-16,0 6 3 16,0-2-5-16,-1 0 1 0,0-3 0 15,-1-2 2-15,-1 0-3 16,-2-1 0-16,2-3 1 16,-1 2-3-16,-2-2-19 15,0-2-76 1</inkml:trace>
   <inkml:trace contextRef="#ctx0" brushRef="#br0" timeOffset="-85742.09">27679 3358 10 0,'0'0'58'0,"0"0"-8"16,0 0-15-16,0 0-35 16,0 0 1-16,0 0-1 15,0 31 12-15,0-15-8 16,0 3 11-16,0 1-5 15,0 2 0-15,0-3-5 16,3-2-4-16,5-3-1 16,3-2 0-16,0-3-8 15,1-6-2-15,2-3-19 16,-2 0-21-16,1-8 48 16,1-8-41-16,-4-2 27 15,-1-3 16-15,-6 0 41 16,-3-1-19-16,0 1 22 0,0-1 6 15,-13 3-22-15,-1 4-11 16,-1 3 2-16,-1 8-19 16,-1 4-5-16,2 0 0 15,-1 0-59-15,5 9-56 16</inkml:trace>
   <inkml:trace contextRef="#ctx0" brushRef="#br0" timeOffset="-85181.77">28024 3296 24 0,'0'0'43'0,"0"0"-12"15,0 0-6-15,0 0-1 16,0 0-11-16,0 0-6 15,18 71 0-15,-18-67 5 16,0-3-9-16,0-1 51 0,0 0 37 16,0 0-11-1,0 0-7-15,0-12-40 0,0-5-27 16,1-7-6-16,5-1 1 16,2-1-4-16,1-3-3 15,3 2-37-15,-2 4-28 16,1 9-75-16,1 8-31 15</inkml:trace>
@@ -1070,7 +1073,7 @@
   <inkml:trace contextRef="#ctx0" brushRef="#br0" timeOffset="-82211.27">27529 4824 29 0,'0'0'45'0,"0"0"18"16,0 0-28-16,0 0-4 15,0 0 20-15,0 0 18 16,0-32-45-16,0 29 17 15,1 3 5-15,2 3-46 16,3 15 0-16,-1 3 11 0,2 6 0 16,-4 0 0-1,0-2-10-15,0 1-1 0,0-5 1 16,-1 1-1-16,-1-3-21 16,1-3-106-16,-1-5-82 15</inkml:trace>
   <inkml:trace contextRef="#ctx0" brushRef="#br0" timeOffset="-81784.83">27750 4887 110 0,'0'0'95'16,"0"0"-94"-16,0 0-1 0,0 0 45 15,0 0 53-15,0 0-60 16,22-3-29-16,-13-13 16 16,3-4-20-16,0-3 34 15,-3 0 7-15,-3 5-21 16,1 2 24-16,-2 6-34 16,-1 4-5-16,-1 3 3 15,0 3-13-15,2 0-13 16,1 0 11-16,1 9-6 15,-3 1 7-15,-1 1-4 16,-1-4-3-16,0-4 2 16,-2 1-5-16,1-4 7 0,1 0 2 15,-2 0 4 1,3 0 1-16,1 0 9 0,3 0 0 16,2-8-2-16,2 2-10 15,4-1 0-15,1 2-1 16,5 2 0-16,1-2-2 15,-5 5-49-15,-4 0-86 16,-8 0-130-16</inkml:trace>
   <inkml:trace contextRef="#ctx0" brushRef="#br0" timeOffset="-81506.78">28838 5079 390 0,'0'0'105'0,"0"0"-105"16,119-8-36-16,-69 0 26 16,-3-3 3-16,-4-2-39 15,-7 0-224-15</inkml:trace>
-  <inkml:trace contextRef="#ctx0" brushRef="#br0" timeOffset="-81055.12">28052 5211 178 0,'0'0'44'0,"0"0"-24"15,0 0-10-15,0 0 55 16,30 98-8-16,-24-76-12 16,2-3-30-16,1-1-13 15,-5 0 4-15,2-4-6 16,-3-5-68-16,0-2-138 15</inkml:trace>
+  <inkml:trace contextRef="#ctx0" brushRef="#br0" timeOffset="-81055.13">28052 5211 178 0,'0'0'44'0,"0"0"-24"15,0 0-10-15,0 0 55 16,30 98-8-16,-24-76-12 16,2-3-30-16,1-1-13 15,-5 0 4-15,2-4-6 16,-3-5-68-16,0-2-138 15</inkml:trace>
   <inkml:trace contextRef="#ctx0" brushRef="#br0" timeOffset="-80638.48">28311 5066 415 0,'0'0'37'0,"0"0"-34"16,0 0-6-16,0 0 6 15,28 83 8-15,-23-58 1 16,-2 3-3-16,-3-5-9 16,0 1 5-16,0-2-9 15,0-3 5-15,0-7-1 16,0-7 10-16,0-5-8 15,0 0 2-15,0 0 9 16,0 0-10-16,5 0 2 16,13 0-5-16,6-3 0 15,1 3-4-15,-1 0 8 0,-7 0-4 16,-4 7 0-16,-4 3-2 16,-4-2-3-16,-5 1 4 15,0 2-4-15,-2 2 5 16,-19 3 11-16,-8 2 20 15,-6-1-23-15,-1-3-8 16,7-7-21-16,5-7-29 16,10 0-53-16,8 0-101 15</inkml:trace>
   <inkml:trace contextRef="#ctx0" brushRef="#br0" timeOffset="-34392.75">23187 6972 23 0,'0'0'25'15,"0"0"-5"-15,0 0-10 16,0 0 10-16,0 0-1 16,0 0-12-16,0 0 11 15,0 0-7-15,-62 0-2 16,54 0 3-16,-2 0-8 16,2 0 4-16,-2 0-1 15,-2 0-5-15,3 0 3 16,0 0-5-16,4 0 0 15,-2 0 1-15,3 0 1 0,1 0-2 16,-2 0 0-16,1 0-5 16,-1 0 1-16,2 3 3 15,-1 1 1-15,1 2-4 16,1-1-1-16,-1 7 5 16,2 0 1-16,-2 4-1 15,0-1 7-15,0 4-7 16,1-2 8-16,1 1 4 15,-2-1-6-15,1 3 6 16,1-2 0-16,1 2-11 16,0 4 14-16,0 2-4 15,0 2 0-15,0-5 9 16,0-2-19-16,0 1 6 0,3-7-3 16,0-2-2-16,1-5 4 15,-1 1-6-15,-1-7 0 16,1 1-1-16,1-3 1 15,2 0 0-15,5 0 8 16,2 0-8-16,2-7-26 16,-1-3-139-16</inkml:trace>
   <inkml:trace contextRef="#ctx0" brushRef="#br0" timeOffset="-31454.76">27739 6708 17 0,'0'0'18'0,"0"0"52"15,0 0 16-15,0 0-16 16,0 0-17-16,0 0-17 16,0 0 6-16,-49-20-1 15,48 20-14-15,-1 0-2 16,2 0-24-16,0 0 1 16,0 0-2-16,0 0-10 15,0 0 4-15,8 0-10 0,5 2 15 16,0 1 1-1,4 1-2-15,-4-3 10 0,2-1 3 16,-3 0-7-16,-1 0-4 16,-1 0 5-16,-4 0-5 15,-3 0 13-15,-3 0-12 16,0 0-1-16,0 0 5 16,0 2-5-16,0 11 0 15,0 8 5-15,-9 8-3 16,-1 11 32-16,1-1-29 15,2-1-4-15,4-4 6 16,2-3-7-16,1-4 0 16,0-2 0-16,0-5 6 15,0-2-5-15,0-6-1 0,0-2 0 16,0-6-3-16,0 0-14 16,0-2-16-16,0-1-52 15,0-1-128-15</inkml:trace>
@@ -1089,13 +1092,13 @@
   <inkml:trace contextRef="#ctx0" brushRef="#br0" timeOffset="-23263.74">29316 6550 358 0,'0'0'1'0,"91"27"22"0,-36-10 44 16,-1 4-24-16,-3 4-6 15,-11 5-25-15,-7 3-7 16,-6 4-2-16,-9 6 4 16,-11 8-7-16,-7 11 10 15,0 9 1-15,-22 3 12 16,-9 7 6-16,-5-1-12 16,1 4 19-16,9-2-14 15,10-10 5-15,8-8-18 16,8-16-8-16,0-7 5 15,0-6-6-15,0-9-2 16,0-2-5-16,-11-13-89 16,-17-11-76-16,-16 0-247 15</inkml:trace>
   <inkml:trace contextRef="#ctx0" brushRef="#br0" timeOffset="-22303.92">23131 7109 68 0,'0'0'35'16,"0"0"1"-16,0 0-14 15,0 0-4-15,0 0-3 16,0 0 19-16,9-51-6 16,-9 49-11-16,0-3-8 15,0-1 24-15,-3 1-28 16,-5-2 6-16,1 1-2 15,0-3-4-15,0 4 13 16,0-1-18-16,1 1 0 16,-3 5 0-16,-3 0-8 15,0 0 5-15,-4 0 3 0,4 9 0 16,-3 4 1-16,4-1-1 16,4 2 0-16,1 0-4 15,3 5 6-15,3 1-2 16,0 7 15-16,0 6-5 15,0 2 21-15,-4 3-11 16,-2 7 0-16,-2 2 8 16,2 3-22-16,3 0 2 15,3-4-2-15,0-3-2 16,4-4 4-16,12-6-8 16,0-3 2-16,-3-5 1 15,5-7 3-15,0-6-12 16,9-10-8-16,10-2-68 15,6-15-106-15</inkml:trace>
   <inkml:trace contextRef="#ctx0" brushRef="#br0" timeOffset="-17677.84">27237 6728 32 0,'0'0'23'0,"0"0"-2"0,0 0 3 16,0 0-7-16,0 0-11 16,0 0 8-16,0 0-14 15,-17-11 0-15,12 9 2 16,1 1 3-16,-5-2-5 15,2 0 6-15,-2 2-1 16,-3-2 3-16,1 2-4 16,-1-2-3-16,-1 1 3 15,2 2-3-15,-2 0-1 16,3 0 0-16,-2 0 3 16,-3 0-4-16,-2 0 1 15,-2 2 0-15,0 5-1 16,2-1 2-16,2-1-1 15,3-1 0-15,2 2 3 0,-2 0-7 16,2 2 4-16,-3 1 0 16,2 3-2-16,-1 8 2 15,-2 3 0-15,2 6 0 16,-2 4 0-16,-1 3 3 16,1-2-3-16,-1-4 1 15,6-2-1-15,2-3 4 16,-2-1-4-16,3 2 5 15,0-1-2-15,0 3 12 16,3 1-14-16,0-3 8 16,3 1 13-16,0-4-15 15,0-2 1-15,0-1 0 0,10-1-6 16,2 1 6-16,6 3-1 16,0-4-6-16,3-5-1 15,0 1 9-15,-2-5-8 16,2-5 6-16,1-2 0 15,0-1-2-15,1-2 15 16,0 0-13-16,-1 0 10 16,-1 0-13-16,0-9-2 15,1-5-2-15,-1 0 3 16,2-2-3-16,-3-3 0 16,0 0 0-16,1-5-1 15,-4 3-5-15,-1-4 2 16,-2-1 3-16,-5-1-6 15,0 0 5-15,-4 2 1 0,1-2 1 16,-5 3 0-16,-1-5 0 16,0 0 0-16,0 0 0 15,-3-5 7-15,-6 3 1 16,-1-3 11-16,-2 3-14 16,-1-1 15-16,0 2-17 15,-1 3-1-15,2 4-2 16,-5 0 0-16,1 5-8 15,-6 3-97-15</inkml:trace>
-  <inkml:trace contextRef="#ctx0" brushRef="#br0" timeOffset="-11931.73">23456 7120 5 0,'0'0'37'0,"0"0"1"0,0 0-2 16,0 0-13-16,0 0-14 16,0 0 4-16,0 0-13 15,-21-6 0-15,18 6 1 16,0-1 4-16,0 0-5 15,0-1 0-15,0 1 5 16,0-2-5-16,2 0 0 16,-1 2 0-16,1-2 1 15,-1 0 1-15,1 2 3 16,-1-1 0-16,2 2-3 16,0 0-1-16,0 0-1 15,0 0 0-15,0 0-4 0,0 0 4 16,0 0 0-16,-1 0 0 15,-2 2-2-15,0 12 2 16,0 4 0-16,0 5 0 16,-1 4 2-16,2-3 0 15,0 3-2-15,1-3 0 16,-1-5 2-16,2 1-2 16,0-5 0-16,0-6 0 15,0 0 0-15,0-5 4 16,0 0-4-16,0-1 0 15,0-3 2-15,0 0-3 16,0 0 1-16,0 0 0 16,0 0 7-16,0 0 4 0,0 0 27 15,0-14-36-15,0-1-1 16,0-5-1-16,0 1 0 16,0-1 3-16,2-2-1 15,1-1-2-15,3 2-3 16,-2-1 1-16,2 3-17 15,-1 3 14-15,-2-2-5 16,1 5 5-16,-4 6 3 16,2 4 2-16,-2 3 0 15,0 0-3-15,0 2-10 16,0 15 13-16,0 7 0 16,0 4 2-16,0-1-2 0,0-2 0 15,-2-2 0-15,-1-2-2 16,0-1 6-16,-1 1-3 15,1-3-1-15,-2-2 1 16,1-3-1-16,2-5 0 16,0-5 0-16,2-1 0 15,0-2 4-15,0 0 17 16,0 0 20-16,0-8-8 16,0-10-25-16,0-3-8 15,7-6 0-15,0 0 1 16,1 1 3-16,-1 0-4 15,0 0 0-15,-2 5 2 16,-2 6-4-16,-2 5 2 0,1 10-4 16,1 0 3-1,-1 13-36-15,-1 12 37 0,-1 6 0 16,0-1 3 0,0-1-4-16,0-5 1 0,-3-7-3 15,3-3 2-15,0-2-21 16,0-4-21-16,-1-1-49 15</inkml:trace>
+  <inkml:trace contextRef="#ctx0" brushRef="#br0" timeOffset="-11931.74">23456 7120 5 0,'0'0'37'0,"0"0"1"0,0 0-2 16,0 0-13-16,0 0-14 16,0 0 4-16,0 0-13 15,-21-6 0-15,18 6 1 16,0-1 4-16,0 0-5 15,0-1 0-15,0 1 5 16,0-2-5-16,2 0 0 16,-1 2 0-16,1-2 1 15,-1 0 1-15,1 2 3 16,-1-1 0-16,2 2-3 16,0 0-1-16,0 0-1 15,0 0 0-15,0 0-4 0,0 0 4 16,0 0 0-16,-1 0 0 15,-2 2-2-15,0 12 2 16,0 4 0-16,0 5 0 16,-1 4 2-16,2-3 0 15,0 3-2-15,1-3 0 16,-1-5 2-16,2 1-2 16,0-5 0-16,0-6 0 15,0 0 0-15,0-5 4 16,0 0-4-16,0-1 0 15,0-3 2-15,0 0-3 16,0 0 1-16,0 0 0 16,0 0 7-16,0 0 4 0,0 0 27 15,0-14-36-15,0-1-1 16,0-5-1-16,0 1 0 16,0-1 3-16,2-2-1 15,1-1-2-15,3 2-3 16,-2-1 1-16,2 3-17 15,-1 3 14-15,-2-2-5 16,1 5 5-16,-4 6 3 16,2 4 2-16,-2 3 0 15,0 0-3-15,0 2-10 16,0 15 13-16,0 7 0 16,0 4 2-16,0-1-2 0,0-2 0 15,-2-2 0-15,-1-2-2 16,0-1 6-16,-1 1-3 15,1-3-1-15,-2-2 1 16,1-3-1-16,2-5 0 16,0-5 0-16,2-1 0 15,0-2 4-15,0 0 17 16,0 0 20-16,0-8-8 16,0-10-25-16,0-3-8 15,7-6 0-15,0 0 1 16,1 1 3-16,-1 0-4 15,0 0 0-15,-2 5 2 16,-2 6-4-16,-2 5 2 0,1 10-4 16,1 0 3-1,-1 13-36-15,-1 12 37 0,-1 6 0 16,0-1 3 0,0-1-4-16,0-5 1 0,-3-7-3 15,3-3 2-15,0-2-21 16,0-4-21-16,-1-1-49 15</inkml:trace>
   <inkml:trace contextRef="#ctx0" brushRef="#br0" timeOffset="-8871.06">22717 8622 168 0,'0'0'106'15,"0"0"-79"-15,0 0-22 16,84-12 0-16,-47 12-4 16,-1 0 7-16,-3-3-8 15,-6 0-2-15,-6 1 2 0,-8-1 1 16,-6 1 4-16,-3 2-5 16,-4 0-10-16,0 20 10 15,0 7 5-15,-2 7 27 16,-7 3 0-16,1-2-26 15,1 0 3-15,4-3-6 16,2 0 2-16,-1 3-3 16,-2 0-2-16,-2 3-49 15,-1-3-62-15,-1-9-84 16</inkml:trace>
   <inkml:trace contextRef="#ctx0" brushRef="#br0" timeOffset="-8691">22792 8782 123 0,'0'0'116'16,"0"0"-70"-16,0 0 13 15,0 0-40-15,0 0 2 16,0 0 14-16,83-18-24 16,-45 18-2-16,-1-4-9 15,5-5-36-15,1-4-98 16,2-6-103-16</inkml:trace>
   <inkml:trace contextRef="#ctx0" brushRef="#br0" timeOffset="-8294.89">22752 8239 84 0,'-93'33'132'0,"2"16"-90"16,5 20 17-16,14 17-7 15,15 14-5-15,20 13 16 16,15 13-24-16,19 1 1 16,3-9-19-16,18-7-21 15,22-21 6-15,9-11-4 0,12-3-2 16,9-11 2-16,2-13 2 15,1-21-8-15,2-24 5 16,-1-7-1-16,4-45 21 16,3-26-8-16,7-27-10 15,4-21 1-15,-1-22-4 16,-5-7-1-16,-11-4-7 16,-15 6-19-16,-23 21 21 15,-24 14-9-15,-17 20 15 16,-53 19-2-16,-32 23-1 15,-34 24-97-15,-20 25-271 16</inkml:trace>
   <inkml:trace contextRef="#ctx0" brushRef="#br0" timeOffset="-7670.84">20727 9097 81 0,'0'0'32'0,"-24"116"-10"16,23-53-13-16,1-3-8 16,0-11 10-16,13-8-8 0,5-10-1 15,3-9-2 1,0-13-4-16,-2-9 3 0,-1 0 1 16,-3-25 51-16,4-13-34 15,-2-9-8-15,2-9-7 16,-1-3 2-16,-4-1 11 15,-2 6 5-15,-4 18 59 16,-3 13-24-16,-4 22 24 16,-1 7-79-16,0 34 13 15,0 22-13-15,0 13 27 16,0-2-10-16,0-5-17 16,0-9 4-16,0-7-3 0,0-9-1 15,0-3 0-15,0-5-3 16,0-6-60-16,0-3-107 15,0-12-143-15</inkml:trace>
   <inkml:trace contextRef="#ctx0" brushRef="#br0" timeOffset="-7171.3">21172 9357 74 0,'0'0'202'0,"0"0"-155"15,0-92-36-15,0 55-1 16,0-2 44-16,-3-1-2 15,-5 8-39-15,4 12 0 16,1 8 2-16,1 10 20 16,2 2-23-16,0 20-12 15,0 16 0-15,0 11-4 16,0 1 9-16,0-3-3 16,0-10-2-16,9-6-3 15,-1-11-3-15,0-8-26 0,-1-10 0 16,3 0 0-16,2-17-19 15,1-16-40-15,0-12 15 16,-3-1 51-16,-4-1 25 16,0 6 0-16,0 12 32 15,-2 13 32-15,0 11 17 16,1 5-10-16,1 19-71 16,2 17 1-16,3 11 13 15,-2 3-7-15,2-4-3 16,1-3 1-16,0-9-5 15,0-14-74-15,1-14-113 16</inkml:trace>
-  <inkml:trace contextRef="#ctx0" brushRef="#br0" timeOffset="-6749.82">21476 9124 45 0,'0'0'111'0,"0"0"-10"15,0 0-26-15,0 0 2 16,0 0 2-16,0 0-21 16,-42-64-16-16,38 92-42 15,-2 12 4-15,0 9 14 16,6 1-10-16,0-6-6 16,0-12-4-16,4-7-39 0,5-14-42 15,2-11 22-15,2 0-57 16,1-17 71-16,2-9-5 15,-1-5 27-15,1 0 25 16,-1 10 0-16,-4 8 0 16,1 12 29-16,-3 1-29 15,-2 7 3-15,0 11 11 16,-4-2 10-16,-1-1 7 16,-1-3-5-16,1-7-4 15,-1-3 17-15,2-2 8 16,0 0 33-16,2-2 21 15,4-15-55-15,1-5-30 16,2 0-3-16,3-1-11 16,-1-1-4-16,-1-1-15 15,2-1-75-15,-2-5-102 0</inkml:trace>
+  <inkml:trace contextRef="#ctx0" brushRef="#br0" timeOffset="-6749.83">21476 9124 45 0,'0'0'111'0,"0"0"-10"15,0 0-26-15,0 0 2 16,0 0 2-16,0 0-21 16,-42-64-16-16,38 92-42 15,-2 12 4-15,0 9 14 16,6 1-10-16,0-6-6 16,0-12-4-16,4-7-39 0,5-14-42 15,2-11 22-15,2 0-57 16,1-17 71-16,2-9-5 15,-1-5 27-15,1 0 25 16,-1 10 0-16,-4 8 0 16,1 12 29-16,-3 1-29 15,-2 7 3-15,0 11 11 16,-4-2 10-16,-1-1 7 16,-1-3-5-16,1-7-4 15,-1-3 17-15,2-2 8 16,0 0 33-16,2-2 21 15,4-15-55-15,1-5-30 16,2 0-3-16,3-1-11 16,-1-1-4-16,-1-1-15 15,2-1-75-15,-2-5-102 0</inkml:trace>
   <inkml:trace contextRef="#ctx0" brushRef="#br0" timeOffset="-4851.71">23272 8193 6 0,'0'0'45'0,"0"0"-15"16,0 0 3-16,0 0-3 15,0 0-1-15,0 0 10 16,-7 16-1-16,7-16 8 0,0 0 18 16,0-13-1-1,12-14-60-15,1-6 12 0,4-6 7 16,-1-5-17-16,3-5 14 16,1 2-19-16,-4-4 1 15,1 4 5-15,-5 4-6 16,-5 6 0-16,-1 12 6 15,-3 13-5-15,-3 2 4 16,0 8-5-16,0 0 2 16,0-2-2-16,0 2 0 15,0 0 0-15,0 1-5 16,0-3 4-16,0 2 1 16,-3 2-1-16,0 0 0 15,-4 0-5-15,-7 4 0 0,-5 11 6 16,-3 3-2-16,0-1 1 15,2-1 1-15,2-6 0 16,7-1 3-16,2-5-5 16,3-3 2-16,2-1 0 15,1 0 1-15,3 0 5 16,0 0-5-16,0 0 6 16,3-17-7-16,15-9-20 15,7-8 14-15,2-5 6 16,0-1-3-16,-5 6 11 15,-2 8-8-15,-5 14 2 16,-4 12-2-16,-1 4-2 16,0 22-2-16,0 10 4 0,2 1 0 15,-3 2 3 1,-1 1-6-16,-8-2-5 0,0-3-134 16</inkml:trace>
   <inkml:trace contextRef="#ctx0" brushRef="#br0" timeOffset="-1873.99">23338 8217 64 0,'0'0'59'15,"0"0"-28"-15,0 0 22 16,0 0 13-16,0 0-13 16,105-59-11-16,-70 37-20 15,7-5 22-15,4-7-10 16,6-2-13-16,2-7 5 15,-1-3-22-15,3-2 17 16,-1-4-9-16,0 1-12 16,-4-4 7-16,-2 2-7 15,-8 10 3-15,-10 4-4 0,-5 13 6 16,-7 6-2-16,-7 5 3 16,-5 3-5-16,1 5 0 15,-7 2-1-15,1 2 0 16,-2 3-1-16,0 0 0 15,0 0 0-15,0 0-12 16,-12 0-21-16,-6 0 28 16,-3 8-19-16,0 1 3 15,5-2 17-15,5-1-6 16,4-4 0-16,4 1 0 16,3-3-2-16,0 2 13 15,-2-2-8-15,2 0 8 0,0 0 1 16,0 0 2-16,0 0 0 15,0 0 9-15,0 0-11 16,0-5 6-16,0-3-7 16,0-4-6-16,12-1 6 15,2 0 0-15,-1 0 3 16,2 0 20-16,-4 2-3 16,-1 2 4-16,-1 2-17 15,-2 4 2-15,-1 3 4 16,2 0-13-16,-4 10-9 15,-2 18 2-15,-2 4 7 16,0 7 5-16,-9 4-3 16,-3 0-1-16,-2 0-1 0,0-1-12 15,-6-8-137-15</inkml:trace>
   <inkml:trace contextRef="#ctx0" brushRef="#br0" timeOffset="-330.04">23496 8269 10 0,'0'0'106'0,"0"0"-78"16,0 0 13-16,0 0 41 0,0 0-13 15,0 0-31-15,0 0-8 16,84-16-10-16,-52 5 4 15,6 0-5-15,4-2-18 16,2-1 13-16,1-2-14 16,3-1 3-16,1-7-5 15,3 1 6-15,2-11-4 16,-3-2 1-16,0-2 4 16,-1-4-2-16,0-3-3 15,11-7-2-15,13-6 1 16,4-2 0-16,4 4 1 15,-15 7 1-15,-16 12 1 0,-14 6 4 16,-9 3 2 0,-5 3 3-16,-4 3 10 15,-4 4-16-15,-6 4 14 0,-3 3 8 16,-4 6-15-16,-2-2 16 16,0 4-2-16,0-1-25 15,0 0 9-15,0-1-10 16,-3 3-3-16,0-1 3 15,1 1-7-15,0 1 7 16,2 0 0-16,0-5 0 16,0 2-6-16,0 1 3 15,0-2-1-15,0 3 2 16,0 0 4-16,0 2 0 16,0 0-2-16,0 0 2 15,0 0-8-15,0-1 6 0,0 1 0 16,0 0 0-16,0 0 6 15,0 0-6-15,0 0 0 16,0 0 6-16,0 0-6 16,-6 0 0-16,-2 0-1 15,-3 0-5-15,-2 0-1 16,-2 0 7-16,3 0 0 16,4 0 0-16,3 0 0 15,5 0 0-15,0 0 0 16,0 0-4-16,0 0 1 15,0 0-3-15,11 0-15 16,6 0 21-16,2 0 12 16,0-1-12-16,-5 0-2 0,0-1 2 15,-3 1-1-15,0 1-1 16,1 0-10-16,-5 0-23 16,-2 1-34-16,-4 12-77 15,-1 1-129-15</inkml:trace>
@@ -1116,9 +1119,9 @@
   <inkml:trace contextRef="#ctx0" brushRef="#br0" timeOffset="48468.36">21613 15602 454 0,'0'0'84'16,"0"0"-76"-16,0 0-7 0,0 0 77 15,0 0-48-15,-79 91-28 16,79-59 5-16,5 0-1 16,17-2-6-16,2-3 0 15,-3-4 4-15,-5-1 0 16,-5-2-4-16,-4 0 0 16,-4-3 7-16,-3-2-3 15,0 1-4-15,0-4 1 16,-5 4 5-16,-15-2-2 15,-9 2-4-15,-3-2-29 16,-4-3-49-16,1-7-105 16</inkml:trace>
   <inkml:trace contextRef="#ctx0" brushRef="#br0" timeOffset="49130.97">22626 15237 455 0,'0'0'93'0,"0"0"-73"16,0 0-2-16,-94 88 6 15,70-35 26-15,2 7-16 16,9 9-27-16,2 0 11 15,8-5-16-15,3-4 1 16,0-14-2-16,9-6 5 16,5-10-6-16,5-9 0 15,-2-11 1-15,3-10-1 16,2 0 0-16,0-20-3 16,-3-7 3-16,-8-5-2 0,-10-2 2 15,-1 5 13 1,-8 4-9-16,-11 8 25 0,0 8-22 15,-2 5-4-15,0 4-6 16,4 0 3-16,0 7-5 16,5 9-44-16,4 0-47 15,8-1-45-15,0-10-224 16</inkml:trace>
   <inkml:trace contextRef="#ctx0" brushRef="#br0" timeOffset="49503.31">23057 15166 285 0,'0'0'73'0,"0"0"-48"16,0 0 14-16,83-50 25 15,-64 50-29-15,-5 0-10 16,-3 17 2-16,-8 18-27 0,-3 11 21 16,0 6 41-1,0 5-39-15,-6 1 5 0,-1-2-13 16,3 1-14-16,2-1 9 15,-1-1-10-15,0-3 0 16,1-7-3-16,2-11-17 16,0-8-55-16,0-13-39 15,0-12-68-15,7-1-96 16</inkml:trace>
-  <inkml:trace contextRef="#ctx0" brushRef="#br0" timeOffset="49632.22">23165 15608 280 0,'0'0'166'15,"0"0"-58"-15,0 0-28 16,0 0-12-16,0 0-45 0,0 0-15 16,16-47-8-16,13 32-58 15,3-5-68-15,3 1-322 16</inkml:trace>
+  <inkml:trace contextRef="#ctx0" brushRef="#br0" timeOffset="49632.21">23165 15608 280 0,'0'0'166'15,"0"0"-58"-15,0 0-28 16,0 0-12-16,0 0-45 0,0 0-15 16,16-47-8-16,13 32-58 15,3-5-68-15,3 1-322 16</inkml:trace>
   <inkml:trace contextRef="#ctx0" brushRef="#br0" timeOffset="50150.15">23683 15027 178 0,'0'0'123'15,"0"0"-75"-15,0 0-6 16,0 0 4-16,0 0-35 15,0 0 2-15,-17 59 18 0,17-14-5 16,8 3 12-16,2-1-19 16,-1-3 0-16,0-1-13 15,-6-1-4-15,-3-3 4 16,0-6-5-16,0-6-1 16,-2-11 0-16,-2-6 5 15,0-6-5-15,2-4 4 16,-1 0 5-16,-3-1 81 15,-3-18-32-15,-1-11-55 16,1-7 0-16,6-8 2 16,3-5-5-16,0-2 0 15,16-1-19-15,8 7-14 16,6 8-39-16,1 8-68 16,-1 6-141-16</inkml:trace>
-  <inkml:trace contextRef="#ctx0" brushRef="#br0" timeOffset="50786.19">24261 14873 289 0,'0'0'124'16,"0"0"-95"-16,0 0-9 0,0 0 32 15,-67 81-19-15,62-58-19 16,5-2-9-16,0-4-1 16,0-4 0-16,7-4-4 15,2-7-2-15,3-2 2 16,6 0 0-16,2-14 2 16,3-6-2-16,2 2-13 15,-1 6-1-15,-2 6-6 16,-3 6 20-16,-5 0 11 15,-3 19-8-15,-4 9 21 16,-4 10 25-16,-3 4-19 16,0-1 11-16,0-1-18 0,-9-4-19 15,-1-5 8-15,-3-3-12 16,-1-2 0-16,-4-3-1 16,2-5-74-16,2-6-140 15</inkml:trace>
+  <inkml:trace contextRef="#ctx0" brushRef="#br0" timeOffset="50786.18">24261 14873 289 0,'0'0'124'16,"0"0"-95"-16,0 0-9 0,0 0 32 15,-67 81-19-15,62-58-19 16,5-2-9-16,0-4-1 16,0-4 0-16,7-4-4 15,2-7-2-15,3-2 2 16,6 0 0-16,2-14 2 16,3-6-2-16,2 2-13 15,-1 6-1-15,-2 6-6 16,-3 6 20-16,-5 0 11 15,-3 19-8-15,-4 9 21 16,-4 10 25-16,-3 4-19 16,0-1 11-16,0-1-18 0,-9-4-19 15,-1-5 8-15,-3-3-12 16,-1-2 0-16,-4-3-1 16,2-5-74-16,2-6-140 15</inkml:trace>
   <inkml:trace contextRef="#ctx0" brushRef="#br0" timeOffset="51033.8">24994 14842 502 0,'0'0'39'0,"0"0"-36"16,-3 97 26-16,2-65 9 16,-1 1-7-16,1 1-1 15,-1-4-30-15,1-4 0 16,1-6-1-16,0-6-68 16,1-12-67-16,20-2-254 15</inkml:trace>
   <inkml:trace contextRef="#ctx0" brushRef="#br0" timeOffset="51328.21">25199 14942 377 0,'0'0'75'0,"0"0"-34"15,0 82 18-15,0-58-1 16,0-3-29-16,6-6-4 15,5-5-24-15,3-7 8 16,4-3 13-16,5-3-12 16,3-21 2-16,-1-5-12 15,-4-4 6-15,-9 1-4 16,-10 10 4-16,-2 1-6 16,-15 7 0-16,-17 8-8 0,-7 2 7 15,-4 4-4 1,3 0-40-16,4 0-13 0,8 0-61 15,4 0-136-15</inkml:trace>
   <inkml:trace contextRef="#ctx0" brushRef="#br0" timeOffset="51701.13">25527 14318 150 0,'0'0'51'16,"0"0"-19"-16,92 34 23 15,-64-2 2-15,-2 8 33 16,-7 9-33-16,-1 7-15 15,-6 7-7-15,-6 9-9 16,-6 8 4-16,0 7 5 16,-3 7-24-16,-15 13 8 15,-4 0-19-15,3-2 0 16,5-6 0-16,5-20 6 16,6-8-6-16,3-12 0 15,-3-9 5-15,3-9-6 0,-1-11 1 16,1-12-40-16,0-8-41 15,0-10-119-15</inkml:trace>
@@ -1127,7 +1130,7 @@
   <inkml:trace contextRef="#ctx0" brushRef="#br0" timeOffset="64332.45">20171 18034 168 0,'0'0'92'16,"0"0"-63"-16,0 0-14 16,0 0 14-16,0 0 9 0,0 0 18 15,0 0-40 1,0 0-6-16,-60-76-10 0,52 76 1 15,1 2-6-15,0 15 1 16,4 3 4-16,1 7-3 16,2-3 3-16,0 0-12 15,0-6-27-15,0-5-26 16,0-8 3-16,0-5-8 16,5 0 17-16,2-17 53 15,-1-9 0-15,0-7 0 16,-3-4-3-16,1 3 3 15,1 5 17-15,0 9 46 0,0 14 21 16,3 6-11 0,2 13-72-16,3 26 27 0,1 11 30 15,-3 7-27-15,0 1-2 16,-2-5-26-16,5-7-1 16,-4-10 2-16,2-6 1 15,0-7-5-15,-4-8 0 16,-1-10-4-16,-1-3-26 15,4-2-69-15,1-11-106 16</inkml:trace>
   <inkml:trace contextRef="#ctx0" brushRef="#br0" timeOffset="64505.06">20486 17885 334 0,'0'0'54'0,"0"0"-38"16,0 0-14-16,94-49 18 16,-66 39-11-16,0 3-9 15,-3-3-41-15,-2-2-154 16</inkml:trace>
   <inkml:trace contextRef="#ctx0" brushRef="#br0" timeOffset="64640.08">20632 17938 35 0,'0'0'46'0,"0"0"16"0,0 0 18 15,0 0-58-15,83 3-22 16,-57-18-48-16</inkml:trace>
-  <inkml:trace contextRef="#ctx0" brushRef="#br0" timeOffset="65231.22">21176 17334 113 0,'0'0'132'0,"0"0"-72"15,0 0 6-15,0 0-30 16,0 0-10-16,0 0 4 16,105-36-14-16,-74 36 3 15,-6 3-10-15,-5 9-8 16,-4 2 15-16,-7 4-14 15,-4 7 0-15,-5 8 22 16,0 6 1-16,-11 1 6 16,-8 3-23-16,-1 0-4 15,3-6 1-15,7-5-5 16,6-5 0-16,4-1-2 16,0-8 7-16,14-3-5 15,8-11 6-15,5-4-3 0,5 0 6 16,4-3-9-16,3-10 4 15,0-5-8-15,-3 2-11 16,-10 0-17-16,-9 9-75 16,-12 4-155-16</inkml:trace>
+  <inkml:trace contextRef="#ctx0" brushRef="#br0" timeOffset="65231.21">21176 17334 113 0,'0'0'132'0,"0"0"-72"15,0 0 6-15,0 0-30 16,0 0-10-16,0 0 4 16,105-36-14-16,-74 36 3 15,-6 3-10-15,-5 9-8 16,-4 2 15-16,-7 4-14 15,-4 7 0-15,-5 8 22 16,0 6 1-16,-11 1 6 16,-8 3-23-16,-1 0-4 15,3-6 1-15,7-5-5 16,6-5 0-16,4-1-2 16,0-8 7-16,14-3-5 15,8-11 6-15,5-4-3 0,5 0 6 16,4-3-9-16,3-10 4 15,0-5-8-15,-3 2-11 16,-10 0-17-16,-9 9-75 16,-12 4-155-16</inkml:trace>
   <inkml:trace contextRef="#ctx0" brushRef="#br0" timeOffset="66126.19">20160 17897 124 0,'0'0'73'0,"0"0"-29"16,0 0-15-16,0 0-4 16,0 0 27-16,0 0-18 15,-63-74-5-15,49 60 4 16,1 4-23-16,3 1-2 15,3 3 5-15,4 3-12 16,-2 3 10-16,-1 0-11 16,-5 10-4-16,0 11 2 15,2 5 2-15,0 5 0 16,8-2-2-16,1 4 0 16,0 1 2-16,8-2-1 15,7 2 2-15,3-7-4 0,-1-8 3 16,-1-6-6-16,-1-12 6 15,0-1-14-15,0-4 13 16,3-23 1-16,-2-9 11 16,2-9 6-16,-1-3-17 15,-4 0 0-15,-2 11 8 16,-4 13 16-16,-1 14 18 16,-2 10-23-16,4 11-19 15,2 26 0-15,4 11 17 16,-2 11 6-16,1 0-8 15,-1-5-13-15,0-4 2 16,3-11-4-16,0-8-5 0,1-4-16 16,1-9-60-16,3-14-54 15,3-4-146-15</inkml:trace>
   <inkml:trace contextRef="#ctx0" brushRef="#br0" timeOffset="66753.86">21466 16887 112 0,'-84'-17'11'0,"-11"12"-8"16,-20 5 1-16,-13 7-3 16,-18 12 24-16,-20 8 20 15,-16 13 31-15,-5 19-54 16,8 15 57-16,16 14 4 15,27 5-42-15,22 8-35 16,20 11 1-16,27 19-7 16,28 20 7-16,33 14-9 0,15 9 6 15,45-2-3-15,26 3 18 16,19-16-18-16,15-18 7 16,9-11-8-16,1-30 7 15,-5-33-9-15,-1-67 2 16,-5 0-7-16,1 0 7 15,-1 0 0-15,-2 0-5 16,-1-45-7-16,-3-66 2 16,7-30 8-16,0-13-17 15,3-14 4-15,1-12 13 16,-3-10-2-16,-2-5-11 16,-12 14 10-16,-14 21 5 15,-27 28 7-15,-32 27 18 0,-28 19-8 16,-15 16 16-16,-38 8-22 15,-16 4 0-15,-11 4-11 16,-6 2 2-16,-6 14-4 16,-9 15-4-16,-9 15-82 15,-3 8-50-15,8 25-159 16</inkml:trace>
   <inkml:trace contextRef="#ctx0" brushRef="#br0" timeOffset="85212.33">22212 15787 28 0,'0'0'25'0,"0"0"-10"16,0 0-5 0,0 0 12-16,0 0 16 0,0 0-8 15,0 0-11-15,0 0 6 16,-2 0-8-16,2 0 11 16,0 0-2-16,0 0-8 15,0 0-4-15,0 0-9 16,0 0 9-16,0 0 9 15,0 0-18-15,0 0 15 16,0 0-6-16,0 0-7 16,0 0 18-16,0 0-19 15,2 0-1-15,-2 0 5 0,1 0-6 16,1 0-4 0,-2 0 0-16,4 0 0 0,2 0-4 15,1 0 4-15,3 0 0 16,3 0 0-16,2 0 4 15,1-3-4-15,-2-1 0 16,0 3 2-16,-2-2-1 16,1 0-1-16,1 0 0 15,0-1 0-15,2 1 3 16,1 1-6-16,2 0 3 16,2 0 0-16,-2 1 4 15,2-1-4-15,-2-1 0 16,0 1-2-16,-2-1 6 15,1 2-4-15,0-2 0 16,-1 0 0-16,4 2 3 0,-4-1-3 16,3 2 0-16,2-2 1 15,3-3-1-15,4-2 0 16,5-4 4-16,4-3 0 16,-1 3 4-16,-3-2-5 15,-2 3-1-15,-7 4 0 16,-3-1 3-16,-3 0-5 15,0-2 11-15,-3 1-11 16,0 2 15-16,2-2-9 16,3 1-5-16,-1-3 3 15,3 2 3-15,6-2-7 16,-3-1 0-16,1 5 6 0,-4 0-10 16,-7-1 4-16,-1 4 0 15,-5-2-2-15,-1 2 5 16,1 0-3-16,-3 1 0 15,2-3 4-15,-2 1-4 16,2-2 0-16,2 1 0 16,-1 1 1-16,-2-3 1 15,0 2-2-15,0 3 3 16,-2-3 4-16,2 0-5 16,2 2-2-16,-3-2 0 15,1 2 2-15,-2-3 1 16,0 4-3-16,3-1 1 15,-2-3 3-15,2 5-1 0,0-6-3 16,0 0 1 0,0 1-1-16,3-1 0 0,-3 3 0 15,-2 1 0-15,-1 1 2 16,0-1-3-16,0 0 1 16,0 0 0-16,-1 2 1 15,-1 0-1-15,1-2 0 16,-1 0 1-16,2 0 5 15,0 0-6-15,1 0 2 16,-2-2 0-16,0 0 6 16,2 1-7-16,0-2-1 15,2 0 6-15,2 1 0 0,1-2-6 16,-2 0 0 0,3-1 3-16,-1 2-5 0,-2-1 2 15,1 2 0-15,-3 0-5 16,-2 1 10-16,-2 2-5 15,1 0 0-15,1 0 2 16,-2-2-3-16,2 1 1 16,2-1 0-16,-1-1-1 15,3-2 5-15,0 3-4 16,-1 1 0-16,1-3 1 16,-4 4-5-16,0 0 5 15,-2 1-1-15,1-1 0 16,2 1 2-16,-1-3-2 15,2 3 0-15,1-2 7 16,-1-1-10-16,1 3 3 0,-1-4 0 16,0 4-2-1,-1-3 5-15,-3 3-3 0,1-1 0 16,-1 0 5-16,1-2-8 16,1 3 3-16,4-4 0 15,-2 2-4-15,1-2 5 16,1 5-1-16,-4-3 0 15,-2 2 6-15,0-1-11 16,0 1 5-16,-1-1 0 16,4-1 0-16,-2-1 5 0,-1 1-5 15,1 2 2 1,-1-2 2-16,1 2 3 0,-2-4-7 16,0 4 0-16,1-1-4 15,-2 2 4-15,-1 0 0 16,-1 0-1-16,3 0 6 15,0 0-9-15,0-1 4 16,0 1 0-16,-1 0-1 16,1-2 1-16,0 0 0 15,0 0 0-15,1 0 6 16,0 0-7-16,1 1 1 16,-1-1 0-16,0 1-1 15,-1 0 4-15,-2-1-3 16,-1 2 0-16,2-1 4 15,1 1-4-15,2-2 0 16,0-2 0-16,-1 2-1 0,1 0 1 16,-1-1 0-16,1 2-2 15,-1 0 4-15,4-4-4 16,-4 4 2-16,1 1 0 16,-1 0-2-16,1-1 3 15,2-1-1-15,-1 0 0 16,1 0 3-16,3-4-3 15,0 3 0-15,0 0 0 16,1-1-2-16,1-1 2 16,-2 2 0-16,-2-2-2 15,-2 1 6-15,-1 1-4 16,1 1 0-16,0-1 3 16,4 0-4-16,0-2 1 0,0 1 0 15,-1 2-5-15,3-1 10 16,0-3-5-16,3 3 0 15,-2 1 1-15,1-4-6 16,2 3 5-16,-2 1 0 16,5-1-1-16,2-3 0 15,0 2 1-15,4-1 0 16,1-2 7-16,0 2-8 16,1-3 1-16,3 1 0 15,0-1-7-15,-3 2 10 16,0-1-3-16,-2 2 0 15,1-1 4-15,0-3-8 16,1 0 4-16,3-1 0 0,4-3 0 16,5-1 2-16,3 0-2 15,0 0 0-15,-2 1 7 16,-1 0-16-16,-4 4 9 16,-6 1 0-16,-7 1-3 15,-1 3 4-15,0 0-1 16,-1-2 1-16,3 0 4 15,3 1-10-15,3-1 5 16,6 3 0-16,1-5-4 16,3 3 11-16,-1-1-7 15,-2 1 0-15,-2 3 5 16,-2-2-14-16,-4-2 9 0,-3 2 0 16,-4-1 1-16,0 0-1 15,1 0 0-15,-3 1 0 16,1-2 5-16,1 2-6 15,0-3 1-15,6 3 0 16,0 0-4-16,4-4 5 16,2 5-1-16,-5-1 0 15,-1-2 5-15,-6 5-12 16,-6-1 7-16,-2 1 0 16,-4 1-1-16,-4-2 3 15,-4 2-2-15,-1 0 0 16,0 0 4-16,0 0-11 15,2 0 3-15,-1 0-89 0,-1 0-117 16</inkml:trace>
@@ -1148,7 +1151,7 @@
   <inkml:trace contextRef="#ctx0" brushRef="#br0" timeOffset="125619.2">20036 17228 0 0,'0'0'81'0,"0"0"45"16,0 0-45-16,0 0-33 15,0 0 18-15,-49-92-10 16,19 62-7-16,-9 1-17 16,-11-2-13-16,-8 0-18 0,-5-3 6 15,-3 1-7 1,1 4 0-16,3 1-1 0,7 1 3 15,7 6-2-15,11 2 0 16,12 10-6-16,10 1 5 16,7 6-12-16,7 2 11 15,1 0-1-15,0 0-33 16,0 6 24-16,9 5 10 16,2-2-11-16,2 1 10 15,-1 1-1-15,2 5 4 16,0 8 0-16,-2 4 2 15,-3 4-2-15,-2 3 0 16,0-9 5-16,0-6-10 16,-4-7 5-16,-2-7-9 15,-1-6 6-15,0 0-1 0,0-2 4 16,0-21 8-16,0-13-1 16,-1-9-12-16,-2-9 5 15,3-2 0-15,0 2 4 16,6 9-3-16,9 15-1 15,9 22 22-15,5 8-18 16,7 26-4-16,9 18 0 16,3 7-14-16,1-1-64 15,-6-5-222-15</inkml:trace>
   <inkml:trace contextRef="#ctx0" brushRef="#br0" timeOffset="143898.37">732 14156 29 0,'0'0'49'15,"0"0"-33"-15,0 0 12 16,0 0 6-16,0 0-15 0,0 0 28 16,0 0-12-1,0 0 12-15,-16-70-13 0,14 64-28 16,1 6 2-16,1 0-8 15,0 0-16-15,1 13 5 16,20 13-12-16,6 17 23 16,7 14 23-16,4 14-8 15,-1 7 17-15,-1 2-12 16,-1-9-18-16,-12-14-4 16,-2-15-19-16,-9-17 21 15,-5-11-1-15,-7-7 1 16,0-5-2-16,0-2 2 15,-21-2 81-15,-7-23-45 0,-2-13-36 16,0-15 8 0,5-12-18-16,2-8 8 0,1-10-18 15,4-8 19-15,2-3-24 16,1 2 22-16,6 10-26 16,9 15 5-16,0 18 23 15,3 16-18-15,12 12 11 16,1 15-12-16,2 6-16 15,2 11-4-15,-4 20 11 16,-7 11 29-16,-9 12 6 16,0 11-1-16,-6 4 5 15,-12-4 6-15,3-4-15 0,2-12 3 16,5-8-4 0,2-11-102-16</inkml:trace>
   <inkml:trace contextRef="#ctx0" brushRef="#br0" timeOffset="144318.2">956 13493 114 0,'0'0'14'15,"34"84"77"-15,-13-20-23 16,-1 5 7-16,2 1-43 0,0-2-13 16,-1-1-6-16,-3-11-12 15,-3-9 5-15,-3-14-6 16,-3-14 1-16,-2-9 5 16,-4-10-5-16,-3 0-1 15,0-9 26-15,0-25 10 16,0-17-36-16,0-10-5 15,0-3-12-15,0 13 16 16,6 12 2-16,2 15 9 16,1 16 19-16,4 8-29 15,8 0-7-15,0 9 5 16,9 16 2-16,-3 7 2 0,-2 2-2 16,2-2 0-16,-6-5-2 15,4-6-18-15,-4-7-21 16,4-10-49-16,-5-4-89 15</inkml:trace>
-  <inkml:trace contextRef="#ctx0" brushRef="#br0" timeOffset="144611.92">1486 13675 160 0,'0'0'107'0,"0"0"-100"16,0 0 20-16,-8 107 0 15,8-76 4-15,3-3-19 0,8-8-6 16,2-6 6-16,-1-5-12 16,-2-9 2-16,-1 0 8 15,-1-9 15-15,-2-19 30 16,1-7-29-16,-4-11-18 16,-3-1 3-16,0 5-8 15,0 10 3-15,-15 10 10 16,-4 13-12-16,-2 8-4 15,0 1-3-15,3 0-35 16,3 10 10-16,8 2-44 16,2 3-41-16,4-4-99 15</inkml:trace>
+  <inkml:trace contextRef="#ctx0" brushRef="#br0" timeOffset="144611.91">1486 13675 160 0,'0'0'107'0,"0"0"-100"16,0 0 20-16,-8 107 0 15,8-76 4-15,3-3-19 0,8-8-6 16,2-6 6-16,-1-5-12 16,-2-9 2-16,-1 0 8 15,-1-9 15-15,-2-19 30 16,1-7-29-16,-4-11-18 16,-3-1 3-16,0 5-8 15,0 10 3-15,-15 10 10 16,-4 13-12-16,-2 8-4 15,0 1-3-15,3 0-35 16,3 10 10-16,8 2-44 16,2 3-41-16,4-4-99 15</inkml:trace>
   <inkml:trace contextRef="#ctx0" brushRef="#br0" timeOffset="145157.09">1629 13558 32 0,'0'0'98'16,"0"0"-40"-16,0 0 3 16,0 0-16-16,0 0 0 15,76 89-1-15,-69-77-31 16,-2-3-7-16,-4-5 11 16,-1-4-10-16,0 0 45 15,0 0 25-15,0-4-15 16,-10-19-28-16,-2-7-34 15,3-6 0-15,4-5-5 16,5 4 5-16,0 6-5 16,5 11 5-16,7 9-7 0,3 10 4 15,0 1-1-15,4 7 2 16,2 10-5-16,-3 8 7 16,3-3-3-16,-6 3-13 15,4-4-38-15,1-10-4 16,2-2-28-16,5-9-20 15,-5 0 52-15,5 0 17 16,-9 0 36-16,6-10-1 16,-5-3 4-16,-2-4 3 15,-3-3 29-15,-3-2-7 16,-5-1 38-16,-6-5-31 0,0 0 21 16,0-3 3-16,-14 2-17 15,-3 8-2-15,0 7 2 16,4 6-20-16,7 8 27 15,3 0-47-15,3 23 7 16,0 15-16-16,0 5 16 16,7 0-6-16,8-8-2 15,0-9-4-15,0-9-12 16,0-8-45-16,0-9-39 16,-2 0-14-16,1-16-117 15</inkml:trace>
   <inkml:trace contextRef="#ctx0" brushRef="#br0" timeOffset="145563.78">2203 12700 364 0,'0'0'104'0,"0"0"-94"15,26 101 23-15,-1-20 39 16,5 8 1-16,-2 2-65 15,-4-7-6-15,-3-18 5 16,-5-14-2-16,-5-15-5 16,2-16 2-16,-8-10 3 15,-4-7-3-15,-1-4 0 0,0 0 6 16,0-19 6 0,-3-15-14-16,-6-10-3 0,9-2-6 15,0 0-27-15,0 10 28 16,0 10-9-16,17 12 10 15,0 8 5-15,3 6 0 16,-1 0 2-16,-5 12-3 16,-1 10 14-16,-7 1-12 15,-4 5 1-15,-2 3 0 16,0 1 7-16,-5 1 1 16,-7-3 1-16,0-2-9 15,-1-3-9-15,-2-2-60 16,3-3-96-16,6-13-75 15</inkml:trace>
   <inkml:trace contextRef="#ctx0" brushRef="#br0" timeOffset="145925.93">2682 13002 212 0,'0'0'133'0,"0"0"-118"16,0 0-10-16,0 0 6 15,0 0 32-15,0 0 5 16,12 77-46-16,-3-66 5 0,-3-6-5 16,3-4 0-16,0-1-2 15,0-4 16-15,1-20 46 16,-2-10-13-16,2-8-38 15,-10-6-7-15,0 1 13 16,0 5 14-16,-13 5 10 16,-7 12-18-16,-5 7-20 15,0 9 1-15,1 9-4 16,1 5-10-16,1 27 10 16,3 16-39-16,8 4-49 15,5 3-40-15,6-9-126 16</inkml:trace>
@@ -1156,19 +1159,19 @@
   <inkml:trace contextRef="#ctx0" brushRef="#br0" timeOffset="146254.29">2682 13002 328 0,'109'-102'81'15,"-103"102"-81"-15,3 7 0 0,6 6 21 0,0 2-19 16,1 1 9-16,1-2 1 16,-1-6-6-16,-4-2 0 15,0-6-4-15,0 0-1 0,0-10 23 16,1-15-12 0,-1-8 16-16,-6-6-26 0,-6-4 0 15,0 1 52-15,-15 6-26 16,-13 1-26-16,-5 16 1 15,-7 9 1-15,1 8-4 16,5 2 0-16,1 4-27 16,6 10-10-16,5-1-46 15,5 0-63-15,1-1-141 16</inkml:trace>
   <inkml:trace contextRef="#ctx0" brushRef="#br0" timeOffset="146682.19">2894 12166 357 0,'0'0'119'0,"0"0"-115"16,76 111 8-16,-39-51 23 15,-7 6 10-15,-4-4-28 16,-7 0 3-16,-4-13-19 15,-6-11 3-15,-3-15-3 16,-3-10 7-16,-2-10-7 16,-1-3 0-16,0 0 5 15,0-7 25-15,0-14-28 16,-4-14-3-16,-5-9-24 0,4-5-16 16,0-1 11-1,0 8-14-15,2 12 17 0,0 15 23 16,3 12 5-16,0 3-4 15,0 8-9-15,3 20 11 16,6 9 6-16,-2 5 5 16,4-3-8-16,5-6 14 15,11-6-15-15,10-10 8 16,7-7-4-16,8-7-1 16,7-3 4-16,7 0-9 15,7-17-6-15,11-13-39 16,13-10-122-16</inkml:trace>
   <inkml:trace contextRef="#ctx0" brushRef="#br0" timeOffset="147153.99">3713 11857 99 0,'-158'-18'38'16,"-18"4"43"-16,-24 12-13 15,-22 2-3-15,-26 43-38 16,-31 38-27-16,-24 36 6 16,-1 28-2-16,13 15-4 15,25 18 0-15,35 17 0 0,19 16 1 16,24 7 38 0,39-6 3-16,43-10-30 0,39-4 0 15,45-1-12-15,26 3 0 16,53 1-3-16,41-19 3 15,32-30-25-15,34-35-22 16,20-38-7-16,20-44 12 16,26-35 12-16,26-48 16 15,32-64-2-15,23-55 16 16,14-56 26-16,2-31-26 16,-11-13-10-16,-19-3 5 15,-36 17 10-15,-45 1 2 0,-50 13-1 16,-44 15-3-1,-37 16-3-15,-37 19 13 0,-35 14 5 16,-21 19 43-16,-52 6-18 16,-27 21-3-16,-26 29-14 15,-22 32-26-15,-24 53-4 16,-32 39-55-16,-28 60-105 16,-23 39-64-16</inkml:trace>
-  <inkml:trace contextRef="#ctx0" brushRef="#br0" timeOffset="148848.08">1190 15677 93 0,'0'0'87'15,"0"0"-42"-15,0 0-9 16,-91-72 9-16,81 66 41 16,2 1-17-16,7 5 16 15,1 0-78-15,4 8-7 16,22 19 0-16,8 12 1 0,5 8 14 16,2 3-1-16,-5 1-7 15,-1 0-5-15,-4-9 1 16,0-8-3-16,-7-14-27 15,-2-10-35-15,-2-10-22 16,-4 0-1-16,-1-22-102 16</inkml:trace>
+  <inkml:trace contextRef="#ctx0" brushRef="#br0" timeOffset="148848.07">1190 15677 93 0,'0'0'87'15,"0"0"-42"-15,0 0-9 16,-91-72 9-16,81 66 41 16,2 1-17-16,7 5 16 15,1 0-78-15,4 8-7 16,22 19 0-16,8 12 1 0,5 8 14 16,2 3-1-16,-5 1-7 15,-1 0-5-15,-4-9 1 16,0-8-3-16,-7-14-27 15,-2-10-35-15,-2-10-22 16,-4 0-1-16,-1-22-102 16</inkml:trace>
   <inkml:trace contextRef="#ctx0" brushRef="#br0" timeOffset="149043.51">1423 15429 352 0,'0'0'136'0,"0"0"-125"15,0 0-11-15,8 115 0 0,9-33 54 16,-3 8-18-16,5-2-14 16,-1-8-8-16,-3-9-11 15,4-10-6-15,-2-10-20 16,-1-13-72-16,-2-9 20 16,0-11-58-16,0-15-37 15,-4-3 41-15</inkml:trace>
   <inkml:trace contextRef="#ctx0" brushRef="#br0" timeOffset="149592.59">1751 15675 70 0,'0'0'198'0,"0"0"-130"16,-37-98-42-16,25 75 28 16,6 5 4-16,0 13 45 15,3 1-49-15,1 4-35 16,-1 0-19-16,3 13 3 16,0 10-3-16,0 7 17 15,0-1-16-15,8-1 6 16,1-1-7-16,7-9 0 15,-2-4-5-15,5-5-36 0,-2-9-6 16,2 0-17-16,5-18 16 16,-8-14 7-16,-1-7-9 15,-6-6 50-15,-9-6 3 16,0-7 7-16,-3-6 2 16,-21-8 3-16,-1 1-9 15,-3 3 6-15,-2 9 27 16,12 15-6-16,3 18 43 15,6 16-8-15,9 10-13 16,0 20-55-16,9 26-9 16,15 23 9-16,7 16 36 15,2-2-35-15,3-7 17 16,2-9-18-16,-2-18 0 0,-3-10-2 16,-3-9 5-1,-3-9-6-15,-9-10-25 0,1-8-48 16,-4-3 10-16,0-5-30 15,-3-21 1-15,-2-10-70 16,-7-7-64-16</inkml:trace>
   <inkml:trace contextRef="#ctx0" brushRef="#br0" timeOffset="149989.21">2047 15001 0 0,'0'0'126'0,"0"0"22"16,0 0-21-16,0 0-52 15,0 0-4-15,0 0-64 16,-15-1-6-16,15 38 12 16,0 12 9-16,7 6 29 15,9 1-44-15,4-1-5 0,4-1 7 16,4-8-5 0,-1-3-1-16,1-9-3 0,-4-3 8 15,-4-7-11-15,-4-4 3 16,-7-11 0-16,0-3-5 15,-3-6-38-15,-5 0 7 16,1 0 2-16,-2-3-25 16,0-8-29-16,0 1-148 15</inkml:trace>
   <inkml:trace contextRef="#ctx0" brushRef="#br0" timeOffset="150418.87">2364 15186 292 0,'0'0'157'0,"0"0"-157"16,0 0 5-16,0 0-5 16,0 0 11-16,6 97-1 15,2-70 6-15,2 0-15 16,-1-6 2-16,2-7-3 0,-4-4 4 16,0-8-9-16,-2-2 0 15,1 0 5-15,0-20 0 16,0-10 14-16,-6-5-8 15,0-5 4-15,0 4 0 16,-9 0 30-16,-10 7-14 16,-1 7-24-16,2 9 19 15,0 6-21-15,2 7 3 16,2 0-6-16,0 9-9 16,8 11-38-16,4 3-39 15,2 1-105-15</inkml:trace>
   <inkml:trace contextRef="#ctx0" brushRef="#br0" timeOffset="150828.23">2600 15034 352 0,'0'0'114'0,"0"0"-114"16,0 0-4-16,0 0 4 15,0 0 17-15,0 0 17 16,27 34-16-16,-22-31-15 16,0-3 7-16,-3 0-9 15,-2 0 6-15,0-6 29 0,0-18-11 16,0-5-21 0,0 3-4-16,0 8 5 0,0 8-13 15,0 10 8-15,1 0-14 16,13 24 4-16,8 9 9 15,-1 7 1-15,-3-2 3 16,4-6 2-16,-8-7 0 16,2-12-5-16,-7-7 0 15,-3-6 5-15,0-4 15 16,-2-22 49-16,1-9-32 16,-5-10-24-16,0-2 8 15,0-2-21-15,0 4 0 0,-5 1-5 16,-3 6-63-1,5 15-65-15,0 10-102 0</inkml:trace>
-  <inkml:trace contextRef="#ctx0" brushRef="#br0" timeOffset="151895.05">3179 14566 167 0,'0'0'108'0,"0"0"-75"0,0 0 16 16,0 0-49-16,0 0 1 16,0 0 76-16,58 98-33 15,-34-55-16-15,-2-3-3 16,-2 2-5-16,1 0-9 16,-6-2-7-16,1 7 2 15,-4 1 6-15,-3-9-8 16,-5-10-3-16,-2-18 3 15,-1-9 1-15,-1-2 11 16,0-16 19-16,0-20-1 16,-13-11-34-16,-2-6 5 15,-7-6-5-15,-2-1 0 16,0-9-4-16,0-6 3 0,5-7-20 16,11 0-4-16,8 8 24 15,0 18-15-15,14 22 16 16,5 14 11-16,-1 16-5 15,0 4-6-15,1 11-1 16,-2 18 0-16,-6 8-7 16,-6 7 15-16,-5 6-7 15,0 1 0-15,0-2-7 16,0-5-76-16,6-12-161 16</inkml:trace>
-  <inkml:trace contextRef="#ctx0" brushRef="#br0" timeOffset="152171.3">3570 14384 417 0,'0'0'134'16,"0"0"-72"-16,0 0-54 15,0 0 1-15,0 0-9 16,0 0 4-16,-27 6-4 15,27 0 0-15,0-1-6 16,0-5 3-16,0 0-2 16,0 0 5-16,0-12 3 15,6-4 3-15,6 0 2 0,-5 6-8 16,2 1-19 0,3 5-45-16,6 2-25 0,3 2-42 15,-3 0-59-15</inkml:trace>
+  <inkml:trace contextRef="#ctx0" brushRef="#br0" timeOffset="151895.04">3179 14566 167 0,'0'0'108'0,"0"0"-75"0,0 0 16 16,0 0-49-16,0 0 1 16,0 0 76-16,58 98-33 15,-34-55-16-15,-2-3-3 16,-2 2-5-16,1 0-9 16,-6-2-7-16,1 7 2 15,-4 1 6-15,-3-9-8 16,-5-10-3-16,-2-18 3 15,-1-9 1-15,-1-2 11 16,0-16 19-16,0-20-1 16,-13-11-34-16,-2-6 5 15,-7-6-5-15,-2-1 0 16,0-9-4-16,0-6 3 0,5-7-20 16,11 0-4-16,8 8 24 15,0 18-15-15,14 22 16 16,5 14 11-16,-1 16-5 15,0 4-6-15,1 11-1 16,-2 18 0-16,-6 8-7 16,-6 7 15-16,-5 6-7 15,0 1 0-15,0-2-7 16,0-5-76-16,6-12-161 16</inkml:trace>
+  <inkml:trace contextRef="#ctx0" brushRef="#br0" timeOffset="152171.29">3570 14384 417 0,'0'0'134'16,"0"0"-72"-16,0 0-54 15,0 0 1-15,0 0-9 16,0 0 4-16,-27 6-4 15,27 0 0-15,0-1-6 16,0-5 3-16,0 0-2 16,0 0 5-16,0-12 3 15,6-4 3-15,6 0 2 0,-5 6-8 16,2 1-19 0,3 5-45-16,6 2-25 0,3 2-42 15,-3 0-59-15</inkml:trace>
   <inkml:trace contextRef="#ctx0" brushRef="#br0" timeOffset="152839.16">3722 14193 211 0,'0'0'177'0,"0"0"-106"16,0 0 4-16,-27-82 26 16,26 79-29-16,-1 3-35 15,2 1-37-15,0 30-15 16,15 16 15-16,12 19 5 15,9 19-2-15,4 13 10 0,-6 9-11 16,-4 10 23-16,-9 9-14 16,-9-3-3-16,-3-10-9 15,-3-19 1-15,-3-28 0 16,0-28 7-16,-3-17-7 16,0-13 0-16,0-8 7 15,-15-10-2-15,-9-20-5 16,-7-13-2-16,3-9-17 15,3-7 4-15,6-5-16 16,7-1 0-16,0-2 11 16,5-1 8-16,1-2 12 15,3-3 0-15,0-3 5 16,3-4-7-16,0-5 2 0,0-2 0 16,0-7 1-16,0 4-1 15,0 7 0-15,-4 16 7 16,-4 24-5-16,2 19 24 15,3 17-10-15,0 7 20 16,1 0-36-16,1 18-3 16,-1 22-2-16,2 17-1 15,0 9 12-15,14-3-5 16,7-5-1-16,4-9 0 16,-2-12-6-16,-1-13 5 15,-1-10-7-15,-5-11-18 16,2-3 0-16,-3-13 22 0,3-20 4 15,-3-10-17-15,3-8 15 16,-3-5-1-16,4 5 3 16,0 7 4-16,-2 12-1 15,2 16-3-15,-5 12 4 16,-1 4 3-16,-1 4-6 16,-4 20 4-16,-4 10-5 15,-4 11 0-15,0 2 4 16,0 1-15-16,-7-2-4 15,-1-3-45-15,-1-5-50 16,-1-1-121-16</inkml:trace>
   <inkml:trace contextRef="#ctx0" brushRef="#br0" timeOffset="153117.07">1875 16494 101 0,'0'0'23'16,"-54"85"-23"-16,36-39-86 15</inkml:trace>
   <inkml:trace contextRef="#ctx0" brushRef="#br0" timeOffset="153429.91">1511 16977 84 0,'0'0'77'15,"0"0"-33"-15,0 0 19 16,0 0 6-16,0 0 1 0,0 0-2 16,-30 7-34-16,57-50-21 15,25-23-6-15,27-30 11 16,27-22-2-16,36-23-10 15,28-20 0-15,27-14 19 16,19-13-25-16,14-13 6 16,0 1-5-16,-8 14-2 15,-13 22-11-15,-30 27-15 16,-27 27-22-16,-33 19 45 16,-35 24-37-16,-33 24 0 15,-38 26-23-15,-20 17-55 16,-47 22-50-16</inkml:trace>
   <inkml:trace contextRef="#ctx0" brushRef="#br0" timeOffset="153746.24">1462 17192 231 0,'0'0'153'16,"0"0"-143"-16,0 0-10 16,0 0 0-16,76-112 1 15,7 13 63-15,26-31-16 0,30-28-2 16,27-13-26 0,23-21 9-16,23-8 12 0,28-16-27 15,11-11-7-15,4 1-7 16,-6 22 0-16,-24 29 0 15,-34 39-4-15,-42 36-8 16,-38 32-29-16,-35 30-32 16,-31 19-15-16,-24 19-95 15,-21 5-80-15</inkml:trace>
-  <inkml:trace contextRef="#ctx0" brushRef="#br0" timeOffset="158710.08">1994 17687 24 0,'0'0'14'15,"0"0"-7"-15,0 0-3 16,0 0 13-16,0 0 21 16,0 0-18-16,-80-76 13 15,75 73-28-15,4 1-4 16,1 2 8-16,0 0-9 16,12 21-17-16,21 26 17 15,13 17 33-15,7 20 17 16,3 3-7-16,2-2-26 15,-7-13-4-15,-11-15-12 0,-13-17 0 16,-11-15-1 0,-4-11 4-16,-9-10 5 0,-1-4-2 15,-2 0 81-15,0-9 7 16,-17-17-56-16,-7-15-34 16,-4-9 1-16,0-6-5 15,-1-9 7-15,-2-11-8 16,4-8 0-16,-1-2-2 15,7-3 3-15,0 9-2 16,10 11 1-16,4 17-8 16,7 12 3-16,0 16-1 15,0 17 1-15,4 7 3 16,13 4-17-16,10 23 19 16,-2 7-2-16,-1 10 5 15,-9 4-3-15,-9 5 0 0,-6 1-5 16,0 6 2-16,0-1-58 15,-3-4-72-15,0-13-88 16</inkml:trace>
+  <inkml:trace contextRef="#ctx0" brushRef="#br0" timeOffset="158710.07">1994 17687 24 0,'0'0'14'15,"0"0"-7"-15,0 0-3 16,0 0 13-16,0 0 21 16,0 0-18-16,-80-76 13 15,75 73-28-15,4 1-4 16,1 2 8-16,0 0-9 16,12 21-17-16,21 26 17 15,13 17 33-15,7 20 17 16,3 3-7-16,2-2-26 15,-7-13-4-15,-11-15-12 0,-13-17 0 16,-11-15-1 0,-4-11 4-16,-9-10 5 0,-1-4-2 15,-2 0 81-15,0-9 7 16,-17-17-56-16,-7-15-34 16,-4-9 1-16,0-6-5 15,-1-9 7-15,-2-11-8 16,4-8 0-16,-1-2-2 15,7-3 3-15,0 9-2 16,10 11 1-16,4 17-8 16,7 12 3-16,0 16-1 15,0 17 1-15,4 7 3 16,13 4-17-16,10 23 19 16,-2 7-2-16,-1 10 5 15,-9 4-3-15,-9 5 0 0,-6 1-5 16,0 6 2-16,0-1-58 15,-3-4-72-15,0-13-88 16</inkml:trace>
   <inkml:trace contextRef="#ctx0" brushRef="#br0" timeOffset="159106.12">2166 17063 226 0,'0'0'17'16,"0"0"26"-16,0 0-43 15,88 83 0-15,-45-17 20 16,-1 7 43-16,-5 3-24 16,-5-4-10-16,-4-17-21 15,-6-14-6-15,-8-19 10 16,-4-14-8-16,-7-3-1 15,-3-5 6-15,0 0 4 16,0 0 54-16,0-22-14 16,-3-11-52-16,-9-13 7 15,2-8-8-15,5-4 0 16,5 5-1-16,0 14-4 16,0 14 5-16,9 15 0 0,9 10-1 15,5 0-3 1,5 8 5-16,3 18-1 0,-1 3 0 15,-6 2 0-15,0 3-6 16,-6-1-43-16,-2-4-35 16,-4-7-86-16</inkml:trace>
   <inkml:trace contextRef="#ctx0" brushRef="#br0" timeOffset="159963.21">2770 17163 166 0,'0'0'39'0,"0"0"-33"15,0 0-6-15,18 85 2 16,-9-70 5-16,6-8-7 16,0-7 2-16,-3 0 7 15,-3 0-3-15,1-18 20 16,-5-6 36-16,-5-9-43 15,0 0 6-15,0-3 19 16,-15 0-23-16,0 0-5 16,-6 4-16-16,-2 9-4 15,-5 8 4-15,1 9-9 16,-1 6 9-16,4 0 0 0,9 15 5 16,5 7-10-1,8 7 0-15,2 4 5 0,0-4-6 16,5-3 8-16,11-10-3 15,-1-6 1-15,0-9-10 16,-3-1 8-16,3-1 4 16,-5-17 3-16,1-7 19 15,-1-4-20-15,1-5 2 16,-1 2-3-16,0 6 4 16,-2 6-4-16,1 6-3 15,1 6 1-15,1 8-1 16,1 0-5-16,4 8-5 15,1 13 7-15,-1 2 6 16,-2-4 2-16,-3-2-5 0,-3-11 0 16,-2-3 5-16,-6-3 0 15,3 0 5-15,-3 0 24 16,0-20-1-16,0-8-24 16,-3-12-9-16,-5-2-7 15,4 0 3-15,1 3-9 16,3 13 0-16,0 10 12 15,0 13 1-15,4 3 1 16,7 0-1-16,11 16 0 16,2 6-3-16,1-5 8 15,-2-3-5-15,1-2 3 16,-2-9 1-16,-7-3-4 16,3 0 0-16,-6-16 0 0,4-9 19 15,-4-6-17 1,-3-7 4-16,-3-5-6 0,-5-2 8 15,-1-7-8-15,0-5 0 16,0-1 0-16,-4 8-3 16,-6 10 5-16,1 17-2 15,1 12 7-15,5 11 12 16,3 13-10-16,0 29-9 16,6 20 0-16,15 13 17 15,8-3-4-15,2-11-5 16,10-15-8-16,3-17-5 15,6-16-22-15,4-13-91 0,0-47-247 16</inkml:trace>
   <inkml:trace contextRef="#ctx0" brushRef="#br0" timeOffset="160809.24">3995 15972 247 0,'0'0'73'0,"0"0"-55"16,0 0-9-1,-52 96-9-15,52-44 30 0,0 3 9 16,19-3-34-16,4-9 9 15,2-11-14-15,-3-11 0 16,-5-10 2-16,-2-9-2 16,-5-2-18-16,0-27 18 15,1-16 46-15,-5-21-32 16,-3-9-12-16,-3-12-2 16,0-10 25-16,-15-9-18 15,-4-7-6-15,-5 0-1 16,7 11 5-16,-2 24-5 15,10 26 15-15,4 25 51 16,5 25 14-16,0 20-80 16,0 26-8-16,11 21 2 0,8 7 12 15,1-1 3-15,8-3-9 16,-1-6 0-16,1-6-2 16,5-9 2-16,0-9-40 15,6-11-46-15,4-15-75 16,-1-14-120-16</inkml:trace>
@@ -1178,8 +1181,8 @@
   <inkml:trace contextRef="#ctx0" brushRef="#br0" timeOffset="161702.77">4929 15433 76 0,'0'0'30'16,"0"0"13"-16,0 0 24 16,0 0 49-16,0 0 22 15,0 0-56-15,28-82-53 16,-28 36-7-16,0-4-19 15,0 2 23-15,-6-4-20 16,-13 4 15-16,-3 3 5 16,-1 10-14-16,8 12 28 15,6 16-16-15,5 7 0 16,4 5-24-16,0 31-18 16,0 12 18-16,15 16 0 15,6-2-3-15,2-4-35 0,4-5-43 16,-1-15-58-16,2-18-47 15,-4-17-129-15</inkml:trace>
   <inkml:trace contextRef="#ctx0" brushRef="#br0" timeOffset="162429.2">5120 14797 448 0,'0'0'74'16,"0"0"-74"-16,0 0 4 0,-15 119-4 16,18-65 20-16,18-6-10 15,0-5 6-15,3-14-16 16,-2-8 0-16,-2-8 1 16,-4-10 6-16,-4-3-8 15,4-2 3-15,-4-22 12 16,3-9 12-16,-6-10-26 15,-3-5 0-15,-1-4 6 16,-5-7-5-16,0-5 3 16,-14-7-4-16,-7-9 0 15,-4 1 0-15,5 4 0 16,1 22 0-16,10 19 14 16,3 21 35-16,6 13 33 15,0 30-82-15,9 26 6 16,15 19-4-16,0 4 8 0,3 0-9 15,-2-6 0-15,-1-8 6 16,-2-18-14-16,-4-12 6 16,-5-16-64-16,-8-12 27 15,-2-7-31-15,-3 0 39 16,0-17 12-16,-6-12-2 16,-7-1 9-16,1 0 11 15,1 5-1-15,2 7-7 16,9-1-17-16,0 5-43 15,0-3-36-15,2-3 1 0,8-4 65 16,2-3-29 0,-3 0 40-16,0-1 14 0,-3 6 13 15,-6 3 47-15,3 9 92 16,-3 6 12-16,0 4-19 16,0 0-97-16,0 14-31 15,0 13-4-15,6 8 36 16,7 1-7-16,-1 1-9 15,2-8-16-15,1-6 1 16,-3-12-5-16,-2-4 3 16,-6-7-9-16,1 0 8 15,1-15-2-15,0-14 26 16,-3-10-21-16,-3-4-3 16,0 0-2-16,-15-1-51 0,-7 1-15 15,-5 7-112-15,9 8-185 16</inkml:trace>
   <inkml:trace contextRef="#ctx0" brushRef="#br0" timeOffset="162653.06">5514 14492 103 0,'0'0'161'0,"0"0"-41"16,97 81-43-16,-67-53 6 16,-5-4-31-16,0-1 10 15,-8-5-43-15,1-4-12 16,-8-8 15-16,-4-6-18 15,0 0 33-15,0-6 8 16,3-22-12-16,6-8 1 0,-3-14-34 16,-3-4-3-16,-2-5-1 15,1 0-55-15,-4 6-38 16,1 9-31-16,2 17-59 16,-5 20-119-16</inkml:trace>
-  <inkml:trace contextRef="#ctx0" brushRef="#br0" timeOffset="163171.88">3054 18076 69 0,'0'0'99'0,"-87"67"2"16,59-47-37-16,13-7-2 16,7-6-17-16,7-4-15 15,1-3-14-15,0 0-13 16,0 1-3-16,10 0 4 16,11-1 4-16,13-1 19 15,13-37-9-15,24-30 43 16,23-39-15-16,30-41-25 15,28-31-10-15,30-31-2 16,18-19-8-16,21-21 1 16,12-1-2-16,3 7-3 15,-1 10-14-15,-18 17-42 0,-18 15 11 16,-22 24-3 0,-25 24-34-16,-30 40-24 15,-37 40-49-15,-44 41-3 0</inkml:trace>
-  <inkml:trace contextRef="#ctx0" brushRef="#br0" timeOffset="163502.33">3250 18070 356 0,'0'0'91'0,"0"0"-51"16,0 0-40-16,0 0-2 15,0 0-33-15,0 0 35 16,-16-36 13-16,88-63 45 16,37-44-34-16,40-43-20 15,40-51 26-15,48-39-9 16,35-26 4-16,25-6 1 15,6 15-26-15,-14 25 4 16,-22 22 4-16,-27 24-8 16,-26 36-46-16,-39 39-71 15,-38 35-32-15,-42 34-104 16</inkml:trace>
+  <inkml:trace contextRef="#ctx0" brushRef="#br0" timeOffset="163171.87">3054 18076 69 0,'0'0'99'0,"-87"67"2"16,59-47-37-16,13-7-2 16,7-6-17-16,7-4-15 15,1-3-14-15,0 0-13 16,0 1-3-16,10 0 4 16,11-1 4-16,13-1 19 15,13-37-9-15,24-30 43 16,23-39-15-16,30-41-25 15,28-31-10-15,30-31-2 16,18-19-8-16,21-21 1 16,12-1-2-16,3 7-3 15,-1 10-14-15,-18 17-42 0,-18 15 11 16,-22 24-3 0,-25 24-34-16,-30 40-24 15,-37 40-49-15,-44 41-3 0</inkml:trace>
+  <inkml:trace contextRef="#ctx0" brushRef="#br0" timeOffset="163502.32">3250 18070 356 0,'0'0'91'0,"0"0"-51"16,0 0-40-16,0 0-2 15,0 0-33-15,0 0 35 16,-16-36 13-16,88-63 45 16,37-44-34-16,40-43-20 15,40-51 26-15,48-39-9 16,35-26 4-16,25-6 1 15,6 15-26-15,-14 25 4 16,-22 22 4-16,-27 24-8 16,-26 36-46-16,-39 39-71 15,-38 35-32-15,-42 34-104 16</inkml:trace>
   <inkml:trace contextRef="#ctx0" brushRef="#br0" timeOffset="195400.41">7044 12696 6 0,'0'0'33'16,"0"0"16"-16,0 0 20 16,0 0-18-16,-29-85-8 0,27 65-19 15,-1 6 13-15,3 5-16 16,0 3-7-16,0 6 4 15,5 6-15-15,13 26-6 16,9 20 6-16,4 12 1 16,-1 16 15-16,-2-3-15 15,0-6-4-15,-7-9 0 16,-4-14 8-16,-6-12-8 16,-3-11 0-16,-5-11 0 15,0-9 5-15,-3-5-5 16,0-1 13-16,-3-24 3 15,-11-15-11-15,-8-8-4 16,0-14-1-16,-2-7 2 0,3-12-10 16,-1-4 5-1,2 1-29-15,1 5 12 0,1 9-10 16,7 8 11-16,7 11-10 16,4 13-14-16,0 18 25 15,15 10-7-15,7 10 25 16,2 0-1-16,2 20 2 15,-4 8-1-15,-9 4 0 16,-10 9 1-16,-3 1 29 16,0 3-3-16,-16 0-15 15,4 2-2-15,-3 0-7 16,9-2-6-16,5-3-40 16,1-3-130-16</inkml:trace>
   <inkml:trace contextRef="#ctx0" brushRef="#br0" timeOffset="195879.24">7425 12619 283 0,'0'0'126'16,"0"0"-106"-16,0 0 6 15,0 0-7-15,-66 84-1 16,63-21 30-16,3 0-32 16,0-5-14-16,11-15 1 0,7-15 2 15,0-9-5 1,1-14 0-16,3-5 4 0,-2-5 5 16,5-27-7-16,-1-7-2 15,-3-15 5-15,-2-4-5 16,-4-4-20-16,-3 2-8 15,0 11-29-15,-5 13 21 16,-2 16 27-16,-5 12 9 16,0 8 34-16,3 0-34 15,-3 0 4-15,3 12-4 16,5 2 4-16,-3 1 14 16,3-4-12-16,-2-5-2 15,3 5 15-15,6 1-15 16,0 10 13-16,4 12-14 0,2 2 3 15,-5-2-3-15,4 0-3 16,-5-10 0-16,-2-6-3 16,-4-5-14-16,0-4-36 15,-3-6-36-15,-2-3-101 16</inkml:trace>
   <inkml:trace contextRef="#ctx0" brushRef="#br0" timeOffset="196344.27">7847 12559 207 0,'0'0'64'16,"0"0"-26"-16,0 0 28 16,14 103-17-16,-4-69-24 15,-1-5-8-15,2-3 2 0,-4-6-16 16,2-6 0-16,-5-5-3 15,-1-6 2-15,2-3 4 16,1 0-6-16,1-14 0 16,2-13 9-16,2-6-2 15,-4-1-7-15,2-3 1 16,-3 0 3-16,-6 5-5 16,0-1 1-16,0 8 0 15,0 1 7-15,0 5-5 16,-3 2-2-16,-2 7 0 15,1 2-4-15,-3 5-8 16,2 2-84-16,-1 1-123 16</inkml:trace>
@@ -1210,22 +1213,22 @@
   <inkml:trace contextRef="#ctx0" brushRef="#br0" timeOffset="-152513.47">1224 1126 130 0,'0'0'102'16,"0"0"-87"-16,0 0 5 16,-1 83-13-16,1-38 6 0,0 3 19 15,0 3-28 1,12 3 0-16,10-5-4 0,-2-8 3 15,4-13-6-15,-2-14-1 16,0-11 4-16,-2-3 4 16,2-10-3-16,0-24 15 15,-5-9-3-15,-1-10-7 16,-4-3-6-16,-7 2 18 16,-5 2-18-16,0 3 34 15,-5 5-4-15,-14 7-25 16,-8 11 5-16,-6 11-4 15,0 10-12-15,-1 5 6 16,7 5-34-16,9 12-24 16,11 3-75-16,7 1-7 15</inkml:trace>
   <inkml:trace contextRef="#ctx0" brushRef="#br0" timeOffset="-151942.75">1690 883 230 0,'0'0'93'0,"0"0"-73"16,0 0-19-16,0 0 0 15,-43 93-1-15,40-57 0 0,3 0 5 16,0 0-5-16,0-5 2 15,7-9 2-15,4-11-7 16,-5-5 3-16,-2-6-6 16,1 0 4-16,2 0 1 15,2-20 1-15,3-2 31 16,0 1-30-16,-5 11-2 16,1 10-11-16,2 7-26 15,4 28 38-15,2 12 3 16,-4 9 31-16,-3 20 17 15,-6 18-35-15,-3 22 16 16,3 14 29-16,7 1-35 16,10-2 6-16,13-1-31 0,4-9-1 15,-3-5 0 1,-10-13 11-16,-15-22-11 0,-9-24 0 16,0-22 0-16,-24-12 8 15,-9-11-7-15,-9-5 53 16,-8-5-15-16,-1-1-19 15,2-24 22-15,0-13-42 16,5-14 0-16,8-21 0 16,11-19 1-16,9-19-3 15,16-16-11-15,0-8-25 16,22 2 11-16,14 2-23 16,10 14-22-16,10 10 12 15,3 6-73-15,4 10-22 16,7 5 34-16</inkml:trace>
   <inkml:trace contextRef="#ctx0" brushRef="#br0" timeOffset="-151462.69">1945 44 92 0,'-177'0'26'0,"-7"30"-5"16,-11 33-12-16,-19 23-8 0,-17 25 9 16,-12 23-5-1,1 17-2-15,38 7 8 0,62 10 33 16,60 2 72-16,58 17-57 16,18 21-33-16,6 16-25 15,0 12 9-15,24-13 1 16,54-14-17-16,62-17 6 15,55-26-20-15,28-24-8 16,9-23 0-16,-6-33-23 16,-7-31-13-16,-4-41-27 15,-5-34 58-15,-7-62 33 16,-9-47 1-16,-24-33 75 16,-25-9 21-16,-23-10-29 15,-28 5 0-15,-27-3-55 0,-25-1-4 16,-21-6-3-1,-21 6 1-15,-2 13 9 0,-38 7-13 16,-24 19 7-16,-15 7 12 16,-18 11-10-16,-12 15-12 15,-7 23 0-15,-7 26-8 16,-11 23-11-16,-8 27-82 16,-10 13-55-16,-15 44-22 15</inkml:trace>
-  <inkml:trace contextRef="#ctx0" brushRef="#br0" timeOffset="-103396.37">12462 17291 14 0,'0'0'30'0,"0"0"-4"15,0 0-11-15,0 0-6 16,0 0-3-16,0 0-6 15,0 0-1-15,0 0-3 16,-6-3 4-16,6 20 4 16,4 5 25-16,4 3 2 15,2 6-2-15,2 2 8 16,-5 5-23-16,1-2 5 16,-2-2 0-16,0-4-19 15,1 0 11-15,-1-3-7 0,0-3-4 16,0-5 4-16,-1 1-1 15,4-4-3-15,-3-2 0 16,1-5-51-16,2-3-71 16</inkml:trace>
+  <inkml:trace contextRef="#ctx0" brushRef="#br0" timeOffset="-103396.38">12462 17291 14 0,'0'0'30'0,"0"0"-4"15,0 0-11-15,0 0-6 16,0 0-3-16,0 0-6 15,0 0-1-15,0 0-3 16,-6-3 4-16,6 20 4 16,4 5 25-16,4 3 2 15,2 6-2-15,2 2 8 16,-5 5-23-16,1-2 5 16,-2-2 0-16,0-4-19 15,1 0 11-15,-1-3-7 0,0-3-4 16,0-5 4-16,-1 1-1 15,4-4-3-15,-3-2 0 16,1-5-51-16,2-3-71 16</inkml:trace>
   <inkml:trace contextRef="#ctx0" brushRef="#br0" timeOffset="-102946.47">12806 17168 76 0,'0'0'48'16,"-28"93"1"-16,17-31 7 16,1 0-12-16,6-4-15 15,2-1-14-15,2-4-6 16,0-8-5-16,8-3-4 16,6-4 2-16,2-8 3 15,0-5-5-15,-3-12 0 0,4-13-9 16,-1 0-13-16,2-33 5 15,6-10 2-15,-8-7 15 16,-1 0 54-16,-10 9-11 16,-5 4-14-16,0 8-28 15,-15 9 11-15,-5 19 7 16,-5 1-19-16,3 21-3 16,4 12-44-16,4 1-29 15,11-5-31-15,3 0-63 16</inkml:trace>
   <inkml:trace contextRef="#ctx0" brushRef="#br0" timeOffset="-102513.8">13187 17152 210 0,'0'0'20'0,"0"0"-8"15,-50 80 27-15,33-40 10 16,3 1-2-16,2 1-17 16,5 0-28-16,4-1 15 0,1-6-7 15,2-2 2 1,0-9-12-16,0-9 6 0,3-5-8 15,3-10 2-15,5 0-10 16,7-14 10-16,7-18 30 16,0-11-20-16,-2 0 2 15,-2-1-6-15,-9 10-5 16,-4 14 0-16,-5 10 2 16,-3 10 34-16,0 0-37 15,2 0 0-15,-2 16-15 16,3 9 13-16,0 6 2 15,-1 5 0-15,-1-8-3 0,5-1 2 16,3-5-38 0,0-6-51-16,1-7-73 0</inkml:trace>
   <inkml:trace contextRef="#ctx0" brushRef="#br0" timeOffset="-101995.42">13545 17238 285 0,'0'0'20'0,"0"0"-19"15,0 0 11-15,0 0 34 16,0 0-3-16,0 0-9 16,0 79-32-16,0-73 7 15,0-6-2-15,0 0-1 0,0-3 76 16,0-19-28-16,0-9-53 15,0-12-2-15,0-8-7 16,4-3-23-16,14 5 23 16,2 5-30-16,0 8 31 15,0 7 7-15,-4 9-8 16,-5 8 8-16,-4 5 2 16,-5 5 6-16,-2 2 6 15,0 0-13-15,0 0 0 16,0 0-1-16,0 9-5 0,-11 10 3 15,-1 10 3 1,-2 0-1-16,5 1 0 0,6-2-5 16,3-1 2-16,0 0-4 15,6-2 7-15,5 2-4 16,1 1 4-16,-3-1 0 16,2 0 0-16,-5-5-37 15,-2-2 37-15,-1-3 0 16,-3-3 1-16,0-2 1 15,0-2-1-15,0 1 19 16,-7 4 9-16,-10-1-28 16,4 2-1-16,4-3-5 15,3-5-67-15,6-7-116 16</inkml:trace>
   <inkml:trace contextRef="#ctx0" brushRef="#br0" timeOffset="-101848.79">14016 17214 447 0,'0'0'132'15,"0"0"-132"-15,0 0-98 16,0 0 21-16,0 0-171 16</inkml:trace>
-  <inkml:trace contextRef="#ctx0" brushRef="#br0" timeOffset="-96632.67">13242 18087 62 0,'0'0'12'16,"0"0"-12"-16,0 0 0 15,0 0 68-15,0 0-16 16,0 0 10-16,9 93-17 0,1-62-2 16,-2-1-18-16,-2 0-7 15,1-3 5-15,-2-3-14 16,-1-5-9-16,-1-7 13 16,-3-7-11-16,0-5 0 15,0 0 3-15,0 0 20 16,0-16 56-16,-10-20-53 15,-8-14-27-15,-1-10 6 16,0-6 0-16,2-8-14 16,-1 3-6-16,10 5-32 15,5 12 35-15,3 12-33 16,0 16 34-16,0 15-11 16,11 11 20-16,4 0-6 15,3 25 1-15,3 10 5 16,-1 4 16-16,-5 2-6 0,-4 0-2 15,-7 3 1-15,-4 5-5 16,0 5-2-16,0 3-2 16,-6-6-35-16,-1-8-156 15</inkml:trace>
+  <inkml:trace contextRef="#ctx0" brushRef="#br0" timeOffset="-96632.68">13242 18087 62 0,'0'0'12'16,"0"0"-12"-16,0 0 0 15,0 0 68-15,0 0-16 16,0 0 10-16,9 93-17 0,1-62-2 16,-2-1-18-16,-2 0-7 15,1-3 5-15,-2-3-14 16,-1-5-9-16,-1-7 13 16,-3-7-11-16,0-5 0 15,0 0 3-15,0 0 20 16,0-16 56-16,-10-20-53 15,-8-14-27-15,-1-10 6 16,0-6 0-16,2-8-14 16,-1 3-6-16,10 5-32 15,5 12 35-15,3 12-33 16,0 16 34-16,0 15-11 16,11 11 20-16,4 0-6 15,3 25 1-15,3 10 5 16,-1 4 16-16,-5 2-6 0,-4 0-2 15,-7 3 1-15,-4 5-5 16,0 5-2-16,0 3-2 16,-6-6-35-16,-1-8-156 15</inkml:trace>
   <inkml:trace contextRef="#ctx0" brushRef="#br0" timeOffset="-96221.73">13445 18190 163 0,'0'0'113'0,"0"0"-72"16,0 0-26-16,0 0 44 16,0 0 13-16,0 0-50 15,6-55-18-15,-12 57 14 16,-3 20-7-16,3 6 5 15,0 7-14-15,6-2 1 16,0-6-3-16,0-4-27 16,0-11-17-16,11-5 11 15,0-7-18-15,4 0 27 16,3-22 22-16,2-4 2 16,1-3 17-16,-5 5 24 15,-4 7-18-15,-6 8-15 0,-3 5-5 16,-3 1 15-16,0 3-12 15,1 0-5-15,1 0-2 16,-2 0-8-16,5 0 3 16,-1 0 3-16,-3 0-18 15,4 0-6-15,2 0 7 16,4 0-24-16,8 0-67 16,2-11-43-16</inkml:trace>
   <inkml:trace contextRef="#ctx0" brushRef="#br0" timeOffset="-95913.21">13700 17826 122 0,'0'0'193'0,"0"0"-123"15,0 0-64-15,0 0-2 16,0 0 115-16,3 123-75 16,-3-78-22-16,0 3-6 15,0-4-15-15,0-3 10 16,2-6-11-16,-1-7 0 15,1-12-4-15,-2-6-61 16,0-10-1-16,0 0 41 16,-8-13 6-16,0-4-47 15,0 2 66-15,3 3 19 16,4 8 51-16,1 0-23 16,0 2-47-16,0-2-1 15,9 0 1-15,10-4-7 16,3-2-6-16,0-7-93 0,1-3-79 15,-2-6 66-15,-4 0 67 16</inkml:trace>
   <inkml:trace contextRef="#ctx0" brushRef="#br0" timeOffset="-95790.63">13845 17979 60 0,'0'0'141'0,"0"0"-111"16,0 0-24-16,0 0 102 16,0 0-64-16,0 107-19 15,0-83-10-15,1-4-15 16,2-8 0-16,0-7-19 15,-3-5-128-15,2 0-78 0</inkml:trace>
   <inkml:trace contextRef="#ctx0" brushRef="#br0" timeOffset="-95680.78">13866 17770 400 0,'0'0'0'16,"0"0"-258"-16,0 0 121 15</inkml:trace>
   <inkml:trace contextRef="#ctx0" brushRef="#br0" timeOffset="-95333.65">14107 18061 147 0,'0'0'38'16,"0"0"-19"-16,0 0 114 16,21-82-76-16,-18 70-21 15,0 10-11-15,-3-2 1 16,2 4-15-16,-1 0-11 16,2 0-3-16,0 0-11 15,2 0 7-15,0 0-1 16,1 0 0-16,1 0 8 15,-1 4 0-15,1-4 3 16,2 2-3-16,-3 3 0 0,0-3 0 16,1 0-5-16,1 1 10 15,-1-3-10-15,1 0-10 16,2 0-39-16,2 0-23 16,-3 0-15-16,-1 0-10 15</inkml:trace>
   <inkml:trace contextRef="#ctx0" brushRef="#br0" timeOffset="-93413.57">14777 17427 352 0,'0'0'0'0,"0"0"-29"15,0 0 25-15,0 0 4 16,100-18 0-16,-76 17 0 15,-3 1-62-15,-9 0-92 16</inkml:trace>
-  <inkml:trace contextRef="#ctx0" brushRef="#br0" timeOffset="-93085.62">14682 17502 63 0,'0'0'23'0,"0"0"-11"15,-29 89 1-15,26-61 19 16,3-3-15-16,0-2 2 16,0-6-6-16,5-3-12 15,10-3 5-15,7 0 27 16,2 2 4-16,4-6-8 16,1 6-27-16,-1 1 10 15,-4 5 7-15,-5 1-17 16,-10 0 21-16,-7 4-1 0,-2 2 10 15,-5-4 23 1,-10 0-18-16,-2-1-13 0,0-2 3 16,-1 0-17-1,1 2-1-15,1-3-9 0,0-2-2 16,6-3-2-16,2-4-66 16,3-5-52-16,4-4-82 15</inkml:trace>
+  <inkml:trace contextRef="#ctx0" brushRef="#br0" timeOffset="-93085.63">14682 17502 63 0,'0'0'23'0,"0"0"-11"15,-29 89 1-15,26-61 19 16,3-3-15-16,0-2 2 16,0-6-6-16,5-3-12 15,10-3 5-15,7 0 27 16,2 2 4-16,4-6-8 16,1 6-27-16,-1 1 10 15,-4 5 7-15,-5 1-17 16,-10 0 21-16,-7 4-1 0,-2 2 10 15,-5-4 23 1,-10 0-18-16,-2-1-13 0,0-2 3 16,-1 0-17-1,1 2-1-15,1-3-9 0,0-2-2 16,6-3-2-16,2-4-66 16,3-5-52-16,4-4-82 15</inkml:trace>
   <inkml:trace contextRef="#ctx0" brushRef="#br0" timeOffset="-92222.66">13842 18533 242 0,'0'0'62'0,"0"0"-54"15,82-56 45-15,-32 30 37 16,18-4-78-16,18-4 35 15,20-11-26-15,21-2 4 16,16-6-25-16,11-3 0 16,3 0-13-16,-4 0-18 15,-8 6-4-15,-20 5 28 16,-19 11-40-16,-24 5-113 16,-25 14-1-16</inkml:trace>
   <inkml:trace contextRef="#ctx0" brushRef="#br0" timeOffset="-91910">14018 18526 31 0,'-97'27'106'0,"22"-4"-46"16,25-7-21-16,23-5-15 15,19-8 5-15,8 0-29 0,14-3 19 16,29 0-19 0,22-4 57-16,25-22-8 0,21-15-23 15,27-10-14-15,19-12 10 16,17-3-22-16,4-4-8 16,-8 8 0-16,-15-1 5 15,-22 10 2-15,-21 3-70 16,-20 8 26-16,-12 5 41 15,-9 7-29-15,-7-1-144 16,-4 2 53-16</inkml:trace>
-  <inkml:trace contextRef="#ctx0" brushRef="#br0" timeOffset="-91630.37">16232 17495 163 0,'0'0'0'0</inkml:trace>
+  <inkml:trace contextRef="#ctx0" brushRef="#br0" timeOffset="-91630.38">16232 17495 163 0,'0'0'0'0</inkml:trace>
   <inkml:trace contextRef="#ctx0" brushRef="#br0" timeOffset="-89774.86">7599 14265 76 0,'0'0'148'0,"0"0"-46"15,0 0-63-15,0 0-30 16,0 0 11-16,33-115 15 0,2 65-19 16,10-13 11-16,13-9-3 15,6-4 0-15,13 0 1 16,8 2-10-16,6-1-5 16,3 0-10-16,-3 4-15 15,-5 5 7-15,-14 8-34 16,-19 14-1-16,-23 19-2 15,-30 18 12-15,-14 7-81 16,-39 25-17-16,-15 12 28 16</inkml:trace>
   <inkml:trace contextRef="#ctx0" brushRef="#br0" timeOffset="-89423.6">7623 13679 213 0,'0'0'49'0,"0"0"-24"15,0 0-25-15,0 0 2 16,0 0 21-16,0 0-17 15,-2 8-6-15,7 44 0 0,4 19 38 16,-1 17 13 0,-5 9-35-16,3-5-13 0,-2-11 5 15,5-20-7-15,-1-14 0 16,-1-15-1-16,5-12 3 16,0-7-10-16,6-6 8 15,7-7-1-15,8-6 8 16,10-18-8-16,11-17-44 15,6-7-143-15</inkml:trace>
   <inkml:trace contextRef="#ctx0" brushRef="#br0" timeOffset="-87901.38">9675 12234 24 0,'0'0'40'16,"0"0"1"-16,0 0-5 15,0 0 3-15,0 0 12 16,0 0 5-16,36 113 7 16,-63-74-29-16,1 1-9 0,1-4-2 15,4-4 4-15,8-5-20 16,4-8 26-16,9-3-30 16,0-4 4-16,0-2-4 15,9-1 5-15,12-6-6 16,13-3 3-16,9 0-10 15,11-5-1-15,3-16-93 16,-1-2-58-16,1-7-72 16</inkml:trace>
@@ -1234,9 +1237,9 @@
   <inkml:trace contextRef="#ctx0" brushRef="#br0" timeOffset="-86892.58">10649 12260 57 0,'0'0'87'0,"0"0"-19"15,0 81-43-15,0-57-24 16,0-1 41-16,0-6-9 16,-2-6-16-16,-1-6-3 15,2-4-14-15,-1-1-12 16,0 0 12-16,2-17 0 15,0-9-27-15,0-5-34 16,16-1 21-16,2 1-13 0,0 6-56 16</inkml:trace>
   <inkml:trace contextRef="#ctx0" brushRef="#br0" timeOffset="-86572.43">9457 13054 119 0,'0'0'94'16,"0"0"-38"-16,130-52 30 15,-47 16-9-15,26-7-26 16,24-11-31-16,22-6-17 16,6 2-3-16,4 3-15 15,-5 9-106-15,-18 8-148 16</inkml:trace>
   <inkml:trace contextRef="#ctx0" brushRef="#br0" timeOffset="-85813.35">9739 13037 74 0,'0'0'106'16,"0"0"-50"-16,0 0-18 16,0 0-38-16,0 0 11 15,0 0 5-15,15 100 2 16,-2-59 2-16,2-5-19 16,0-5 2-16,1-11 0 15,-2-5-3-15,1-8 0 16,-5-7-2-16,4 0 8 0,4-25 35 15,2-7-26-15,0-13 2 16,-2-5-20-16,-6-5 6 16,-11-1 48-16,-1 5 2 15,-13 13-31-15,-17 14-12 16,-4 13-10-16,1 11-5 16,4 0-15-16,9 20-41 15,12 1-31-15,8 2-50 16,0-5-97-16</inkml:trace>
-  <inkml:trace contextRef="#ctx0" brushRef="#br0" timeOffset="-85625.67">10134 12884 321 0,'0'0'145'15,"0"0"-145"-15,0 0-7 16,0 0-3-16,0 0 8 15,20 93 2-15,-19-60 16 16,2 4-16-16,0-1-4 16,3 3-83-16,3-6-18 15,1-6-120-15</inkml:trace>
+  <inkml:trace contextRef="#ctx0" brushRef="#br0" timeOffset="-85625.68">10134 12884 321 0,'0'0'145'15,"0"0"-145"-15,0 0-7 16,0 0-3-16,0 0 8 15,20 93 2-15,-19-60 16 16,2 4-16-16,0-1-4 16,3 3-83-16,3-6-18 15,1-6-120-15</inkml:trace>
   <inkml:trace contextRef="#ctx0" brushRef="#br0" timeOffset="-85235.23">10354 13016 245 0,'0'0'130'0,"0"0"-121"15,0 0 41-15,0 0-35 16,0 0 12-16,0 0-4 16,-78 80-21-16,69-51 8 15,5-6-9-15,2-6-2 16,2-5-2-16,0-9 3 15,0-1-6-15,0-2 4 16,0 0 2-16,13-20 9 0,4-10-9 16,4-7-7-16,-3-4 1 15,1-4-28-15,-1-5 33 16,-3 5-1-16,-4 3 2 16,-4 15 2-16,-4 14 24 15,-2 8 22-15,-1 5-9 16,0 0-39-16,2 5 0 15,1 14-15-15,1 5 15 16,1 4 6-16,5 1-6 16,-1-4-11-16,3-3-42 15,4-6-41-15,3-5-81 16,3-8-57-16</inkml:trace>
-  <inkml:trace contextRef="#ctx0" brushRef="#br0" timeOffset="-84636.37">10721 12917 186 0,'0'0'0'16,"0"0"-7"-16,0 0 1 0,0 0 6 16,91-66-131-16</inkml:trace>
+  <inkml:trace contextRef="#ctx0" brushRef="#br0" timeOffset="-84636.38">10721 12917 186 0,'0'0'0'16,"0"0"-7"-16,0 0 1 0,0 0 6 16,91-66-131-16</inkml:trace>
   <inkml:trace contextRef="#ctx0" brushRef="#br0" timeOffset="-84479.71">10851 12691 123 0,'0'0'72'16,"0"0"-61"-16,0 0-11 16,0 0 1-16,0 0 6 15,0 0-7-15,43 74-6 16,-36-60-55-16,-4-3-86 16</inkml:trace>
   <inkml:trace contextRef="#ctx0" brushRef="#br0" timeOffset="-83616.79">11110 12400 176 0,'0'0'141'0,"0"0"-121"0,0 0-18 15,0 0-2-15,0 0 48 16,0 0-13-16,58-38-27 16,-27 26-8-16,1 1-115 15,-4 1-37-15,-5-3-11 16</inkml:trace>
   <inkml:trace contextRef="#ctx0" brushRef="#br0" timeOffset="-83376.78">11224 12379 37 0,'0'0'66'0,"0"0"-33"16,-44 91-5-16,35-63-11 0,-1-1 12 15,5 1-15-15,-1-3-9 16,0 1 7-16,0-1-12 16,-2-4 0-16,3-4 4 15,1-4 0-15,2-6 1 16,2 0 17-16,0-4-10 15,0-3-7-15,18 0-3 16,12 0 20-16,7-15-22 16,6-11-19-16,2-1-78 15,-3-1-25-15</inkml:trace>
@@ -1312,10 +1315,10 @@
   </inkml:definitions>
   <inkml:trace contextRef="#ctx0" brushRef="#br0">16829 1415 29 0,'0'0'87'0,"0"0"35"0,0 0-34 16,0 0-49 0,0 0-27-16,0 0 17 0,50-13-8 15,-14 10-3-15,2-1-14 16,3 0-4-16,-5-3-9 15,-6 0-300-15</inkml:trace>
   <inkml:trace contextRef="#ctx0" brushRef="#br0" timeOffset="201296.31">8538 16352 87 0,'0'0'129'0,"0"0"-79"16,0 0-50-16,0 0-2 15,0 0 2-15,0 0 11 16,27 86-6-16,-18-59-4 15,4-1 6-15,-5-2-7 16,-4-5 1-16,-1-5 5 16,-1-8-6-16,-2-6 6 15,0 0-3-15,0 0 17 0,0-7 48 16,-8-12-51-16,-5-2-10 16,-2-3-7-16,6 0-9 15,3 5 3-15,3 4-14 16,3 4 11-16,0 6-5 15,0 5-24-15,10 0-3 16,4 0-5-16,-2 0 2 16,-2 0-14-16,-2 3 1 15,-5 4-3-15</inkml:trace>
-  <inkml:trace contextRef="#ctx0" brushRef="#br0" timeOffset="121830.91">21392 1189 5 0,'0'0'71'0,"0"0"-6"16,0 0-22-16,0 0-1 15,-110-2 8-15,64 14-17 0,-13 15 16 16,-2 12-23-16,-4 18-9 16,-1 12 4-16,11 9-20 15,6 5 11-15,11-1-12 16,12 3 1-16,9-1-2 15,10-2 1-15,7-4 0 16,1-11-13-16,20-12 19 16,7-8-12-16,2-12 5 15,2-14-10-15,2-10 11 16,6-11 3-16,11-6 0 16,7-28 5-16,9-17 0 15,8-13-8-15,2-15 0 16,0-9 0-16,-6-8-5 0,-7-2 1 15,-14-1 4 1,-16 6-2-16,-18 4 1 0,-16 13-3 16,-27 9 4-16,-25 16-48 15,-13 11-14-15,-3 13-72 16,7 13-38-16</inkml:trace>
+  <inkml:trace contextRef="#ctx0" brushRef="#br0" timeOffset="121830.9">21392 1189 5 0,'0'0'71'0,"0"0"-6"16,0 0-22-16,0 0-1 15,-110-2 8-15,64 14-17 0,-13 15 16 16,-2 12-23-16,-4 18-9 16,-1 12 4-16,11 9-20 15,6 5 11-15,11-1-12 16,12 3 1-16,9-1-2 15,10-2 1-15,7-4 0 16,1-11-13-16,20-12 19 16,7-8-12-16,2-12 5 15,2-14-10-15,2-10 11 16,6-11 3-16,11-6 0 16,7-28 5-16,9-17 0 15,8-13-8-15,2-15 0 16,0-9 0-16,-6-8-5 0,-7-2 1 15,-14-1 4 1,-16 6-2-16,-18 4 1 0,-16 13-3 16,-27 9 4-16,-25 16-48 15,-13 11-14-15,-3 13-72 16,7 13-38-16</inkml:trace>
   <inkml:trace contextRef="#ctx0" brushRef="#br0" timeOffset="122158.77">22174 1147 306 0,'0'0'32'16,"-82"30"-28"-16,23 2-2 16,-5 6 4-16,-4 13 16 15,4 14 23-15,8 11-27 16,9 9 12-16,9 1-12 16,9 3-2-16,5 4-4 15,8 0-7-15,10-1 3 16,6-5-8-16,0-9 0 15,24-8-8-15,7-13-67 0,12-12-21 16,6-15-56-16</inkml:trace>
   <inkml:trace contextRef="#ctx0" brushRef="#br0" timeOffset="122564.99">22401 1823 101 0,'0'0'17'16,"0"0"-12"-16,-16 86 10 0,4-58 6 16,1-1 9-16,-1-6 4 15,6-5-22-15,1-8 0 16,3-4 5-16,2-4-17 15,0 0 31-15,0-4 57 16,3-18-29-16,15-14-46 16,9-10-13-16,5-9 0 15,7-4-8-15,9 2 8 16,0 10-14-16,4 12-2 16,-3 17 16-16,-4 15-1 15,-6 3 1-15,-5 31 0 16,-7 16 3-16,-9 9-3 0,-12 4 0 15,-6 0 3 1,-2-4 7-16,-20-6-15 0,-5-5 5 16,-1-5-40-16,-1-8-33 15,2-8-104-15</inkml:trace>
-  <inkml:trace contextRef="#ctx0" brushRef="#br0" timeOffset="122820.91">23535 1303 6 0,'0'0'195'0,"12"85"-170"15,-12-2 16-15,0 21 25 0,-9 4 1 16,-24 7-37-16,-10 0-15 15,-9-5-13-15,-6-8 13 16,-4-13-15-16,1-9 1 16,0-8-11-16,4-7-17 15,16-10-124-15,14-14-60 16</inkml:trace>
+  <inkml:trace contextRef="#ctx0" brushRef="#br0" timeOffset="122820.9">23535 1303 6 0,'0'0'195'0,"12"85"-170"15,-12-2 16-15,0 21 25 0,-9 4 1 16,-24 7-37-16,-10 0-15 15,-9-5-13-15,-6-8 13 16,-4-13-15-16,1-9 1 16,0-8-11-16,4-7-17 15,16-10-124-15,14-14-60 16</inkml:trace>
   <inkml:trace contextRef="#ctx0" brushRef="#br0" timeOffset="123144.89">25121 1621 18 0,'0'0'156'15,"0"0"-145"-15,-109 109 7 16,51-47 5-16,-8 18 21 16,-4 8 19-16,-6 14 8 15,1 7-7-15,7 1-46 0,12-4-2 16,19 0-16-16,21-8 3 16,16-6-6-16,3-5 3 15,21-11-1-15,2-13-55 16,4-11-34-16,5-19-60 15,4-17 4-15</inkml:trace>
   <inkml:trace contextRef="#ctx0" brushRef="#br0" timeOffset="123746.1">25151 1801 137 0,'0'0'51'0,"-85"-21"22"0,36 22-39 16,-11 39-8-16,-6 21 19 15,-4 17 2-15,3 11 12 16,6 3-38-16,10-1-9 15,9 0 19-15,11-11-29 16,9-1-1-16,8-3 1 16,7 0 1-16,7-1-6 15,0-3 3-15,11-11 0 16,18-16-14-16,7-20 19 16,13-19-5-16,21-6 51 15,12-31-26-15,15-21-12 16,6-20-13-16,0-18 0 15,-4-6-6-15,-5-12 6 0,-15 3-15 16,-18 1-6-16,-21 0-9 16,-21 4 15-16,-19 2-8 15,-14 8 12-15,-36 23-4 16,-22 17 8-16,-16 25-42 16,-6 20-11-16,11 5-30 15,17 9 16-15,29 10-62 16</inkml:trace>
   <inkml:trace contextRef="#ctx0" brushRef="#br0" timeOffset="124064.87">26240 1789 20 0,'0'0'125'16,"-103"147"-29"-16,31-47-11 16,-7 10-2-16,-10 14-6 15,-1 8-15-15,5 11-36 16,15 7-14-16,13-10-11 0,20-11-1 15,13-13 0 1,15-18 7-16,9-14-21 0,3-18-32 16,21-22-42-16,10-20-28 15,14-24-73-15</inkml:trace>
@@ -1326,47 +1329,47 @@
   <inkml:trace contextRef="#ctx0" brushRef="#br0" timeOffset="127786.14">22379 1645 14 0,'0'0'34'0,"0"0"-22"16,0 0 0-16,0 0 27 16,0 0-33-16,0 0 12 15,0 0-18-15,0 45 28 0,-4-16-12 16,-4 7 0-1,-6 11-16-15,-3 2 0 0,-7 3-25 16,1-4-145-16</inkml:trace>
   <inkml:trace contextRef="#ctx0" brushRef="#br0" timeOffset="130029.35">21394 3378 26 0,'0'0'22'16,"0"0"-3"-16,-37 82-14 15,32-61 12-15,4 5-17 16,-4 7 2-16,-2 21 26 16,-8 22-6-16,-3 17-12 15,-6 14-5-15,-1 8-1 16,1 2-3-16,3 1 2 15,-4 7 5-15,1 7 9 16,-4 9-12-16,-7 8 12 16,-1 11-6-16,-3 2-3 0,6-6-5 15,8-12 2-15,9-24-4 16,7-14 2-16,4-11 2 16,1-11-3-16,-1-8-2 15,-3-4 8-15,-3-7 40 16,-1-7-45-16,-1-10 7 15,4-6 12-15,-3-5-19 16,6-7 4-16,-2-2-1 16,4-5-2-16,-1-3 26 15,1 0-11-15,0 3 8 16,-1-1-4-16,2-2-21 16,-1-1 12-16,1-1-3 15,0-4-11-15,1-4 6 16,2 1-6-16,0 0 0 15,0 1 0-15,-3 0 0 0,0-4 0 16,-3 2-5 0,2-4 4-16,-1 0-6 0,1-5 7 15,2-1 0-15,1 0 6 16,-2 0-4-16,0 0-4 16,0-7 0-16,-1 4-18 15,2 3 18-15,-1 0-3 16,-3 0-12-16,-2 0 1 15,1 0 7-15,-3 0 9 16,1 0 0-16,1 0 3 16,-1 0-1-16,0-3-2 15,2-7 0-15,1 2 10 0,0-2-4 16,2 3 31 0,2 6-3-16,1 1-9 0,1 0-14 15,0 0-11-15,0 11-4 16,0 11-2-16,0 3 12 15,0 0-6-15,1-3 0 16,9-6-12-16,2-10 7 16,4-5-35-16,4-1 24 15,5-1-4-15,4-14 22 16,-4 1-4-16,-8-1 3 16,-6 4-1-16,-6 4 30 15,-4 0-23-15,-1 4 2 16,0-1 2-16,0 2-11 15,-17 2-3-15,-6 0-132 0,-5 5-230 16</inkml:trace>
   <inkml:trace contextRef="#ctx0" brushRef="#br0" timeOffset="132638.14">19654 7433 81 0,'0'0'104'0,"0"0"-19"15,0 0-8-15,0 0-35 16,0 0 6-16,0 0-17 0,-92-79-21 15,72 79 6-15,-5 0-11 16,-5 11 2-16,-1 8 15 16,3 6-14-16,1 4 3 15,5 3-10-15,6 6 4 16,3 5-4-16,6 2-1 16,4 1 0-16,3-3 1 15,0-9 2-15,0-9-6 16,10-10 2-16,2-9-12 15,5-6 8-15,2 0-5 16,4-8 5-16,3-19 2 16,0-7 6-16,-4-4 1 0,-3-3-4 15,-7 0 4-15,-1 1-4 16,-3 10 0-16,-3 5 0 16,-4 12 19-16,-1 9-5 15,0 4 12-15,0 0-26 16,0 12-13-16,0 19 12 15,-7 8-1-15,0 4 2 16,2 0 5-16,4-3-1 16,1-5-4-16,0 0 0 15,0-7 1-15,0-1-3 16,6-5-10-16,1-5-10 16,0-4-4-16,-1-11-14 15,2-2 14-15,5 0 14 0,1-15 12 16,5-7 11-16,-1-11-2 15,1-6 4-15,-1-2 28 16,-1-6-29-16,2 2 1 16,1 2-3-16,2 6-8 15,3 7 1-15,1 10-3 16,-4 9-3-16,2 11 3 16,-2 0-5-16,-3 21 5 15,-6 7-4-15,-9 7 1 16,-4 3 3-16,0 0 0 15,-6-2 0-15,-10-5 1 16,-1-9 3-16,-2-4-2 0,1-6 1 16,0-7-1-1,1 0 13-15,3-5-2 0,2 0 8 16,2 0 5-16,3 0-12 16,3-6 10-16,2 2-5 15,2 2-1-15,0 2-3 16,0 0-15-16,0 0-14 15,2 12-1-15,19 8-4 16,5 4 13-16,3-5-34 16,4-5-3-16,-5-5 34 15,1-9-14-15,-2 0 23 16,-2-3 4-16,2-18-3 16,-5-3 1-16,-2-1 1 15,-4-3 0-15,-7 0-4 16,-5 4 1-16,-2 5-81 0,-2 0-238 15</inkml:trace>
-  <inkml:trace contextRef="#ctx0" brushRef="#br0" timeOffset="133951.02">20736 7920 116 0,'0'0'151'0,"0"0"-132"15,0 0-5-15,0 0 32 16,0 0-32-16,51-118-2 16,-24 58 4-16,-1-10-2 0,1-6-6 15,-3-1-3-15,-3-7 21 16,-3 2-17-16,-8 10 17 16,-5 19-22-16,-4 21 28 15,-1 19 26-15,0 13-51 16,0 7-7-16,-12 29-8 15,-7 19 8-15,1 7 4 16,2 3-4-16,4-3 0 16,3-1-1-16,3-2 6 15,1-4-3-15,4-9-2 16,-2-9-4-16,1-13 1 16,2-12 3-16,-1-6-2 15,-4-6-5-15,-3-8 7 16,-6-19 7-16,-5-12-7 0,1-8 2 15,-2 1-5-15,7 5 8 16,1 12-5-16,8 15 2 16,1 6 1-16,3 8-3 15,0 0-3-15,0 9-21 16,4 14 10-16,14-1 2 16,6-4-36-16,11-8-4 15,4-10 5-15,3-2 6 16,4-24 33-16,-1-12 8 15,3-6 27-15,-5-4-13 16,0-6-1-16,-8 2 20 16,-9 7 10-16,-7 8-12 0,-9 15 17 15,-4 10-8-15,-6 12 32 16,0 15-72-16,0 24 0 16,-9 15 4-16,-7 6-2 15,-2 0 4-15,0 2-6 16,3-5 7-16,3-8-8 15,3-7 1-15,5-15 0 16,4-15-3-16,0-11 2 16,0-1 1-16,16-19 5 15,12-21-5-15,10-12-3 16,2 3-1-16,-2 9 4 16,-9 15 3-16,-14 12 0 15,-10 12 3-15,-4 1-6 0,2 0-13 16,0 14 11-1,4 6-1-15,-2 2 3 0,-1-1 3 16,4-5 1-16,-1-5-6 16,5-7 2-16,5-4-11 15,5-2 10-15,5-23 1 16,3-9 0-16,-4-5-1 16,-2 0 3-16,-9 8 4 15,-7 9-5-15,-7 14 12 16,-1 8 22-16,0 0-35 15,-9 24 1-15,-10 13-1 16,-4 12 8-16,3 6 0 16,3 2-7-16,13-4-1 15,4-7-7-15,13-14-89 0,17-18-102 16</inkml:trace>
+  <inkml:trace contextRef="#ctx0" brushRef="#br0" timeOffset="133951.01">20736 7920 116 0,'0'0'151'0,"0"0"-132"15,0 0-5-15,0 0 32 16,0 0-32-16,51-118-2 16,-24 58 4-16,-1-10-2 0,1-6-6 15,-3-1-3-15,-3-7 21 16,-3 2-17-16,-8 10 17 16,-5 19-22-16,-4 21 28 15,-1 19 26-15,0 13-51 16,0 7-7-16,-12 29-8 15,-7 19 8-15,1 7 4 16,2 3-4-16,4-3 0 16,3-1-1-16,3-2 6 15,1-4-3-15,4-9-2 16,-2-9-4-16,1-13 1 16,2-12 3-16,-1-6-2 15,-4-6-5-15,-3-8 7 16,-6-19 7-16,-5-12-7 0,1-8 2 15,-2 1-5-15,7 5 8 16,1 12-5-16,8 15 2 16,1 6 1-16,3 8-3 15,0 0-3-15,0 9-21 16,4 14 10-16,14-1 2 16,6-4-36-16,11-8-4 15,4-10 5-15,3-2 6 16,4-24 33-16,-1-12 8 15,3-6 27-15,-5-4-13 16,0-6-1-16,-8 2 20 16,-9 7 10-16,-7 8-12 0,-9 15 17 15,-4 10-8-15,-6 12 32 16,0 15-72-16,0 24 0 16,-9 15 4-16,-7 6-2 15,-2 0 4-15,0 2-6 16,3-5 7-16,3-8-8 15,3-7 1-15,5-15 0 16,4-15-3-16,0-11 2 16,0-1 1-16,16-19 5 15,12-21-5-15,10-12-3 16,2 3-1-16,-2 9 4 16,-9 15 3-16,-14 12 0 15,-10 12 3-15,-4 1-6 0,2 0-13 16,0 14 11-1,4 6-1-15,-2 2 3 0,-1-1 3 16,4-5 1-16,-1-5-6 16,5-7 2-16,5-4-11 15,5-2 10-15,5-23 1 16,3-9 0-16,-4-5-1 16,-2 0 3-16,-9 8 4 15,-7 9-5-15,-7 14 12 16,-1 8 22-16,0 0-35 15,-9 24 1-15,-10 13-1 16,-4 12 8-16,3 6 0 16,3 2-7-16,13-4-1 15,4-7-7-15,13-14-89 0,17-18-102 16</inkml:trace>
   <inkml:trace contextRef="#ctx0" brushRef="#br0" timeOffset="134512.66">22289 7361 486 0,'0'0'19'15,"0"0"-19"-15,0 0 0 16,-33 90 0-16,22-61 4 16,3 0-4-16,3-2 4 15,4 0-2-15,-1-4-2 0,2-3 0 16,0-6-69-16,0-10-71 15</inkml:trace>
   <inkml:trace contextRef="#ctx0" brushRef="#br0" timeOffset="134655.59">22391 7102 204 0,'0'0'0'0,"0"0"-26"16,0 0-42-16</inkml:trace>
   <inkml:trace contextRef="#ctx0" brushRef="#br0" timeOffset="135036.74">22443 7661 4 0,'0'0'14'0,"0"0"31"15,0 0 8 1,0 0 68-16,0 0-3 0,0 0-47 15,3-53-62-15,7 10-8 16,7-3 19-16,-2-3-2 16,7 7-11-16,2 7-5 15,-2 7 11-15,5 12-7 16,3 10 27-16,4 6-33 16,2 9 1-16,-5 19-1 15,-8 9 2-15,-8-1-2 16,-6 5 0-16,-6-2-3 15,-3-3-14-15,0 1-25 0,0-7-26 16,0-2-71 0</inkml:trace>
   <inkml:trace contextRef="#ctx0" brushRef="#br0" timeOffset="135530.91">23138 7027 475 0,'0'0'17'0,"0"0"7"16,-13 137-22-16,-10-56 38 15,0 9-4-15,-3 3-2 16,-2 4-30-16,2-3 6 16,2-7-10-16,9-12 3 15,4-13-3-15,5-19 0 16,3-13 0-16,1-16 0 16,2-9 5-16,0-5-5 15,0-3 14-15,0-26-1 16,3-16-12-16,12-16-1 15,6-16 0-15,3-9 0 16,6-8 6-16,4 5-12 0,8 12 3 16,2 14-9-1,0 19 6-15,-5 20 6 0,-5 17 0 16,-7 7-7-16,-3 9 6 16,-4 16-2-16,-6 6 3 15,-8 3 0-15,-6-1 2 16,0 5-2-16,-20-4 1 15,-14 6-7-15,-10-1-38 16,-3-9-174-16</inkml:trace>
-  <inkml:trace contextRef="#ctx0" brushRef="#br0" timeOffset="136213.02">23441 7417 254 0,'0'0'133'15,"31"-96"-90"-15,-14 47-1 16,-4 15 10-16,-4 11 24 16,-3 16-11-16,-6 7-27 15,0 12-38-15,0 24-17 16,-7 14 17-16,-4 8 8 15,-1-2-6-15,3-6-1 16,3-5 3-16,6-9-3 16,0-11-2-16,0-6-3 0,6-12-20 15,11-7 16-15,5-2 8 16,4-22 5-16,5-6-5 16,3-8 2-16,-4-2-7 15,-2-6 5-15,1-1 0 16,-4 5 3-16,-6 8 4 15,-5 14-7-15,-6 12 18 16,-6 7 6-16,-2 1-17 16,0 8-7-16,0 20-10 15,0 6 8-15,0 6 3 16,0 0-1-16,0-6 0 16,0-4-1-16,0-5-1 15,5-5-11-15,4-6 1 0,4-8 7 16,5-6-5-1,3 0 10-15,4-11 6 0,5-14-3 16,-1-7 5-16,-1-8-4 16,0-4-1-16,-4-6 23 15,-2-8-17-15,-4-1 0 16,0 3 6-16,-4 12-13 16,-4 15 8-16,-6 14 15 15,-2 14 14-15,-2 1-39 16,0 31-12-16,-15 18 12 15,-6 19-2-15,-4 5 7 16,3-2-6-16,2-3 1 16,1-6-3-16,4-4-2 0,3-6-52 15,4-11 0-15,4-11-24 16,2-16-36-16,2-14-130 16</inkml:trace>
-  <inkml:trace contextRef="#ctx0" brushRef="#br0" timeOffset="136335.08">23917 7347 67 0,'0'0'307'0,"0"0"-307"15,0 0-101-15,0 0 84 16,0 0 10-16,0 0-30 16</inkml:trace>
-  <inkml:trace contextRef="#ctx0" brushRef="#br0" timeOffset="136701.89">24602 7249 328 0,'0'0'119'16,"0"0"-68"-16,0 0-7 15,0 0-18-15,0 0-14 16,0 0-3-16,-82 57 3 16,71-23-9-16,8 1 0 15,3-1-3-15,2 2 0 0,10-5 4 16,1-3-4-16,-6-1 0 16,-5-9-3-16,-2-1 6 15,0-4-3-15,-2-3 6 16,-11-2-6-16,-2 1 18 15,-4-1-18-15,-2-1 3 16,-2 3 3-16,0-3-6 16,0 4-1-16,7-2-8 15,3-1-76-15,11-3-61 16,2-5-257-16</inkml:trace>
+  <inkml:trace contextRef="#ctx0" brushRef="#br0" timeOffset="136213.01">23441 7417 254 0,'0'0'133'15,"31"-96"-90"-15,-14 47-1 16,-4 15 10-16,-4 11 24 16,-3 16-11-16,-6 7-27 15,0 12-38-15,0 24-17 16,-7 14 17-16,-4 8 8 15,-1-2-6-15,3-6-1 16,3-5 3-16,6-9-3 16,0-11-2-16,0-6-3 0,6-12-20 15,11-7 16-15,5-2 8 16,4-22 5-16,5-6-5 16,3-8 2-16,-4-2-7 15,-2-6 5-15,1-1 0 16,-4 5 3-16,-6 8 4 15,-5 14-7-15,-6 12 18 16,-6 7 6-16,-2 1-17 16,0 8-7-16,0 20-10 15,0 6 8-15,0 6 3 16,0 0-1-16,0-6 0 16,0-4-1-16,0-5-1 15,5-5-11-15,4-6 1 0,4-8 7 16,5-6-5-1,3 0 10-15,4-11 6 0,5-14-3 16,-1-7 5-16,-1-8-4 16,0-4-1-16,-4-6 23 15,-2-8-17-15,-4-1 0 16,0 3 6-16,-4 12-13 16,-4 15 8-16,-6 14 15 15,-2 14 14-15,-2 1-39 16,0 31-12-16,-15 18 12 15,-6 19-2-15,-4 5 7 16,3-2-6-16,2-3 1 16,1-6-3-16,4-4-2 0,3-6-52 15,4-11 0-15,4-11-24 16,2-16-36-16,2-14-130 16</inkml:trace>
+  <inkml:trace contextRef="#ctx0" brushRef="#br0" timeOffset="136335.07">23917 7347 67 0,'0'0'307'0,"0"0"-307"15,0 0-101-15,0 0 84 16,0 0 10-16,0 0-30 16</inkml:trace>
+  <inkml:trace contextRef="#ctx0" brushRef="#br0" timeOffset="136701.88">24602 7249 328 0,'0'0'119'16,"0"0"-68"-16,0 0-7 15,0 0-18-15,0 0-14 16,0 0-3-16,-82 57 3 16,71-23-9-16,8 1 0 15,3-1-3-15,2 2 0 0,10-5 4 16,1-3-4-16,-6-1 0 16,-5-9-3-16,-2-1 6 15,0-4-3-15,-2-3 6 16,-11-2-6-16,-2 1 18 15,-4-1-18-15,-2-1 3 16,-2 3 3-16,0-3-6 16,0 4-1-16,7-2-8 15,3-1-76-15,11-3-61 16,2-5-257-16</inkml:trace>
   <inkml:trace contextRef="#ctx0" brushRef="#br0" timeOffset="136880.5">24824 7625 174 0,'0'0'73'0,"0"0"-38"16,-22 111-30-16,14-85 12 15,4-5 2-15,1-5-19 16,3-9-31-16,0-7-181 15</inkml:trace>
   <inkml:trace contextRef="#ctx0" brushRef="#br0" timeOffset="137018.21">24913 7252 93 0,'0'0'0'0</inkml:trace>
-  <inkml:trace contextRef="#ctx0" brushRef="#br0" timeOffset="137616.95">25028 7504 144 0,'0'0'41'16,"0"0"9"-16,0 0 3 16,93 7 44-16,-66-7-29 15,-6 0-23-15,-7-3 3 16,-6 2-5-16,-6 1-5 16,-2 0-29-16,-7 10 3 15,-21 13-12-15,-9 13 19 16,-3 3-6-16,2-2-3 15,9 0-6-15,5-6-4 16,9-9 0-16,6-10 6 16,6-5-12-16,0-6 6 0,3-1-2 15,0 0-2-15,9-11 4 16,12-8-11-16,3 0 8 16,1 2 3-16,-3 9 1 15,-2 5-1-15,-1 3 0 16,-1 0-8-16,-5 8 8 15,1 9 0-15,1 3 0 16,-2-3-3-16,3-5 2 16,7 0 1-16,-1-5 0 15,5-7 2-15,5 0 2 16,2-3-2-16,4-22-2 16,3-10 6-16,1-6 1 15,-1-9-7-15,-2 1 0 0,-6 3 3 16,-9 11 3-16,-11 15-5 15,-8 12 16-15,-5 8 40 16,-8 0-23-16,-23 23-34 16,-9 15 0-16,-5 14 32 15,8 5-12-15,11 2-9 16,11-6-11-16,14-9 1 16,1-6-3-16,25-9-76 15,23-11-59-15,18-10-90 16</inkml:trace>
+  <inkml:trace contextRef="#ctx0" brushRef="#br0" timeOffset="137616.94">25028 7504 144 0,'0'0'41'16,"0"0"9"-16,0 0 3 16,93 7 44-16,-66-7-29 15,-6 0-23-15,-7-3 3 16,-6 2-5-16,-6 1-5 16,-2 0-29-16,-7 10 3 15,-21 13-12-15,-9 13 19 16,-3 3-6-16,2-2-3 15,9 0-6-15,5-6-4 16,9-9 0-16,6-10 6 16,6-5-12-16,0-6 6 0,3-1-2 15,0 0-2-15,9-11 4 16,12-8-11-16,3 0 8 16,1 2 3-16,-3 9 1 15,-2 5-1-15,-1 3 0 16,-1 0-8-16,-5 8 8 15,1 9 0-15,1 3 0 16,-2-3-3-16,3-5 2 16,7 0 1-16,-1-5 0 15,5-7 2-15,5 0 2 16,2-3-2-16,4-22-2 16,3-10 6-16,1-6 1 15,-1-9-7-15,-2 1 0 0,-6 3 3 16,-9 11 3-16,-11 15-5 15,-8 12 16-15,-5 8 40 16,-8 0-23-16,-23 23-34 16,-9 15 0-16,-5 14 32 15,8 5-12-15,11 2-9 16,11-6-11-16,14-9 1 16,1-6-3-16,25-9-76 15,23-11-59-15,18-10-90 16</inkml:trace>
   <inkml:trace contextRef="#ctx0" brushRef="#br0" timeOffset="138343.91">26634 7296 212 0,'0'0'37'16,"0"0"42"-16,-114-63-30 15,66 63 3-15,-1 8 5 16,2 26-30-16,5 9 7 16,8 7-25-16,8 3 1 0,8-6-7 15,9-2 3-15,8-10-6 16,1-9 0-16,3-17-5 16,19-9-16-16,11-9 1 15,7-30 20-15,10-15 0 16,-3-7 0-16,-7-3 0 15,-5 7 17-15,-13 16-3 16,-10 22 44-16,-6 13-35 16,-6 6-2-16,0 34-21 15,0 28 2-15,-16 31 16 16,-17 21 27-16,-7 11-33 16,-1-3 10-16,2-3-19 15,-2-8 8-15,1-9 19 0,1-13-24 16,4-23 2-1,10-23-8-15,10-25 6 0,6-14-3 16,-1-4 3-16,-2-27 24 16,-2-16-25-16,7-15-2 15,7-9-6-15,0 1-9 16,24 4-68-16,14-1-47 16,12 0-114-16</inkml:trace>
   <inkml:trace contextRef="#ctx0" brushRef="#br0" timeOffset="138643.14">26864 7421 410 0,'0'0'75'0,"0"0"-67"16,0 0 54-16,23 119 4 15,-23-70-46-15,0 1-2 16,-7 4-18-16,-11-3 3 15,-2-10 5-15,1-15-8 16,6-8 0-16,-1-16 8 16,7-2-7-16,1-5 57 15,-3-20-49-15,9-12-8 16,0-10 19-16,0-4-20 16,21 0 0-16,4 3 0 15,8 13-4-15,4 7 2 0,8 8-19 16,0 12-66-16,-2 6-35 15,-4 2-155-15</inkml:trace>
-  <inkml:trace contextRef="#ctx0" brushRef="#br0" timeOffset="138953.35">27289 7497 445 0,'0'0'90'0,"0"0"-87"15,0 0 32-15,-71 98 33 16,51-51-38-16,2 1-17 16,1-2 2-16,8-5-14 0,5-12 3 15,4-9 0-15,0-13-4 16,1-7 0-16,17 0 8 16,8-19 14-16,7-18 8 15,4-12-6-15,-1-8-16 16,-4 5 14-16,-12 7-20 15,-11 11 4-15,-9 16 3 16,0 5-6-16,-11 8-6 16,-11 5-11-16,-6 0-70 15,4 5 6-15,3 15-78 16,10-1-187-16</inkml:trace>
+  <inkml:trace contextRef="#ctx0" brushRef="#br0" timeOffset="138953.34">27289 7497 445 0,'0'0'90'0,"0"0"-87"15,0 0 32-15,-71 98 33 16,51-51-38-16,2 1-17 16,1-2 2-16,8-5-14 0,5-12 3 15,4-9 0-15,0-13-4 16,1-7 0-16,17 0 8 16,8-19 14-16,7-18 8 15,4-12-6-15,-1-8-16 16,-4 5 14-16,-12 7-20 15,-11 11 4-15,-9 16 3 16,0 5-6-16,-11 8-6 16,-11 5-11-16,-6 0-70 15,4 5 6-15,3 15-78 16,10-1-187-16</inkml:trace>
   <inkml:trace contextRef="#ctx0" brushRef="#br0" timeOffset="139715.79">27572 7582 426 0,'0'0'55'16,"0"0"-43"-16,0 0 11 16,0 0 50-16,-3 106-18 15,3-79-22-15,0-6 1 16,2 0-26-16,11-8-2 15,4-8 5-15,2-5-9 16,5 0 12-16,4-18 2 16,1-12-15-16,6-7 10 0,-4-1-11 15,-6 10 1-15,-8 8-2 16,-8 12 9-16,-7 8-8 16,-2 0 0-16,0 15-17 15,0 16 9-15,-6 5 8 16,-2-1 0-16,4-4 2 15,4-11 4-15,0-6-6 16,0-7 0-16,6-6 2 16,12-1 2-16,4-3-2 15,7-18-1-15,5-9 2 16,-1-7-2-16,0-6-1 16,-7 0 0-16,-3 6 0 15,-11 4-6-15,-4 11 6 0,-6 9 0 16,-2 6 18-16,0 6-14 15,0 1 6-15,-13 0-10 16,-8 23-5-16,-5 6-2 16,4 9 7-16,5 4 0 15,6 1-4-15,5-1 4 16,6-5-5-16,0-8 5 16,1-7-35-16,13-12 30 15,5-7-17-15,3-3 2 16,5-7 13-16,4-17 3 15,-1-11 4-15,0-7 0 0,-4-6 5 16,-2-3-5 0,-5 0 0-16,-4 3 0 0,1 14 2 15,-4 6 4-15,0 14 10 16,-4 7 6-16,2 7-21 16,5 0 0-16,6 3-1 15,7 14 0-15,2 4 0 16,-3 6 1-16,-6 1-1 15,-11 2 5-15,-8 1-2 16,-2-2 8-16,-12-1-9 16,-15 1 0-16,-8-2 6 15,-2-2-3-15,3-7-10 16,4 2-51-16,3-13-115 16,5-7-324-16</inkml:trace>
   <inkml:trace contextRef="#ctx0" brushRef="#br0" timeOffset="140832.59">28776 7779 194 0,'0'0'67'0,"0"0"-35"15,57-94-32-15,-30 53 62 16,1 0 18-16,2 0-62 16,-2 1-5-16,-4 7 8 15,-7 4 11-15,-6 10-5 16,-6 11-8-16,-4 7 4 16,-1 1-23-16,0 1-3 15,0 19-10-15,0 6 11 16,-1 1 4-16,-1-4 0 15,2-3-2-15,0-3-1 0,2-6-4 16,10-5-3 0,7-6 7-16,5 0 1 0,2 0 4 15,-3-3 9 1,-5-2-13-16,-9 4 0 0,-7-1 9 16,-1 2-9-16,1 0-3 15,1 7-3-15,5 10 6 16,0 6 1-16,1 6-1 15,0 9 0-15,3 8-2 16,-3 3 8-16,0-3-6 16,3-9 0-16,-2-12-9 15,6-10 6-15,4-12-12 16,8-3 5-16,8-19 1 16,3-15-20-16,-3-11 11 15,-8-5 13-15,-10-5 10 0,-5-4-4 16,-5 0-1-16,-5 4 0 15,-2 7 5-15,1 18 1 16,-2 15 14-16,0 12 36 16,0 3-40-16,-2 11-16 15,-11 17-17-15,-2 5 17 16,3 5 1-16,3 0 8 16,6-1-11-16,3-9 2 15,0-4 0-15,15-10 0 16,9-1 4-16,6-8-1 15,7-1 14-15,5-4-17 16,2 0-5-16,0-5-30 0,-5-12-29 16,-5-4 29-16,-5-2 20 15,-9 1 15-15,-8-1 8 16,-6 8 5-16,-5 7 20 16,-1 1 22-16,0 7-18 15,0 0-32-15,-8 12-5 16,-6 13 0-16,-3 9 33 15,1 3-26-15,3 5 5 16,3-1-3-16,0 0-5 16,0-4 0-16,6-3-4 15,4-5-30-15,0-6-55 16,0-6-71-16,16-11-228 16</inkml:trace>
   <inkml:trace contextRef="#ctx0" brushRef="#br0" timeOffset="141012.93">29956 7414 382 0,'0'0'109'16,"0"0"-105"-16,0 0-3 15,0 0 2-15,0 0-3 16,0 0 0-16,-63 63-4 15,60-49-132-15</inkml:trace>
   <inkml:trace contextRef="#ctx0" brushRef="#br0" timeOffset="141830.91">30150 7238 467 0,'0'0'62'16,"0"0"-37"-16,-33 114-4 15,13-38 40-15,0 11-1 16,-5 2-25-16,-4 0-35 16,-4-4 14-16,-2-12-14 15,2-11 0-15,6-17-3 16,8-15-14-16,8-14-33 0,7-11 4 15,2-5 25-15,2-11 5 16,0-17 1-16,0-12-14 16,0-5 22-16,3 0 12 15,3 2-5-15,0 10 1 16,-1 14 1-16,-2 9 30 16,-3 9-3-16,0 1-26 15,0 0-3-15,1 0-12 16,2 0 1-16,1 0 3 15,4 0 8-15,3 0 29 16,5 0 1-16,4 0-14 0,2-3 2 16,5-7-12-1,2-3-6-15,6-2 0 0,-1-2 3 16,-1 5-8-16,-5 0 5 16,-4 5 0-16,-6-2-5 15,-2 1 6-15,-2-6-1 16,1-4 0-16,0-3 4 15,6-6 4-15,-1-1-8 16,2-8 0-16,-2-1-2 16,-2-3 9-16,-9 0-7 15,-4 11 1-15,-2 12 3 16,-3 8 13-16,0 9 8 0,-2 14-25 16,-25 30-15-1,-9 18 15-15,-10 14 6 16,-2 6-2-16,6-6 3 0,8-10-10 15,12-15 3-15,11-21 0 16,6-14 0-16,3-12 3 16,2-4-3-16,0 0 13 15,2-12-7-15,17-14 5 16,11-7-11-16,6-2 0 16,7 3-6-16,-3 11 3 15,-1 8 3-15,-6 11-2 16,-5 2-5-16,-6 17-1 15,-8 13 7-15,-8 6 1 0,-6 5-7 16,0-4 7 0,-3 1 0-16,-9-3 0 0,-7-1-11 15,-7 0-25-15,-5-7-59 16,-3-11-189-16</inkml:trace>
-  <inkml:trace contextRef="#ctx0" brushRef="#br0" timeOffset="142319.85">30986 7735 514 0,'0'0'54'0,"0"0"-54"15,0 0 0-15,0 0 40 16,-5 115 33-16,-5-77-55 16,-2-1-2-16,0-8-4 15,3-9-8-15,2-6 10 16,4-4-14-16,1-7 0 15,2-3 13-15,0 0 1 16,0-3 42-16,6-20-33 16,13-9-12-16,8-8-20 15,6-4 9-15,4-2-6 16,8-2 2-16,-3 10-27 0,-6 13 19 16,-8 14 5-16,-6 11-8 15,-5 12 14-15,-5 17-7 16,-5 6 8-16,-7 0-4 15,0 3 8-15,0-3-4 16,-10 2 0-16,-7-2 7 16,-3-1-16-16,-3-4-54 15,-1-6-66-15,3-6-94 16</inkml:trace>
+  <inkml:trace contextRef="#ctx0" brushRef="#br0" timeOffset="142319.84">30986 7735 514 0,'0'0'54'0,"0"0"-54"15,0 0 0-15,0 0 40 16,-5 115 33-16,-5-77-55 16,-2-1-2-16,0-8-4 15,3-9-8-15,2-6 10 16,4-4-14-16,1-7 0 15,2-3 13-15,0 0 1 16,0-3 42-16,6-20-33 16,13-9-12-16,8-8-20 15,6-4 9-15,4-2-6 16,8-2 2-16,-3 10-27 0,-6 13 19 16,-8 14 5-16,-6 11-8 15,-5 12 14-15,-5 17-7 16,-5 6 8-16,-7 0-4 15,0 3 8-15,0-3-4 16,-10 2 0-16,-7-2 7 16,-3-1-16-16,-3-4-54 15,-1-6-66-15,3-6-94 16</inkml:trace>
   <inkml:trace contextRef="#ctx0" brushRef="#br0" timeOffset="143461.94">19981 8632 460 0,'0'0'52'0,"0"0"-38"0,-25 132-11 16,6-61 49-16,0 4-12 15,3 1-16-15,6-6-5 16,0-5-18-16,3 2 7 16,3-2-8-16,-2-5 0 15,0-8-22-15,3-11-76 16,3-17-10-16,0-16-95 16</inkml:trace>
   <inkml:trace contextRef="#ctx0" brushRef="#br0" timeOffset="143642.41">19702 9040 473 0,'0'0'87'0,"0"0"-29"15,0 0-25-15,0 0 13 16,0 0-44-16,0 0 21 16,42 18-22-16,22 9 1 15,12-6-3-15,6-3 1 16,5-10-92-16,1-8-65 15,-2 0-131-15</inkml:trace>
   <inkml:trace contextRef="#ctx0" brushRef="#br0" timeOffset="143828.57">20459 9055 332 0,'0'0'111'0,"0"0"-96"0,0 0 1 15,-63 99 35-15,51-64-8 16,3 4-5-16,2 1-20 15,1-5-17-15,0-2 9 16,1-8-10-16,2-5 0 16,1-8-12-16,2-7-99 15,0-5-26-15,0 0-162 16</inkml:trace>
-  <inkml:trace contextRef="#ctx0" brushRef="#br0" timeOffset="143971.8">20387 8850 414 0,'0'0'64'15,"0"0"-48"-15,0 0 8 0,0 0-24 16,0 0-12-16,0 0-134 16,-8 54-121-16</inkml:trace>
+  <inkml:trace contextRef="#ctx0" brushRef="#br0" timeOffset="143971.79">20387 8850 414 0,'0'0'64'15,"0"0"-48"-15,0 0 8 0,0 0-24 16,0 0-12-16,0 0-134 16,-8 54-121-16</inkml:trace>
   <inkml:trace contextRef="#ctx0" brushRef="#br0" timeOffset="144587.07">20492 9399 82 0,'0'0'105'16,"0"0"-22"-16,0 0-19 0,0 0 34 16,0 0 9-1,0 0-21-15,8 16 4 0,1-46-55 16,5-11-29-16,2-4 0 15,-1-3-6-15,3 7 0 16,-4 12 0-16,-6 12 3 16,-2 15-6-16,2 2-4 15,1 20-17-15,1 13 18 16,-1 12 6-16,-3-3-4 16,-3-4 0-16,-1-6-17 15,-1-9 18-15,2-12-5 16,-3-5-27-16,4-6 33 15,5 0-16-15,5-16 10 16,7-13 3-16,4-9-4 16,0-4 9-16,1 0 0 0,-5 8 5 15,-5 12 9-15,-8 10-7 16,-4 12 17-16,-2 11-24 16,-2 25-7-16,0 11 7 15,0 3 0-15,0-3 6 16,0-7-13-16,7-12-6 15,6-11-14-15,3-12 13 16,3-5-16-16,2-7 29 16,3-22-3-16,3-11-1 15,2-12 5-15,1-7 0 16,-1-4-25-16,-4 3 22 16,-12 13 6-16,-4 15 56 0,-9 16 33 15,0 13-21-15,0 3-22 16,-18 22-49-16,-7 12 0 15,-3 14-1-15,7 1 6 16,4 3-5-16,8 3 0 16,3-8 5-16,6-4-10 15,0-4 5-15,8-11-61 16,25-14-83-16,20-14-229 16</inkml:trace>
   <inkml:trace contextRef="#ctx0" brushRef="#br0" timeOffset="145680.09">22107 9097 375 0,'0'0'48'15,"0"0"-30"-15,0 0-11 16,-109 38-6-16,77 12 8 15,5 5-4-15,10 1-5 16,11-2 7-16,6-8-12 16,0-10 5-16,8-10-20 0,12-13-37 15,5-13-69-15,4-3 13 16,6-26 44-16,-4-14 48 16,-3-9 21-16,-5-3 72 15,-9 4 70-15,-5 5-9 16,-4 14-51-16,-4 14-30 15,-1 11 33-15,0 7-21 16,0 23-64-16,0 22-23 16,-3 17 23-16,-3 6 6 15,3-1 0-15,3-7-10 16,0-9 4-16,8-13-29 16,6-16 9-16,5-10-6 0,5-12-13 15,5-5 35-15,7-24 4 16,5-14 5-16,2-12-4 15,-1-14 0-15,-2-10 5 16,-6-7-3-16,-4-6 2 16,-4-7 14-16,-10 2-12 15,-7 11 0-15,-8 18 12 16,-1 25 14-16,0 23 22 16,0 18-3-16,0 7-37 15,-10 43-15-15,-6 27 0 16,0 20 2-16,0 9 10 15,7-6-9-15,5-9 6 16,2-10-9-16,2-8 0 0,0-9 3 16,9-14-3-1,5-8-9-15,2-13-39 0,3-11-23 16,7-13 2-16,12-3-42 16,9-21-16-16,5-18 20 15,-4-14 0-15,-4-5 68 16,-12 3 39-16,-13 5 78 15,-11 14 126-15,-8 11-80 16,0 10-31-16,0 10-23 16,-2 5-45-16,-4 0-25 15,3 21-3-15,0 14 3 16,2 6 7-16,1 2-7 0,0-7 0 16,0 1 4-1,-5-7 2-15,-4-5-6 0,-7-4 0 16,-1-2 4-16,0-4-2 15,-4 0-2-15,3-2 0 16,0-2-3-16,6-2-49 16,6-3-46-16,6-6-86 15</inkml:trace>
   <inkml:trace contextRef="#ctx0" brushRef="#br0" timeOffset="145957.7">23044 9257 575 0,'0'0'14'16,"0"0"-3"-16,0 0-11 0,-7 117 9 15,7-73 24-15,0 1-20 16,4-7-9-16,11-4 4 16,3-12-4-16,3-9-3 15,7-12 0-15,5-1 3 16,3-16 15-16,-2-15-13 15,-2-8-5-15,-10-3 12 16,-10-3 3-16,-12 3 12 16,0 2-28-16,-18 9 3 15,-12 7-6-15,-6 10-38 16,-4 5-46-16,3 4-135 16</inkml:trace>
-  <inkml:trace contextRef="#ctx0" brushRef="#br0" timeOffset="147272.83">24033 9172 359 0,'0'0'110'0,"0"0"-67"15,-1-90 0-15,-13 64 50 16,0 7-52-16,-3 11-7 15,-10 8-33-15,-10 14 0 16,-15 26-2-16,-6 12-1 16,4 10 2-16,14 2-3 15,11-4 3-15,17-9-16 16,12-13-41-16,5-19-38 16,28-19-13-16,10-1 59 0,8-32 39 15,-1-12 10 1,-5-9 7-16,-4-8 4 0,-5 2 19 15,-7 7-10-15,-10 18 35 16,-8 17 19-16,-8 18-13 16,-3 8-44-16,0 40-2 15,-20 23-15-15,-6 21 33 16,-4 8-28-16,3 8 4 16,6 7 23-16,5 7-8 15,5 7 28-15,3 16-13 16,-2 10-15-16,1-14-17 15,2-18-1-15,-1-41 1 16,7-43-7-16,1-20 0 0,-3-19 8 16,-3-7-7-1,-3-26 20-15,-6-18-21 0,0-8-22 16,6-10 11-16,9-6-20 16,0-6-34-16,15-1-3 15,16 5 10-15,8-2 17 16,10 3-18-16,12-1-21 15,11 0 6-15,6 6 45 16,-2 7 29-16,-2 5 12 16,-10 5-11-16,-10 2 3 15,-11 5 44-15,-11 2-37 16,-17 8 23-16,-9 5-12 0,-6 11 23 16,0 9 27-16,0 6-44 15,0 6-8-15,0 0-20 16,0 0-2-16,0 0 0 15,0 11-1-15,0 4 3 16,0 0 0-16,0-2 2 16,6 0-2-16,4-3 0 15,3-4 6-15,-1-1-13 16,-4-4 7-16,-2-1 0 16,-6 0 14-16,0 0-12 15,0 0-1-15,0 6-1 16,-7 5-56-16,-9 1 21 15,5 5-52-15,8-3-143 16</inkml:trace>
+  <inkml:trace contextRef="#ctx0" brushRef="#br0" timeOffset="147272.82">24033 9172 359 0,'0'0'110'0,"0"0"-67"15,-1-90 0-15,-13 64 50 16,0 7-52-16,-3 11-7 15,-10 8-33-15,-10 14 0 16,-15 26-2-16,-6 12-1 16,4 10 2-16,14 2-3 15,11-4 3-15,17-9-16 16,12-13-41-16,5-19-38 16,28-19-13-16,10-1 59 0,8-32 39 15,-1-12 10 1,-5-9 7-16,-4-8 4 0,-5 2 19 15,-7 7-10-15,-10 18 35 16,-8 17 19-16,-8 18-13 16,-3 8-44-16,0 40-2 15,-20 23-15-15,-6 21 33 16,-4 8-28-16,3 8 4 16,6 7 23-16,5 7-8 15,5 7 28-15,3 16-13 16,-2 10-15-16,1-14-17 15,2-18-1-15,-1-41 1 16,7-43-7-16,1-20 0 0,-3-19 8 16,-3-7-7-1,-3-26 20-15,-6-18-21 0,0-8-22 16,6-10 11-16,9-6-20 16,0-6-34-16,15-1-3 15,16 5 10-15,8-2 17 16,10 3-18-16,12-1-21 15,11 0 6-15,6 6 45 16,-2 7 29-16,-2 5 12 16,-10 5-11-16,-10 2 3 15,-11 5 44-15,-11 2-37 16,-17 8 23-16,-9 5-12 0,-6 11 23 16,0 9 27-16,0 6-44 15,0 6-8-15,0 0-20 16,0 0-2-16,0 0 0 15,0 11-1-15,0 4 3 16,0 0 0-16,0-2 2 16,6 0-2-16,4-3 0 15,3-4 6-15,-1-1-13 16,-4-4 7-16,-2-1 0 16,-6 0 14-16,0 0-12 15,0 0-1-15,0 6-1 16,-7 5-56-16,-9 1 21 15,5 5-52-15,8-3-143 16</inkml:trace>
   <inkml:trace contextRef="#ctx0" brushRef="#br0" timeOffset="147585.12">24696 9296 562 0,'0'0'33'15,"0"0"-13"-15,0 0-20 16,-29 87 21-16,23-52-4 16,6 0-7-16,0-4-6 15,0-4-1-15,6-9-3 16,9-7 0-16,5-9 2 16,5-2 1-16,5-11 6 0,3-15 1 15,-2-10-5-15,-6-1 7 16,-13-3 37-16,-12-2-14 15,0 2-12-15,-18 5-21 16,-9 11-2-16,-2 7 0 16,0 10-9-16,4 7 6 15,3 0-78-15,7 10-37 16,4 6-35-16,11-2-255 16</inkml:trace>
   <inkml:trace contextRef="#ctx0" brushRef="#br0" timeOffset="148052.24">25040 9288 408 0,'0'0'52'0,"0"0"-47"0,0 0 30 16,11 94-9-16,-7-66 9 16,1 0-3-16,2-8-31 15,4-4 6-15,2-5-7 16,4-9 5-16,2-2 3 15,5-2-7-15,0-19 4 16,3-5-1-16,-4-4 0 16,-3 4-4-16,-7 9 0 15,-7 8 0-15,-4 7 30 16,-2 2-8-16,0 0-22 0,0 17-14 16,0 7 14-16,0 1 5 15,-2 0-5-15,2-2 2 16,0-6-6-16,2-4 6 15,12-5-4-15,5-6 4 16,3-2-1-16,3-3 8 16,2-12-3-16,-5 1-3 15,-5 2 9-15,-8 5-3 16,-3 3 11-16,-5 4 12 16,-1 0-32-16,2 0 0 15,2 0-5-15,5 0-3 16,4 0 0-16,1 0 8 15,0 0-4-15,0 0-4 16,0 0-30-16,4 0-11 16,1 0-59-16,-1 0-239 0</inkml:trace>
-  <inkml:trace contextRef="#ctx0" brushRef="#br0" timeOffset="149484.3">26485 9213 337 0,'0'0'63'15,"0"0"-31"-15,-91-10-5 16,59 35 23-16,2 10-32 16,2 5-1-16,7 2-9 15,9 1-7-15,8-5 5 16,4-6-6-16,0-8-3 15,4-8-2-15,17-9-41 16,6-7-23-16,6-4 67 0,2-19-25 16,-2-10 27-1,-3-2 9-15,-5-6 15 16,-3 2 14-16,-5 6 3 0,-8 15-7 16,-4 8 13-16,-5 10 16 15,0 10-61-15,0 21-2 16,-12 10 0-16,-2 3 8 15,0-1-8-15,4-9 0 16,6-4-1-16,4-8 4 16,0-8-3-16,0-9 0 15,7-5-13-15,16 0 13 16,7-15 3-16,8-12-1 0,6-5 5 16,3 1-3-1,1 1-4-15,-2 9 0 0,-4 13 0 16,-10 8-5-16,-8 2 5 15,-12 19-8-15,-9 5 5 16,-3 1 4-16,-6-3-1 16,-11-4 10-16,-5-3-6 15,-1-4 19-15,-3-2-21 16,0-1-2-16,-1-4 0 16,5-1-27-16,4-5-96 15,9 0-418-15</inkml:trace>
+  <inkml:trace contextRef="#ctx0" brushRef="#br0" timeOffset="149484.29">26485 9213 337 0,'0'0'63'15,"0"0"-31"-15,-91-10-5 16,59 35 23-16,2 10-32 16,2 5-1-16,7 2-9 15,9 1-7-15,8-5 5 16,4-6-6-16,0-8-3 15,4-8-2-15,17-9-41 16,6-7-23-16,6-4 67 0,2-19-25 16,-2-10 27-1,-3-2 9-15,-5-6 15 16,-3 2 14-16,-5 6 3 0,-8 15-7 16,-4 8 13-16,-5 10 16 15,0 10-61-15,0 21-2 16,-12 10 0-16,-2 3 8 15,0-1-8-15,4-9 0 16,6-4-1-16,4-8 4 16,0-8-3-16,0-9 0 15,7-5-13-15,16 0 13 16,7-15 3-16,8-12-1 0,6-5 5 16,3 1-3-1,1 1-4-15,-2 9 0 0,-4 13 0 16,-10 8-5-16,-8 2 5 15,-12 19-8-15,-9 5 5 16,-3 1 4-16,-6-3-1 16,-11-4 10-16,-5-3-6 15,-1-4 19-15,-3-2-21 16,0-1-2-16,-1-4 0 16,5-1-27-16,4-5-96 15,9 0-418-15</inkml:trace>
   <inkml:trace contextRef="#ctx0" brushRef="#br0" timeOffset="149943.24">27890 9011 363 0,'0'0'57'0,"-48"137"16"16,26-41-70-16,4 4 36 15,0 0-12-15,0-1 1 16,-4-7-10-16,-2-10-11 16,3-10-6-16,8-17-1 0,6-21 8 15,7-17-8-15,0-15 5 16,11-2 7-16,10-15 26 15,3-18-37-15,1-10 4 16,4-8-4-16,4-9 7 16,9-6-9-16,6-5 1 15,8 3 0-15,-4 10-5 16,-10 18 6-16,-11 16-1 16,-13 14 0-16,-11 9 7 15,-4 1 5-15,-3 0-12 16,0 12-12-16,0 15 12 15,0 5 3-15,-15 0 22 16,-9 0-25-16,-6-3 9 16,-4-3-18-16,-3-3-18 15,-2-3-102-15,9-12-185 0</inkml:trace>
   <inkml:trace contextRef="#ctx0" brushRef="#br0" timeOffset="150190.96">28360 9358 340 0,'0'0'134'0,"0"0"-49"0,24-100-10 16,-23 82 14-16,-1 11-27 15,0 7-13-15,-1 10-49 16,-17 22 2-16,-4 15-2 15,0 6 0-15,6 1 9 16,6-5-14-16,8-8 5 16,2-11-104-16,6-14-64 15,18-14-226-15</inkml:trace>
   <inkml:trace contextRef="#ctx0" brushRef="#br0" timeOffset="150441.87">28617 9361 358 0,'0'0'57'16,"0"0"-49"-16,0 84 48 0,0-51-22 15,-5-5 5 1,-3-3-24-16,1-6-14 0,-2-5 13 16,5-7-14-16,4 0 0 15,0-7 8-15,0 0-3 16,0-6 79-16,10-13-15 15,10-9-63-15,3-5 2 16,7-3-8-16,1 2-6 16,2 4-8-16,-6 9-83 15,-3 10 5-15,-12 4-80 16</inkml:trace>
   <inkml:trace contextRef="#ctx0" brushRef="#br0" timeOffset="150833.1">29306 9408 298 0,'0'0'96'16,"-15"98"12"-16,3-47-94 15,0-4 42-15,3-11-13 16,0-5-21-16,3-8-13 0,0-11-5 16,5-8-4-1,1-4 8-15,0 0-2 0,0-13 41 16,7-15-37-16,11-12-2 16,7-4-16-16,5-1-10 15,3 4 7-15,-2 9-3 16,-2 10 13-16,-6 15-9 15,3 7 10-15,-2 0-8 16,1 15 2-16,-1 14 1 16,-3 10 3-16,-8 1-16 15,-2 3-38-15,-8-5-18 16,-3-2-71-16,0-10-114 16</inkml:trace>
   <inkml:trace contextRef="#ctx0" brushRef="#br0" timeOffset="153864.94">27799 3100 86 0,'0'0'101'15,"0"0"-58"-15,0 0-32 16,0 0-10-16,0 0 1 16,0 0-2-16,0 0-128 15,0 0 12-15</inkml:trace>
-  <inkml:trace contextRef="#ctx0" brushRef="#br0" timeOffset="154663.05">27844 3178 88 0,'0'0'74'0,"0"0"15"0,0 0-10 16,0 0 8-16,0 0-36 16,0 0-28-16,0-6-5 15,0 6 4-15,3 0-22 16,11 16-16-16,3 13 16 15,4 9 0-15,-4 8 1 16,-4 3 3-16,-4-3-4 16,-2-1 0-16,2-2-1 15,-1 1 8-15,-2 2-15 16,-2 1 8-16,-1-9 0 16,3-3 2-16,-5-4 3 15,1-5-5-15,-1-6 0 16,-1-7 4-16,0-6-12 0,0-4 7 15,0-1-27-15,0-2 25 16,0 0 0-16,0 0 3 16,0-15 0-16,0-7 5 15,0 1-3-15,0-1-2 16,0 1 0-16,0 7 8 16,0 4-1-16,0 5 3 15,-1 2 7-15,-1 3-6 16,2 0-6-16,0 0-5 15,0 0-16-15,0 7 15 16,0 10-5-16,0 3 6 16,0-3 0-16,0-4-14 15,0-7 11-15,3 0-3 0,0-6 6 16,3 0-6-16,2 0-7 16,5 0 13-16,4 0 12 15,3-12 2-15,-1-3-4 16,-2 1-8-16,-4 1 6 15,-6 5-8-15,-4 3-33 16,-3 5-31-16,0 0-229 16</inkml:trace>
-  <inkml:trace contextRef="#ctx0" brushRef="#br0" timeOffset="155773.39">27883 3750 238 0,'0'0'93'0,"0"0"-49"16,0 0-2-16,0 0-6 15,0 0-28-15,0 0-4 16,37 34-4-16,-22-7 9 0,-1 3-5 16,-3-1-3-16,-3-3-1 15,-1-9 6-15,-1-9-8 16,-3-5 2-16,3-3 0 16,3 0 49-16,10-11 8 15,6-10-12-15,7-8-15 16,2 0-30-16,0 3 0 15,2 4-25-15,-4 6-165 16</inkml:trace>
+  <inkml:trace contextRef="#ctx0" brushRef="#br0" timeOffset="154663.04">27844 3178 88 0,'0'0'74'0,"0"0"15"0,0 0-10 16,0 0 8-16,0 0-36 16,0 0-28-16,0-6-5 15,0 6 4-15,3 0-22 16,11 16-16-16,3 13 16 15,4 9 0-15,-4 8 1 16,-4 3 3-16,-4-3-4 16,-2-1 0-16,2-2-1 15,-1 1 8-15,-2 2-15 16,-2 1 8-16,-1-9 0 16,3-3 2-16,-5-4 3 15,1-5-5-15,-1-6 0 16,-1-7 4-16,0-6-12 0,0-4 7 15,0-1-27-15,0-2 25 16,0 0 0-16,0 0 3 16,0-15 0-16,0-7 5 15,0 1-3-15,0-1-2 16,0 1 0-16,0 7 8 16,0 4-1-16,0 5 3 15,-1 2 7-15,-1 3-6 16,2 0-6-16,0 0-5 15,0 0-16-15,0 7 15 16,0 10-5-16,0 3 6 16,0-3 0-16,0-4-14 15,0-7 11-15,3 0-3 0,0-6 6 16,3 0-6-16,2 0-7 16,5 0 13-16,4 0 12 15,3-12 2-15,-1-3-4 16,-2 1-8-16,-4 1 6 15,-6 5-8-15,-4 3-33 16,-3 5-31-16,0 0-229 16</inkml:trace>
+  <inkml:trace contextRef="#ctx0" brushRef="#br0" timeOffset="155773.38">27883 3750 238 0,'0'0'93'0,"0"0"-49"16,0 0-2-16,0 0-6 15,0 0-28-15,0 0-4 16,37 34-4-16,-22-7 9 0,-1 3-5 16,-3-1-3-16,-3-3-1 15,-1-9 6-15,-1-9-8 16,-3-5 2-16,3-3 0 16,3 0 49-16,10-11 8 15,6-10-12-15,7-8-15 16,2 0-30-16,0 3 0 15,2 4-25-15,-4 6-165 16</inkml:trace>
   <inkml:trace contextRef="#ctx0" brushRef="#br0" timeOffset="156269.23">28604 4373 601 0,'0'0'87'0,"0"0"-85"16,0 0-2-16,0 0-18 15,0 0 18-15,0 98 6 16,5-58-2-16,-3-3 0 16,-2-3-2-16,0-10 6 0,0-6-9 15,0-10 1-15,0-4 0 16,0-4 8-16,0 0-7 16,6-4 18-16,5-17-15 15,4-8 5-15,8-12-12 16,3-4 3-16,3-3 0 15,4 4-3-15,1 9 2 16,-3 15 1-16,-4 12 12 16,-6 8-9-16,2 2-6 15,-4 19 0-15,-4 9 3 16,-2 3-2-16,-7 0 5 16,-3-2-3-16,-3-1 2 0,0-3 3 15,0-2-10-15,0-2 1 16,-4 0-66-1,-14-1-38-15,0-5-191 0</inkml:trace>
   <inkml:trace contextRef="#ctx0" brushRef="#br0" timeOffset="157210.71">28907 5352 448 0,'0'0'17'16,"0"0"-3"-16,-16 129-14 15,7-65 30-15,1 1-5 16,1-5-3-16,4-7-20 16,0-6-1-16,0-8-1 15,-1-6 0-15,2-7-67 16,2-9-87-16,0-12-153 16</inkml:trace>
   <inkml:trace contextRef="#ctx0" brushRef="#br0" timeOffset="157614.31">28763 5055 377 0,'0'0'69'0,"-149"108"-68"16,84-32 17-16,13 8-3 15,18 3-14-15,13 14 20 16,8 9-18-16,13 7-2 16,0-5 2-16,13-8-3 15,16-9-2-15,12-10-2 16,14-12-33-16,12-7 5 16,13-18-46-16,9-22-60 15,4-26 138-15,2-16 11 0,-2-33-3 16,-11-13 16-16,-12-10 42 15,-11-14 47-15,-5-13-44 16,-9-10-6-16,-5-10-11 16,-10-1-32-16,-15 0-1 15,-15 7-19-15,-11 13-1 16,-38 22-4-16,-21 15-22 16,-19 20-22-16,-12 27-4 15,-3 16-72-15,4 12-229 16</inkml:trace>
-  <inkml:trace contextRef="#ctx0" brushRef="#br0" timeOffset="182064.85">16796 1408 125 0,'0'0'95'0,"0"0"-29"16,0 0 7-16,0 0-13 15,0 0-60-15,0 0 8 16,0 0 0-16,0 131 43 16,0-62-19-16,-8 8-5 15,-1 4 10-15,0 3-33 0,-4-1 9 16,2-4-13-16,-2-6 5 15,1-9-2-15,2-11-3 16,-2-9-35-16,3-13-12 16,1-8-46-16,-3-15-68 15,0-8-94-15</inkml:trace>
+  <inkml:trace contextRef="#ctx0" brushRef="#br0" timeOffset="182064.84">16796 1408 125 0,'0'0'95'0,"0"0"-29"16,0 0 7-16,0 0-13 15,0 0-60-15,0 0 8 16,0 0 0-16,0 131 43 16,0-62-19-16,-8 8-5 15,-1 4 10-15,0 3-33 0,-4-1 9 16,2-4-13-16,-2-6 5 15,1-9-2-15,2-11-3 16,-2-9-35-16,3-13-12 16,1-8-46-16,-3-15-68 15,0-8-94-15</inkml:trace>
   <inkml:trace contextRef="#ctx0" brushRef="#br0" timeOffset="182559.07">16733 1402 191 0,'0'0'1'0,"93"-66"70"0,-25 52-21 16,5 8-24-16,4 6 6 16,-6 8 11-16,-10 18-40 15,-14 7 6-15,-13 0-9 16,-15 7-17-16,-13 1 17 15,-6 3 7-15,-25 4 7 16,-21 2 41-16,-23 3-42 16,-16-4 9-16,-12-7-14 15,1-6-5-15,8-7 8 16,16-10-11-16,20-5 9 16,21-3-1-16,15 0-8 15,16 5 0-15,9 6-23 16,31 8 23-16,15 4-5 0,11 3 2 15,4 4-31 1,-3-3-4-16,-7 3-15 0,-16-5 53 16,-15-1 0-16,-16 2-2 15,-11-3-14-15,-2 0 32 16,-19 0-11-16,-19 3 35 16,-12-3 3-16,-10-2-4 15,-7-1-7-15,3-9-4 16,6-5 19-16,8-4-33 15,10-5-7-15,14-6 2 16,12-2-4-16,9 0-10 16,5 0-4-16,0 0-118 0,5-11-138 15</inkml:trace>
   <inkml:trace contextRef="#ctx0" brushRef="#br0" timeOffset="182760.99">17337 2207 430 0,'0'0'36'15,"0"0"-29"-15,-12 99-7 16,-4-59 9-16,4 0-8 16,-1-2 36-16,5-6-36 15,2-5 6-15,3-7-14 16,3-9-21-16,0-11-116 0,0 0-110 15</inkml:trace>
   <inkml:trace contextRef="#ctx0" brushRef="#br0" timeOffset="182922.14">17295 1946 318 0,'0'0'85'0,"0"0"-47"16,0 0-34-16,0 0-4 15,0 0-3-15,0 0 3 16,-46 41 0-16,46-8-57 0,0 4-162 16</inkml:trace>
@@ -1411,7 +1414,7 @@
   </inkml:definitions>
   <inkml:trace contextRef="#ctx0" brushRef="#br0">2734 3327 34 0,'0'0'48'15,"0"0"-24"-15,0 0-13 0,0 0 19 16,0 0 7-16,0 0-13 16,0 0 1-16,2 0-25 15,-2 0 0-15,0 0-2 16,0 0-10-16,1 0 5 15,-1 0 2-15,3 0-5 16,3 0 8-16,2 3 4 16,11 1-2-16,5-3 9 15,4 4-5-15,8-4-2 16,6 2 5-16,1-2-2 16,10 2 19-16,6-1-14 15,7 0-7-15,10 0 19 0,6-1-18 16,9 4 1-16,9-3 11 15,9 4-13-15,19-3 13 16,11-2-7-16,4 1-6 16,2 2 4-16,4 3-3 15,-4 0-4-15,4 1 0 16,-3 1 8-16,-6-4-8 16,-4 0 0-16,-8 2 2 15,-14-2-10-15,-1 1 14 16,-8 0-6-16,5 0 4 15,3-2-4-15,4-4-2 16,15 0 2-16,3 0 2 16,9 0 12-16,4-7-2 15,-3 4-2-15,-6-1 18 0,-11-1-27 16,-6 5 11-16,-10-3-12 16,-3 2 0-16,4-2 4 15,5 0-1-15,9-2-2 16,3 0 0-16,1 4 4 15,-7 1-6-15,-6 0 1 16,-8 0 0-16,-8 0-4 16,-8 11 4-16,-12 6 0 15,-6 1-1-15,-3-2 7 16,5 0-12-16,5-5 6 16,8-1 0-16,8 1 2 0,2-4 3 15,1 0-5 1,-3-4 0-16,-3-1 7 0,-7-2-7 15,-1 0 0-15,-4 0 0 16,0 0-2-16,1 0 2 16,1 0 0-16,4 0-1 15,5 0 8-15,2 0-13 16,2 0 6-16,-1-5 0 16,-5-2-1-16,-10 5 5 15,-8 2-4-15,-9 0 0 16,-4 0 4-16,-4 0-8 15,-2 0 4-15,-3 9 0 16,1 0-1-16,0 5 1 16,-1-1 0-16,-1 1 1 0,-2 0 0 15,-1-3 4-15,-4-1-5 16,4-4 0-16,0 1-1 16,1-4 1-16,3-2 0 15,1-1 1-15,5 0 5 16,3 0-6-16,2 0 0 15,3 4 0-15,2 3-1 16,1 0 3-16,1 2-2 16,-2-1 0-16,-5 0 4 15,-6-2-8-15,-7 0 4 16,-8-5 0-16,-5-1 3 16,-7 0-3-16,0 0 0 15,-2 1-4-15,-4-1 13 0,3 2-13 16,-1 1 4-1,-4-2 0-15,-1 4-1 0,-1-4 1 16,-3-1 0-16,3 0-4 16,1 0 16-16,5 0-16 15,0 0 4-15,-2-7 0 16,-2 1-1-16,-4-1 1 16,-4 1 0-16,-2 3 0 15,-5-5-3-15,-4 4-6 16,-4-7-116-16,-3-7-216 15</inkml:trace>
   <inkml:trace contextRef="#ctx0" brushRef="#br0" timeOffset="27071.75">11650 10453 0 0,'0'0'9'16,"0"0"1"-16,-115-82 19 15,74 51-14-15,0 1 14 16,1-6-17-16,-5 1-6 16,-8-3 7-16,-10-5-8 15,-7 4 3-15,-12 1 5 16,-2 4-9-16,-6 0-4 15,-2 0 0-15,-4 0 6 16,-5-3-5-16,-6 4-1 16,-17-7 1-16,-18 2-1 15,-14 1 5-15,-13-4-3 16,-1 2 6-16,1-2-8 0,-2-1 6 16,-5-2-2-16,-11 1-4 15,-5-3 5-15,-2 0 1 16,1 2 0-16,-2 1 19 15,-2 6-15-15,-12 6 12 16,-7 8-20-16,-1 5-2 16,7 4 4-16,8 3 3 15,9 0-5-15,-3 1-2 16,-1 3 0-16,-3 0 6 16,8 3-6-16,8 1 0 0,7 3-6 15,-2 0 11 1,-6 0-5-16,-3 0 0 0,1 3 3 15,14 7-4-15,15 3 1 16,19 1 0-16,14 2-3 16,10 4 9-16,9 4-10 15,2 4 4-15,11 2 0 16,1 4 0-16,1 2 0 16,7 3 0-16,1-3-4 15,-2 5 4-15,1-1 0 16,5-1 0-16,-3-2-1 15,0-1 0-15,1-4-11 16,4-4 10-16,7-3-3 16,7 1 0-16,8 1 4 15,10-1 1-15,-1 4 0 0,10 4-8 16,8 5 4-16,1 6-20 16,10 5 5-16,-2 2 6 15,4 3 13-15,-4 1 0 16,-2 3 3-16,0 2-10 15,-3-4 10-15,5 2-3 16,-1 1 0-16,4-1-1 16,5-1-1-16,5 1 0 15,1-3-10-15,0 3 8 16,2 2 3-16,-3 6 1 16,3 2 14-16,-5 1-12 15,5 1 2-15,3-5-4 0,0-4 5 16,0-2 0-16,8-3-5 15,4 4 2-15,7 3-8 16,-2 4 8-16,8-2-2 16,-1 1 4-16,1-3-1 15,2-6 4-15,6-1-7 16,4-3 11-16,7-6-6 16,9-5 3-16,7-7 2 15,12-4-6-15,5 1-1 16,-2 4-3-16,1-5 1 15,-9-2-1-15,-4-5 4 16,-2-2 0-16,0-1-4 16,3 4 5-16,5 1 7 15,8-2-7-15,4 2-4 16,7 2 0-16,11 0 0 0,5 1 4 16,2 1-10-16,9-5 0 15,1 1 5-15,8 0 3 16,1 6-3-16,5 7 6 15,0 2-6-15,2 1-1 16,1-9 1-16,-1-11 0 16,-1-1 6-16,0-2 2 15,-1-3 7-15,-3 3-12 16,1-5 0-16,1 2 2 16,-4-1-10-16,7 6 6 15,-3 2-1-15,-7 2 0 16,-3 2 4-16,-1-1-4 0,-4-5 5 15,4-1 1-15,-2-3-3 16,5 1 2-16,4-4-4 16,5-1 23-16,10-5-23 15,-1 2 4-15,1-4 0 16,1-2-1-16,-3 0-4 16,0-2 0-16,3 0 1 15,4-2-1-15,1-1 3 16,6 2-2-16,-1-2-1 15,1 0-1-15,3 0 1 16,-1 0 0-16,1 0 0 16,0 0 2-16,-7 3-2 15,3-2 0-15,-7-1 4 0,-6 0-4 16,-4 0-4-16,-3 0-2 16,-4 0 9-16,3 0-3 15,-2 0 13-15,2 0-13 16,3 0 0-16,-2-3 7 15,-3-1-7-15,-2-2 0 16,-4 1 1-16,-1 2-1 16,-2-3 0-16,5 4 0 15,4 1 0-15,5 1 8 16,15 0-9-16,3-3 1 16,2 3 0-16,2 0 7 15,-2 0-7-15,-4 0-2 0,0 0 1 16,-6 0-4-16,-3 0 5 15,-7-6 0-15,-7-7-4 16,-12-7 4-16,-9-6 0 16,-10-2 4-16,-6 0-4 15,-9 0 7-15,-13 2-6 16,-12 1-1-16,-14-2 3 16,-10-1-12-16,-7-3 16 15,-8-6-7-15,-7-7 15 16,-3-8-12-16,-6-5 11 15,0-5-14-15,-6-4 4 16,-13 3-9-16,-2-2 5 16,-5 1 0-16,1-2-6 0,-2 1 12 15,-1-1-6 1,-2-3 0-16,-6-6 0 0,-6-3 7 16,-10-3-2-16,-9-1-3 15,-8-3 3-15,-10 2 0 16,-4-2 1-16,-14-1-5 15,-2 7 3-15,-5 3 6 16,-6 9-7-16,0 5 0 16,-3-1 3-16,-6-1 2 15,-11 1-8-15,-12-5 0 16,-13-12 0-16,-12 2-6 16,-7-8 6-16,-11-4 0 0,-8 1 0 15,-13-7 11-15,-19-7-20 16,-26-2 9-16,-20 4-15 15,-23 1 10-15,-16 5-23 16,-31 7-1-16,-27 4-7 16,-33 10-47-16,-43 15 5 15,-24 12 4-15,-42 17-15 16,-20 11 17-16</inkml:trace>
-  <inkml:trace contextRef="#ctx0" brushRef="#br0" timeOffset="31912.63">16296 5218 31 0,'0'0'44'0,"0"0"-37"16,0 0 29-16,0 0 10 15,0 0 27-15,0 0-10 16,0 0-36-16,0 0 21 15,-85-81 0-15,73 81-19 16,-9 0-18-16,-10 30-11 16,-11 16 0-16,-1 12 4 0,6 7-4 15,12 2-1 1,14-8 0-16,11-6-16 0,0-14-28 16,13-11-3-16,8-11 1 15,3-12 26-15,6-5-14 16,3-5 35-16,1-22 24 15,3-10 0-15,0-6-17 16,-4-2 18-16,-3-2-18 16,-7 0 29-16,-4 14-15 15,-10 10 17-15,-4 13 9 16,-3 10 20-16,-2 20-63 16,0 25-4-16,-10 24 0 15,-8 12 22-15,-4 3-19 0,2-6-3 16,5-7 0-1,4-11-8-15,6-9-14 0,3-7-44 16,2-7-43-16,0-12-43 16</inkml:trace>
+  <inkml:trace contextRef="#ctx0" brushRef="#br0" timeOffset="31912.62">16296 5218 31 0,'0'0'44'0,"0"0"-37"16,0 0 29-16,0 0 10 15,0 0 27-15,0 0-10 16,0 0-36-16,0 0 21 15,-85-81 0-15,73 81-19 16,-9 0-18-16,-10 30-11 16,-11 16 0-16,-1 12 4 0,6 7-4 15,12 2-1 1,14-8 0-16,11-6-16 0,0-14-28 16,13-11-3-16,8-11 1 15,3-12 26-15,6-5-14 16,3-5 35-16,1-22 24 15,3-10 0-15,0-6-17 16,-4-2 18-16,-3-2-18 16,-7 0 29-16,-4 14-15 15,-10 10 17-15,-4 13 9 16,-3 10 20-16,-2 20-63 16,0 25-4-16,-10 24 0 15,-8 12 22-15,-4 3-19 0,2-6-3 16,5-7 0-1,4-11-8-15,6-9-14 0,3-7-44 16,2-7-43-16,0-12-43 16</inkml:trace>
   <inkml:trace contextRef="#ctx0" brushRef="#br0" timeOffset="32321.72">16499 5428 41 0,'0'0'119'0,"0"0"10"16,12-81-49-1,-12 77 34-15,0 4-69 0,0 0-45 16,0 19-26-16,0 9 26 16,0 5 24-16,-2 0-21 15,1-1 9-15,1-9-11 16,0-6-1-16,0-5 7 15,0-8-7-15,1-3-4 16,10-1 1-16,7-1-1 16,9-20 4-16,4-10-2 15,2-9-8-15,0 3 2 16,-5 0 3-16,-9 12 5 16,-7 15 13-16,-9 6-3 0,-3 4 21 15,0 0-31 1,0 3-18-16,0 14 18 0,0 9-1 15,0 4 2-15,0 2 8 16,0 0-5-16,3 2-8 16,5-5 2-16,5-3-55 15,2-5-29-15,6-7-50 16,6-7-54-16</inkml:trace>
   <inkml:trace contextRef="#ctx0" brushRef="#br0" timeOffset="32502">17057 5348 84 0,'0'0'77'0,"0"0"9"16,0 0-18-16,0 0-40 16,0 0-20-16,0 0-8 15,-5-20-5-15,-3 20-10 16,-1 0-1-16,-2 0-168 15</inkml:trace>
   <inkml:trace contextRef="#ctx0" brushRef="#br0" timeOffset="32898.92">16928 5507 11 0,'0'0'90'0,"0"0"23"16,0 0-42-16,0 0-37 15,0 0-6-15,88-49-10 16,-63 26-5-16,0-3 6 15,-4-1-18-15,-3-5 8 16,-5 0 14-16,-4-4-16 16,-4 3 29-16,-4 5-7 0,-1 11-2 15,0 8 26-15,0 9-22 16,0 0-24-16,-3 28-7 16,-7 9 0-16,-7 12 1 15,4 1 1-15,5-4-2 16,4-1 0-16,1-4-5 15,3-11-52-15,0-9-68 16,10-13-166-16</inkml:trace>
@@ -1419,12 +1422,12 @@
   <inkml:trace contextRef="#ctx0" brushRef="#br0" timeOffset="33470.58">17642 5352 28 0,'0'0'140'16,"0"0"-67"-16,0 0 9 15,0 0-21-15,30 95-44 16,-27-71-2-16,3-6-12 15,3-4-2-15,5-12 1 16,2-2 3-16,4 0 10 16,4-6 6-16,1-12-15 15,1-1-3-15,-1 5-3 16,-2 4 4-16,-7 8-15 16,-9 2 11-16,-5 12-7 15,-2 18 7-15,-9 13 33 0,-17 11-4 16,-8 7 10-16,-6 3-25 15,-2 6 23-15,0 1-34 16,-1 2-3-16,1 1 3 16,3-9-3-16,6-9-55 15,11-17 25-15,9-15 15 16,7-10 12-16,3-7-37 16,0-7-113-16,0-2-162 15</inkml:trace>
   <inkml:trace contextRef="#ctx0" brushRef="#br0" timeOffset="34059.44">18703 5057 32 0,'0'0'194'0,"0"0"-119"0,0 0-39 16,0 0 19-16,0 0-21 16,80 51 9-16,-80-31-11 15,0 5 3-15,0 6 10 16,-13 9-20-16,-11 9-2 15,-9 3 8-15,-4 8-28 16,1-3 5-16,8 0-8 16,6-6-1-16,6 2 1 15,6-10-159-15,2-8-213 16</inkml:trace>
   <inkml:trace contextRef="#ctx0" brushRef="#br0" timeOffset="34239.92">18422 5942 160 0,'0'0'125'16,"0"0"-77"-16,0 0 3 16,0 0 44-16,-9 85-28 15,9-78-6-15,0 0-20 16,0 1-34-16,0-4 0 16,6 0-7-16,6-4-83 15,6 0-61-15,6-14-216 16</inkml:trace>
-  <inkml:trace contextRef="#ctx0" brushRef="#br0" timeOffset="38676.69">20226 5809 6 0,'0'0'226'16,"18"-84"-133"-16,-17 37-54 15,-1-1-9-15,0-3-2 16,-10-1-22-16,-14-3 5 0,-7-1-3 16,-5-1 14-16,-5-2-12 15,-11-5-10-15,-13 1 3 16,-16-11-7-16,-16-5-27 15,-18-2 31-15,-25-6 0 16,-31-1 19-16,-34 0-39 16,-31 4 17-16,-14 2 3 15,-19 1 23-15,-10 12-23 16,-11 12 0-16,-6 18-3 16,-2 21 22-16,6 18-18 15,4 11-1-15,1 34 0 16,14 21 12-16,13 23-11 15,17 21 6-15,19 18 4 16,18 14-7-16,30 18 4 16,42 11 1-16,47 17-6 0,54 4-3 15,33 0-6-15,66-3-1 16,49 0 7-16,48-4 0 16,42-11 7-16,37-10-7 15,37-17 0-15,30-22 0 16,31-21-20-16,24-22 13 15,12-24-7-15,-3-22 14 16,-14-14 9-16,-23-19-9 16,-29-3-25-16,-28-23 6 15,-28-26 19-15,-27-22 17 16,-30-19-10-16,-22-20-1 16,-29-14 11-16,-30-18-12 0,-20 0-5 15,-27-7 0-15,-23-8 0 16,-21-4 0-16,-22-7-1 15,-15 7 1-15,-43 8-1 16,-36 10-62-16,-33 9-48 16,-34 17-14-16,-34 13-63 15</inkml:trace>
+  <inkml:trace contextRef="#ctx0" brushRef="#br0" timeOffset="38676.68">20226 5809 6 0,'0'0'226'16,"18"-84"-133"-16,-17 37-54 15,-1-1-9-15,0-3-2 16,-10-1-22-16,-14-3 5 0,-7-1-3 16,-5-1 14-16,-5-2-12 15,-11-5-10-15,-13 1 3 16,-16-11-7-16,-16-5-27 15,-18-2 31-15,-25-6 0 16,-31-1 19-16,-34 0-39 16,-31 4 17-16,-14 2 3 15,-19 1 23-15,-10 12-23 16,-11 12 0-16,-6 18-3 16,-2 21 22-16,6 18-18 15,4 11-1-15,1 34 0 16,14 21 12-16,13 23-11 15,17 21 6-15,19 18 4 16,18 14-7-16,30 18 4 16,42 11 1-16,47 17-6 0,54 4-3 15,33 0-6-15,66-3-1 16,49 0 7-16,48-4 0 16,42-11 7-16,37-10-7 15,37-17 0-15,30-22 0 16,31-21-20-16,24-22 13 15,12-24-7-15,-3-22 14 16,-14-14 9-16,-23-19-9 16,-29-3-25-16,-28-23 6 15,-28-26 19-15,-27-22 17 16,-30-19-10-16,-22-20-1 16,-29-14 11-16,-30-18-12 0,-20 0-5 15,-27-7 0-15,-23-8 0 16,-21-4 0-16,-22-7-1 15,-15 7 1-15,-43 8-1 16,-36 10-62-16,-33 9-48 16,-34 17-14-16,-34 13-63 15</inkml:trace>
   <inkml:trace contextRef="#ctx0" brushRef="#br0" timeOffset="39839.86">17127 5535 26 0,'0'0'92'15,"0"0"-51"-15,0 0-14 16,0 0 16-16,0 0-3 15,0 0-32-15,24-26 21 16,-20 15-21-16,2-3 5 16,-1 0 10-16,2-6-23 15,-1 5 27-15,2-4-25 16,-1-5-2-16,2-2 4 0,-1-2-4 16,-4-3 0-1,-2 1-4-15,-2 2 17 16,0 8-10-16,0 8 26 0,0 6 1 15,-14 6-3-15,-8 0-17 16,-11 20-1-16,-3 6 6 16,3-1-15-16,8 7-1 15,7-3-31-15,8 0-14 16,3 1-18-16,7-3-57 16,0-4-79-16</inkml:trace>
   <inkml:trace contextRef="#ctx0" brushRef="#br0" timeOffset="40430.78">17298 5332 14 0,'0'0'134'0,"0"0"-134"16,0 0 5-16,0 0 5 15,0 0 15-15,0 0-1 16,2 78 9-16,-1-56-14 15,-1 7-6-15,0 3 6 16,-3 9-15-16,-13 7 20 0,-2-1-14 16,-3-3-7-16,2-7 3 15,4-9-5-15,5-13-1 16,4-8 3-16,4-4 0 16,1-3 5-16,1 0 64 15,0-4 30-15,0-23-58 16,6-7-41-16,16-9 5 15,9-5-2-15,5-1-2 16,4-2-4-16,1 2-1 16,-1 0-43-16,2 5-41 15,-4 3-103-15</inkml:trace>
   <inkml:trace contextRef="#ctx0" brushRef="#br0" timeOffset="46749.56">4678 10258 14 0,'0'0'61'16,"-80"-42"-8"-16,29 19-15 16,-12-2 29-16,-11-6-25 15,-11 0-17-15,-2 1 19 16,-7 7-31-16,-4 8 4 15,-13 13-7-15,-14 2-9 16,-18 12 11-16,-6 21-12 16,-5 9 4-16,9 9 15 15,14 4-10-15,17 6 10 0,18 10-14 16,21 15 7-16,20 13-14 16,16 13 2-16,18 3 0 15,21-3-5-15,12-5-4 16,31-11 9-16,17-8 0 15,9 1 1-15,11-8 2 16,8-12-3-16,12-12-18 16,6-20 12-16,9-13-25 15,-2-11 28-15,-2-13-24 16,1-3-23-16,-11-31 50 16,-1-11 3-16,-12-5-3 15,-6-6 11-15,-6 1-5 0,-12 0 1 16,-6 1 17-1,-11-3-10-15,-10-5 1 0,-10-6-15 16,-9-8 0-16,-9-2 22 16,-6-4-18-16,-3 2-2 15,0-1-2-15,0 6 9 16,-8 6-9-16,-11 8 0 16,-2 14-26-16,-6 8 14 15,-4 10-4-15,-2 7-14 16,-10 1-61-16,-5 5-87 15</inkml:trace>
   <inkml:trace contextRef="#ctx0" brushRef="#br0" timeOffset="92641.58">24660 1665 79 0,'0'0'60'16,"0"0"-26"-16,0 0 0 15,0 0 10-15,0 0-20 16,0 0-4-16,0 0-20 0,0 0-13 16,-12 33 12-1,-2 7 1-15,-5 13 5 0,1 0 22 16,-4 2-15-16,0-3-1 15,3-2 0-15,2-7 4 16,6-5-9-16,1-7 1 16,4-9-5-16,3-9 5 15,1-6-7-15,1-6 1 16,1-1 15-16,0 0 43 16,0-11 22-16,0-21-19 15,0-16-50-15,12-14-24 16,10-13 15-16,5-5-6 15,4-10 3-15,1 2-22 16,-3 7 6-16,1 6 2 16,-3 23-12-16,-2 16 15 0,-5 25 4 15,-1 12 3-15,-4 38-13 16,-1 18 17-16,-7 14-1 16,-5 6 2-16,-2 0 4 15,0-5 6-15,0-13-11 16,0-11 6-16,3-14-7 15,0-11 8-15,-2-13-7 16,-1-6 0-16,0-4 0 16,0 0 45-16,0-6 38 15,-4-15-7-15,-16-9-70 16,-5-1-6-16,-10 0-6 16,-6 8 4-16,-4 8-24 0,-1 4-26 15,9 7 16-15,10 4 8 16,13 0-22-16,7 0-41 15,7 0-44-15,0 0-96 16</inkml:trace>
-  <inkml:trace contextRef="#ctx0" brushRef="#br0" timeOffset="92906.94">25122 1378 275 0,'0'0'33'0,"0"0"-9"15,0 0 29-15,-30 87 24 16,14-27-10-16,1 9-13 16,2 4-22-16,5 4-22 15,2-7-3-15,5-6-2 16,1-9-3-16,0-8-4 15,6-8-50-15,13-8-73 16,2-10 31-16,2-16-140 16</inkml:trace>
+  <inkml:trace contextRef="#ctx0" brushRef="#br0" timeOffset="92906.93">25122 1378 275 0,'0'0'33'0,"0"0"-9"15,0 0 29-15,-30 87 24 16,14-27-10-16,1 9-13 16,2 4-22-16,5 4-22 15,2-7-3-15,5-6-2 16,1-9-3-16,0-8-4 15,6-8-50-15,13-8-73 16,2-10 31-16,2-16-140 16</inkml:trace>
   <inkml:trace contextRef="#ctx0" brushRef="#br0" timeOffset="93311.85">25367 1680 314 0,'0'0'100'16,"0"0"-77"-16,-100 83 27 16,67-38 7-16,9-3-16 15,5-1-23-15,7-4-12 16,5-5-6-16,7-7 0 16,0-8 0-16,0-10-36 15,11-7-16-15,6 0 5 16,2-15 47-16,4-9 17 15,-7 2-6-15,-3 7 1 16,-7 9 29-16,-1 6-22 16,-2 7-19-16,3 23 0 0,0 13 0 15,0 14 25-15,-5 9 14 16,-1 8-13-16,-5 12-4 16,-15 8 6-16,-10 4 2 15,-3-9-26-15,-3-16 5 16,-5-17-6-16,2-16-3 15,2-17 27-15,8-15-12 16,10-8 2-16,10 0 2 16,7-14-19-16,2-10-66 15,16-10-114-15,16-8-177 16</inkml:trace>
   <inkml:trace contextRef="#ctx0" brushRef="#br0" timeOffset="93628.55">25588 1953 492 0,'0'0'140'15,"0"0"-109"-15,0 0-30 16,0 0 1-16,-35 106 28 16,24-55-18-16,5 1-9 15,6-7-2-15,0-10-1 16,0-11-1-16,6-14 1 15,2-6-2-15,3-4 2 16,10-14 12-16,6-17 5 0,0-9-3 16,0-7-10-1,-13-2 18-15,-9-2 14 0,-5 2-36 16,-8 6 3-16,-19 7-7 16,-14 12-20-16,-4 10-21 15,0 9-77-15,1 5-21 16,9 0-25-16,8 0-114 15</inkml:trace>
   <inkml:trace contextRef="#ctx0" brushRef="#br0" timeOffset="93880.97">26419 1419 433 0,'0'0'29'15,"-25"141"60"-15,5-55-47 16,4 3-10-16,4 2 24 16,9-1-25-16,3-4-17 15,10-5-7-15,18-4-7 16,19-10-44-16,16-11-98 15,17-21-255-15</inkml:trace>
@@ -1432,7 +1435,7 @@
   <inkml:trace contextRef="#ctx0" brushRef="#br0" timeOffset="94960.62">28981 1648 396 0,'0'0'76'0,"0"0"-73"16,-105 48 15-16,75-24 29 16,9-3 0-16,11 0-37 0,7 0-5 15,3 2-6-15,0 1 1 16,3-2 0-16,4 3 10 15,-4-1-3-15,-3-6-7 16,0-1 6-16,0-2-5 16,-4-1 6-16,-12 2-1 15,0 1-1-15,-3-2 3 16,1 2-8-16,-1-1-37 16,1-3-115-16</inkml:trace>
   <inkml:trace contextRef="#ctx0" brushRef="#br0" timeOffset="95696.51">30503 1657 345 0,'0'0'72'0,"0"0"-20"15,-87 115-10-15,55-78 1 16,4-2-11-16,4-5-24 16,7-10 0-16,6-9-8 15,8-7 0-15,3-4 12 16,0 0 23-16,0-10 56 15,0-29 3-15,15-15-92 16,10-18-1-16,8-10-1 16,6-3-20-16,3 1 20 0,-2-3-44 15,1 4 13-15,-3 11-14 16,-5 18 25-16,-14 22 7 16,-7 21 13-16,-9 11 0 15,-3 3 0-15,0 41-32 16,0 25 20-16,0 21 9 15,-9 5 6-15,-1-6-7 16,4-10 5-16,4-10-1 16,2-12 6-16,0-13-6 15,2-15 1-15,5-13-1 16,0-11-1-16,-4-4-4 16,4-1 10-16,0-8 34 0,-1-15 61 15,1-11-76-15,-7 0 11 16,0-3-1-16,-14-1-34 15,-12 1 0-15,-3 5-2 16,-6 8-1-16,2 9 1 16,0 12-50-16,4 3-18 15,5 14-49-15,13 19-58 16,11 8-146-16</inkml:trace>
   <inkml:trace contextRef="#ctx0" brushRef="#br0" timeOffset="95969.24">31044 1627 300 0,'0'0'49'16,"0"0"9"-16,0 0-37 15,0 0 25-15,0 0-28 16,-93-50-18-16,65 50-49 0,-2 9-113 16,10-3-119-16</inkml:trace>
-  <inkml:trace contextRef="#ctx0" brushRef="#br0" timeOffset="96230.91">31119 1102 206 0,'0'0'115'16,"0"0"-27"-16,0 0-71 15,-47 94 32-15,16-12 41 16,-2 10-46-16,6 3-17 16,7-8-13-16,6-6-2 0,6-11-2 15,3-13-9-15,3-8-1 16,2-10 0-16,0-6-52 16,3-7-45-16,12-12-80 15,4-5-170-15</inkml:trace>
+  <inkml:trace contextRef="#ctx0" brushRef="#br0" timeOffset="96230.9">31119 1102 206 0,'0'0'115'16,"0"0"-27"-16,0 0-71 15,-47 94 32-15,16-12 41 16,-2 10-46-16,6 3-17 16,7-8-13-16,6-6-2 0,6-11-2 15,3-13-9-15,3-8-1 16,2-10 0-16,0-6-52 16,3-7-45-16,12-12-80 15,4-5-170-15</inkml:trace>
   <inkml:trace contextRef="#ctx0" brushRef="#br0" timeOffset="96656.85">31187 1649 430 0,'0'0'91'15,"0"0"-76"-15,-86 49-6 16,60-16 20-16,9-2 5 15,9-1-20-15,3-2-9 16,5-6-5-16,0-4-3 16,3-13-42-16,15-5-6 15,5 0 35-15,4-17 16 16,1-10 12-16,-1-2 6 16,-8 9-16-16,-7 6 5 15,-7 9-7-15,-5 5-10 16,0 28-11-16,-9 17 15 15,-12 17 6-15,-6 7 32 16,0 0-9-16,-5 1-13 0,-1 9-2 16,-5 5-5-16,1 5 0 15,-1 7-1-15,2-13-1 16,5-15 7-16,6-22-8 16,7-23 0-16,9-16 3 15,6-7-2-15,0 0 25 16,1-13 65-16,2-22-39 15,0-19-52-15,7-12-82 16,24-6-10-16,12-4-55 16</inkml:trace>
   <inkml:trace contextRef="#ctx0" brushRef="#br0" timeOffset="96958">31538 1755 483 0,'0'0'32'16,"0"0"-18"-16,-82 73 13 15,52-37 9-15,4 3-15 16,6 4-17-16,9-8 0 16,8-4-4-16,3-10-13 15,17-6 5-15,11-9-12 16,5-6 5-16,4 0-2 15,2-18-4-15,-2-9 21 16,-7-6 21-16,-12-5-1 16,-12-1-3-16,-6-6-9 15,-9 3-4-15,-24 3-4 0,-10 10-73 16,-6 10-45-16,2 11-126 16</inkml:trace>
   <inkml:trace contextRef="#ctx0" brushRef="#br0" timeOffset="97330.1">32251 1528 447 0,'0'0'59'0,"0"0"-44"16,0 0 3-16,0 0 22 16,80 19-9-16,-77 1-12 15,-3 12-11-15,0 7 22 16,-19 6-3-16,-8 5 23 15,-4-2-7-15,0-1-28 16,2-1-1-16,8-6-6 0,8-1-7 16,13-1-1-16,3-3-3 15,32-2-42-15,17-5-43 16,7-9-73-16,-2-10-235 16</inkml:trace>
@@ -1453,7 +1456,7 @@
   <inkml:trace contextRef="#ctx0" brushRef="#br0" timeOffset="132740.78">24592 5550 395 0,'0'0'28'0,"0"0"-25"16,0 0-3-16,0 0 2 16,5 97-1-16,3-69 2 0,4-4-3 15,2-7 0-15,3-6 5 16,-1-6-5-16,1-5 0 15,1-6 0-15,-1-21 55 16,0-8-19-16,-2-3-10 16,-6-2 8-16,-9 2 27 15,0 5-24-15,-11-1-29 16,-14 11-8-16,-3 3 1 16,-1 13-6-16,6 7-14 15,6 0-48-15,5 13-62 16,11 4-115-16</inkml:trace>
   <inkml:trace contextRef="#ctx0" brushRef="#br0" timeOffset="132996.01">25046 5504 245 0,'0'0'11'0,"0"0"25"15,0 0-29-15,23 81 30 16,-6-75 27-16,3-6-19 16,5-3 1-16,4-23 19 15,-3-6-3-15,-3-7-9 16,-10-3-18-16,-8 2-5 0,-5 6-29 16,0 7-1-1,-15 8-12-15,-11 10-55 0,-2 6-45 16,0 3-69-16</inkml:trace>
   <inkml:trace contextRef="#ctx0" brushRef="#br0" timeOffset="133541.78">25801 5035 184 0,'0'0'109'0,"0"0"-97"15,0 0 19-15,0 0 37 16,105-44 1-16,-66 26-37 16,7-2-17-16,-3-6-4 15,-3-1 0-15,-9 1 21 16,-12 0-7-16,-8 2-14 16,-11 0-3-16,0-1 12 15,-22 7-20-15,-9 3-10 16,-2 10-11-16,1 5 3 15,10 0 17-15,6 0-12 16,5 1-43-16,5 10 4 0,3-1-63 16,3-2-148-16</inkml:trace>
-  <inkml:trace contextRef="#ctx0" brushRef="#br0" timeOffset="135080.85">28673 3148 49 0,'0'0'101'15,"0"0"-101"-15,0 0 4 0,0 0 4 16,-12 86 29-16,7-54-18 16,-2-4-5-16,4-3-3 15,3-1-11-15,0-3 5 16,0-3-5-16,0-9-141 16</inkml:trace>
+  <inkml:trace contextRef="#ctx0" brushRef="#br0" timeOffset="135080.84">28673 3148 49 0,'0'0'101'15,"0"0"-101"-15,0 0 4 0,0 0 4 16,-12 86 29-16,7-54-18 16,-2-4-5-16,4-3-3 15,3-1-11-15,0-3 5 16,0-3-5-16,0-9-141 16</inkml:trace>
   <inkml:trace contextRef="#ctx0" brushRef="#br0" timeOffset="135380.54">28799 3282 197 0,'0'0'27'0,"0"0"-21"15,0 0-4-15,-2 95 8 0,2-73-5 16,3-5 15-16,9-5-14 15,0-6 2-15,0-6-8 16,4 0 56-16,1-6 61 16,1-16-39-16,-1-6-40 15,-5 0-11-15,-6-2 14 16,-6 2-19-16,0 2 3 16,-9-1-25-16,-13 5-8 15,-5 6 3-15,-3 10-42 16,-2 6-34-16,-1 8-67 15,3 14-119-15</inkml:trace>
   <inkml:trace contextRef="#ctx0" brushRef="#br0" timeOffset="136198.12">28494 4486 64 0,'0'0'43'16,"0"0"-22"-16,0 0 11 0,-18 88 20 15,13-53 0-15,2-2-12 16,3 1-21-16,0 1-16 16,0-4 4-16,0 1-7 15,0-4-56-15,0-5-143 16</inkml:trace>
   <inkml:trace contextRef="#ctx0" brushRef="#br0" timeOffset="136505.5">28654 4658 212 0,'0'0'58'0,"0"0"-20"0,6 110-25 15,6-81-13-15,1-10 5 16,5-6-4-16,0-8 0 15,1-5-2-15,2-4-12 16,1-23 13-16,-2-2 33 16,-5-7 48-16,-8-3-34 15,-4-1 36-15,-3-1-41 16,0 5-18-16,-13 3-3 16,-3 12-20-16,-1 10 2 15,1 8-3-15,-2 3-12 16,1 7-45-16,3 11-65 15,6-1-132-15</inkml:trace>
@@ -1461,17 +1464,17 @@
   <inkml:trace contextRef="#ctx0" brushRef="#br0" timeOffset="137052.87">29282 4700 242 0,'0'0'86'0,"0"0"-32"16,0 0-26-16,66 92 21 15,-41-74 6-15,-1-4-13 16,0-3-18-16,-2-9-17 16,2-2 63-16,3-17-6 15,1-16-38-15,-4-5-10 16,-5-6-6-16,-11-2 11 15,-8 1-11-15,0 5-10 16,-21 15-23-16,-24 17-24 16,-13 8-30-16,-9 15-18 15,0 11-67-15</inkml:trace>
   <inkml:trace contextRef="#ctx0" brushRef="#br0" timeOffset="137614.49">29328 3388 283 0,'0'0'118'16,"0"0"-110"-16,0 0-3 16,109 7-9-16,-46-4 4 15,5-1-15-15,1 7-36 16,-12-4-155-16</inkml:trace>
   <inkml:trace contextRef="#ctx0" brushRef="#br0" timeOffset="138253.15">29792 4687 304 0,'0'0'98'15,"0"0"-98"-15,137 12-57 0,-69-9-34 16,-3-2 44-16,-4-1-24 15</inkml:trace>
-  <inkml:trace contextRef="#ctx0" brushRef="#br0" timeOffset="138537.82">30091 4559 232 0,'0'0'56'16,"0"0"-48"-16,0 0 11 16,0 0 44-16,89 18-4 15,-67-1-33-15,-4 3-17 16,-6 5-8-16,-10 6 1 15,-2 9 8-15,-23 2-10 16,-17 3-6-16,-8-4-150 16,-4-8-154-16</inkml:trace>
+  <inkml:trace contextRef="#ctx0" brushRef="#br0" timeOffset="138537.81">30091 4559 232 0,'0'0'56'16,"0"0"-48"-16,0 0 11 16,0 0 44-16,89 18-4 15,-67-1-33-15,-4 3-17 16,-6 5-8-16,-10 6 1 15,-2 9 8-15,-23 2-10 16,-17 3-6-16,-8-4-150 16,-4-8-154-16</inkml:trace>
   <inkml:trace contextRef="#ctx0" brushRef="#br0" timeOffset="-149695.04">1338 8422 155 0,'0'0'81'16,"0"0"8"-16,0 0-33 15,0 0-36-15,0 0-5 16,0 0 1-16,97-80 5 16,-27 51 7-16,19-5-23 15,31-6 16-15,26-3-20 16,36-6 2-16,30-1 2 16,19-5-5-16,-4-3-2 0,-11 3-20 15,-28 3-15 1,-34 5-17-16,-29 9 6 0,-47 11 3 15,-44 10 35-15,-34 11-26 16,-36 0-40-16,-28 6 13 16,-16 0 51-16,-7 0 12 15,-2 6 20-15,5 3 16 16,2 1 17-16,16 3-10 16,11-1-24-16,16-1 1 15,14-2-14-15,16-2-3 16,9-1-3-16,0 2-17 15,6 8 17-15,6 2 0 16,3 4 13-16,-8 2-13 0,-4 4-20 16,-3 1-36-1,-4 3-46-15</inkml:trace>
   <inkml:trace contextRef="#ctx0" brushRef="#br0" timeOffset="-148774.12">1399 14980 111 0,'0'0'15'16,"0"0"-11"-16,0 0-4 0,0 0 0 15,0 0 17-15,142-7 65 16,-60-30-11-16,22-11-29 16,26-8-32-16,24-6 4 15,20-4-9-15,7-5-5 16,-4 1-3-16,-17 0-71 16,-21 7 53-16,-29 10 21 15,-37 18 10-15,-37 18 1 16,-36 17-11-16,-34 13-11 15,-44 24 11-15,-29 8 10 16,-20 3 23-16,-1 0 20 16,8-5-15-16,25-6-1 15,26-1-10-15,23-5-27 0,23 1 2 16,15-1-2-16,8-3-80 16,13-9-24-16,20-14-70 15</inkml:trace>
   <inkml:trace contextRef="#ctx0" brushRef="#br0" timeOffset="-147491.9">826 11970 324 0,'0'0'14'0,"112"0"-2"15,-14-3 0-15,19-17-12 16,14-12 7-16,8-7-7 16,1-12 15-16,2-6-15 15,-11 4 14-15,-20 7-12 16,-31 14-4-16,-35 17-46 0,-40 11-171 15</inkml:trace>
-  <inkml:trace contextRef="#ctx0" brushRef="#br0" timeOffset="-147265.77">789 12134 132 0,'-93'28'132'15,"25"-3"-54"-15,32-5-52 16,33-6-26-16,14-7-18 15,44-7 18-15,31 0 59 16,29-21 20-16,24-11-43 16,13-9-31-16,6-6 11 15,-12-6-12-15,-13-5-4 16,-15 0 5-16,-15 1-5 0,-24 8 0 16,-21 8-49-16,-25 2-111 15,-24 1-104-15</inkml:trace>
+  <inkml:trace contextRef="#ctx0" brushRef="#br0" timeOffset="-147265.78">789 12134 132 0,'-93'28'132'15,"25"-3"-54"-15,32-5-52 16,33-6-26-16,14-7-18 15,44-7 18-15,31 0 59 16,29-21 20-16,24-11-43 16,13-9-31-16,6-6 11 15,-12-6-12-15,-13-5-4 16,-15 0 5-16,-15 1-5 0,-24 8 0 16,-21 8-49-16,-25 2-111 15,-24 1-104-15</inkml:trace>
   <inkml:trace contextRef="#ctx0" brushRef="#br0" timeOffset="-147033.92">1557 11356 39 0,'0'0'72'0,"0"0"20"16,0 0-15-16,0 0-71 16,0 0 6-16,0 0 13 15,69 78 46-15,-13-32-17 0,4 0-34 16,1-3 1-1,-10 3-19-15,-12 4 2 0,-20 8-8 16,-17 10 2-16,-7 7 2 16,-34 1 10-16,-10 0-7 15,-9-7 3-15,9-12-6 16,10-8-6-16,15-8-81 16,6-9-89-16</inkml:trace>
-  <inkml:trace contextRef="#ctx0" brushRef="#br0" timeOffset="-146260.73">826 10605 156 0,'0'0'32'0,"0"0"12"0,0 0-12 15,0 0-30-15,-91 3 6 16,72 27-7-16,5 8 3 15,-2 7-4-15,4 3 1 16,6 3 0-16,-1-7 7 16,4-6-4-16,3-12-3 15,0-10-1-15,0-9-2 16,10-7-8-16,8 0-6 16,7-11 16-16,4-15 28 15,-1-6-26-15,-3-1 22 0,-5 4-14 16,-7 12 31-1,-2 10 10-15,-5 7-34 0,-3 10-17 16,1 23-10-16,-4 10 10 16,0 11 12-16,-6-1-1 15,-4-1-8-15,-1-3 5 16,8-10-6-16,0-6-2 16,3-9-3-16,0-12-74 15,6-7-23-15,17-5-24 16</inkml:trace>
+  <inkml:trace contextRef="#ctx0" brushRef="#br0" timeOffset="-146260.74">826 10605 156 0,'0'0'32'0,"0"0"12"0,0 0-12 15,0 0-30-15,-91 3 6 16,72 27-7-16,5 8 3 15,-2 7-4-15,4 3 1 16,6 3 0-16,-1-7 7 16,4-6-4-16,3-12-3 15,0-10-1-15,0-9-2 16,10-7-8-16,8 0-6 16,7-11 16-16,4-15 28 15,-1-6-26-15,-3-1 22 0,-5 4-14 16,-7 12 31-1,-2 10 10-15,-5 7-34 0,-3 10-17 16,1 23-10-16,-4 10 10 16,0 11 12-16,-6-1-1 15,-4-1-8-15,-1-3 5 16,8-10-6-16,0-6-2 16,3-9-3-16,0-12-74 15,6-7-23-15,17-5-24 16</inkml:trace>
   <inkml:trace contextRef="#ctx0" brushRef="#br0" timeOffset="-145938.91">1257 10511 197 0,'0'0'80'0,"0"0"-70"15,0 0 31-15,0 0-30 16,-107 114 5-16,74-63 0 15,5-7-16-15,11-7 13 16,6-8-12-16,6-7-1 16,5-8 0-16,0-10-7 15,0-4-19-15,3 0-2 16,16-6 28-16,5-11 7 16,6 0 4-16,-6 9-8 15,-9 8-3-15,-6 0-6 16,-6 13-2-16,-3 10 2 15,0 9 2-15,-14 0 4 0,-5 0 5 16,4-3-5-16,7-4-9 16,3-2-27-16,5-5-70 15,0-5-60-15</inkml:trace>
   <inkml:trace contextRef="#ctx0" brushRef="#br0" timeOffset="-145714.48">1541 10628 239 0,'0'0'163'0,"0"0"-145"0,0 0-8 16,-88 92-10-16,49-50 12 16,9 0 7-16,6 0-19 15,9-6 5-15,2 2-3 16,10-5-2-16,0-7 0 15,3-4-51-15,0-15-38 16,0-7-58-16,0-3-34 16</inkml:trace>
   <inkml:trace contextRef="#ctx0" brushRef="#br0" timeOffset="-145517.68">1375 10405 76 0,'0'0'119'16,"0"0"13"-1,0 0-103-15,0 0 16 0,0 0-30 16,0 0-15-16,-40-9 12 16,40 9-6-16,0 0 0 15,0 0 9-15,0 0-15 16,0 2 0-16,0 3-1 16,3 9-1-16,6 9-63 15,-5 9-198-15</inkml:trace>
-  <inkml:trace contextRef="#ctx0" brushRef="#br0" timeOffset="-145270.64">1687 11019 179 0,'0'0'96'16,"0"0"-66"-16,0 0-20 15,-82-21 13-15,68 15 37 16,4 1 16-16,7-1-37 16,3 0-28-16,0-1 0 15,0-1-11-15,0-3 0 16,6 1-9-16,4-1-19 16,1-1-21-16,8 1-69 15,1 2-53-15</inkml:trace>
+  <inkml:trace contextRef="#ctx0" brushRef="#br0" timeOffset="-145270.65">1687 11019 179 0,'0'0'96'16,"0"0"-66"-16,0 0-20 15,-82-21 13-15,68 15 37 16,4 1 16-16,7-1-37 16,3 0-28-16,0-1 0 15,0-1-11-15,0-3 0 16,6 1-9-16,4-1-19 16,1-1-21-16,8 1-69 15,1 2-53-15</inkml:trace>
   <inkml:trace contextRef="#ctx0" brushRef="#br0" timeOffset="-144843.8">1814 9625 76 0,'-167'-70'36'0,"-29"14"-13"16,-26 22-19-16,-12 19 5 16,-11 20 23-16,6 56 36 15,27 55-29-15,53 64 11 0,62 61 7 16,61 43-9-16,30 18-28 16,6-10-13-16,0-19 7 15,0-33-14-15,0-35 0 16,24-42-1-16,67-53-27 15,61-49-11-15,54-46-31 16,24-27 70-16,-3-56 17 16,-8-35-11-16,-1-33 8 15,-5-24-6-15,-13-17-2 16,-18-13-12-16,-19-1 5 16,-22-12-5-16,-24-6 1 15,-19-9 4-15,-32 15 1 0,-35 15 2 16,-31 30 6-1,-61 18-16-15,-57 23 4 0,-45 28-43 16,-35 32-115-16</inkml:trace>
   <inkml:trace contextRef="#ctx0" brushRef="#br0" timeOffset="-140561.84">9405 11280 197 0,'0'0'99'0,"0"0"-27"0,0 0-21 16,0 0 17-16,0 0-24 15,0 0 6-15,-73-34-30 16,107 34-19-16,27 0 11 15,30 9-11-15,27 8 4 16,16 4-5-16,11 3-3 16,1-7-32-16,-7-5-21 15,-18-10 8-15,-24-2 11 16,-30 0-25-16,-28 0 42 16,-29 0 13-16,-13 0 4 15,-44 0 3-15,-39 6 0 16,-36 8 1-16,-27 1 1 0,-18-2-2 15,10-5 0-15,11-1 10 16,9-1 3-16,13 5 27 16,22 2-19-16,28 0 17 15,35 1 12-15,36 4-23 16,21 5-26-16,47-2 10 16,42-4-4-16,40-9 8 15,34-8-15-15,14-7 0 16,2-15-6-16,-19-8 16 15,-26 6-16-15,-27-1 6 16,-24 4-47-16,-24 5 33 16,-28-1 12-16,-24 11-43 0,-19 6-58 15,-6 4-164-15</inkml:trace>
   <inkml:trace contextRef="#ctx0" brushRef="#br0" timeOffset="-135636.79">16436 10437 3 0,'0'0'34'0,"0"0"1"0,0 0-22 16,0 0 11-16,0 0-14 15,0 0 10-15,0 0-4 16,-4-26-3-16,0 23 12 15,2-1-19-15,0 1-5 16,1 2 13-16,1-1-14 16,0 1 6-16,-2 0-3 15,1-5-1-15,-2 4 1 16,0-2-3-16,-2 1 0 16,-1-2-2-16,-4 2 0 15,0 0 2-15,-3 1 0 0,0 1 2 16,3 0-3-16,2 1 1 15,1 0 0-15,4 0 0 16,0 0-6-16,-2 0 5 16,1 10 0-16,-2 2 1 15,-3 3 3-15,3 5-1 16,-3 3 8-16,1 14 9 16,0 9-3-16,-1 10 17 15,3 3-12-15,3 1-10 16,1-3 6-16,2-8-14 15,0-5-2-15,11-6 8 16,2-7-6-16,1-5 2 0,-4-7-1 16,2-3-4-16,-5-4 5 15,2-6-2-15,-1-1-2 16,-2-4 6-16,-3-1-7 16,1 0-5-16,4 0-1 15,2 0-22-15,2-1-68 16</inkml:trace>
@@ -1557,7 +1560,7 @@
   </inkml:definitions>
   <inkml:trace contextRef="#ctx0" brushRef="#br0">12723 9834 404 0,'0'0'23'16,"-51"-112"3"-16,41 60-26 15,-1 0-10-15,1-8-19 16,-2 0 29-16,-2-3-1 16,-3-4 3-16,-1-2 4 15,-3 0-3-15,-3-3 3 16,-4-4 9-16,-5-9-14 0,-3-5 2 15,-7 0-3-15,-2-5 3 16,-4-1-8-16,-2-2 3 16,0 0 2-16,2-6 0 15,-2-4 2-15,-2-2-2 16,-1-6 0-16,-2-6 1 16,0-3-7-16,-4 2 6 15,-1 0-12-15,-6 4 12 16,-9 0-13-16,-5-1 10 15,-8 3 2-15,-7-3-8 16,-5 4 9-16,-5-2 0 16,-4-5 0-16,-3 5-3 0,-6-1 6 15,-5 6-3-15,-8 9 2 16,-6-1 0-16,-2 2 3 16,-2 3-2-16,-4-1 14 15,0 3 9-15,1 4-12 16,-4 2-6-16,1 3-2 15,1 3-4-15,-1 3 0 16,3 8-2-16,-4 8 0 16,-5 7 0-16,1 5 3 15,-7 5-2-15,-7 1-1 16,-2 7-1-16,-8 5 1 16,-4 3 0-16,-2 6 2 15,1 8 1-15,-2 8-3 0,4 8 4 16,8 4 11-16,-2 0-6 15,6 18 0-15,3 7-6 16,4 5-1-16,0 6-2 16,-2 7 4-16,6 6-4 15,-2 5 0-15,8 6 1 16,6 8-3-16,-2 10 2 16,2 12 0-16,3 7 1 15,2 6-1-15,1 9 0 16,2 2-1-16,4 6 3 15,0 6-4-15,2 2 2 16,1 5 0-16,2 8-2 16,9 8 4-16,11 6-2 15,7 7 1-15,13 1 0 0,7 5-1 16,8 7 0-16,6 9-2 16,12 12-2-16,2 8 4 15,4 10 0-15,6-1 2 16,3-10 2-16,10-3 3 15,7-1-7-15,6 10 8 16,6 6 4-16,5 0-9 16,6-2 0-16,0 5 14 15,6 1-16-15,8 12 11 16,5 1-8-16,2-7-2 16,0-6 4-16,4-4-4 15,2 2 2-15,6-5-4 16,4-1 3-16,6-1 3 0,5-4-6 15,7 6 0-15,5 2 0 16,1 6 1-16,0 1 5 16,-1-12-6-16,4-7 0 15,3-9-4-15,8-4 4 16,7-2 0-16,6-6 0 16,12-12 3-16,7-11-3 15,11-5 0-15,9-2 1 16,9-2-3-16,7 1 2 15,2-10 0-15,9-4 0 16,-4-8 2-16,2-13-2 16,4-5 2-16,-1-11 2 0,7-12-8 15,11-6 3-15,9-12 1 16,11-8 0-16,4-8-6 16,1-4 6-16,3-2 8 15,0 6-5-15,-5 0-3 16,1-2 0-16,-4-7 2 15,-1-12 21-15,2-5-18 16,0-4 8-16,4-3-9 16,1-5-3-16,5-1-2 15,-4-3 1-15,2-1 0 16,-2-4 0-16,1-1 5 16,1 2-3-16,2-6-2 15,-4 0-2-15,-5-1 2 0,-5 0 1 16,-5 0-1-1,-9-1 0-15,-5-11-1 0,-4-5 1 16,-7-4 0-16,0-4 2 16,-2-11-1-16,3-4-1 15,3-9 0-15,-1-8 0 16,-1-8-2-16,-3-5 1 16,-7-6-1-16,-5-7-11 15,-11-5 12-15,-12-5 0 16,-12-4 1-16,-5-2-2 15,-10-5 2-15,-9-7 0 16,-9-4 5-16,-4-7-4 0,-8-3 5 16,-3 2-5-1,-3-1-1-15,-6 4 15 0,-2 3-11 16,-2-4-2-16,1-2-2 16,-4-4 2-16,-2-2-2 15,-6-2 0-15,-7 0 0 16,-9 5-4-16,-5-2 4 15,-7 5 0-15,0 5 0 16,-2-5 0-16,-4 2-3 16,-1-3 3-16,-5-2 0 15,0-2-1-15,0-6 3 16,0 2-2-16,-8 0 0 16,-2 0 4-16,-2 10-6 15,-3-2 3-15,-6-2-1 16,-3 1 7-16,-7-3-3 0,-5-7-4 15,-3 1 0-15,-8 0 1 16,-5-1-3-16,-7 8 2 16,-11-3 0-16,-6-1-3 15,-6-3 4-15,-7-2-1 16,-5-7 0-16,-10-4 3 16,-3 1-6-16,0-1 3 15,-4-2 0-15,4 3-4 16,-3-5-1-16,-3 0 5 15,-1-3-4-15,-6-1 4 16,1 3-4-16,-5 0-7 16,-6 9-5-16,-5 4-3 0,-10 4-35 15,-13 0-8-15,-14 5-47 16,-19 4-171-16</inkml:trace>
   <inkml:trace contextRef="#ctx0" brushRef="#br0" timeOffset="18105.43">16815 12010 11 0,'0'0'26'16,"0"0"5"-16,-124-30-6 15,72 17 7-15,-2 2-18 16,-11 4-14-16,-7 4 5 16,-20-1-5-16,-16 3-22 15,-7-3 3-15,1 0 19 16,9 3 9-16,9-2 11 0,1 3-13 16,-8 0 14-16,-4 0-14 15,-8 4-6-15,6 5 5 16,11 4-4-16,15 2-2 15,18 9 5-15,12 3-4 16,9 4 8-16,10 2-9 16,4-1 0-16,10-5 0 15,4-5 4-15,7-5-4 16,4-6 0-16,1-2 2 16,3-8-2-16,-1 1 0 15,2-2 0-15,0 0 3 16,-1 0-2-16,-2 0 6 0,-3 0-7 15,-1-6 4-15,1-4-8 16,-1-1 4-16,4-2-29 16,0 1-2-16,3-2-29 15,0-1 8-15</inkml:trace>
-  <inkml:trace contextRef="#ctx0" brushRef="#br0" timeOffset="18487.81">15007 11812 22 0,'0'0'50'16,"0"0"-47"-16,0 0-3 16,0 0 5-16,0 0 31 15,-100 98 5-15,46-52-19 16,-4 5 15-16,4-4-15 16,2-5-3-16,9-6 16 15,6-6-22-15,7-3 3 0,10-6-10 16,7-1-2-1,9-4-5-15,4-4 1 0,14-5-2 16,25-5 2-16,25-2 0 16,20 0 0-16,14-5-2 15,7-3-92-15,-5 5-45 16</inkml:trace>
+  <inkml:trace contextRef="#ctx0" brushRef="#br0" timeOffset="18487.8">15007 11812 22 0,'0'0'50'16,"0"0"-47"-16,0 0-3 16,0 0 5-16,0 0 31 15,-100 98 5-15,46-52-19 16,-4 5 15-16,4-4-15 16,2-5-3-16,9-6 16 15,6-6-22-15,7-3 3 0,10-6-10 16,7-1-2-1,9-4-5-15,4-4 1 0,14-5-2 16,25-5 2-16,25-2 0 16,20 0 0-16,14-5-2 15,7-3-92-15,-5 5-45 16</inkml:trace>
   <inkml:trace contextRef="#ctx0" brushRef="#br0" timeOffset="26693.73">14161 16082 32 0,'0'0'23'16,"0"0"39"-16,0 0-41 15,0 0-8-15,0 0 12 0,0 0 11 16,0 0-9-16,-46-30-3 16,46 28-8-16,-2 2 11 15,1 0-27-15,-5 5 5 16,-3 18-4-16,-3 11-1 15,0 8 11-15,3 6-2 16,2 9-3-16,1 6 21 16,1 6-11-16,-1-1-8 15,-3-2 5-15,-1-3-8 16,-1-6 5-16,2-6-7 16,2-3-1-16,1-2 3 15,3-7-5-15,-1-7 0 0,-1-3-1 16,5-10-17-16,0-5-48 15,0-6-62-15,12-8-86 16</inkml:trace>
   <inkml:trace contextRef="#ctx0" brushRef="#br0" timeOffset="27534.66">14776 16180 9 0,'0'0'9'0,"0"0"11"0,0 0 20 15,0 0 14-15,0 0-32 16,0 0-22-16,4-6 0 16,-4 6-1-16,0 0 1 15,0 0 3-15,0 0 2 16,0 0 1-16,0 1-5 16,0-1-1-16,0 2 5 15,0 1-3-15,0-3 3 16,0 0 3-16,0 0 2 15,0 0 4-15,0 0-9 16,0 0 1-16,0 0-1 16,0 0-4-16,0 0 1 15,0 0 0-15,0 0-2 0,0 0-7 16,-3 0 1-16,-1-8 5 16,1 1 2-16,-3-1 1 15,3 0 2-15,0 3 5 16,1 1 27-16,1 1-20 15,-1 0 4-15,2 2-6 16,0 1 1-16,0-2-14 16,0 2 9-16,0 0-7 15,0 0-3-15,0 0-5 16,0 0-9-16,0 0 2 16,5 0 12-16,10 9 2 15,0-2 5-15,2 3-5 0,0-2 0 16,2-1-3-1,1 1 1-15,-4-4-4 0,5 2 2 16,0-2-8 0,3-3 1-16,0-1-14 0,-4 0 7 15,-3 0 16-15,-4 0 0 16,-2 0 1-16,-4 0 2 16,0 0-3-16,-6 0 6 15,-1 0-6-15,-12 0-115 16</inkml:trace>
   <inkml:trace contextRef="#ctx0" brushRef="#br0" timeOffset="28240.58">14462 16320 5 0,'0'0'121'0,"0"0"-97"0,0 0-21 16,0 0 20-16,0 80 75 15,-10-38-38-15,-4 6-39 16,-3 0-1-16,-3-2-19 16,4 3-2-16,5-6-5 15,7-6-118-15,4-5-70 16</inkml:trace>
@@ -1569,11 +1572,11 @@
   <inkml:trace contextRef="#ctx0" brushRef="#br0" timeOffset="38628.92">25449 2387 3 0,'0'0'41'0,"0"0"-11"16,-4-96-9-16,23 38-13 16,12-11 13-16,5-4 14 15,2-6 0-15,2 1 26 16,-3 9-22-16,-3 14 4 16,-5 21 15-16,-11 17-19 15,-2 13-26-15,-4 4-11 16,1 17-2-16,-2 14 0 15,-7 6-2-15,-4 3 4 16,0-4-1-16,-7-2-1 0,-15-1 0 16,-7-4 9-1,-7-1-9-15,-4-5 0 0,0-3-7 16,0-5-107-16,10-12-106 16</inkml:trace>
   <inkml:trace contextRef="#ctx0" brushRef="#br0" timeOffset="38938.83">26140 1610 237 0,'0'0'115'16,"0"0"-48"-16,0 0-46 15,0 0-21-15,0 0 6 16,0 0-6-16,4-11-16 15,-14 22-152-15,-17 3-94 16</inkml:trace>
   <inkml:trace contextRef="#ctx0" brushRef="#br0" timeOffset="39434.57">25982 1828 54 0,'0'0'70'15,"-12"91"35"-15,9-34-20 0,3 0-33 16,0-5-28-16,7-6-12 16,11-8-8-16,3-16-1 15,3-9-6-15,4-12-7 16,4-1 10-16,-2-14 43 16,2-10-10-16,1-10-2 15,0-3 0-15,0-7-17 16,-4-3 21-16,-4 5-21 15,-6 9 12-15,-7 13 1 16,-5 19-6-16,-5 8-21 0,-2 35-2 16,0 20 2-1,-18 17 1-15,-6 3-1 0,-3 3 0 16,2-3 5-16,-1 2-3 16,-4 4-2-16,1-9 0 15,0-7-10-15,3-16-8 16,3-21-62-16,7-28-22 15,4-7-73-15</inkml:trace>
-  <inkml:trace contextRef="#ctx0" brushRef="#br0" timeOffset="39961.62">26649 1696 369 0,'0'0'47'0,"0"0"-44"16,1 135 27-16,-8-67-3 16,-19-2 13-16,-6-1-24 15,-3-7-8-15,2-7-3 16,8-14-3-16,8-14-4 16,9-12-1-16,5-7-24 15,3-4 21-15,0-5 6 16,0-16 6-16,7-5-3 15,7-4-2-15,3-1 16 16,3-1 5-16,7-5-14 16,1 0 2-16,3 0-10 0,-1 0 0 15,-6 7 1-15,-7 6 2 16,-3 5-3-16,-3 5 0 16,-4 8 2-16,-2 4-7 15,-1 2 1-15,-4 2-11 16,0 18 15-16,0 4-2 15,-1 3 1-15,-7-1 1 16,2-1 0-16,3-4-1 16,3-5 1-16,0-4 0 15,0-4 0-15,0-2 1 16,3-2-2-16,11-1-1 16,2 0 2-16,5 0 0 15,3-3 2-15,-2 1-1 0,1 2 0 16,-4 2-1-1,-4 2-2-15,-4 5-39 0,-1 3-81 16,-4-4-31-16,3-2-85 16</inkml:trace>
+  <inkml:trace contextRef="#ctx0" brushRef="#br0" timeOffset="39961.61">26649 1696 369 0,'0'0'47'0,"0"0"-44"16,1 135 27-16,-8-67-3 16,-19-2 13-16,-6-1-24 15,-3-7-8-15,2-7-3 16,8-14-3-16,8-14-4 16,9-12-1-16,5-7-24 15,3-4 21-15,0-5 6 16,0-16 6-16,7-5-3 15,7-4-2-15,3-1 16 16,3-1 5-16,7-5-14 16,1 0 2-16,3 0-10 0,-1 0 0 15,-6 7 1-15,-7 6 2 16,-3 5-3-16,-3 5 0 16,-4 8 2-16,-2 4-7 15,-1 2 1-15,-4 2-11 16,0 18 15-16,0 4-2 15,-1 3 1-15,-7-1 1 16,2-1 0-16,3-4-1 16,3-5 1-16,0-4 0 15,0-4 0-15,0-2 1 16,3-2-2-16,11-1-1 16,2 0 2-16,5 0 0 15,3-3 2-15,-2 1-1 0,1 2 0 16,-4 2-1-1,-4 2-2-15,-4 5-39 0,-1 3-81 16,-4-4-31-16,3-2-85 16</inkml:trace>
   <inkml:trace contextRef="#ctx0" brushRef="#br0" timeOffset="40235.58">27068 2035 415 0,'0'0'106'0,"0"0"-33"15,0 0-18-15,0 0-32 16,0 0-23-16,0 0-9 0,-22 36 9 16,11-9 0-1,6-3 0-15,5-4-5 0,0-3-9 16,3-7 11-16,11-8-4 16,2-2 7-16,2 0 0 15,2-18 28-15,-3-5-24 16,-3-5 26-16,-8 2 1 15,-4-1-16-15,-2 5 1 16,0 2-16-16,0 8-4 16,-2 5-18-16,-4 4-61 15,0 3-40-15,3 0-127 16</inkml:trace>
   <inkml:trace contextRef="#ctx0" brushRef="#br0" timeOffset="40490.96">27303 2092 19 0,'0'0'36'0,"0"0"8"16,0 0-24-16,0 0 31 15,0 0 5-15,0 0 27 16,36 71 40-16,-22-71-19 16,7-12-41-16,7-7-13 15,3-1-36-15,4 2 4 16,1 4-6-16,-1 5-10 15,-3 7-1-15,-2 2-1 0,-7 0-12 16,-6 18 8 0,-11 3-44-16,-6 4-57 0,-18-1-58 15,-26-3-104-15</inkml:trace>
   <inkml:trace contextRef="#ctx0" brushRef="#br0" timeOffset="40776.74">25500 2437 97 0,'0'0'126'0,"-99"8"-40"16,82 0-48-16,17 2-38 15,46-2 5-15,49-1 63 16,56 0-15-16,49-3 1 15,45 0-28-15,24 1-19 16,15 0 9-16,-6 4-9 0,-12-1 11 16,-19-1-18-16,-28 0-6 15,-29-4-9-15,-38-1 15 16,-41 0-20-16,-40 0-12 16,-37-1-23-16,-32 0-72 15,-18 2-77-15</inkml:trace>
-  <inkml:trace contextRef="#ctx0" brushRef="#br0" timeOffset="41833.69">26870 2621 170 0,'0'0'116'0,"0"0"-91"0,0 0-25 15,0 0-4-15,0 0-1 16,0 0 5-16,-11 49 23 16,-1-25 16-16,-3 1-21 15,3-1 7-15,-1 2 8 16,2 1-11-16,1 2-9 15,-2-1-13-15,2-1 3 16,-3 0-2-16,0-6-1 0,1-3-19 16,-3-7-21-1,3-5-11-15,0-5 37 0,-4-1 1 16,-2 0 13-16,0-11 0 16,-1-4 1-16,5-2 1 15,3 4 2-15,5 3 7 16,3 3 6-16,1 5-4 15,2 2 4-15,-1 0-17 16,-1 2-7-16,0 15 7 16,2 6-2-16,0-1 5 15,0 0-6-15,2-3-1 16,12-2-2-16,9 0-4 16,9-6 7-16,5 0-2 15,6-2 5-15,-1-5 12 16,0-1 9-16,-5 1-14 0,-7-3-3 15,-7 2-4-15,-7 1-62 16,-9-2-2-16,-7-1-224 16</inkml:trace>
+  <inkml:trace contextRef="#ctx0" brushRef="#br0" timeOffset="41833.68">26870 2621 170 0,'0'0'116'0,"0"0"-91"0,0 0-25 15,0 0-4-15,0 0-1 16,0 0 5-16,-11 49 23 16,-1-25 16-16,-3 1-21 15,3-1 7-15,-1 2 8 16,2 1-11-16,1 2-9 15,-2-1-13-15,2-1 3 16,-3 0-2-16,0-6-1 0,1-3-19 16,-3-7-21-1,3-5-11-15,0-5 37 0,-4-1 1 16,-2 0 13-16,0-11 0 16,-1-4 1-16,5-2 1 15,3 4 2-15,5 3 7 16,3 3 6-16,1 5-4 15,2 2 4-15,-1 0-17 16,-1 2-7-16,0 15 7 16,2 6-2-16,0-1 5 15,0 0-6-15,2-3-1 16,12-2-2-16,9 0-4 16,9-6 7-16,5 0-2 15,6-2 5-15,-1-5 12 16,0-1 9-16,-5 1-14 0,-7-3-3 15,-7 2-4-15,-7 1-62 16,-9-2-2-16,-7-1-224 16</inkml:trace>
   <inkml:trace contextRef="#ctx0" brushRef="#br0" timeOffset="43462.68">25818 3773 0 0,'0'0'255'16,"0"107"-233"-16,-5-45 33 15,-5 1-32-15,-4-10-19 16,7-6 11-16,2-6-10 16,2-2-3-16,3-13 4 15,0-8-5-15,0-11 2 16,0-4 1-16,0-3 1 15,0-3 65-15,0-24 30 16,9-11-82-16,11-16-18 16,3-9 4-16,3-9 1 15,6-1-5-15,4 6 0 16,3 19-4-16,0 24 4 0,3 24 8 16,-5 3-6-16,-3 31-2 15,-2 7 0-15,-8 3-4 16,-9 1 4-16,-6-1 1 15,-5-2 1-15,-4 3-2 16,0 1-2-16,-15 3-85 16,-1-9-117-16</inkml:trace>
   <inkml:trace contextRef="#ctx0" brushRef="#br0" timeOffset="44565.75">26292 4217 323 0,'0'0'150'0,"30"-130"-111"16,-20 64-17-16,1 7 13 15,-1 15 31-15,-4 18-31 16,-3 16 25-16,-1 10-56 15,-2 3-4-15,0 25-27 16,0 12 19-16,-6 9 8 16,-3-3 3-16,0-1 1 15,4-2 6-15,5-4-9 16,0-8-2-16,0-7-4 0,14-8-17 16,-2-10 6-16,4-6 9 15,7 0 1-15,0-16 6 16,6-9 9-16,-3-5 0 15,0 1-9-15,-2 3 0 16,-3 6 11-16,-8 9-11 16,-3 5 1-16,-7 6 13 15,-3 0-14-15,2 0-18 16,0 16 3-16,-1 2 11 16,1 2 4-16,-2-3 0 15,3-4 3-15,0-5 0 16,0-2-3-16,5-6 0 15,3 0 0-15,5 0 11 16,5-16-2-16,2-3 4 0,-1 1-12 16,-3-2-1-16,-1 6 5 15,-7 6 4-15,-5 5-5 16,-2 3-4-16,-3 0-17 16,1 9-4-16,-2 10 18 15,0 0 3-15,0-1 1 16,0 1 1-16,0-7 3 15,0-6-3-15,1-2-2 16,1-4 2-16,2 0-2 16,6 0 8-16,6-2-5 15,2-13 17-15,4 0-17 16,-1 2 1-16,-3 3-4 16,-2 4 0-16,-5 6-3 15,-5 0-2-15,1 0-7 0,-1 3-2 16,2 8 11-16,1-2 6 15,-1-5-1-15,5-2 2 16,4-2-3-16,4 0 14 16,6-20-10-16,2-9 1 15,-1-8-2-15,-3-13-4 16,-1-8 0-16,-4-6-3 16,-4-4 2-16,-4 10 0 15,-6 20 2-15,-4 16 3 16,-1 15 30-16,-1 7-16 15,0 33-18-15,-5 29-22 0,-11 21 22 16,-6 8 22 0,-2 2-17-16,-3-6-1 0,0-6 2 15,0-9-6-15,3-11-2 16,6-17-59-16,9-15 1 16,3-18 42-16,6-11 18 15,0-3 16-15,0-28 16 16,14-17-28-16,5-8-4 15,3-6 4-15,4-1-2 16,2 7 1-16,4 7-3 16,-1 10 0-16,-6 17-7 15,-8 10 16-15,-8 12-8 16,-6 0-1-16,-3 19-18 16,0 6 17-16,0 5 1 0,-11-1-1 15,-10 3-5-15,-2 2 12 16,-6-2 1-16,0-2-7 15,3-5-137-15,8-10-49 16</inkml:trace>
   <inkml:trace contextRef="#ctx0" brushRef="#br0" timeOffset="44890.14">27389 4037 415 0,'0'0'25'16,"0"0"-23"-16,0 0 6 0,37 94 33 16,-24-67-17-16,5-3-14 15,2-4-8-15,4-8 2 16,2-7 5-16,4-5-5 16,0 0 13-16,0-13 11 15,-5-1-4-15,-5 0-1 16,-7 7 8-16,-9 4-8 15,-4 3 3-15,0 9-26 16,-4 17-4-16,-18 14 4 16,-7 5 13-16,-2-1-1 15,1-3-8-15,5-6-3 16,7-4-2-16,3-6-31 16,6-3-71-16,4-11-137 0</inkml:trace>
@@ -1582,7 +1585,7 @@
   <inkml:trace contextRef="#ctx0" brushRef="#br0" timeOffset="47175.63">27331 6149 381 0,'0'0'118'16,"0"0"-85"-16,0 0-33 0,0 0 0 15,0 0 6 1,-23 108 14-16,13-70-9 0,7-2-10 16,1-3 5-16,2-8-6 15,0-7-23-15,0-7-39 16,3-11-76-16,10 0-67 15</inkml:trace>
   <inkml:trace contextRef="#ctx0" brushRef="#br0" timeOffset="47311.85">27416 6055 80 0,'0'0'130'16,"0"0"-66"-16,-11-101-20 15,5 90-9-15,3 7-14 16,0 4-21-16,3 4-27 15,0 21-125-15,4 7 69 0</inkml:trace>
   <inkml:trace contextRef="#ctx0" brushRef="#br0" timeOffset="47594.61">27676 6166 59 0,'0'0'395'15,"0"0"-333"-15,0 0-56 16,0 0 0-16,0 0 13 16,0 0-5-16,-38 58-5 15,38-32 2-15,0 5 2 0,0-2-1 16,0-1-3-16,0-2 1 16,0-4-10-16,-5-6 6 15,-2-6-1-15,1-2 0 16,-2-4 0-16,1 1-5 15,-2-1 4-15,-2 1 2 16,0-4-6-16,0 0-56 16,8-1-70-16,3 0-250 15</inkml:trace>
-  <inkml:trace contextRef="#ctx0" brushRef="#br0" timeOffset="47802.19">28024 5918 521 0,'0'0'135'16,"0"0"-131"-16,0 0-4 15,0 0 0-15,2 93 22 16,-14-41-1-16,-6 3-15 16,-1-1-5-16,-1 2-1 15,-2-2-22-15,3-9-53 16,5-9-90-16,3-21-85 15</inkml:trace>
+  <inkml:trace contextRef="#ctx0" brushRef="#br0" timeOffset="47802.18">28024 5918 521 0,'0'0'135'16,"0"0"-131"-16,0 0-4 15,0 0 0-15,2 93 22 16,-14-41-1-16,-6 3-15 16,-1-1-5-16,-1 2-1 15,-2-2-22-15,3-9-53 16,5-9-90-16,3-21-85 15</inkml:trace>
   <inkml:trace contextRef="#ctx0" brushRef="#br0" timeOffset="47940.93">27884 6257 107 0,'0'0'163'15,"0"0"-36"1,0 0-32-16,0 0-49 0,81-29 6 16,-46 29-28-16,4 0-23 15,4 0-1-15,5 3-5 16,7-3-53-16,8 0-26 15,4 0-110-15,5-4-61 16</inkml:trace>
   <inkml:trace contextRef="#ctx0" brushRef="#br0" timeOffset="48344.73">28843 5591 180 0,'-122'-78'70'15,"-32"7"-14"-15,-31 5 39 0,-27 11-28 16,-23 15-11 0,-18 25-1-16,3 15-11 0,-5 44-10 15,19 31-6-15,15 19-26 16,23 19 0-16,35 15-2 16,39 6 4-16,45 0-9 15,51 6-27-15,28 7-36 16,48 1-13-16,32 3-43 15,29-8 49-15,33-17 72 16,30-22 6-16,30-27 2 16,18-36 15-16,12-34 12 15,4-11 25-15,-3-43 2 0,-14-20 0 16,-17-19-22 0,-19-19-31-16,-13-18-2 0,-16-11-4 15,-17-8-5-15,-22 0-10 16,-35 13 1-16,-44 9 14 15,-36-1-2-15,-44 4-25 16,-49 11-8-16,-26 17-19 16,-21 23-74-16,-4 24-6 15</inkml:trace>
   <inkml:trace contextRef="#ctx0" brushRef="#br0" timeOffset="64189.66">24117 11778 60 0,'0'0'21'16,"0"0"23"-16,0 0 11 15,0 0-12-15,0 0 0 16,0 0-15-16,0 0 3 16,0 0 10-16,0 32-6 15,0-32-1-15,0 0-14 16,0 0-14-16,0-3 14 15,0-7-1-15,-2-5-1 16,-7 0-7-16,-5-4-5 16,-3-1 7-16,-2 0-9 0,-2-3-1 15,-3 2 4-15,-5-3-2 16,-3-1-4-16,-5-4-1 16,-7 0 0-16,-6-4 1 15,-8-5-1-15,-8-1 0 16,-3 3 0-16,3 4 5 15,5 8-2-15,6 4 0 16,-3 4 2-16,-5 1-9 16,-5 0 4-16,-3 1 0 15,4-1-1-15,3 3 2 16,-1 0-1-16,0-1 0 16,-5 4 6-16,-6-4-10 0,-6 1 4 15,-3-1 0-15,-3 3-1 16,0 1 1-16,-2 1 0 15,2 1 0-15,3 0 4 16,3 4-1-16,6 0-3 16,2 3 0-16,7 0 0 15,4 0 4-15,5 6-5 16,3 8 1-16,2 1 0 16,4 0-2-16,6 0 2 15,7-2 0-15,4-2 2 16,7 0 1-16,4 1-3 15,2-3 0-15,4 1 2 16,4 2-6-16,1-5 4 0,3 1 0 16,4-1-3-1,-2 0 6-15,4-1-3 0,-1 1 0 16,2-4 2-16,0 1-8 16,0 1 3-16,0 3-15 15,0 0 12-15,8 1-37 16,7-1-9-16,5-3-44 15,6-5-30-15,1 0-50 16</inkml:trace>
@@ -1593,7 +1596,7 @@
   <inkml:trace contextRef="#ctx0" brushRef="#br0" timeOffset="68999.85">24679 15329 29 0,'0'0'143'0,"0"0"-36"16,0 0-77-16,0 0-8 15,0 0 47-15,0 0-16 16,-87-75-19-16,38 48-13 16,-13-7 3-16,-19-9 0 0,-13-13-5 15,-16-1 12-15,-14-5-8 16,-16 0-11-16,-11-3 28 15,-1 4-35-15,1-3-1 16,8 2-2-16,4-1 3 16,14 4-9-16,6-1 7 15,10 2-4-15,4 3 1 16,-7 7-1-16,-4 5 1 16,0 9 0-16,1 11 5 15,15 6-8-15,12 6 3 16,15 0-1-16,11-3-6 15,19 2 3-15,13 1 0 16,12 6 3-16,11 5-1 0,4 0-1 16,1 0 1-1,2 0-21-15,-4 0 11 0,0 0 6 16,-1 0 6-16,-2 0 1 16,1 0 4-16,-3 0-6 15,4 0 1-15,1-4 0 16,1-2 2-16,1 1-2 15,-1 2 0-15,2-1 6 16,-1 3-5-16,-1 0 9 16,2-1-10-16,-1 0 0 15,1 1 2-15,1 0-1 16,-3-1-1-16,2-1 12 0,-1 1-9 16,-1 0 14-1,-1 1-5-15,-4-2-10 0,0 3 6 16,-2 0-8-16,0 0 0 15,2 0-1-15,3 0 4 16,1 0-5-16,3 0 2 16,-2 0 0-16,-3 0-3 15,-5 0 3-15,-5 2 0 16,1 0-1-16,-1 1 3 16,1-2-4-16,-2-1 2 15,4 3 0-15,1-1-6 16,3-1 4-16,4 0 2 15,2 1 0-15,3-2-11 16,0 2 10-16,0-2-10 16,0 1-2-16,0-1 7 0,0 0-36 15,0 2-40-15,3 1-86 16,14-3-12-16</inkml:trace>
   <inkml:trace contextRef="#ctx0" brushRef="#br0" timeOffset="69289.84">21831 13943 214 0,'0'0'88'0,"0"0"-51"16,0 0-2-16,0 0 14 16,0 0-24-16,0 0-14 0,-116-13 22 15,69 38 9-15,4 2-18 16,7-6-13-16,10 1-3 15,7-6 5-15,8 2-9 16,6 2-3-16,5 1-2 16,0 2-7-16,23 1 8 15,17 0 3-15,17 2-2 16,11 1 6-16,11 1-7 16,2 9-23-16,6 1-16 15,-1 10-61-15,-3-2-66 16,-3 2-102-16</inkml:trace>
   <inkml:trace contextRef="#ctx0" brushRef="#br0" timeOffset="70812.85">24338 17413 300 0,'0'0'77'15,"-81"-57"-63"-15,33 26 1 16,0-4 48-16,-7-1-12 0,-1-4-24 16,-7-4-1-1,-1-1-9-15,-8-7-12 0,-4-3 0 16,-7-5-5-16,-7-8 3 16,-4-4-3-16,-1-8 3 15,-4-9-3-15,-1-8 2 16,-3-3-6-16,0 4 7 15,0 7-3-15,-4-1 0 16,-4-5-20-16,-3-9 7 16,-4-1 13-16,3 2 2 15,3 10 15-15,-1 13-9 16,2 8-1-16,5 8-4 0,8 4-1 16,10 3 16-1,10 6-17-15,10 2 4 0,4 7 0 16,10 10 2-16,10 9-7 15,9 6 6-15,9 5-4 16,7 5 6-16,7 0-8 16,7 7 0-16,2-3 5 15,3 3-5-15,0 0 0 16,0 0-3-16,0 0-5 16,0 0 6-16,0 0-12 15,2 0-1-15,13 3 5 16,10 6 19-16,5 1-9 15,3-3 0-15,0 0-2 16,-2-5 0-16,-2-2-5 16,-3 0 6-16,1 0-12 0,-2 0 22 15,-3-9-9-15,-3-5 0 16,-6-3 5-16,-1-3 3 16,-6-4-8-16,-4-4 0 15,-2-2 0-15,0-6 1 16,0-4-1-16,-2-4-9 15,-7 6 9-15,-4 3 0 16,-4 8 0-16,-5 8 0 16,-2 2 7-16,-1 3-3 15,-2 7 22-15,-9 7-26 16,-4 0 3-16,-7 13-8 16,0 10 9-16,2-3-4 0,6 1 0 15,10-4 0-15,7-4-4 16,8-4 4-16,6-1-2 15,4-2-2-15,4 1 4 16,0 0-4-16,0 2 0 16,0-5-2-16,4 1-8 15,8-3 7-15,7 2 7 16,4 8 12-16,3 4-12 16,-1 14-1-16,-1 7-4 15,-4 2 10-15,-5 4-2 16,2-4-2-16,-1 1-1 15,8-2-26-15,6-14-106 16</inkml:trace>
-  <inkml:trace contextRef="#ctx0" brushRef="#br0" timeOffset="-70016.37">17949 11139 17 0,'0'0'42'0,"0"0"12"0,0 0-18 16,0 0 9-16,0 0-17 15,0 0 26-15,0 0-36 16,-33-61-6-16,33 59-9 16,0 2-1-16,0 0-2 15,0 0 0-15,0 0 6 16,11 0 11-16,9 7 13 16,9 3-9-16,10 2 7 15,6 2-27-15,11 3 7 16,19 0-1-16,20 2-1 15,31-1 1-15,23 2-7 0,19 0 0 16,11 2 13-16,-4 1-13 16,-11-1 0-16,-18-1 6 15,-24 2 0-15,-18 0 2 16,-16 0 23-16,-11 0-30 16,-1 0 27-16,-2-3-25 15,-6-4 5-15,-7-3-6 16,-15-6 5-16,-17 0-10 15,-16-4 3-15,-10-2-5 16,-3 0-10-16,-10 1-58 16,-23-2 20-16,-12 0-77 15,-12 0-89-15</inkml:trace>
+  <inkml:trace contextRef="#ctx0" brushRef="#br0" timeOffset="-70016.38">17949 11139 17 0,'0'0'42'0,"0"0"12"0,0 0-18 16,0 0 9-16,0 0-17 15,0 0 26-15,0 0-36 16,-33-61-6-16,33 59-9 16,0 2-1-16,0 0-2 15,0 0 0-15,0 0 6 16,11 0 11-16,9 7 13 16,9 3-9-16,10 2 7 15,6 2-27-15,11 3 7 16,19 0-1-16,20 2-1 15,31-1 1-15,23 2-7 0,19 0 0 16,11 2 13-16,-4 1-13 16,-11-1 0-16,-18-1 6 15,-24 2 0-15,-18 0 2 16,-16 0 23-16,-11 0-30 16,-1 0 27-16,-2-3-25 15,-6-4 5-15,-7-3-6 16,-15-6 5-16,-17 0-10 15,-16-4 3-15,-10-2-5 16,-3 0-10-16,-10 1-58 16,-23-2 20-16,-12 0-77 15,-12 0-89-15</inkml:trace>
   <inkml:trace contextRef="#ctx0" brushRef="#br0" timeOffset="-69335.45">18128 11117 18 0,'0'0'52'0,"0"0"6"15,-48 86 7-15,28-43-23 16,-3 8-22-16,-1 7 14 15,0 5 3-15,2 2 13 16,2-1-24-16,3 1-13 16,-5 2 13-16,-1 4-22 15</inkml:trace>
   <inkml:trace contextRef="#ctx0" brushRef="#br0" timeOffset="-69085.48">19895 12722 276 0,'-21'-13'-187'16</inkml:trace>
   <inkml:trace contextRef="#ctx0" brushRef="#br0" timeOffset="-67568.51">17883 11560 14 0,'0'0'16'15,"0"0"-3"-15,0 0-5 0,0 0 5 16,0 0 37-16,0 0-17 15,0 0-7-15,-1-5-26 16,1 5 5-16,0 14 1 16,0 6 1-16,0 7-3 15,-6 4 21-15,-3 4-15 16,-3 4 15-16,-1-1-10 16,-1 1-14-16,0 4 14 15,1-2-15-15,1 0 0 16,1 0 9-16,-1-2-5 0,0-6 4 15,1-2 3-15,2-4-9 16,5-3 11-16,2-5-9 16,2-2-4-16,0-4 5 15,0 2 4-15,5-4-9 16,4-1 0-16,3-3 0 16,6 0 4-16,5-1-1 15,10-1 4-15,6 1 9 16,4 0-13-16,4 2 0 15,0 2-3-15,1 4 7 16,3 1-16-16,4 3 9 16,7-3 0-16,12-3 0 15,11 2 9-15,9 1-8 16,10 6 1-16,5 2-1 16,-1 1 16-16,-6-2-17 0,-5-1 0 15,-6-2-1-15,-7-3 6 16,-3-2-5-16,-8-5 0 15,-2-4 4-15,-5 0-12 16,-6-4 8-16,-9 1 0 16,-5-1-5-16,-11-1 11 15,-5 2-6-15,-4-2 0 16,-8 1 0-16,1-1 1 16,-4 1-1-16,-2-1 0 15,1 2-1-15,-4-2 9 0,-1 0-6 16,-1 0 9-1,-1 0-1-15,-1 0 13 0,1 0-13 16,1-6-9-16,-2 2 12 16,0 0-11-16,-5 3 9 15,2 1-9-15,-3-2 4 16,3 1 7-16,0-2-12 16,2-4 1-16,1-1 7 15,4-6-3-15,1-4-3 16,1-4-1-16,2-5 5 15,0-4-6-15,1-6-1 16,-2-3 0-16,0-8-3 16,0-8 7-16,0-1-4 15,0-6 0-15,0 0 3 16,-2 5-14-16,-5 11 6 0,-4 12-13 16,-2 13 13-16,0 15-37 15,-5 4-21-15,-2 3-33 16,-3 0-61-16,2 10 11 15</inkml:trace>
@@ -1670,8 +1673,8 @@
   <inkml:trace contextRef="#ctx0" brushRef="#br0" timeOffset="106322.71">19307 8324 36 0,'0'0'77'0,"0"0"15"16,0 91-3-16,0-37-12 0,1 14-2 15,5 14-20-15,0 10-3 16,3 8-38-16,0 2 12 16,2-8-6-16,0-11-19 15,-2-15 7-15,-1-13-8 16,-3-8 2-16,-2-7-2 15,-3-4 0-15,0-12-37 16,0-5-15-16,-5-5-30 16,-9-11-62-16,-8-3-151 15</inkml:trace>
   <inkml:trace contextRef="#ctx0" brushRef="#br0" timeOffset="107219.93">11547 8663 57 0,'0'0'137'0,"0"0"-71"16,0 0-38-16,0 0 28 15,0 0-45-15,0 0-11 16,-58-2 0-16,97 13 3 15,24-2 8-15,26-3 17 16,32-6-5-16,30 0 0 16,32-9-12-16,27-6-10 15,14-3 0-15,13-1-2 16,-1 3-11-16,-2-4-1 16,-4 0 2-16,-15 0-2 0,-20-2 7 15,-29 4 3-15,-24 3 3 16,-26 1-1-16,-24 1 2 15,-21 3-4-15,-23 4 13 16,-23 1-10-16,-15 0 6 16,-10 2-6-16,0-1-2 15,-15-1-64-15,-22 3-18 16,-23-1-48-16</inkml:trace>
   <inkml:trace contextRef="#ctx0" brushRef="#br0" timeOffset="107925.9">11204 8660 25 0,'0'0'67'15,"0"0"17"-15,0 0-19 16,0 0-17-16,0 0-41 16,0 0-7-16,15 50 0 15,-13 7 40-15,-2 25 30 16,0 13-20-16,-11 3-28 16,5-11 5-16,6-16-26 0,0-13 2 15,6-6 7-15,6-9-10 16,1-7-7-16,-1-3-12 15,2-11-55-15,-2-8-50 16,1-8-80-16</inkml:trace>
-  <inkml:trace contextRef="#ctx0" brushRef="#br0" timeOffset="113339.94">17318 4574 31 0,'0'0'57'15,"0"0"-7"-15,0 0 3 16,0 0 6-16,0 0-26 15,0 0 2-15,0 0 18 16,-33-40-22-16,33 40-1 16,0 0-20-16,-3 9-10 15,-1 24-5-15,-5 18 5 16,-3 8 0-16,1 7 5 16,-1 3-4-16,-1 8-1 15,3 11 9-15,-5 7-7 16,1 6 22-16,0-2-8 15,-2-2-10-15,6-5 2 16,1-8-5-16,6 1-3 0,3-9 3 16,0-14-2-16,0-11 3 15,0-19-3-15,0-11 4 16,0-10 4-16,0-5-7 16,0-4-2-16,0-2 19 15,0 0 34-15,0 0 2 16,0 0-14-16,0-12-24 15,0-5-14-15,-1 0-3 16,-1 4 0-16,-1-2 0 16,2 3-15-16,-1-2-24 15,-3 2-42-15,1 1-55 16,-3 1-142-16</inkml:trace>
-  <inkml:trace contextRef="#ctx0" brushRef="#br0" timeOffset="113920.44">17118 5866 70 0,'0'0'61'16,"0"0"-58"-16,0 0-1 15,0 0-1-15,0 0 0 16,0 0-2-16,2-7-2 16,-2 7-2-16,0 0-2 15,0 0 1-15,0 0 6 16,0 0 19-16,0 1-19 0,-4 6 0 15,-2-2-26-15,-2 3-54 16</inkml:trace>
+  <inkml:trace contextRef="#ctx0" brushRef="#br0" timeOffset="113339.93">17318 4574 31 0,'0'0'57'15,"0"0"-7"-15,0 0 3 16,0 0 6-16,0 0-26 15,0 0 2-15,0 0 18 16,-33-40-22-16,33 40-1 16,0 0-20-16,-3 9-10 15,-1 24-5-15,-5 18 5 16,-3 8 0-16,1 7 5 16,-1 3-4-16,-1 8-1 15,3 11 9-15,-5 7-7 16,1 6 22-16,0-2-8 15,-2-2-10-15,6-5 2 16,1-8-5-16,6 1-3 0,3-9 3 16,0-14-2-16,0-11 3 15,0-19-3-15,0-11 4 16,0-10 4-16,0-5-7 16,0-4-2-16,0-2 19 15,0 0 34-15,0 0 2 16,0 0-14-16,0-12-24 15,0-5-14-15,-1 0-3 16,-1 4 0-16,-1-2 0 16,2 3-15-16,-1-2-24 15,-3 2-42-15,1 1-55 16,-3 1-142-16</inkml:trace>
+  <inkml:trace contextRef="#ctx0" brushRef="#br0" timeOffset="113920.43">17118 5866 70 0,'0'0'61'16,"0"0"-58"-16,0 0-1 15,0 0-1-15,0 0 0 16,0 0-2-16,2-7-2 16,-2 7-2-16,0 0-2 15,0 0 1-15,0 0 6 16,0 0 19-16,0 1-19 0,-4 6 0 15,-2-2-26-15,-2 3-54 16</inkml:trace>
   <inkml:trace contextRef="#ctx0" brushRef="#br0" timeOffset="114274">17118 5866 61 0</inkml:trace>
   <inkml:trace contextRef="#ctx0" brushRef="#br0" timeOffset="114660">17118 5866 61 0,'-34'34'99'0,"34"-34"-17"0,0 0-9 0,0 0-17 16,0 0-7-16,0 0 0 15,0 0-15-15,0 0 5 16,0 0 9-16,0-3-6 16,-3-2-21-16,-9 1-15 15,1-2 9-15,2 4 3 16,-4 0-17-16,1-1 7 15,-1 0-1-15,-1 2-7 16,-3-2 3-16,-3 3-3 16,-9-1 0-16,-2 1 0 15,-5 0 0-15,1 0 3 0,2 0-3 16,2 0 1 0,1 0-7-16,6 0 7 0,0 0-1 15,2 0 0-15,2 0 8 16,5 0-9-16,5-6 1 15,3 4 0-15,3 0 7 16,3 0-7-16,1 2 5 16,0 0-2-16,0 0-2 15,0 0-1-15,0 0 0 16,0 0 4-16,0-1-9 16,0 1-6-16,5 0-17 15,2 0-3-15,-3 0-28 16,1 0 11-16,1 0-16 15,0 0-26-15,-2 0-82 16</inkml:trace>
   <inkml:trace contextRef="#ctx0" brushRef="#br0" timeOffset="115006.88">16645 5768 87 0,'0'0'108'15,"0"0"-10"-15,0 0 4 16,0 0-17-16,0 0-31 0,0 0-27 16,0-8-11-16,0 8-16 15,-1 8 0-15,-11 6 2 16,-6 3 8-16,1 0-4 15,0-1-6-15,0 4 2 16,-1-6 4-16,5 0-3 16,5-6 1-16,1 1 3 15,4-4-7-15,3 4 0 16,0 1-3-16,0 0 3 16,19 4 7-16,16 0-7 15,10-5-59-15,8-6-185 16</inkml:trace>
@@ -1687,7 +1690,7 @@
   <inkml:trace contextRef="#ctx0" brushRef="#br0" timeOffset="131748.03">30465 679 324 0,'0'0'137'0,"0"0"-87"15,0 0-5-15,0 0 1 16,0 0-30-16,0 0-16 16,-10-33-102-16,10 50-42 15,0 5 15-15</inkml:trace>
   <inkml:trace contextRef="#ctx0" brushRef="#br0" timeOffset="132046.06">30652 807 511 0,'0'0'52'0,"0"0"-39"16,0 0-10-16,0 0 31 15,0 0-34-15,0 0-10 16,-75 73 10-16,75-37 7 16,3-3 1-16,3 3-5 0,-5-4 1 15,-1-3 6-15,0-3-7 16,0-6 0-16,0-2 5 16,-7-4-8-16,-11-1 4 15,-5-2 5-15,-2 1 0 16,3-2-9-16,7-6-21 15,6-4-76-15,9 0-35 16,0 0-145-16</inkml:trace>
   <inkml:trace contextRef="#ctx0" brushRef="#br0" timeOffset="132245.09">30860 904 390 0,'0'0'155'0,"0"0"-155"16,0 0 2-16,0 0-1 16,-9 102 40-16,3-67-16 15,-1-2-19-15,3-4-4 16,-2-2-2-16,1-3-36 16,2-10-72-16,1-10-182 15</inkml:trace>
-  <inkml:trace contextRef="#ctx0" brushRef="#br0" timeOffset="132401.39">30895 712 372 0,'0'0'93'0,"0"0"-66"15,0 0-27-15,0 0-20 16,0 0-76-16,0 0-66 15</inkml:trace>
+  <inkml:trace contextRef="#ctx0" brushRef="#br0" timeOffset="132401.38">30895 712 372 0,'0'0'93'0,"0"0"-66"15,0 0-27-15,0 0-20 16,0 0-76-16,0 0-66 15</inkml:trace>
   <inkml:trace contextRef="#ctx0" brushRef="#br0" timeOffset="132961.94">31044 865 374 0,'0'0'165'0,"0"0"-118"16,0 0-39-16,0 0 21 16,0 0 5-16,-94 55-19 15,75-31-13-15,4-3 6 16,1 3-8-16,7-3 2 16,4-1 2-16,0-4-5 15,3-3 1-15,0-3-6 16,0-5 0-16,0-5-10 15,4 0 16-15,12 0 3 16,3-3-3-16,-2-6-3 16,-1-1 3-16,-3 2 0 0,-4 4 4 15,-2 3-4-15,2-3-1 16,-1 4-6-16,-2 0-2 16,1 0 9-16,2 0-1 15,-3 0 0-15,-2 7-1 16,1-3 2-16,-1-1 0 15,1 2 0-15,-2-5 1 16,3 0 0-16,1 0 1 16,2 0 1-16,4-13 8 15,3-8 4-15,3-3-8 16,1-3 3-16,2 2-5 16,-2 4-2-16,-3 7 6 15,-2 6-6-15,-5 7 7 16,0 1-10-16,0 0-4 15,2 0 3-15,2 13-2 0,3 2 3 16,2 5 1-16,0 1 1 16,-2-1-4-16,-5 4-38 15,-7-4-39-15,-5-1-109 16</inkml:trace>
   <inkml:trace contextRef="#ctx0" brushRef="#br0" timeOffset="133420.1">29768 1744 355 0,'0'0'33'16,"0"0"-33"-16,0 0-7 15,0 0 7-15,0 0-4 16,0 0 9-16,41 5 27 16,-10-1 13-16,5-2-2 15,3-2-4-15,4 0-1 16,-3 0-35-16,-3-4 0 15,-4-3-3-15,-9-2-105 16,-11 0-108-16</inkml:trace>
   <inkml:trace contextRef="#ctx0" brushRef="#br0" timeOffset="134019.69">29967 1549 281 0,'0'0'139'15,"0"0"-104"-15,0 0 6 16,0 0-3-16,0 0-38 16,0 0 6-16,-12 88 5 15,6-33 27-15,2 1-5 16,0 1-20-16,3-2-4 0,-2-2 5 16,-2-1-8-1,1 0-6-15,1-4-32 0,1-3-76 16,2-9-99-16</inkml:trace>
@@ -1697,18 +1700,18 @@
   <inkml:trace contextRef="#ctx0" brushRef="#br0" timeOffset="135706.17">32357 1303 480 0,'0'-84'52'16,"-2"5"-26"-16,-17-3 4 0,-8-2 62 16,-15-3-38-1,-16-5-24-15,-31-11-30 0,-37-2-9 16,-35-4 9 0,-46 2-10-16,-36 17-53 0,-29 15 36 15,-22 28 27-15,-15 35 8 16,-7 21-7-16,-2 51 4 15,2 29 19-15,-2 21-13 16,6 14-3-16,14 8-3 16,22 4-5-16,40 3 0 15,45 10 6-15,37 20-6 16,37 12-5-16,27 11-6 0,32-4 8 16,37-11 2-1,21-16-24-15,54-16-4 0,43-10 14 16,45-12 9-16,46-12-6 15,47-10 24-15,41-19-10 16,31-21-2-16,22-23-30 16,11-26-24-16,0-14 15 15,2-46 35-15,-11-28 4 16,-7-27 4-16,-17-14 25 16,-25-13-6-16,-34-10-21 15,-35-5 13-15,-46-13-15 16,-41-6-17-16,-40-7 17 15,-38-9 14-15,-35-5-13 16,-16-2 27-16,-46 4-6 16,-38 9-22-16,-38 19-96 0,-36 21-53 15,-39 21-96-15</inkml:trace>
   <inkml:trace contextRef="#ctx0" brushRef="#br0" timeOffset="143137.56">13079 16752 34 0,'0'0'39'0,"0"0"10"16,0 0-45-16,0 0 1 15,0 0 21-15,0 0-10 0,88 13 3 16,-56-11-3-1,2-2 11-15,3 0 19 0,5-9 16 16,4-8-24-16,7 1 0 16,2 3-23-16,8 3-6 15,1 0 1-15,4 3-10 16,5-1-6-16,2 0-12 16,10 0 18-16,3-5 11 15,5-1-5-15,-2 2 7 16,-4-2-3-16,-6 4-3 15,-2 2-3-15,-7-1 18 16,-4 2-21-16,-9-2 24 0,-3 0-12 16,0 2 0-16,-1 0 0 15,3 5-8-15,-2 2-5 16,0 0 0-16,-1 0 0 16,-4 0-3-16,-3 0 4 15,-2 2-1-15,-6 0 9 16,2-2-9-16,-2 0 1 15,0 0-1-15,2 0 3 16,-3 0 0-16,-2 0 6 16,1 0-2-16,2 0 0 15,3 0-3-15,4 0-4 16,3 0 5-16,4-3-1 16,-3-4-2-16,-2 1-2 15,-6 2 0-15,-3 2 5 16,-5 0-2-16,-7 2-3 0,-3 0 0 15,-2 0 5-15,-2 0-1 16,2 0-4-16,1-2 0 16,2-1-4-16,4 3 8 15,0 0-4-15,1 0 0 16,-3 0 2-16,0 0-6 16,-2 0 2-16,-1 0 2 15,-1 5 2-15,0-3-2 16,1-2 4-16,4 3-4 15,0 4-2-15,3-1 0 0,1 3 1 16,-1-2-5 0,3 0-1-16,2-3-1 0,-1-1 8 15,0-1-1-15,-2 0 2 16,0-2-4-16,2 2 3 16,3 1 0-16,-4-1 0 15,3 0 0-15,1 0 0 16,0-2 0-16,1 1 1 15,2-1-2-15,-2 0 1 16,1 0 0-16,-3 0 7 16,-2 0-6-16,-3 0 4 15,-4 0-3-15,-2 0 0 16,-3 0-4-16,-9 0 1 16,-3 0-18-16,-6 0 3 15,-3 0-42-15,-2 0-63 16,-1 0-109-16</inkml:trace>
   <inkml:trace contextRef="#ctx0" brushRef="#br0" timeOffset="145499.16">19508 16824 7 0,'0'0'48'15,"0"0"-42"-15,0 0 20 16,0 0 23-16,0 0-5 16,0 0-11-16,46-4-15 15,-44 4-12-15,-2 0 5 0,0 0-8 16,3 0-2-16,2 0 2 15,5 0-2-15,3 0 0 16,-1 4 3-16,5 1-3 16,-1-3 5-16,0 0-5 15,4-2 0-15,-1 0 4 16,4 0-4-16,3 0 3 16,3 0 10-16,4 0-4 15,-1-2-8-15,1-5 12 16,2 3-10-16,1 2 2 15,-4 0-5-15,1 1-2 0,-1 1 2 16,-3-3 2 0,1 3 2-16,2 0-10 15,-1 0 10-15,-1 0 0 0,0 0-5 16,-4 0 0-16,1 0-2 16,-2 0 5-16,1 0 4 15,3 0-7-15,3 0 0 16,2-3 20-16,2-1-15 15,0 1-1-15,-3-1-1 16,-2 4 10-16,-1-2-12 16,-3 2-1-16,0 0-2 15,1-1 2-15,2-2 2 16,4-1 3-16,3-3 6 16,-1 1-10-16,-1 0 13 15,-1 2-1-15,-7 0-7 0,-2 1 7 16,-3-1-11-1,1 2 2-15,-4 1-2 0,4-1 1 16,-1 1-6-16,-1 0 3 16,3 1 0-16,0-2 1 15,2 1 4-15,3-2-5 16,1 2 1-16,1 1 6 16,0-2-8-16,1 2 1 15,-1 0 0-15,-1 0 9 16,-2 0-8-16,0 0-1 15,2 0 0-15,1 0 2 16,2 0-1-16,2 0-1 0,1-1 0 16,-1 0 0-16,0-2 1 15,-4 3-1-15,-1 0 0 16,-5 0 6-16,-1 0-6 16,-2 0 0-16,0 0 1 15,1 0 7-15,3 0-1 16,2-3 2-16,8-2 3 15,3 3-9-15,4-1 10 16,-1 2-9-16,-3-1-2 16,-4 2-2-16,-2 0-1 15,-3 0 1-15,-3 0 0 16,-2 0 3-16,-1 0-3 16,0 0 0-16,4 0 0 15,-1 0 0-15,5 0 2 16,3 0-4-16,-1 0 2 0,1 0 0 15,-1 0 2-15,-3 0-2 16,-2-1 1-16,1-2 0 16,-2 0 2-16,5 0-3 15,0 2 0-15,4-3 3 16,3-2-3-16,0 3 0 16,1 0 0-16,-2 3-4 15,-5-5 8-15,0 3-4 16,-1 2 0-16,-3 0 2 15,1-1-2-15,2 1 0 16,0-2 1-16,0 2-7 16,2 0 8-16,3 0-2 0,-1 0 0 15,0 0-5-15,-2 0 1 16,-4 0-3-16,-1 5-1 16,-4 2 5-16,-1-3 3 15,2 2 0-15,2-2 0 16,7-4-1-16,4 1-1 15,7 1 2-15,5-1 0 16,0 2 0-16,-1 1 4 16,-4-2-4-16,-2-1 0 15,-3 1 3-15,-5-2-6 16,-1 0 3-16,-2 0 0 16,-1 0 0-16,-3 0 2 0,-5 0-2 15,-1 0 0-15,-7 0-2 16,-2 0 2-1,-6 0 0-15,-5 0 3 0,-1 0-6 16,-3 0 3-16,0 0-1 16,0 0-2-16,0 0-8 15,0 0 4-15,0 0-9 16,0 0 0-16,0 0 12 16,0 0-31-16,3 0-66 15,6 0-127-15</inkml:trace>
-  <inkml:trace contextRef="#ctx0" brushRef="#br0" timeOffset="150996.82">8899 17287 43 0,'0'0'83'0,"0"0"-45"16,0 0-18-16,0 0 37 15,0 0 10-15,0 0-39 16,0 0-12-16,-70 0-10 16,60 0 4-16,-1 0-8 15,5 0 0-15,1 0 9 16,0 0-11-16,2 0 0 15,0 0 1-15,0 0 2 16,1 0-3-16,1 0 0 16,1 0 0-16,0 0-4 0,0 0-13 15,12 10 17 1,10-2 16-16,8 4-15 0,1-5 3 16,5-1 3-16,1-5 0 15,2-1-14-15,1 0-10 16,-1 0 10-16,1 0-4 15,-5-1 4-15,-4 1-2 16,-7 0 0-16,-9 0 18 16,-9 0-7-16,-3 0-2 15,-3 0-15-15,0 0 15 16,-21 0 16-16,-14 7-6 16,-11-2-4-16,-6-2-5 0,-2-1 21 15,-1-2 21-15,5 0-19 16,9 0-4-16,11 0-9 15,14 0 1-15,10 0 0 16,6 0-12-16,5 1-8 16,21 9-3-16,17-1 11 15,13-3 0-15,12-3 0 16,7-3-49-16,2 0 47 16,1 0-46-16,3-6 17 15,-7-5 22-15,-3-1 4 16,-13 2 0-16,-20 3-19 15,-17 2 18-15,-12 4-18 16,-9 1 16-16,-4 0 8 0,-11 0 55 16,-12 0-21-1,3 0 1-15,3 0-9 0,3 0-7 16,9 0-4-16,6 0-10 16,3 0 2-16,0 0-7 15,0 1-45-15,12 4 44 16,9-4-13-16,-1 1-3 15,-7-2 10-15,-7 0 7 16,-6 1-8-16,0 2 8 16,-15-2 19-16,-9 1 24 15,-9 0-36-15,0-1-1 16,5 1 0-16,7 1-5 16,12 3-1-16,9-1-42 15,9 2-192-15</inkml:trace>
+  <inkml:trace contextRef="#ctx0" brushRef="#br0" timeOffset="150996.81">8899 17287 43 0,'0'0'83'0,"0"0"-45"16,0 0-18-16,0 0 37 15,0 0 10-15,0 0-39 16,0 0-12-16,-70 0-10 16,60 0 4-16,-1 0-8 15,5 0 0-15,1 0 9 16,0 0-11-16,2 0 0 15,0 0 1-15,0 0 2 16,1 0-3-16,1 0 0 16,1 0 0-16,0 0-4 0,0 0-13 15,12 10 17 1,10-2 16-16,8 4-15 0,1-5 3 16,5-1 3-16,1-5 0 15,2-1-14-15,1 0-10 16,-1 0 10-16,1 0-4 15,-5-1 4-15,-4 1-2 16,-7 0 0-16,-9 0 18 16,-9 0-7-16,-3 0-2 15,-3 0-15-15,0 0 15 16,-21 0 16-16,-14 7-6 16,-11-2-4-16,-6-2-5 0,-2-1 21 15,-1-2 21-15,5 0-19 16,9 0-4-16,11 0-9 15,14 0 1-15,10 0 0 16,6 0-12-16,5 1-8 16,21 9-3-16,17-1 11 15,13-3 0-15,12-3 0 16,7-3-49-16,2 0 47 16,1 0-46-16,3-6 17 15,-7-5 22-15,-3-1 4 16,-13 2 0-16,-20 3-19 15,-17 2 18-15,-12 4-18 16,-9 1 16-16,-4 0 8 0,-11 0 55 16,-12 0-21-1,3 0 1-15,3 0-9 0,3 0-7 16,9 0-4-16,6 0-10 16,3 0 2-16,0 0-7 15,0 1-45-15,12 4 44 16,9-4-13-16,-1 1-3 15,-7-2 10-15,-7 0 7 16,-6 1-8-16,0 2 8 16,-15-2 19-16,-9 1 24 15,-9 0-36-15,0-1-1 16,5 1 0-16,7 1-5 16,12 3-1-16,9-1-42 15,9 2-192-15</inkml:trace>
   <inkml:trace contextRef="#ctx0" brushRef="#br0" timeOffset="152705.18">12584 17140 31 0,'0'0'55'15,"0"0"-55"-15,91 0 11 16,-48 0-11-16,6 2 17 16,4 1-1-16,1-2-16 15,2-1 0-15,-1 0 23 16,1 0 9-16,0 0-20 0,4-1-12 16,4-1-6-1,6 1 1-15,5 1 5 0,10 0-5 16,6 0 5-16,7-6-5 15,2 3-1-15,-3-2-14 16,-10-1 9-16,-13 3 6 16,-20 2-10-16,-14 1-38 15,-17 0 6-15,-4 0 47 16,-4 0 43-16,0 0 4 16,4 0-19-16,1 0-22 15,5 0-1-15,0 0-5 16,1 0 3-16,1 1 1 15,-2 2-2-15,2 0-2 16,1-2 0-16,5-1 3 16,0 0 3-16,0 0 8 0,5 0 3 15,-6 0 16-15,-4-1-3 16,-4-2 23-16,0 0-23 16,-2 2-10-16,4 1-18 15,-1 0 9-15,8 0-11 16,1 0 0-16,5 0-6 15,1 0 2-15,3 4-3 16,-2 0 7-16,-2 2 9 16,1 2-1-16,5-3 6 15,4 5-12-15,2-5 12 16,4 4-14-16,0-4-5 16,0 0 2-16,-4 1 6 0,0-4-2 15,-3 1-1-15,-2 2-1 16,-4-1 0-16,2 2 2 15,-2 1 5-15,0-1-6 16,3 4 1-16,-4-3-1 16,2 3 0-16,-1 0-1 15,0-3 1-15,4 1 0 16,1-1 6-16,5 3-12 16,3 0 8-16,3-3-2 15,3 2 0-15,2 1 7 16,1-2-10-16,2 1 3 15,0-1-3-15,-1 0 2 16,-1-1 1-16,-1 0 0 0,-2-1 0 16,2 1 0-16,0-3 0 15,2 2 17-15,-1-3-16 16,-4 0-1-16,-6-2 2 16,-4 2-2-16,-1-2 0 15,-2 4 3-15,0-1-6 16,0-1 4-16,-1 0-3 15,-1 1 4-15,-3-2 2 16,-1 0-2-16,-3 0-2 16,-5-2-6-16,-5 0 6 15,-3 0 4-15,-7 0-3 16,-1 0 5-16,-7 0-5 0,0 0 9 16,-1 0 3-1,-1 0 2-15,3 0 0 0,-1 0-12 16,-1 0-2-16,0 0 0 15,-1 0 0-15,-3 0-1 16,-3 0 0-16,-1 0 2 16,1 0-3-16,-1 0 1 15,1 0-1-15,2 0-1 16,2 0 2-16,1 0 0 16,1 0 0-16,-1 0 0 15,0 0-1-15,1 0 1 16,0 0 0-16,-1 0-2 15,-2 0 4-15,-2 0-4 16,-2 0-2-16,-1 0-23 16,0 0-3-16,0 0-33 0,0-2-11 15,-10-1-65-15</inkml:trace>
-  <inkml:trace contextRef="#ctx0" brushRef="#br0" timeOffset="159363.92">15967 5205 39 0,'0'0'34'0,"0"0"11"16,0 0-10-16,0 0-31 16,0 0 11-16,0 0 12 15,29-83-27-15,-25 77 44 0,-4 1-19 16,2 2-22-16,-2 1 21 15,0 2-24-15,0 0 5 16,0 12-11-16,0 12 12 16,-2 11-6-16,-9 11 8 15,-4 7-2-15,-3 6 38 16,-4 5-23-16,0-5-2 16,2-6 13-16,2-6-30 15,6-12 11-15,4-4-4 16,4-11-7-16,4-4 9 15,0-6-11-15,0-3 0 16,0 0 2-16,15-2 9 16,24 1 4-16,22-3 4 15,18-1-17-15,10 3 9 16,5 5-11-16,0 4-9 0,0 3-49 16,-1-9-160-16</inkml:trace>
-  <inkml:trace contextRef="#ctx0" brushRef="#br0" timeOffset="160637.92">18866 5279 79 0,'0'0'80'16,"0"0"-60"-16,0 0-12 15,-4 96-3-15,-14-29 40 16,-9 6 4-16,-4 0-9 16,-3-6-16-16,1-9 11 15,6-10-24-15,8-11-3 16,5-10 5-16,4-9-8 16,3-7 3-16,3-5-4 15,0-6-4-15,-2 0 22 16,-2-7 21-16,3-23-30 0,5-8-9 15,0-7 4-15,17-7-6 16,9-2-2-16,7-2-1 16,2-4-9-16,9 6 9 15,6 3-11-15,9 4 2 16,5 10-26-16,3 8 6 16,0 5-36-16,-7 9 14 15,-11 8 25-15,-13 7 14 16,-14 0 13-16,-8 22-1 15,-11 6-3-15,-3 4 4 16,-8 7 4-16,-22-1 9 16,-13-4 34-16,-15-5-12 15,-17-5 0-15,-7-6 16 0,-3-5-43 16,9-4 15-16,19-5-20 16,23-4-2-16,18 1 31 15,13 2-16-15,3 6-16 16,7 4-3-16,23 3 3 15,14 9 12-15,15 5-5 16,5 4 0-16,3 1 0 16,0 1-7-16,-6 0 0 15,-1-2-1-15,-9 2 7 16,-11-4-5-16,-9-4-1 16,-10-2-14-16,-10-8-11 15,-8 0-50-15,-3-4-45 0,-8-4-110 16</inkml:trace>
-  <inkml:trace contextRef="#ctx0" brushRef="#br0" timeOffset="162284.82">12247 7775 6 0,'0'0'57'16,"0"0"2"-16,0 0 30 16,7-93-30-16,-5 85-1 15,-1 8-14-15,1 0-34 0,1 19-10 16,0 19 0-16,-3 9 1 15,0 5 7-15,0 1-2 16,0-1 14-16,0-6-10 16,1-8-8-16,4-4 15 15,1-5-11-15,0-7 4 16,1 1 7-16,4-7-16 16,2-2 7-16,12-2-8 15,11-5 6-15,19 1 3 16,26-2-9-16,31-6-83 15,18-2-177-15</inkml:trace>
-  <inkml:trace contextRef="#ctx0" brushRef="#br0" timeOffset="163165.38">14661 7525 0 0,'0'0'79'0,"-41"164"15"15,19-76-9-15,3-4-4 16,4-9-46-16,0-7-5 15,6-7-11-15,0-12-9 16,3-13 16-16,3-12-19 16,0-12-4-16,2-5 16 15,1-6-16-15,-2-1 30 16,-2-10 30-16,-1-24-20 16,2-18-39-16,0-14-4 15,3-9-3-15,0-10 0 16,5-8-36-16,12-4 23 15,6-2-19-15,7 10-3 0,10 17 20 16,5 24-9-16,2 21 19 16,0 21 1-16,-3 6 7 15,-2 19 0-15,-6 12 0 16,-9 6-8-16,-13 3 3 16,-14 5-3-16,0 2 8 15,-25 1 0-15,-13 3 1 16,-5-6 0-16,-10-2 19 15,-3-7-18-15,3-6 20 16,7-9-22-16,12-5 0 0,13-3 29 16,14 3-29-1,7 9 0-15,0 13 13 0,16 5-9 16,12 1 20-16,9-2-24 16,5-5 5-16,4-5 0 15,1-5-5-15,2-1-3 16,-3-6-25-16,-4-1-36 15,-8-2-14-15,-10-6-118 16</inkml:trace>
+  <inkml:trace contextRef="#ctx0" brushRef="#br0" timeOffset="159363.91">15967 5205 39 0,'0'0'34'0,"0"0"11"16,0 0-10-16,0 0-31 16,0 0 11-16,0 0 12 15,29-83-27-15,-25 77 44 0,-4 1-19 16,2 2-22-16,-2 1 21 15,0 2-24-15,0 0 5 16,0 12-11-16,0 12 12 16,-2 11-6-16,-9 11 8 15,-4 7-2-15,-3 6 38 16,-4 5-23-16,0-5-2 16,2-6 13-16,2-6-30 15,6-12 11-15,4-4-4 16,4-11-7-16,4-4 9 15,0-6-11-15,0-3 0 16,0 0 2-16,15-2 9 16,24 1 4-16,22-3 4 15,18-1-17-15,10 3 9 16,5 5-11-16,0 4-9 0,0 3-49 16,-1-9-160-16</inkml:trace>
+  <inkml:trace contextRef="#ctx0" brushRef="#br0" timeOffset="160637.91">18866 5279 79 0,'0'0'80'16,"0"0"-60"-16,0 0-12 15,-4 96-3-15,-14-29 40 16,-9 6 4-16,-4 0-9 16,-3-6-16-16,1-9 11 15,6-10-24-15,8-11-3 16,5-10 5-16,4-9-8 16,3-7 3-16,3-5-4 15,0-6-4-15,-2 0 22 16,-2-7 21-16,3-23-30 0,5-8-9 15,0-7 4-15,17-7-6 16,9-2-2-16,7-2-1 16,2-4-9-16,9 6 9 15,6 3-11-15,9 4 2 16,5 10-26-16,3 8 6 16,0 5-36-16,-7 9 14 15,-11 8 25-15,-13 7 14 16,-14 0 13-16,-8 22-1 15,-11 6-3-15,-3 4 4 16,-8 7 4-16,-22-1 9 16,-13-4 34-16,-15-5-12 15,-17-5 0-15,-7-6 16 0,-3-5-43 16,9-4 15-16,19-5-20 16,23-4-2-16,18 1 31 15,13 2-16-15,3 6-16 16,7 4-3-16,23 3 3 15,14 9 12-15,15 5-5 16,5 4 0-16,3 1 0 16,0 1-7-16,-6 0 0 15,-1-2-1-15,-9 2 7 16,-11-4-5-16,-9-4-1 16,-10-2-14-16,-10-8-11 15,-8 0-50-15,-3-4-45 0,-8-4-110 16</inkml:trace>
+  <inkml:trace contextRef="#ctx0" brushRef="#br0" timeOffset="162284.81">12247 7775 6 0,'0'0'57'16,"0"0"2"-16,0 0 30 16,7-93-30-16,-5 85-1 15,-1 8-14-15,1 0-34 0,1 19-10 16,0 19 0-16,-3 9 1 15,0 5 7-15,0 1-2 16,0-1 14-16,0-6-10 16,1-8-8-16,4-4 15 15,1-5-11-15,0-7 4 16,1 1 7-16,4-7-16 16,2-2 7-16,12-2-8 15,11-5 6-15,19 1 3 16,26-2-9-16,31-6-83 15,18-2-177-15</inkml:trace>
+  <inkml:trace contextRef="#ctx0" brushRef="#br0" timeOffset="163165.37">14661 7525 0 0,'0'0'79'0,"-41"164"15"15,19-76-9-15,3-4-4 16,4-9-46-16,0-7-5 15,6-7-11-15,0-12-9 16,3-13 16-16,3-12-19 16,0-12-4-16,2-5 16 15,1-6-16-15,-2-1 30 16,-2-10 30-16,-1-24-20 16,2-18-39-16,0-14-4 15,3-9-3-15,0-10 0 16,5-8-36-16,12-4 23 15,6-2-19-15,7 10-3 0,10 17 20 16,5 24-9-16,2 21 19 16,0 21 1-16,-3 6 7 15,-2 19 0-15,-6 12 0 16,-9 6-8-16,-13 3 3 16,-14 5-3-16,0 2 8 15,-25 1 0-15,-13 3 1 16,-5-6 0-16,-10-2 19 15,-3-7-18-15,3-6 20 16,7-9-22-16,12-5 0 0,13-3 29 16,14 3-29-1,7 9 0-15,0 13 13 0,16 5-9 16,12 1 20-16,9-2-24 16,5-5 5-16,4-5 0 15,1-5-5-15,2-1-3 16,-3-6-25-16,-4-1-36 15,-8-2-14-15,-10-6-118 16</inkml:trace>
   <inkml:trace contextRef="#ctx0" brushRef="#br0" timeOffset="168070.12">3922 3128 6 0,'0'0'25'16,"0"0"28"-16,0 0 52 16,0 0 4-16,0 0-36 0,0 0-25 15,0 0-34-15,2-54-12 16,26 42 2-16,12-1-4 16,2 3 9-16,3 3 3 15,-1 5-19-15,1 0 14 16,-5 2-7-16,-7 0 0 15,-5 0-26-15,-11 0-14 16,-8 0-47-16,-9 7-22 16,0 4 10-16,-18 0 14 15</inkml:trace>
-  <inkml:trace contextRef="#ctx0" brushRef="#br0" timeOffset="168533.82">3941 3081 91 0,'0'0'54'0,"0"0"-54"0,0 0 2 16,0 0 37-16,-31 97 4 16,25-54-12-16,4 7 15 15,-1-1 3-15,-1 2-22 16,4-6-20-16,0-5 12 16,0-7-11-16,0-9 9 15,0-7-5-15,6-7-11 16,0-4 22-16,6 1-16 15,4-1-3-15,8-3 12 16,10-1-1-16,5-2-7 16,6 0 8-16,4-8-15 15,2-8 9-15,-2 1-10 0,-1 1 0 16,0-2 5-16,-2-2-5 16,-4 1 0-16,-8-2 0 15,-4 1-4-15,-8 0 3 16,-8 2 1-16,-1-1 0 15,-4-5-2-15,-4-4 7 16,-4-4-5-16,-1-5 0 16,0-4 4-16,-13-5 11 15,-8-2-15-15,-3-4 8 16,0 5 1-16,-3 5-9 16,3 9 0-16,4 12 2 15,3 6-2-15,1 6-8 16,-1 7-72-16,-4 13 20 15,-7 26-187-15,-6 21 55 0</inkml:trace>
+  <inkml:trace contextRef="#ctx0" brushRef="#br0" timeOffset="168533.81">3941 3081 91 0,'0'0'54'0,"0"0"-54"0,0 0 2 16,0 0 37-16,-31 97 4 16,25-54-12-16,4 7 15 15,-1-1 3-15,-1 2-22 16,4-6-20-16,0-5 12 16,0-7-11-16,0-9 9 15,0-7-5-15,6-7-11 16,0-4 22-16,6 1-16 15,4-1-3-15,8-3 12 16,10-1-1-16,5-2-7 16,6 0 8-16,4-8-15 15,2-8 9-15,-2 1-10 0,-1 1 0 16,0-2 5-16,-2-2-5 16,-4 1 0-16,-8-2 0 15,-4 1-4-15,-8 0 3 16,-8 2 1-16,-1-1 0 15,-4-5-2-15,-4-4 7 16,-4-4-5-16,-1-5 0 16,0-4 4-16,-13-5 11 15,-8-2-15-15,-3-4 8 16,0 5 1-16,-3 5-9 16,3 9 0-16,4 12 2 15,3 6-2-15,1 6-8 16,-1 7-72-16,-4 13 20 15,-7 26-187-15,-6 21 55 0</inkml:trace>
   <inkml:trace contextRef="#ctx0" brushRef="#br0" timeOffset="169051.87">3767 3707 182 0,'0'0'10'16,"0"0"-9"-16,0 0 19 0,0 0 41 15,49 84-8-15,-37-57-8 16,1 3-1-16,-4-1 2 16,-1-1-38-16,-2-4 7 15,1-4-12-15,-4 2-2 16,2 3 21-16,1 0-19 15,1 2-2-15,3-3 8 16,4-5-2-16,4-5-9 16,7-7 4-16,12-5-2 15,10-2 15-15,14-8-10 16,10-16 3-16,4-4-6 16,4-2-2-16,-1 1 6 15,-8 0-6-15,-13 2 0 0,-14 6-1 16,-15 3 1-1,-5 7 0-15,-7-3 6 0,-1-4 2 16,0 2 21-16,-3-2 5 16,1-5-5-16,-1 0 14 15,0-6-34-15,3-7-3 16,2-5 10-16,-3-2-15 16,-2-5 4-16,-3-2-5 15,-6 2-7-15,-3 0 6 16,0 2-47-16,-22 3-14 15,-11 11 9-15,-13 17-50 16,-15 15-106-16,-14 27 77 16</inkml:trace>
   <inkml:trace contextRef="#ctx0" brushRef="#br0" timeOffset="169599.8">3737 4175 130 0,'0'0'159'0,"0"0"-78"15,0 0-60-15,0 0-18 16,0 0-2-16,0 0 24 16,61 92 10-16,-46-56-24 15,-6 3 11-15,2-2-5 16,-3-2-9-16,0-4 4 0,-2-8-10 15,0-4 7-15,1-3-9 16,1 0 3-16,-1 0 7 16,8 1-8-16,3 0-2 15,13-4 3-15,11-1-1 16,9-6 7-16,10-4-2 16,12-2-5-16,2 0 5 15,5-16-7-15,-5-8 2 16,-5-3-4-16,-9-1 3 15,-13 5-1-15,-14 2 0 16,-13 8 13-16,-9 6 5 16,2-4-11-16,2 0 4 15,3-3 6-15,5-5-1 0,3-1-7 16,1-6 2-16,2-3-10 16,0-3 8-16,0 0-9 15,-5 0 5-15,-3 0-3 16,-5-3-2-16,-1-1 0 15,-5-9 0-15,-5-1 5 16,-3-11-12-16,-3-2 0 16,0 1-14-16,-9 5 6 15,-15 10-46-15,-13 15-2 16,-20 19-75-16,-13 9-171 16</inkml:trace>
-  <inkml:trace contextRef="#ctx0" brushRef="#br0" timeOffset="170194.35">3701 4668 368 0,'0'0'40'15,"0"0"-28"-15,0 0-19 16,0 0 7-16,82 67 0 0,-64-34 11 16,-3 6-5-1,-1 9-2-15,-3 9 20 0,-2 10 1 16,-4 7 23-16,-4-2-40 16,-1-3-1-16,0-9-5 15,2-10 3-15,1-11 18 16,10-7-23-16,2-11 0 15,6-4 11-15,10-10-10 16,14-7-1-16,12 0 9 16,20-24 1-16,8-10-6 15,5-8-2-15,-5-1-2 16,-8 2 3-16,-11 9-3 16,-12 5 0-16,-8 3 2 15,3 6 3-15,-1-1-1 16,4 2 0-16,0-1 0 0,-4 1 24 15,0 1-14-15,-5-6-3 16,-2 2 24-16,-3-5-25 16,-3-2 14-16,-4-3-1 15,-3-3 1-15,-4-5-3 16,-1-6-6-16,-4-4-10 16,-5-6 16-16,-3-8-21 15,-3-1 3-15,-7-1-3 16,-1-4 1-16,0 6-3 15,-17 6-23-15,-11 13-54 16,-15 33-6-16,-21 23-72 16,-25 61-104-16,-26 33 75 0</inkml:trace>
-  <inkml:trace contextRef="#ctx0" brushRef="#br0" timeOffset="170771.38">3673 5513 111 0,'0'0'241'0,"0"0"-240"0,0 0 5 16,58 108 31-1,-33-56-1-15,-1-5-12 0,-4 4-13 16,-1-7 2-16,-1-6 0 16,-3-6-13-16,-3-5 20 15,3 0 13-15,-2-1-27 16,2-3 8-16,6 5-11 16,3-3-3-16,13 0 3 15,9-8-1-15,14-8-2 16,15-9-12-16,14-4 12 15,12-21-6-15,4-4-22 16,4-8 13-16,-8-1-2 0,-8 0-3 16,-8-2 14-1,-15 4 9-15,-6 2-3 0,-10 0 40 16,-11 3-8-16,-4 0-14 16,-9 1 19-16,-2-1-12 15,-4-3 15-15,-2-2-6 16,-2-7-12-16,1-5-1 15,-2-3-6-15,-1-9 1 16,3-8-3-16,-2-10-7 16,2-3-1-16,3 0-5 15,-2 4-1-15,-5 6-8 16,-4 15-6-16,-13 15-9 16,0 19 1-16,-13 18-33 15,-23 7-45-15,-16 34-76 0,-15 25-16 16,-10 15 23-16</inkml:trace>
+  <inkml:trace contextRef="#ctx0" brushRef="#br0" timeOffset="170194.34">3701 4668 368 0,'0'0'40'15,"0"0"-28"-15,0 0-19 16,0 0 7-16,82 67 0 0,-64-34 11 16,-3 6-5-1,-1 9-2-15,-3 9 20 0,-2 10 1 16,-4 7 23-16,-4-2-40 16,-1-3-1-16,0-9-5 15,2-10 3-15,1-11 18 16,10-7-23-16,2-11 0 15,6-4 11-15,10-10-10 16,14-7-1-16,12 0 9 16,20-24 1-16,8-10-6 15,5-8-2-15,-5-1-2 16,-8 2 3-16,-11 9-3 16,-12 5 0-16,-8 3 2 15,3 6 3-15,-1-1-1 16,4 2 0-16,0-1 0 0,-4 1 24 15,0 1-14-15,-5-6-3 16,-2 2 24-16,-3-5-25 16,-3-2 14-16,-4-3-1 15,-3-3 1-15,-4-5-3 16,-1-6-6-16,-4-4-10 16,-5-6 16-16,-3-8-21 15,-3-1 3-15,-7-1-3 16,-1-4 1-16,0 6-3 15,-17 6-23-15,-11 13-54 16,-15 33-6-16,-21 23-72 16,-25 61-104-16,-26 33 75 0</inkml:trace>
+  <inkml:trace contextRef="#ctx0" brushRef="#br0" timeOffset="170771.37">3673 5513 111 0,'0'0'241'0,"0"0"-240"0,0 0 5 16,58 108 31-1,-33-56-1-15,-1-5-12 0,-4 4-13 16,-1-7 2-16,-1-6 0 16,-3-6-13-16,-3-5 20 15,3 0 13-15,-2-1-27 16,2-3 8-16,6 5-11 16,3-3-3-16,13 0 3 15,9-8-1-15,14-8-2 16,15-9-12-16,14-4 12 15,12-21-6-15,4-4-22 16,4-8 13-16,-8-1-2 0,-8 0-3 16,-8-2 14-1,-15 4 9-15,-6 2-3 0,-10 0 40 16,-11 3-8-16,-4 0-14 16,-9 1 19-16,-2-1-12 15,-4-3 15-15,-2-2-6 16,-2-7-12-16,1-5-1 15,-2-3-6-15,-1-9 1 16,3-8-3-16,-2-10-7 16,2-3-1-16,3 0-5 15,-2 4-1-15,-5 6-8 16,-4 15-6-16,-13 15-9 16,0 19 1-16,-13 18-33 15,-23 7-45-15,-16 34-76 0,-15 25-16 16,-10 15 23-16</inkml:trace>
   <inkml:trace contextRef="#ctx0" brushRef="#br0" timeOffset="171399.96">3955 6122 219 0,'0'0'47'16,"0"0"-36"-16,0 0-5 15,21 99 56-15,-8-53-29 16,-1 0 2-16,9 7 13 16,-2 5-18-16,5 7 21 15,-3-4-31-15,-3-7-8 16,1-13 2-16,-5-16 16 16,-1-7-6-16,1-3-17 15,2-5 1-15,4-5-6 0,11-2-1 16,18-3 12-16,26-3-7 15,19-25 8-15,19-10-14 16,12-5 0-16,1 1-12 16,-2 10-11-16,-11 5-12 15,-18 12 21-15,-17 7 14 16,-17 2 7-16,-18 4-7 16,-8-3-3-16,-13 0 3 15,-2-1 23-15,-7-2-14 16,-3-1 25-16,2-3-12 15,2-8-15-15,-4-4 10 16,2-6-12-16,-6-8-2 0,0-5 4 16,-1-12-7-1,-5-2 0-15,0-6 0 0,0 2-8 16,-5 6-10-16,-4 12-54 16,1 17-3-16,-2 16 42 15,1 10-25-15,-10 0-55 16,-7 5-56-16,-17 15-25 15</inkml:trace>
   <inkml:trace contextRef="#ctx0" brushRef="#br0" timeOffset="171952.83">3901 6721 175 0,'0'0'251'0,"9"99"-230"16,0-15 40-16,4 8-15 15,1-10-31-15,-1-14-9 16,-1-6 1-16,-3-12-1 16,1-4 21-16,-4-9-6 0,5-7-2 15,5-6 5-15,7-5-18 16,14-5-1 0,8-7-3-16,16-7-2 0,18 0 0 15,12-13-3-15,12-5 6 16,6-3-6-16,6-1 2 15,0-1-18-15,1-4 14 16,-2-3-1-16,-3-4 6 16,-3-4 2-16,-4-3 2 15,-5-3-4-15,-10-6 1 16,-7 0 5-16,-13-3-2 16,-17 0-4-16,-15 5 0 15,-13-2 24-15,-9 2-16 16,-10-4 8-16,-5-4-3 0,0 1-12 15,-9 7 10-15,-6 10-11 16,0 15 1-16,-6 14-5 16,-6 9-19-16,-7 1-82 15,-8 15-122-15</inkml:trace>
   <inkml:trace contextRef="#ctx0" brushRef="#br0" timeOffset="179741.83">4738 2964 88 0,'0'0'97'16,"0"0"-32"-16,0 0-9 15,0 0 17-15,-70-83-6 16,52 65-30-16,2 1 27 16,7 7-51-16,4 6 26 15,5 2-30-15,0 2 0 16,27-2-9-16,36 2-2 15,28-2-5-15,23 2 0 16,10 0 10-16,5 0-15 16,-4 14 10-16,-4 6 2 15,-17 8-7-15,-20 5 7 16,-26 5-1-16,-27 3 1 16,-22 3-7-16,-9-1-1 0,-22 1 3 15,-20 1 5-15,-11-2-7 16,-7-4 6-16,0-1 1 15,6-4 0-15,1-4-1 16,4-5-13-16,5-5-12 16,4-2 5-16,3-7 14 15,4-2-11-15,6-3 6 16,4-1 5-16,3 0 7 16,2-4 0-16,3-1-24 15,1 0 24-15,1 0 4 16,2 0 1-16,1 0-5 15,1-6 8-15,0-2-7 16,3 2 0-16,-1-4-1 16,7-3 0-16,0 1 6 0,7-4-6 15,13 2 4-15,-1-1-4 16,5 1 3-16,-6 6 2 16,1 1-5-16,-8 4 0 15,-7 3 2-15,-2 0 3 16,-2 0-3-16,0 0-2 15,0 7-2-15,0 15-4 16,-12 3 6-16,-12 4 0 16,-1-3 3-16,2-6 0 15,5-6 2-15,6-4-4 16,6-4 6-16,-1-4-3 16,7 0-4-16,-2 0 0 15,2-2-2-15,0 0 11 0,0 0-9 16,0 0 13-16,0 0-6 15,0 0 20-15,0 0-18 16,0 0-5-16,0 0 14 16,5-2-15-16,8-4 0 15,9-2-3-15,6 0-1 16,13 0-4-16,9 0 5 16,9-1 0-16,4 2-3 15,4 4 5-15,-9 3-2 16,-6 0 0-16,-7 0 7 0,-9 12-14 15,-8 3 7 1,-10 8 0-16,-9 0-11 0,-9 4 5 16,0 3 6-16,-21 1-4 15,-12 2 8-15,-10 5-4 16,-3-4 0-16,-8-3 4 16,-2-5-6-16,-1-6 2 15,3-6 0-15,2-7 2 16,8-1 9-16,3-3-2 15,13-3-8-15,6 1 3 16,6 1-8-16,7-1 6 16,3-1-2-16,3 0 0 15,-1 0 4-15,4 0-4 16,0 0 0-16,0 0 0 16,0 0 0-16,0 0 3 0,0 0-3 15,0 0 2-15,0 0 2 16,0 0-6-16,4 0 2 15,8 0 0-15,5-1-2 16,5-1 4-16,5-2-2 16,0-2 0-16,1 1 9 15,5-4-9-15,3-2 0 16,6 1 0-16,5-2 2 16,5 4-2-16,6 6 0 15,8 2-1-15,4 0 3 16,-1 10-2-16,-3 10 0 15,-13 2-3-15,-8-2-8 0,-8 1 13 16,-5 0-2-16,-7 4 0 16,-7 0-3-16,-5-1 3 15,-11 2 0-15,-2 4-8 16,-10 1 5-16,-17-1-5 16,-6 1 6-16,-6-6-1 15,-1-3 6-15,-5 0-6 16,3-5 0-16,-1-3 3 15,0-2 14-15,7-1-14 16,0-2 0-16,6 1 0 16,2 0 8-16,-2-2-10 15,8 1 2-15,-1 1 0 16,5-5 1-16,2 0 1 0,4 0-2 16,3-3 0-1,6 0 4-15,1 0-4 0,1-2 0 16,1 2 6-16,0-2-10 15,0 0 4-15,0 0 0 16,0 0-3-16,0 0-1 16,0 0 4-16,0 0 0 15,9 0 1-15,13 0 11 16,11-2-12-16,9-4 0 16,10-2 2-16,5 2 7 15,8-1-11-15,9 3 2 16,3 4 0-16,2 0 0 0,-10 0 0 15,-9 15-1 1,-14-1-1-16,-9-1 0 0,-10 1 2 16,-5-2 0-16,-7 2 2 15,-7 0-9-15,-8 0 7 16,0 4 0-16,-3 4-5 16,-18 3-4-16,-8 2 9 15,-5-2 0-15,3 0 1 16,-5-4 1-16,-1 3-2 15,-2 2 0-15,-10-1-2 16,4-3 13-16,-4 0-10 16,-1-5-1-16,6-2 1 15,0 1-16-15,7-2 19 16,3 0-4-16,8-1 13 16,7-5-13-16,3-1 5 0,10-2-16 15,4 0 23 1,1-3-24-16,1-1 11 0,0-1 1 15,0 0-10-15,0 0 4 16,9 0 6-16,29 0 4 16,19 0-1-16,16-8 14 15,14 2-17-15,7 3 4 16,1 3-4-16,2 0 0 16,-6 3 0-16,-9 11-1 15,-16 5 1-15,-15-1-1 16,-14-3 1-16,-16 1 0 15,-9-1-4-15,-11 2 1 0,-1 1 0 16,-7 6 2-16,-22 2 1 16,-14 4 4-16,-10 1 4 15,-6-2-4-15,-9 1 15 16,1 1 0-16,1-1-16 16,11-3-3-16,10-6 1 15,6-3-1-15,14-4-2 16,4-1 2-16,7-2 0 15,3 1 0-15,5-1 0 16,3-5-1-16,1 0 1 16,2-1-12-16,0-3 11 15,3 2-13-15,21-1 14 16,12-1 0-16,14-1 5 0,9 0 2 16,11 5-5-1,0 9-2-15,-1 6 0 0,-8 0 0 16,-6 4-2-16,-10-2 6 15,-8-2-4-15,-10 2 0 16,-12-4 7-16,-12 2-14 16,-3-1 7-16,-5 7-7 15,-23 5 2-15,-11 7 10 16,-10-2 2-16,-11 2 6 16,-5-3-10-16,-4 1 16 15,-1 1-17-15,-3 1 15 16,15-1-17-16,11-10 13 0,16-9-8 15,18-6-3 1,5 0 4-16,5-3-12 0,0-2 3 16,3-1-3-16,0-1 5 15,8 2-33-15,20 2 34 16,15 7-4-16,16 4 8 16,15 3 5-16,12 3-9 15,0 0 1-15,-6 1-3 16,-13 4 5-16,-16 3 1 15,-18-1-4-15,-14-1-5 16,-16-6-1-16,-3-1 5 16,-3-4 1-16,-24 1 7 15,-7-5-2-15,-12 0 22 16,-6-2 18-16,-1-7-34 16,6 1 1-16,8-5 2 0,9-1-5 15,14-3-3-15,5 2-3 16,2 3-1-16,-1 4-2 15,1 3-62-15,0 1 25 16,4-2-25-16,4 4 7 16,1-1-4-16,0-3-6 15,0 5-42-15,0-6 8 16,0-1 36-16,0-5-28 16,4-1 7-16,1 1 82 15</inkml:trace>
@@ -1744,7 +1747,7 @@
   <inkml:trace contextRef="#ctx0" brushRef="#br0">17408 2830 26 0,'0'0'34'0,"0"0"-9"16,0 0 14-16,0 0 19 16,0 0-27-16,0 0-15 15,0 0 6-15,0 0 1 16,-17 0 11-16,17 0-9 15,0 0-1-15,0 0 8 16,0 0-30-16,0 0-2 16,0 0-4-16,0 0-7 0,9 0 7 15,5 0 4-15,6 0 12 16,4 0 34-16,4 0-42 16,2 5 9-16,5-1-11 15,5 5 7-15,9 2 1 16,12 3-10-16,5 4 0 15,1 7 10-15,-9 4-5 16,-7 0 0-16,-11 2-5 16,-4-1 0-16,-4-2 4 15,-7 0-4-15,-4-2 4 16,-8-2-9-16,-2-4 3 16,-3-5 2-16,-1-1 0 0,-4 1-2 15,-2-4 2-15,1 0-2 16,1-3 5-16,-2 1 0 15,2-4-3-15,2 1 0 16,-1-2 1-16,0 3-1 16,1-1-62-16,-4-2-133 15,1-4-36-15</inkml:trace>
   <inkml:trace contextRef="#ctx0" brushRef="#br0" timeOffset="783.29">18042 3335 61 0,'0'0'78'0,"0"0"-49"16,0 0-9-16,0 0 0 15,0 0-6-15,0 0-10 16,4 19 33-16,8-12 28 15,6-1-36-15,0-4 6 16,0 1 0-16,1-3-16 16,-2 0-6-16,0 0-9 15,-3 0-4-15,1 0 0 16,-5-3 2-16,-1-2-2 16,-3 2-3-16,-6 0-3 0,0 2 0 15,0-2-2 1,0-1 8-16,0-1 8 0,-6 0-6 15,3-1 0-15,0 0 4 16,0-2-5-16,0 2 4 16,2-5-4-16,-1 2 0 15,2-1-1-15,0-3-3 16,0 1-25-16,11 4-92 16,2 1-181-16</inkml:trace>
   <inkml:trace contextRef="#ctx0" brushRef="#br0" timeOffset="3341.99">18889 6053 257 0,'0'0'45'16,"0"0"-17"-16,0 0 7 16,0 0 4-16,0 0-2 0,0 0-37 15,2 12 5-15,-2 18-5 16,0 9 21-16,0 8-2 15,-12 3-3-15,-5 1-12 16,1 5-1-16,0-6 1 16,0-5-3-16,6-10 4 15,3-10-5-15,4-9 0 16,1-9-1-16,2-5 2 16,0-2 1-16,0-3 9 15,0-20-1-15,9-12-10 16,6-7 0-16,0-7 0 15,-2-6-1-15,-1 1 7 16,0 0-5-16,-1 3-1 0,-1 12 0 16,-1 11 1-1,-3 13 12-15,-3 7 5 0,0 5-4 16,1 3-14-16,6 11-9 16,4 18 4-16,3 10 5 15,-1 6 2-15,-5 5-2 16,-3-4 3-16,-2-1 0 15,0-3-2-15,0-6-2 16,2-9 0-16,-2-10-5 16,-3-9-6-16,-2-8 9 15,-1 0 3-15,0 0 16 16,0-7 38-16,-1-16 4 0,-11-6-55 16,-3 0-3-1,-3 1 15-15,-2 3-15 0,1 8-3 16,2 5-2-16,4 3-37 15,4 2-50-15,6 3-144 16</inkml:trace>
-  <inkml:trace contextRef="#ctx0" brushRef="#br0" timeOffset="4396.93">18855 5438 74 0,'0'0'40'16,"0"0"32"-16,0 85-29 15,0-58 4-15,0 2-5 16,0-1-11-16,0-4-9 16,0-1 2-16,0-7 0 15,0-5-2-15,0-6-9 16,0 0 2-16,0-4 3 0,0-1 16 16,0 0 31-1,-2 0-20-15,-2-4 8 0,-2-17-30 16,0-7-22-16,3-7 2 15,-1-1 0-15,4-5-3 16,0-2 0-16,0 1-4 16,0 3 1-16,13 6-24 15,9 8-7-15,4 5-11 16,4 11 20-16,1 2 16 16,-3 7 1-16,-6 0-22 15,-5 0 15-15,-8 12 10 16,-8 6-2-16,-1 5 4 15,-1 1 3-15,-22 0 0 16,-6 1 2-16,-7-1-2 16,-2-5 1-16,2-4 0 0,8-5 1 15,6-6 1-15,11 2-2 16,6-6 4-16,5 2 15 16,0-1-15-16,0 1-5 15,0 5 0-15,0 3-3 16,14 3 3-16,7 3 18 15,3-1-13-15,2-1 6 16,-1-1-9-16,-1 1-1 16,-1-3 0-16,2 1-1 15,0-1-1-15,-3-4-21 16,-4 3-61-16,-3-8-129 16</inkml:trace>
+  <inkml:trace contextRef="#ctx0" brushRef="#br0" timeOffset="4396.92">18855 5438 74 0,'0'0'40'16,"0"0"32"-16,0 85-29 15,0-58 4-15,0 2-5 16,0-1-11-16,0-4-9 16,0-1 2-16,0-7 0 15,0-5-2-15,0-6-9 16,0 0 2-16,0-4 3 0,0-1 16 16,0 0 31-1,-2 0-20-15,-2-4 8 0,-2-17-30 16,0-7-22-16,3-7 2 15,-1-1 0-15,4-5-3 16,0-2 0-16,0 1-4 16,0 3 1-16,13 6-24 15,9 8-7-15,4 5-11 16,4 11 20-16,1 2 16 16,-3 7 1-16,-6 0-22 15,-5 0 15-15,-8 12 10 16,-8 6-2-16,-1 5 4 15,-1 1 3-15,-22 0 0 16,-6 1 2-16,-7-1-2 16,-2-5 1-16,2-4 0 0,8-5 1 15,6-6 1-15,11 2-2 16,6-6 4-16,5 2 15 16,0-1-15-16,0 1-5 15,0 5 0-15,0 3-3 16,14 3 3-16,7 3 18 15,3-1-13-15,2-1 6 16,-1-1-9-16,-1 1-1 16,-1-3 0-16,2 1-1 15,0-1-1-15,-3-4-21 16,-4 3-61-16,-3-8-129 16</inkml:trace>
   <inkml:trace contextRef="#ctx0" brushRef="#br0" timeOffset="5280.16">18895 4672 24 0,'0'0'54'16,"0"0"9"-16,-29 89-16 15,12-58-13-15,2-3-4 16,0-5 4-16,3-2-13 16,2-1-14-16,1-5 2 15,1 0 2-15,2-2-9 16,2-4 4-16,2-5-4 15,1-4-1-15,1 0 42 16,0 0 21-16,0 0-3 16,0-14-2-16,0-10-58 0,13-5 1 15,2-4-1-15,4-4-1 16,-2 1 4 0,1-1-4-16,-2 7 0 0,-7 10 1 15,-3 9 0-15,-3 6 4 16,-1 5-5-16,1 0-2 15,0 6-15-15,4 14 12 16,-1 6 5-16,-2 0 2 16,-2 0 1-16,-1-2-3 15,1-7 0-15,-1-5 0 16,3-6 0-16,-3-3 0 16,2-3 0-16,3 0 0 0,3 0 2 15,6-7 21-15,6-13 0 16,1-2 24-16,-2-7-6 15,-3 0-28-15,-3 1-3 16,-6 1-7-16,-3 1-3 16,-5 8 1-16,0 0-1 15,-3 6-2-15,-10 4-23 16,1-1-50-16,0 6-46 16,3-1-67-16</inkml:trace>
   <inkml:trace contextRef="#ctx0" brushRef="#br0" timeOffset="6173.2">18882 4146 75 0,'0'0'76'0,"-44"93"-32"16,20-47-13-16,4-9 5 15,4-7-12-15,5-8 1 16,5-8 3-16,3-8 3 16,3-2-5-16,-2-4-3 15,2 0 25-15,0 0 39 16,0-21-17-16,0-10-62 16,11-10-8-16,8-5 2 0,8-7-2 15,4-1 0 1,4-3-12-16,-3 7-9 0,-5 11-5 15,-8 14 18-15,-9 13 1 16,-4 12 7-16,-3 4-5 16,0 22-8-16,0 10 13 15,-2 7-1-15,-1-1 2 16,0 2 2-16,0-3-3 16,0 0 1-16,0-1-1 15,0-3 0-15,4-3 2 16,-2-7-2-16,-1-9 0 15,1-8 0-15,-2-8 0 16,0-2 6-16,0 0 72 0,0-3-4 16,0-19-31-1,-5-4-36-15,-11-5-7 0,-8 1-2 16,-7-3-11-16,-8 3-57 16,-1 5-14-16,4 2-42 15,12 3-116-15</inkml:trace>
   <inkml:trace contextRef="#ctx0" brushRef="#br0" timeOffset="7031.12">18904 3413 39 0,'0'0'28'0,"0"0"17"16,0 0 11-16,0 0-10 15,0 0-43-15,0 0 37 16,-5-12 7-16,4 10-13 16,1 1-22-16,0-1 8 15,0 1 1-15,0 1 9 16,0 0-4-16,0 0-20 15,0 16-6-15,0 13 0 16,0 11 1-16,4-1 6 16,4 2-3-16,1-5 4 15,0-4-3-15,-2-7-2 0,-1-5-2 16,-3-8 0-16,0-2 9 16,-1-7-4-16,-1-1-5 15,1-2 17-15,-1 0 36 16,6 0 18-16,6-15 8 15,7-7-60-15,6-9-15 16,-1-2-5-16,4-2-3 16,-1-4 2-16,-1-2 1 15,-3-2 0-15,-4 2-37 16,-6 5-21-16,-5 12-46 16,-9 8-119-16</inkml:trace>
@@ -1809,7 +1812,7 @@
   <inkml:trace contextRef="#ctx0" brushRef="#br0" timeOffset="211975.34">16837 9272 74 0,'0'0'184'15,"0"0"-168"-15,5 88 106 16,-5-32-17-16,-6 4-30 16,-9-1 7-16,2-4-50 15,-4-6-18-15,1-4-3 16,0-4-7-16,-3-6-8 15,-1-5-4-15,-1-3-79 16,0-9-46-16,-5-5-212 16</inkml:trace>
   <inkml:trace contextRef="#ctx0" brushRef="#br0" timeOffset="-213170.63">15247 9992 12 0,'0'0'47'0,"0"0"6"16,0 0 16-16,0 0-13 15,0 0 16-15,0 0-23 16,0 0-6-16,0-27-40 16,0 51 16-16,0 11-5 15,-4 15 18-15,-5 2-16 16,0 0 0-16,1-1-16 16,2-7 2-16,2-6-2 15,2-6 0-15,-1-5-20 16,2-9-49-16,1-5-87 0,0-10-29 15</inkml:trace>
   <inkml:trace contextRef="#ctx0" brushRef="#br0" timeOffset="-212888.18">15404 10023 53 0,'0'0'103'16,"0"0"-51"-16,0 0 13 15,0 0-10-15,83-29-28 16,-75 41 15-16,-5 10-15 16,-3 0 7-16,0 9 9 15,-12 1-22-15,-7-1 16 0,0 0-24 16,0-3-2 0,6-2 14-16,-1-2-24 0,7-4 7 15,4-3-8-15,3 3 8 16,0-6-5-16,12-5-3 15,10 0-8-15,6-7-36 16,8-2-49-16,3 0-38 16,1 0-79-16</inkml:trace>
-  <inkml:trace contextRef="#ctx0" brushRef="#br0" timeOffset="-212607.74">15799 10169 151 0,'0'0'179'0,"0"0"-75"16,0 0-75-16,0 0-26 15,0 0 29-15,-85 74-3 16,60-35-14-16,4 0-15 16,3-2 10-16,9-1-11 15,6-7 1-15,3-12 0 16,0-7 1-16,6-10 2 16,12 0 10-16,6-14 32 15,7-18-38-15,2-6 15 16,-1-7-7-16,-6 2-1 15,-10 0 14-15,-6 7-21 16,-10 1 3-16,0 8-10 16,-23 13-16-16,-13 14-40 15,-13 6-40-15,-8 27-57 16,-4 10-180-16</inkml:trace>
+  <inkml:trace contextRef="#ctx0" brushRef="#br0" timeOffset="-212607.75">15799 10169 151 0,'0'0'179'0,"0"0"-75"16,0 0-75-16,0 0-26 15,0 0 29-15,-85 74-3 16,60-35-14-16,4 0-15 16,3-2 10-16,9-1-11 15,6-7 1-15,3-12 0 16,0-7 1-16,6-10 2 16,12 0 10-16,6-14 32 15,7-18-38-15,2-6 15 16,-1-7-7-16,-6 2-1 15,-10 0 14-15,-6 7-21 16,-10 1 3-16,0 8-10 16,-23 13-16-16,-13 14-40 15,-13 6-40-15,-8 27-57 16,-4 10-180-16</inkml:trace>
   <inkml:trace contextRef="#ctx0" brushRef="#br0" timeOffset="-212226.46">14955 11008 400 0,'0'0'32'0,"0"0"-30"15,0 0 47-15,7 103-5 16,-7-64-15-16,0 0-4 16,-4-5-25-16,-3 3 1 0,2-5-1 15,0-9-70-15,4-6-71 16,1-14-132-16</inkml:trace>
   <inkml:trace contextRef="#ctx0" brushRef="#br0" timeOffset="-211867.85">15285 10936 263 0,'0'0'154'0,"0"0"-128"16,0 0-16-16,0 0 19 16,0 0 20-16,0 0-15 15,59 53-18-15,-68-27 11 0,-19 0-6 16,-10 1-2-1,-6 2-9-15,5-1-6 0,9-4-4 16,17-1 0-16,13-1-3 16,0 2-3-16,16 4 10 15,2 1-4-15,-6-1 0 16,-6-3 3-16,-6-4-5 16,0-2 4-16,-1-2-2 15,-11-2 25-15,-1 0-14 16,-6 4 9-16,-2 0-14 15,0-4-2-15,2-1-3 16,4-7-1-16,9 0-12 16,6-6-41-16,0-1-28 15,3-1 8-15,18-23-51 16</inkml:trace>
   <inkml:trace contextRef="#ctx0" brushRef="#br0" timeOffset="-211604.27">15493 11173 117 0,'0'0'423'0,"0"0"-412"16,0 0 1-16,-7 119 18 15,1-70 2-15,6-1-8 16,0-3 6-16,0-7-30 16,12-14 5-16,7-10 1 15,1-13-2-15,8-1 26 16,5-19 11-16,3-18-25 0,4-13 8 15,-7-4-24 1,-8-3 0-16,-14 5 0 0,-11 4-3 16,-10 11-24-16,-24 12-42 15,-12 16-42-15,-11 9-52 16,-4 0-269-16</inkml:trace>
@@ -1860,8 +1863,8 @@
   </inkml:definitions>
   <inkml:trace contextRef="#ctx0" brushRef="#br0">5290 3618 217 0,'0'0'104'0,"0"0"-38"16,0 0-40-16,0 0-17 15,-30 83-9-15,20-20 36 16,1 8 1-16,0 4-1 15,3-6-8-15,-3-10-25 16,6-10 10-16,3-10-11 16,0-7-4-16,0-13-21 15,5-19-112-15,9-4-132 16</inkml:trace>
   <inkml:trace contextRef="#ctx0" brushRef="#br0" timeOffset="170.19">5285 3427 161 0,'0'0'105'0,"0"0"-76"16,0 0-29-16,0 0-37 15,0 0-58-15</inkml:trace>
-  <inkml:trace contextRef="#ctx0" brushRef="#br0" timeOffset="541.42">5432 4117 13 0,'0'0'59'0,"0"0"10"16,0 0-26-16,0 0 9 16,0 0-5-16,0 0 30 15,0 37 31-15,3-68-8 16,4-14-67-16,4-10-31 16,1-13 9-16,4 3-11 15,3 5 15-15,-1 16-33 16,0 21 32-16,-4 16-14 0,0 7 3 15,3 8-3-15,1 21 0 16,0 5-3-16,0 2 7 16,-5 0-8-1,2-3 6-15,-3-3-2 0,-2-1 0 16,-2-3 0-16,-2-2-37 16,-2-1-45-16,4-6-69 15,2-7-199-15</inkml:trace>
-  <inkml:trace contextRef="#ctx0" brushRef="#br0" timeOffset="1268.18">6091 3806 351 0,'0'0'107'16,"0"0"-27"-16,0 0-1 16,0 0-33-16,-100-13-34 15,73 48-8-15,2 13-4 16,4 3 0-16,6 3 1 16,8-5 0-16,7-2-1 15,0-10 3-15,0-5-3 0,0-12 0 16,4-9-31-16,7-11 6 15,4 0-7-15,7-27 24 16,9-14 8-16,2-14 4 16,2-11 7-16,-4-16-11 15,-3-10 1-15,-7-1-8 16,-7-2 9-16,-4 6-2 16,-6 12 0-16,-2 18-2 15,-2 25 2-15,0 15 25 16,0 15 18-16,0 4 11 15,-8 24-51-15,-5 22-2 16,-1 22-1-16,4 9 0 16,6 9 1-16,2 6 5 15,2-6-4-15,0-6-2 0,5-12 0 16,8-15 6-16,8-10-6 16,-2-15 0-16,4-7-20 15,0-11 2-15,4-10-10 16,6 0 12-16,3-23-22 15,3-16 13-15,-2-12 5 16,-5-7 20-16,-10-5-1 16,-10-2-10-16,-5 9 11 15,-7 16 26-15,0 17-16 16,0 11 16-16,0 12 22 16,-7 2 4-16,-5 24-43 15,-4 14-9-15,2 12-5 0,5 2 5 16,0 3 2-1,6-2-2-15,0-6 3 0,3-3-3 16,0-12-3-16,0-9-44 16,5-11-25-16,8-12 2 15,7-2 13-15,3-14-16 16,3-17 15-16,2-9-203 16</inkml:trace>
+  <inkml:trace contextRef="#ctx0" brushRef="#br0" timeOffset="541.41">5432 4117 13 0,'0'0'59'0,"0"0"10"16,0 0-26-16,0 0 9 16,0 0-5-16,0 0 30 15,0 37 31-15,3-68-8 16,4-14-67-16,4-10-31 16,1-13 9-16,4 3-11 15,3 5 15-15,-1 16-33 16,0 21 32-16,-4 16-14 0,0 7 3 15,3 8-3-15,1 21 0 16,0 5-3-16,0 2 7 16,-5 0-8-1,2-3 6-15,-3-3-2 0,-2-1 0 16,-2-3 0-16,-2-2-37 16,-2-1-45-16,4-6-69 15,2-7-199-15</inkml:trace>
+  <inkml:trace contextRef="#ctx0" brushRef="#br0" timeOffset="1268.17">6091 3806 351 0,'0'0'107'16,"0"0"-27"-16,0 0-1 16,0 0-33-16,-100-13-34 15,73 48-8-15,2 13-4 16,4 3 0-16,6 3 1 16,8-5 0-16,7-2-1 15,0-10 3-15,0-5-3 0,0-12 0 16,4-9-31-16,7-11 6 15,4 0-7-15,7-27 24 16,9-14 8-16,2-14 4 16,2-11 7-16,-4-16-11 15,-3-10 1-15,-7-1-8 16,-7-2 9-16,-4 6-2 16,-6 12 0-16,-2 18-2 15,-2 25 2-15,0 15 25 16,0 15 18-16,0 4 11 15,-8 24-51-15,-5 22-2 16,-1 22-1-16,4 9 0 16,6 9 1-16,2 6 5 15,2-6-4-15,0-6-2 0,5-12 0 16,8-15 6-16,8-10-6 16,-2-15 0-16,4-7-20 15,0-11 2-15,4-10-10 16,6 0 12-16,3-23-22 15,3-16 13-15,-2-12 5 16,-5-7 20-16,-10-5-1 16,-10-2-10-16,-5 9 11 15,-7 16 26-15,0 17-16 16,0 11 16-16,0 12 22 16,-7 2 4-16,-5 24-43 15,-4 14-9-15,2 12-5 0,5 2 5 16,0 3 2-1,6-2-2-15,0-6 3 0,3-3-3 16,0-12-3-16,0-9-44 16,5-11-25-16,8-12 2 15,7-2 13-15,3-14-16 16,3-17 15-16,2-9-203 16</inkml:trace>
   <inkml:trace contextRef="#ctx0" brushRef="#br0" timeOffset="1606.89">6636 3869 149 0,'0'0'52'0,"0"0"55"15,0 92-43 1,0-61 7-16,0 0-33 0,-3-2-17 16,-2-6 1-16,-1-7-18 15,2-7 4-15,2-4-5 16,2-5 0-16,0 0 3 15,0-18 8-15,17-14-1 16,7-10-13-16,4-10-10 16,6-4-7-16,-2-1-3 15,-4 7-21-15,-3 14 24 16,-11 11 17-16,-7 13 6 16,-4 12 44-16,-3 0-10 15,0 30-24-15,-3 15-16 0,-9 11 0 16,-1 2 34-1,1-3-28-15,3-6-4 0,9-9 2 16,0-11-4-16,9-10-19 16,16-11-143-16</inkml:trace>
   <inkml:trace contextRef="#ctx0" brushRef="#br0" timeOffset="3083.32">8002 3311 395 0,'0'0'80'0,"0"78"-77"16,0-10 0-16,-9 3 23 0,-1 5 23 15,-2 0-19-15,3-1-23 16,-3-5 4-16,5-10-11 16,1-13 0-16,1-16 6 15,1-12-6-15,4-9-6 16,0-10 5-16,0 0-16 15,0-21 17-15,9-18-5 16,7-11 5-16,5-7-1 16,4-2-7-16,2 5 3 15,-4 13 5-15,-4 12-14 16,-5 13 14-16,-9 8 3 16,-3 6 15-16,-2 2 21 0,0 0-15 15,-9 0-11-15,-6 19-1 16,-3 12-11-1,8 8 10-15,5 9 1 0,5 6-4 16,0 0 16-16,2-6-24 16,11-8 1-16,5-10-6 15,9-11-2-15,4-11-45 16,5-8 11-16,3-4-4 16,2-23 10-16,-3-7-13 15,-5-11 45-15,-5-2 1 16,-7-4 2-16,-5 6 6 15,-7 13-6-15,-4 11 16 16,-5 13 20-16,0 8 40 0,0 2-25 16,-3 23-42-1,-9 9-5-15,0 7-4 0,2-1 3 16,5-5-1-16,5-8 0 16,0-4-2-16,0-10-1 15,15-7-31-15,1-6-13 16,5-1-19-16,-1-18 32 15,2-9 7-15,2-5 24 16,-6 4-18-16,4 2 19 16,-7 10 1-16,-9 12 0 15,-3 5 24-15,-3 2 9 16,0 23-26-16,0 4-5 16,0 3 0-16,0-3 18 15,0-4-5-15,0-7-15 0,21-5 4 16,7-13-5-16,5 0-3 15,4-3 1-15,1-15-3 16,-2-1-2-16,-8 0 4 16,-7 6 3-16,-9 9 2 15,-6 4 21-15,-5 13 8 16,-1 21-20-16,0 14-4 16,-10 8 31-16,-11 8 1 15,0 8-28-15,-6 11 6 16,5 8-11-16,1 3-3 15,1-4 12-15,-5-11-14 16,4-19 1-16,5-15-2 16,1-21-4-16,15-23-17 0,0-4-18 15,0-34 19-15,25-17 12 16,8-16-56-16,6-10 25 16,7-12 15-16,-4-3-13 15,4-8-10-15,-1 2-20 16,4 4 43-16,-1 11 24 15,4 17 24-15,-10 20 36 16,-2 21 13-16,-13 15 43 16,-8 13-49-16,-1 11-19 15,-4 25-34-15,-4 16 8 16,-4 8 6-16,-6 1-1 16,0 0-21-16,-5-8-4 0,-12-6 0 15,-7-7-2-15,-6-7-26 16,-3-4-30-16,-3-9-42 15,-1-10-52-15,-2-5-313 16</inkml:trace>
   <inkml:trace contextRef="#ctx0" brushRef="#br0" timeOffset="5542.49">16071 3575 212 0,'0'0'64'15,"0"0"-31"-15,0 0-27 16,-8 86-6-16,-13-23 82 15,-2 9-3-15,-4 8-33 16,2-4 5-16,3-7-25 0,3-8-1 16,5-5-13-1,1-2-7-15,6 0 4 0,4-5-9 16,3-2-1-16,0-7-7 16,3-8-77-16,13-7-28 15,2-14-80-15</inkml:trace>
@@ -1883,7 +1886,7 @@
   <inkml:trace contextRef="#ctx0" brushRef="#br0" timeOffset="14760.43">11240 6924 499 0,'0'0'88'16,"0"0"-87"-16,-19 100-1 15,5-54 15-15,5 4-1 16,5 0 19-16,4 0-2 16,2-2-30-16,12-8 10 15,4-10-10-15,0-12-1 0,7-13 0 16,5-5 2-16,10-10 6 16,2-23 3-16,-2-13-11 15,-4-10 6-15,-3-9-4 16,-8-8-2-16,-11-8 23 15,-10-2 27-15,-4 7-16 16,-24 10-22-16,-16 15-8 16,-12 20-8-16,-8 17 4 15,-1 14-65-15,9 7-62 16,13 27-171-16</inkml:trace>
   <inkml:trace contextRef="#ctx0" brushRef="#br0" timeOffset="15001.32">12212 7622 624 0,'0'0'14'15,"0"0"-14"-15,-113 110-21 16,73-78 21-16,1-7-1 16,8-3 1-16,10-4-54 15,6-7-94-15,9-9-249 16</inkml:trace>
   <inkml:trace contextRef="#ctx0" brushRef="#br0" timeOffset="15532.24">13035 6634 432 0,'0'0'103'0,"0"0"-82"15,0 0-10-15,0 0 19 16,0 0 0-16,0 0 8 16,-17 138 39-16,-4-57-59 15,2 4-9-15,4-6-1 16,4-10-5-16,6-14-3 15,5-12 0-15,0-15 4 16,11-7-3-16,9-13-1 16,5-8 0-16,10 0-6 15,5-13-1-15,2-14-9 16,-5-6 1-16,-1-5 15 16,-5 1 0-16,-8 8 0 0,-7 9 3 15,-10 12 10-15,-5 8 19 16,-1 2-28-16,0 24 4 15,0 11-8-15,-4 11 20 16,-6-1-7-16,-2 4-1 16,1-4-10-16,-1-3 2 15,2-4-4-15,-2-5 2 16,-6-2-6-16,0-5-35 16,0-6-63-16,2-7-106 15</inkml:trace>
-  <inkml:trace contextRef="#ctx0" brushRef="#br0" timeOffset="16138.36">13882 6602 379 0,'0'0'135'0,"0"0"-66"15,0 0-32-15,-99 57 9 16,46-1 14-16,1 17-28 0,7 7-7 15,6 8 9-15,8 1-17 16,10-3 4-16,6-4-13 16,9-6-7-16,6-13 8 15,0-11-9-15,9-15 0 16,13-12 1-16,8-15 0 16,11-10 4-16,11-10 13 15,7-25-16-15,4-18 7 16,-3-13-9-16,-7-11 0 15,-8-15 1-15,-13-7-1 16,-18 0-9-16,-14 10 8 16,-13 16-3-16,-26 17 0 15,-11 19-29-15,-12 17-22 0,-2 14-42 16,2 6-114-16</inkml:trace>
+  <inkml:trace contextRef="#ctx0" brushRef="#br0" timeOffset="16138.35">13882 6602 379 0,'0'0'135'0,"0"0"-66"15,0 0-32-15,-99 57 9 16,46-1 14-16,1 17-28 0,7 7-7 15,6 8 9-15,8 1-17 16,10-3 4-16,6-4-13 16,9-6-7-16,6-13 8 15,0-11-9-15,9-15 0 16,13-12 1-16,8-15 0 16,11-10 4-16,11-10 13 15,7-25-16-15,4-18 7 16,-3-13-9-16,-7-11 0 15,-8-15 1-15,-13-7-1 16,-18 0-9-16,-14 10 8 16,-13 16-3-16,-26 17 0 15,-11 19-29-15,-12 17-22 0,-2 14-42 16,2 6-114-16</inkml:trace>
   <inkml:trace contextRef="#ctx0" brushRef="#br0" timeOffset="16447.43">14255 7644 458 0,'0'0'37'0,"0"0"-11"16,-69 115-22-16,38-82 3 15,-3-6-7-15,-2-6 8 16,8-7-8-16,5-7-42 15,8-5-100-15</inkml:trace>
   <inkml:trace contextRef="#ctx0" brushRef="#br0" timeOffset="16972.14">15279 6647 232 0,'0'0'137'0,"0"0"-65"15,0 0 16-15,-99-16-11 16,57 16-24-16,-4 0-2 16,4 15-24-16,8 7-9 15,10 4-10-15,12 11-4 16,12 8 1-16,0 12-5 15,18 5 0-15,6-1 7 16,-4-3-3-16,-7-5-6 16,-9-8 2-16,-4-7 0 15,0-7-2-15,0-6 2 0,-7-5 0 16,-13-3 2 0,-5-4 3-16,-8 1-4 0,-3-5 1 15,4-2 0-15,2 2-2 16,7-8 0-16,7 2-16 15,4-3-23-15,8 0-55 16,4-5-50-16,7-18-319 16</inkml:trace>
   <inkml:trace contextRef="#ctx0" brushRef="#br0" timeOffset="17317.5">15405 6821 389 0,'0'0'63'0,"0"0"32"15,-74 133-56-15,50-77 7 16,9 2-21-16,6-2-5 16,9-6-9-16,0-9-9 15,0-11 2-15,16-12-1 16,1-11 2-16,8-7 33 15,2 0 1-15,1-18 0 16,4-16-18-16,-1-10-21 16,-1-13 4-16,-3-4-4 15,-4-9-1-15,-6-1-2 16,-11 8 1-16,-6 1 1 0,-6 8-17 16,-21 11-40-16,-1 0 4 15,-5 11 13-15,-4 13 22 16,-4 9-102-16,-3 10-128 15</inkml:trace>
@@ -1924,7 +1927,7 @@
   <inkml:trace contextRef="#ctx0" brushRef="#br0" timeOffset="48374.98">15878 9160 154 0,'0'0'231'16,"0"0"-218"-16,-7 108 51 15,-5-57-14-15,0-3-22 16,2-5-22-16,1-8 6 15,1-8-10-15,-1-5-2 16,3-11 1-16,2-5 1 16,1-6 1-16,-3 0-3 15,0-10 0-15,-2-13 2 16,5-4 0-16,3 2 0 0,0 7 6 16,0 3-5-16,0 9 44 15,0 2-18-15,0 3-13 16,0 1-5-16,2 0-11 15,10-4 0-15,4-2 2 16,10-2 2-16,2-3-2 16,-1-2-2-16,-1-3 0 15,-1-3 12-15,-2-1-10 16,0-2 12-16,-3 2 3 16,-7 5-6-16,-6 7 8 15,-4 8-2-15,-3 0-17 16,0 24 0-16,-17 14-11 0,-6 11 11 15,-1 2 1-15,3-4 2 16,6-8-2-16,6-12-1 16,6-11 0-16,3-11-2 15,0-5 1-15,5 0-12 16,15-10 11-16,10-14-3 16,4-2 5-16,2 2 0 15,-3 8 0-15,-1 12 0 16,-7 4 8-16,-5 8 10 15,-6 17-16-15,-5 11 2 16,-4-1-5-16,-5 0 1 16,0-2-7-16,0-5-29 15,-12-3-68-15,-8-13-98 0</inkml:trace>
   <inkml:trace contextRef="#ctx0" brushRef="#br0" timeOffset="64789.21">18801 2975 57 0,'0'0'66'15,"0"0"10"-15,0 0-18 16,0 0 6-16,0 0 3 16,0 0-16-16,0 0 1 15,0 0-9-15,0 0-21 16,73-13-6-16,15-11-14 15,36-6-2-15,33-1 14 16,28-4-14-16,15-1 4 16,5-1-10-16,-13-4 6 15,-23 6-18-15,-33-3-28 0,-34 4 46 16,-37 9 12 0,-35 7-10-16,-24 4-4 0,-6-1 12 15,-21-4-10-15,-10-2 2 16,-6 0 0-16,-2 2 11 15,-1 5 14-15,4 4-13 16,4 9-3-16,7 1-6 16,10 0-2-16,5 0-6 15,10 14-5-15,0 6 1 16,0 9 7-16,12 1-2 16,-2 4-40-16,-2-9-68 15,-8-8-297-15</inkml:trace>
   <inkml:trace contextRef="#ctx0" brushRef="#br0" timeOffset="65645.39">21161 1618 5 0,'0'0'56'0,"0"0"91"15,0 0-27-15,0 0-48 0,0 0 13 16,0 0-31 0,11 6-54-16,-11 50 6 0,0 17 24 15,-11 14-1-15,-5 0-22 16,-2-5 4-16,3-8-11 15,3-9 3-15,3-14 0 16,3-9-3-16,0-16-4 16,5-12 1-16,1-11-14 15,0-3 17-15,0-14 20 16,0-17-14-16,13-15-4 16,9-8 7-16,3-7 13 15,7-1 2-15,5 3-16 0,1 10 12 16,-2 16-5-1,-7 16 9-15,-5 17-6 0,-6 0-18 16,-1 19-8-16,-5 13 6 16,-5 7-11-16,-7 5-25 15,0-1-25-15,0 2-12 16,-6 0-3-16,-1-1-128 16</inkml:trace>
-  <inkml:trace contextRef="#ctx0" brushRef="#br0" timeOffset="66106.96">21583 2238 86 0,'0'0'133'0,"68"-96"-25"16,-40 46 0-16,-6 0 1 0,-8 2-29 16,-7 4-20-16,-5 10-15 15,-2 13 3-15,0 13 6 16,0 8-26-16,-3 0-28 15,-12 16-13-15,-4 17 13 16,-5 12-1-16,6 4 1 16,6-2-5-16,7 1-19 15,5-6-11-15,0-5 17 16,2-3-24-16,11-13-5 16,-1-7 0-16,6-12 6 0,5-2 23 15,6-20 8 1,5-17-22-16,-1-8 20 0,2-7 12 15,-4-6 8-15,-1-6 15 16,-4-5 14-16,-4-1-23 16,-3 5 0-16,-7 16 34 15,-2 18-3-15,-7 19-15 16,-3 12 28-16,0 14-58 16,0 29-23-16,-8 18 23 15,-9 13 7-15,-4 2-5 16,0-3 5-16,0-2-4 15,2-9-3-15,2-6-19 16,4-12-53-16,4-13-11 16,2-15-51-16,2-16-135 15</inkml:trace>
+  <inkml:trace contextRef="#ctx0" brushRef="#br0" timeOffset="66106.95">21583 2238 86 0,'0'0'133'0,"68"-96"-25"16,-40 46 0-16,-6 0 1 0,-8 2-29 16,-7 4-20-16,-5 10-15 15,-2 13 3-15,0 13 6 16,0 8-26-16,-3 0-28 15,-12 16-13-15,-4 17 13 16,-5 12-1-16,6 4 1 16,6-2-5-16,7 1-19 15,5-6-11-15,0-5 17 16,2-3-24-16,11-13-5 16,-1-7 0-16,6-12 6 0,5-2 23 15,6-20 8 1,5-17-22-16,-1-8 20 0,2-7 12 15,-4-6 8-15,-1-6 15 16,-4-5 14-16,-4-1-23 16,-3 5 0-16,-7 16 34 15,-2 18-3-15,-7 19-15 16,-3 12 28-16,0 14-58 16,0 29-23-16,-8 18 23 15,-9 13 7-15,-4 2-5 16,0-3 5-16,0-2-4 15,2-9-3-15,2-6-19 16,4-12-53-16,4-13-11 16,2-15-51-16,2-16-135 15</inkml:trace>
   <inkml:trace contextRef="#ctx0" brushRef="#br0" timeOffset="66245.78">21878 1896 172 0,'0'0'70'0,"0"0"20"15,0 0-56-15,92-42 2 16,-71 42-28-16,-4 0-8 16,-3 6-23-16,-2 8-70 15,-2-3-57-15</inkml:trace>
   <inkml:trace contextRef="#ctx0" brushRef="#br0" timeOffset="66461.62">22053 2146 0 0,'0'0'50'0,"0"0"26"0,0 0-17 16,-25 86-5-16,24-79-12 15,1-5 39-15,0-2 39 16,0 0 12-16,0-14-25 16,6-11-56-16,13-7-32 15,2-5 24-15,1-4-37 16,5-2-6-16,-1 1-3 15,-4 12-59-15,-4 13-42 16,-3 10-112-16</inkml:trace>
   <inkml:trace contextRef="#ctx0" brushRef="#br0" timeOffset="66975.25">22514 1958 426 0,'0'0'109'16,"0"0"-91"-16,0 0 10 0,0 0 21 16,0 0-28-16,0 0-21 15,-53-12-5-15,41 22-10 16,1-1 7-16,0 0-27 15,1 2-11-15,1-4-18 16,-1-1-76-16,4-6-181 16</inkml:trace>
@@ -1940,24 +1943,24 @@
   <inkml:trace contextRef="#ctx0" brushRef="#br0" timeOffset="91373.14">6810 12115 256 0,'0'0'50'16,"-83"-24"-9"-16,41 13-19 15,5-2 23-15,-2-2 8 16,-1-1-29-16,5 4 23 0,10 0-44 15,7 10-3-15,13 2 14 16,4 0-14-16,-5 9-2 16,3 27 1-16,2 19 1 15,1 24 0-15,0 18 6 16,11 18-1-16,6 16 11 16,8 10-10-16,-4-2 3 15,-3-6-7-15,-2-10-1 16,-8-16-1-16,1-14 0 15,-6-11-2-15,-3-13-3 16,0-9-6-16,0-15-10 16,0-10 1-16,0-11-43 0,0-14 27 15,-1-10-164-15</inkml:trace>
   <inkml:trace contextRef="#ctx0" brushRef="#br0" timeOffset="92100.26">7082 12426 195 0,'0'0'125'16,"0"0"-74"-16,0 0-39 16,0 0-6-16,0 0 26 15,0 0 8-15,67-49-12 16,-46 49-12-16,1 0-14 15,-1 15 6-15,-3 5 6 16,-1 0-9-16,-4-2 0 16,-6 2 4-16,-4-2-6 15,-3 5 6-15,-1 5-6 16,-24 4 4-16,-11 8 11 16,-3-1-18-16,0-4 0 15,9-4 1-15,11-6 6 16,10-1-1-16,9-4-6 0,0 4-8 15,13 5 6-15,13-1-1 16,2 1 0-16,-1-3-22 16,-2-4 6-16,-2 0 13 15,-7-4 2-15,-7-1 3 16,-9-5 2-16,0 3 3 16,-3-1 26-16,-18 3 7 15,-7 2-2-15,4-4-10 16,0-4-22-16,8-4 11 15,1-2-8-15,0 0-6 16,4-2-13-16,-1-3-81 16,1 0-135-16</inkml:trace>
   <inkml:trace contextRef="#ctx0" brushRef="#br0" timeOffset="93818.23">7555 11970 44 0,'0'0'82'0,"0"0"-10"0,0 0-58 16,0 0 50-16,0 0-8 16,0 0-18-16,-9 0-24 15,9 0-11-15,6 0 1 16,10 0 34-16,4 0-15 16,-1 0-1-16,6 0-22 15,-1 0 1-15,0-1 7 16,-3-1 1-16,4 2-9 15,-4 0 0-15,0 0 0 16,0 8-1-16,0 14-3 16,-3 16 2-16,-2 17-2 0,-7 17 8 15,-6 14-3-15,-3 10-1 16,0 4 0-16,-7-1 2 16,-5-7-2-16,6-5-2 15,0-11-1-15,0-10 3 16,0-10 0-16,1-9 0 15,1-4 0-15,4-5-2 16,0-6 2-16,0-9 0 16,0-7 0-16,0-12-1 15,0-2 1-15,0-2 5 16,0 0-3-16,0 0 14 16,0 0 1-16,0-13-16 15,0-1-2-15,0 1 0 0,0-1-39 16,0 4-84-1,-12-1-215-15</inkml:trace>
-  <inkml:trace contextRef="#ctx0" brushRef="#br0" timeOffset="137767.38">18855 6889 76 0,'0'0'99'0,"0"0"-37"15,0 0-5-15,0 0-6 16,-44-96-4-16,16 73-23 16,-9-1 0-16,-9 0-1 15,-9-1-4-15,-8-2-15 16,-10 0-2-16,-11-2-1 15,-11-4-1-15,-13 1 0 16,-16-6-11-16,-16-5 7 16,-12 1 0-16,-6 2 4 15,-5 2-11-15,5 7 6 0,4 6 5 16,2 6 8-16,7 5-4 16,5 3-8-16,21 3-3 15,28 2 7-15,31 0 7 16,30 6-2-16,18 0-10 15,11 0-5-15,1 0-6 16,0 0 13-16,0 3-4 16,10 0 7-16,7 1-4 15,2 0-35-15,8 1-40 16,4-5-37-16,3 0-58 16</inkml:trace>
-  <inkml:trace contextRef="#ctx0" brushRef="#br0" timeOffset="138399.35">16811 6149 41 0,'0'0'78'0,"0"0"-12"16,0 0-4 0,0 0-5-16,0 0-2 0,0 0-23 15,-18-24-26-15,1 24 4 16,-5 2-4-16,-8 13 0 16,-7 6 7-16,-9 5-8 15,-1 2 0-15,0-3 0 16,3 1 0-16,10-1-4 15,9-5-1-15,9-2-3 16,9-3 1-16,7 0-7 16,0 1 9-16,32-1 1 15,17-1 0-15,15-3 11 0,9 1-12 16,3-5-47 0,-7-4-105-16</inkml:trace>
+  <inkml:trace contextRef="#ctx0" brushRef="#br0" timeOffset="137767.37">18855 6889 76 0,'0'0'99'0,"0"0"-37"15,0 0-5-15,0 0-6 16,-44-96-4-16,16 73-23 16,-9-1 0-16,-9 0-1 15,-9-1-4-15,-8-2-15 16,-10 0-2-16,-11-2-1 15,-11-4-1-15,-13 1 0 16,-16-6-11-16,-16-5 7 16,-12 1 0-16,-6 2 4 15,-5 2-11-15,5 7 6 0,4 6 5 16,2 6 8-16,7 5-4 16,5 3-8-16,21 3-3 15,28 2 7-15,31 0 7 16,30 6-2-16,18 0-10 15,11 0-5-15,1 0-6 16,0 0 13-16,0 3-4 16,10 0 7-16,7 1-4 15,2 0-35-15,8 1-40 16,4-5-37-16,3 0-58 16</inkml:trace>
+  <inkml:trace contextRef="#ctx0" brushRef="#br0" timeOffset="138399.34">16811 6149 41 0,'0'0'78'0,"0"0"-12"16,0 0-4 0,0 0-5-16,0 0-2 0,0 0-23 15,-18-24-26-15,1 24 4 16,-5 2-4-16,-8 13 0 16,-7 6 7-16,-9 5-8 15,-1 2 0-15,0-3 0 16,3 1 0-16,10-1-4 15,9-5-1-15,9-2-3 16,9-3 1-16,7 0-7 16,0 1 9-16,32-1 1 15,17-1 0-15,15-3 11 0,9 1-12 16,3-5-47 0,-7-4-105-16</inkml:trace>
   <inkml:trace contextRef="#ctx0" brushRef="#br0" timeOffset="-167593.28">9975 11932 134 0,'0'0'89'16,"0"0"-41"-16,0 0 14 15,-82-41 2-15,64 41-19 16,-3 0-13-16,-1 10-26 16,-2 15 0-16,1 9 11 15,-2 4-13-15,1 6 15 16,6 1-10-16,5-5-5 0,10-2-2 15,3-10-2 1,0-10 0-16,16-6 4 0,2-11-2 16,6-1-2-16,1-6 0 15,2-18 2-15,0-9 0 16,3-7-2-16,-2-5 0 16,-1 1 1-16,-9 5 2 15,-8 11-3-15,-5 10 7 16,-5 13 38-16,0 5 6 15,0 18-51-15,0 16 0 16,0 7 5-16,0 4 2 16,0-1-7-16,0-2 0 15,3-1 3-15,6-4-9 0,-2-4-39 16,7-10-55 0,5-14-59-16,8-9-204 0</inkml:trace>
   <inkml:trace contextRef="#ctx0" brushRef="#br0" timeOffset="-167358.98">10324 11956 150 0,'0'0'157'0,"0"0"-77"16,0 0-38-16,-85 16 31 15,61 15-16-15,-3 4-28 0,5 7 8 16,1-1-11-16,12-1-2 15,4-7-5-15,5-1-14 16,0-5-2-16,8-5-3 16,11-5-2-16,5 0-8 15,0-3-56-15,9-7-46 16,8-7-145-16</inkml:trace>
   <inkml:trace contextRef="#ctx0" brushRef="#br0" timeOffset="-167112.15">10573 12025 219 0,'0'0'113'0,"0"0"-24"16,0 0-12-16,0 0-16 0,-88 27-9 16,68 6-24-16,1 6-11 15,4 3 19-15,5-1-19 16,7-4-9-16,3-3-3 15,0-5 0-15,6-4-5 16,12-7 0-16,5-7-2 16,7-10-15-16,5-1-34 15,1 0-34-15,1-9-84 16,3-11-221-16</inkml:trace>
   <inkml:trace contextRef="#ctx0" brushRef="#br0" timeOffset="-166640.56">10673 12365 61 0,'0'0'70'0,"0"0"7"15,0 0 14-15,0 0-19 0,0 0-13 16,0 0-28 0,42-56-5-16,-29 32 13 0,5-4-21 15,1-8-11-15,-1-3 2 16,3-5-7-16,-3-4-1 15,-3 2-1-15,-6 5 0 16,-6 10 16-16,-3 9 9 16,0 11 14-16,0 9 25 15,0 2-21-15,-12 15-43 16,-1 19 3-16,-5 14-3 16,-3 3 19-16,6 1-16 15,0-2-1-15,6-4-2 0,4-4 7 16,1-2-6-1,-2-5-1-15,0 0-8 0,3-11-23 16,3-5-84-16,0-15-73 16,15-4-61-16</inkml:trace>
   <inkml:trace contextRef="#ctx0" brushRef="#br0" timeOffset="-166362.34">11056 12026 50 0,'0'0'258'16,"0"0"-117"-16,0 0-59 16,0 0 3-16,0 0-74 15,0 0-3-15,11 39-8 16,-8-6 6-16,3 4 17 0,-2 0-14 16,-1-2 10-16,-3-2-1 15,0-2-14-15,0-2 11 16,0-6-15-16,-13-2 1 15,1-3 15-15,-3-3-15 16,0-6 1-16,0-3 5 16,-4-4-5-16,-2 2-4 15,1-4-6-15,1 0-98 16,5 0-106-16</inkml:trace>
-  <inkml:trace contextRef="#ctx0" brushRef="#br0" timeOffset="-166040.21">11478 12055 463 0,'0'0'131'15,"0"0"-56"-15,0 0-8 16,0 0-20-16,0 0-47 15,0 0-4-15,-8 65 4 16,2-23 5-16,3 0-2 16,3 0-4-16,0-6 1 15,0-2 0-15,0-4 3 16,0-7 1-16,-3-6-4 0,-6-3 3 16,-3-6-3-16,1 0 18 15,-2-3-16-15,-3-4 1 16,-5-1-3-16,-2 0-9 15,-1-7-136-15,1-22-428 16</inkml:trace>
-  <inkml:trace contextRef="#ctx0" brushRef="#br0" timeOffset="-164961.21">12459 12194 45 0,'0'0'146'0,"0"0"-99"0,0 0-41 16,0 0 0-16,0 0 39 16,85-101-4-16,-75 74 31 15,-10 5-28-15,0 3-8 16,0 5 41-16,-15 12-36 16,-7 2-33-16,-1 13-8 15,-3 20 13-15,2 8-13 16,9 1 7-16,6 0-4 15,9-4 1-15,0-5-4 16,3-7 0-16,10-10 1 16,4-9 7-16,7-7-8 15,9-6 12-15,11-21-11 0,4-10-2 16,6-13-20-16,-4-9 4 16,-2-8 3-16,-5-11-11 15,-7-5 2-15,-8-3 5 16,-9 1 10-16,-9 10 4 15,-9 17 8-15,-1 22-2 16,0 16 30-16,0 17 9 16,-4 3 3-16,-11 31-44 15,-6 17 0-15,-1 15 18 16,-1 8-5-16,7 5 4 16,4-1 4-16,6-2-16 15,3-2-3-15,3-6-1 16,0-7 4-16,0-10-8 15,6-8 3-15,9-9-1 0,6-11-5 16,6-15-22-16,4-5 21 16,6-13 2-16,4-17-31 15,0-11-20-15,-3-3-30 16,-12-6 53-16,-10-2 29 16,-12-1 8-16,-4 10 2 15,0 7 28-15,0 18 38 16,-4 12-7-16,-4 6-12 15,-3 9-47-15,-2 20-3 16,3 11 0-16,1 5 6 16,6 2 3-16,3-4-6 15,0-8-3-15,0-5-3 16,3-6-1-16,13-8-16 0,5-7-71 16,10-9-34-16,4-3-162 15</inkml:trace>
+  <inkml:trace contextRef="#ctx0" brushRef="#br0" timeOffset="-166040.22">11478 12055 463 0,'0'0'131'15,"0"0"-56"-15,0 0-8 16,0 0-20-16,0 0-47 15,0 0-4-15,-8 65 4 16,2-23 5-16,3 0-2 16,3 0-4-16,0-6 1 15,0-2 0-15,0-4 3 16,0-7 1-16,-3-6-4 0,-6-3 3 16,-3-6-3-16,1 0 18 15,-2-3-16-15,-3-4 1 16,-5-1-3-16,-2 0-9 15,-1-7-136-15,1-22-428 16</inkml:trace>
+  <inkml:trace contextRef="#ctx0" brushRef="#br0" timeOffset="-164961.22">12459 12194 45 0,'0'0'146'0,"0"0"-99"0,0 0-41 16,0 0 0-16,0 0 39 16,85-101-4-16,-75 74 31 15,-10 5-28-15,0 3-8 16,0 5 41-16,-15 12-36 16,-7 2-33-16,-1 13-8 15,-3 20 13-15,2 8-13 16,9 1 7-16,6 0-4 15,9-4 1-15,0-5-4 16,3-7 0-16,10-10 1 16,4-9 7-16,7-7-8 15,9-6 12-15,11-21-11 0,4-10-2 16,6-13-20-16,-4-9 4 16,-2-8 3-16,-5-11-11 15,-7-5 2-15,-8-3 5 16,-9 1 10-16,-9 10 4 15,-9 17 8-15,-1 22-2 16,0 16 30-16,0 17 9 16,-4 3 3-16,-11 31-44 15,-6 17 0-15,-1 15 18 16,-1 8-5-16,7 5 4 16,4-1 4-16,6-2-16 15,3-2-3-15,3-6-1 16,0-7 4-16,0-10-8 15,6-8 3-15,9-9-1 0,6-11-5 16,6-15-22-16,4-5 21 16,6-13 2-16,4-17-31 15,0-11-20-15,-3-3-30 16,-12-6 53-16,-10-2 29 16,-12-1 8-16,-4 10 2 15,0 7 28-15,0 18 38 16,-4 12-7-16,-4 6-12 15,-3 9-47-15,-2 20-3 16,3 11 0-16,1 5 6 16,6 2 3-16,3-4-6 15,0-8-3-15,0-5-3 16,3-6-1-16,13-8-16 0,5-7-71 16,10-9-34-16,4-3-162 15</inkml:trace>
   <inkml:trace contextRef="#ctx0" brushRef="#br0" timeOffset="-164434.18">13297 12061 155 0,'0'0'154'0,"0"0"-73"15,-21 100-6-15,15-74-13 16,2-4-31-16,1-5-12 0,-3-6 6 15,5-5-17-15,1-5 5 16,0-1 0-16,0 0-3 16,0-18 51-16,16-14-61 15,5-8-6-15,0-5-7 16,1-3-22-16,-6 1 27 16,-2 9-14-16,-2 9 20 15,-5 11-3-15,-1 17 10 16,0 1-4-16,0 25-1 15,2 15 0-15,-4 2 15 16,-4 3 1-16,0-3-4 16,0 0 5-16,0-10-17 15,-6-7 0-15,3-8 0 0,2-9 5 16,1-8-5 0,0 0 8-16,0-9 1 0,8-14 2 15,11-11-11-15,3-2 0 16,5-4-3-16,2 1-17 15,6 6 5-15,-1 10 5 16,-4 12 1-16,-3 11 6 16,-9 0-1-16,-3 21-6 15,-6 6 8-15,-2 0 4 16,-1-3 13-16,-3 1-12 16,-3 0 0-16,0 0 0 15,0-1-3-15,-3 3-31 16,-6-2-94-16,6-6-130 15</inkml:trace>
   <inkml:trace contextRef="#ctx0" brushRef="#br0" timeOffset="-163423.48">13921 12148 138 0,'0'0'84'16,"0"0"15"-16,18-106 4 15,-18 73-40-15,0 4 20 16,0 11-5-16,-9 8-23 16,3 10-3-16,-8 1-43 15,-3 26-6-15,-6 11-3 16,2 8 1-16,3 1 3 0,8 0 0 16,4-5-4-16,6-8 0 15,0-7 4-15,0-9 0 16,12-7-8-16,6-8-3 15,1-3-18-15,7-1-1 16,2-18-50-16,0-6-23 16,-4-5 8-16,-3-2 13 15,-5 4 52-15,-7 4-3 16,-1 11 29-16,-2 7 99 16,-5 6 8-16,2 5-68 15,-1 15-35-15,-2 9 38 16,0 3 4-16,0 0-21 0,0-3-15 15,0-4 4-15,-3-5-13 16,1-7-1-16,2-6 2 16,0-7 3-16,0 0 8 15,12-21-6-15,7-12 0 16,4-7-14-16,4-7 4 16,-3-4-22-16,-1 5 10 15,-4 5 10-15,-3 9 5 16,-3 14 0-16,-2 11 1 15,-1 7 21-15,1 13-15 16,0 18-4-16,0 9 21 16,-2 2-3-16,-3 2-1 15,-3-2-12-15,-2-5-5 0,-1-2 2 16,0-7-3 0,2-8-2-16,-1-7 0 0,2-8-26 15,3-5-12-15,8-5 13 16,4-22 11-16,4-11-3 15,6-13-2-15,1-11 9 16,-1-13 4-16,-1-9-19 16,0-5 6-16,-3-2-2 15,-4 8 18-15,-1 21 3 16,-6 25 14-16,-6 22 54 16,-2 15 22-16,-5 20-81 15,0 27 0-15,0 28 28 0,-6 8 10 16,-12 5-12-1,-3-1-24-15,-4-5-1 0,-2-11-7 16,5-14 1-16,6-17-8 16,9-18-1-16,5-10-34 15,2-12 4-15,0-1-8 16,5-27 19-16,6-12-75 16,5-8 24-16,-4-1 19 15,-2 3 24-15,2 11 21 16,-1 8 10-16,-1 7 2 15,3 7 16-15,4 3-12 16,2 0-3-16,4 3 2 16,1 5 7-16,-2 2 6 15,-4 6 27-15,-6 16-9 16,-8 5-1-16,-4 4 11 0,0 3-15 16,-6-3 3-16,-6-4-13 15,-2-3-11-15,-2-3 0 16,2-3-9-16,-3 1-65 15,-8-5-134-15</inkml:trace>
   <inkml:trace contextRef="#ctx0" brushRef="#br0" timeOffset="-161966.37">10631 13515 69 0,'0'0'181'0,"0"0"-89"0,0 0-10 16,0 0 18-16,0 0-25 16,0 0-18-16,-12-49-14 15,12 39-9-15,0-3 9 16,0-1-25-16,6-6-14 16,15-4 9-16,9-8-11 15,3-5 1-15,1-5 2 16,-1-5 0-16,-8-1 14 15,-10 2-12-15,-10-1 1 16,-5 11 3-16,-5 8-11 16,-8 10 0-16,1 10 0 15,6 8-12-15,0 0 7 16,3 1-12-16,1 14-14 0,2 2 23 16,0 2-12-16,12 1 18 15,9 4-2-15,0-1-14 16,0 1 17-16,-2 1-13 15,-5-1 14-15,-1-4-6 16,-5-1 9-16,-5-5-3 16,-3 3 0-16,0-2 0 15,-5 0 2-15,-7 5 12 16,-4 2-5-16,2 5 6 16,4 6-11-16,6 5-3 15,4 0-1-15,0 1 2 16,6-8-4-16,20-8-54 0,12-13-14 15,12-10 25-15,7-4-29 16,4-19-17-16,-7-7-103 16,-11-5 27-16,-10 1 167 15,-11-4 25-15,-10-3 36 16,-7-4 43-16,-2-1-19 16,-3 1-5-16,0 11 3 15,-3 14-12-15,-6 11 3 16,-9 9-35-16,-3 9-30 15,-3 19-7-15,-1 9 4 16,4 4-6-16,3 1 4 16,9-4-2-16,2-4 1 15,7-6-3-15,0-7 0 0,0-8-2 16,4-9 2 0,8-4 0-16,6 0-4 0,3-10-3 15,4-12 3-15,-3-4-9 16,-3-2 13-16,-3 1-1 15,-6 3 3-15,-2 9-2 16,-1 5 22-16,-4 10 2 16,3 0-2-16,2 18-22 15,3 16 0-15,-3 5 14 16,0 2-11-16,-5-1-2 16,-2-3 1-16,-1-8 1 15,0-6-3-15,2-10 0 16,-1-9 0-16,1-4 2 15,2 0 0-15,3-18-4 0,2-11 2 16,6-5-12-16,-1-9 9 16,-4-4-18-16,2-1 8 15,-3 7 11-15,-1 9-1 16,-2 12 3-16,-1 10 4 16,0 10 5-16,2 0 5 15,7 16-14-15,5 15 0 16,3 0 33-16,1 1-27 15,-2-3 16-15,0-6-1 16,-2-3-17-16,-7-6 13 16,0-4-17-16,-3 0 1 15,-3-3-3-15,-2 1 2 16,2 0-55-16,2-1-47 0,4-3-32 16,0-3-77-16</inkml:trace>
   <inkml:trace contextRef="#ctx0" brushRef="#br0" timeOffset="-161344.72">11616 13459 296 0,'0'0'119'0,"0"0"-59"16,3-80 41-16,10 51-20 16,1 8-44-16,0 4-8 15,-3 10-19-15,-3 5 15 0,2 2-22 16,0 0 3-1,2 9-12-15,2 9 5 0,-5 2 1 16,0-1-2-16,-2 5 5 16,-1 1-6-16,-3 3-1 15,0 2-46-15,-3 1 8 16,5-2-44-16,-1-3-42 16,6-9-140-16</inkml:trace>
   <inkml:trace contextRef="#ctx0" brushRef="#br0" timeOffset="-160864.5">12190 13290 383 0,'0'0'124'16,"0"0"-50"-16,0 0-33 15,0 0-14-15,0 0-14 16,-107 46-11-16,74-5 7 16,2 0 6-16,4-1-11 15,9-5 12-15,3-4-15 16,8-7-1-16,2-7 0 16,2-7 6-16,3-8-7 15,0-2 1-15,3-2 0 16,18-22-4-16,7-9 4 0,3-9-10 15,2-12-9 1,0-6-17-16,-2-8 6 0,-4-7-15 16,-4-3-4-16,-7 5 37 15,-5 15 6-15,-7 19 6 16,-4 19 66-16,0 14 11 16,0 6 11-16,0 10-84 15,-3 27 22-15,-6 15-22 16,0 16 22-16,-1 2-3 15,4 1-13-15,1-6-9 16,2-9 6-16,3-7-7 16,0-6-8-16,0-11-71 15,2-11-35-15,13-11-29 16,9-10-132-16</inkml:trace>
-  <inkml:trace contextRef="#ctx0" brushRef="#br0" timeOffset="-160558.73">12380 13343 404 0,'0'0'132'0,"0"0"-130"15,0 0 56-15,0 0 9 16,-79 107-26-16,62-64-18 16,-1 0-17-16,6-3-6 15,6-5 7-15,6-9-5 0,0-10-2 16,8-10 7-1,16-6-6-15,5-4 10 0,6-21-11 16,2-8-21-16,-5-5 10 16,-6-3-9-16,-9-7 20 15,-10 1 0-15,-7 4 2 16,0 10-5-16,-12 9 6 16,-7 13 0-16,-7 11-3 15,-3 0-11-15,-3 13-53 16,4 8-69-16,6-1-228 15</inkml:trace>
+  <inkml:trace contextRef="#ctx0" brushRef="#br0" timeOffset="-160558.74">12380 13343 404 0,'0'0'132'0,"0"0"-130"15,0 0 56-15,0 0 9 16,-79 107-26-16,62-64-18 16,-1 0-17-16,6-3-6 15,6-5 7-15,6-9-5 0,0-10-2 16,8-10 7-1,16-6-6-15,5-4 10 0,6-21-11 16,2-8-21-16,-5-5 10 16,-6-3-9-16,-9-7 20 15,-10 1 0-15,-7 4 2 16,0 10-5-16,-12 9 6 16,-7 13 0-16,-7 11-3 15,-3 0-11-15,-3 13-53 16,4 8-69-16,6-1-228 15</inkml:trace>
   <inkml:trace contextRef="#ctx0" brushRef="#br0" timeOffset="-160054.49">12607 13462 151 0,'0'0'150'16,"0"0"-53"-16,0 0-12 16,23 94 8-16,-21-78-44 15,-1-5-30-15,1-7-5 16,-1-4-2-16,1 0 5 16,7-7 48-16,0-14-32 0,1-9-33 15,5-1 0 1,0-1-4-16,-2 8-1 0,-4 10-8 15,-4 7 13-15,-2 7-2 16,-2 2-7-16,-1 20-4 16,0 5 11-16,0 1 4 15,-4 0-2-15,-2-4 0 16,-2-3 0-16,1-7-2 16,4-6-2-16,3-8-21 15,0 0 25-15,0-12 7 16,18-13-7-16,7-7-8 15,6-3 8-15,5 0-5 16,2 2 2-16,-2 10 3 16,-5 6 0-16,-9 11 4 15,-4 6 4-15,-6 0-8 0,-3 13 6 16,-2 6-4-16,-5 5 0 16,-2 2-1-16,0-3 0 15,-4-1-1-15,-5-5-45 16,-2-4-93-16,2-9-98 15</inkml:trace>
   <inkml:trace contextRef="#ctx0" brushRef="#br0" timeOffset="-159820.37">13278 12984 369 0,'0'0'129'0,"-25"134"-62"15,3-64 2-15,-1-3-31 16,-3 0-35-16,1-4-3 16,4-6-2-16,3-9-90 15,11-12-83-15,7-14-224 16</inkml:trace>
-  <inkml:trace contextRef="#ctx0" brushRef="#br0" timeOffset="-159379.17">13457 13372 394 0,'0'0'26'0,"0"0"-7"15,0 0-4-15,-15 90 13 16,15-70 2-16,0-9-30 15,0-9-19-15,19-2 9 16,2-4 6-16,0-12 4 16,-1-3 0-16,-6-2 2 15,-2 4 31-15,-6 2-22 16,-3 9-1-16,-3 6 0 16,0 5-10-16,-16 21 0 15,-6 11 32-15,-4 16-5 16,7 9 33-16,2 16-12 0,4 21 5 15,0 20-35-15,3 17-10 16,1 15-8-16,2-1 2 16,6-11-2-16,-4-10 0 15,-1-22 3-15,-1-24-3 16,-5-27 4-16,0-23-2 16,-9-22 8-16,-6-11-4 15,-6-7 39-15,1-18-11 16,5-10-25-16,10-5 20 15,11-6-22-15,6-8-2 16,9-5-10-16,21-7-28 16,13-4-55-16,5-3-62 15,4-2-164-15</inkml:trace>
+  <inkml:trace contextRef="#ctx0" brushRef="#br0" timeOffset="-159379.18">13457 13372 394 0,'0'0'26'0,"0"0"-7"15,0 0-4-15,-15 90 13 16,15-70 2-16,0-9-30 15,0-9-19-15,19-2 9 16,2-4 6-16,0-12 4 16,-1-3 0-16,-6-2 2 15,-2 4 31-15,-6 2-22 16,-3 9-1-16,-3 6 0 16,0 5-10-16,-16 21 0 15,-6 11 32-15,-4 16-5 16,7 9 33-16,2 16-12 0,4 21 5 15,0 20-35-15,3 17-10 16,1 15-8-16,2-1 2 16,6-11-2-16,-4-10 0 15,-1-22 3-15,-1-24-3 16,-5-27 4-16,0-23-2 16,-9-22 8-16,-6-11-4 15,-6-7 39-15,1-18-11 16,5-10-25-16,10-5 20 15,11-6-22-15,6-8-2 16,9-5-10-16,21-7-28 16,13-4-55-16,5-3-62 15,4-2-164-15</inkml:trace>
   <inkml:trace contextRef="#ctx0" brushRef="#br0" timeOffset="-157563.33">14386 13555 72 0,'0'0'9'16,"0"0"-6"-16,0 0 16 15,0 0 46-15,0 0 9 16,0 0-11-16,75-3-34 16,-54-27-12-16,0-7 24 15,-1-5-33-15,0-7 7 0,-1-2-15 16,-2-2 4-16,-2 2 3 16,-5 6-1-16,-4 12 4 15,-2 12 18-15,-4 15 28 16,0 6 20-16,0 20-76 15,-10 17 0-15,-5 9 4 16,0 4-4-16,3-4 3 16,5-5-3-16,5-12 2 15,2-10-5-15,0-8 3 16,0-9 0-16,0-2 9 16,9-2-3-16,8-16 2 15,7-8-5-15,1-3 0 0,-4 2-1 16,-3 3-2-1,-5 10 0-15,-4 7 30 0,-4 7-15 16,-1 0-5-16,1 17-10 16,0 11 0-16,1 7 1 15,-1 0-1-15,1 0 2 16,0-5-2-16,6-3 0 16,3-8-52-16,9-11-25 15,7-8-39-15,5 0-16 16,3-17-75-16</inkml:trace>
   <inkml:trace contextRef="#ctx0" brushRef="#br0" timeOffset="-157317.25">15078 13260 232 0,'0'0'158'0,"0"0"-94"16,0 0 1-16,-89-52-19 0,46 52-23 16,9 0 0-16,10 20-20 15,16 7-6-15,8 9 2 16,6 2 1-16,14 1 14 15,0-4-14-15,-5-3 11 16,-3-5 2-16,-4-7-5 16,-7-2 16-16,-1-9-3 15,0 0-16-15,0-3 14 16,-7-1-12-16,-4 0 5 16,5-3-12-16,6 0-7 15,0 2-70-15,0-2-67 16,20-2-21-16</inkml:trace>
   <inkml:trace contextRef="#ctx0" brushRef="#br0" timeOffset="-157143.28">15335 13446 271 0,'0'0'75'0,"0"0"-40"16,0 0 8-16,0 0 6 15,-70 99-33-15,64-79-10 16,5-6-6-16,1-4-41 16,0-10-130-16</inkml:trace>
@@ -1969,20 +1972,20 @@
   <inkml:trace contextRef="#ctx0" brushRef="#br0" timeOffset="-155465.47">16928 13504 220 0,'0'0'97'15,"0"0"-52"-15,0 0-18 16,0 0 30-16,0 0 3 16,0 0 16-16,0 71 16 15,0-90 10-15,3-9-100 0,8-10 5 16,7-7-7 0,9-6 6-16,4 2-8 0,0 7 2 15,-5 13 0-15,-4 13-5 16,-6 13 2-16,0 3 2 15,-2 22-6-15,1 13 1 16,0 7-3-16,-6 5 11 16,-4-3-2-16,-5-2 0 15,0-5 4-15,0-5-8 16,0-4-57-16,0-8-34 16,9-6-28-16,9-9-126 15</inkml:trace>
   <inkml:trace contextRef="#ctx0" brushRef="#br0" timeOffset="-155014.39">17585 13261 249 0,'0'0'141'0,"0"0"-40"16,-82-26-10-16,46 37-18 15,-1 21-34-15,-4 13 4 16,5 8-33-16,8 0 7 16,8-5-12-16,9-6-2 15,7-9 1-15,4-10-3 0,0-14 0 16,11-9 2-16,15 0-3 16,7-23 0-16,7-17 0 15,2-8-14-15,1-10 2 16,-6-10 10-16,-1-9-24 15,-3-11-4-15,-5-4-24 16,-4-5 0-16,-3 10 17 16,-7 18 12-16,-5 22 25 15,-2 26 20-15,-6 19 49 16,-1 6-27-16,0 32-30 16,0 18-12-16,-8 17 42 15,-6 3-24-15,-4 0-4 16,0-1-13-16,2-5 4 0,2-9-10 15,3-7 4-15,3-5-61 16,4-7-20-16,2-9-82 16,2-9-158-16</inkml:trace>
   <inkml:trace contextRef="#ctx0" brushRef="#br0" timeOffset="-154751.52">17852 13301 159 0,'0'0'159'15,"0"-82"-56"-15,0 47-26 0,0 13 20 16,0 13 22 0,-6 9-37-16,-6 15-73 0,-8 24-3 15,0 12-6-15,1 6 10 16,5 0 3-16,7-8-11 15,5-5 2-15,2-9-4 16,0-9-5-16,10-10-36 16,7-10-39-16,4-6-13 15,4-2-88-15</inkml:trace>
-  <inkml:trace contextRef="#ctx0" brushRef="#br0" timeOffset="-154414.14">18070 13376 191 0,'0'0'135'0,"0"0"-55"16,-13 84-8-16,1-55 18 15,-3-4-44-15,3-5-26 16,4-6-3-16,5-10-17 16,3-4 5-16,0 0 8 15,6-7 22-15,15-17 18 16,9-7-49-16,6-9-4 15,1-5 0-15,3-6-7 16,3-2-13-16,-5 0-5 16,-5 12-7-16,-11 12 30 15,-10 15 2-15,-10 14 34 0,-2 15-26 16,0 31 15-16,-20 16-21 16,-4 5 17-16,-3 7-11 15,4-7 0-15,5-4-8 16,12-8-5-16,6-11-81 15,6-14-78-15,19-13-224 16</inkml:trace>
+  <inkml:trace contextRef="#ctx0" brushRef="#br0" timeOffset="-154414.15">18070 13376 191 0,'0'0'135'0,"0"0"-55"16,-13 84-8-16,1-55 18 15,-3-4-44-15,3-5-26 16,4-6-3-16,5-10-17 16,3-4 5-16,0 0 8 15,6-7 22-15,15-17 18 16,9-7-49-16,6-9-4 15,1-5 0-15,3-6-7 16,3-2-13-16,-5 0-5 16,-5 12-7-16,-11 12 30 15,-10 15 2-15,-10 14 34 0,-2 15-26 16,0 31 15-16,-20 16-21 16,-4 5 17-16,-3 7-11 15,4-7 0-15,5-4-8 16,12-8-5-16,6-11-81 15,6-14-78-15,19-13-224 16</inkml:trace>
   <inkml:trace contextRef="#ctx0" brushRef="#br0" timeOffset="-153530.56">19162 11317 254 0,'0'0'4'0,"0"0"37"16,0 0-4-16,0 0-16 15,0 0 14-15,91-53-23 16,-52 62-8-16,10 27 1 16,3 20-4-16,1 19-1 15,-1 9 0-15,-16 2 0 16,-11-4-4-16,-13-4 4 15,-12-4 0-15,0 7 0 16,-27 1 6-16,-27 5 44 16,-16 2 24-16,-9 5-25 15,3 1 7-15,9 1-35 0,16 4-7 16,15 2-8-16,17-5-5 16,17-3-1-16,2-2 2 15,2-4 3-15,2 5-4 16,-4 1-1-16,0-3 0 15,0-3-5-15,0 0 7 16,7-4-2-16,13 5 0 16,6-5 4-16,5 4-6 15,-1 8 2-15,-11-3 0 16,-5 3 2-16,-14 3 2 16,-12-12 25-16,-15-8-22 15,-2-16-6-15,7-20 2 16,11-14-2-16,7-10 0 0,4-10-2 15,9-3-39-15,14-6-53 16,7-11-146-16</inkml:trace>
   <inkml:trace contextRef="#ctx0" brushRef="#br0" timeOffset="-143847.6">20260 12392 45 0,'0'0'75'0,"0"0"9"0,-88-28-11 16,55 25 21-16,0 3-43 16,-1 0-10-16,-3 12-6 15,-6 18-13-15,-9 17 19 16,-3 18 1-16,0 13-11 16,6 11-9-16,13 0-22 15,16-2 9-15,15-2-9 16,5-5 0-16,15-10 6 15,13-10-6-15,2-15 0 16,1-13-1-16,2-15-5 0,5-13 6 16,7-4 0-1,10-16 0-15,9-17 1 0,4-12-1 16,-2-9 0-16,-3-9-2 16,-5-8 6-16,-9-7-4 15,-4-6 0-15,-11-9-9 16,-9-4 6-16,-11 8-8 15,-14 4 10-15,-11 11-1 16,-33 14-11-16,-11 9-32 16,-2 11 3-16,2 19 42 15,10 17-16-15,8 4-56 16,8 27-25-16,13 6-42 16,9 3-67-16</inkml:trace>
   <inkml:trace contextRef="#ctx0" brushRef="#br0" timeOffset="-143555.54">20912 12218 283 0,'0'0'59'15,"-108"88"27"-15,25-19-19 16,-3 20 0-16,12 21 8 16,16 16-42-16,17 6 6 15,12 0-30-15,10-14 0 0,4-9-7 16,11-20 2-16,4-15-8 16,1-14-26-16,20-16-39 15,4-12 5-15,3-14-60 16,4-11 0-16,7-7-124 15</inkml:trace>
-  <inkml:trace contextRef="#ctx0" brushRef="#br0" timeOffset="-143353.14">21155 12732 143 0,'0'0'159'0,"-33"107"-86"0,8-35-16 16,3 0-24-16,1-2 2 16,1-5-20-16,0-8-11 15,-2-5-4-15,-1-5-1 16,0-9-76-16,7-10-106 16</inkml:trace>
-  <inkml:trace contextRef="#ctx0" brushRef="#br0" timeOffset="-143050.24">21691 12169 184 0,'0'0'63'0,"83"186"22"16,-54-44-16-16,-20 23-36 16,-9 10-1-16,-24-2-10 15,-18-18-4-15,-13-26 8 16,-11-22-14-16,-8-21-7 16,-11-14 47-16,0-10-47 15,4-10-3-15,5-5 1 16,9-9-3-16,1-7-136 0,5-7-194 15</inkml:trace>
+  <inkml:trace contextRef="#ctx0" brushRef="#br0" timeOffset="-143353.15">21155 12732 143 0,'0'0'159'0,"-33"107"-86"0,8-35-16 16,3 0-24-16,1-2 2 16,1-5-20-16,0-8-11 15,-2-5-4-15,-1-5-1 16,0-9-76-16,7-10-106 16</inkml:trace>
+  <inkml:trace contextRef="#ctx0" brushRef="#br0" timeOffset="-143050.25">21691 12169 184 0,'0'0'63'0,"83"186"22"16,-54-44-16-16,-20 23-36 16,-9 10-1-16,-24-2-10 15,-18-18-4-15,-13-26 8 16,-11-22-14-16,-8-21-7 16,-11-14 47-16,0-10-47 15,4-10-3-15,5-5 1 16,9-9-3-16,1-7-136 0,5-7-194 15</inkml:trace>
   <inkml:trace contextRef="#ctx0" brushRef="#br0" timeOffset="-2835.24">17142 6438 6 0,'0'0'62'15,"-154"5"-35"-15,63-1-2 16,-1 1 9-16,-5 0-12 16,-8-3-22-16,-2-1 0 15,0 0 9-15,13 2-12 16,19 1 3-16,20 3 0 16,19 3-7-16,12 0-31 0,12 1-71 15</inkml:trace>
   <inkml:trace contextRef="#ctx0" brushRef="#br0" timeOffset="-2565.23">16172 6338 32 0,'0'0'77'15,"0"0"-73"-15,0 0 0 16,0 0 26-16,0 0 5 0,0 0 2 16,-62 101-20-16,46-77 3 15,3 1 4-15,6 0-11 16,4 0 7-16,3 0-15 16,0 0-4-16,16-1 8 15,21-1-9-15,16-4 0 16,14-5-117-16</inkml:trace>
   <inkml:trace contextRef="#ctx0" brushRef="#br0" timeOffset="1949.96">4580 5145 13 0,'0'0'48'15,"0"0"-3"-15,0 0 0 16,0 0-3-16,0 0 4 16,0 0-3-16,0 0-18 15,-15-17-20-15,15 17-5 16,6 0-13-16,15 11 13 16,7 3 20-16,8 1-2 15,10 8 0-15,5 9-7 16,4 10-6-16,0 14 15 15,-1 13-17-15,-6 6 1 16,-5 2-8-16,-7-3 11 0,-8-6-4 16,-1-10-3-16,-9-6 4 15,0-5-5-15,-5-7 1 16,-5-6-1-16,-1-6 1 16,-2-6 0-16,-2-10-4 15,-3-3-1-15,0-2-41 16,0-6-31-16,0-1-30 15,-8 0-4-15</inkml:trace>
   <inkml:trace contextRef="#ctx0" brushRef="#br0" timeOffset="2198.97">4996 5839 37 0,'0'0'45'16,"0"0"-17"-16,0 0 16 15,0 0 2-15,52 96-15 16,-38-79 0-16,1-2-16 16,-3-4-9-16,-1-1 11 15,-3-5-15-15,1-4 5 16,0-1 28-16,6 0 11 16,0-11-7-16,4-9-14 15,0-5-21-15,-2-2 11 16,-4 1-15-16,-4 2-6 15,-6 2-122-15</inkml:trace>
   <inkml:trace contextRef="#ctx0" brushRef="#br0" timeOffset="13937.75">23926 12982 68 0,'0'0'50'0,"0"0"8"16,0 0-8-16,101 0-16 16,-47 0-18-16,15 5 4 15,17 8 5-15,19-1-4 16,14 9 6-16,13 3-20 15,14 4-6-15,13 6 14 0,19 2-13 16,17 6 4 0,13-2 10-16,5 3-6 0,5 4-1 15,5-1 1-15,10 2-8 16,12 3 10-16,10-1-11 16,7 5-1-16,3 2 0 15,9 0 3-15,7 0-3 16,-1 1 0-16,-8 4 0 15,-8 2-2-15,-14 1 2 16,-6-5 0-16,-19-3-1 16,-21-8 3-16,-20-7-3 15,-25-5 1-15,-16-8-3 16,-20-6 0-16,-25-10-2 16,-30-7-10-16,-28-6 2 15,-24 0-13-15,-16-2 0 0,0-11-133 16,-14-3 20-16</inkml:trace>
-  <inkml:trace contextRef="#ctx0" brushRef="#br0" timeOffset="15444.85">23880 12943 154 0,'0'0'57'16,"0"0"-57"-16,0 0 0 15,-17 92 0-15,10-38 0 16,-5 4 2-16,1 3 2 15,-2 5 3-15,-4 5-6 16,-3 3 4-16,-7 7 42 16,-4 2-11-16,-2-2-24 15,-5 5-7-15,-2 9 9 16,-2 1 12-16,5 2 19 0,6-7-41 16,8-7-3-1,4-8 8-15,3-7 7 0,6-10-16 16,6-9 4-16,4-12-4 15,0-8 0-15,0-9 0 16,9-6 6-16,6-5-6 16,0-3 5-16,7-1-4 15,9-3 1-15,16-3 2 16,20 0 7-16,14 0-11 16,14 0 0-16,20 0 0 15,16 0 0-15,17 6 0 16,13 10 4-16,1 12-4 15,6 8 4-15,8 0-4 16,13 7 1-16,20-2-2 0,18 3 9 16,5 5-8-16,0 0 9 15,3 2-7-15,0 0-1 16,-1 5 4-16,-7 5-1 16,-14 4 5-16,-15 3 1 15,-17-4-4-15,-14-8 2 16,-10-9-2-16,-16-8-6 15,-11-9 0-15,-10-4 6 16,-13-6-6-16,-7-1 0 16,-9-2 0-16,-9 1 0 15,-13-2 0-15,-11-1 0 16,-13-5-4-16,-8-4 8 16,-7 1 3-16,-2-4-5 15,-1-3-1-15,-1 0 5 0,0 0-5 16,-3 0 11-16,-3-4 6 15,-6-2-18-15,-5 2 27 16,0-1-18-16,-2-2-7 16,1 1 8-16,1-3-8 15,-2 4 1-15,1-4 0 16,2 5-1-16,0 1-4 16,0 3-1-16,-1 0-11 15,-1 2 10-15,-2 12-4 16,2 3 8-16,-1-2 0 15,1-3 1-15,-1-1 2 0,-1-6-3 16,3-1 0 0,7 1 7-16,11-4-6 0,11-1 4 15,10 0-1-15,8 0-4 16,8-7-19-16,8-10 10 16,7-9-16-16,6-6 6 15,1-8-3-15,-2-11 6 16,-2-7 11-16,-6-8 0 15,-6-11 5-15,-4 1 5 16,-8 4 11-16,-6 12 22 16,-11 14-4-16,-11 14 11 15,-12 5 24-15,-7 7-42 16,-6 3 0-16,-5 8-27 16,0 0-15-16,0 4-10 15,0-2-16-15,0 2 25 0,0 1-14 16,0-2-79-16,-8-7-69 15</inkml:trace>
+  <inkml:trace contextRef="#ctx0" brushRef="#br0" timeOffset="15444.84">23880 12943 154 0,'0'0'57'16,"0"0"-57"-16,0 0 0 15,-17 92 0-15,10-38 0 16,-5 4 2-16,1 3 2 15,-2 5 3-15,-4 5-6 16,-3 3 4-16,-7 7 42 16,-4 2-11-16,-2-2-24 15,-5 5-7-15,-2 9 9 16,-2 1 12-16,5 2 19 0,6-7-41 16,8-7-3-1,4-8 8-15,3-7 7 0,6-10-16 16,6-9 4-16,4-12-4 15,0-8 0-15,0-9 0 16,9-6 6-16,6-5-6 16,0-3 5-16,7-1-4 15,9-3 1-15,16-3 2 16,20 0 7-16,14 0-11 16,14 0 0-16,20 0 0 15,16 0 0-15,17 6 0 16,13 10 4-16,1 12-4 15,6 8 4-15,8 0-4 16,13 7 1-16,20-2-2 0,18 3 9 16,5 5-8-16,0 0 9 15,3 2-7-15,0 0-1 16,-1 5 4-16,-7 5-1 16,-14 4 5-16,-15 3 1 15,-17-4-4-15,-14-8 2 16,-10-9-2-16,-16-8-6 15,-11-9 0-15,-10-4 6 16,-13-6-6-16,-7-1 0 16,-9-2 0-16,-9 1 0 15,-13-2 0-15,-11-1 0 16,-13-5-4-16,-8-4 8 16,-7 1 3-16,-2-4-5 15,-1-3-1-15,-1 0 5 0,0 0-5 16,-3 0 11-16,-3-4 6 15,-6-2-18-15,-5 2 27 16,0-1-18-16,-2-2-7 16,1 1 8-16,1-3-8 15,-2 4 1-15,1-4 0 16,2 5-1-16,0 1-4 16,0 3-1-16,-1 0-11 15,-1 2 10-15,-2 12-4 16,2 3 8-16,-1-2 0 15,1-3 1-15,-1-1 2 0,-1-6-3 16,3-1 0 0,7 1 7-16,11-4-6 0,11-1 4 15,10 0-1-15,8 0-4 16,8-7-19-16,8-10 10 16,7-9-16-16,6-6 6 15,1-8-3-15,-2-11 6 16,-2-7 11-16,-6-8 0 15,-6-11 5-15,-4 1 5 16,-8 4 11-16,-6 12 22 16,-11 14-4-16,-11 14 11 15,-12 5 24-15,-7 7-42 16,-6 3 0-16,-5 8-27 16,0 0-15-16,0 4-10 15,0-2-16-15,0 2 25 0,0 1-14 16,0-2-79-16,-8-7-69 15</inkml:trace>
   <inkml:trace contextRef="#ctx0" brushRef="#br0" timeOffset="16202.51">24663 13227 78 0,'0'0'82'15,"-71"110"-37"-15,33-39-11 16,1 0 7-16,1 2-13 16,0 0 2-16,0 2 17 15,1-4 0-15,0-1-30 16,1 1-16-16,0-3 3 16,2-7-4-16,7-6 2 15,5-14-2-15,7-9 0 0,4-8-23 16,4-9-27-16,5-5-121 15,0-7-29-15</inkml:trace>
-  <inkml:trace contextRef="#ctx0" brushRef="#br0" timeOffset="16600.51">25397 13446 207 0,'0'0'123'0,"0"0"-77"15,0 0-1-15,0 0-42 16,0 0-3-16,0 0 42 16,-91 133-9-16,49-57-5 15,-1 12-6-15,-5 9 10 16,-1 8-4-16,-5 4-26 16,2 2 1-16,3-7-3 0,4-8 4 15,12-14 23 1,6-14-27-16,12-15 1 0,5-12-3 15,4-11 2-15,6-11-85 16,0-17-60-16,21-4-80 16</inkml:trace>
+  <inkml:trace contextRef="#ctx0" brushRef="#br0" timeOffset="16600.5">25397 13446 207 0,'0'0'123'0,"0"0"-77"15,0 0-1-15,0 0-42 16,0 0-3-16,0 0 42 16,-91 133-9-16,49-57-5 15,-1 12-6-15,-5 9 10 16,-1 8-4-16,-5 4-26 16,2 2 1-16,3-7-3 0,4-8 4 15,12-14 23 1,6-14-27-16,12-15 1 0,5-12-3 15,4-11 2-15,6-11-85 16,0-17-60-16,21-4-80 16</inkml:trace>
   <inkml:trace contextRef="#ctx0" brushRef="#br0" timeOffset="16907.84">26050 13500 180 0,'0'0'18'0,"0"0"2"15,-28 135 1-15,4-56 10 16,-7 13 46-16,-8 17 3 15,-7 5-38-15,-4-3-25 16,-2-3-15-16,2-14 1 16,3-9 0-16,5-7-3 15,5-17 0-15,8-9 4 16,7-15-8-16,9-14-20 16,6-7-69-16,7-12-81 15</inkml:trace>
   <inkml:trace contextRef="#ctx0" brushRef="#br0" timeOffset="17237.66">26760 13621 176 0,'0'0'65'16,"0"0"-40"-16,0 0-18 0,0 0-6 16,13 100 72-16,-29-21-11 15,-12 24-4-15,-8 15-24 16,-11 4-13-16,-3 3-2 16,-3-10-16-16,-1-8 0 15,8-9 2-15,3-16-3 16,7-16 0-16,6-8 0 15,3-12 5-15,7-10-14 16,6-11-32-16,9-11-39 16,5-13-39-16,11-1-25 15</inkml:trace>
   <inkml:trace contextRef="#ctx0" brushRef="#br0" timeOffset="17523.41">27507 13846 363 0,'0'0'24'0,"0"0"-22"16,-42 144-2-16,7-38 15 15,-6 12 24-15,-1 10 7 16,-4 3-16-16,1-9-25 15,3-8 7-15,2-10 12 0,6-17-18 16,5-11 1 0,5-13-4-16,0-14-6 0,10-12-7 15,3-12-67-15,9-17-8 16,2-8-98-16,23-15 52 16</inkml:trace>
@@ -2008,18 +2011,18 @@
   <inkml:trace contextRef="#ctx0" brushRef="#br0" timeOffset="38611.51">29309 13743 74 0,'0'0'92'16,"0"0"-33"-16,0 0-34 16,-91 67 13-16,73-51 12 15,4-3-10-15,3-4-18 16,6 1-6-16,5 1-15 15,0-1 11-15,15 5 19 16,16 0-12-16,10 2-19 16,9 2-24-16,6-9-176 15</inkml:trace>
   <inkml:trace contextRef="#ctx0" brushRef="#br0" timeOffset="39310.61">30698 14051 0 0,'0'0'161'0,"0"0"-3"15,0 0-157-15,0 0 66 16,-137-12-25-16,66 27-9 15,-2 2-4-15,0 1-27 16,9-6 5-16,13 1-7 16,10-2 3-16,9 0-4 15,9-4 1-15,6-2-27 16,6-3-27-16,7-2-40 16,4-2 76-16,0-19-44 15,12-6-103-15,6-7 165 16,0-6 3-16,-6 2 13 15,-5 4 33-15,-7 9 23 16,0 11 26-16,0 11 1 0,-9 3-62 16,-7 3-37-16,-8 18 3 15,0 3-6-15,7 2 1 16,7-3-2-16,7 2 4 16,3 0-1-16,13 5 4 15,28 7-6-15,20 5-9 16,12-9-154-16</inkml:trace>
   <inkml:trace contextRef="#ctx0" brushRef="#br0" timeOffset="40007.81">31568 14226 145 0,'0'0'94'16,"0"0"-53"-16,0 0-34 16,0 0 40-16,-115 56 27 15,68-28-52-15,0 0 2 16,2-2-12-16,0-6-3 0,9 0-5 16,5-4 12-16,6-3-8 15,8-6-3-15,6-2-5 16,4-5-40-16,3 0-94 15,1-9 105-15,3-19-53 16,0-4 39-16,6-3-11 16,7 1 54-16,-4 4 2 15,-4 9 15-15,-5 9 35 16,0 9 1-16,0 3-16 16,-18 0-12-16,-2 5-13 15,-2 10 29-15,7 0-15 16,3 3-13-16,6-1 10 0,6-1-15 15,0 4 16-15,12 1 19 16,21 5 1-16,16 4-17 16,11 4-27-16,4-3-67 15,3-4-100-15,-2-9-131 16</inkml:trace>
-  <inkml:trace contextRef="#ctx0" brushRef="#br0" timeOffset="40765.22">32664 14376 192 0,'0'0'68'0,"-82"37"11"16,22-12-27-16,-7 2 2 16,-3 1-18-16,-3 2-25 15,0-1-2-15,4 0-9 16,2-5 2-16,13-9 3 0,10-6-5 16,11-5-6-16,12-4 4 15,8 0-23-15,5-6 3 16,6-15 9-16,2-6-33 15,5-5-14-15,13-8 6 16,9-1 42 0,3 2-1-16,0 8 8 0,-7 12 5 15,-8 10 18-15,-15 9 50 16,0 7-68-16,-19 22 20 16,-11 11 12-16,-3 2 20 15,2-3-34-15,9-7 3 16,5-11 2-16,8-7-7 0,9-4 20 15,0-3-5-15,18 3 22 16,24 3 3-16,16 0-39 16,6-3-17-16,1-5-25 15,-9-5-72-15,-7 0 27 16,-4-3-122-16</inkml:trace>
+  <inkml:trace contextRef="#ctx0" brushRef="#br0" timeOffset="40765.21">32664 14376 192 0,'0'0'68'0,"-82"37"11"16,22-12-27-16,-7 2 2 16,-3 1-18-16,-3 2-25 15,0-1-2-15,4 0-9 16,2-5 2-16,13-9 3 0,10-6-5 16,11-5-6-16,12-4 4 15,8 0-23-15,5-6 3 16,6-15 9-16,2-6-33 15,5-5-14-15,13-8 6 16,9-1 42 0,3 2-1-16,0 8 8 0,-7 12 5 15,-8 10 18-15,-15 9 50 16,0 7-68-16,-19 22 20 16,-11 11 12-16,-3 2 20 15,2-3-34-15,9-7 3 16,5-11 2-16,8-7-7 0,9-4 20 15,0-3-5-15,18 3 22 16,24 3 3-16,16 0-39 16,6-3-17-16,1-5-25 15,-9-5-72-15,-7 0 27 16,-4-3-122-16</inkml:trace>
   <inkml:trace contextRef="#ctx0" brushRef="#br0" timeOffset="42138.67">33074 14564 9 0,'0'0'77'0,"0"0"-18"16,0 0 46-16,-116 51-19 16,60-30-31-16,-7 1-10 15,-1-2-19-15,6 0-14 16,6-6-5-16,10-3 0 15,7-1-6-15,5-6 3 16,7 2-4-16,9-3 3 16,6-3-3-16,5 0 0 15,3 0 0-15,0 0 16 16,0-10-16-16,8-3-12 0,1 2 7 16,-3 3 10-16,-4 5 3 15,-2 3-3-15,0 0-5 16,0 0-5-16,-5 13-2 15,-6 4 7-15,5 0 6 16,2-2-4-16,4-5 1 16,0 0-3-16,0 0 3 15,3 8 0-15,17 2-3 16,6-7-135-16</inkml:trace>
   <inkml:trace contextRef="#ctx0" brushRef="#br0" timeOffset="45654.67">19654 7652 139 0,'0'0'89'16,"0"0"-41"-16,0 0 9 0,0 0 10 15,-19-85-21-15,12 71-7 16,2 7-10-16,1 1 5 16,-4 6 7-16,-8 8-40 15,-11 23 3-15,-10 18-3 16,-2 11-1-16,3 2 11 15,11 1-11-15,11-8 0 16,11-10 1-16,3-11 0 16,9-9-2-16,12-9-14 15,8-12 4-15,5-4-1 16,3-8 11-16,2-20 1 16,-2-11-2-16,-3-6 5 15,-4-8-2-15,-4-1 1 0,-6 9 2 16,-6 11 17-1,-8 14 13-15,-4 13 6 0,-2 2 5 16,0 5-34-16,0 0-11 16,0 22-16-16,-7 15 11 15,-3 7 0-15,2-4-52 16,6-4-47-16,2-8-29 16,0-12-138-16</inkml:trace>
   <inkml:trace contextRef="#ctx0" brushRef="#br0" timeOffset="46044.77">20014 7326 480 0,'0'0'83'0,"0"0"-74"0,-82 134 5 15,39-38 50-15,-2 9-7 16,5 4-48-16,1-7-2 15,3-7 1-15,3-17-8 16,11-15 5-16,7-21-5 16,9-21-14-16,6-18 14 15,0-3 4-15,9-29 24 16,16-19-28-16,11-17 4 16,4-9-4-16,1-9 0 15,5-2-2-15,-1 3 1 16,0 16-18-16,-9 20 1 15,-13 24 16-15,-10 17-3 0,-11 5 4 16,-2 33-16-16,-2 16 17 16,-20 14 8-16,-11 1 5 15,-6-2-11-15,-4-10 1 16,4-8 2-16,2-6-10 16,6-10-37-16,4-6-109 15,9-17-120-15</inkml:trace>
-  <inkml:trace contextRef="#ctx0" brushRef="#br0" timeOffset="46809.72">20302 7371 97 0,'0'0'269'0,"0"0"-212"16,-54 138-2-16,22-70 6 15,-1 6-14-15,-2 2-11 16,1-4-27-16,-3-7 2 16,2-12-11-16,5-11 0 15,8-13-7-15,12-14-4 16,6-7 10-16,4-8 2 16,0 0 2-16,4-22-3 15,21-11-18-15,8-13 13 0,9-5 2 16,7-5 6-1,0 0 0-15,0 8-3 0,-5 10 0 16,-13 15 4-16,-12 14 14 16,-11 9 6-16,-7 3-24 15,-1 21 2-15,0 8-2 16,-7 1 5-16,-2 3-3 16,0-10 2-16,8-5-4 15,1-6-21-15,0-5 6 16,14-9 2-16,7-1 7 15,6 0 5-15,5-14-14 16,3-9 1-16,4-6-4 16,-2-5 11-16,-4-3 7 15,-6 2 9-15,-12 6 55 0,-5 9-18 16,-8 13 3-16,-2 2 25 16,0 5-44-16,-5 0-30 15,-13 22-4-15,-4 8 1 16,2 7 0-16,4 1 2 15,9-1-7-15,5-9-23 16,2-6-22-16,0-9 7 16,12-8 18-16,9-5-5 15,4 0 15-15,4-18 11 16,2-3-5-16,0 6 7 16,-8 2-1-16,-4 9 6 15,-10 4 13-15,-3 0-13 16,-3 1-1-16,2 14-1 0,-1-1 4 15,2 1 3 1,0-1-5-16,3-2 3 0,-2-5 1 16,4 1-2-16,2-5 3 15,-1-3 29-15,2 0-12 16,2 0-6-16,3 0-16 16,0 0-17-16,6 3-45 15,2 8-63-15,2 3-52 16,4 3-108-16</inkml:trace>
-  <inkml:trace contextRef="#ctx0" brushRef="#br0" timeOffset="47177.69">21320 7877 219 0,'0'0'168'0,"0"0"-94"15,0 0-20-15,-38-85 12 16,7 82-45-16,-5 3-15 15,-3 14-3-15,-1 17 7 16,6 6-10-16,10-5-1 16,10-3-25-16,13-8-21 15,1-11 5-15,10-9 26 16,17-1 13-16,6-17 3 16,6-17 7-16,2-11-2 15,3-14 26-15,-1-12 6 16,-3-6 13-16,1-4-29 15,2 5-8-15,-4 12-12 0,-7 22 13 16,-9 21 18-16,-13 21 35 16,-10 13-47-16,0 33-11 15,-17 26-9-15,-15 20 23 16,-10 10-22-16,-3 2 1 16,1-4-2-16,2-10-117 15,6-17-57-15,3-22-338 16</inkml:trace>
+  <inkml:trace contextRef="#ctx0" brushRef="#br0" timeOffset="46809.71">20302 7371 97 0,'0'0'269'0,"0"0"-212"16,-54 138-2-16,22-70 6 15,-1 6-14-15,-2 2-11 16,1-4-27-16,-3-7 2 16,2-12-11-16,5-11 0 15,8-13-7-15,12-14-4 16,6-7 10-16,4-8 2 16,0 0 2-16,4-22-3 15,21-11-18-15,8-13 13 0,9-5 2 16,7-5 6-1,0 0 0-15,0 8-3 0,-5 10 0 16,-13 15 4-16,-12 14 14 16,-11 9 6-16,-7 3-24 15,-1 21 2-15,0 8-2 16,-7 1 5-16,-2 3-3 16,0-10 2-16,8-5-4 15,1-6-21-15,0-5 6 16,14-9 2-16,7-1 7 15,6 0 5-15,5-14-14 16,3-9 1-16,4-6-4 16,-2-5 11-16,-4-3 7 15,-6 2 9-15,-12 6 55 0,-5 9-18 16,-8 13 3-16,-2 2 25 16,0 5-44-16,-5 0-30 15,-13 22-4-15,-4 8 1 16,2 7 0-16,4 1 2 15,9-1-7-15,5-9-23 16,2-6-22-16,0-9 7 16,12-8 18-16,9-5-5 15,4 0 15-15,4-18 11 16,2-3-5-16,0 6 7 16,-8 2-1-16,-4 9 6 15,-10 4 13-15,-3 0-13 16,-3 1-1-16,2 14-1 0,-1-1 4 15,2 1 3 1,0-1-5-16,3-2 3 0,-2-5 1 16,4 1-2-16,2-5 3 15,-1-3 29-15,2 0-12 16,2 0-6-16,3 0-16 16,0 0-17-16,6 3-45 15,2 8-63-15,2 3-52 16,4 3-108-16</inkml:trace>
+  <inkml:trace contextRef="#ctx0" brushRef="#br0" timeOffset="47177.68">21320 7877 219 0,'0'0'168'0,"0"0"-94"15,0 0-20-15,-38-85 12 16,7 82-45-16,-5 3-15 15,-3 14-3-15,-1 17 7 16,6 6-10-16,10-5-1 16,10-3-25-16,13-8-21 15,1-11 5-15,10-9 26 16,17-1 13-16,6-17 3 16,6-17 7-16,2-11-2 15,3-14 26-15,-1-12 6 16,-3-6 13-16,1-4-29 15,2 5-8-15,-4 12-12 0,-7 22 13 16,-9 21 18-16,-13 21 35 16,-10 13-47-16,0 33-11 15,-17 26-9-15,-15 20 23 16,-10 10-22-16,-3 2 1 16,1-4-2-16,2-10-117 15,6-17-57-15,3-22-338 16</inkml:trace>
   <inkml:trace contextRef="#ctx0" brushRef="#br0" timeOffset="100081.53">11936 5204 10 0,'0'0'60'16,"0"0"18"-16,0 0-18 0,0 0-23 15,0 0-13-15,0 0 0 16,35-105-10-16,5 63-10 15,21-9 4-15,26-8 1 16,28-7-5-16,28-5 16 16,25-4-19-16,9-5 1 15,6-3-2-15,-1-2 3 16,6 2-1-16,12 1-2 16,15 6 9-16,4 8-12 15,-7 11 3-15,-18 14-13 16,-24 15-27-16,-25 10 2 0,-18 10 18 15,-18 4 19-15,-17 1 2 16,-16-2 10-16,-19 2-11 16,-17 0 8-16,-17 2 1 15,-15-1-5-15,-8 2-8 16,0 0-2-16,-5 0-4 16,-18 0 10-16,-10 6 2 15,-7 2 4-15,3 0-8 16,1-1 4-16,9-5-2 15,5-1 4-15,8-1 0 16,2 0 5-16,0 0-9 16,3 0-3-16,0 0 2 15,1-4-23-15,2-3 22 16,1-1-3-16,0-2-5 0,1-3 2 16,-2 1 6-16,3-1 2 15,-1 0-8-15,-1 0 15 16,-2 2-7-16,-8-1 0 15,1 0 0-15,-2 0-1 16,1 1 1-16,4 2 0 16,0 0-2-16,3 4 7 15,4-1-5-15,1 3 5 16,3 1-1-16,0 2 4 16,0 0-8-16,0 0-19 15,0 0 14-15,3 5 5 16,7 4 1-16,-1 2 0 0,3-2 8 15,0 3-7 1,1 5-1-16,1 4-1 0,7 1 25 16,5 6-22-16,10 4 11 15,6-3-6-15,6 1-5 16,-2-2 12-16,-7-2-15 16,-9-3 0-16,-15 0-2 15,-15 7 2-15,-27 7-3 16,-37 2 3-16,-29 9-9 15,-17 0-54-15,-5-8-62 16</inkml:trace>
   <inkml:trace contextRef="#ctx0" brushRef="#br0" timeOffset="101701.83">19866 3748 24 0,'0'0'2'15,"0"0"10"-15,0 0-12 16,42-85 12-16,-30 71 2 16,-5 4-4-16,-4 7 3 15,-3 3-7-15,0 21-1 0,-9 33-5 16,-22 33 3-1,-16 28 28-15,-16 16 37 0,-13 3-42 16,-9-7-10 0,-5-10-3-16,-1-7-8 0,-3 10 3 15,-19 2-6-15,-9 14 3 16,-4 4 9-16,16-15-14 16,29-14-19-16,38-29-39 15,25-26-38-15,18-21 78 16,0-18-32-16,18-12 30 15,3-5-8-15</inkml:trace>
   <inkml:trace contextRef="#ctx0" brushRef="#br0" timeOffset="102801.95">20014 4717 4 0,'0'0'7'0,"0"0"-7"16,-21 86 8-16,-4-49-3 15,-1-7 14-15,4-9-11 16,4-10 2-16,11-4 33 16,2-4-3-16,4-2 36 15,1-1 6-15,0 0-45 16,1-1-20-16,21-18-17 16,13-10 0-16,11-6 2 15,12-7-2-15,6-1-2 16,2 2-3-16,0 6-6 0,-3 6 7 15,-8 9 4-15,-6 12 0 16,-12 8-5-16,-9 2 0 16,-5 21 2-16,-10 7 0 15,-5 3 3-15,-4-2 0 16,-4 3 0-16,0-1 0 16,0 0 1-16,0 4-1 15,0 3-8-15,0 3-142 16</inkml:trace>
   <inkml:trace contextRef="#ctx0" brushRef="#br0" timeOffset="103725.45">20872 4939 18 0,'0'0'52'0,"0"0"14"0,0 0-30 16,10-94-4-16,5 69-13 15,0-6-13-15,4 1 2 16,1 2-7-16,1 6-1 16,-4 9 0-16,-6 10 6 15,-5 3-13-15,-3 3 2 16,0 14 1-16,-3 7-4 16,0-2 11-16,0 4-3 15,0-2 0-15,0-4 6 0,-1-6-9 16,1-2 3-1,0-3 0-15,3 0 7 0,19-4-4 16,11-2 17-16,4-3-5 16,3 0-13-16,-2 0 8 15,-10 0-10-15,-8 0 4 16,-9 0-9-16,-8 5 5 16,-3 15-6-16,0 3 4 15,0 2 2-15,0-2-4 16,-3-5 4-16,2-3 0 15,1-5 0-15,0-5 5 16,0-5-3-16,13 0 21 16,7 0-10-16,3-13 5 15,7-7-17-15,1-4 3 16,2 0-3-16,3 0 2 0,-3 4-3 16,-2 4 0-16,-4 5 2 15,-2 5-6-15,1 2 4 16,4-1-1-16,3 2-5 15,2 0 5-15,4-8 1 16,3-6 0-16,3-7 1 16,1-6-1-16,-1-9 0 15,-6-2 3-15,-5 3-9 16,-4-5 6-16,-3 1-3 16,-4 7 3-16,-8 10-6 15,-4 14 2-15,-5 11 4 16,-6 11-14-16,0 37-5 0,-29 26 11 15,-23 24 8-15,-21 18 30 16,-20 20-23-16,-8 1 6 16,6-6-13-16,16-16 12 15,20-25-10-15,22-21-2 16,16-19 0-16,12-19 7 16,5-17-3-16,4-14 4 15,7-6 33-15,23-30 55 16,17-21-83-16,14-16-13 15,9-15 0-15,6-11-1 16,7-5-2-16,-2 8-4 16,-1 18-15-16,-12 25-18 15,-22 26 25-15,-21 15 3 0,-18 12 9 16,-7 11-11 0,-13 17-6-16,-26 9 20 0,-16 5 11 15,-7 1-3-15,-1 0 6 16,11 0-14-16,11-4 0 15,10-7-2-15,9-6-42 16,11-12-76-16,11-14-45 16</inkml:trace>
   <inkml:trace contextRef="#ctx0" brushRef="#br0" timeOffset="104084.51">22231 4895 72 0,'0'0'33'0,"0"0"-27"16,-30 98 9-16,17-52-3 15,8-4-11-15,5-3 20 16,7-10-18-16,21-11 22 16,10-10 31-16,12-8-52 15,6-2 11-15,7-22-15 16,3-5-26-16,-1-7-12 15,-2 4-20-15,-6 3 16 16,-7 9 34-16,-11 14 2 16,-17 6 3-16,-19 11 6 15,-9 31-2-15,-40 19 85 16,-21 16-6-16,-19 11-25 0,-11-1-23 16,1-3-28-1,8-11 18-15,13-9-22 0,17-12 3 16,16-10-7-16,19-8-15 15,20-11-94-15,7-15-45 16</inkml:trace>
-  <inkml:trace contextRef="#ctx0" brushRef="#br0" timeOffset="104357.91">23904 4906 7 0,'-107'140'36'0,"-36"48"21"16,-40 20-41-16,-26 9 93 15,-7-15-86-15,26-14-21 16,44-2-4-16,49-14-10 16,60-30-146-16</inkml:trace>
+  <inkml:trace contextRef="#ctx0" brushRef="#br0" timeOffset="104357.9">23904 4906 7 0,'-107'140'36'0,"-36"48"21"16,-40 20-41-16,-26 9 93 15,-7-15-86-15,26-14-21 16,44-2-4-16,49-14-10 16,60-30-146-16</inkml:trace>
   <inkml:trace contextRef="#ctx0" brushRef="#br0" timeOffset="105863.63">24175 5582 18 0,'0'0'20'0,"0"0"1"0,0 0 1 16,0 0-2-16,0 0-15 15,0 0 1-15,-67-61-6 16,43 61 4-16,-1 19-1 16,-2 5 4-16,3 9-7 15,-2 0 10-15,4 4-7 16,3-4 1-16,7-1 2 16,9-9 0-16,3-4-2 15,0-4-3-15,13-4 0 16,5-2 22-16,4-4-10 0,3-5-3 15,4 0 8-15,8-12 2 16,2-6-8 0,0-5-12-16,-1 1 3 0,-4-4-2 15,-4-1 0-15,-5 2-1 16,-4 3 0-16,-9 3 1 16,-2 10-1-16,-7 4 1 15,-3 5 4-15,0 0-10 16,0 0-8-16,0 15 9 15,-3 7-1-15,-6-1-21 16,3 1-22-16,2-3 4 16,2-1-29-16,2-6 22 15</inkml:trace>
   <inkml:trace contextRef="#ctx0" brushRef="#br0" timeOffset="106147.54">24497 5671 22 0,'0'0'34'0,"0"0"13"16,0 0-20-16,0 0-9 15,0 0 26-15,0 0-39 0,-43 61-1 16,41-58 7-1,2-3-10-15,0 0 104 0,2-6-28 16,17-11-75-16,11-3 8 16,6 1-10-16,1-1 0 15,-1 1-4-15,-7 6-52 16,-4 12-14-16,-6 1-85 16</inkml:trace>
   <inkml:trace contextRef="#ctx0" brushRef="#br0" timeOffset="106491.77">24818 5799 5 0,'0'0'6'15,"0"0"1"-15,0 0 5 16,0 0-1-16,0 0 4 16,0 0-9-16,-3-45 1 15,-12 50-4-15,2 10-3 16,-1 2 2-16,5 0-1 16,6-7-2-16,3-2-4 15,0-3 5-15,6-4 43 16,11-1-6-16,1 0-23 0,6 0-11 15,-1 0 4-15,3 0-5 16,-1-6-2 0,-2 0-18-16,0-2-30 0,3-4-56 15</inkml:trace>
@@ -2040,7 +2043,7 @@
   <inkml:trace contextRef="#ctx0" brushRef="#br0" timeOffset="159160.91">17891 4052 57 0,'0'0'23'16,"0"0"-23"-16,0 0 6 15,0 0-6-15,4-93 0 16,-4 65 5-16,0-7-1 16,-20 0-4-16,-12-10 0 15,-14-4 2-15,-15-4-1 16,-18-4-1-16,-15-2 0 15,-17 1 9-15,-10-2 0 16,-9-1 3-16,-11 3-5 16,-8 0-7-16,-12 3 6 15,-12 5-6-15,-1 4 0 16,6 21-3-16,20 17 6 0,26 8-3 16,28 25 0-16,18 21-4 15,10 23 1-15,2 18 0 16,1 20 3-16,0 9 6 15,8 10-4-15,8-3-4 16,11-10-10-16,12-14-19 16,12-12 30-16,9-8-4 15,3 5 5-15,3 2-4 16,25 3 9-16,26-2-10 16,27 0-3-16,27-5-68 15</inkml:trace>
   <inkml:trace contextRef="#ctx0" brushRef="#br0" timeOffset="159334.7">17931 4735 14 0,'3'-118'34'0,"-3"7"-27"16,0 7-7-16,-21 5-31 15,-13 9 10-15,-18 11 18 16</inkml:trace>
   <inkml:trace contextRef="#ctx0" brushRef="#br0" timeOffset="214416.68">24163 11266 11 0,'0'0'77'16,"0"0"-31"-16,0 0-7 16,0 0-2-16,0 0-25 15,0 0 10-15,-71 82-21 16,52-66 4-16,2-1-5 16,2 2-1-16,1-3-62 15,8-3-25-15</inkml:trace>
-  <inkml:trace contextRef="#ctx0" brushRef="#br0" timeOffset="-213698.74">28369 11993 91 0,'0'0'77'0,"0"0"-9"16,0 0 5-16,0 0-8 15,0 0-65-15,0 0-10 16,-3 25 10-16,-11 11 40 15,-5 1-17-15,-3 4-20 0,1-4 19 16,-6 1-15-16,2 2 2 16,4-5-3-16,1-1-2 15,4-6-8-15,7-7-2 16,3-7-32-16,3-5-5 16,3-6-33-16,0-3-43 15,3 0-11-15</inkml:trace>
+  <inkml:trace contextRef="#ctx0" brushRef="#br0" timeOffset="-213698.75">28369 11993 91 0,'0'0'77'0,"0"0"-9"16,0 0 5-16,0 0-8 15,0 0-65-15,0 0-10 16,-3 25 10-16,-11 11 40 15,-5 1-17-15,-3 4-20 0,1-4 19 16,-6 1-15-16,2 2 2 16,4-5-3-16,1-1-2 15,4-6-8-15,7-7-2 16,3-7-32-16,3-5-5 16,3-6-33-16,0-3-43 15,3 0-11-15</inkml:trace>
   <inkml:trace contextRef="#ctx0" brushRef="#br0" timeOffset="-212666.11">24205 11002 179 0,'0'0'45'16,"0"0"6"-16,0 0-51 15,-76 151 0-15,43-61 24 16,6 1-6-16,3-7-14 15,9-15 6-15,9-19-8 16,5-22-4-16,1-17 2 16,0-5-7-16,0-6-2 15,9-10 9-15,6-21 38 16,3-16-20-16,4-13-4 16,3-10 22-16,1-4-11 15,2-1-21-15,-1 3-2 0,-2 4-2 16,-4 8 1-16,-6 13 1 15,-9 21 2-15,-5 15 25 16,-1 11 11-16,-6 18-40 16,-20 27-4-16,-10 18 2 15,0 3 2-15,11 0 0 16,7-12 3-16,9-8-4 16,4-9 1-16,0-8 0 15,3-11-5-15,-1-5 5 16,0-7-23-16,3-1-27 15,-1-5-128-15,1 0-83 16</inkml:trace>
   <inkml:trace contextRef="#ctx0" brushRef="#br0" timeOffset="-212328.06">24323 10949 205 0,'0'0'1'16,"-26"115"28"-16,3-43 4 16,-1 0-14-16,0-4 5 15,-2-5-14-15,1-4 13 16,3-9-17-16,4-9-5 16,4-6 5-16,8-5-6 15,6-9-64-15</inkml:trace>
   <inkml:trace contextRef="#ctx0" brushRef="#br0" timeOffset="-211337.78">28344 11891 57 0,'0'0'57'16,"-32"85"-24"-16,14-37-16 15,-4 1-1-15,-2 2 10 16,-1 3 9-16,-1-4-22 16,1-7-1-16,6-11-9 0,3-13-2 15,8-6 2-15,5-7-1 16,1-4 0-16,2-2 1 15,0 0 3-15,10-21 9 16,12-11-15-16,4-7-37 16,1-9 23-16,0-7-8 15,-2 1-3-15,-4 11 6 16,-4 14 19-16,-8 16 89 16,-8 13 2-16,-1 12-91 15,0 23-5-15,-12 16 5 16,-10 4 35-16,-2 0-21 15,0-6-13-15,3-6 17 0,3-13-17 16,9-9 7-16,6-12 6 16,3-6-14-16,0-3 12 15,0 0-8-15,23-21-4 16,8-14-4-16,8-15-55 16,-3-10 35-16,-6-11 5 15,-4-3-7-15,-10 6 3 16,-8 17 23-16,-8 24 35 15,0 22 47-15,-10 5-40 16,-23 31-34-16,-15 18-8 16,-10 12 5-16,7 0 7 15,13 2-12-15,14-8 0 16,15-6-1-16,7-9-38 16,2-11-70-16,0-15-133 15</inkml:trace>
@@ -2074,10 +2077,10 @@
   <inkml:trace contextRef="#ctx0" brushRef="#br0" timeOffset="-189991.05">29156 12111 159 0,'0'0'49'16,"-111"41"6"-16,15 1 71 16,-22 4-55-16,-7 0-23 15,7-5-29-15,15-6 2 16,21-5-4-16,23-5-5 15,20-6-2-15,13-5-10 16,14-3-2-16,12-1 2 16,3-1-65-16,36-4-58 15,22-5-1-15,23 0-139 16</inkml:trace>
   <inkml:trace contextRef="#ctx0" brushRef="#br0" timeOffset="-189818.3">28858 12310 170 0,'0'0'257'16,"-163"36"-197"-16,79-10-47 16,10 2-5-16,18-7 6 15,14-5 16-15,18 2 6 16,9-2-36-16,15 0-2 16,0-2-35-16,36 0-77 15,24-8-63-15,20-6-32 16</inkml:trace>
   <inkml:trace contextRef="#ctx0" brushRef="#br0" timeOffset="-189655.07">28783 12468 356 0,'-89'17'104'0,"-2"9"-83"0,12-2-10 16,16-2-11-16,23-8 43 15,15 0 10-15,16-2-45 16,9 2-8-16,6 3-13 15,30-3-79-15,19-6-43 16,13-8-140-16</inkml:trace>
-  <inkml:trace contextRef="#ctx0" brushRef="#br0" timeOffset="-189491.74">28689 12574 338 0,'-80'10'71'0,"3"3"-45"16,9-1-24-16,19-4 0 15,15 2 51-15,16-5-25 16,16 5-28-16,2 0-2 16,33-2-88-16,25-1-5 15,20-7-81-15,13-1 19 16</inkml:trace>
+  <inkml:trace contextRef="#ctx0" brushRef="#br0" timeOffset="-189491.75">28689 12574 338 0,'-80'10'71'0,"3"3"-45"16,9-1-24-16,19-4 0 15,15 2 51-15,16-5-25 16,16 5-28-16,2 0-2 16,33-2-88-16,25-1-5 15,20-7-81-15,13-1 19 16</inkml:trace>
   <inkml:trace contextRef="#ctx0" brushRef="#br0" timeOffset="-189348.02">28942 12612 243 0,'0'0'87'0,"0"0"-73"0,-114 13-2 16,74-3 6-16,3 1 25 16,1 5-12-16,6 2-30 15,12 0-2-15,15 2-25 16,5-9-155-16,35-8-48 16</inkml:trace>
   <inkml:trace contextRef="#ctx0" brushRef="#br0" timeOffset="-189198">28885 12691 345 0,'0'0'94'15,"-119"31"-81"-15,58-11-3 16,5-3-9-16,10-3 2 0,5-2-3 16,6 3 0-16,4-7-49 15,-1-7-156-15</inkml:trace>
-  <inkml:trace contextRef="#ctx0" brushRef="#br0" timeOffset="-133420.23">24788 15159 9 0,'0'0'4'0,"0"0"11"16,0 0 17-16,44 84-18 15,-22-72-14-15</inkml:trace>
+  <inkml:trace contextRef="#ctx0" brushRef="#br0" timeOffset="-133420.24">24788 15159 9 0,'0'0'4'0,"0"0"11"16,0 0 17-16,44 84-18 15,-22-72-14-15</inkml:trace>
   <inkml:trace contextRef="#ctx0" brushRef="#br0" timeOffset="-132740.81">24946 15058 131 0,'0'0'88'15,"0"0"-88"-15,0 0-3 16,0 0-1-16,0 0 5 15,0 0-2-15,5-6 0 0,-5 5-12 16,-2 1-3-16,-10-3 16 16,-7 2 42-16,-6-2-6 15,-2 0-32-15,1-1 6 16,2-1 10-16,5 2-7 16,6 3 3-16,2 0-13 15,5 0 2-15,3 0 7 16,-1 0-12-16,-1 9 2 15,-1 10 11-15,-1 7-9 16,4 5-4-16,3 6 10 16,0-2-8-16,9 0 6 15,4-5-5-15,-1-5 1 16,-3-6 2-16,-3-2-4 16,-6-3-1-16,0-3-1 15,0 1 0-15,-19-3 21 0,-4-1 7 16,-7 1-9-16,1-6 10 15,-1-2-19-15,4-1 3 16,3 0-13-16,7 0 2 16,5 3-4-16,6 2 2 15,5 0-66-15,0 0-135 16</inkml:trace>
   <inkml:trace contextRef="#ctx0" brushRef="#br0" timeOffset="-128170.13">28178 15954 179 0,'0'0'0'0,"0"0"-11"15,0 0 11-15,-93 0 0 16,59 2 17-16,-2 3 15 16,5-1-13-16,2 1-7 15,7 1 33-15,10 4-20 16,3 3-17-16,8 3 6 15,1 5 12-15,1 4-24 16,13 0 20-16,-4 2-16 16,-2-2 5-16,-3-3-1 15,-5-5-5-15,0 0 22 16,0-6-24-16,-16-1 23 16,-1-2-8-16,-3-2 0 0,2-2-13 15,4 0-3 1,4-1-2-16,7-3-5 0,3 0-77 15,6 0-65-15</inkml:trace>
   <inkml:trace contextRef="#ctx0" brushRef="#br0" timeOffset="-127985.8">28297 16154 302 0,'0'0'51'0,"0"0"-8"0,54 79-31 16,-41-55-3 0,0-1-9-16,-2-3 4 0,0-5-4 15,3-5-59-15,2-10-75 16</inkml:trace>
@@ -2090,10 +2093,10 @@
   <inkml:trace contextRef="#ctx0" brushRef="#br0" timeOffset="-125327.14">29649 16329 337 0,'0'0'174'0,"0"0"-174"15,0 0 0-15,-49 93 8 16,34-63-8-16,3 4 1 16,6-2-1-16,6-6-103 15,0-13-123-15</inkml:trace>
   <inkml:trace contextRef="#ctx0" brushRef="#br0" timeOffset="-125100.75">29728 16495 123 0,'0'0'144'0,"0"0"-94"0,-34 102-7 15,31-74-31-15,3-8 36 16,0-9 8-16,3-4-4 15,13-7 16-15,5 0 2 16,8-8-18-16,2-16-2 16,-1-11-41-16,-5-9-5 15,-10-4-4-15,-15-4-32 16,-17 2-107-16,-36 7-116 16</inkml:trace>
   <inkml:trace contextRef="#ctx0" brushRef="#br0" timeOffset="-123630.48">23702 15199 189 0,'0'0'2'16,"-31"93"58"-16,13-36-7 0,3-1-27 16,2 0 12-16,3 3-14 15,-1 10 3-15,0 10 8 16,-6 7-2-16,-3 3-11 15,-4-5-10-15,2-9-4 16,5-10-3-16,4-14-5 16,7-11 0-16,6-1-2 15,0-9 9-15,3 0-7 16,19 0 0-16,5-5 1 16,9 0 1-16,6 3-2 15,10-5 0-15,9-2 0 16,11-4 5-16,11-7 17 15,14-6-22-15,15-2 0 0,16 7 52 16,21 2-52 0,13 7 0-16,15 10 20 0,11 6-19 15,12 7 8-15,9 4-3 16,13 3 7-16,8-1 11 16,10 3-24-16,12 0 2 15,7 2 24-15,8 0-19 16,-1 5 6-16,-4 3-9 15,-3 0-1-15,-18 4 3 16,-13-4-3-16,-24-1-3 16,-22-4 3-16,-16-4 0 15,-21-7-3-15,-11-11 20 0,-14-4-20 16,-13-5 0 0,-15-7-3-16,-13-4 2 0,-16-4 0 15,-14-1-10-15,-9 0 7 16,-12-4 4-16,-9-1 0 15,-9 0-4-15,-7-3 8 16,-2 0-4-16,-1 0 12 16,0 0-11-16,0 0 2 15,2 0 0-15,5 0-3 16,4 0-7-16,5 0-9 16,-2 3 4-16,2 1 11 15,1-1-14-15,0 4 15 16,3-1-7-16,-2-1 3 15,4 3 4-15,2 3-12 16,0-2-1-16,1 1 13 0,1 1-4 16,-3 2 4-16,3-4-5 15,-1 2 11-15,5-1-6 16,6 1 1-16,6 3-1 16,0-4-2-16,5 1 2 15,-2 2-7-15,-2 0 7 16,-3-7-4-16,-1 0-2 15,-4-6 11-15,-4 0-5 16,-4 0 0-16,-8 0 0 16,-4-2 0-16,0-8 5 15,-5 0-4-15,2 1 14 16,-1-5-13-16,1-9 2 0,4-6 11 16,1-8-5-16,3-6-1 15,4-7 10-15,1-5-7 16,7-6 7-16,1-3-14 15,4-1-5-15,2 12 0 16,-5 5-11-16,-8 19-42 16,-19 11-43-16,-8 6-104 15</inkml:trace>
-  <inkml:trace contextRef="#ctx0" brushRef="#br0" timeOffset="-123036.12">26186 17174 274 0,'0'0'12'16,"0"0"35"-16,-42 89-4 16,20-51-24-16,-3 1-5 15,2-3-4-15,1-2-10 16,7-8-4-16,12-8-66 15,3-11-64-15,10-7-77 16</inkml:trace>
+  <inkml:trace contextRef="#ctx0" brushRef="#br0" timeOffset="-123036.13">26186 17174 274 0,'0'0'12'16,"0"0"35"-16,-42 89-4 16,20-51-24-16,-3 1-5 15,2-3-4-15,1-2-10 16,7-8-4-16,12-8-66 15,3-11-64-15,10-7-77 16</inkml:trace>
   <inkml:trace contextRef="#ctx0" brushRef="#br0" timeOffset="-122687.19">26413 17183 273 0,'0'0'161'16,"0"0"-117"-16,0 0-8 16,0 0-23-16,0 0 18 15,0 0-9-15,-120 49-6 16,88-22-16-16,11 1 0 16,16 8 0-16,5 0-1 15,11 8 1-15,14-5 0 16,-1-1 7-16,-7-8-6 15,-7-9 0-15,-7-7-1 0,-3-5 0 16,0-5-2 0,0-4 2-16,-13 6 13 0,-17-2 11 15,-9-2 3-15,-2 2-21 16,7-4-5-16,9 4 15 16,9-4-16-16,10 6-7 15,6 5-73-15,9 2-81 16,20-1-206-16</inkml:trace>
   <inkml:trace contextRef="#ctx0" brushRef="#br0" timeOffset="-81665.8">24900 14883 22 0,'0'0'17'16,"0"0"8"-16,0 0-16 15,0 0 2-15,0 0-7 16,0 0 6-16,0 0-4 16,-60-17-4-16,35 17-1 15,-6 0-1-15,-9 4 0 0,-1 5 3 16,-1 0 4 0,5 3 15-16,1 1-14 0,5 6 1 15,0 12 2-15,-1 15 19 16,0 18-4-16,-1 8-4 15,6 7-9-15,7-4-4 16,9-2-6-16,11 2-3 16,0-3-1-16,10 2 0 15,8-8-17-15,3-7-59 16,1-9 59-16,2-11 18 16,4-3 0-16,7-10-6 15,5-5 6-15,5-7-13 16,8-9-38-16,7-5 25 15,6 0-4-15,2-19 1 16</inkml:trace>
-  <inkml:trace contextRef="#ctx0" brushRef="#br0" timeOffset="-81522.1">25133 15775 12 0,'0'0'24'0,"101"-80"-3"0,-61 30-10 16,-8-8 18-16,-11-7 9 16,-9-8 3-16,-11-4-7 15,-1-3-6-15,-19-2-24 16,-15 9-4-16,-17 5-17 15,-10 10-13-15,-9 6-1 16,-4 6 24-16,3 9-77 16</inkml:trace>
+  <inkml:trace contextRef="#ctx0" brushRef="#br0" timeOffset="-81522.11">25133 15775 12 0,'0'0'24'0,"101"-80"-3"0,-61 30-10 16,-8-8 18-16,-11-7 9 16,-9-8 3-16,-11-4-7 15,-1-3-6-15,-19-2-24 16,-15 9-4-16,-17 5-17 15,-10 10-13-15,-9 6-1 16,-4 6 24-16,3 9-77 16</inkml:trace>
   <inkml:trace contextRef="#ctx0" brushRef="#br0" timeOffset="-80210.92">28824 15947 37 0,'0'0'35'16,"0"0"-29"-16,0 0 0 15,-103-48 20-15,67 29 19 16,-6 0-21-16,-10-4-2 15,-12 3 8-15,-15 1-22 16,-15 0 1-16,-9 4 13 16,0 2-7-16,7 3 4 15,12 4-4-15,13 6-1 0,12 0 2 16,5 27-12 0,8 15 7-16,3 10-1 0,4 8-9 15,6-2 7-15,3-3-7 16,6-1 2-16,5-7-3 15,2 2-3-15,11-3 3 16,6 3-1-16,5 8-1 16,25 6-3-16,15-2-28 15,17-5-151-15,19-13 156 16,11-8-29-16,8-11 20 16,7-7 0-16,4-11 37 15</inkml:trace>
   <inkml:trace contextRef="#ctx0" brushRef="#br0" timeOffset="-80066.94">28912 16438 7 0,'0'0'27'16,"121"-115"-10"-16,-81 53 17 15,-10-1 3-15,-16-4 0 16,-10 3 12-16,-4-3-29 16,-11 4-20-16,-10 12-2 15,-7 10-18-15,-3 18-105 16</inkml:trace>
   <inkml:trace contextRef="#ctx0" brushRef="#br0" timeOffset="-31713.07">2248 14689 32 0,'0'0'47'0,"0"0"5"16,0 0 29-16,0 0 26 16,-100 26-34-16,73-20-3 15,-3 9-50-15,2 9-19 16,3 16 4-16,1 22 2 16,10 22 0-16,4 21-6 0,10 10 8 15,0 3-9 1,21-10-1-16,10-19-3 15,9-20-8-15,1-20 12 0,-1-12 0 16,3-10-10-16,-4-14-28 16,0-13-1-16,-2-7 35 15,-1-31 3-15,-2-17 2 16,-4-14 25-16,0-16-24 16,-6-7 2-16,-2-1-1 15,-6-3 1-15,-11 7 9 16,-5 3 9-16,-12 6-4 15,-24 9-7-15,-10 12 0 0,-11 10-10 16,-7 13-1-16,3 6-10 16,3 10-16-16,12 12 17 15,13 8-48-15,18 0 43 16,10 23-66-16,5 4-49 16,0-1-65-16</inkml:trace>
@@ -2113,11 +2116,11 @@
   <inkml:trace contextRef="#ctx0" brushRef="#br0" timeOffset="32031.97">25436 10499 0 0,'0'0'1'0,"0"0"5"0,0 0 0 16,0 0-6-16,0 0 9 15,0 0-6-15,0 0 1 16,0 0 1-16,0 1 0 16,0-1 18-16,0 0 3 15,0 0-5-15,0 0 1 16,0 0-14-16,0 0 6 16,0 0 3-16,0 0-5 15,0 0 13-15,0 0 3 16,0 0-7-16,0 0 2 0,0 0-13 15,0 0 5 1,0 0-5-16,0 0-5 0,0 0 13 16,0 0-8-16,0 0-5 15,0 0 11-15,0 1-15 16,0-1 1-16,0 0 3 16,0 0-5-16,0 0 7 15,0 0-7-15,0 0 2 16,0 0 0-16,0 0-2 15,0 3-2-15,-2 3-2 16,-2 1 4-16,-1 1-2 16,1 2 2-16,1-3 0 15,0 2 4-15,-2-4-2 16,4 2-2-16,-2-4 0 16,3 0 4-16,0-1-3 0,-2-1-1 15,2 0 0-15,0 1 1 16,-1 2 0-16,-2 2-1 15,-2 2 2-15,-2 2 2 16,1 4-2-16,-3 0-1 16,1 1-1-16,0-3 12 15,2 1-11-15,1-4-1 16,-1 2 1-16,2-5 4 16,-2 4-5-16,0-1 0 15,0 3 0-15,-3 0 0 16,1 1 2-16,0-1-2 15,0-2 7-15,2-2-4 0,0 0 1 16,-1-3-4-16,1 2 0 16,-3 2 4-16,1 1-2 15,-4 2 8-15,3 1-1 16,0-3-7-16,2 1 4 16,3-1-6-16,1-5 0 15,1 3 6-15,1-3-5 16,1-2-1-16,-3 3 0 15,1-3 4-15,0 3-5 16,-1-2 1-16,2-2 0 16,-2 1 1-16,1 0 1 15,2 1-2-15,-1-3 0 16,-2 3 6-16,2-3-8 0,-1 0 2 16,1 1 0-1,1-1-3-15,-2-1 6 0,2 2-3 16,0-2 0-16,-1 0 6 15,1 0-9-15,0 0 3 16,0 0 0-16,0 0-4 16,0 0 5-16,0 2-1 15,0 0 0-15,-2-1 3 16,2-1-3-16,0 0 0 16,-1 0 0-16,1 0-1 15,0 0 2-15,0 0-1 16,-2 0 0-16,1 0-7 0,1 0 3 15,-2 2 0-15,1-2 4 16,-2 4 1-16,1-3 3 16,1 0-2-16,1-1-2 15,0 0 2-15,0 0 0 16,0 0-2-16,0 0 0 16,0 0 1-16,0 0 2 15,0 0 0-15,0 0 6 16,-2 0-8-16,2-2-2 15,0-9-8-15,0 0 9 16,0-1 6-16,0-1-4 16,-1-1-2-16,-1 1 1 0,-2 2 1 15,2 3 0-15,1 1-2 16,-1 3 0-16,2 2 3 16,-1 1 0-16,1-2-3 15,0 2 3-15,0 1 1 16,0 0 4-16,0 0-5 15,0 0-1-15,0-2 9 16,0 2-8-16,0 0-1 16,0 0 4-16,0-1-4 15,0-4 15-15,0-3-17 16,0 2 1-16,0 0-1 16,0-2 2-16,0 1-2 15,0 4 0-15,0 0 6 0,0 2-11 16,0 1 5-1,0 0 0-15,0 0-6 0,0 0-2 16,0 0 2-16,0 0-5 16,0 0-6-16,0 1 15 15,0 5 2-15,0 2 0 16,0-1-2-16,0 5 5 16,0 1-3-16,0-1 0 15,0 2 2-15,0-1-4 16,0-2 2-16,0 2 0 15,0-1-1-15,0 2 6 16,0 0-5-16,0 2 0 16,0-1 4-16,0-1-7 15,0-3 3-15,0-1 0 16,0-3-3-16,0-3 6 0,0-2-3 16,0-1 0-16,0-1 3 15,0 2-4-15,0-2 1 16,0 0 0-16,0 0-3 15,0 0 4-15,0 0-1 16,0 1 0-16,0-1 4 16,0 0-2-16,0 0-2 15,0 0 0-15,0 0 8 16,0 0-6-16,0 0 6 16,0 0 8-16,0 0-13 15,0 0 12-15,0 0-15 16,0 0 0-16,0 0 7 0,0 0-1 15,0 0-5-15,0 0 5 16,0 0-5-16,0 0 13 16,3 0-8-16,9-10-5 15,3-3-1-15,10 0-5 16,5 0 5-16,6-1-58 16,0 1-132-16</inkml:trace>
   <inkml:trace contextRef="#ctx0" brushRef="#br0" timeOffset="35184.08">7140 16286 9 0,'0'0'53'0,"0"0"-4"15,0 0 19 1,0 0-2-16,0 0-30 0,0 0 13 15,0 0-14-15,0 0-8 16,-2-11 1-16,2 6-8 16,8-1 9-16,11-1-24 15,4 2 20-15,4 4-16 16,-5 1-9-16,3 0 4 16,-8 0-4-16,-2 8 0 15,-8 6-4-15,-4 1 4 16,-3 6 3-16,0 2-3 15,-22 5 0-15,-2 5 10 16,-8-1-9-16,6-2 1 16,0-2 0-16,9-7 3 15,6-1-8-15,8-3 3 0,3-2-3 16,0 3 3-16,19-2-9 16,2 1 9-16,-1-2 0 15,-4-4 3-15,-4-1-1 16,-3-1-2-16,-3-2 0 15,-4 1 7-15,-2 0 0 16,0 2 12-16,0 2 1 16,-11 1-11-16,0 0 10 15,-3 0-17-15,2-4 1 16,-3 0 3-16,7 0-6 16,1-3-2-16,2 4-33 15,4-3-55-15,1-5-76 0,0-2-142 16</inkml:trace>
   <inkml:trace contextRef="#ctx0" brushRef="#br0" timeOffset="35558.33">7519 16301 305 0,'0'0'38'0,"0"0"-15"16,-9 104-2-16,3-57 6 0,6-4-7 16,0-1 0-16,0-9-16 15,9-9-3-15,6-7 6 16,3-8-8-16,1-9 1 16,2 0-15-16,3-16-22 15,4-16-38-15,-2-3 5 16,-7-3 70-16,-4 8 18 15,-6 13 49-15,-6 7-5 16,-3 10 1-16,0 0-6 16,0 9-57-16,0 17 0 15,0 8 24-15,0 6-10 16,0-3-7-16,0-2 1 16,3-2-8-16,4 1 0 0,2-7-48 15,0 0-83 1,3-10-71-16</inkml:trace>
-  <inkml:trace contextRef="#ctx0" brushRef="#br0" timeOffset="36384.27">8660 16267 263 0,'0'0'125'0,"0"0"-87"15,0 0-35-15,0 0 56 16,0 0-28-16,0 0 2 16,0 0 4-16,75-60-36 15,-65 58 23-15,1 2-22 16,2 0-2-16,-1 14-3 15,-1 8-4-15,-6 3 7 16,-5-1 11-16,0 3-5 16,0 1 7-16,-8 0 1 15,-7 1 1-15,-6 5-7 16,0-2 18-16,0-3-17 16,3-4 4-16,9-7-9 0,3-9 8 15,5-6-12-15,1-1 0 16,0-1-4-16,0 0 8 15,7 0-4 1,11-1 0-16,8 0-1 0,9 0-13 16,4-13-41-16,6-11-53 15,1-10-44-15,-6-4-136 16</inkml:trace>
-  <inkml:trace contextRef="#ctx0" brushRef="#br0" timeOffset="36750.16">9208 16106 332 0,'0'0'57'0,"0"0"-51"15,0 0 2-15,0 0 34 16,0 0-5-16,0 0-18 16,49 61 2-16,-49-46 3 15,0 4-7-15,-13 5-4 16,-11 1-2-16,3 0 3 15,-3-2-13-15,15-3 1 16,2-1 4-16,7 0-6 16,0 0-4-16,0 0 0 15,5 1 8-15,3 0 0 16,-2 2-4-16,0-1 1 16,-3-1-1-16,-3 1 2 15,0-5 1-15,0-2 32 0,0-5-21 16,0 2 9-1,0 0 0-15,-9-2-12 0,-3 1 6 16,-1 0-15-16,-1-1-2 16,1-4-34-16,5-4-129 15,2-1-197-15</inkml:trace>
+  <inkml:trace contextRef="#ctx0" brushRef="#br0" timeOffset="36384.26">8660 16267 263 0,'0'0'125'0,"0"0"-87"15,0 0-35-15,0 0 56 16,0 0-28-16,0 0 2 16,0 0 4-16,75-60-36 15,-65 58 23-15,1 2-22 16,2 0-2-16,-1 14-3 15,-1 8-4-15,-6 3 7 16,-5-1 11-16,0 3-5 16,0 1 7-16,-8 0 1 15,-7 1 1-15,-6 5-7 16,0-2 18-16,0-3-17 16,3-4 4-16,9-7-9 0,3-9 8 15,5-6-12-15,1-1 0 16,0-1-4-16,0 0 8 15,7 0-4 1,11-1 0-16,8 0-1 0,9 0-13 16,4-13-41-16,6-11-53 15,1-10-44-15,-6-4-136 16</inkml:trace>
+  <inkml:trace contextRef="#ctx0" brushRef="#br0" timeOffset="36750.15">9208 16106 332 0,'0'0'57'0,"0"0"-51"15,0 0 2-15,0 0 34 16,0 0-5-16,0 0-18 16,49 61 2-16,-49-46 3 15,0 4-7-15,-13 5-4 16,-11 1-2-16,3 0 3 15,-3-2-13-15,15-3 1 16,2-1 4-16,7 0-6 16,0 0-4-16,0 0 0 15,5 1 8-15,3 0 0 16,-2 2-4-16,0-1 1 16,-3-1-1-16,-3 1 2 15,0-5 1-15,0-2 32 0,0-5-21 16,0 2 9-1,0 0 0-15,-9-2-12 0,-3 1 6 16,-1 0-15-16,-1-1-2 16,1-4-34-16,5-4-129 15,2-1-197-15</inkml:trace>
   <inkml:trace contextRef="#ctx0" brushRef="#br0" timeOffset="37419.92">10439 15999 396 0,'0'0'158'16,"0"0"-130"-16,0 0-28 15,0 0 0-15,0 0 31 16,10 117-2-16,-8-72 1 16,-2 5-10-16,0-1-19 15,-3 2 8-15,-6 1-9 16,-2-3-17-16,4-4-45 16,7-9-40-16,0-18-41 15,0-17-97-15</inkml:trace>
   <inkml:trace contextRef="#ctx0" brushRef="#br0" timeOffset="37674.18">10749 16064 311 0,'0'0'89'16,"0"0"-80"-16,0 0 42 15,0 0-11-15,0 0-13 16,0 0 8-16,57 81-8 15,-57-52 16-15,-11-2-25 16,-4 1 11-16,0-1-8 0,1-2 0 16,6-4 3-16,8-1-24 15,0-6 1-15,22-7 1 16,14-7 5-16,14 0-14 16,8-9-40-16,4-10-85 15,0-6-130-15</inkml:trace>
-  <inkml:trace contextRef="#ctx0" brushRef="#br0" timeOffset="38080.13">11956 15997 302 0,'0'0'28'15,"0"0"55"-15,22 104-20 16,-20-68-12-16,-2-1-31 16,0 0-1-16,0-2-16 15,0-1-3-15,0-6 0 16,0-6-48-16,0-8-36 15,3-12-134-15</inkml:trace>
+  <inkml:trace contextRef="#ctx0" brushRef="#br0" timeOffset="38080.12">11956 15997 302 0,'0'0'28'15,"0"0"55"-15,22 104-20 16,-20-68-12-16,-2-1-31 16,0 0-1-16,0-2-16 15,0-1-3-15,0-6 0 16,0-6-48-16,0-8-36 15,3-12-134-15</inkml:trace>
   <inkml:trace contextRef="#ctx0" brushRef="#br0" timeOffset="38367.92">12277 15943 404 0,'0'0'121'0,"0"0"-118"15,-45 101-2-15,33-54 25 16,2-5-14-16,7 0 2 16,3-5 12-16,0-9-25 15,10-8 2-15,7-11-3 16,5-9 6-16,8 0 22 16,4-26-1-16,3-6-17 15,-4-9-3-15,-7-4-7 16,-13-5 0-16,-13 0 3 15,0 0 2-15,-21 8-10 16,-12 13-16-16,-10 14-30 0,-2 12-35 16,-2 3-212-16</inkml:trace>
   <inkml:trace contextRef="#ctx0" brushRef="#br0" timeOffset="39206.14">14006 15668 333 0,'0'0'76'16,"0"0"-66"-16,0 0-2 15,0 0-3-15,-96 46 3 16,56-26-2-16,6-2 0 16,9 0-2-16,8-2 5 15,8 2-6-15,9 5 7 16,0 1-9-16,17 4 2 15,11 0 1-15,2-1-3 16,1-2 3-16,-6-5-4 0,-8-3 1 16,-7-8 10-16,-8-4-6 15,-2 2 8-15,-6 5 10 16,-21 2 8-16,-8 4 14 16,-3-1-34-16,4 1-7 15,10-3-3-15,9-1-1 16,9-5-55-16,6-2-51 15,0-7-285-15</inkml:trace>
   <inkml:trace contextRef="#ctx0" brushRef="#br0" timeOffset="39602.14">14744 15292 320 0,'0'0'134'15,"0"0"-112"-15,0 0-6 0,97 52 12 16,-61 1 18 0,0 15-6-16,-5 16 20 0,-5 5-34 15,-12 2-16-15,-11-6 6 16,-3-6-16-16,0-7 4 16,-14-4 0-16,3-3 0 15,4-6-1-15,3-5-3 16,-1-6-6-16,2-6-59 15,-9-7-12-15,-7-11-75 16,-10-11-175-16,-7-13 269 16</inkml:trace>
@@ -2126,15 +2129,15 @@
   <inkml:trace contextRef="#ctx0" brushRef="#br0" timeOffset="43458">8720 14825 368 0,'0'0'115'0,"0"0"-86"16,0 0-28-16,0 0 26 0,0 0 22 16,34 96 11-1,-22-59-50-15,-4 3-3 0,-5 6-6 16,0 7-1-16,-2 2-57 15,4-7-143-15</inkml:trace>
   <inkml:trace contextRef="#ctx0" brushRef="#br0" timeOffset="44066.02">10321 14608 228 0,'0'0'174'0,"0"0"-100"15,0 0-71-15,94-27 36 16,-69 27-36-16,-6 10 3 15,-11 5 13-15,-5 8-9 0,-3 3 11 16,-8 6 27 0,-15 2-8-16,-4 2 1 0,3-2-29 15,4-3 6-15,7-5-4 16,10-1-14-16,3-3 0 16,15-2-3-16,19-6-4 15,16-2 0-15,9-10-95 16,3-2-106-16</inkml:trace>
   <inkml:trace contextRef="#ctx0" brushRef="#br0" timeOffset="44597.07">11896 14403 269 0,'0'0'200'16,"0"0"-162"-1,0 0-38-15,0 0-1 0,0 0 1 16,0 0 8-16,70 76 22 16,-70-50-2-16,-14-1-24 15,-10 4 9-15,-9 4 11 16,3 0-21-16,9 0 2 15,11-2-5-15,10-1 1 16,6 1-9-16,18-1 8 16,4-3-4-16,-3-2-4 15,-4-7 16-15,-9-5-8 16,-4-2 1-16,-5-1-1 16,-3-3 23-16,0 2-11 0,-2 0 2 15,-18 3 19 1,-5 5-29-16,-2 0 9 0,2-1-13 15,10 1-61-15,5-4-100 16,8-5-327-16</inkml:trace>
-  <inkml:trace contextRef="#ctx0" brushRef="#br0" timeOffset="45580.26">13818 14286 466 0,'0'0'50'16,"0"0"-40"-16,0 0 5 15,-15 117 4-15,4-79 7 16,4 0-17-16,5-7-7 16,2-4 3-16,0-11-5 15,2-1 0-15,10-8-5 16,7-7 11-16,4 0-2 15,8-10 5-15,2-10-8 0,-1-4 5 16,-7 8-6-16,-9 3 2 16,-7 10 36-16,-7 3 2 15,-1 0-18-15,-1 4-22 16,0 19 2-16,0 14 9 16,-1 6-8-16,-12 6-2 15,-1 1 9-15,0 2-10 16,-2 3-35-16,7-3-66 15,0-9-165-15</inkml:trace>
+  <inkml:trace contextRef="#ctx0" brushRef="#br0" timeOffset="45580.25">13818 14286 466 0,'0'0'50'16,"0"0"-40"-16,0 0 5 15,-15 117 4-15,4-79 7 16,4 0-17-16,5-7-7 16,2-4 3-16,0-11-5 15,2-1 0-15,10-8-5 16,7-7 11-16,4 0-2 15,8-10 5-15,2-10-8 0,-1-4 5 16,-7 8-6-16,-9 3 2 16,-7 10 36-16,-7 3 2 15,-1 0-18-15,-1 4-22 16,0 19 2-16,0 14 9 16,-1 6-8-16,-12 6-2 15,-1 1 9-15,0 2-10 16,-2 3-35-16,7-3-66 15,0-9-165-15</inkml:trace>
   <inkml:trace contextRef="#ctx0" brushRef="#br0" timeOffset="50351.87">15929 14608 11 0,'0'0'32'0,"0"0"3"15,0 0 12-15,0 0-41 16,0 0-1-16,0 0-5 15,0 0 3-15,0 0-1 16,27-10-2-16,-27 10 3 16,0 0 14-16,0 0 14 15,-5 0 14-15,-11 6 55 16,-4 5-62-16,0 3-10 16,-1 1-5-16,3 4-6 15,-3 2 12-15,1 3-23 16,-5 8 3-16,-2 5 4 15,-9 11-13-15,-5 3 11 0,-7 5-11 16,-4 0 0-16,4-3 1 16,0-6-1-16,6 1 0 15,1-11 0-15,1-3 4 16,1-5-4-16,-4-7 0 16,1 1 3-16,-6-5-1 15,2 2 1-15,-2-3 0 16,3-2 4-16,2-1-7 15,6-1 12-15,5-2-12 16,7-2 0-16,7 0 3 0,9-4 2 16,0-2-5-1,6 0 0-15,2-3 1 0,-1 1-2 16,2-1 1-16,-1 0 0 16,1 0 2-16,0 0 3 15,0 0-5-15,0 0 0 16,0 0 4-16,0 0-9 15,0 0-36-15,0 0-44 16,7 0-45-16,6 0-25 16</inkml:trace>
   <inkml:trace contextRef="#ctx0" brushRef="#br0" timeOffset="50906.48">14987 15155 28 0,'0'0'42'16,"0"0"-14"-16,0 0-4 16,0 0-1-16,0 0-17 15,0 0 30-15,0 0-11 0,0 0-13 16,0 0-1-16,0 0-9 16,0 0 8-16,0 0-7 15,0 0-2-15,0 8 23 16,-3 2-5-16,-1 3-9 15,-2 1-2-15,0 0 10 16,0-1 3-16,0-1-2 16,-1 0-13-16,2-1 22 15,-1-1-15-15,2 4-4 16,-1 2 6-16,1 3-13 16,-3 3 10-16,2-1-2 15,-1-1-8-15,0 3 17 0,1-8-17 16,1-4 3-1,1-4 9-15,2-4-14 0,1-1 6 16,0-2 2-16,0 0-5 16,0 0 14-16,1 0-17 15,23 0 0-15,14 0 4 16,11 0-4-16,4 0-104 16,-3 0-60-16</inkml:trace>
   <inkml:trace contextRef="#ctx0" brushRef="#br0" timeOffset="55876.1">16690 14382 101 0,'0'0'44'16,"0"0"18"-16,0 0-44 16,0 0 21-16,0 0-8 15,0 0-12-15,0 0-9 16,0-14-10-16,0 28-11 16,1 15 11-16,1 11 11 0,-2 6 41 15,0 2-12 1,0-1-23-16,0-7 9 0,0-7-23 15,0-3 0-15,0-6 6 16,0-3-9-16,0-4-27 16,-2-4-87-16,-1-5-21 15,0-2 3-15</inkml:trace>
-  <inkml:trace contextRef="#ctx0" brushRef="#br0" timeOffset="56658.22">16600 14413 226 0,'0'0'94'0,"0"0"-42"15,0 0-42-15,0 0 12 16,0 0 37-16,82-43-34 15,-55 43 0-15,-3 0-14 16,0 23-11-16,-5 5 12 16,-7 4-7-16,-7 4 1 15,-5-2 19-15,-3 2-11 16,-19 0 18-16,-6 1 0 16,-7-5-19-16,-2-1 11 15,1-3-15-15,3-5 4 16,9-6-5-16,9-3-4 0,6-4-4 15,9-3 0-15,0 3 2 16,4 1-10-16,22-4 8 16,13-2 0-16,12-5-3 15,10 0-1-15,9-2-76 16,1-15-50-16,-2-2-55 16,-5-4-91-16</inkml:trace>
+  <inkml:trace contextRef="#ctx0" brushRef="#br0" timeOffset="56658.21">16600 14413 226 0,'0'0'94'0,"0"0"-42"15,0 0-42-15,0 0 12 16,0 0 37-16,82-43-34 15,-55 43 0-15,-3 0-14 16,0 23-11-16,-5 5 12 16,-7 4-7-16,-7 4 1 15,-5-2 19-15,-3 2-11 16,-19 0 18-16,-6 1 0 16,-7-5-19-16,-2-1 11 15,1-3-15-15,3-5 4 16,9-6-5-16,9-3-4 0,6-4-4 15,9-3 0-15,0 3 2 16,4 1-10-16,22-4 8 16,13-2 0-16,12-5-3 15,10 0-1-15,9-2-76 16,1-15-50-16,-2-2-55 16,-5-4-91-16</inkml:trace>
   <inkml:trace contextRef="#ctx0" brushRef="#br0" timeOffset="56967.21">17233 14440 235 0,'0'0'162'0,"0"0"-117"15,-90 15 20-15,44 22 2 16,1 10-32-16,4 5 7 16,8-2-28-16,13 1-6 15,10-2-4-15,9-4-1 16,1-6-3-16,0-5 1 15,14-6 8-15,5-8-18 16,3-11 7-16,6-9 2 16,6 0-1-16,5-25 5 15,3-9 1-15,-2-8 10 16,-2-5-11-16,-7-6 9 16,-6-1-10-16,-10 1-1 15,-11 2 6-15,-4 3-8 0,-17 8-1 16,-18 12-23-16,-12 18-46 15,-4 10-79-15,-4 7-244 16</inkml:trace>
   <inkml:trace contextRef="#ctx0" brushRef="#br0" timeOffset="57600.57">16669 15179 368 0,'0'0'137'0,"0"0"-117"16,0 0-10-16,0 0 49 15,118-9 6-15,-48 4-44 16,6-3-14-16,0-4 2 16,-3-2-3-16,-9-1-5 15,-9-1 0-15,-11 2-1 16,-14 3-24-16,-14 5-12 16,-10 3 29-16,-9 3-19 15,-42 5-39-15,-25 25 10 16,-25 12-4-16,-13 2-30 15,-1-1 50-15,8-5 37 16,14-10 2-16,17-4 19 16,24-7 28-16,19-4-6 0,20 1-10 15,7-1-31-15,16-3 6 16,27-2 28-16,17-6 32 16,18-2-23-16,11-8-42 15,8-16 5-15,3-3 4 16,-3-3-5-16,-10 0-5 15,-10 3-17-15,-14 6-22 16,-17 7-62-16,-16 8-101 16</inkml:trace>
   <inkml:trace contextRef="#ctx0" brushRef="#br0" timeOffset="63219.6">9111 18416 19 0,'0'0'118'0,"0"0"-99"16,0 0 29-16,0 0 18 15,0 0-6-15,0 0 6 16,0 0-35-16,0-69-9 15,0 63 9-15,-2-6-22 16,-1 0 22-16,0 0-17 16,-2-8-9-16,3 0 5 15,-1-10-4-15,2 1 2 16,-1-5 3-16,-1-7-8 0,3-3-1 16,0-5-2-1,0-1 0-15,-3-2-3 0,-2 1 8 16,-5 1-5-16,1-5 4 15,-1 1-4-15,-2-2 0 16,1 2 0-16,2 6 2 16,0 4 1-16,2 3-3 15,1 5 0-15,0 3-1 16,1 4 7-16,2 2-9 16,-1 3 3-16,0 3 0 15,-2 2 1-15,0 2-1 16,-2 2 0-16,2 1-1 15,-3 1 8-15,5 3-7 0,-1 3 0 16,2 4 4 0,3 2 0-16,0-1-4 0,0 2 0 15,0 0 0-15,0 0-1 16,0 0 1-16,0 0 0 16,0-1 0-16,0-2-4 15,0-3 4-15,0-1 0 16,0-2 2-16,0-2 1 15,0-1 0-15,0-3-3 16,0-4 1-16,0-2-2 16,0 0 4-16,3 0-3 15,2 7 0-15,-2 5 2 0,-2 2-4 16,1 6 2 0,-2-2 0-16,0 3-6 15,0 0 7-15,0-2-1 0,0 2 3 16,0 0 1-16,0 0-2 15,0 0-2-15,0 0 0 16,0 0 7-16,0 0-7 16,-5 0 0-16,-8 10-4 15,-8 2 4-15,2 5 0 16,-1 1-2-16,1 1 2 16,2 7-2-16,4 0 2 15,4-1 0-15,3-4-2 16,3-6 6-16,1-5-8 15,2-5 4-15,0-5-1 16,0 0-1-16,0 0 2 0,0 0-1 16,0 0-1-16,0 0 4 15,5-15-2-15,7-6 6 16,3-4-1-16,0-3-3 16,1 1 2-16,4 2-1 15,5 4-3-15,5 5-1 16,3 10-6-16,4 6 7 15,3 19-39-15,-3 11-61 16,-4 4-234-16</inkml:trace>
-  <inkml:trace contextRef="#ctx0" brushRef="#br0" timeOffset="64952.22">9145 15815 17 0,'0'0'47'16,"-127"0"-14"-16,57 0-12 0,-1 1 16 16,-1 11 20-16,8 3 13 15,6 7-45-15,9 12 7 16,4 6 10-16,4 13-14 16,1 10-20-16,1 7 4 15,5 2 4-15,6-2-15 16,10 5 15-16,15 8-10 15,3 7 12-15,34 13 25 16,17 1-28-16,10-3 2 16,12-6-9-16,5-14-5 15,-5-16 1-15,3-16-4 16,-9-16 0-16,-1-11-4 0,-5-13 13 16,-3-9-14-16,-1 0 10 15,1-21-4-15,7-20 11 16,7-14-7-16,0-12 0 15,1-8-2-15,-12-7 1 16,-13-9-1-16,-7-7-3 16,-12-8 1-16,-13-1-7 15,-13 2-2-15,-3 7-6 16,-18 10 13-16,-22 4-3 16,-14 13-5-16,-14 6-11 15,-13 4-19-15,-8 9-15 16,-5 14 15-16,3 14-147 15,7 22-49-15</inkml:trace>
+  <inkml:trace contextRef="#ctx0" brushRef="#br0" timeOffset="64952.21">9145 15815 17 0,'0'0'47'16,"-127"0"-14"-16,57 0-12 0,-1 1 16 16,-1 11 20-16,8 3 13 15,6 7-45-15,9 12 7 16,4 6 10-16,4 13-14 16,1 10-20-16,1 7 4 15,5 2 4-15,6-2-15 16,10 5 15-16,15 8-10 15,3 7 12-15,34 13 25 16,17 1-28-16,10-3 2 16,12-6-9-16,5-14-5 15,-5-16 1-15,3-16-4 16,-9-16 0-16,-1-11-4 0,-5-13 13 16,-3-9-14-16,-1 0 10 15,1-21-4-15,7-20 11 16,7-14-7-16,0-12 0 15,1-8-2-15,-12-7 1 16,-13-9-1-16,-7-7-3 16,-12-8 1-16,-13-1-7 15,-13 2-2-15,-3 7-6 16,-18 10 13-16,-22 4-3 16,-14 13-5-16,-14 6-11 15,-13 4-19-15,-8 9-15 16,-5 14 15-16,3 14-147 15,7 22-49-15</inkml:trace>
   <inkml:trace contextRef="#ctx0" brushRef="#br0" timeOffset="70297.28">9573 18186 28 0,'0'0'54'0,"0"0"-16"15,0 0-20-15,0 0-5 16,0 0-10-16,0 0-1 16,0 0 2-16,0 0-3 15,0 0 1-15,0 0-2 16,0 0 4-16,0 0 3 15,0 0-1-15,0 0 27 0,0 0-2 16,0 0-12-16,0 0 4 16,0 0-7-16,0 0-7 15,0 0-1-15,0 0-4 16,0 0-4-16,0 0 1 16,0 0 2-16,0 0 3 15,0 0 0-15,0 0-3 16,0 0 10-16,0 0-12 15,0 0 1-15,0 0-1 16,0 0 0-16,0 0 2 16,0 0-3-16,0 0 0 15,0 0-1-15,0 0 1 0,0 0 0 16,0 0 2 0,0-3-1-16,0 3 4 0,0 0-5 15,0 0 1-15,0-3 17 16,0 2 0-16,0-2-1 15,2-1-8-15,-2-2-5 16,1 0-7-16,2 1 3 16,-1-3 0-16,1 1 5 15,0-2-5-15,4-2 4 16,1 5-4-16,4-2 10 16,7-2-4-16,5 4-6 15,0-3 2-15,1 5 2 16,-1 1-2-16,-2 1 1 15,-5 0-3-15,-2-1-2 16,-5 3 1-16,-2 0 0 0,-4 0-2 16,0 0-1-16,-2 0 4 15,1 0 0-15,-2 13 0 16,1 7 1-16,-2 7 0 16,0 2 3-16,0-5-3 15,-6-1 1-15,-4-4 2 16,2-4 3-16,-1 3 2 15,-1-4-8-15,-1 2 2 16,-1-3-3-16,1-3 1 16,0-1-1-16,5-2 2 15,1-4-2-15,1 1 0 16,3-4 7-16,-1 0-8 0,2 0 1 16,0 0 0-1,0 0-1-15,0 2 1 0,2-1-15 16,11 3 15-16,5-1 0 15,3-2 3-15,1 2-3 16,0 0 0-16,0 4 4 16,-3 0-3-16,-6 3-1 15,1 2 0-15,-8 1-5 16,-3 0 5-16,-3-2 0 16,0 2 3-16,0 3-1 15,-12-3 0-15,-3 1-1 16,-2-4 5-16,-2 0-6 15,-5-4 25-15,-4-3-8 0,0-1-7 16,-2-2 15 0,0 0-25-16,6 0 13 0,3-7-6 15,7 0-3-15,6 0 0 16,3 0-4-16,5 4-7 16,0-1-54-16,19-1-106 15,11-3-41-15</inkml:trace>
   <inkml:trace contextRef="#ctx0" brushRef="#br0" timeOffset="70867.78">10085 17991 264 0,'0'0'142'16,"0"0"-131"-16,0 0-1 16,0 0-7-16,95-31 17 15,-70 31 12-15,0 0-28 16,-4 0 6-16,-6 0-10 15,-5 9-5-15,-6 7-3 16,-4 3 5-16,0 7 3 0,-10 4 15 16,-12 0-9-16,-4 0 12 15,3-1-15-15,6-7-1 16,7-7 2-16,7-2-4 16,3-1 0-16,0 3-2 15,16 0 4-15,9-1-2 16,4-4 0-16,1 3 0 15,-3-3 3-15,-4 7 0 16,-5 0-3-16,-4 2 4 16,-5 1-1-16,-5 0-2 15,-4 0 1-15,0 2 3 16,-12-1 36-16,-6-5-9 0,-4 1-4 16,0-6-1-16,-1-1-16 15,4-2 1-15,-1-4-11 16,5-1 0-16,-4-3 0 15,5 0-1-15,1 0-7 16,3-9-26-16,7-11-45 16,3-10-64-16,0-8-184 15</inkml:trace>
   <inkml:trace contextRef="#ctx0" brushRef="#br0" timeOffset="75759.06">8888 15788 16 0,'0'0'32'15,"0"0"-2"-15,0 0 3 16,0 0-2-16,0 0-14 16,0 0-6-16,0 0 20 15,41-49-3-15,-26 32-19 16,4-4 7-16,5-3-2 15,3-3-9-15,3-1 20 16,2-3-12-16,4-4-3 16,2-1 14-16,-2-1-14 15,1 3 10-15,0-2-1 0,-3 4-16 16,2 1 15 0,-3 0-14-16,1 2 1 0,1 1 3 15,1 4-4-15,-1 2-4 16,-1 5 0-16,1 2 7 15,-2 3-7-15,-2 5 0 16,2-1 0-16,-2 5-1 16,2 1 1-16,-3 2 0 15,1 0 3-15,-4 0 1 16,1 0-5-16,-4 3 1 16,-4 5 0-16,-1 1 4 15,-1 1-2-15,3 2-2 16,0 1 4-16,-2 3-3 15,4-1 14-15,-1 1-15 16,-4-1 1-16,3-2 6 0,-7-2 0 16,-3-5-7-16,-2 0 0 15,-4-2 5-15,0-1-4 16,-2-2-1-16,-1 1 0 16,-2-2 1-16,1 1 2 15,-1 2-3-15,2-1 0 16,-2 2-4-16,1 0 3 15,2 3 1-15,0 1 0 16,2 2 1-16,-4-2 4 16,1-2-5-16,-2-2 0 15,0 1-9-15,0-4 0 16,0-1-23-16,0 1-12 0,0 1 3 16,0-1-6-16,0-1-19 15,-5 0-8-15,2 0 6 16,3-7 39-16,0-11-11 15,8-2 5-15,8-5 35 16,1-1 3-16,-1 2 19 16,-1 1 1-16,-2 7-14 15,-4 3 32-15,-6 7-1 16,-1 4 16-16,-2 2 18 16,0 0-48-16,0 0-13 15,0 0-12-15,0 0 5 16,0 5-5-16,-8 12 1 15,-4 3 3-15,2 8 7 16,1 6-8-16,9 4 8 16,0 2 9-16,0 3-8 0,0-5 0 15,0-9-10-15,8-7-3 16,-4-11 4-16,-2-5 1 16,-2-5-5-16,0-1 9 15,0 0 23-15,0 0 32 16,-5-7-39-16,-10-9-24 15,-6-4-1-15,-4-3 5 16,1 4-5-16,-5-1 0 16,0 6 0-16,2 6-2 15,6 2 2-15,7 6 0 16,9 0-2-16,5 0-3 16,0 4-2-16,0 11 7 0,4 1 0 15,5-1-9-15,3-3 7 16,-2-7-6-16,-5-1 5 15,-2-2 5-15,-3-1-2 16,0-1 4-16,0 0-3 16,0 0 11-16,1 0-12 15,4 3-43-15,-1 3-233 16</inkml:trace>
@@ -2142,7 +2145,7 @@
   <inkml:trace contextRef="#ctx0" brushRef="#br0" timeOffset="77558.72">10894 15687 103 0,'0'0'31'0,"0"0"-10"15,0 0-17-15,0 0 40 16,0 0 35-16,0 0-42 15,-36 4-16-15,36-4-4 0,0 0 9 16,3-4 25 0,9-10-24-16,4-9-22 0,7-4 27 15,5-1-31-15,5-3 8 16,8-1-9-16,3-3 8 16,5-1-8-16,2 0 0 15,-2 2 2-15,-1 4-5 16,1 6 4-16,-1 7-1 15,-3 6 0-15,-2 7 6 16,8 4-8-16,-2 0 2 16,2 0-4-16,-1 4 3 15,2 8 2-15,-2 4-1 0,3 1 0 16,4 1 0 0,-2 1 0-16,-4-2 5 0,-5 0-5 15,-13-5 0-15,-8-4-2 16,-11-2 2-16,-8-3 0 15,-3-3-4-15,-3 0 4 16,0 0 0-16,0 0 6 16,0 0 9-16,-6 0-11 15,-5 0-4-15,4-3 0 16,0-3 6-16,2-2-7 16,2-2 1-16,-1 1 0 15,-1-5-7-15,3-3 0 16,-4-2 2-16,1 0 1 15,2-3-10-15,3 3-14 0,0-3-13 16,0 4 31-16,0 1 7 16,0 3-17-16,0 4 20 15,0 4 8-15,-2 5 5 16,-1 1 16-16,2 0-10 16,-1 0-19-16,-2 17 0 15,2 9 0-15,2 4 6 16,0 0-4-16,6-3 2 15,10-5 1-15,-2-5-2 16,-2 1 1-16,0-6-4 16,-5 1 6-16,-1-4 0 15,-1 4 2-15,-5-3-7 16,0 1 10-16,0 2-11 0,-5-1 3 16,-11 1 1-1,-3 5-4-15,-4-9-17 0,2-3-168 16</inkml:trace>
   <inkml:trace contextRef="#ctx0" brushRef="#br0" timeOffset="78225.1">12411 15599 104 0,'-89'-12'64'15,"-10"8"-38"-15,-10 4 19 16,-4 8 44-16,2 19 9 15,5 14-16-15,8 11-34 16,16 16-2-16,9 14-19 16,17 12-22-16,12 9 23 15,22 6-27-15,22 3 2 16,11 0 0-16,39 1 3 16,20-6-6-16,12-12 0 15,12-15-9-15,3-15 8 16,-5-19-16-16,-8-13-9 15,-5-17 14-15,-7-16-6 16,-4-10 14-16,2-27 2 0,-3-14 2 16,-4-11 11-16,-6-15-11 15,-9-12 3-15,-8-9-2 16,-13-2 5-16,-14 0-12 16,-7 5 5-16,-6 6-2 15,0 1-2-15,-6 8 9 16,1 3-4-16,-1 4 0 15,-1 12-4-15,1 16 0 16,0 14-110-16,2 14-154 16</inkml:trace>
   <inkml:trace contextRef="#ctx0" brushRef="#br0" timeOffset="78932.09">12711 15602 337 0,'0'0'29'15,"0"0"-8"-15,0 0-14 16,46-82 6-16,-11 51 32 15,3-4-14-15,7-6-26 16,9-8 0-16,7-6 1 0,9-2-6 16,9 9 0-16,3 9 2 15,3 12 4-15,0 12-12 16,-7 5 5-16,1 5 1 16,-10 4 1-16,-10 1 3 15,-7 0-4-15,-8 0 7 16,-7 9-5-16,2 11 4 15,-5-1-5-15,-4 1 2 16,-3 2 1-16,-8-5 0 16,-6-4-2-16,-5-3-2 15,-5-6 4-15,-3-2-7 0,0-2 3 16,0 0 0 0,0 0 10-16,0 0-9 0,0 0-1 15,0 0 0-15,0 0 5 16,0 0-10-16,0 0-3 15,0 0-11-15,0-11 9 16,0-5-31-16,-6-3 32 16,-4 1-4-16,-2-4-16 15,0 2 26-15,-3-1-4 16,1-2 7-16,1 1 0 16,4 6 6-16,3 5-5 15,4 5 41-15,2 5-11 16,0 1-25-16,0 2-6 15,10 21 0-15,9 11 1 0,-1 6 10 16,7-1 0-16,-4-4 4 16,-4-6-11-16,-6-10 13 15,-5-5-6-15,-3-3-6 16,-3 2 3-16,0 4-4 16,-19 8-8-16,-9 3 0 15,-10 4-99-15,1-5-184 16</inkml:trace>
-  <inkml:trace contextRef="#ctx0" brushRef="#br0" timeOffset="79637.21">13848 15550 368 0,'0'0'49'0,"-157"29"12"15,69 23-11-15,0 14-11 16,8 12 21-16,14 4-27 16,18 6-23-16,20-2 16 0,16 1-12 15,12-3-8-15,3 4 12 16,27 8-16-16,10-2 3 15,8-7-5-15,14-16 5 16,11-22-10-16,4-14 5 16,1-17 0-16,-4-13 0 15,-6-5 5-15,-5-15-9 16,-5-22 4-16,-3-11 0 16,-4-17 2-16,-8-11-2 15,-5-9-7-15,-11-9 6 16,-15-4-26-16,-12-2 8 15,0 2 8-15,-26 6-10 0,-11 14 11 16,-3 12-8-16,-2 15-4 16,4 18-1-16,6 18 5 15,8 15-100-15,4 1-189 16</inkml:trace>
+  <inkml:trace contextRef="#ctx0" brushRef="#br0" timeOffset="79637.2">13848 15550 368 0,'0'0'49'0,"-157"29"12"15,69 23-11-15,0 14-11 16,8 12 21-16,14 4-27 16,18 6-23-16,20-2 16 0,16 1-12 15,12-3-8-15,3 4 12 16,27 8-16-16,10-2 3 15,8-7-5-15,14-16 5 16,11-22-10-16,4-14 5 16,1-17 0-16,-4-13 0 15,-6-5 5-15,-5-15-9 16,-5-22 4-16,-3-11 0 16,-4-17 2-16,-8-11-2 15,-5-9-7-15,-11-9 6 16,-15-4-26-16,-12-2 8 15,0 2 8-15,-26 6-10 0,-11 14 11 16,-3 12-8-16,-2 15-4 16,4 18-1-16,6 18 5 15,8 15-100-15,4 1-189 16</inkml:trace>
   <inkml:trace contextRef="#ctx0" brushRef="#br0" timeOffset="80723.83">14291 15830 299 0,'0'0'70'15,"0"0"-15"-15,24-81-29 16,-11 46 36-16,3-6 13 16,4-3-34-16,2-2-21 15,5 0-17-15,0-3-1 16,1-3 3-16,2-6-5 16,0-10 0-16,3-6 0 15,1-4-23-15,1 2 12 16,2-4-11-16,3 7-12 15,2 13 32-15,3 10-5 0,1 22-10 16,-3 15 1-16,2 11 16 16,-5 2 6-16,-1 0-6 15,3 11 0-15,-3 3-3 16,-1 0 6-16,0 2-3 16,-3-1 0-16,0 3 6 15,-3 2-9-15,0 0 3 16,-4-1 0-16,-4 0 5 15,-1-3 1-15,-6-1-6 16,-3-4 2-16,1 0 3 16,-2-2 1-16,2 2-3 15,-3 2 1-15,-1 3 5 0,-1 2-5 16,-1 4-3 0,-3 2 2-16,0 1 2 0,-3-1 1 15,0 0-6-15,-2-5 0 16,-1-3 1-16,2 4 3 15,-2-7-4-15,0-3 0 16,1 1 4-16,-1 1-5 16,3-1 1-16,0 1 0 15,3 2 1-15,3 0-1 16,1 0 8-16,0-3 2 16,-4-1-8-16,0-3 4 15,-3-4-6-15,-1-2 0 16,-2 1-1-16,0-1 4 15,0-1-3-15,2 0 0 0,-2 0 6 16,0 0-8-16,0 0 2 16,0 0 0-16,0 0-4 15,0 0 4-15,0 0-16 16,0 0-4-16,0 0-24 16,-12 0 5-16,0 0-94 15,-1-13 25-15,4 1 80 16,-2-2-86-16,0 0 24 15,-3 5 69-15,2 1 21 16,2 2 36-16,1 5-23 16,5-4 18-16,1 5 46 15,3 0-1-15,0 0-53 16,0 0-8-16,2 6 28 0,9 4 33 16,-1 3-39-16,2-1-21 15,-2 2 2-15,1-3-10 16,-2 1-1-16,-2-6-1 15,2 1-5-15,1-4 11 16,-2-3-4-16,1 0-4 16,3 0 29-16,-2-3-9 15,2-10 10-15,0-3-7 16,-3-2-17-16,0-1 7 16,1-4-17-16,-2 0 0 15,-3-1 7-15,-2 6-7 16,-2 4 0-16,-1 7-2 0,0 7-44 15,0 4-29-15,-21 15-83 16,-10 1-45-16</inkml:trace>
   <inkml:trace contextRef="#ctx0" brushRef="#br0" timeOffset="81729.81">14791 13889 106 0,'0'0'95'15,"0"0"-86"1,0 0 3-16,0 0 33 0,0 0 6 16,0 0 14-16,0 0-27 15,46-50-13-15,-45 48 24 16,-1 2-35-16,0 0-3 16,0 0-11-16,0 0-6 15,-20 0 6-15,-15 11 34 16,-5 12-6-16,-2 4-8 15,14 2-3-15,17 9-12 16,11 5-5-16,8 6 0 16,22 9 4-16,4-2-4 15,5-1 1-15,-7-5 4 0,-9-8 1 16,-10-13-6-16,-7-7 0 16,-6-7 1-16,0-3-8 15,0-1 7-15,-16 5 0 16,-13 2-1-16,-5 0 1 15,3-1-42-15,7-6-54 16,11-6-46-16,11-5-79 16</inkml:trace>
   <inkml:trace contextRef="#ctx0" brushRef="#br0" timeOffset="82209.14">14979 13995 302 0,'0'0'82'0,"0"0"-82"15,0 0 0-15,0 0 16 16,1 79-14-16,1-73 12 16,2-3 18-16,2 0-28 15,5 2 2-15,5 0 10 16,3-3-16-16,7 0 0 15,1-2 15-15,-1 0-15 16,0 0 3-16,-5-7 10 16,0-7-11-16,-1-8 5 15,-3-3-2-15,-1-5 3 16,-4 0-4-16,0-1-1 0,-6 6 12 16,0 7-3-16,-3 6 10 15,-3 6 1-15,2 2-19 16,-1 4 4-16,-1 0-8 15,5 0-11-15,-1 0 7 16,6 4 5-16,2 5-1 16,3 0 0-16,2 1 9 15,2-4-8-15,-1-5-1 16,0-1 0-16,-3 0-4 16,1 0 4-16,-2 0-7 15,-3 0-1-15,-1-1-6 16,0-2 8-16,2 3-21 0,0 0-53 15,-3 15-88-15</inkml:trace>
@@ -2174,6 +2177,218 @@
           <inkml:channelProperty channel="T" name="resolution" value="1" units="1/dev"/>
         </inkml:channelProperties>
       </inkml:inkSource>
+      <inkml:timestamp xml:id="ts0" timeString="2022-11-23T14:53:54.473"/>
+    </inkml:context>
+    <inkml:brush xml:id="br0">
+      <inkml:brushProperty name="width" value="0.05292" units="cm"/>
+      <inkml:brushProperty name="height" value="0.05292" units="cm"/>
+      <inkml:brushProperty name="color" value="#FF0000"/>
+    </inkml:brush>
+  </inkml:definitions>
+  <inkml:trace contextRef="#ctx0" brushRef="#br0">810 3846 137 0,'0'0'51'0,"0"0"-51"16,0 0 0-16,38 138 0 15,-24-55 59-15,-2 0-35 16,0-4-9-16,3-10-6 15,-2-11-5-15,5-12-4 16,-3-7-1-16,-3-13 1 16,-6-9 2-16,1-8-2 15,-4-5 0-15,-3-4 8 0,0 0 46 16,0-18 45-16,0-26-39 16,-13-16-57-16,1-7 1 15,6 9-3-15,3 17 10 16,3 17 1-16,0 14 22 15,0 10-26-15,15 0-8 16,16 20-17-16,8 14 15 16,4 6 2-16,-4 7 8 15,-6-2-8-15,-6-4 3 16,-8-2-2-16,-5-10-1 16,-7-6-32-16,-7-5-82 15,0-16-166-15</inkml:trace>
+  <inkml:trace contextRef="#ctx0" brushRef="#br0" timeOffset="287.18">1241 3989 309 0,'0'0'21'16,"0"0"-14"-16,0 0-7 15,-3 93 21-15,0-44 2 16,3 0-8-16,0 0 2 15,9-5-16-15,7-11 0 16,-2-10-1-16,-1-10-11 16,-1-13 11-16,-4 0 3 0,-1-19 29 15,-4-15 75 1,-3-9-36-16,0-8-21 0,-10 0 10 16,-10 0-54-1,-2 8-10-15,1 10 4 0,1 14-19 16,1 12-31-16,-3 7-33 15,5 5-128-15</inkml:trace>
+  <inkml:trace contextRef="#ctx0" brushRef="#br0" timeOffset="810.41">1417 4032 362 0,'0'0'0'0,"0"0"0"16,0 0 25-16,24 94 21 16,-20-67-29-16,1-3-1 15,-1-8-16-15,-2-6 2 16,-2-7 5-16,3-3-3 16,-3 0 19-16,0-13 3 15,0-16-18-15,0-12-8 16,-3-4-9-16,1-2 9 15,2 8-1-15,0 10 2 16,2 14 16-16,8 12 2 0,2 3-19 16,3 18-10-1,3 15-9-15,0 6 14 0,-6 4 3 16,-3-7 4 0,-2-7 1-16,-4-11 0 0,0-8-2 15,-3-8 7-15,0-2-1 16,0 0 19-16,0-23 63 15,0-11-45-15,0-14-33 16,0-2 1-16,0 3 1 16,6 8 2-16,3 12-8 15,3 11 9-15,0 9-16 16,10 7-4-16,1 0-8 16,5 17 2-16,-1 9 4 15,-3 1 4-15,-2 5 4 0,-5-4-1 16,-4-3-1-16,-4-1-9 15,-6-4-49-15,-3-1-43 16,0-1-50-16,0-6-127 16</inkml:trace>
+  <inkml:trace contextRef="#ctx0" brushRef="#br0" timeOffset="1127.92">1963 3734 289 0,'0'0'125'16,"0"0"-83"-16,0 0-42 0,0 0-24 15,0 0 24 1,-10 122 42-16,10-64-20 0,0-1-18 16,4-10 2-16,5-13 1 15,3-14-11-15,0-13 4 16,-8-7-1-16,4 0 1 15,1-19 54-15,4-24 30 16,-1-15-16-16,-3-11-34 16,-9-3 3-16,0 4-28 15,-4 13-9-15,-19 17-7 16,-4 23-30-16,-14 15-26 16,-6 8-45-16,4 22-64 15,7 2-137-15</inkml:trace>
+  <inkml:trace contextRef="#ctx0" brushRef="#br0" timeOffset="1898.87">2354 3681 205 0,'0'0'141'0,"0"0"-79"16,0 0-14-16,-46-87 15 15,16 74-31-15,-3 10-18 16,0 3-12-16,3 18-2 16,5 27-1-16,1 12-7 15,9 12 3-15,9 3 5 16,6-4 0-16,3-19-34 16,21-14-78-16,0-24 55 15,-2-11 57-15,-4-26 8 16,0-21 55-16,0-13 8 15,-6-1-12-15,3 10-17 16,-6 15 2-16,-2 13-1 16,4 23-2-16,5 14-41 15,6 50 9-15,7 44 7 16,-1 33 81-16,-8 26-57 0,-11 5-29 16,-4-2-9-16,-5-5 3 15,0-16-4-15,-8-22 0 16,-6-36-1-16,-2-37 2 15,-5-32-2-15,-18-22 30 16,-15-16 31-16,-20-36-23 16,-1-33-38-16,5-30 0 15,13-28-15-15,26-26-22 16,29-13-18-16,10-2-4 16,41 18 22-16,20 21-41 15,16 19-11-15,10 22 1 16,2 15-40-16,-9 16-100 0</inkml:trace>
+  <inkml:trace contextRef="#ctx0" brushRef="#br0" timeOffset="2289.05">2712 3638 228 0,'0'0'29'0,"6"-81"-10"16,-6 40 50-16,0 5 42 16,-12 9-15-16,-1 11-59 15,4 13-1-15,1 3-1 16,-1 9-35-16,-1 22-4 16,-1 12-3-16,4 11 7 15,5 0 2-15,2-6-2 0,0-5-3 16,5-10-62-16,7-11-26 15,-3-9-76-15</inkml:trace>
+  <inkml:trace contextRef="#ctx0" brushRef="#br0" timeOffset="2618.04">2848 3424 358 0,'0'0'12'16,"0"0"-5"-16,0 0 52 15,0 0-9-15,52 108-36 16,-49-73-3-16,0-4 5 16,-3-4-15-16,0-10 11 0,0-9-11 15,0-8 0-15,0-1 29 16,0-30-1-16,0-12-27 16,0-9 4-16,0-5-6 15,0 3 0-15,0 6 6 16,10 15-4-16,7 14 34 15,10 14-14-15,4 5-22 16,2 27-1-16,1 16-3 16,-4 7 4-16,-6 4 1 15,-5-5 5-15,-7-4-5 16,-6-4-1-16,-4-8-35 16,-2-16-66-16,0-15-219 15</inkml:trace>
+  <inkml:trace contextRef="#ctx0" brushRef="#br0" timeOffset="3480.9">3388 3500 18 0,'0'0'69'0,"0"0"-51"15,55-109 11-15,-40 56 31 16,1-7 16-16,-10 1 12 16,-4-4 3-16,-2 7-29 15,0 13-14-15,-6 17-8 16,-2 13 12-16,1 13 1 0,-2 3-43 15,-2 29-10-15,0 16-2 16,3 10 0-16,7 2 2 16,1-5 0-16,6-5 0 15,16-5-8-15,5-3-49 16,1-10-54-16,5-14-125 16</inkml:trace>
+  <inkml:trace contextRef="#ctx0" brushRef="#br0" timeOffset="4568.14">3770 3046 531 0,'0'0'13'16,"0"0"4"-16,-42 106-16 16,33-44 32-16,7-1-7 15,2-2-5-15,2-5-21 16,13-11 1-16,6-11 2 15,-2-13 2-15,2-10-1 16,0-9-4-16,7-7-13 16,-1-24 12-16,3-17 1 15,-6-13 0-15,-6-8 1 16,-11-7 6-16,-7 0-12 16,-7 6 10-16,-20 18 2 15,-4 15 11-15,-5 19-15 0,-3 17 24 16,-4 1-27-16,1 24 13 15,9 14-27-15,12 8 13 16,12 10-4-16,9-2-2 16,3 0 2-16,18-7 5 15,2-8 0-15,2-8 1 16,6-10-5-16,1-12-11 16,1-9-13-16,1-3 3 15,3-27-6-15,-3-10 15 16,-1-12 3-16,-5-9 13 15,-4-1-3-15,-6-1 8 16,-7 13-8-16,-1 16 6 16,-5 15 23-16,-5 15 50 0,0 4-48 15,0 18-28 1,-3 21 0-16,-9 11 7 0,1 4-7 16,7-5 3-16,4-7-3 15,0-13-4-15,4-8-7 16,4-10-12-16,5-8 13 15,-1-3-14-15,3-14 24 16,0-20 4-16,3-14-1 16,-6-8 1-16,-3-8-4 15,4-2 2-15,-4 8 0 16,0 14 5-16,-2 19-4 16,-4 17 58-16,5 8-34 15,1 17-27-15,3 23-3 16,3 11 3-16,-6 10 20 0,6-2-20 15,-2-2 0-15,2-9 0 16,6-12 4-16,-5-11-4 16,-1-16 0-16,0-9 0 15,6-7 0-15,4-28 4 16,1-15-2-16,-2-13-2 16,-5-9-3-16,-2-3 3 15,-3 4 0-15,-2 15 3 16,-4 17 2-16,-1 19 15 15,-7 13 42-15,0 5-29 16,3 2-33-16,0 0-12 16,0 0-5-16,3 11 2 15,0 5 10-15,1-1 5 0,1-5-18 16,-2-5 2-16,0-5-14 16,3 0 30-16,-5 0 4 15,1-9 2-15,-5-2 10 16,0-2-2-16,0 5 26 15,0 3-11-15,0 3-16 16,0 2-10-16,3 0-3 16,7 9-30-16,10 21 14 15,0 16 6-15,-3 7 10 16,-8 2-1-16,-7 6 4 16,-2-9-9-16,-2-4 6 15,-10-7 0-15,0-10 1 0,2-8 0 16,1-4-2-16,1-6-16 15,2-5-58-15,-4 1-26 16,-5-3-23-16,-6 1-72 16,-7-6-128-16</inkml:trace>
+  <inkml:trace contextRef="#ctx0" brushRef="#br0" timeOffset="5009.14">890 4834 161 0,'0'0'27'15,"0"0"-15"-15,0 0 48 16,0 0 62-16,0 0-11 16,0 0-56-16,-13 11-24 15,62-27 5-15,48-27 18 16,70-27 17-16,78-30-24 16,68-23-8-16,60-9-4 15,33 0-30-15,16 6 1 16,2 11-6-16,-20 13 5 0,-23 14-10 15,-35 15-11-15,-51 12-18 16,-63 13 33-16,-80 14-20 16,-72 16 4-16,-56 4 15 15,-24 4-8-15,-37 0 6 16,-11 3-3-16,-3 3-14 16,11 4-4-16,16 0-32 15,14 0-32-15,8 6-123 16</inkml:trace>
+  <inkml:trace contextRef="#ctx0" brushRef="#br0" timeOffset="57409.37">28876 1377 220 0,'0'0'68'16,"0"0"-68"-16,0 0 1 0,0 0-1 15,0 0 7-15,0 0-7 16,0 0 0-16,0 0 0 16,0-3 5-16,0 7-4 15,0 1 3-15,0 0 7 16,0 3 0-16,12 1 7 16,7-2 0-16,6 0 0 15,6-4-9-15,4-3-9 16,3 0-26-16,-2 0-57 15,-2-6-82-15</inkml:trace>
+  <inkml:trace contextRef="#ctx0" brushRef="#br0" timeOffset="57605.09">29051 1349 26 0,'0'0'52'15,"0"0"7"-15,0 0-5 16,-67 95 17-16,51-55-27 15,2 4-16-15,3-1-20 16,1-1-4-16,4-4 1 16,0-6-4-16,0-2-1 15,1-4-26-15,1-5-63 16,-3-6-35-16,1-7 11 16</inkml:trace>
+  <inkml:trace contextRef="#ctx0" brushRef="#br0" timeOffset="57746">28815 1788 12 0,'0'0'67'0,"0"0"-22"16,0 0 3-16,0 0-6 0,0 0-9 15,0 0-9-15,0 54-15 16,21-46 3-16,10-1-12 16,9-6-37-16,4-1-95 15</inkml:trace>
+  <inkml:trace contextRef="#ctx0" brushRef="#br0" timeOffset="58107.11">29240 1648 388 0,'0'0'3'0,"0"0"-3"15,0 0 0-15,-61 112 23 16,49-70-14-16,4-4-5 16,4 0 1-16,4-7-5 15,0-6-3-15,0-8-3 16,6-8-13-16,8-9 13 16,3 0 6-16,6-14 4 15,2-15 10-15,2-7-13 16,-3-7 2-16,-6-3 35 0,-11 3-9 15,-7 3 13 1,0 8-12-16,-6 10-21 16,-12 8-9-16,-5 8-1 0,-3 6-12 15,-2 0-20-15,2 11-60 16,6 6-72-16,10-4-97 16</inkml:trace>
+  <inkml:trace contextRef="#ctx0" brushRef="#br0" timeOffset="58341.04">29614 1407 409 0,'0'0'98'0,"0"0"-80"15,0 0-17-15,0 0 15 16,91-2 29-16,-56 2-30 16,-1 0-13-16,-1 0-2 15,-5 7-70-15,-9-3-95 16</inkml:trace>
+  <inkml:trace contextRef="#ctx0" brushRef="#br0" timeOffset="58560.92">29659 1525 226 0,'0'0'55'0,"0"0"-36"16,-4 83 73-16,1-45-34 16,-2 1-22-16,1-3-28 15,-5-2 0-15,2-1-7 16,0-6 5-16,0-2-6 15,-2-1-34-15,0-1-32 16,0-7-60-16,1-5-102 16</inkml:trace>
+  <inkml:trace contextRef="#ctx0" brushRef="#br0" timeOffset="58730.99">30123 1219 36 0,'0'0'0'16</inkml:trace>
+  <inkml:trace contextRef="#ctx0" brushRef="#br0" timeOffset="59045.91">29725 921 31 0,'-134'-48'91'0,"-12"12"25"15,-5 23-69-15,0 13 11 16,2 31-37-16,1 26 15 0,4 19-23 16,15 22-5-16,17 25 11 15,26 25-7 1,26 22-12-16,27 9 1 0,30 4 19 16,14-10-17-16,38-14 0 15,28-18-6-15,25-23-1 16,22-24-46-16,17-27 38 15,15-26 10-15,3-24 2 16,13-17-5-16,7-29-3 16,3-28-6-16,0-21 3 15,-9-19 11-15,-16-13 1 16,-23-13-1-16,-24-2 0 0,-26-2 12 16,-23 4 28-16,-24 0-2 15,-23 7 9-15,-14 9-36 16,-15 7-11-16,-36 10-13 15,-26 8-59-15,-37 11-99 16</inkml:trace>
+  <inkml:trace contextRef="#ctx0" brushRef="#br0" timeOffset="61763.29">29523 1430 9 0,'0'0'21'16,"0"0"0"-16,0 0-9 16,0 0 5-16,0 0 25 15,0 0 17-15,0 0-14 16,93 21-26-16,-62-21-9 16,-2 0-8-16,-4 0-2 15,2 0-72-15,-5 0-58 16</inkml:trace>
+  <inkml:trace contextRef="#ctx0" brushRef="#br0" timeOffset="62023.47">29662 1528 5 0,'0'0'43'0,"0"0"52"15,-19 114-54-15,12-76-2 16,4-5-33-16,0-1 14 16,-2-5-14-16,0-4-5 0,1 1 0 15,-3-3-1-15,2 1-60 16,1-2-68-16</inkml:trace>
+  <inkml:trace contextRef="#ctx0" brushRef="#br0" timeOffset="62622.71">29692 1553 30 0,'0'0'33'0,"0"0"-10"0,0 0 4 16,0 0-2-16,-16 82 23 15,7-62-34-15,1 5-8 16,-1 2-1-16,-4 3-5 16,0-2-57-16,2-1-80 15</inkml:trace>
+  <inkml:trace contextRef="#ctx0" brushRef="#br0" timeOffset="67091.72">31052 1130 18 0,'0'0'120'0,"0"0"-50"0,0 0-26 15,0 0 32-15,0 0-16 16,0 0-39-16,0 0-1 16,45-2 1-16,-26 2-15 15,6 0-2-15,15 3 3 16,19 13-6-16,18 5-1 16,17 6 1-16,15 1 8 15,3 0-9-15,-1 2 7 16,-4-3-1-16,-9-5-6 15,-8 1-10-15,-13-6-5 16,-13-4-9-16,-16-5-18 0,-11-3 27 16,-11-5-44-16,-11 0 20 15,-14 0-22-15,-1 0-20 16</inkml:trace>
+  <inkml:trace contextRef="#ctx0" brushRef="#br0" timeOffset="68323.22">31129 1151 10 0,'0'0'85'0,"0"0"-16"16,0 0 4-16,0 0 16 15,0 0-34-15,0 0-22 16,7-28-33-16,-11 79-23 16,-15 31 23-16,-11 40 3 15,-11 30 17-15,-6 20-19 16,-6 7 7-16,-3-8-7 15,4-13 4-15,8-15-10 0,8-14 10 16,8-10-11-16,3-6 4 16,1-5 2-16,0-6 8 15,1-5-3-15,-5-2-2 16,-3 2 2-16,-8 2 0 16,0-6-3-16,1-11 5 15,3-12-2-15,11-13-4 16,8-15 7-16,9-10-8 15,4-10 9-15,1-8-6 16,2-7-2-16,0-1 2 16,0-4-1-16,0 1-2 15,0 3 0-15,0 1 3 16,3 4-3-16,12 2 1 0,8 2-1 16,13 1 2-1,12-1-1-15,17-1-2 0,23-1 1 16,19 2-6-16,15 4 1 15,14 4 4-15,6 7 1 16,1 9 17-16,3 1-15 16,-4 4 0-16,-3 1-2 15,-9 1-1-15,-8-7-1 16,-13-7-28-16,-12-10 30 16,-9-8 0-16,-10-8-1 15,-4-3 6-15,-4-3-7 16,-6 2 6-16,-3-2 9 15,-4 0-3-15,-6 0-2 16,-8 0-3-16,-6 0-3 0,-1-2 3 16,-3-6-4-16,-3-1 1 15,-5 1 7-15,-4-2-9 16,-9 5-2-16,-2-4 2 16,-1 0-1-16,1-6 1 15,0-10 0-15,3-9 3 16,5-14 8-16,2-10-8 15,3-10 17-15,6-9-9 16,1-3-6-16,5-12 11 16,7-4-4-16,6-9-11 15,0-8 19-15,4-9-11 16,-3-1-4-16,-7-1 22 16,0-3-25-16,-7 5 2 0,-3 6-4 15,-7 1-7-15,-4 13 4 16,-3 9-2-16,-4 13-12 15,-5 13 8-15,-2 14-23 16,-4 7 28-16,0 9-27 16,1 6 29-16,1 5 2 15,1 8-4-15,2 0 4 16,0 3-1-16,0 0 1 16,1 1 1-16,1-3-1 15,0 0 4-15,0-3 2 16,-2 0-6-16,1 2 15 15,-1-1-3-15,-1 0 3 0,1 4-1 16,-4-1-6-16,-1 3-8 16,-3 2 13-16,0 4-6 15,0-4 1-15,0-5 4 16,-15-6-9-16,-12-13 13 16,-26-12-16-16,-40-15-9 15,-59-18 0-15,-63-3-56 16,-55-2-19-16,-34 1-44 15,-6 4 26-15,7-2 76 16,31-1 26-16,41 12 0 16,50 12-3-16,53 13-119 15</inkml:trace>
+  <inkml:trace contextRef="#ctx0" brushRef="#br0" timeOffset="69041.39">31418 1123 67 0,'0'0'51'0,"0"0"-37"16,0 0 22-16,0 0 39 15,0 0-13-15,0 0-34 0,-9-4-28 16,9 4 1-16,0 0-1 16,0 0-4-16,35 0 4 15,33 7 38-15,46 9 35 16,45 9-56-16,31 5 0 16,17 13-16-16,7 9-1 15,-13 11-26-15,-13 6 13 16,-24-1-36-16,-19 0-20 15,-17-7-42-15,-20-7-15 16</inkml:trace>
+  <inkml:trace contextRef="#ctx0" brushRef="#br0" timeOffset="69739.09">31302 1110 116 0,'0'0'154'16,"0"0"-111"-16,0 0-9 15,0 0-4-15,0 0 14 16,0 0-17-16,18-22-27 15,13 22-15-15,24 0 15 0,30 17 1 16,20 11 12-16,22 11 1 16,26 10-13-16,19 11 10 15,19 9-11-15,11 6-15 16,0 5-56-16,-3-5-27 16,-16-17-56-16</inkml:trace>
+  <inkml:trace contextRef="#ctx0" brushRef="#br0" timeOffset="71936.1">28748 3228 13 0,'0'0'63'0,"0"0"9"16,0 0 17-16,0 0 10 16,0 0-27-16,0 0-25 15,0 0-3-15,-1 3-7 16,18 1-1-16,25 2-6 16,32-3-14-16,33-2 7 15,31-1 10-15,32 0-26 16,24 0 1-16,15 0-8 15,5 0-5-15,-16 0-20 0,-32-1-41 16,-46-12-36 0,-48-5-114-16</inkml:trace>
+  <inkml:trace contextRef="#ctx0" brushRef="#br0" timeOffset="72207.13">30137 3062 16 0,'0'0'35'0,"0"0"-35"15,0 0 4-15,0 0 15 16,0 0 1-16,0 0-10 16,-26-85 22-16,26 75 25 15,2 4 33-15,1-2-2 0,3 4-23 16,0 1-22 0,6 3-22-16,0 0-21 15,1 0-5-15,1 16 3 0,-2 5-4 16,-1 13 6-16,-3 2-1 15,-4 7 1-15,-4-1 0 16,0-2 0-16,-19-2-6 16,-11-5-8-16,-9-4-37 15,-2-2-100-15</inkml:trace>
+  <inkml:trace contextRef="#ctx0" brushRef="#br0" timeOffset="76393.03">28429 3426 106 0,'0'0'79'0,"0"0"-69"0,0 0-7 16,0 0-3-16,0 0 3 15,0 0 14-15,0 0-15 16,1-3-2-16,-4 3 30 16,-16 1 8-16,-8 12-18 15,-13 4 12-15,-8 9-12 16,-9-1 2-16,0 4-13 15,7-1-6-15,14-5-3 16,12-4-2-16,14-2 2 16,10-2-2-16,0 0-4 0,7 0 6 15,15-4 5 1,8-7-5-16,-1-4 1 0,-3 0 5 16,-7 0 50-16,-11 0-12 15,-8 0-16-15,0 13-28 16,-22 12-8-16,-14 12 8 15,-10 13 18-15,2 0-7 16,12-1-11-16,9-8 7 16,13-8-7-16,8-7-4 15,2-8-22-15,9-11-13 16,18-7 18-16,11-5-33 16,6-18-8-16,12-17-21 15,8-10-10-15,9-10 26 16,1-8 13-16</inkml:trace>
+  <inkml:trace contextRef="#ctx0" brushRef="#br0" timeOffset="76544.21">28705 3489 182 0,'0'0'103'0,"0"0"-62"15,0 0-31-15,0 0 28 16,0 0 14-16,-107 105-18 16,75-63-21-16,5 3-11 15,5 1 6-15,4 0-3 16,3 5-4-16,2 2-1 15,2-3-68-15,3-11-219 16</inkml:trace>
+  <inkml:trace contextRef="#ctx0" brushRef="#br0" timeOffset="76819.02">28634 3910 216 0,'0'0'115'16,"0"0"-115"-16,0 0 0 16,0 0 40-16,0 0 17 15,42-82 13-15,-42 77-30 16,0 3-4-16,0 2-4 16,-4 0-32-16,-14 9 1 15,-3 9-2-15,0 1 2 16,7 0 1-16,6 0-2 15,6-6-1-15,2 1 0 0,0-5-17 16,12-1-62-16,12-5-34 16,8-3-119-16</inkml:trace>
+  <inkml:trace contextRef="#ctx0" brushRef="#br0" timeOffset="77284.96">28967 3794 248 0,'0'0'61'15,"0"0"-53"-15,0 0 31 16,0 0 38-16,0 0-19 16,-106 76-37-16,84-32-6 0,5 4-8 15,4-5-6 1,7-7 4-16,6-8-5 0,0-8-21 16,3-13-9-16,16-7 30 15,5-4 9-15,9-26-2 16,3-15 4-16,3-16 20 15,2-9-8-15,0-6 8 16,-1 1-10-16,-1 6-19 16,-7 19 24-16,-10 19-7 15,-12 19 34-15,-9 12-14 16,-1 1-39-16,0 29-22 16,-11 15 13-16,-8 14 9 15,-3 9 10-15,1-1-8 16,2 4-3-16,0-3 1 15,1-12-53-15,4-16-13 16,5-22-30-16,2-16-1 0,2-2 42 16,-1-26 31-16,0-14-34 15,3-1 28-15,2 2 30 16,1 5 64-16,0 12 17 16,1 8-30-16,10 4-40 15,7 1-11-15,1 2-17 16,7 1-7-16,-1 2-60 15,0-1-99-15</inkml:trace>
+  <inkml:trace contextRef="#ctx0" brushRef="#br0" timeOffset="77907.12">29306 3907 254 0,'0'0'114'16,"0"0"-114"-16,0 0 0 15,0 0 0-15,-56 104 14 16,50-74 7-16,2-2-20 16,4-2 8-16,0-4-9 15,0-5 0-15,7-5 0 16,4-5-21-16,3-3-47 15,6-4-61-15</inkml:trace>
+  <inkml:trace contextRef="#ctx0" brushRef="#br0" timeOffset="78096.17">29434 3626 61 0,'0'0'442'16,"0"0"-419"-16,0 0-23 15,0 0-40-15,0 0 14 0,0 0-76 16</inkml:trace>
+  <inkml:trace contextRef="#ctx0" brushRef="#br0" timeOffset="100798.26">28200 5085 122 0,'0'0'154'0,"0"0"-109"16,0 0-45-16,0 0-10 15,0 0 7-15,0 0-16 0,0 0 13 16,0 0 6-1,-8-24-27-15,-2 26 1 0,-2 10-62 16</inkml:trace>
+  <inkml:trace contextRef="#ctx0" brushRef="#br0" timeOffset="102273.85">28190 5177 0 0,'0'0'34'15,"0"0"-7"-15,0 0-16 16,0 0 24-16,0 0-4 15,0 0-13-15,0-23 2 16,0 21 14-16,0 0-26 16,0 1-3-16,0 1-2 15,0 0-3-15,0 0-1 16,0 0-11-16,0 0-10 16,0 0-16-16,0 0 3 15,0 1 29-15,0 9-20 0,0-3 9 16,0 3-18-16</inkml:trace>
+  <inkml:trace contextRef="#ctx0" brushRef="#br0" timeOffset="103835.02">28111 5224 98 0,'0'0'144'0,"0"0"-80"16,0 0-33-16,0 0 19 0,0 0 6 15,0 0-3-15,0-29-15 16,0 28-13-16,-2 0-7 16,2 1 2-16,-1 0-6 15,1 0-12-15,0 0 3 16,0 0-5-16,0 0 0 16,0 0 2-16,0 0 0 15,0-2 3-15,0-2 2 16,4-6-5-16,10-3 1 15,2 1-3-15,2-3 0 16,3 3 7-16,-2 1-3 16,-1 3-1-16,-5 1-3 0,-6 5 3 15,-4 0-4-15,-3 2 1 16,0 0-10-16,0 0 7 16,0 0-14-16,0 10 3 15,0 11 10-15,0 8 4 16,-11 9-4-16,-8 0 4 15,-7-2 0-15,0 1-2 16,-4-5-11-16,2-3 13 16,2-5-2-16,3-6 2 15,7-2-5-15,7-7 5 16,3-3 0-16,5-2-4 16,1-4 0-16,0 0 4 15,0 0 12-15,0 0 6 0,6 0 17 16,10 2 5-16,-1-1-26 15,1-1-11-15,2 0-2 16,2 0-2-16,1 0-1 16,0 0-70-16,-2-1-58 15,-4-5-82-15</inkml:trace>
+  <inkml:trace contextRef="#ctx0" brushRef="#br0" timeOffset="104800.73">28397 5149 231 0,'0'0'112'0,"0"0"-84"15,0 0-3-15,0 0 47 16,0 0-38-16,0 0-25 0,9-23-9 16,0 32-13-1,2 10 13-15,-2 5 2 0,-2 0-1 16,-3-3-1-16,-4 1 0 15,0-7-3-15,0-1 3 16,-1-1-2-16,-11-4 2 16,-6 2 4-16,-7-1-4 15,2-2-7-15,4-1-7 16,6-3 7-16,8-2 3 16,3 2 3-16,2 4-8 15,0 5-6-15,0 6 15 16,0 2 4-16,11-3-4 15,1 2-1-15,-3-6 0 16,0-3 2-16,-3-2 0 0,-3-5-1 16,-3-2 2-16,0-2 1 15,0 3 12-15,0-3 4 16,-8 0 4-16,-4 0 2 16,-2 0-15-16,3 0-3 15,0 0-3-15,3 0 2 16,2 0-6-16,1-5-22 15,4 1-32-15,1 0-44 16,0-6-116-16</inkml:trace>
+  <inkml:trace contextRef="#ctx0" brushRef="#br0" timeOffset="105092.19">28783 4977 333 0,'0'0'99'16,"0"0"-70"-16,0 0-12 16,0 0 36-16,0 0-50 15,0 0 24-15,-19 107-23 16,-20-16 21-16,-1 4-7 15,8-12-16-15,6-5-1 16,5-7 3-16,3-8-4 16,5-4-13-16,5-12-98 0,7-12 61 15,1-12-63-15,0-10-142 16</inkml:trace>
+  <inkml:trace contextRef="#ctx0" brushRef="#br0" timeOffset="106558.01">28873 5265 73 0,'0'0'61'0,"0"0"-61"15,0 0 27-15,0 0 40 16,0 0-10-16,0 0 20 16,-13 83-33-16,2-55-20 15,0 0-2-15,1-1-9 16,4-3-5-16,2-4-8 15,1-3 0-15,3-5-56 16,0-5-76-16,0-7-123 16</inkml:trace>
+  <inkml:trace contextRef="#ctx0" brushRef="#br0" timeOffset="106788.92">29007 5331 78 0,'0'0'90'0,"0"0"-76"16,0 0-4-16,0 0 34 15,0 0 22-15,0 0-8 16,11 90-29-16,-11-64-3 16,-9-1-15-16,1-4-4 15,0-3-7-15,0-2-4 0,2-5-28 16,3-4-44-1,0-4-42-15,3-3-81 0</inkml:trace>
+  <inkml:trace contextRef="#ctx0" brushRef="#br0" timeOffset="107057.94">29236 5008 224 0,'0'0'1'0,"0"0"82"15,-5 140-6-15,-13-67 4 0,-4 3-6 16,-2-1-22-16,3-11-33 16,3-2-17-16,5-10 4 15,1 0-3-15,1-7-1 16,1-7-2-16,3-7-1 15,-1-5-21-15,5-9-42 16,1-5-76-16,1-11-109 16</inkml:trace>
+  <inkml:trace contextRef="#ctx0" brushRef="#br0" timeOffset="107611.67">29338 5338 16 0,'0'0'65'0,"0"0"26"16,0 0-16-16,0 0-22 16,0 0 19-16,0 0-10 15,60-52-16-15,-51 46-24 16,-1 5 1-16,1 1 0 15,1 0-23-15,-1 11-8 16,0 9 7-16,-6 5 1 16,-3 0 3-16,0 1-1 15,-1-3-1-15,-16 2 13 16,-4-1-12-16,-1-3 7 16,-1 3-7-16,6-2 1 15,3-3-3-15,5-1 0 0,6-3 0 16,3-6 0-1,0-3 4-15,0 0-4 0,9-5 4 16,5-1-1-16,5 0-3 16,0 0-13-16,4-1-31 15,-4-5-3-15,1 2-21 16,-1-5-57-16,-2 4 8 16,-4-7-55-16</inkml:trace>
+  <inkml:trace contextRef="#ctx0" brushRef="#br0" timeOffset="107936.2">29658 5358 7 0,'0'0'281'0,"0"0"-192"15,0 0-40-15,0 0 8 16,0 0 5-16,0 0-34 16,25-5-22-16,-25 25 19 15,-1 6 2-15,-14 2 2 16,0 0-10-16,-4-2-18 16,3-2 7-16,3 2-7 0,6-3-1 15,2-3 4 1,5-1-3-16,0 1-2 0,0-4-7 15,21-4-33-15,10-6-1 16,10-4-60-16,5-2-99 16</inkml:trace>
+  <inkml:trace contextRef="#ctx0" brushRef="#br0" timeOffset="110726.58">30134 4816 20 0,'0'0'97'16,"0"0"-16"-16,0 0-29 15,0 0-1-15,0 0 3 16,0 0-54-16,0 0 11 16,-20 159-11-16,-5-39 40 15,0 17-17-15,3-1-5 16,5-5-12-16,2-20-5 15,3-16 1-15,3-14 21 16,0-15-9-16,5-14 0 16,1-6-13-16,0-10 0 15,3-9-1-15,0-6-6 0,0-17-70 16,10-4-135-16</inkml:trace>
+  <inkml:trace contextRef="#ctx0" brushRef="#br0" timeOffset="111297.1">28848 4429 157 0,'0'0'47'15,"0"0"-43"-15,0 0-4 0,0 0 15 16,-23 85-6-16,0-54-9 15,-3-4-29-15,4-5-174 16</inkml:trace>
+  <inkml:trace contextRef="#ctx0" brushRef="#br0" timeOffset="111569.17">28764 4328 199 0,'0'0'119'0,"0"0"-74"16,0 0-1-16,0 0-11 0,94-33-21 16,-67 56-8-16,3 9 1 15,-5 9 6-15,-5 2-11 16,-7-3 0-16,-8-1-2 16,-5-7 6-16,0-5-3 15,-11-2 11-15,-13-5-4 16,-7-1 8-16,-7 0-14 15,-3-5-2-15,2-1-27 16,3-8-65-16,8-5-63 16,6 0-70-16</inkml:trace>
+  <inkml:trace contextRef="#ctx0" brushRef="#br0" timeOffset="112355.97">30847 4329 328 0,'0'0'112'0,"0"0"-60"15,0 0-41-15,0 0 12 16,0 0-3-16,0 0-5 16,95 27-9-16,-50-9 2 15,4 0-8-15,-2 2-46 16,-1-4-68-16,-7-9-89 16</inkml:trace>
+  <inkml:trace contextRef="#ctx0" brushRef="#br0" timeOffset="112503.04">31063 4399 109 0,'0'0'109'16,"0"0"-57"-16,0 0-27 15,0 0 7-15,-70 103-15 16,57-71-5-16,-2 3-3 16,3 5-9-16,0-4-42 15,6 1-107-15</inkml:trace>
+  <inkml:trace contextRef="#ctx0" brushRef="#br0" timeOffset="113912.98">31657 4322 67 0,'0'0'157'0,"0"0"-75"0,0 0-46 15,0 0-36-15,0 0-25 16,14 109 25-16,-14-16 35 15,-5 21 8-15,-19 18-5 16,-7 12-4-16,-9 23 12 16,-5 4-17-16,3-3 43 15,6-9-44-15,5-18-11 16,7-20-17-16,6-20 5 16,0-16-5-16,5-16 0 15,0-13-1-15,3-13-56 16,7-11-25-16,3-9-54 0,0-11-30 15,6-9-45-15</inkml:trace>
+  <inkml:trace contextRef="#ctx0" brushRef="#br0" timeOffset="115899.6">32269 4541 91 0,'0'0'108'0,"0"0"-20"16,0 0-38-16,0 0-42 16,0 0-4-16,0 0-4 15,0 0 10-15,6 104 20 16,-5-74-18-16,1-2-10 16,-1-2 11-16,-1-6-12 15,0-1 2-15,0-3 1 0,0-5-4 16,0-6 3-1,0 1-1-15,0-6-2 0,0 0 10 16,0 0 31-16,6-7 73 16,6-17-33-16,3-12-64 15,6-4 6-15,3-7-6 16,1-5-5-16,2 4-10 16,0-1-1-16,0 7-2 15,-3 15-28-15,-6 12-59 16,-5 15-53-16,-10 2-153 15</inkml:trace>
+  <inkml:trace contextRef="#ctx0" brushRef="#br0" timeOffset="118676.14">30080 5410 0 0,'0'0'91'0,"0"0"-50"16,0 0-5-16,0 0 53 16,0 0-6-16,0 0-29 15,5-21-27-15,-4 17-3 16,-1 1 16-16,0 1-20 0,0 2-10 16,0 0 4-16,0 0-12 15,0 0-2-15,0 0 0 16,0 0-2-16,2 0 1 15,-1 0-2-15,4 0-9 16,4 0-1-16,4 0 9 16,-1 5-1-16,3 2 1 15,-5 0-7-15,-2 1 7 16,-1 1 0-16,-3-4-2 16,-2 2 5-16,-2-1-4 15,0 1 1-15,0-1 2 16,0-1 2-16,-5 4 5 15,-11 2 10-15,-3 1-3 16,-2-1 5-16,-3 3-11 16,2 4-5-16,4-3-1 0,1 3 3 15,7-3-3-15,4-1 0 16,4-3 0-16,2-1 0 16,0-3 0-16,0 0 0 15,8-2-1-15,12-4 2 16,6-1-3-16,3 0 2 15,0 0-55-15,1 0-40 16,-1-10-68-16</inkml:trace>
+  <inkml:trace contextRef="#ctx0" brushRef="#br0" timeOffset="119073.95">30341 5466 113 0,'0'0'43'0,"0"0"-42"16,0 0 8-16,0 0 38 16,0 0 6-16,0 0-24 15,-61 91-28-15,55-76 11 16,2-1-7-16,2-2-1 15,2-3-4-15,0 0 1 16,0-5 0-16,0-3 0 0,8-1 5 16,6 0 15-1,4-1 23-15,3-16-28 0,-1-1 11 16,-1-3-18-16,-4 1 24 16,-6-3 15-16,-6 4-38 15,-3-4 19-15,0 3-24 16,0 3 3-16,-12 4-8 15,-6 4-4-15,-1 4-36 16,4 5-25-16,2 0-26 16,5 5-35-16,3 10-111 15</inkml:trace>
+  <inkml:trace contextRef="#ctx0" brushRef="#br0" timeOffset="120175.79">30514 5516 45 0,'0'0'115'0,"0"0"-64"16,0 0-8-16,0 0 21 15,0 0-16-15,0 0-10 16,0-7-27-16,0 7-11 16,0 0-2-16,0 0-3 15,0 2-6-15,-1 7 11 16,-5 3 1-16,-1 1 1 16,2-1-4-16,3-1 2 15,-1-4-1-15,2 2 1 16,1-4 0-16,0-2 0 15,0 2 0-15,0-5-1 16,0 0-1-16,0 0 2 16,0 0 2-16,0 0 5 0,0 0-1 15,0 0 9-15,0 0 10 16,0-5-9-16,0-3-11 16,0-4 3-16,0 2 2 15,0-2 0-15,1 6-8 16,1-3-2-16,-2 4 0 15,1 2-42-15,-1 3-53 16,0 0-217-16</inkml:trace>
+  <inkml:trace contextRef="#ctx0" brushRef="#br0" timeOffset="120453.05">30451 5771 74 0,'0'0'162'16,"0"0"-117"-16,0 0-11 15,0 0 19-15,0 0-1 16,0 0-27-16,0 1-25 0,0-1-5 16,0 0-51-1,0 0-152-15</inkml:trace>
+  <inkml:trace contextRef="#ctx0" brushRef="#br0" timeOffset="120880.63">30702 5518 164 0,'0'0'112'0,"0"0"-112"0,0 0-15 16,0 0 15-16,0 0 51 15,0 0-17-15,-49 93-28 16,34-70-3-16,0 0 7 16,6-5-9-16,3-5 8 15,3-3-8-15,0-5 0 16,3 1 3-16,0-3-4 16,0-2 2-16,0-1-7 15,5 0 9-15,5 0-4 16,5 0 16-16,-1-11-6 15,-2-2 14-15,-1-1-6 16,-2-1 5-16,-1-1-5 16,-4 1-1-16,-4-1 16 0,0 1-23 15,0 1 0-15,0 2-10 16,-13 8-1-16,-2 4-71 16,0 0-21-16,6 6-48 15,3 8-113-15</inkml:trace>
+  <inkml:trace contextRef="#ctx0" brushRef="#br0" timeOffset="121202.78">30942 5600 331 0,'0'0'75'0,"0"0"-75"15,0 0 0-15,0 0 7 16,-40 89 9-16,25-53-5 16,3-4-11-16,3-3 0 15,5-3-5-15,4-9-1 16,0-5-21-16,0-11 4 16,0-1 23-16,13-1 12 15,1-20 36-15,1-10-14 16,3-4 6-16,-5-6-15 15,0-2-10-15,-4 0-2 16,-4 7-12-16,-5 7-2 0,0 12-3 16,-18 13-52-16,-15 4-108 15</inkml:trace>
+  <inkml:trace contextRef="#ctx0" brushRef="#br0" timeOffset="121547.75">30071 6241 256 0,'0'0'96'16,"0"0"-91"-16,0 0 3 15,93 4-7-15,-55-4-1 0,1 0-98 16</inkml:trace>
+  <inkml:trace contextRef="#ctx0" brushRef="#br0" timeOffset="122897.76">30404 6203 352 0,'0'0'85'0,"0"0"-54"15,0 0 4-15,0 0 32 16,0 0-15-16,0 0-28 16,44-27-22-16,-36 27 0 15,-2 0-2-15,-1 0-4 16,-2 0 2-16,-2 5-4 15,-1 6-2-15,0 2 6 16,-3 6 2-16,-18 2-1 0,-9 2 1 16,-8 1-31-16,3 0-18 15,7-2-35-15,10-4 0 16,10-2 43-16,8-2 15 16,0 0-11-16,5 1 10 15,11-6 26-15,2 3 1 16,-3-1 13-16,0-4 28 15,-6 2-6-15,-3-6-34 16,-4-1 79-16,-1-2-36 16,-1 0-19-16,0 4-23 15,0 2-2-15,-7 1 0 16,-13 3 13-16,1 1-13 16,-1-6-20-16,8 0-20 0,5-3 2 15,3 1-18-15,2-2-44 16,2 2-67-16</inkml:trace>
+  <inkml:trace contextRef="#ctx0" brushRef="#br0" timeOffset="123835.19">30280 6235 112 0,'0'0'66'0,"0"0"8"15,0 0 11-15,0 0-9 16,0 0-36-16,0 0-8 0,39-44 1 16,-39 44-11-16,0 0-15 15,0 0 0-15,0 0-7 16,0 0-8-16,3 0 7 16,-2 0-16-16,1 0-6 15,1 0 18-15,0 4 1 16,1 0 3-16,1 2-5 15,-1 0 6-15,2 4-1 16,1 2 1-16,-2-3-3 16,0 3 0-16,-1-1 3 15,-1-1-2-15,-1-3 1 16,-2 2-3-16,0-1 4 16,0 3-6-16,0 0 3 15,-5 6 2-15,-12-2 2 0,-5 4 7 16,-3 1 0-16,-2 0 3 15,2 0-6-15,2 0-4 16,2-1 0-16,4-2 4 16,5-2-3-16,6-2-1 15,1-1 2-15,3-4-3 16,2 1 1-16,0-2 1 16,0 0 4-16,7-1 10 15,8 0 10-15,7-5 11 16,5-1-7-16,3 0-6 15,-2 0-4-15,2-2-15 16,-4-8-4-16,-1 2-1 0,-5 1-28 16,-5 1-31-16,-7 0-78 15,-4 2-148-15</inkml:trace>
+  <inkml:trace contextRef="#ctx0" brushRef="#br0" timeOffset="124090.15">30662 6273 304 0,'0'0'201'0,"0"0"-157"16,0 0-44-16,0 0-2 0,0 0 2 15,0 0 20-15,0 0 14 16,-36 85-21-16,21-54-10 15,3-2 3-15,0 2-6 16,3-5 0-16,0-2 0 16,4-7-37-16,0-2-36 15,5-5-38-15,0-4-135 16</inkml:trace>
+  <inkml:trace contextRef="#ctx0" brushRef="#br0" timeOffset="124451.39">30844 6449 434 0,'0'0'131'0,"0"0"-116"15,0 0-14-15,0 0 19 16,0 0-14-16,0 0-6 16,7-11-104-16,-4 11-99 15</inkml:trace>
+  <inkml:trace contextRef="#ctx0" brushRef="#br0" timeOffset="124607.18">30811 6622 118 0,'0'0'104'16,"0"0"-64"-16,0 0 30 0,0 0 17 15,0 0-37-15,0 0-50 16,0 1-63-16,0-6-170 16</inkml:trace>
+  <inkml:trace contextRef="#ctx0" brushRef="#br0" timeOffset="124929.77">31011 6529 214 0,'0'0'205'0,"0"0"-197"15,0 0-5-15,0 0 16 16,0 0 15-16,0 100-6 15,0-82-27-15,0-1 3 16,0-5-4-16,0-8-2 16,0-4 2-16,3 0 4 15,12-2 24-15,1-12 3 16,5-5-23-16,-3-4 9 16,-1 1-4-16,-7-1-8 15,-4-1 10-15,-3 3-2 16,-3 0-10-16,0 5-3 15,-7 4-17-15,-13 8-37 16,-4 4-76-16,2 0-165 0</inkml:trace>
+  <inkml:trace contextRef="#ctx0" brushRef="#br0" timeOffset="125239.15">31293 6535 173 0,'0'0'409'16,"0"0"-396"-16,0 0-9 15,0 0 4-15,-4 101 17 16,1-73 12-16,1-1-26 0,2-3-9 16,0-6 1-1,0-6-3-15,0-6-11 0,3-4 6 16,8-2 5-16,3-4 12 15,5-16 9-15,1-9-12 16,2-7 9-16,-3 0-16 16,-6-1-1-16,-9 3 1 15,-4 2-2-15,0 2-10 16,-17 6-37-16,-9 0-49 16,1 0-106-16</inkml:trace>
+  <inkml:trace contextRef="#ctx0" brushRef="#br0" timeOffset="127754.05">32710 4392 139 0,'0'0'41'16,"0"0"-16"-16,0 0 27 16,0 0 2-16,0 0-16 0,0 0-6 15,0 0-24-15,0-15 27 16,0 11 2-16,0 2-22 16,0 2 10-16,0 0-25 15,0 0 0-15,0 17-12 16,-10 17 1-16,-12 12 11 15,-5 10 11-15,-5 2-8 16,4-1-1-16,1 3-1 16,6-4 0-16,2 0 3 15,5-4-4-15,4-8-20 16,6-2 1-16,2-12 5 16,2-4-25-16,0-8-75 0,0-4-52 15</inkml:trace>
+  <inkml:trace contextRef="#ctx0" brushRef="#br0" timeOffset="128441.75">32847 4584 34 0,'0'0'96'0,"0"0"-28"15,0 86-18-15,-1-58-12 16,-5-2 10-16,2-1-36 15,1-2-3-15,-2 2-7 16,2-5-2-16,0-2-38 16,0-5-86-16</inkml:trace>
+  <inkml:trace contextRef="#ctx0" brushRef="#br0" timeOffset="128711.53">33004 4570 161 0,'0'0'124'0,"0"0"-77"16,0 0-26-16,0 0-2 16,0 0 13-16,0 0-9 15,-76 14-9-15,58 12-1 16,3 2-6-16,5 2 1 15,4 1 9-15,6-3-14 0,0 0 7 16,1-4-9-16,11-5-1 16,5-3-18-16,1-5-58 15,0-6-85-15</inkml:trace>
+  <inkml:trace contextRef="#ctx0" brushRef="#br0" timeOffset="129107.98">33082 4749 150 0,'0'0'112'0,"0"0"-111"15,0 0 11-15,0 0 55 16,0 0-31-16,0 0-16 0,-12 62-9 16,12-52-7-16,0-4 3 15,0-2-7-15,1-1-28 16,10-3 5-16,2 0 23 15,-1 0 13-15,0-10 24 16,-1 0-26-16,-2 3 26 16,-5 2-8-16,-4 3-6 15,0 2-17-15,0 0-6 16,0 3-20-16,0 11 17 16,0 0 3-16,0-1 4 15,0-4-4-15,0-5 0 16,0-4 3-16,0 0 2 15,0 0 15-15,6 0 29 16,7-9-12-16,3-10-28 16,1-1-8-16,-2-3-1 0,0 5-7 15,-4 2-27 1,-4 2-50-16,-1 3-85 0,-5 1-133 16</inkml:trace>
+  <inkml:trace contextRef="#ctx0" brushRef="#br0" timeOffset="129445.09">33450 4498 200 0,'0'0'57'16,"0"0"-37"-16,0 0-20 0,-4 111 69 15,-10-68-11-15,-3-5-28 16,-1 2-11-16,6-3-10 15,1-9-2-15,3-6-1 16,3-8-6-16,4-7 5 16,-1-5-3-16,2-2 2 15,0 0 15-15,0 0 8 16,0-9 26-16,5 1-39 16,5 1-10-16,2 4-4 15,1 3 0-15,4 0 0 16,-1 0-2-16,-1 0 2 15,-4 8-6-15,-4 0 4 16,-6-2-39-16,-1 2-28 0,0 1-20 16,-8-6-53-1</inkml:trace>
+  <inkml:trace contextRef="#ctx0" brushRef="#br0" timeOffset="129691.22">33637 4441 219 0,'0'0'35'0,"0"0"6"0,33 126 52 16,-33-66-29-16,0 2 2 15,-12 7-7-15,-17 0-36 16,-5 2-12-16,-6-5 1 15,-2-4-11-15,2-4-2 16,1-5-42-16,0-3-51 16,8-13-117-16</inkml:trace>
+  <inkml:trace contextRef="#ctx0" brushRef="#br0" timeOffset="131364.12">32197 5878 42 0,'0'0'43'0,"0"0"-43"15,0 0 0-15,0 0 2 16,0 0 18-16,0 0-2 15,0 0-15-15,0 0-2 16,0 0-1-16,0 0 0 16,0 0-1-16,0 0 1 15,0 0 0-15,0 0 0 16,0 0-2-16,0 0 5 0,0 0-2 16,0 0 11-1,0 0 33-15,0 0 6 0,0 0-6 16,-3 2 0-16,-7-1-11 15,-1 3-24-15,-4 3 1 16,3 3-11-16,-1 3 0 16,1 4 2-16,1 1 1 15,0 0-3-15,3 5 1 16,7 2-1-16,1 4-1 16,0 3 0-16,12 5 2 15,1 2-1-15,-4-3 0 16,-3-7 0-16,-6-7 1 15,0-5 2-15,0-1 27 16,-1-5-12-16,-8 0 0 16,-8 1-1-16,-5 1-6 0,-20 3-9 15,-6-2-2-15,-1 2-18 16,9-4-50-16,14-6-40 16,16-4-49-16</inkml:trace>
+  <inkml:trace contextRef="#ctx0" brushRef="#br0" timeOffset="131732.09">32418 6155 349 0,'0'0'116'0,"0"0"-115"16,0 0-1-16,0 0 0 15,0 0 32-15,0 0-11 16,-73 104-12-16,65-78-6 16,7-2 2-16,1-3-3 15,0-4-2-15,6-6 0 16,10-6-14-16,2-4 6 16,6-1 8-16,3-1 15 15,3-16-11-15,3-8 13 16,-1-4-16-16,0-7 16 15,-5-2 14-15,-7 2-22 0,-11 4 8 16,-9 5-12-16,0 9 0 16,-19 5-5-1,-8 3-20-15,2 5-14 0,-1 5-31 16,6 0-26-16,7 0-113 16</inkml:trace>
+  <inkml:trace contextRef="#ctx0" brushRef="#br0" timeOffset="132048.09">32889 6149 261 0,'0'0'39'15,"0"0"-26"-15,-40 89 4 0,27-54-11 16,7-2-5-16,6-5-1 15,0-6 9-15,1-6-4 16,10-10-5-16,4-6 1 16,-2 0 47-16,5-20 71 15,3-14-27-15,-2-5-32 16,5-8-10-16,-5-2-14 16,-5-5-15-16,-9 4-16 15,-5 4-5-15,-5 7-2 16,-22 12-30-16,-13 7-18 15,-21 6-40-15,-20 7-100 16,-11 4-160-16</inkml:trace>
+  <inkml:trace contextRef="#ctx0" brushRef="#br0" timeOffset="133583.97">30020 5954 166 0,'0'0'60'15,"0"0"-50"-15,-33 85 17 16,13-36 29-16,5 6 13 16,4 9-43-16,7 17 5 15,2 19-23-15,2 12 8 16,0 16 1-16,0-3-15 16,0 5 6-16,-4 8-8 15,-14-2 3-15,-5-7 51 16,0-18-33-16,6-22-10 0,7-19-8 15,4-22-3 1,4-14 1-16,2-14-1 0,0-13-24 16,18-7-63-16,15-4-52 15,10-26-103-15</inkml:trace>
+  <inkml:trace contextRef="#ctx0" brushRef="#br0" timeOffset="134357.04">31486 6079 122 0,'0'0'109'15,"0"0"-78"-15,0 0-22 16,0 0-3-16,0 0 11 0,0 0-15 16,0 0-2-1,-39 4-8-15,24 38 7 0,-2 16 1 16,1 15 0-16,-5 17 13 15,0 13-4-15,-1 9 25 16,1 11-5-16,-3 7 58 16,-1 3-47-16,-2 4-28 15,0-5-3-15,4-5 13 16,4-3 11-16,9 2-2 16,1 2-13-16,1 0 4 15,1 1-4-15,-2-5-8 16,-1-5 0-16,1-11-10 0,-1-10 2 15,2-18-2 1,2-19 1-16,3-19-1 0,1-19 0 16,2-14-34-16,0-7-23 15,0-2 7-15,0-10 7 16,0-20-84-16,0-10-217 16</inkml:trace>
+  <inkml:trace contextRef="#ctx0" brushRef="#br0" timeOffset="136248.13">28812 7124 258 0,'0'0'73'16,"0"0"-61"-16,0 0-4 15,0 0 1-15,0 0-4 16,0 0 1-16,-12 68-6 16,12-65-97-16,0-3-117 15</inkml:trace>
+  <inkml:trace contextRef="#ctx0" brushRef="#br0" timeOffset="136383.2">28812 7124 349 0,'95'-14'54'0,"-95"14"-54"16,0 14 0-16,-7 5 19 0,-2 6-14 16,-2 3-5-1,5 0-83-15,2-7-261 0</inkml:trace>
+  <inkml:trace contextRef="#ctx0" brushRef="#br0" timeOffset="137561.32">29964 7603 73 0,'0'0'170'0,"0"0"-62"0,0 0-43 16,0 0 0-16,0 0 5 15,0 0-36-15,10-51-10 16,-8 51-12-16,1 0-12 16,4 0 0-16,2 0 0 15,2 1 0-15,2 11 0 16,-3 3 1-16,-4 7-1 15,-1 0 0-15,-5 5 0 16,0 0 1-16,-8-1-1 16,-10-2 0-16,-2-2 2 15,0-1 0-15,4-6-1 16,1 0-1-16,6-3 2 16,1-1-2-16,7-5 0 0,1 0 0 15,0 0 1-15,0-4 0 16,16 0 2-16,11-2-3 15,5 0-34-15,0 0-41 16,-2 0-32-16,-6-12-205 16</inkml:trace>
+  <inkml:trace contextRef="#ctx0" brushRef="#br0" timeOffset="137755.94">30162 7676 179 0,'0'0'101'0,"0"0"-94"0,0 0 46 16,0 0 16-16,0 0-11 15,0 0-38-15,-13 101-18 16,5-83 4-16,1 0-6 16,3-2-26-16,2-3-77 15,2-6-153-15</inkml:trace>
+  <inkml:trace contextRef="#ctx0" brushRef="#br0" timeOffset="138932.18">30295 7758 109 0,'0'0'85'16,"0"0"-10"-16,0 0 13 16,0 0-3-16,0 0-20 15,0 0-10-15,0 0-10 16,0 0-10-16,0 0-6 15,0 0-29-15,3-4-39 16,1 1-59-16,-4 3-207 16</inkml:trace>
+  <inkml:trace contextRef="#ctx0" brushRef="#br0" timeOffset="139095.06">30234 7907 1 0,'0'0'388'0,"0"0"-334"16,0 0-36-16,0 0-16 15,0 0-2-15,0 0-47 16,43-14-235-16</inkml:trace>
+  <inkml:trace contextRef="#ctx0" brushRef="#br0" timeOffset="139456.74">30501 7779 185 0,'0'0'291'0,"0"0"-228"15,0 0-61-15,0 0 22 16,0 0 29-16,-43 82-39 15,36-58-3-15,3-6-10 16,2-4 1-16,2-5-2 16,0-6 0-16,0-3-5 15,0 0-18-15,6 0 23 16,8-17 0-16,4-6 3 16,0-1-2-16,0-5 5 0,-3 0-4 15,-2 3 2-15,-5 3-3 16,-4 7 14-16,-4 6 6 15,0 5-13-15,-4 5-8 16,-12 0 0-16,-1 0-26 16,3 7-26-16,2 7-96 15,6 0-276-15</inkml:trace>
+  <inkml:trace contextRef="#ctx0" brushRef="#br0" timeOffset="139742.1">30641 7817 308 0,'0'0'20'16,"0"0"-14"-16,0 0 0 16,0 0 14-16,-6 95 12 15,12-87-21-15,3-1-6 16,1-7 7-16,1 0 28 15,-1 0 32-15,5-15-9 16,2-9-37-16,-1-1-6 16,-4-4-8-16,-6-2 2 15,-6 0-9-15,0 3-5 16,-13 4-15-16,-13 8-38 16,-8 13-69-16,-4 3-83 0</inkml:trace>
+  <inkml:trace contextRef="#ctx0" brushRef="#br0" timeOffset="140081.42">29685 8306 415 0,'0'0'168'16,"0"0"-124"-16,0 0-23 15,0 0 9-15,0 0 6 16,0 0-31-16,92 8-5 16,-60 0-47-16,-6-4-129 15,0-2-320-15</inkml:trace>
+  <inkml:trace contextRef="#ctx0" brushRef="#br0" timeOffset="140603.85">30019 8238 192 0,'0'0'183'0,"0"0"-135"16,0 0-9-16,0 0 38 15,0 0-24-15,0 0-23 16,75-17-20-16,-71 20-8 16,-4 11-2-16,0 4 1 15,-6 8-1-15,-16 1 13 16,-4 2-6-16,-4-1-3 16,3-1 4-16,5-5-8 0,6 1 4 15,7-7-4-15,4-3 0 16,5-5 3-16,0-4-3 15,0-4 4-15,17 0 0 16,5 0-4-16,4 0 0 16,2-11-45-16,0 1-24 15,-1-1-39-15,0-6-53 16,-4 1-9-16,-3-3 41 16</inkml:trace>
+  <inkml:trace contextRef="#ctx0" brushRef="#br0" timeOffset="140882.79">30262 8283 128 0,'0'0'110'0,"0"0"-15"15,0 0-24-15,0 0 8 16,0 0-9-16,0 0-34 16,48 59-5-16,-48-42-5 15,-14 6 2-15,-6 1 8 16,-1-2-14-16,3 1-4 15,0-5-11-15,7 0-2 16,5-2 2-16,2-2-3 16,4 0-2-16,0-2 4 15,0-1-3-15,1-1 6 16,10-3-2-16,8-2-7 16,7-4 0-16,7-1-63 0,7 0-81 15,-1 0-180-15</inkml:trace>
+  <inkml:trace contextRef="#ctx0" brushRef="#br0" timeOffset="141042.98">30577 8421 468 0,'0'0'145'0,"0"0"-120"16,0 0-14-16,0 0-11 0,0 0-17 15,0 0-112 1</inkml:trace>
+  <inkml:trace contextRef="#ctx0" brushRef="#br0" timeOffset="141174.43">30508 8644 217 0,'0'0'207'16,"0"0"-138"-16,0 0-44 15,0 0-25-15,0 0-23 16,0 0-167-16</inkml:trace>
+  <inkml:trace contextRef="#ctx0" brushRef="#br0" timeOffset="141444.16">30774 8503 408 0,'0'0'97'16,"0"0"-22"-16,0 0-46 16,-53 103 12-16,49-76-4 15,4-7-35-15,0-6 6 16,0-6-8-16,15-8 2 16,3 0 0-16,6-8 6 15,3-14 0-15,-2-6 13 16,0-4 17-16,-5-2-21 15,-4 0-17-15,-7 4 0 0,-9 5-2 16,0 10-44-16,-4 5-65 16,-11 3-167-1</inkml:trace>
+  <inkml:trace contextRef="#ctx0" brushRef="#br0" timeOffset="141692.21">30989 8644 274 0,'0'0'54'0,"0"0"-24"16,0 0-18-16,0 0 40 0,0 0 7 16,0 0 45-1,64 44-61-15,-36-68-16 0,-1-6 7 16,-6-5-5-16,-9 1-10 15,-6 0-19-15,-6 0-7 16,-1 4-56-16,-18-3-65 16,-4-1-277-16</inkml:trace>
+  <inkml:trace contextRef="#ctx0" brushRef="#br0" timeOffset="143379.28">32139 7940 89 0,'0'0'150'16,"0"0"-100"-1,0 0-13-15,0 0 29 0,0 0 8 16,0 0-13-16,0 0-18 15,-10-1-10-15,-20 1-28 16,-18 0-4-16,-9 0-1 16,4 17 0-16,9 2 0 15,22 8-5-15,13 6-7 16,9 3-20-16,0 5-4 16,12 0 6-16,4 0-10 15,2-4 20-15,0-3 15 16,-6-6 3-16,-6-6 2 0,-6 0 2 15,0-7 24 1,-12-1 31-16,-15 1-3 0,-6-3-21 16,-1-4-23-16,1 1-9 15,6-4 2-15,8-1-2 16,12-3-1-16,2-1-10 16,5 0-24-16,0 0-31 15,22-10-127-15</inkml:trace>
+  <inkml:trace contextRef="#ctx0" brushRef="#br0" timeOffset="143739.59">32590 8069 333 0,'0'0'145'0,"0"0"-110"15,-117-11-26-15,78 11 10 16,8 0 36-16,14 17-8 16,10 12-33-16,7 6-6 15,2 6 0-15,17 0-7 16,2-2 4-16,-6-2-5 16,-5-5-1-16,-7-2 1 15,-3-3 0-15,0-5 2 16,0-5-2-16,0-3 4 15,-11-1 11-15,-6-1-4 0,-7-1 4 16,-4-1 0 0,-4-2-14-16,3-2 2 0,5-1-3 15,9-2 0-15,7-3-3 16,8 0-53-16,0 0-63 16,17-10-162-16</inkml:trace>
+  <inkml:trace contextRef="#ctx0" brushRef="#br0" timeOffset="144047.22">32915 8118 603 0,'0'0'103'15,"0"0"-95"-15,-97 95 1 0,61-42 25 16,14 5 13-16,8 1-31 15,13-3-8-15,1-5-8 16,1-15-23-16,22-12-10 16,6-14 19-16,7-10 14 15,3-7 18-15,6-24-14 16,0-10 18-16,-1-15 3 16,0-10-13-16,-8-6 6 15,-14-4-15-15,-15 3-2 16,-7 4-2-16,-15 9-23 15,-16 10-57-15,-8 16-81 16,-7 13-189-16</inkml:trace>
+  <inkml:trace contextRef="#ctx0" brushRef="#br0" timeOffset="144678.99">32261 9035 604 0,'0'0'153'0,"0"0"-96"15,0 0-50-15,0 0-2 0,0 0-5 16,0 0-12-16,5-21-69 15,1 42-79-15,-2 13-35 16,2 3-91-16</inkml:trace>
+  <inkml:trace contextRef="#ctx0" brushRef="#br0" timeOffset="144804.37">32209 9485 212 0,'0'0'176'15,"0"0"-104"-15,-47 102-54 16,37-81 43-16,4-7 20 0,5-3-30 15,1 2-43 1,0-2-8-16,0 2-160 0</inkml:trace>
+  <inkml:trace contextRef="#ctx0" brushRef="#br0" timeOffset="144963.04">32170 10108 462 0,'0'0'144'0,"0"0"-144"16,0 0-19-16,0 0-80 0,-49 81 9 15,48-62-155 1</inkml:trace>
+  <inkml:trace contextRef="#ctx0" brushRef="#br0" timeOffset="145120.34">32136 10589 401 0,'0'0'107'16,"0"0"-27"-16,0 0-30 15,0 0 1-15,-79 45-16 16,77-45-35-16,2 0-35 16,3 0-113-16,20-13-230 15</inkml:trace>
+  <inkml:trace contextRef="#ctx0" brushRef="#br0" timeOffset="149282.98">32376 4326 89 0,'0'0'90'16,"0"0"-58"-16,0 0-7 0,9-97-9 16,-6 84-2-16,0 4 13 15,-1 5-27-15,-2 4 1 16,0-1-1-16,0 1-6 15,0 0-2-15,-8-3 3 16,-16 0 5-16,-10 3-2 16,-11 0 2-16,-6 0-13 15,-1 0 4-15,0 0 3 16,-1 0 6-16,-3-5 0 16,1-1 4-16,4-2-3 15,12 2-1-15,16-1 1 16,9 3 5-16,5 2-5 15,8 2 3-15,-1 0-4 0,2 22-24 16,-1 18 23-16,1 21-3 16,-3 14 4-16,-2 5 4 15,-4 5-2-15,-5 4 3 16,-5 3-5-16,-6 6 0 16,-3 18 5-16,-5 21 1 15,-6 15 8-15,-4 13 16 16,-2 0-25-16,2-11 8 15,7-4-13-15,0-5 0 16,3 5 0-16,2 8 30 16,-2 11-8-16,6 5-13 15,7 1 43-15,5-8-10 16,5-8-36-16,3-10 1 0,4-1-5 16,0-2-2-16,0-5 4 15,-3 0-4-15,-7 2 1 16,-8 6 1-16,-11-1 0 15,-7 3-2-15,-5-8 4 16,-1-5-4-16,4-8 0 16,5-17-1-16,12-17 0 15,9-16 1-15,5-15 3 16,7 3 2-16,-2 3-3 16,-1 2 2-16,0-1-8 15,1-8-10-15,4-10-18 16,1-9-43-16,14-16 15 0,20-23-207 15</inkml:trace>
+  <inkml:trace contextRef="#ctx0" brushRef="#br0" timeOffset="-89812.79">10245 652 48 0,'0'0'38'16,"0"0"-29"-16,0 0 13 15,0 0 17-15,0 0 21 0,0 0-32 16,0 0-20-16,0 0-3 16,-26-3 0-16,22 3-1 15,-8 0 0-15,-6 18 0 16,-12 14-4-16,-13 15 28 15,-6 12-23-15,-5 15 16 16,0 9 19-16,8 7-21 16,10 2-8-16,12 5 10 15,10 11-10-15,6-4-2 16,8-4 1-16,0-8 8 16,12-24-18-16,15-15 0 15,6-13 6-15,5-21-6 0,7-19 2 16,7-10 8-1,9-32-10-15,8-18 4 16,3-16-2-16,1-15-1 0,-11-11 0 16,-9-7 1-16,-12 0 3 15,-12 6-3-15,-16 8 7 16,-13 15 15-16,-6 11 1 16,-34 13-23-16,-24 0-2 15,-15 6-15-15,-6 4 14 16,7 13-54-16,14 17-7 15,16 16 20-15,22 23 4 16,15 17-113-16</inkml:trace>
+  <inkml:trace contextRef="#ctx0" brushRef="#br0" timeOffset="-89538.77">10861 581 306 0,'0'0'9'0,"-40"95"0"16,10-15-9-16,2 21 31 15,-7 20 11-15,-4 10 28 16,2 1-57-16,3 8-6 15,5-9-7-15,12-9 0 0,12-18-5 16,5-21-4-16,16-19-67 16,19-24-27-16,2-21-141 15</inkml:trace>
+  <inkml:trace contextRef="#ctx0" brushRef="#br0" timeOffset="-89131.91">11030 1151 255 0,'0'0'90'0,"-11"106"-43"16,11-43-26-16,0-5-15 15,0 0 9-15,0-9 19 16,0-9-34-16,3-12 6 15,0-14-2-15,-3-6-2 16,0-8 0-16,6-9 17 16,2-27 21-16,3-21-37 15,6-14-2-15,5-9-1 16,5-5 1-16,7 3 1 16,5 11-4-16,6 15 2 15,1 24-14-15,2 25 9 0,-2 7-2 16,-3 30 3-1,-1 17 4-15,-4 11 0 0,-7 5 3 16,-9 3-3-16,-14 4 5 16,-8 5-5-16,-17-2 0 15,-20 2-50-15,-9-13-48 16,2-17-60-16,9-15-36 16</inkml:trace>
+  <inkml:trace contextRef="#ctx0" brushRef="#br0" timeOffset="-88885.96">11826 673 369 0,'25'83'20'16,"1"26"27"-16,-16 25-21 15,-10 9-10-15,-13 10 6 16,-17-4 3-16,-4-13 16 16,1-17-32-16,2-23-8 15,-2-16-1-15,2-14-37 16,-1-16-56-16,1-18-93 16</inkml:trace>
+  <inkml:trace contextRef="#ctx0" brushRef="#br0" timeOffset="-88172.14">11039 1957 212 0,'0'0'251'0,"0"0"-251"0,0 0-14 16,0 0 14-16,0 0 21 15,0 0 21-15,99 0-19 16,-58 0-18-16,-1-4 0 15,-7-1-5-15,-5-1-1 16,-10 2-14-16,-7-1-79 16,-11-1-112-16</inkml:trace>
+  <inkml:trace contextRef="#ctx0" brushRef="#br0" timeOffset="-87871.96">11092 2108 79 0,'0'0'297'0,"0"0"-277"15,-52 110-20-15,37-52 2 16,1 9 2-16,6 2 13 15,8-6 7-15,0-7-21 16,4-6 0-16,17-11 4 16,3-9 2-16,1-7-7 15,-1-13 10-15,6-4-12 0,0-6 0 16,1 0-24 0,-4-12-62-16,-8-2-73 0</inkml:trace>
+  <inkml:trace contextRef="#ctx0" brushRef="#br0" timeOffset="-87683.6">10926 2766 201 0,'0'0'150'0,"0"0"-88"15,0 0-39-15,104 27 19 0,-64-27-2 16,3 0-32-1,-1 0-8-15,-3 0-20 0,-4 0-89 16,-9-12-159-16</inkml:trace>
+  <inkml:trace contextRef="#ctx0" brushRef="#br0" timeOffset="-87558.67">11252 2737 213 0,'0'0'159'16,"0"0"-129"-16,-85 71-24 15,67-54-4-15,9-2-4 16,6 0-3-16,1-6-161 16</inkml:trace>
+  <inkml:trace contextRef="#ctx0" brushRef="#br0" timeOffset="-86913.13">11044 3296 362 0,'0'0'162'15,"0"0"-162"-15,0 0-5 16,0 105 5-16,0-72-3 15,2-1 3-15,1-9 2 0,1-1-2 16,1-7-50-16,-1-7-9 16,1-6-58-16,2-2-103 15</inkml:trace>
+  <inkml:trace contextRef="#ctx0" brushRef="#br0" timeOffset="-86755.88">11111 3116 419 0,'0'0'101'0,"0"0"-90"16,0 0-10-16,0 0-2 15,0 0-1-15,0 0-9 16,-7 22-1-16,7-2-116 0,4-8-247 16</inkml:trace>
+  <inkml:trace contextRef="#ctx0" brushRef="#br0" timeOffset="-86545.84">11447 3053 553 0,'0'0'21'16,"0"96"-20"-16,-7-25 0 15,-4 5 5-15,-2-1 7 16,-5 0-8-16,1-5 5 0,4-6-10 15,7-6 0-15,6-9-35 16,0-9-34-16,0-11-22 16,14-15-127-16</inkml:trace>
+  <inkml:trace contextRef="#ctx0" brushRef="#br0" timeOffset="-86163.02">11655 3434 135 0,'0'0'256'16,"0"0"-184"-16,5 126-30 16,-5-78-27-16,0-10 25 15,-4-5 9-15,0-10-22 0,1-6-14 16,1-8-4 0,1-7-8-16,-1-2 11 0,1-11 46 15,-1-23-41-15,-1-12-6 16,3-13 0-16,0-12 7 15,0-8-17-15,2-1 3 16,13 6-8-16,7 14 4 16,5 16-8-16,3 21 2 15,1 20-7-15,0 3 9 16,-4 26 4-16,-6 8-2 16,-9 3-3-16,-9-4 3 15,-3-3 2-15,-8-2 1 16,-14-5 0-16,-5-6 8 15,-2-6-3-15,-1-5-6 0,3-6 0 16,7 0-7-16,6 0-70 16,6-2-40-16,8-6-126 15</inkml:trace>
+  <inkml:trace contextRef="#ctx0" brushRef="#br0" timeOffset="-85773.86">12406 2969 252 0,'0'0'88'16,"0"0"-76"-16,0 0-6 15,0 0 12-15,0 0-15 16,0 0 26-16,-23 36 3 16,11-11-22-16,0 1 10 15,9 5 8-15,3 3-6 16,0 4-2-16,0-2-14 16,3-1-5-16,7-3 6 15,-7-2-6-15,-3-6 3 16,0-5 17-16,0-2 1 0,0-5 11 15,-10-2-2 1,2-2-9-16,-2-3-9 0,-2-3-13 16,2-2 0-16,0 0-36 15,3 0-53-15,0-14-113 16</inkml:trace>
+  <inkml:trace contextRef="#ctx0" brushRef="#br0" timeOffset="-85585.13">12582 3128 526 0,'0'0'37'0,"0"0"-33"16,0 0-4 0,6 89 36-16,-17-58-9 0,-3 3-27 15,2-9-3-15,2-4-85 16,7-9-50-16,3-11-206 15</inkml:trace>
+  <inkml:trace contextRef="#ctx0" brushRef="#br0" timeOffset="-85444.7">12630 2856 226 0,'0'0'107'0,"0"0"-102"16,0 0-5-1,0 0-27-15,0 0-1 0,0 0-171 16</inkml:trace>
+  <inkml:trace contextRef="#ctx0" brushRef="#br0" timeOffset="-84857.85">12784 3070 199 0,'0'0'127'16,"0"0"-87"-16,85-27 17 16,-60 14 8-16,-7 4 2 15,-6 5-21-15,-6 3-20 16,-6 1-21-16,0 4-5 0,-1 21 0 16,-19 10 18-16,-6 5 1 15,-4 1-9-15,0-2-8 16,2-2-1-16,3-5-2 15,8-7 2-15,6-12-1 16,5-4 0-16,2-8 4 16,4-1-1-16,0 0 1 15,0 0 0-15,12-12 1 16,4-1-1-16,7-1 29 16,2 5-4-16,0 2-12 15,-1 6 2-15,2 1-17 16,-4 0 0-16,2 1-4 0,-2 9 5 15,1 0-3-15,2-6 0 16,0-1-15-16,0-3 7 16,4 0-9-16,-2-18 15 15,-2-12-1-15,2-11 6 16,-2-11-3-16,-1-7 0 16,-6 1 0-16,-3 8 1 15,-9 18 0-15,-4 14 2 16,-2 9 26-16,0 9-16 15,-17 3-11-15,-10 23-1 16,-1 14-1-16,4 7 12 16,6 1-12-16,9-2 2 15,5-5 0-15,4-2 3 0,0-10-10 16,4-8 0 0,17-8-63-16,7-6-28 0,4-7-32 15,0 0-94-15</inkml:trace>
+  <inkml:trace contextRef="#ctx0" brushRef="#br0" timeOffset="-70886.88">26210 9780 61 0,'0'0'101'0,"0"0"39"16,0 0-51-16,0 0-41 15,0 0-35-15,0 0-13 16,0 0-20-16,0 0 20 15,-12-7-9-15,26 14 9 16,11 2 11-16,11-1 0 16,8-2 0-16,3-2-1 15,-5-1-10-15,-7-2-40 16,-9-1-100-16,-8 0-96 16</inkml:trace>
+  <inkml:trace contextRef="#ctx0" brushRef="#br0" timeOffset="-70531.65">26310 9728 16 0,'0'0'77'0,"0"0"-52"16,0 0 5-16,-92 25 1 15,73-8 4-15,3 2-27 16,3-3-1-16,-2-3 1 16,7-2-8-16,2-5 10 15,5-2-6-15,-1 1-1 16,2 0 4-16,0 8-5 15,5 4-1-15,16 7 4 16,7 4 12-16,11 2 5 16,0 2-10-16,-6 3-12 0,-10-3 5 15,-14-2-3-15,-9 2-2 16,-3-3 4-16,-22 2-3 16,-8-8 51-16,-4-7 1 15,-8-6-11-15,0-10 33 16,-2 0-44-16,6 0-28 15,10-13-3-15,9-4 7 16,10 1-1-16,4 0-6 16,8 5-50-16,0 3-48 15,14 5-152-15</inkml:trace>
+  <inkml:trace contextRef="#ctx0" brushRef="#br0" timeOffset="-69648.69">26673 10446 116 0,'0'0'126'0,"0"0"-98"0,0 0-11 16,0 0-10-16,0 0 18 16,0 0-13-16,98-63-10 15,-68 36-2-15,0-3-1 16,0-6 1-16,-7-1 0 15,-5 0 2-15,-9 4 0 16,-9 8 27-16,0 9 23 16,0 4-27-16,0 10 32 15,-1 2-47-15,-9 1-10 16,-3 27-9-16,-4 13 8 16,-2 10 2-16,3 2 5 15,9-4-5-15,4-4-2 16,3-12-2-16,0-6 1 0,7-10 1 15,11-7 0-15,4-9 1 16,11-1 4-16,8-15 0 16,5-17 5-16,3-8-6 15,-3-11-1-15,-4-10-2 16,-5-6-2-16,-1-7 2 16,-3 3 5-16,0-1-5 15,-2 6 0-15,-1 5 4 16,-6 6-1-16,-6 14-6 15,-11 15-3-15,-4 13 6 16,-3 13 9-16,0 14-9 16,-20 36-25-16,-13 21 24 0,-9 18 2 15,-2 10 11-15,4-1-12 16,7-9 0-16,7-10 9 16,10-19-9-16,10-11 7 15,6-12-6-15,0-8-1 16,3-8 3-16,11-10 3 15,7-8-4-15,4-3 12 16,6-7-12-16,7-16 10 16,1-11-12-16,0-4 0 15,-1-12 0-15,-7-10 0 16,-8 5 0-16,-8 9 3 16,-8 14 3-16,-5 21 25 15,-2 8-4-15,0 3-27 0,0 27-6 16,-8 16-2-1,-8 12 8-15,6-1-3 0,2-4 8 16,6-8-7-16,2-6 2 16,0-7-11-16,0-5-23 15,8-7-67-15,7-8-93 16</inkml:trace>
+  <inkml:trace contextRef="#ctx0" brushRef="#br0" timeOffset="-68132.77">27706 10517 17 0,'0'0'59'0,"0"0"-11"16,0 0 15-16,0 0 6 16,0 0-29-16,0 0-29 15,-49 52 2-15,49-52 10 16,0-4 63-16,9-15-22 15,9-6-64-15,3-9 14 16,0 0 10-16,6-1-20 16,0 7 3-16,-5 9-7 15,-6 9 0-15,-4 9 0 16,-4 1-3-16,-5 13-8 16,-3 15 3-16,0 3 7 15,-3 2-4-15,-6-9 5 16,0-5 0-16,4-6 1 0,4-6-1 15,1-4 0-15,0-3 4 16,0 0-4-16,15-2 21 16,7-15-21-16,7-6 1 15,0-4 5-15,3-3-1 16,-1 6-2-16,-1 6-3 16,-6 9 0-16,-5 9-1 15,-5 0 1-15,-4 17-12 16,0 10 12-16,-4 1 2 15,-3 0-1-15,-3 1-1 16,0-3 3-16,0-4-6 16,2 0 3-16,2-5-33 0,8-3-5 15,2-4-21-15,5-6-9 16,4-4-9-16,2 0 0 16,2-1 58-16,1-15-13 15,0-5 22-15,-1-1 10 16,-3-11 22-16,-4-2 5 15,-4-6 46-15,-6 0-3 16,-4 6-17-16,-2 6-8 16,-4 13-4-16,0 11 47 15,0 5-79-15,-14 16-9 16,-10 16-2-16,-4 9 2 16,1 5 4-16,10-4 0 15,4 0-2-15,6-6-1 0,4-6 4 16,3-6-5-1,0-6 0-15,0-6-4 0,7-7 2 16,12-5-4-16,5 0 6 16,4-5-6-16,2-15 11 15,2-5-5-15,-3-2 0 16,3 2 2-16,-6 5-6 16,-6 7 4-16,-9 6 0 15,-6 7 4-15,-5 0-4 16,0 0-5-16,0 10-9 15,0 13 5-15,-7 4 9 16,1-2 0-16,3 2 1 16,3-4-1-16,0-9 6 15,0-1-6-15,0-7 0 0,5-2 0 16,3-4 10-16,5 0-4 16,3 0-3-16,8-12 6 15,4-9-6-15,5-2 1 16,9-4-4-16,3-1 6 15,2 3-12-15,-5 8-8 16,-11 8 14-16,-11 9-2 16,-11 4-7-16,-8 29-7 15,-1 9 15-15,0 8 1 16,0-1 3-16,-7-6-3 16,4-10 2-16,1-12-1 15,2-12 4-15,0-4-5 16,0-5 8-16,8-9 11 0,10-20-6 15,7-13-11-15,0-10 5 16,4-9 5-16,4-8-12 16,4-6 0-16,6-7-3 15,0 1-12-15,1 10 5 16,-9 16 3-16,-12 21 7 16,-11 20-3-16,-12 14 3 15,0 28-6-15,-17 30 6 16,-17 24 14-16,-8 8 2 15,-1-2-15-15,4-11 2 16,12-16 0-16,9-15-3 16,8-12-1-16,6-14-4 0,1-8-7 15,1-8-8-15,1-4-28 16,1 0 19-16,0-9 29 16,0-13 1-16,6-5 0 15,7 4 10-15,-4 2 9 16,-2 8 0-16,1 8-20 15,-1-1 2-15,2 3-2 16,5-2 4-16,2-3-1 16,2 3-3-16,3 0 2 15,-2 3-6-15,-1 2 4 16,-2 0-7-16,0 20 4 16,1 5 3-16,0 3 11 15,-2 2-10-15,-3-6 4 0,-4-1-6 16,-6-7 1-1,-2-3 0-15,-3-2 11 0,-22-4-4 16,-14-1 38-16,-6-5-20 16,2-1-16-16,3 0-2 15,7 0-7-15,8 0-58 16,5 0-39-16,5 0-136 16</inkml:trace>
+  <inkml:trace contextRef="#ctx0" brushRef="#br0" timeOffset="-67899.75">29089 10460 396 0,'0'0'49'0,"0"0"-40"16,108 69-10-16,-44-30 1 15,3 0-1-15,-1-7-93 16</inkml:trace>
+  <inkml:trace contextRef="#ctx0" brushRef="#br0" timeOffset="-67198.11">25556 10165 30 0,'0'0'69'0,"0"0"19"15,133 120-13-15,-40-74 19 16,35 7-28-16,42 3-14 15,45 4-18-15,37 9 6 16,30 4-27-16,20 8-11 16,8 0 0-16,-4 0 3 15,-14-4-5-15,-20-4 0 0,-29-4 2 16,-28-7-2-16,-39-9 0 16,-40-12-9-16,-48-12 0 15,-39-15-63-15,-33-10 3 16,-16-4-8-16,-21-4-24 15,-28-14 55-15,-18-5-63 16</inkml:trace>
+  <inkml:trace contextRef="#ctx0" brushRef="#br0" timeOffset="-66851.25">25615 10436 252 0,'0'0'19'15,"-102"-32"-5"-15,89 32-14 16,13 0-43-16,43 0 43 16,44 15 107-16,47 8-20 15,47 8-12-15,53 9-59 16,39 18-2-16,35 9 11 15,22 9-14-15,10 7 16 16,-10-1-9-16,-17 0-16 16,-28-7 5-16,-37-7-7 0,-35-8 0 15,-38-9-1-15,-38-11 1 16,-40-10-51-16,-39-14-21 16,-32-6-2-16,-26-10-50 15,-17 0-88-15,-34-4 131 16</inkml:trace>
+  <inkml:trace contextRef="#ctx0" brushRef="#br0" timeOffset="-62207.69">22969 10687 170 0,'0'0'75'16,"0"0"-54"-16,0 0-17 15,0 0-1-15,0 0 12 16,0 0 66-16,0 0-7 16,-31-9-43-16,31 9-25 15,0 0-6-15,17 0-8 16,10 0 3-16,16 2 10 15,8 3-2-15,14 1 29 16,13-1-18-16,2 5-1 16,7 2 1-16,4 6-11 15,3 0 5-15,1 6-8 0,0-2 2 16,-5 2-9-16,-5 1 9 16,2-6-2-16,-1 4 2 15,2-2-1-15,5 2-1 16,2-3-1-16,4 4 1 15,-1-1-3-15,-1-1 11 16,2 1-8-16,-2-2 0 16,4 1-7-16,4-1 7 15,3 1-3-15,2 1 6 16,-3 0-6-16,-6 1 2 16,-5-1 0-16,-4-1-24 15,-5-1 25-15,-7-1 0 0,-5 0-2 16,-1 0-11-16,-2-3 13 15,0 1 0-15,-1-3 4 16,-4-1-4-16,1 3-2 16,-3-3 2-16,1-3 0 15,-2 2-1-15,-1 0 1 16,0-1 0-16,-2 2 1 16,0-1-1-16,0-2 5 15,2-2 2-15,-1 1-6 16,-3 0 0-16,-4 1 7 15,-6-1-7-15,-4 4-1 16,1 0 0-16,-3 2 0 16,5 1 3-16,1-2-10 0,8 2 6 15,7 0-2-15,8 1 3 16,5 2 0-16,0-3 11 16,-5 1-9-16,-6 2-4 15,-9-4 1-15,-8 2 1 16,0 3 1-16,-2 1 1 15,3 4-4-15,-1 0 9 16,-1-4-13-16,-3-1 6 16,-9-8 0-16,-5-2 0 15,-7-4 6-15,-6 1-6 16,0-4 2-16,-6 0-5 16,1-1 6-16,-4 0-4 0,-3-2 1 15,-1-1-6 1,-5 0 3-16,0-4-30 15,-33-25-85-15</inkml:trace>
+  <inkml:trace contextRef="#ctx0" brushRef="#br0" timeOffset="-60445.8">22811 10499 18 0,'0'0'12'16,"0"0"-10"-16,0 0 4 0,0 0 25 15,0 0-11-15,0 0 13 16,-16 1-25-16,5 28-4 16,-6 17 42-16,-5 13-4 15,2 6-15-15,1 5-7 16,2 4-12-16,1 3-8 15,2 8 11-15,2 1 2 16,6 2 12-16,2 5-17 16,-1-4 7-16,1-2-11 15,-5-2-1-15,0-10 3 16,0-12-6-16,1-6 0 16,1-5 2-16,3-3-2 15,-2-2 0-15,1-5-4 0,1-7 9 16,1-2-5-16,3-3 4 15,0-5-4-15,0-4 0 16,0-7 5-16,12-5 22 16,5-3-11-16,12-3-4 15,7-3 7-15,10 0-8 16,14 0 5-16,10 0 14 16,7 0-21-16,1 0 9 15,3 0-1-15,-1 9-13 16,-2 0-4-16,1 0 1 15,-2 0 1-15,2-5 5 16,5 0-3-16,0-2-4 16,5-2 7-16,2 0-1 15,0 0 7-15,2 1-7 0,-1 2-1 16,-1-3-5-16,0 4 3 16,2-1-1-16,-1-2-1 15,2 2 0-15,-1 2-1 16,-1-3-4-16,-3 2 0 15,6-1 4-15,2 3 0 16,1-2 4-16,3 4-8 16,-2 1 9-16,-4 2-12 15,-2 0 12-15,-2-1-5 16,1-1 0-16,-1-2-3 16,-3 0-1-16,-1 2-5 15,-3-3 9-15,-1 5 0 16,2-3-4-16,-6 0 5 0,-1 1-3 15,-2-2 2-15,1 3 0 16,3 0 1-16,6-2 3 16,4 3-6-16,2 3 2 15,-2 2-3-15,-7-1 1 16,-10 7 4-16,-7-2 3 16,-5 2-5-16,0 1 6 15,-1-2-13-15,1-3 7 16,-1 2 0-16,-5-6 4 15,-6 0-4-15,-3 1 0 16,-5-6-5-16,-5 3 12 16,-5-3-8-16,-3-4 9 0,-2 3-8 15,-3-5 9-15,4 1-9 16,1-1 12-16,5 1-12 16,2 0 4-16,1 0 0 15,-2 3-4-15,-3-2-6 16,-4 2 6-16,-6-1 2 15,-6 2-1-15,0-3-2 16,0 6 8-16,1-4-12 16,2 2 5-16,6 2 0 15,1-2 1-15,4 1 3 16,3 1 1-16,4-2-5 16,0 1 0-16,3-2 3 0,-7-3-3 15,0 0 0 1,-8-1-5-16,0 0 13 0,-5-1-14 15,-2 0 6-15,-3 0 0 16,-2-2 4-16,2 0-4 16,-5 1 0-16,0-2 1 15,-2 0 1-15,-1 0-2 16,-2 0 0-16,-2 0 4 16,0 1-6-16,-2 1 2 15,0-2 0-15,0 0-3 16,0 0 1-16,0 0 2 15,3 1-2-15,3-1-3 16,4 0 1-16,0 0 1 16,-1 0 3-16,3-3 5 15,0-6-5-15,2-1 0 0,2-4-2 16,-1-4 6-16,1-5-8 16,4-6 4-16,-2-6 0 15,2-2-7-15,3-4-3 16,-1-7 2-16,4 0-44 15,-4-6-75-15,-13 0-158 16</inkml:trace>
+  <inkml:trace contextRef="#ctx0" brushRef="#br0" timeOffset="20751.43">23803 9986 37 0,'0'0'25'0,"0"0"24"16,0 0 3-16,0 0-3 15,0 0-29-15,0 0-9 16,0 0 28-16,0 0 0 15,-68-23-22-15,58 23-8 16,-10 22-9-16,-11 17 0 16,-15 18 5-16,-4 9-4 15,-1-1-1-15,8-9 4 0,6-11-4 16,7-7 0-16,8-9-43 16,1-9-95-16</inkml:trace>
+  <inkml:trace contextRef="#ctx0" brushRef="#br0" timeOffset="21021.41">23396 10063 92 0,'0'0'120'16,"0"0"-30"-16,0 0-58 16,0 0-32-16,0 0-1 15,0 0 1-15,-31 112 25 0,11-66-21 16,3-6-3-16,0 3 0 15,1-4 6-15,5-4-9 16,7-9 2-16,2-6-4 16,2-8 4-16,0-5-1 15,5-4 1-15,14-3 14 16,9 0 24-16,10 0 0 16,8-3-38-16,9-7-6 15,2-4-96-15,-7-4-202 16</inkml:trace>
+  <inkml:trace contextRef="#ctx0" brushRef="#br0" timeOffset="22306.05">30068 11651 61 0,'0'0'18'0,"0"0"-17"15,0 0 7-15,0 0 9 16,0 0-3-16,-89-36 20 15,41 36 4-15,-9 3 31 16,-7 12-21-16,-3 5 1 16,-6-2-11-16,-2 3-29 15,0-5 2-15,4 1-11 0,5-5 5 16,11 1-5-16,6-3 0 16,3 0 0-16,4-2-4 15,-1-4-3-15,4 1-4 16,5-4-27-16,4-1-23 15,4 0 3-15,4 0-46 16</inkml:trace>
+  <inkml:trace contextRef="#ctx0" brushRef="#br0" timeOffset="22601.41">29087 11541 22 0,'0'0'22'0,"0"0"26"16,0 0-4-16,0 0-44 15,0 0-19-15,0 0 19 16,-45 67 57-16,15-33-14 16,3-4 14-16,3 2-57 15,9-6 15-15,6-1 2 16,2-4-15-16,7-3 10 15,0-2-6-15,2-3 6 16,20 1 7-16,12 0 11 16,12-1-19-16,9-1-11 0,6-2-20 15,1-5-91-15,-8-5-131 16</inkml:trace>
+  <inkml:trace contextRef="#ctx0" brushRef="#br0" timeOffset="52032.91">13350 619 72 0,'0'0'3'0,"0"0"-3"15,0 0 0-15,0 0 1 16,0 0 2-16,0 0 6 16,0 0-9-16,0 0 0 15,0 0 0-15,-20 0-7 16,20 0 6-16,0 0 1 15,0 0 7-15,0 0 7 16,11 0-2-16,5 0 18 16,0-3 9-16,4 2-14 15,-4 1 6-15,4 0-30 0,-3 0 11 16,1 0-8 0,2 0-1-16,-1 0-1 0,2 0-1 15,3 3 0-15,4-1-1 16,8 0 7-16,6-1-7 15,12-1 8-15,10 0-4 16,15 0 4-16,12 0 36 16,4 0-20-16,7 0-19 15,2 0 5-15,8 1-7 16,9 8-6-16,7-3-10 16,8 2 13-16,-2 3-8 15,4-3-12-15,6 3 20 16,5-3-29-16,13-1 7 15,9 0 22-15,4 1 15 16,5 0-8-16,-5 1-3 0,-8 3-4 16,-9-1 0-16,-16 0-1 15,-11-4 1-15,-10-1 0 16,-11-1-4-16,-8-3 4 16,-8 0 0-16,-5-2 19 15,-4 0-15-15,-8 0-4 16,-11 0 2-16,-15 0 6 15,-13 0-4-15,-11 0-4 16,-10 0-2-16,-5 0 2 16,-3 0 0-16,-3 0-23 0,-1 4-16 15,1-3 10 1,1 1-18-16,8-2 12 0,5 0 20 16,11 0 12-1,7 0 3-15,7 0 0 0,4 0-66 16,-4-7 6-16</inkml:trace>
+  <inkml:trace contextRef="#ctx0" brushRef="#br0" timeOffset="53757.11">13358 674 10 0,'0'0'35'0,"0"0"-23"16,0 0 17-16,0 0-9 16,0 0 24-16,-8 99 3 15,8-52-25-15,0 7-5 16,-3 5 2-16,-2 0-13 0,1-3-6 16,1-2 1-16,-2-2-1 15,3-4 11-15,-1 0 1 16,-1-3 15-16,-2 2-14 15,-1 6-13-15,-1-1 0 16,-1 1 6-16,-1-6 0 16,2-8-9-16,2-7 6 15,2-11-4-15,2-5 3 16,2-6-4-16,0-2 0 16,0-4 0-16,0-1 2 15,0 0 0-15,6-3 7 16,0 2-7-16,5-2 7 15,2 0 0-15,1 0-4 0,3 0 0 16,2 0 1-16,6-3 4 16,8-3-3-16,11-1-3 15,13 1 2-15,13 0 11 16,15 1-2-16,11 1-13 16,11 1 3-16,13 3 40 15,8 0-43-15,15 0 0 16,9 6 5-16,9 3-5 15,9 4 0-15,1 3 20 16,1 0-20-16,-1 0 5 16,-3 0-17-16,-1 0 6 15,-7 3 4-15,-3-3-1 0,-11 1-15 16,-15-5 13 0,-10-1 10-16,-15 1-2 0,-17-1-3 15,-12-2 1-15,-13 3-1 16,-6-6 6-16,-3 3-6 15,0-5 1-15,5 0-1 16,-1 3 22-16,3-2-22 16,-5 1-4-16,-2 1 0 15,-3 0 8-15,-2 2-3 16,0-1-1-16,2 1-14 16,0 2 14-16,2 1-5 15,0-1 8-15,1 0-8 16,-4-2 10-16,-1-1-5 15,-2-3 0-15,-3 1-7 16,-5-5-2-16,0 2 18 0,-2-3-5 16,-5 0-4-16,-7 0 2 15,-7 0-1-15,-6 0 6 16,-6 0 2-16,-2-3-2 16,-1 2-7-16,0 1 6 15,-1-3-11-15,2 3 5 16,0-1 0-16,2-1 0 15,1 1 2-15,2-2-2 16,-4-1 0-16,0-1 4 16,2 0-6-16,0-2 2 15,3 0 0-15,-1-3-1 16,4-1 2-16,-4 0-1 0,2-4 0 16,-3-3 5-16,-2 0-10 15,-2-2 4-15,0-3-10 16,-1-1 8-16,-1 0 1 15,0-4-1-15,1 0 3 16,4-5 2-16,1-7-1 16,6-8 4-16,5-14-1 15,0-8-8-15,2-1 4 16,-1-4 0-16,-4 10 5 16,0 2 15-16,-5 6-15 15,2 6-4-15,-4-4 2 16,1 3 1-16,-1 4 9 15,-2 3 1-15,-2 8-14 0,1 6-13 16,-1 0 13-16,1 7-6 16,-2 1-8-16,1 2 2 15,0 1-15-15,-1 2-18 16,2 1 14-16,-4 1-24 16,-2-2-43-16,-1 1-111 15</inkml:trace>
+  <inkml:trace contextRef="#ctx0" brushRef="#br0" timeOffset="54454.08">14224 647 207 0,'0'0'135'0,"0"0"-74"16,0 0-42-16,0 0-4 16,0 0 28-16,0 0 5 15,3-29-48-15,-3 73-21 16,-2 23 8-16,-12 24 13 16,-3 9 4-16,-1 4-4 15,3-9 0-15,6-9-6 16,0-10-58-16,0-11 52 15,-1-6 11-15,-2-8-26 0,1-10-104 16,7-16 94-16,4-10-26 16,0-10 5-16</inkml:trace>
+  <inkml:trace contextRef="#ctx0" brushRef="#br0" timeOffset="54768.31">15159 808 151 0,'0'0'19'0,"-30"105"22"15,5-28 9-15,2 15-35 16,-2 7 16-16,1 15 37 16,-2 0-54-16,0-8-14 15,5-13 5-15,2-25-5 16,5-14 8-16,3-15-8 16,6-7-18-16,4-13-39 15,1-9-82-15,3-10-39 16</inkml:trace>
+  <inkml:trace contextRef="#ctx0" brushRef="#br0" timeOffset="55076.13">16166 992 245 0,'0'0'3'0,"-16"123"36"0,-4-37-27 16,0 8 13-16,-3 2 36 15,2 0-20-15,0-7-31 16,-1-17 7-16,2-11-16 15,1-11-1-15,2-6-17 16,4-9-62-16,4-6-113 16,5-11 89-16</inkml:trace>
+  <inkml:trace contextRef="#ctx0" brushRef="#br0" timeOffset="55377.05">17051 1016 251 0,'0'0'25'0,"-52"151"35"15,16-51-46-15,0 6-8 16,3-1 40-16,6-6-12 16,8-10-27-16,7-11 0 15,2-12-3-15,4-11 2 0,1-12-6 16,4-13-24-16,1-8-75 16,0-9-113-16</inkml:trace>
+  <inkml:trace contextRef="#ctx0" brushRef="#br0" timeOffset="56170.31">17675 873 49 0,'0'0'60'0,"-20"109"16"15,-1-33-10-15,-7 10 6 16,-4 11-20-16,-2 7-26 16,0-4 3-16,7-4-29 15,0-11 0-15,5-15 6 0,1-7-5 16,1-7 4 0,3-9-4-16,3-6-1 0,2-10 0 15,6-8-26-15,6-10-39 16,0-12 17-16,2-1-40 15,11-11-48-15</inkml:trace>
+  <inkml:trace contextRef="#ctx0" brushRef="#br0" timeOffset="61928.08">4383 567 25 0,'0'0'66'0,"0"0"-37"15,0 0 32-15,0 0-20 16,0 0-5-16,0 0-18 16,0 0-12-16,-33-8 23 0,18 32-15 15,2 19-2-15,1 25-5 16,1 18 12-16,7 20 7 16,4 0-7-16,9-2-19 15,22-12-26-15,11-16 25 16,10-17-60-16,-1-15-46 15,-3-20 28-15,-5-23-26 16</inkml:trace>
+  <inkml:trace contextRef="#ctx0" brushRef="#br0" timeOffset="62064.25">4656 1299 14 0,'0'0'65'15,"30"-131"-35"-15,-21 55 34 16,1-1-12-16,-5-4-26 16,-5-4 3-16,0 1 5 0,-8 4-15 15,-17 10 11 1,-10 11-19-16,-9 19-11 0,-4 9-36 15,-1 17-35-15,7 8 2 16,15 6-111-16</inkml:trace>
+  <inkml:trace contextRef="#ctx0" brushRef="#br0" timeOffset="62349.37">5047 339 432 0,'0'0'84'0,"0"0"-68"0,0 0-7 16,-88 100 12-16,61-31 2 16,10 14 1-16,6 13-16 15,5 4-1-15,6 3-2 16,0-5-3-16,9-15-2 15,10-13-23-15,8-12 21 16,1-10-8-16,0-7 8 16,5-6-96-16,2-16 49 15,2-16-68-15,2-3-88 16</inkml:trace>
+  <inkml:trace contextRef="#ctx0" brushRef="#br0" timeOffset="62611.11">5473 676 255 0,'0'0'65'0,"0"0"-51"16,8 116-14-16,-8-63 0 16,0-6 0-16,-3 1 0 0,-3-5 0 15,-3-5-1-15,5-7-143 16,1-12-45-16</inkml:trace>
+  <inkml:trace contextRef="#ctx0" brushRef="#br0" timeOffset="62866.79">5812 110 276 0,'0'0'23'0,"88"189"31"0,-46-61-10 15,-11 1-27-15,-13-7-17 16,-18-13-1-16,0-16-3 16,-16-10 2-16,-6-7 2 15,-1-10-4-15,-4 0-1 16,-3-6-73-16,-1-4-133 16</inkml:trace>
+  <inkml:trace contextRef="#ctx0" brushRef="#br0" timeOffset="63266.25">4256 1759 164 0,'0'0'36'0,"0"0"-36"16,0 0-13-16,0 0 13 16,0 0 42-16,0 0-2 0,-64 4-21 15,64-4-19-15,3 0 0 16,30 0 32-16,25 0 68 15,39-19-29-15,37-15-13 16,36-9-14-16,30 0-33 16,24-4 2-16,18 4-2 15,-1 0-5-15,-11 5-6 16,-18 10-3-16,-35 5-40 16,-36 12-4-16,-40 0-25 15,-44 4-142-15</inkml:trace>
+  <inkml:trace contextRef="#ctx0" brushRef="#br0" timeOffset="63586.6">4113 1819 214 0,'0'0'49'15,"-91"21"-49"-15,64-10-6 16,12-2 6-16,11-7 13 16,4 0 29-16,16-2-18 15,33 0 8-15,39-10 34 16,47-19-18-16,38-10-29 16,34-8-17-16,23 3 11 0,13 1-5 15,11 1 17 1,-4 2-16-16,-11 8-8 0,-21 2-2 15,-26 7-8-15,-31 7-38 16,-34 5 43-16,-33 5-36 16,-34 6-11-16,-35 0-161 15</inkml:trace>
+  <inkml:trace contextRef="#ctx0" brushRef="#br0" timeOffset="101982.24">13873 781 60 0,'0'0'124'0,"0"0"-78"0,0 0 4 16,0 0 25-16,0 0-22 16,0 0-9-16,0 0-29 15,0 0-3-15,-12-8-16 16,-18 15 11-16,-18 23-14 15,-20 11 15-15,-7 5-17 16,8-2 2-16,15-7-32 16,15-2 18-16,11-6-27 15,10 0-24-15,9-8-42 16,7-8-59-16</inkml:trace>
+  <inkml:trace contextRef="#ctx0" brushRef="#br0" timeOffset="102200.14">13984 849 87 0,'0'0'117'0,"0"0"-105"16,0 0 29-16,-54 102 1 16,15-67 21-16,-3-2-28 15,-1 0 7-15,0-3-40 16,2-2 2-16,6-4-4 15,8-3 0-15,9-6-47 16,10-5-23-16,8-9-63 16,3-1-62-16</inkml:trace>
+  <inkml:trace contextRef="#ctx0" brushRef="#br0" timeOffset="102371.54">14024 930 241 0,'0'0'46'0,"-81"83"52"0,18-25-40 16,1 1-47-16,5-5 9 16,8-5 5-16,9-1-21 15,5-7 1-15,7-3-5 16,10-2-33-16,8-8-55 16,4-11-145-16</inkml:trace>
+  <inkml:trace contextRef="#ctx0" brushRef="#br0" timeOffset="102566.36">13870 1174 163 0,'0'0'116'0,"-118"79"-64"16,53-37-24-16,12-5-23 16,12-5 70-16,11-4-59 15,9-4 4-15,5-1-16 16,10-4-4-16,6-6-24 15,0-6-53-15,19-7-32 16,17-1 15-16,12-27-81 16</inkml:trace>
+  <inkml:trace contextRef="#ctx0" brushRef="#br0" timeOffset="102702.09">13822 1363 50 0,'0'0'76'15,"-86"63"-3"-15,47-34-41 16,8-4 33-16,4-7-28 15,3 2-19-15,-3 3 1 16,-4 3-19-16,1 3-18 16,9-2-146-16</inkml:trace>
+  <inkml:trace contextRef="#ctx0" brushRef="#br0" timeOffset="103729.44">16784 916 93 0,'0'0'32'15,"0"0"44"-15,-112 69 3 16,49-30-35-16,-1-1 13 15,5 1-55-15,6-3 11 16,6-1-13-16,11 1 0 16,6-7 0-16,11-2-40 15,10-6-48-15,9-5-49 16,3-9 15-16</inkml:trace>
+  <inkml:trace contextRef="#ctx0" brushRef="#br0" timeOffset="103910.17">16693 1128 62 0,'0'0'133'0,"-79"86"-9"15,30-31-79-15,-2-1-21 16,9-3-22-16,6 0 16 16,6-5-18-16,8-5 6 15,8-11-12-15,12-8-33 16,2-10-75-16,16-12-52 0</inkml:trace>
+  <inkml:trace contextRef="#ctx0" brushRef="#br0" timeOffset="104080.32">16739 1278 38 0,'0'0'138'0,"0"0"-126"16,0 0 3-16,0 0 74 15,-90 99-18-15,38-55-49 16,-3-3-19-16,6-5 4 15,6-4 12-15,11-7-5 16,12-4-14-16,15-6-19 16,5-6-142-16,35-6-48 15</inkml:trace>
+  <inkml:trace contextRef="#ctx0" brushRef="#br0" timeOffset="104232.23">16763 1535 257 0,'0'0'101'0,"-88"35"-74"15,37-13-21-15,4-4-2 16,8-1 37-16,7 1-23 16,9 0-7-16,3 4-11 15,5 5-24-15,6-5-135 16,6-5-119-16</inkml:trace>
+  <inkml:trace contextRef="#ctx0" brushRef="#br0" timeOffset="106482.2">18506 815 3 0,'0'0'271'16,"0"0"-195"-16,0 0-4 15,0 0-3-15,0 0 5 0,0 0-38 16,-32-24-7-1,35 22-29-15,26-3-10 0,27-1 8 16,38 2-22-16,42 4 24 16,39 0 3-16,30 0 1 15,19 13 1-15,12 5-5 16,7 4-18-16,-3-2 17 16,-2 5-16-16,-13-3 0 15,-12 5-18-15,-8 0-28 16,-13-1 24-16,-16 2 13 15,-21-3 25-15,-31-3-3 16,-31 1 4-16,-32-4-2 16,-25-5-4-16,-17-4-18 15,-12-6 22-15,-5-3 2 16,-2 2 0-16,0 0-4 0,1 1 6 16,2 3-2-16,4-2 0 15,-4 4 2-15,4-5-2 16,-3 1 0-16,-1-3 0 15,0-1 0-15,-1-1 0 16,1 4 0-16,-2-3 2 16,2-1 0-16,-1 0-1 15,1 0 2-15,4 0-2 16,1 0 10-16,-2-3 1 16,0 0-1-16,-5-1 8 15,1 4-16-15,-1-1 4 16,-1 1-7-16,0 0 0 0,0 0 7 15,0 0-7-15,0 0-17 16,-24 24 4-16,-16 12 13 16,-17 18 4-16,-14 20-4 15,-11 16 0-15,-1 0 5 16,5-1 3-16,9-8-6 16,11-13 3-16,6-3-8 15,7-8 9-15,9-11-6 16,6-12 3-16,9-8 2 15,2-10-5-15,4-1 0 16,1-7 0-16,-4-5-11 16,-4-3 11-16,-12 0 12 15,-20 0-8-15,-21-13-8 0,-23-2 13 16,-20-2-2 0,-19-4-4-16,-14 2-3 0,-11-4 1 15,-19 0-7-15,-16-4 17 16,-13-3-20-16,0 0 27 15,15 3-12-15,27 1-1 16,29 2-5-16,26 5-19 16,27-2-28-16,24-1-45 15,19-2 11-15,16-2-4 16,13-8-28-16</inkml:trace>
+  <inkml:trace contextRef="#ctx0" brushRef="#br0" timeOffset="107315.35">18943 834 30 0,'0'0'31'0,"0"0"45"15,0 0-53-15,0 0-21 16,0 0 79-16,-36 129-20 16,18-68 1-16,3 0-51 15,0 5 2-15,-1 4 6 0,-5 12-15 16,-9 13-2-1,-6 5-2-15,0-2-17 0,5-18-85 16,12-21-58-16</inkml:trace>
+  <inkml:trace contextRef="#ctx0" brushRef="#br0" timeOffset="107576.38">19843 941 222 0,'0'0'16'0,"-44"148"92"15,5-42-62-15,-4 6-1 16,7-5-23-16,3-3-11 15,2-12 7-15,-3-10-18 16,-4-9-7-16,-3-10-24 16,8-16-167-16</inkml:trace>
+  <inkml:trace contextRef="#ctx0" brushRef="#br0" timeOffset="108010.11">20479 1082 76 0,'0'0'254'15,"0"0"-247"-15,-28 123 5 16,0-44 47-16,-5 8-30 16,0 5-23-16,-3-4-2 15,0-11 10-15,2-9-14 16,3-11-1-16,5-5-17 16,7-12-41-16,10-10-85 15,9-13-75-15</inkml:trace>
+  <inkml:trace contextRef="#ctx0" brushRef="#br0" timeOffset="108635.41">21177 1040 285 0,'0'0'115'16,"-117"12"-78"-16,26 10-5 16,-15 5-16-16,-5 5 31 15,3 6-40-15,12 4-7 0,18 5 0 16,16 1-12 0,16-4-37-16,19-2-53 0,19-11-45 15</inkml:trace>
+  <inkml:trace contextRef="#ctx0" brushRef="#br0" timeOffset="108846.38">21388 1213 285 0,'0'0'210'15,"0"0"-184"-15,-88 47-1 0,21-20-22 16,-9 6 23-1,-6 3 12-15,-4 4-38 0,2 6 1 16,6-3-6-16,17 0-66 16,28-9-30-16,33-12-19 15,24-10-123-15</inkml:trace>
+  <inkml:trace contextRef="#ctx0" brushRef="#br0" timeOffset="109016.36">21279 1535 302 0,'-91'41'87'16,"-19"10"-7"-16,-10-2-68 15,7-6 0-15,17-9 56 16,21-4-26-16,22-1-31 0,22-4-11 16,19-2-53-16,12-11-91 15,30-12-153-15</inkml:trace>
+  <inkml:trace contextRef="#ctx0" brushRef="#br0" timeOffset="109166.96">21094 1710 222 0,'-89'27'105'0,"-13"4"-80"16,-5 2 29-16,8-6-32 0,13 2 51 15,13-1-33 1,11 4-40-16,12 1-55 0,15-6-192 15</inkml:trace>
+  <inkml:trace contextRef="#ctx0" brushRef="#br0" timeOffset="149509.59">24366 10967 48 0,'0'0'51'0,"0"0"-8"15,0 0-22-15,0 0 3 16,0 0 3-16,0 0-21 15,0 0 2-15,-57 83 8 16,42-28-6-16,-4 4 4 16,5 7-14-16,0 13 6 15,2 5-1-15,4 1-2 0,-2 2-3 16,1-8 5 0,-5 6 6-16,-5 2 3 0,-3 4 1 15,-2-8 20-15,3-11-6 16,3-12-19-16,9-10 9 15,4-15-18-15,5-6 7 16,0-7 2-16,0-3-7 16,0-4 0-16,0-2-3 15,3-6 2-15,-1-2-2 16,-1-3 0-16,1-2 0 16,-2 0-4-16,5 0 7 15,1 0-3-15,10 0 13 16,5 0-4-16,6-7-5 15,7 2-4-15,2 4 0 16,4 1-4-16,3 0 5 0,7 0-1 16,6 14 3-16,8 7-2 15,13 3 8-15,14 3-5 16,17 3-2-16,19-2 11 16,19 4-6-16,14 5-7 15,9 4 0-15,11 0 0 16,1 1 6-16,-1-1-6 15,-4-2 0-15,-10-3-5 16,-9-5-6-16,-13-6-11 16,-15-3-13-16,-16-7 13 15,-21-3 5-15,-18-4 11 16,-21-2 5-16,-12-5 1 0,-15-1 0 16,-9 0 3-16,-7 0 8 15,-5 0 12-15,-4-1-1 16,1-6-13-16,1 2-7 15,0-2-4-15,7 5 1 16,4 0-3-16,8 1-1 16,8 1-15-16,4 0 15 15,3 0-4-15,1 0-3 16,2 0-5-16,-3 0-8 16,1 0 0-16,-3-16 9 15,0-10 4-15,-2-7 12 16,-5-14 0-16,3-11 0 15,1-5 7-15,5-13 1 0,5-8-3 16,3-6 5 0,-3-5 1-16,-4 6 13 0,-8 6 7 15,-8 14-30-15,-10 11 4 16,-9 17-5-16,-3 20-18 16,-24 15-84-16,-19 6-113 15</inkml:trace>
+  <inkml:trace contextRef="#ctx0" brushRef="#br0" timeOffset="151143.07">26977 11464 87 0,'0'0'27'0,"0"0"22"16,0 0-44-16,0 0 35 15,0 0 4-15,0 0-13 0,66-79-7 16,-38 56-5 0,5 0-6-16,6-2 23 0,7 0-19 15,10 0-7-15,13-1 4 16,16 0-14-16,15-7-2 15,9 0 2-15,4-3 0 16,2 4 1-16,0 4 0 16,7 7-1-16,7 3-8 15,-3 5 6-15,-2 7 2 16,-13 6 0-16,-5 0-10 16,0 0 3-16,9 2-18 15,10 9 25-15,5 2 2 16,1 4-2-16,-6 1 0 15,-11 4-1-15,-10 4 4 16,-15 3-6-16,-11 5 3 0,-7 1-9 16,-3 4 5-16,1 3 4 15,1 7-5-15,4 8 5 16,2 6 0-16,3 5-5 16,-4 3 12-16,-8 1-7 15,-13 3 0-15,-17 2-7 16,-19 7 4-16,-18-1 2 15,-5 4 1-15,-34-2-5 16,-13-3 9-16,-7-3-4 16,-8 0 0-16,0-6 3 15,3 4-3-15,1 1 0 16,2 3 2-16,1-2 2 0,-4-6 7 16,0-5-4-1,-2-10 5-15,2-7 0 0,-2-3-5 16,-3-7 5-16,-2-6-5 15,-4 1 12-15,1-2-15 16,7-4 0-16,1-3-2 16,0-2-2-16,-4-7 7 15,3-1-7-15,6-5 0 16,4-5 3-16,4-6-2 16,-6 1-1-16,-8-2 1 15,-5 0 3-15,0 0-4 16,7 0 0-16,10 0 3 15,9 0 2-15,4-5-5 0,5 1 5 16,0 1-3 0,1-1 4-16,4 1-6 0,-2-1 0 15,3 2 0-15,-2 1-4 16,-2-1 4-16,2 0 0 16,-2-1-2-16,5-4 4 15,5 3-2-15,4-2 0 16,5 2 3-16,-1 1-4 15,1 1 1-15,1 0 0 16,0 2-2-16,3-3 5 16,1 2-3-16,1-1 0 15,4 1 0-15,5-2-1 0,-1 2 1 16,2-1 0 0,0-3-2-16,0-4-12 0,0-5-67 15,0-9-165-15</inkml:trace>
+  <inkml:trace contextRef="#ctx0" brushRef="#br0" timeOffset="151456.11">27905 13007 54 0,'0'0'69'16,"0"0"-18"-16,0 0-21 15,0 0 49-15,0 0 2 16,0 0-63-16,0 17-16 0,-15 12 9 16,-11 8 3-16,-5 5 12 15,-6 1-3-15,-5 1-2 16,-1-2-7-16,0 0-8 16,1-5 4-16,-2 3 3 15,8-4-10-15,13-9 1 16,10-8-4-16,13-9 0 15,4-2 3-15,28-1 5 16,20-3 14-16,19-4-22 16,14 0-51-16,2-7-145 15</inkml:trace>
+  <inkml:trace contextRef="#ctx0" brushRef="#br0" timeOffset="175096.18">31201 11061 6 0,'0'0'38'15,"0"0"-8"-15,0 0-9 16,0 0-3-16,0 0 17 16,0 0-13-16,-97 50-4 15,74-25 8-15,5 9-1 16,0 1 9-16,5 3-15 0,-2-2-6 15,5-1-7-15,3-3-4 16,6-5-2-16,1 0 0 16,0-3 2-16,0-8-2 15,4-8 0-15,10-3-17 16,10-5 17-16,4 0 22 16,8-19-6-16,0-1-2 15,0-7-14-15,-6-2 5 16,-7-3-11-16,-3 0 19 15,-7-4 9-15,-5 0-11 16,-3 0-3-16,-5-3-8 16,0 9-6-16,-2 1-35 0,-9 6-58 15,1 4-82-15</inkml:trace>
+  <inkml:trace contextRef="#ctx0" brushRef="#br0" timeOffset="175410.78">31584 10920 76 0,'0'0'11'0,"0"0"27"16,-87 88 15-16,51-39 14 16,-2 5-11-16,-1 14-40 15,5 5 19-15,1 3-24 16,8 1-5-16,7 0 2 16,6-6-8-16,7-9 0 15,5-10-2-15,0-11-48 16,6-7-56-16,13-11-24 15</inkml:trace>
+  <inkml:trace contextRef="#ctx0" brushRef="#br0" timeOffset="176125.32">31694 11375 4 0,'0'0'15'0,"0"0"-12"16,0 0 1-16,-45 94-4 16,37-80 3-16,2-5-1 15,3-2-1-15,0-6-1 16,3-1 12-16,0 0 31 15,0 0 31-15,0-6 7 16,0-15-76-16,12 1 0 16,6-5 11-16,-1 0 8 15,1 3 1-15,2 2-24 16,-2 5-1-16,0 6-1 16,-3 7-27-16,2 2 28 15,0 0 0-15,-2 0 0 16,-3 7-7-16,-2 6 7 15,-4 3 0-15,-1 2 0 0,-4 3 1 16,-1-1-2-16,0 3 1 16,-3-4 0-16,-12-2-5 15,-1 0 3-15,-3 0-13 16,2-6-32-16,2 1-34 16,3-5-39-16</inkml:trace>
+  <inkml:trace contextRef="#ctx0" brushRef="#br0" timeOffset="176407.97">32206 11164 36 0,'0'0'23'0,"9"91"6"16,-9-24-10-16,-3 18 56 16,-22 8-6-16,-10 9-20 15,-5-8-22-15,-3-12-23 16,0-16 1-16,2-12-2 16,4-13-3-16,7-5-7 15,9-15-30-15,5-7-44 16,10-8-10-16,6-6-32 0</inkml:trace>
+  <inkml:trace contextRef="#ctx0" brushRef="#br0" timeOffset="176973.32">32964 11379 4 0,'0'0'64'0,"0"-101"-15"15,-26 31 82-15,-24-13-105 16,-27-12-26-16,-25-9-6 15,-19-5 1-15,-10 0 5 16,-8 11 10-16,-16 6-8 16,-11 17 12-16,-16 16-4 15,0 21-7-15,20 29-1 16,12 11 2-16,25 43 0 16,16 28 27-16,15 26-27 15,12 25-4-15,9 19 3 0,12 21 11 16,19 11-19-1,28 9 5-15,20-1 0 0,51-18-7 16,29-16 2-16,21-25 5 16,18-18 6-16,14-25-4 15,22-21-2-15,6-21 11 16,11-20 11-16,-1-16 22 16,-11-3-21-16,-8-28-2 15,-12-16 4-15,-15-18-24 16,-10-14 17-16,-16-13-17 15,-19-11-1-15,-23-6 3 16,-27-9 8-16,-27-10-22 16,-18-5 0-16,-48 0-44 15,-44 9-82-15,-40 11-25 0</inkml:trace>
+  <inkml:trace contextRef="#ctx0" brushRef="#br0" timeOffset="193373.1">443 2048 50 0,'0'0'70'16,"0"0"-17"-16,0 0-15 15,0 0 33-15,0-90-32 16,0 63 2-16,0-3-7 16,-3-9-13-16,0-6 8 15,0-6-20-15,1-10-2 16,2-16 0-16,0-10-8 15,0-12 5-15,0-3 2 16,0-7-3-16,0 9 23 0,0 11 44 16,-3 19-44-16,-3 29-4 15,0 23-22-15,2 12-11 16,1 6-2-16,3 33-7 16,-6 30-5-16,0 31 24 15,0 21 2-15,6 8 6 16,0-2-5-16,0-10 2 15,15-12-4-15,7-16 4 16,-5-17-4-16,4-14-10 16,-2-17-25-16,-4-17 7 15,1-10 15-15,-4-8-18 16,6-8 8-16,3-21 19 0,3-14-9 16,0-13 13-16,-5 1 7 15,-8-2 9-15,-5 10 13 16,-3 14 32-16,-3 17 4 15,0 16-14-15,0 23-51 16,6 30-3-16,4 24 3 16,-1 7 20-16,7-2-12 15,2-11-7-15,8-18-2 16,5-10-19-16,0-21-92 16,-2-20-100-16</inkml:trace>
+  <inkml:trace contextRef="#ctx0" brushRef="#br0" timeOffset="193555.45">722 1273 572 0,'0'0'63'15,"0"0"-17"-15,0 0-6 16,0 0-16-16,0 0-24 15,0 0-99-15,-21 22-107 16</inkml:trace>
+  <inkml:trace contextRef="#ctx0" brushRef="#br0" timeOffset="193897.15">871 1751 306 0,'0'0'9'0,"0"0"6"16,0 0-14-16,0 0 21 15,0 0 0-15,0 0-13 16,15 69 1-16,-15-70 10 16,0-26 94-16,0-10-75 15,0-15-36-15,0-13 16 16,0-10-18-16,0 3 1 15,1 11 17-15,7 22-7 16,-4 19 22-16,4 18 17 0,5 2-51 16,5 23-22-16,6 16 18 15,-2 10-4-15,-4 6 8 16,-9-4 0-16,-1 0-7 16,-2-11-47-16,0-10-46 15,4-11-61-15,-1-12-52 16</inkml:trace>
+  <inkml:trace contextRef="#ctx0" brushRef="#br0" timeOffset="194406.42">1092 1059 103 0,'0'0'284'0,"0"0"-202"15,0 0-5-15,0 0-77 16,0 0 0-16,0 0 36 15,30 123 7-15,-23-58-22 16,-4 3-16-16,0 1 0 16,0-6 1-16,-3-10-6 15,0-14-40-15,3-14 0 16,-3-13 11-16,0-8-2 16,3-4 25-16,0 0 6 15,0-20 28-15,6-12-19 16,3-9 3-16,0-1-12 15,1 9-2-15,1 8 2 0,-6 12 33 16,-6 12-2 0,-2 1-31-16,1 0-19 0,4 15 4 15,1 9 14-15,6 2 1 16,1-1 3-16,1-10-3 16,2-6-15-16,1-6-3 15,-1-3 7-15,-1-13 11 16,3-17-3-16,-6-9 14 15,1-5 5-15,-2 0 15 16,-5 8-3-16,-3 14 23 16,-3 14 4-16,0 8 27 15,0 0-50-15,0 3-32 0,-5 20-6 16,-2 9 5 0,-1 6 1-16,8 0 0 0,0 4-9 15,3-5-51-15,14-4-69 16,8-12-117-16</inkml:trace>
+  <inkml:trace contextRef="#ctx0" brushRef="#br0" timeOffset="194757.94">1809 1210 492 0,'0'0'80'0,"0"0"-22"16,0 0 14-16,-86 0-12 0,70 23-57 15,2 13-3 1,2 8-1-16,2 6 1 0,7-8 3 16,3-12-3-16,0-12-22 15,0-9-12-15,9-9 2 16,7-24 32-16,11-22 0 16,1-16-6-16,2-12 4 15,-9-11 2-15,-5-8 1 16,-11-9 13-16,-5 0-6 15,0 15-5-15,0 22 17 16,0 30 35-16,0 22 28 16,0 13-11-16,0 16-72 15,0 40-34-15,0 31 25 16,0 22 8-16,-9 8 1 0,-1-2-111 16,-4-9-60-1,0-15-418-15</inkml:trace>
+  <inkml:trace contextRef="#ctx0" brushRef="#br0" timeOffset="195239.37">2154 584 92 0,'0'0'263'0,"0"0"-190"16,0 0-15-16,0 0-10 0,0 0-38 15,-9 117 29-15,2-33 19 16,7 5-18-16,0 5-17 15,1-8 2-15,17-10-20 16,7-10-2-16,2-16-3 16,3-12-31-16,-2-14-27 15,-2-15-29-15,-1-9-4 16,-1-5-39-16,-3-24-135 16</inkml:trace>
+  <inkml:trace contextRef="#ctx0" brushRef="#br0" timeOffset="195384.97">2409 986 238 0,'0'0'175'0,"0"0"-172"16,0 0 1-16,0 0 34 15,-4 96-22-15,4-66-7 16,0-5-7-16,0-4-2 16,3-5-56-16,1-6-105 15</inkml:trace>
+  <inkml:trace contextRef="#ctx0" brushRef="#br0" timeOffset="195537.35">2379 770 442 0,'0'0'100'0,"0"0"-40"0,0 0-32 15,0 0-28-15,0 0-1 16,0 0-142-16,-37-18-136 15</inkml:trace>
+  <inkml:trace contextRef="#ctx0" brushRef="#br0" timeOffset="195883.94">2681 884 475 0,'0'0'95'0,"0"0"-59"16,-81-5-32-16,47 23 3 16,7 5 12-16,12 5-19 15,15 0-2-15,0 1-7 16,27-1-2-16,1-3-1 15,0-1 11-15,-8-1-28 16,-5-1 27-16,-8-2-1 16,-5-2 3-16,-2 1 0 15,0-1 0-15,-6 1-2 0,-15 4-9 16,-7 2 9 0,-4-6-98-16,6-5-40 0,6-8-72 15</inkml:trace>
+  <inkml:trace contextRef="#ctx0" brushRef="#br0" timeOffset="196104.98">3079 542 307 0,'0'0'125'0,"0"0"-104"15,6 87-20-15,-6-29 72 16,-9 4-20-16,-10 6-26 0,-1-5-16 16,4 1-8-16,1-6-3 15,0-8-70-15,3-10-138 16</inkml:trace>
+  <inkml:trace contextRef="#ctx0" brushRef="#br0" timeOffset="196245.02">2891 1089 369 0,'0'0'206'16,"0"0"-198"-16,0 0-3 16,0 0 10-16,100-55-10 15,-51 40-5-15,4-5-18 16,5-1-85-16,-2 1-12 0,-13 2-93 16</inkml:trace>
+  <inkml:trace contextRef="#ctx0" brushRef="#br0" timeOffset="196558.22">774 2099 332 0,'0'0'23'0,"-109"78"-2"15,99-54-21-15,10-8-27 0,19-9 17 16,36-7 10 0,39-19 97-16,51-30-4 0,53-25-14 15,47-17-50-15,31-13 3 16,28-2-22-16,5 1 12 16,-10 4-17-16,-26 10-5 15,-45 14 2-15,-58 12-8 16,-49 24-2-16,-60 16-70 15,-52 11-7-15,-33 14-22 16,-73 3-136-16</inkml:trace>
+  <inkml:trace contextRef="#ctx0" brushRef="#br0" timeOffset="196787.13">1687 1820 201 0,'-261'107'126'0,"22"1"-114"0,39-13-8 15,59-23 10 1,63-25 11-16,63-20-25 0,33-19-20 15,55-8 20-15,45-18 16 16,43-31 22-16,45-23 38 16,39-17-43-16,20-11 1 15,19-2-23-15,-2 6-8 16,-20 11-1-16,-21 4 3 16,-33 13-5-16,-30 7-42 15,-32 10-62-15,-37 10 10 16,-30 19-36-16,-37 10-51 15</inkml:trace>
+  <inkml:trace contextRef="#ctx0" brushRef="#br0" timeOffset="210395.06">16606 1267 57 0,'0'0'59'16,"0"0"-18"-16,0 0-10 16,0 0-18-16,0 0-13 15,0 0-7-15,0 0-111 16</inkml:trace>
+  <inkml:trace contextRef="#ctx0" brushRef="#br0" timeOffset="212958.35">13952 590 6 0,'0'0'92'0,"0"0"-42"16,0 0 3-16,0 0 9 16,0 0 2-16,0 0-23 15,0 0-12-15,0 0-6 0,0 0-15 16,0 0-4 0,0 0-4-16,5 0 0 0,6 0 11 15,6-12-11-15,4 0 6 16,3-2-5-16,-2-1 1 15,2 0 8-15,-2 1-6 16,2 1 15-16,-3 2-5 16,2 1-5-16,0 0-6 15,0 1 2-15,2 2-1 16,5-1 0-16,1 1-3 16,8-3 5-16,3 0 4 15,3 2-5-15,2-2-5 16,0 2 2-16,-3-1-2 15,-2 0 7-15,0 2-7 16,-3-1 8-16,1 1-16 0,3 0 15 16,-1 0-7-16,0-2 0 15,-2 5 4-15,-3-3-9 16,-4 3 10-16,-2 0-3 16,-4-2-2-16,-1 4-1 15,-5 0 1-15,0 1-1 16,2-1 1-16,-3 1-4 15,7 1 4-15,0 0 0 16,1 0-1-16,2 0 8 16,3-3-14-16,1 1 11 15,-1 2-4-15,-2 0 0 16,-3 0 1-16,-5 0-1 0,-4-1 0 16,-2 1 1-16,-1-2-2 15,-4 1 1-15,2 1 0 16,0-1 0-16,4 1 0 15,6 0 0-15,0 0 0 16,1 0-1-16,0 0 1 16,-2 0 0-16,-1 4-2 15,-2 5 2-15,-1-4-4 16,-2 1 4-16,-5 1-4 16,1 0 4-16,0-2 0 15,5 5 0-15,0-3 3 16,6 3-3-16,0 1 0 15,-3-5 0-15,-3 4 0 0,1-1-3 16,-4-1 3-16,0 2-1 16,-2-2 6-16,2 2-8 15,-1-2 3-15,0 0 0 16,-1 1-4-16,-1-2 8 16,2 5-4-16,0-2 0 15,4 3-1-15,-2-4 0 16,2 4 1-16,0-1 0 15,-3 1-3-15,-1 0 5 16,-1-1-2-16,-1-5 0 16,-4 2 1-16,1-4-1 15,-2 2 0-15,0-3 0 0,5 3 1 16,0-2 0 0,6 4 2-16,0-4-3 0,1 5 2 15,2-4-3-15,-6 2 2 16,-1-2-1-16,-4-1 0 15,-4 2 0-15,0-3-1 16,-3 1 0-16,3 1-2 16,-1 0 1-16,2 3 2 15,2 6 0-15,0 0-1 16,4 2 2-16,-3 3-1 16,4-2 0-16,-5-3 5 15,-2 3-10-15,-1-7 5 16,1-3 0-16,-4-2-1 15,0-4 4-15,-1-1-3 16,-2-1 3-16,0 0-2 0,0 0 11 16,0 0-10-16,0-1-2 15,-5-15 0-15,-8-4-50 16,-3-1-2-16,-2 1-1 16,-2-1-15-16,0 6-3 15,0 0 28-15,5 5 41 16,0 2 2-16,5 4 28 15,4-2 5-15,1 4 10 16,5 1-8-16,0 1 4 16,0 0-20-16,0 0-10 15,0 0 9-15,0 0-3 16,0 0 10-16,0 0-5 0,0 0-11 16,0 0 7-16,0 0-12 15,0 0-4-15,0 0-1 16,0 9-7-16,0 5 8 15,0 0 8-15,0 0-8 16,0-1 4-16,6-2-3 16,0 2 0-16,2-2 4 15,-3-1-5-15,0-3 0 16,-2-1 3-16,0-5-2 16,-1-1-2-16,-1 0 2 15,-1 0-1-15,2 0 10 16,-2 0-7-16,0 0 5 15,1 0 2-15,1 0-9 0,2 0 11 16,1 0-12 0,1 0 1-16,-2 0 6 0,-3 0-6 15,1 0 7-15,-1-6 11 16,3 1-12-16,-1-4-5 16,-2 4 0-16,1-4-2 15,-1 1 3-15,-1-2-2 16,2 0-1-16,-1 2 0 15,1-2 2-15,-1 1-3 16,2 1 1-16,-1 1 0 16,2 1 2-16,-1 0 0 15,-2-1-1-15,2 2 2 0,0-2-2 16,-1 3 11 0,-1-3-12-16,2 2 1 0,-1 2-2 15,-2 2 3-15,1 1-2 16,-1 0 0-16,0 0-8 15,0 0-3-15,0 0-14 16,0 0-6-16,0 0-2 16,0 0-62-16,0 0-133 15</inkml:trace>
+  <inkml:trace contextRef="#ctx0" brushRef="#br0" timeOffset="-213740.42">16782 756 20 0,'0'0'58'16,"0"0"-47"-16,0 0 13 15,0 0 35-15,0 0 6 16,0 0-2-16,0 2-8 16,0-2-13-16,0 0-2 15,0 0-16-15,0 0-4 16,8 0-5-16,4-2-2 16,1-3 3-16,2 0 3 15,3-2-17-15,-2 3 10 16,-1 0-12-16,3-3 3 15,-3 4 1-15,1-1-2 0,0-1 3 16,-2 0-1 0,-2-1-3-16,1 0 12 0,-2 1-10 15,1-2 6-15,1 1-5 16,1-2 3-16,-2 2-14 16,3 2 12-16,-1-3-5 15,0 1 0-15,0 0 0 16,-1 2 0-16,-1 1-1 15,-1-1 2-15,2-2-1 16,-1 1 0-16,6-4 4 16,4 1-5-16,1-1 1 15,2 0-3-15,-1 2 2 0,-4-2 1 16,-1 1 3 0,0-2-3-16,-2 1 0 0,0 1-4 15,-2-1 4-15,3 3 0 16,0-1 0-16,0 2-3 15,4-3 0-15,0 3 3 16,0-2 0-16,1 1 3 16,-2-2-1-16,-3 4-2 15,2-1 1-15,-4-3-1 16,2 4 0-16,-2-2-5 16,-1-1 10-16,1 3-8 15,0-3 3-15,1 0 0 16,0 0 0-16,2 1 0 15,5-1-6-15,2 2 0 16,2-2-1-16,0 1 3 0,-1 3-19 16,-5-1 22-16,-1 2 0 15,-4 1 2-15,0 1-9 16,0 0 8-16,4 0 0 16,-3 0 0-16,4 0-4 15,1 0-1-15,-1 1-2 16,1 4-4-16,-1-3 1 15,-2 0 7-15,-1-1-1 16,1-1 4-16,0 0 0 16,1 0 4-16,3 0-7 15,-1 0 3-15,3 0 0 16,-5 0-3-16,0 0 10 0,-2 2-17 16,-3-1 17-16,2 1-7 15,-1 0 0-15,1-2 3 16,-3 2-4-16,-1-2 1 15,-3 0 0-15,2 0 1 16,-4 0-1-16,3 0 0 16,2 0 0-16,1 1 3 15,2-1-3-15,2 0 0 16,0 2 1-16,-2 0 1 16,2 1-2-16,-2 3 0 15,2-3-3-15,-2 1 7 16,1-1-7-16,-1 1 3 15,-1 0 0-15,-1-1 2 0,0-1-2 16,-2 1 0 0,-1 0-4-16,-2-1 10 0,-2-1-6 15,-2-1 0-15,2 2 1 16,3-1-4-16,1 0 5 16,8 5-2-16,2-3 0 15,4 1 2-15,2 5-4 16,2-4 2-16,-2 4 0 15,0-2 2-15,-1 0-2 16,-3-2 0-16,-3 2-6 16,1-1 6-16,-4-2 0 15,0 2 0-15,2-2-5 0,-1 0 1 16,1 1-1 0,-1-1 4-16,3 0 0 0,-1 0 0 15,1 1 1-15,2-1-1 16,-3-1 1-16,3 3-2 15,-2-4 2-15,-1 1 0 16,-1 3-2-16,1-3 2 16,1-1 0-16,2 3-2 15,1 1 3-15,-1-3-2 16,-2 1 1-16,0 2 0 16,0-2 0-16,-1 2 0 15,-2 1 0-15,2 0-1 16,0 0 3-16,-3 0-6 15,1 0 6-15,0 1-2 16,-2-1 1-16,2 0-1 0,-1 1 0 16,5 2-1-16,2-3 3 15,3 4-4-15,2-1 2 16,-2-1 0-16,-1 2 0 16,-3 0-2-16,0 1 2 15,-3-3 0-15,0 2 0 16,0 1 2-16,3 1-2 15,-1-1 0-15,6 2 0 16,-1 1 2-16,0-1-3 16,1 0 1-16,1 0 0 0,1 1-1 15,5 0 5 1,-4 0-6-16,0-1 2 0,-4-1 0 16,-4-1 0-16,-3 0 0 15,-2-4 0-15,-2 1 2 16,-2-2-2-16,-6 0 0 15,0-3-1-15,-2-1 3 16,-4 1-2-16,0-2 0 16,3-1 2-16,-1 2 5 15,2 0 1-15,5-1 3 16,-5 3 9-16,3-3-20 16,0 1 3-16,-4 0-3 15,1 1 0-15,-2-1-1 16,-4-3 1-16,1 2 0 15,-2-2-1-15,0 0 1 0,0 0-3 16,0 0 3 0,0 0-7-16,0 0-6 0,0 0-22 15,0 0-2-15,0 0-16 16,0 0-27-16,0 0 2 16,0 0-33-16,-3 0 8 15</inkml:trace>
+  <inkml:trace contextRef="#ctx0" brushRef="#br0" timeOffset="-213328.39">20591 937 19 0,'0'0'60'0,"0"0"-39"16,0 0 41-16,0 0 32 15,0 0-22-15,0 0-35 16,0-2-26-16,0 2 5 16,0 0-16-16,0 0-3 15,0 0-9-15,0 0-6 16,0 11 18-16,0 3 10 16,0 2-10-16,0-3 9 15,0 0-5-15,0 0 4 16,5-1 4-16,2 2-11 15,2 2 17-15,1-1-3 16,0 1-8-16,-3-5 0 0,-1 0-7 16,-3-6 2-16,0-1 6 15,-3-3-7-15,0-1 21 16,0 0 15-16,-10 0-31 16,-14 0 8-16,-7 0-7 15,-4 0-14-15,4 0 6 16,1 0-73-16,3 0-3 15,3 0-162-15</inkml:trace>
+</inkml:ink>
+</file>
+
+<file path=ppt/ink/ink25.xml><?xml version="1.0" encoding="utf-8"?>
+<inkml:ink xmlns:inkml="http://www.w3.org/2003/InkML">
+  <inkml:definitions>
+    <inkml:context xml:id="ctx0">
+      <inkml:inkSource xml:id="inkSrc0">
+        <inkml:traceFormat>
+          <inkml:channel name="X" type="integer" max="32767" units="cm"/>
+          <inkml:channel name="Y" type="integer" max="32767" units="cm"/>
+          <inkml:channel name="F" type="integer" max="2047" units="deg"/>
+          <inkml:channel name="T" type="integer" max="2.14748E9" units="dev"/>
+        </inkml:traceFormat>
+        <inkml:channelProperties>
+          <inkml:channelProperty channel="X" name="resolution" value="1516.99072" units="1/cm"/>
+          <inkml:channelProperty channel="Y" name="resolution" value="2427.1853" units="1/cm"/>
+          <inkml:channelProperty channel="F" name="resolution" value="5.68611" units="1/deg"/>
+          <inkml:channelProperty channel="T" name="resolution" value="1" units="1/dev"/>
+        </inkml:channelProperties>
+      </inkml:inkSource>
       <inkml:timestamp xml:id="ts0" timeString="2022-11-22T15:39:33.560"/>
     </inkml:context>
     <inkml:brush xml:id="br0">
@@ -2187,7 +2402,147 @@
 </inkml:ink>
 </file>
 
-<file path=ppt/ink/ink25.xml><?xml version="1.0" encoding="utf-8"?>
+<file path=ppt/ink/ink26.xml><?xml version="1.0" encoding="utf-8"?>
+<inkml:ink xmlns:inkml="http://www.w3.org/2003/InkML">
+  <inkml:definitions>
+    <inkml:context xml:id="ctx0">
+      <inkml:inkSource xml:id="inkSrc0">
+        <inkml:traceFormat>
+          <inkml:channel name="X" type="integer" max="32767" units="cm"/>
+          <inkml:channel name="Y" type="integer" max="32767" units="cm"/>
+          <inkml:channel name="F" type="integer" max="2047" units="deg"/>
+          <inkml:channel name="T" type="integer" max="2.14748E9" units="dev"/>
+        </inkml:traceFormat>
+        <inkml:channelProperties>
+          <inkml:channelProperty channel="X" name="resolution" value="1516.99072" units="1/cm"/>
+          <inkml:channelProperty channel="Y" name="resolution" value="2427.1853" units="1/cm"/>
+          <inkml:channelProperty channel="F" name="resolution" value="5.68611" units="1/deg"/>
+          <inkml:channelProperty channel="T" name="resolution" value="1" units="1/dev"/>
+        </inkml:channelProperties>
+      </inkml:inkSource>
+      <inkml:timestamp xml:id="ts0" timeString="2022-11-23T14:52:31.603"/>
+    </inkml:context>
+    <inkml:brush xml:id="br0">
+      <inkml:brushProperty name="width" value="0.05292" units="cm"/>
+      <inkml:brushProperty name="height" value="0.05292" units="cm"/>
+      <inkml:brushProperty name="color" value="#FF0000"/>
+    </inkml:brush>
+  </inkml:definitions>
+  <inkml:trace contextRef="#ctx0" brushRef="#br0">4959 4025 10 0,'0'0'31'0,"0"0"12"0,0 0 4 0,0 0-18 0,16-19 6 16,-16 19-10-16,0 0-12 15,0 0 2-15,0 0-3 16,0 0 11-16,0 0 12 15,0 0 2-15,0-4 9 16,0-2-23-16,0-1-23 16,-7-3 0-16,-2 2-4 15,-5-1 3-15,-5-1 1 16,1 3 0-16,-3-3 2 0,0 0 4 16,1 3-5-16,3-1-2 15,1 4-20 1,5 1 7-16,2 3-3 0,-1 0-28 15,2 0 45-15,-1 14-6 16,-1 8 6-16,1 8-3 16,0 7-4-16,4 2 7 15,1 3 0-15,0 5-2 16,4 1-1-16,0 4 5 16,0 3-2-16,7 4 0 15,-1-5 4-15,0-1-4 16,-3-8 0-16,0-6 2 15,-3-5-2-15,0-3 0 16,0-4 0-16,0-2 0 0,-6-5 6 16,3-1-5-16,-2-7 0 15,4-3 2-15,-1-1 3 16,2-3 2-16,0 1-6 16,0 0-2-16,0 0-16 15,0-1-136-15</inkml:trace>
+  <inkml:trace contextRef="#ctx0" brushRef="#br0" timeOffset="1499.74">5139 4309 6 0,'0'0'39'0,"0"0"8"15,0 0-9-15,0 0-18 16,0 0-6-16,0 0 1 16,0 0-7-16,0 0 11 15,0 0 4-15,0 0-8 16,-1 0 11-16,1 0 4 16,0 3-12-16,-2 1-3 15,-1 3-15-15,0 6 16 16,-4 6 29-16,1-3-16 15,3 0-4-15,-3-4-17 0,3 3-3 16,1 3 4 0,2 3-9-16,0 2 6 0,0-1-6 15,0-1 3-15,0-5-7 16,0-3 2-16,11-4-19 16,4-7-41-16,0-2-19 15,-3 0-60-15</inkml:trace>
+  <inkml:trace contextRef="#ctx0" brushRef="#br0" timeOffset="2174.05">5307 4306 117 0,'0'0'33'16,"0"0"-30"-16,0 0-3 15,0 0 7-15,0 0 25 16,0 0 26-16,-11 43-4 0,5-23-7 16,-3 5-14-1,0 6-3-15,3 0-3 0,0 0-26 16,3-1 2-16,3-5-3 15,0-4 0-15,0-4 0 16,6-8-3-16,5-2 6 16,3-7-1-16,0 0-1 15,5-16 13-15,-2-12-6 16,4-10-5-16,-8-3 10 16,-3-4-6-16,-8-3 24 15,-2 5 6-15,0 8-15 16,0 13-3-16,-9 11-14 15,-4 11-5-15,-4 10-19 0,-4 23-73 16,2 7-103 0</inkml:trace>
+  <inkml:trace contextRef="#ctx0" brushRef="#br0" timeOffset="2389.48">5702 4573 320 0,'0'0'129'0,"0"0"-126"16,0 0 13-16,0 0 2 15,-36 102 12-15,9-70-25 16,-1-1-5-16,6-2-22 16,8-10-125-16,11-10-80 0</inkml:trace>
+  <inkml:trace contextRef="#ctx0" brushRef="#br0" timeOffset="2627.76">6167 4252 317 0,'0'0'107'16,"0"0"-82"-16,0 0 4 0,0 0-12 16,0 0-10-16,0 0-7 15,18 74 39-15,-21-27-33 16,-13 1 0-16,-1-2 3 16,1-6-9-16,2-4-74 15,3-6-134-15</inkml:trace>
+  <inkml:trace contextRef="#ctx0" brushRef="#br0" timeOffset="2895.74">6445 4200 185 0,'0'0'165'16,"0"0"-102"-16,0 0-28 15,0 0 33-15,0 0-32 16,80 6-23-16,-75 20-5 16,-5 8 2-16,0 5 22 15,-14 1-15-15,-2-3-7 16,5-5 14-16,4-4-19 16,6-7-1-16,1-3-4 15,0-6-1-15,5-1-34 16,9-2-68-16,10-8-91 15</inkml:trace>
+  <inkml:trace contextRef="#ctx0" brushRef="#br0" timeOffset="3077">6970 4542 299 0,'0'0'150'0,"0"0"-138"16,0 0 55-16,0 0 26 15,-40 88-42-15,11-59-29 16,-2 2-19-16,6 0-3 16,-2-5-19-16,10-3-133 15,4-8-252-15</inkml:trace>
+  <inkml:trace contextRef="#ctx0" brushRef="#br0" timeOffset="3301.09">7383 4219 522 0,'0'0'0'0,"0"0"0"15,0 0 0-15,0 0 19 16,-15 89 1-16,-1-49-15 15,-2 0-5-15,4 0-64 16,4-7-56-16,6-4-70 0</inkml:trace>
+  <inkml:trace contextRef="#ctx0" brushRef="#br0" timeOffset="3593.05">7616 4214 277 0,'0'0'157'15,"0"0"-85"-15,85-68-1 16,-58 58 11-16,-8 8-29 16,-2 2-47-16,-10 0-6 15,-7 4 0-15,0 18-4 16,0 5 4-16,-10 8 0 16,1 4-3-16,0 3-34 15,9 4-15-15,0-3 23 0,0 0 4 16,0-5 22-16,10-7-4 15,-5-4 10-15,-2-9-6 16,-3-4 1-16,0-1-9 16,-5-2 10-16,-11-1-1 15,-5-4 0-15,-3 0-60 16,-1-5-238-16</inkml:trace>
+  <inkml:trace contextRef="#ctx0" brushRef="#br0" timeOffset="3884.18">8339 3766 357 0,'0'0'102'0,"0"0"-86"16,83 15 48-16,-53 29 12 15,-4 21-19-15,-9 14-21 16,-13 10-23-16,-4 6 3 16,-16 4-8-16,-7-2 5 15,-2 2-8-15,0-6 1 16,4-9-4-16,4-6-2 16,3-7-13-16,3-10-31 0,0-12-90 15,0-13-31-15,0-16-172 16</inkml:trace>
+  <inkml:trace contextRef="#ctx0" brushRef="#br0" timeOffset="4501.14">5241 5108 138 0,'0'0'118'16,"0"0"-41"-16,0 0-22 15,0 0 0-15,0 0-46 16,0 0-9-16,-9 29 0 16,79-24 37-16,46-5 19 15,38-6-11-15,42-16 21 16,35-3-26-16,21-3-32 15,18 2 4-15,1 0-10 0,-8 6-2 16,-18 6 0-16,-41 6-9 16,-49 7 1-16,-61 1-9 15,-52 0-31-15,-42 0 0 16,-22 0-45-16,-35 2 81 16,-21 5-80-16,-8-3-67 15,-8-1-19-15</inkml:trace>
+  <inkml:trace contextRef="#ctx0" brushRef="#br0" timeOffset="4845.89">5172 5358 280 0,'0'0'88'15,"0"0"-52"-15,0 0 6 16,130-62 11-16,-18 29 10 16,38-5-25-16,43-5-24 15,52 2 4-15,34-3 15 16,37 1-11-16,17 9-13 16,-1 6-8-16,-23 9-1 15,-36 7 0-15,-55 6 3 16,-63 6-8-16,-56 0 2 15,-53 0-39-15,-42 0-41 0,-14 0 2 16,-32 0 78-16,-16 0 3 16,-3 0-41-1,6 2 5-15,16 0-40 0,14-2-10 16,14 0-90-16</inkml:trace>
+  <inkml:trace contextRef="#ctx0" brushRef="#br0" timeOffset="6459.04">9940 3866 147 0,'0'0'0'0,"0"0"0"16,0 0 19-16,0 0 37 15,-85-70 9-15,62 55-10 16,-3 0-7-16,2 4 4 15,2 4-3-15,0 1-16 16,5 6-15-16,2 0-5 0,2 15-13 16,1 24-8-16,10 22 8 15,2 24 5-15,0 17 5 16,11 14 14-16,5-2-18 16,0-4 8-16,-5-7-7 15,0-13 1-15,-7-11 0 16,-4-11-8-16,0-8 0 15,0-13 0-15,-3-10 2 16,-1-10-4-16,1-12 2 16,1-9-52-16,-1-6-40 15,3-2-12-15,-3-20-193 16</inkml:trace>
+  <inkml:trace contextRef="#ctx0" brushRef="#br0" timeOffset="6846.22">10030 4131 228 0,'0'0'77'16,"0"0"-64"-16,0 0 31 15,-13 86 14-15,5-47-22 16,2 3-22-16,4 1-8 16,-1-4-4-16,3 0-2 15,0-5 0-15,0-3-3 16,0-5-69-16,0-9-131 0</inkml:trace>
+  <inkml:trace contextRef="#ctx0" brushRef="#br0" timeOffset="7193.15">10245 4138 382 0,'0'0'42'15,"0"0"-27"-15,-42 111 8 16,27-61 15-16,6 3-6 15,3 0 3-15,6-3-33 16,0-9-2-16,0-10 0 0,10-11 0 16,1-11 0-16,7-9 1 15,3-1 11-15,6-27 2 16,3-13-10-16,1-11 3 16,-6-13-1-16,-6-2 6 15,-11-1 12-15,-5 9-8 16,-3 13 6-16,-5 13-14 15,-14 16-8-15,-6 13-2 16,-5 4-18-16,0 12-57 16,2 12-63-16,11 1-166 15</inkml:trace>
+  <inkml:trace contextRef="#ctx0" brushRef="#br0" timeOffset="7380.77">10589 4566 312 0,'0'0'129'15,"0"0"-38"-15,-9 98-63 16,-10-62 4-16,-5 2-22 16,-1-4-10-16,7-4 0 15,6-7-95-15,8-11-150 16</inkml:trace>
+  <inkml:trace contextRef="#ctx0" brushRef="#br0" timeOffset="8258.02">10710 4302 279 0,'0'0'70'16,"0"0"-41"-16,0 0 34 15,0 0-18-15,0 0-20 16,0 0-25-16,0 1-4 16,-10 8 0-16,-4 2 8 15,-2 7-4-15,1-3 0 16,3-3 0-16,3-5 1 0,6-2-1 15,0-3 0 1,3-2 3-16,0 0 27 0,0 0 25 16,0-3 11-16,3-15-47 15,3 0-6-15,1-3 7 16,-2 4-15-16,-2 3-5 16,0 4-9-16,0 8-51 15,0 0-112-15,0 2-117 16</inkml:trace>
+  <inkml:trace contextRef="#ctx0" brushRef="#br0" timeOffset="8911.69">10882 4102 200 0,'0'0'136'0,"0"0"-77"16,0 0-4-16,0 0 14 0,0 0-42 16,0 0-27-16,46-6 0 15,-28 22-1-15,0 3 1 16,-6 2 0-16,-2 0-3 16,-7-2 6-16,-3 0-3 15,0 2 15-15,-13-1-1 16,-13 3 2-16,-9 4 10 15,-6-1-22-15,2 2 3 16,8-2-2-16,10-1-5 16,9-1 0-16,8-2-16 15,4-4-10-15,0-3 18 16,0-5 8-16,0-3 4 0,0-3-3 16,0-1 0-1,0-2 8-15,0 1 5 0,0-2 17 16,0 0 6-16,0 1-15 15,0-1 2-15,0 0-13 16,0 0-7-16,0 0 0 16,0 3-1-16,3-2-2 15,4-1 0-15,2 1 2 16,8-1 6-16,4 0 1 16,4 0-2-16,5 0 7 15,4 0-12-15,8 0-6 16,4-2 2-16,3-2-44 15,-7-3-138-15,-10 1-321 0</inkml:trace>
+  <inkml:trace contextRef="#ctx0" brushRef="#br0" timeOffset="9398.2">11417 4616 553 0,'0'0'47'0,"0"0"-41"16,-3 95 61-16,-19-54-13 16,-3-4-13-16,-4 1-25 15,3-2-16-15,-1-2 0 16,1-5-145-16,4-5-104 15</inkml:trace>
+  <inkml:trace contextRef="#ctx0" brushRef="#br0" timeOffset="9910.25">12092 4046 388 0,'0'0'187'0,"0"0"-187"16,0 0 7-16,1 100 75 15,-1-44-6-15,0 1-56 16,0-3-4-16,0-3-11 16,0-4-5-16,0-9 3 0,0-3-3 15,0-12-21-15,-3-5-56 16,3-11-42-16,0-7-78 15,3 0-173-15</inkml:trace>
+  <inkml:trace contextRef="#ctx0" brushRef="#br0" timeOffset="10105.12">12433 3968 113 0,'0'0'423'16,"0"0"-412"-16,0 0-11 15,8 124 59-15,-8-70 13 0,0 5-23 16,-5-3-32-16,-8-1-15 16,-2-5 6-16,2-8-8 15,4-3-4-15,7-12-83 16,2-10-82-16,0-11-313 16</inkml:trace>
+  <inkml:trace contextRef="#ctx0" brushRef="#br0" timeOffset="10262.06">12709 4331 554 0,'0'0'99'0,"0"0"-95"16,0 0-3-1,0 0-1-15,0 0-51 0,0 0-164 16</inkml:trace>
+  <inkml:trace contextRef="#ctx0" brushRef="#br0" timeOffset="10535.22">13230 4030 511 0,'0'0'49'0,"0"0"-9"15,0 0 16 1,0 0-3-16,0 0-8 0,73 118-23 16,-92-64 4-16,-14 5 10 15,-6 1-3-15,2-4 3 16,5-6-24-16,13-9-7 16,13-7-1-16,6-8-3 15,0-7 3-15,18-7-4 16,6-5 0-16,12-7-78 15,5 0-85-15,4-9-370 16</inkml:trace>
+  <inkml:trace contextRef="#ctx0" brushRef="#br0" timeOffset="10696.09">13712 4682 402 0,'0'0'100'0,"0"0"-10"0,0 0 5 15,-63 99-33-15,23-70-35 16,-2-1-24-16,1 1-3 16,8-5-67-16,12-9-133 15</inkml:trace>
+  <inkml:trace contextRef="#ctx0" brushRef="#br0" timeOffset="10973.74">14218 4216 289 0,'0'0'380'0,"0"0"-379"16,0 93 40-16,-7-41 28 15,-6 1-9-15,-2 3-31 16,-2 1-9-16,-6-4-16 16,1-3-4-16,-1-5-30 15,4-4-44-15,7-5-49 16,6-16-75-16,3-10-210 0</inkml:trace>
+  <inkml:trace contextRef="#ctx0" brushRef="#br0" timeOffset="11195.9">14462 4178 561 0,'0'0'64'0,"0"0"-48"15,0 0 106-15,2 124-31 16,-8-69-29-16,-7 0-25 0,-5 0-28 15,-2-8 3 1,-5-1-12-16,1-4-4 0,3-6-100 16,2-8-61-16,1-12-108 15</inkml:trace>
+  <inkml:trace contextRef="#ctx0" brushRef="#br0" timeOffset="11425.75">14591 4527 478 0,'0'0'160'15,"0"0"-110"-15,0 0 7 16,0 0-4-16,0 0-46 15,0 0-7-15,-8-3-80 16,1 3-137-16</inkml:trace>
+  <inkml:trace contextRef="#ctx0" brushRef="#br0" timeOffset="11766.1">15006 4279 546 0,'0'0'95'0,"0"0"-59"16,0 0 39-16,83-8-24 15,-71 28-17-15,-3 8-19 16,-9 10 5-16,0 3-2 15,-26 3 2-15,-11 1 0 16,-7 0-18-16,2-1 1 16,7-1 2-16,10-3-4 15,16-3-1-15,9-6 4 16,3-6-4-16,24-5 0 0,10-8-10 16,5-9-41-1,4-3-16-15,1 0-56 0,3-9-58 16,1-20-268-16</inkml:trace>
+  <inkml:trace contextRef="#ctx0" brushRef="#br0" timeOffset="12090.09">15663 3846 518 0,'0'0'10'0,"0"0"18"0,78 115 41 16,-53-58-5-16,-4 14 5 15,-7 15-18-15,-8 12 1 16,-6 6-13-16,0 6-9 16,-17-1-17-16,-5-7-11 15,3-8 3-15,2-9-5 16,2-9-2-16,5-9-3 15,-2-8-2-15,-2-3-7 16,2-13 9-16,-1-10 5 16,0-10 0-16,-4-12-4 15,-1-9-34-15,-4-2-40 16,-6-8-147-16</inkml:trace>
+  <inkml:trace contextRef="#ctx0" brushRef="#br0" timeOffset="13094.08">3210 3903 252 0,'0'0'62'16,"0"0"-20"-16,0 0 38 15,87-53 3-15,-35 53-17 16,15 12-26-16,15 26-9 15,9 17-1-15,-1 7-17 0,-7-2-5 16,-15-6-8-16,-16-5-3 16,-18-6 3-16,-7-2-56 15,-11-10-24-15,-2-5-30 16,-4-18-84-16</inkml:trace>
+  <inkml:trace contextRef="#ctx0" brushRef="#br0" timeOffset="13252.8">4147 4112 547 0,'0'0'16'0,"0"0"-12"15,0 0-4-15,12 93 27 16,-12-55-17-16,0 0 0 0,-12 4-10 16,-12 4-5-1,-13-4-60-15,-12-11-325 0</inkml:trace>
+  <inkml:trace contextRef="#ctx0" brushRef="#br0" timeOffset="13827.1">1572 4346 95 0,'0'0'325'0,"0"0"-293"16,0 0-25-16,0 0 16 15,0 0-20-15,0 0 19 16,0 103 46-16,5-54-26 15,2 0-24-15,2-6-7 0,-3-4-9 16,0-9-2-16,0-4-25 16,1-11-96-16,-4-15-183 15</inkml:trace>
+  <inkml:trace contextRef="#ctx0" brushRef="#br0" timeOffset="13982.02">1638 4040 482 0,'0'0'133'0,"0"0"-102"15,0 0-31-15,0 0-8 16,0 0 0-16,0 0-46 0,-57 1-240 16</inkml:trace>
+  <inkml:trace contextRef="#ctx0" brushRef="#br0" timeOffset="14405.99">1805 4407 180 0,'0'0'2'0,"0"0"48"0,24 83-15 15,-17-54-9-15,-4-1-12 16,0-6 0-16,0-9-1 16,-3-5 8-16,0-6 15 15,0-2 6-15,0 0 10 16,0 0 33-16,0-3-4 16,-3-20-28-16,-3-11-49 15,3-7-4-15,3-2-4 16,0 0 1-16,12 7 6 15,5 12-3-15,-4 8 2 16,4 10 1-16,-1 6-3 16,3 0-5-16,4 18-2 15,-1 2 4-15,-1 6-4 16,-3 4 6-16,-8 2-3 16,-7 5-6-16,-3-5 8 0,0-1-29 15,-3-6-16-15,-4-7-7 16,4-11-55-16,3-7-39 15,0 0-116-15</inkml:trace>
+  <inkml:trace contextRef="#ctx0" brushRef="#br0" timeOffset="14615.86">2112 3841 292 0,'0'0'71'15,"0"0"-47"-15,23 100-16 0,-16-32 70 16,-4 4-9-16,-2 0-16 16,1-5-27-16,-2-2-25 15,3-5 6-15,0-3-7 16,0-10-23-16,3-10-49 16,-3-12-67-16,3-18-177 15</inkml:trace>
+  <inkml:trace contextRef="#ctx0" brushRef="#br0" timeOffset="14761.04">2049 4341 270 0,'0'0'284'0,"0"0"-282"16,0 0 0-16,0 0 48 0,0 0 0 16,0 0-24-16,120-60-26 15,-74 39-33-15,-13-2-171 16</inkml:trace>
+  <inkml:trace contextRef="#ctx0" brushRef="#br0" timeOffset="15908.95">16697 4758 455 0,'0'0'86'0,"0"0"-35"16,0 0-6-16,0 0 65 15,0 0-29-15,0 0-61 16,-137-26-20-16,46 26 0 16,-2 0-3-16,10 0-23 0,19 0-30 15,15 0-22-15,14 3-19 16,14-3-29-16,8 0-11 15,9 0-66-15</inkml:trace>
+  <inkml:trace contextRef="#ctx0" brushRef="#br0" timeOffset="16086.25">16226 4553 403 0,'0'0'129'15,"0"0"-123"-15,0 0 45 16,0 0 32-16,-103 94-13 15,79-66-25-15,6 2-26 0,6 0-3 16,8-6-16-16,4 1-2 16,0-9-24-16,9-3-44 15,16-9-37-15,9-4-73 16</inkml:trace>
+  <inkml:trace contextRef="#ctx0" brushRef="#br0" timeOffset="16350.15">17088 3993 636 0,'0'0'6'15,"-1"131"2"-15,-16-31 48 0,-1 4 1 16,-5 0 13-16,-3-2-41 15,-5-6-9-15,-2-8-14 16,5-7-5-16,2-12 2 16,10-11-3-16,7-16-53 15,9-10-22-15,0-12-44 16,0-20-30-16,10 0-115 16</inkml:trace>
+  <inkml:trace contextRef="#ctx0" brushRef="#br0" timeOffset="16515.12">16911 4731 264 0,'0'0'218'0,"0"0"-96"16,0 0-36-16,0 0-19 16,0 0-16-16,0 0-31 15,118-83-17-15,-69 62-6 16,2-7-14-16,-1-5-33 16,-5-8-29-16,-2-8-29 15,-5-13-11-15,-6-7-44 16,-2-10-57-16</inkml:trace>
+  <inkml:trace contextRef="#ctx0" brushRef="#br0" timeOffset="16682.12">17490 4023 230 0,'0'0'184'15,"0"0"-117"-15,0 0-27 16,-33 114 85-16,4-46-24 16,-2 8-6-16,1 2-37 0,-1-2-12 15,0-7-31-15,2-6-10 16,7-12-5-16,7-9 0 15,9-6-58-15,6-9-47 16,0-11-62-16,6-10-69 16</inkml:trace>
+  <inkml:trace contextRef="#ctx0" brushRef="#br0" timeOffset="16952.64">17428 4553 377 0,'0'0'15'0,"0"0"20"0,-19 85 24 16,10-54-3-16,3-2-42 16,6-6-11-16,0-7 4 15,0-9-6-15,15-7 2 16,6 0 14-16,1-14 0 16,2-16 2-16,2-10 16 15,-4-4-1-15,-4-10-8 16,-11 5 0-16,-7 6-8 15,0 9-4-15,-14 16-14 16,-9 7-3-16,-6 9-3 16,1 2-7-16,4 7-77 15,4 6-125-15</inkml:trace>
+  <inkml:trace contextRef="#ctx0" brushRef="#br0" timeOffset="17904.79">17866 4487 48 0,'0'0'146'15,"0"0"-39"-15,0 0-38 16,0 0-9-16,-87 31 1 16,57-6-25-16,1 4-19 0,4 1-7 15,3-1 3-15,3 0-6 16,7 1-7-16,3-2 1 15,5 1-2-15,4-5 4 16,0-6 0-16,0-8-3 16,7-7 0-16,11-3 9 15,9-4 3-15,4-19 3 16,2-5 10-16,-3-3-3 16,-4-6 10-16,-2-4 0 15,0-3-12-15,-7-3 2 16,-1 0-14-16,-6 8 12 15,-4 13 4-15,-2 10-5 0,-4 11 34 16,0 5-22 0,0 0-31-16,-2 18-8 0,-16 13-3 15,-4 12 11-15,2 4 0 16,8-3-3-16,6 0 1 16,6-5-5-16,0-8-15 15,6-7 7-15,11-7-6 16,4-10 16-16,-1-2 4 15,4-5 2-15,-1 0 4 16,2-17 2-16,2-9-5 16,0-8 5-16,3-6-1 15,-1-8 28-15,0-8-9 16,-1-3-9-16,-5-11 8 0,-1 1-24 16,-4-2 12-1,-3 11-9-15,-5 17 0 0,-3 18 1 16,-5 16 33-16,-2 9-5 15,0 29-32-15,0 25-18 16,-18 25 18-16,-7 11 25 16,-6 7-24-16,-1-9 4 15,7-3-5-15,5-14 6 16,13-12-12-16,7-14 3 16,0-16-41-16,9-14 1 15,18-15-20-15,6 0-8 16,5-25-43-16,7-18-38 0,-6-15-48 15</inkml:trace>
+  <inkml:trace contextRef="#ctx0" brushRef="#br0" timeOffset="18046.13">18201 4267 420 0,'0'0'93'0,"0"0"-88"16,0 0 22-16,60 81 16 15,-21-66-25-15,5-5-18 16,-2-10-119-16</inkml:trace>
+  <inkml:trace contextRef="#ctx0" brushRef="#br0" timeOffset="19138">21400 3804 334 0,'0'0'131'0,"0"0"-116"0,0 0-14 15,0 0 0-15,0 0 6 16,0 0 5-16,-61-65 0 16,39 47-3-16,-1-1 25 15,1 1-21-15,-2 1-1 16,0 1-3-16,0 6-7 16,3 5-4-16,0 5-3 15,1 25 1-15,1 25-7 0,3 25 11 16,7 21 27-1,6 10 5-15,3 1-8 0,0 1 3 16,0-6-14-16,0-3 4 16,0-5-4-16,0-10 0 15,0-4-12-15,-16-5 3 16,-1-10-3-16,3-7 1 16,0-11-2-16,5-12-26 15,2-11-46-15,5-11-48 16,2-11-97-16</inkml:trace>
+  <inkml:trace contextRef="#ctx0" brushRef="#br0" timeOffset="20460.05">21612 4037 48 0,'0'0'62'0,"0"0"-4"15,0 0 25-15,0 0-34 16,0 0-25-16,0 0-12 16,0 0 18-16,4-14 2 0,-4 14-11 15,0 0-7-15,0 0-14 16,0 12-3-16,0 11 3 15,0 0 18-15,-4 1-17 16,2-5 8-16,2 0-9 16,0-5-19-16,0-7-41 15,0-3-44-15,0-4-87 16</inkml:trace>
+  <inkml:trace contextRef="#ctx0" brushRef="#br0" timeOffset="20616.02">21729 4052 156 0,'0'0'178'0,"0"0"-153"0,0 0-25 15,0 0 31-15,0 0 6 16,0 0-22-16,-1 32 1 16,-6-14-16-16,1-4-96 15</inkml:trace>
+  <inkml:trace contextRef="#ctx0" brushRef="#br0" timeOffset="21989.98">21804 4675 38 0,'0'0'59'15,"0"0"49"-15,0 0 30 16,0 0-26-16,0 0-27 15,0 0-30-15,0 0-32 0,32-65-11 16,-13 24-4-16,1-9 7 16,5-8-5-16,3-7-8 15,2-9 12-15,1-2-14 16,1 5 7-16,-6 16-6 16,-6 22-1-16,-10 18 30 15,-4 15-21-15,-1 28-9 16,-1 32-22-16,2 26 20 15,-6 13 2-15,0 1 0 16,0-6 0-16,-7-14 5 16,-1-12-4-16,2-16-2 15,3-13 1-15,2-18-10 16,1-10 5-16,0-7-9 0,0-4 14 16,0-8 10-16,0-23 2 15,0-14-10-15,-3-12 15 16,-12-5 14-16,-10-1 3 15,-10 8-16-15,-8 15-18 16,-3 14 0-16,-2 13-6 16,-3 13 6-16,5 0 0 15,0 14-7-15,7 7 6 16,12 3-56-16,12 1-40 16,15-5-44-16,3-6-126 15</inkml:trace>
+  <inkml:trace contextRef="#ctx0" brushRef="#br0" timeOffset="22468.17">22209 4468 179 0,'0'0'109'0,"0"0"-16"16,23 118-29-16,-23-80-15 15,2-6 4-15,-2-3-32 16,0-9-12-16,0-9-7 15,0-6 0-15,3-5 6 16,0-4 9-16,5-17 4 0,2-13-21 16,3-1 1-1,5-2 2-15,-3 9-2 0,0 9 2 16,-6 11 12-16,-1 8 10 16,0 7-25-1,-2 17-13-15,2 7 13 0,-5 2 5 16,-3-4-5-16,0-3 0 15,0-9 5-15,0-6-4 16,0-8-1-16,0-3 1 16,0 0 3-16,0-16 19 15,6-12-22-15,6-12-1 16,3-3 9-16,5 2 10 16,3 6 5-16,-4 9-2 15,-2 13-4-15,-5 12 26 16,2 1-44-16,-2 11-2 0,4 15 1 15,0 3-1 1,-6 2 2-16,2-1 0 0,-3-1 2 16,-1-3-4-16,-2-5-53 15,1-1-66-15,2-6-68 16,5-7-279-16</inkml:trace>
+  <inkml:trace contextRef="#ctx0" brushRef="#br0" timeOffset="23075.46">22908 4519 274 0,'0'0'182'0,"0"0"-65"16,0 0-63-16,0 0-8 0,0 0 14 16,-107 53-30-16,83-23-21 15,8-2-9-15,7-2 0 16,7-2-1-16,2-8-32 15,0-5-15-15,6-11 14 16,11 0 34-16,5-8 3 16,5-16 1-16,4-4-1 15,-1-1-3-15,-3 5 6 16,-7 4-4-16,-9 12 3 16,-6 2 10-16,-4 6 12 15,-1 0-27-15,0 14-5 16,0 11 5-16,0 6 3 15,0-2 2-15,0-1 0 0,0-5-3 16,0-8 4-16,3-5-5 16,9-10-1-16,1 0 9 15,5-8 0-15,2-12-2 16,-1 0-2-16,-1 3-4 16,-3 6 1-16,-4 8-2 15,-3 3 0-15,-3 2-3 16,-1 15 6-16,-1 4-3 15,-3-1 8-15,2-4-7 16,-1-4 4-16,2-7-3 16,2-5-1-16,3 0 14 15,3-10 0-15,3-11-3 0,5-1 6 16,6-2-5-16,5 5 7 16,3 5 0-16,1 7 4 15,-2 6 14-15,-4 1-23 16,-4 0-8-16,-5 0-7 15,-4 3 2-15,-7 2-7 16,-2-1 0-16,-6 1-75 16,0 0-38-16,-8-5-85 15,-11 0-313-15</inkml:trace>
+  <inkml:trace contextRef="#ctx0" brushRef="#br0" timeOffset="23242.8">23747 4038 449 0,'0'0'104'15,"0"0"-68"-15,0 0-36 16,0 0 0-16,0 0-21 16,0 0-105-16,30 16-93 15</inkml:trace>
+  <inkml:trace contextRef="#ctx0" brushRef="#br0" timeOffset="23392.97">23923 4075 339 0,'0'0'64'0,"0"0"29"0,0 116-28 16,-13-83 1-16,-6 0-35 15,-4-5-31-15,-3-11-63 16,-2-16-482-16</inkml:trace>
+  <inkml:trace contextRef="#ctx0" brushRef="#br0" timeOffset="23909.2">24329 4738 632 0,'0'0'55'0,"0"0"-32"16,0 0-19-16,-30 112 30 16,-3-71-15-16,-4-2-10 15,-3 1-9-15,4-2-35 16,6-3-86-16,9 3 23 0,6-10-115 15</inkml:trace>
+  <inkml:trace contextRef="#ctx0" brushRef="#br0" timeOffset="24478.9">25415 4174 474 0,'0'0'111'16,"0"0"-102"-16,0 0 0 15,0 0 10-15,0 0-11 0,0 0-8 16,3 7-131 0,-3-1-119-16</inkml:trace>
+  <inkml:trace contextRef="#ctx0" brushRef="#br0" timeOffset="24629.6">25564 4123 387 0,'0'0'128'0,"0"0"-128"15,0 0-4-15,0 0 4 16,0 0 59-16,0 0-18 16,2 83-41-16,-2-50 0 15,-10-1-44-15,-6-8-177 16</inkml:trace>
+  <inkml:trace contextRef="#ctx0" brushRef="#br0" timeOffset="24928.78">25788 4455 540 0,'0'0'40'16,"1"79"5"-16,5-19 33 15,-1 8-17-15,-2 7-25 16,1 1 1-16,2-5-29 16,6-12-6-16,3-17 3 15,1-17-2-15,1-15-2 16,2-10 36-16,2-17 30 0,8-31-7 16,9-22-12-16,2-20-34 15,4-15 2-15,0 2-16 16,-5 16-5-16,-7 19 5 15,-12 30-63-15,-10 24-47 16,-9 14-39-16,-1 4-162 16</inkml:trace>
+  <inkml:trace contextRef="#ctx0" brushRef="#br0" timeOffset="25118.17">26358 4813 406 0,'0'0'135'0,"0"0"-44"0,-2 96-42 16,-10-66-7-16,2-6-27 15,1-5 1-15,-4-3-16 16,5-6-31-16,5-4-57 16,3-6-71-16,6-4-201 15</inkml:trace>
+  <inkml:trace contextRef="#ctx0" brushRef="#br0" timeOffset="25245.93">26471 4528 333 0,'0'0'110'0,"0"0"-38"0,0 0-21 16,0 0-51-16,0 0-3 16,0 0-106-16,-60-44-185 15</inkml:trace>
+  <inkml:trace contextRef="#ctx0" brushRef="#br0" timeOffset="25483.76">26575 4807 180 0,'0'0'141'0,"0"0"-43"15,74 93-44-15,-64-69 90 16,-6-5-62-16,-4-3-33 0,0-2-10 15,0-2-14 1,-3-2-4-16,-14 0 0 0,-1-3-10 16,-5 1-2-16,3-5-6 15,3-1-6-15,2-1-3 16,5-1-98-16,4 0-64 16,6-8-197-16</inkml:trace>
+  <inkml:trace contextRef="#ctx0" brushRef="#br0" timeOffset="25844.19">26923 4407 582 0,'0'0'63'16,"0"0"-44"-16,0 0-8 15,-4 141 72-15,-17-73-29 16,-3 1-27-16,-3-5-18 15,0-4 0-15,6-12-9 16,11-12-1-16,4-15-3 16,4-11-12-16,2-10 6 15,0 0 10-15,8-19 16 16,13-16-7-16,4-8-7 16,7 1 0-16,1 9 2 15,0 10 0-15,-1 17 2 16,-1 6 30-16,-4 9-28 15,0 23 4-15,-9 7 13 0,-11 6-7 16,-7 2-6-16,0-2-9 16,-1-3-3-16,-8-4 0 15,1-5-99-15,8-7-48 16,0-11-116-16</inkml:trace>
+  <inkml:trace contextRef="#ctx0" brushRef="#br0" timeOffset="26348.21">27350 4816 295 0,'0'0'142'16,"0"0"4"-16,0 0-37 15,0 0-6-15,0 0-65 0,0 0-36 16,-80 34 10-16,45 8-5 16,12-7-7-16,7-3-14 15,9-10-48-15,5-10-17 16,2-7 9-16,0-5 17 15,9 0 53-15,10-9 13 16,1-7-12-16,4 0 4 16,-2 6 7-16,-5 3 16 15,-4 7 11-15,-7 0-14 16,-3 15-22-16,-3 12 21 16,0 1-9-16,0-2-10 15,0-7-2-15,0-6-2 16,3-7-2-16,13-6-12 15,6-3 13-15,7-20 10 16,10-19-8-16,3-11 3 0,1-15-4 16,5-10 0-16,-5-13-2 15,2-9 1-15,-3-3-13 16,-5 12 8-16,-10 24 5 16,-11 25 2-16,-11 24 49 15,-5 18 14-15,-24 36-39 16,-18 31-18-16,-15 25 37 15,-4 17 14-15,7 1-30 16,14-8-10-16,15-7-15 16,14-16-2-16,11-11 2 15,0-15-4-15,14-11-59 16,5-20-70-16,-2-18-123 0</inkml:trace>
+  <inkml:trace contextRef="#ctx0" brushRef="#br0" timeOffset="26676.26">28299 4166 344 0,'0'0'103'0,"0"0"-103"16,0 0-210-16,0 0 86 16</inkml:trace>
+  <inkml:trace contextRef="#ctx0" brushRef="#br0" timeOffset="27509.46">28943 3766 388 0,'0'0'60'0,"0"0"-36"0,106-42-23 16,-55 37 35-16,-1 3 6 15,-3 2-38-15,-7 2 6 16,-8 21-6-16,-9 19-1 16,-8 27 14-16,-10 37 1 15,-5 31 33-15,-12 30-3 16,-19 11-29-16,-13 6-3 15,-3-7-13-15,0-9-2 16,1-14 1-16,4-21-2 16,3-18-3-16,5-22-1 15,7-16 4-15,5-16 4 0,8-15-4 16,3-17 0-16,2-10-4 16,-2-13 1-16,-5-6-13 15,-1 0-82-15,5-21-206 16</inkml:trace>
+  <inkml:trace contextRef="#ctx0" brushRef="#br0" timeOffset="27646.12">29946 5855 677 0,'0'0'0'16,"0"0"-88"-16,0 0-329 0</inkml:trace>
+  <inkml:trace contextRef="#ctx0" brushRef="#br0" timeOffset="34313.19">30065 5688 51 0,'0'0'119'0,"0"0"-31"15,0 0-8-15,0 0 47 16,0 0 0-16,0 0-63 16,0 0 40-16,-3-57-66 15,-15 0-16-15,-13-17-12 0,-20-16-10 16,-19-15-28-16,-12-7-80 16,-9 3-50-16,3 20 45 15,16 28 33-15,25 27 80 16,26 26 51-16,21 8 15 15,19 0-65-15,26 15-1 16,10 4-8-16,9-2-77 16,-4-5-192-16</inkml:trace>
+  <inkml:trace contextRef="#ctx0" brushRef="#br0" timeOffset="34508.23">29938 4880 167 0,'0'0'144'0,"0"0"-84"15,-107-37-22-15,52 37 41 16,-10 1-8-16,-3 19-1 16,3 3-29-16,15 4-17 15,20-1-10-15,26 4-13 16,17 3 0-16,47 0 15 16,19 1-16-16,5-6-2 15,-13-10-99-15,-26-14-113 16</inkml:trace>
+  <inkml:trace contextRef="#ctx0" brushRef="#br0" timeOffset="35068.07">29750 6443 682 0,'0'0'89'16,"0"0"-85"-16,-85-43-2 15,26 43-2-15,2 0 34 16,15 0-16-16,20 29-18 16,22 15-1-16,7 18 1 15,24 3 0-15,2-1 3 16,-7-10 1-16,-19-13-5 0,-7-10 1 16,-4-8-3-16,-16-8 0 15,-3-4 6-15,-6-5 1 16,0-3 1-16,-3-3-3 15,5 0-2 1,9 0-12-16,5 0-53 0,12-6-50 16,1-11-43-16,20-8-203 15</inkml:trace>
+  <inkml:trace contextRef="#ctx0" brushRef="#br0" timeOffset="35256.3">30110 6218 416 0,'0'0'109'0,"0"0"-102"0,21 116 42 16,-21-44 33-16,-12 8-14 15,-12 4-35-15,-4-5-24 16,0-8-9-16,-1-14 0 16,5-9-33-16,0-15-77 15,2-16-78-15,5-14-247 16</inkml:trace>
+  <inkml:trace contextRef="#ctx0" brushRef="#br0" timeOffset="35368.99">29903 6688 187 0,'0'0'276'0,"0"0"-178"15,0 0-67 1,0 0-21-16,0 0-6 0,89-67-4 16,-50 61-71-16,-2 0-126 15</inkml:trace>
+  <inkml:trace contextRef="#ctx0" brushRef="#br0" timeOffset="35577.96">30192 6600 111 0,'0'0'246'16,"0"0"-122"-16,0 0 5 16,40 114-24-16,-38-79-39 15,-2-1-23-15,0-7-23 16,0-9-13-16,0-7 11 16,0-8-7-16,0-3 26 15,3 0 33-15,4-11 2 16,5-13-29-16,9-7-43 15,1-2-4-15,2 4-11 0,0 3-70 16,-1 9-14-16,2 7-22 16,3 8-40-16,2 2-48 15,4 0-108-15</inkml:trace>
+  <inkml:trace contextRef="#ctx0" brushRef="#br0" timeOffset="35729.11">30578 6659 63 0,'0'0'156'0,"0"0"-12"15,0 0-31-15,0 0-19 16,0 0-6-16,0 0 0 15,-4 88-24-15,-8-62-44 16,6-3-7-16,6-5-13 16,0-4 0-16,9-2-18 15,15-6-26-15,4-6-40 0,5 0-23 16,0-8-60-16,-5-23-221 16</inkml:trace>
+  <inkml:trace contextRef="#ctx0" brushRef="#br0" timeOffset="36079.67">30926 6790 29 0,'0'0'77'0,"0"0"3"15,99 21 13-15,-62-18 2 16,-6-3-24-16,-7 0-9 16,-8 1 11-16,-8-1-9 15,-7 3-8-15,-1 4-45 16,0 3-8-16,0 7 5 16,0-1-8-16,7 5 10 15,3 0-10-15,-3 3 0 16,1 3-1-16,-5 1 3 15,-3 4-2-15,0 0 0 16,-5-1-6-16,-17 1 3 16,-5 1-51-16,-12-4-78 15,-4-1-2-15,-11-4-82 16</inkml:trace>
+  <inkml:trace contextRef="#ctx0" brushRef="#br0" timeOffset="36314.21">29454 7209 78 0,'-166'-19'246'0,"31"8"-67"16,51 4-55-16,43 7-12 15,41 0-70-15,48 20-31 16,77 13 43-16,87 20 30 16,91 20-22-16,73 23-28 15,35 16-22-15,-3 4-4 16,-40-8-6-16,-56-17 0 15,-62-25-2-15,-72-25-41 0,-70-27-20 16,-69-17-67-16,-47-35-35 16,-63-24-131-16</inkml:trace>
+</inkml:ink>
+</file>
+
+<file path=ppt/ink/ink27.xml><?xml version="1.0" encoding="utf-8"?>
+<inkml:ink xmlns:inkml="http://www.w3.org/2003/InkML">
+  <inkml:definitions>
+    <inkml:context xml:id="ctx0">
+      <inkml:inkSource xml:id="inkSrc0">
+        <inkml:traceFormat>
+          <inkml:channel name="X" type="integer" max="32767" units="cm"/>
+          <inkml:channel name="Y" type="integer" max="32767" units="cm"/>
+          <inkml:channel name="F" type="integer" max="2047" units="deg"/>
+          <inkml:channel name="T" type="integer" max="2.14748E9" units="dev"/>
+        </inkml:traceFormat>
+        <inkml:channelProperties>
+          <inkml:channelProperty channel="X" name="resolution" value="1516.99072" units="1/cm"/>
+          <inkml:channelProperty channel="Y" name="resolution" value="2427.1853" units="1/cm"/>
+          <inkml:channelProperty channel="F" name="resolution" value="5.68611" units="1/deg"/>
+          <inkml:channelProperty channel="T" name="resolution" value="1" units="1/dev"/>
+        </inkml:channelProperties>
+      </inkml:inkSource>
+      <inkml:timestamp xml:id="ts0" timeString="2022-11-23T15:37:54.153"/>
+    </inkml:context>
+    <inkml:brush xml:id="br0">
+      <inkml:brushProperty name="width" value="0.05292" units="cm"/>
+      <inkml:brushProperty name="height" value="0.05292" units="cm"/>
+      <inkml:brushProperty name="color" value="#FF0000"/>
+    </inkml:brush>
+  </inkml:definitions>
+  <inkml:trace contextRef="#ctx0" brushRef="#br0">13372 9267 104 0,'0'0'74'16,"0"0"-68"-16,0 0 7 16,0 0 51-16,92 12 28 15,-38-12-13-15,12-3-55 16,7-1-1-16,0 1-23 15,-4 2 0-15,-7 1-27 16,-7 0-59-16,-7 0-160 16</inkml:trace>
+  <inkml:trace contextRef="#ctx0" brushRef="#br0" timeOffset="368.25">14589 9313 135 0,'0'0'65'16,"0"0"-58"-16,0 0 10 16,0 0-3-16,0 0 35 15,0 0 22-15,102 40-31 16,-53-28-23-16,3-2-17 15,5-3 0-15,0-4-17 16,-1-3-105-16</inkml:trace>
+  <inkml:trace contextRef="#ctx0" brushRef="#br0" timeOffset="713.35">15458 9302 232 0,'0'0'196'16,"0"0"-168"-16,0 0-25 15,0 0 0-15,0 0 24 16,0 0-13-16,31 11-12 16,0-11-4-16,20 0-8 15,7 0-10-15,8 0-76 16,-7-2-134-16</inkml:trace>
+  <inkml:trace contextRef="#ctx0" brushRef="#br0" timeOffset="1120.51">16563 9310 321 0,'0'0'50'16,"0"0"-49"-16,0 0 6 15,0 0 24-15,0 0 12 16,100 16-33-16,-49-14-10 15,10 0-26-15,11-2-59 16,1 1-60-16</inkml:trace>
+  <inkml:trace contextRef="#ctx0" brushRef="#br0" timeOffset="1379.15">17445 9453 383 0,'0'0'129'0,"0"0"-129"16,0 0-29-16,122 25-9 15,-46-19-1-15,6 2 18 16,-3-1 1-16,-4-1-116 16</inkml:trace>
+  <inkml:trace contextRef="#ctx0" brushRef="#br0" timeOffset="6293.1">11522 10807 23 0,'0'0'20'0,"0"0"7"15,0 0-22-15,0 0 2 16,0 0 6-16,0 0 9 15,0 0-1-15,-14-11-4 16,14 11 7-16,0 0 3 16,0 0-13-16,20-2 22 15,21-3 17-15,21-6-19 16,18-2-5-16,22-1-22 16,8 1-7-16,8 1 0 0,4 2-1 15,-4 0-1-15,-2-4 1 16,-6 1 1-16,-13 1-4 15,-17 2-22-15,-19 4 14 16,-23 3-25-16,-18 3 11 16,-14 0 7-16,-6 0-50 15,-3 0 4-15,-14 10 39 16,0 0-65-16</inkml:trace>
+  <inkml:trace contextRef="#ctx0" brushRef="#br0" timeOffset="6727.68">14495 10721 132 0,'0'0'85'16,"0"0"-35"-16,0 0-49 15,0 0-1-15,0 0 0 16,86 3 24-16,3-3 10 15,30 0 17-15,24 0-34 16,19 0-17-16,7 0-5 16,8 0 5-16,3 2 13 15,1 0-13-15,1 6 0 16,-8-3-10-16,-13 5 9 16,-20-3-15-16,-25 2-4 15,-28-1-18-15,-25-1-57 16,-23 0 34-16,-18-3 0 0,-14-1-10 15</inkml:trace>
+  <inkml:trace contextRef="#ctx0" brushRef="#br0" timeOffset="7125.43">17958 10899 97 0,'0'0'111'0,"0"0"-61"15,127 0-39-15,-50 0 18 16,17 0 6-16,17 0-6 16,23 3 17-16,17 5-17 15,19 5-4-15,10 1-18 16,5 2 5-16,-7-2-7 16,-17 0-5-16,-15-1-6 15,-23-2-7-15,-23-4 6 16,-20-1 3-16,-20-5-36 15,-17-1 7-15,-13 0-13 16,-11 0-6-16,-11-2-71 0</inkml:trace>
+  <inkml:trace contextRef="#ctx0" brushRef="#br0" timeOffset="7455.36">22118 11184 23 0,'89'0'416'0,"10"5"-416"15,19 11-5-15,20 0 5 16,17-5 0-16,5-8 12 16,1-2 30-16,-4-1-15 15,-13 2-13-15,-12 6-14 16,-13-2-14-16,-16 4-18 16,-7-6-60-16,-14 0 14 15,-17-4-28-15,-16 0-63 16</inkml:trace>
+</inkml:ink>
+</file>
+
+<file path=ppt/ink/ink28.xml><?xml version="1.0" encoding="utf-8"?>
 <inkml:ink xmlns:inkml="http://www.w3.org/2003/InkML">
   <inkml:definitions>
     <inkml:context xml:id="ctx0">
@@ -2229,7 +2584,7 @@
 </inkml:ink>
 </file>
 
-<file path=ppt/ink/ink26.xml><?xml version="1.0" encoding="utf-8"?>
+<file path=ppt/ink/ink29.xml><?xml version="1.0" encoding="utf-8"?>
 <inkml:ink xmlns:inkml="http://www.w3.org/2003/InkML">
   <inkml:definitions>
     <inkml:context xml:id="ctx0">
@@ -2247,7 +2602,7 @@
           <inkml:channelProperty channel="T" name="resolution" value="1" units="1/dev"/>
         </inkml:channelProperties>
       </inkml:inkSource>
-      <inkml:timestamp xml:id="ts0" timeString="2022-11-22T16:04:47.678"/>
+      <inkml:timestamp xml:id="ts0" timeString="2022-11-23T15:37:39.837"/>
     </inkml:context>
     <inkml:brush xml:id="br0">
       <inkml:brushProperty name="width" value="0.05292" units="cm"/>
@@ -2255,142 +2610,8 @@
       <inkml:brushProperty name="color" value="#FF0000"/>
     </inkml:brush>
   </inkml:definitions>
-  <inkml:trace contextRef="#ctx0" brushRef="#br0">13247 5686 12 0,'0'0'33'16,"0"0"-10"-16,0 0 0 15,0 0 4-15,0 0-7 16,0 0-14-16,0 0 4 16,4-37 0-16,-4 31 5 15,2-3 14-15,-2 2-14 16,0-4-7-16,0-1 10 16,0-3-17-16,-3-3 5 0,-10-6 4 15,-9-3-5 1,-8-2 12-16,-10-4-17 0,-15-4-1 15,-11-5 0-15,-14-9-12 16,-13-11 6-16,-10-6-2 16,-7-4 9-16,-7 1 1 15,-9 7-1-15,-7 2 0 16,-21 7-2-16,-18 6 6 16,-26 10-4-16,-27 17 0 15,-20 16 4-15,-10 6-6 16,-1 23 2-16,-1 12 0 15,2 9-6-15,3 9 11 0,17 9-5 16,30 16 5 0,36 15-5-16,35 15 14 0,37 17-8 15,37 11 1-15,36 3 14 16,24 4-14-16,40-8 8 16,29-5-2-16,28-7-13 15,24-5 11-15,28-12-11 16,30-9 0-16,21-14-1 15,18-4 4-15,13-11-3 16,5-13 0-16,16-26-39 16,17-29 29-16,1-27 8 15,-4-31 2-15,-21-14 6 16,-30-14 7-16,-32-24 6 16,-32-10-19-16,-29-17 1 15,-26-7-8-15,-24-4-9 0,-22-7-24 16,-24-5 32-16,-23 6-40 15,-11 2 20-15,-35 14 22 16,-18 14-9-16,-18 12 15 16,-20 24-44-16,-23 21-74 15</inkml:trace>
-  <inkml:trace contextRef="#ctx0" brushRef="#br0" timeOffset="6748.43">2091 9413 56 0,'0'0'97'16,"0"0"-40"-16,0 0-1 15,0 0-26-15,0 0-11 0,0 0 26 16,0 0-29-16,-16-39-3 16,13 33 22-16,-3 2-30 15,0 1 16-15,-10 3-19 16,-7 0 7-16,-8 4-12 15,-8 13 3-15,5 3 0 16,1 3-6-16,15 1 6 16,8-1-3-16,10 3 2 15,0 4-2-15,3-2-2 16,10 1 5-16,-4-3 0 16,-3-2 1-16,-6-3 4 15,0-1-5-15,0-1 0 16,-9-1 7-16,-5 1-15 0,-5-2 8 15,0-3 0 1,10-2-2-16,0-7-25 0,6-3-53 16,3-2-62-16,0-2-40 15</inkml:trace>
-  <inkml:trace contextRef="#ctx0" brushRef="#br0" timeOffset="7031.6">2160 9313 260 0,'0'0'33'0,"0"0"-21"16,0 0-11-16,0 0 20 0,27 115 40 15,-33-74-41-15,-12 2-20 16,3-6-51-16,3-8 7 16,3-12-8-16,0-4 22 15,6-9 25-15,0-4 5 16,3 0 51-16,-4 0 4 15,4 0-29-15,0-5-20 16,0-5 8-16,13-2-14 16,14-2 7-16,10-2-7 15,5-1 0-15,-2 4-1 16,-7 0-7-16,0 3-175 16,-8 2 145-16</inkml:trace>
-  <inkml:trace contextRef="#ctx0" brushRef="#br0" timeOffset="7370.05">2370 9600 31 0,'0'0'104'16,"0"0"-71"-16,0 0-17 15,0 0-9-15,0 0 3 0,44-92-7 16,-31 69-2-16,-1 7-1 16,-4 7-1-16,0 7 0 15,0 2-3-15,1 7-4 16,4 12 5-16,1 2 3 15,0-2 0-15,-3-4 0 16,4-5 0-16,0-6-3 16,-3-4-72-16,6 0-11 15</inkml:trace>
-  <inkml:trace contextRef="#ctx0" brushRef="#br0" timeOffset="7621.12">2883 9085 368 0,'0'0'80'16,"0"0"-75"-16,0 0-2 16</inkml:trace>
-  <inkml:trace contextRef="#ctx0" brushRef="#br0" timeOffset="8457.35">2842 9664 0 0,'-25'0'0'16,"-4"2"0"-16,-1 13 0 15,6 4 0-15,-4 3 0 16,3 1 0-16,-7-1 0 15,-5 3 0-15,-2-2 0 16,-1 0 0-16,3 4 0 16,-1 3 0-16,-1 9 0 15,1 6 0-15,2 0 0 16,27 4 0-16,6-7 0 16,-9-10 0-16,8-3 0 15,4-4 0-15,0-8 0 16,6-13 0-16,10-1 0 15,-10 3 0-15,12-4 0 0,-11-2 0 16,4-2 0-16,2-7 0 16,1-12 0-16,-3-6 0 15,-3 4 0-15,1 2 0 16,-6-3 0-16,0 3 0 16,-3-1 0-16,0 3 0 15,0 11 0-15,0-22 0 16,-6 11 0-16,6-1 0 15,-3-2 0-15,3 0 0 16,0-1 0-16,0 1 0 16,0 2 0-16,0 0 0 15,0 3 0-15,0 3 0 0,0 6 0 16,6 2 0-16,0-8 0 16,4-2 0-16,2-8 0 15,9-4 0-15,6 3 0 16,-9-1 0-16,7-5 0 15,-4 2 0-15,4 0 0 16,-2 2 0-16,4 4 0 16,0-3 0-16,-2 0 0 15,3 6 0-15,-4-4 0 16,2-1 0-16,-7 6 0 16,-13-1 0-16,10 15 0 15,-4-11 0-15,-1-2 0 16,7 13 0-16,-8-2 0 0,-4-1 0 15,3 3 0 1,-3 2 0-16,3 2 0 0,-2-3 0 16,1 0 0-16,-1 1 0 15,1-4 0-15,-1 1 0 16,2 0 0-16,5-2 0 16,2-2 0-16,1 3 0 15,2-6 0-15,-4-4 0 16,-5 3 0-16,1 2 0 15,-8 2 37-15,-3 10 49 16,0 0-8-16,0 0-12 16,0 0-24-16,0 0-42 0,0 0 0 15,8 28 36-15,-8 2 34 16,0 7-23-16,0-1-11 16,-8 6-22-16,2 5 14 15,-2-3-28-15,2 1-18 16,2-2-80-16,-4-4-49 15,-5-5-27-15</inkml:trace>
-  <inkml:trace contextRef="#ctx0" brushRef="#br0" timeOffset="9088.43">3361 9467 320 0,'0'0'84'0,"0"0"-46"16,0 0-38-16,0 0-9 15,0 0-42-15,0 0-140 16</inkml:trace>
-  <inkml:trace contextRef="#ctx0" brushRef="#br0" timeOffset="9806.84">1545 10353 25 0,'0'0'53'15,"0"0"33"-15,0 0-55 16,0 0 10-16,0 0-28 16,0 0-11-16,-95 0 2 15,62 30-4-15,6 0 0 16,9 3-1-16,11-6 2 16,7 3-1-16,24-5 0 15,23-2 5-15,10-6-1 16,0-4 30-16,-11 3-2 15,-15 4-7-15,-14 2-25 0,-10-3 0 16,-4 3-3-16,-3-5 10 16,0-1-7-16,-10-1 3 15,-8 1-2-15,-6 2 7 16,5-4-4-16,-1-1-3 16,4-5-1-16,8-1-20 15,5-5-62-15,3-2-66 16</inkml:trace>
-  <inkml:trace contextRef="#ctx0" brushRef="#br0" timeOffset="9987.37">1920 10310 150 0,'0'0'148'0,"0"0"-148"15,0 0-46-15,0 0 46 16,-14 98 53-16,0-53-37 15,3 1-13-15,2 1-3 16,4-6-48-16,5-3-44 16,-3-9-68-16</inkml:trace>
-  <inkml:trace contextRef="#ctx0" brushRef="#br0" timeOffset="10153.31">1999 10535 6 0,'0'0'0'15,"0"0"0"-15,0 0 6 16,0 0-6-16,0 0-12 16</inkml:trace>
-  <inkml:trace contextRef="#ctx0" brushRef="#br0" timeOffset="10520.33">1999 10535 9 0,'113'-12'15'0,"-107"0"-3"16,2 1 33-16,-2-2 22 16,-2-1-12-16,2-1 19 15,-3 0-11-15,-2-2-13 0,1 2-4 16,1 1-28-16,-3 1 15 16,3 7-5-16,-3 2-17 15,0 3 16-15,0 1-27 16,3 0-12-16,0 5 11 15,6 14-13-15,0 2 12 16,-2 3 2-16,1 0-32 16,-2-7 10-16,1-3 4 15,-1-7 18-15,-3-4-5 16,3-3 8-16,2 0-3 16,2-18 23-16,-1-5-23 15,0-3 10-15,0 3-10 16,-3 3 0-16,-2 4 6 0,1 6 3 15,-2 6 2 1,-2 0-4-16,4 4-2 0,5 0-10 16,4 0-3-16,3 10 1 15,0 5 0-15,5 2-115 16,2-5-112-16</inkml:trace>
-  <inkml:trace contextRef="#ctx0" brushRef="#br0" timeOffset="10946.9">2618 10260 119 0,'0'0'88'0,"0"0"-48"0,0 0-19 16,-91-7-1-16,76 29-14 15,0 7 0-15,3 2 13 16,9 1-18-16,-1-5 3 15,4-6-4-15,0-6-3 16,4-6-5-16,8-9-42 16,6 0-33-16,3-13 81 15,6-16-22-15,0-11 24 16,-2-5 8-16,-3-5-7 16,-5 3 30-16,-8-3 20 15,-6 7 2-15,-3 10 20 16,0 13-52-16,0 14 37 15,0 6-19-15,-11 24-29 0,-4 18-15 16,-1 5 5-16,10 2 0 16,3-10 4-16,3-3-3 15,0-11-1-15,0-4 2 16,9-7 6-16,0-6-11 16,1-5 3-16,4-3-1 15,2 0-8-15,8-13-33 16,0-6-89-16,3-7-87 15</inkml:trace>
-  <inkml:trace contextRef="#ctx0" brushRef="#br0" timeOffset="11232.21">2991 10038 129 0,'0'0'83'15,"0"0"-10"-15,0 0-12 16,0 0 0-16,80-2-9 16,-69 12-41-16,1 6 6 15,-5 12-8-15,-7 12 1 16,0 4 9-16,-8 3 1 16,-12-7 9-16,2-9 1 15,6-5-30-15,6-4 7 16,6-2-3-16,0-2 2 0,3 0-2 15,20-4-4 1,14-7-28-16,15-7-51 0,15 0-96 16</inkml:trace>
-  <inkml:trace contextRef="#ctx0" brushRef="#br0" timeOffset="21945.17">10594 7978 164 0,'0'0'77'0,"0"0"-37"16,0 0-40-16,0 0 1 16,0 0 43-16,82-4 13 15,-49 2-24-15,1 1-4 16,0 1-28-16,2 0 7 16,2 0-7-16,0 0 6 15,1 4-14-15,1 6-25 16,5 0-114-16,3-10-101 15</inkml:trace>
-  <inkml:trace contextRef="#ctx0" brushRef="#br0" timeOffset="22334.99">11828 7499 160 0,'0'0'87'0,"0"0"-40"15,0 0-23-15,103-32 9 16,-68 32-13-16,-9 0 16 15,-4 0-22-15,-11 12-13 16,-9 5 16-16,-2 7-17 16,-17 9 8-16,-18 7 25 15,-5 2-17-15,1-2 6 16,8-7-9-16,13 1-10 16,11-9 8-16,7 1-11 15,10 1 0-15,21 0 0 16,14-4-5-16,10-5-60 15,5-5-78-15,-2-11-159 16</inkml:trace>
-  <inkml:trace contextRef="#ctx0" brushRef="#br0" timeOffset="22800.1">12587 7764 5 0,'0'0'132'16,"0"0"-51"-1,-25-98 1-15,16 76-25 0,-2 7-10 16,-1 14-2-16,-2 1-24 15,-5 21-11-15,-3 16-10 16,0 7 2-16,7 0-4 16,6-1 9-16,6-4-7 15,3-12 0-15,0-8-1 16,16-17-9-16,14-2-10 16,9-29 20-16,6-16 3 15,-2-13 0-15,-4-11-3 16,1-3 4-16,-4-1 0 15,-3 8-5-15,-8 21 1 0,-8 17 0 16,-9 23 29 0,-6 4-5-16,-2 29-18 0,0 27-9 15,0 15 6-15,0 6 3 16,-10 2-6-16,-1-7 0 16,6-9-7-16,1-11-87 15,-3-11-213-15</inkml:trace>
-  <inkml:trace contextRef="#ctx0" brushRef="#br0" timeOffset="23850.46">18783 1963 301 0,'0'0'71'0,"0"0"-54"0,0 0-9 16,90-21 31 0,-83 21-16-16,-7 0-23 0,0 4-13 15,-27 20 13-15,-18 8 3 16,-10 6 3-16,2-2 0 15,12-4 6-15,17 2-12 16,18-3 1-16,6 3-1 16,11 4 6-16,10 3-3 15,-5 1-3-15,-4 0 4 16,-12-3-10-16,0-5 12 16,-9-6-1-16,-7-3 3 15,1-5-3-15,-2-1 12 16,0-2-14-16,-3 3-3 15,-1 3 2-15,3 1-2 16,6 0-40-16,12-4-172 0</inkml:trace>
-  <inkml:trace contextRef="#ctx0" brushRef="#br0" timeOffset="24286.33">19535 2146 339 0,'0'0'61'0,"0"0"-2"16,-122-27-29-16,68 34 6 16,-6 18 5-16,4 8-19 0,7 4-3 15,13 5-19-15,10 5 0 16,11-4 4-16,11-6-4 15,4-6-12-15,0-11-33 16,18-16-6-16,10-4 20 16,10-18 22-16,8-23 9 15,3-13 10-15,3-8-7 16,0-7 0-16,-4-4-1 16,-3-6 5-16,-5 1-1 15,-7 6 2-15,-8 18 3 16,-9 23 57-16,-6 19-6 15,-7 12-16-15,-3 15-46 0,0 26-14 16,0 18 14 0,-15 11 0-16,0 2 2 0,-1-1 0 15,2-6-2-15,6-3-2 16,5-4-61-16,3-7-59 16,0-13-107-16</inkml:trace>
-  <inkml:trace contextRef="#ctx0" brushRef="#br0" timeOffset="24472.87">19841 2232 434 0,'0'0'48'0,"0"0"-35"16,0 0-1-16,-55 85 27 0,41-50-13 15,7-1-5-15,2-1-20 16,5-3-1-16,0-7 0 15,2-7-72-15,11-9-92 16,3-7-168-16</inkml:trace>
-  <inkml:trace contextRef="#ctx0" brushRef="#br0" timeOffset="24612.17">19944 2059 119 0,'0'0'99'15,"0"0"-43"-15,0 0-35 16,0 0-21-16,0 0-35 0,0 0-95 16</inkml:trace>
-  <inkml:trace contextRef="#ctx0" brushRef="#br0" timeOffset="25156.46">20290 2266 402 0,'0'0'8'0,"0"0"12"16,0 0-5-16,-87 86 14 15,70-62-8-15,5-1-16 0,3-6 4 16,4-6-9 0,1-6 0-16,4-5 4 0,0 0-1 15,0-2 17-15,7-21 31 16,10-8-51-16,5-4 22 16,3-6-2-16,0 4-7 15,4 6-6-15,-3 8 1 16,-3 12-5-16,0 4 2 15,-3 7-1-15,0 0-8 16,-1 16 1-16,-1 7 3 16,2 2 0-16,-3 4 0 15,2 1-2-15,0 0-30 16,3-1-78-16,2-3-13 16,6-4-124-16</inkml:trace>
-  <inkml:trace contextRef="#ctx0" brushRef="#br0" timeOffset="25635.86">21947 2080 261 0,'-50'-100'47'0,"-34"-8"42"15,-26-6-50-15,-33-2 25 16,-33 1-29-16,-32 7-26 15,-31 11 12-15,-27 16-17 16,-26 28-3-16,-18 25-1 0,-15 28 5 16,-14 20 3-16,-10 46 6 15,-4 33-8-15,6 27-5 16,21 26-1-16,38 14 0 16,46 9-1-16,69 3 1 15,82 6 0-15,84 4 0 16,72 3-20-16,96-2-2 15,79-13 0-15,72-30-18 16,60-22 10-16,38-36-30 16,17-23-24-16,-5-30 9 15,-21-27 29-15,-26-14 31 16,-32-40 12-16,-37-32 5 16,-41-25-2-16,-51-30 0 15,-50-27-10-15,-55-25 10 0,-49-12 16 16,-43-3 23-16,-21-3 27 15,-41 1 1-15,-17 7-12 16,-21 9-17-16,-18 17-32 16,-21 31-6-16,-22 29-69 15,-20 34-78-15,-18 30-77 16</inkml:trace>
-  <inkml:trace contextRef="#ctx0" brushRef="#br0" timeOffset="26746.87">18507 1976 95 0,'0'0'160'15,"0"0"-94"-15,0 0-15 16,0 0-25-16,83-49-8 16,-38 38 28-16,9 3-19 15,4 7-23-15,-1 1 16 16,-3 0-20-16,-7 1 0 15,-9 14-5-15,-14 3 5 0,-18 1-7 16,-6 8-3 0,-23 1 7-16,-26 5 3 0,-24-1 0 15,-9-2 1 1,-3-1 12-16,6-6-9 0,13-3-4 16,14-1 0-16,10-1 5 15,12-2-5-15,14 1 0 16,6-3-9-16,10 0 8 15,0 2-17-15,22 1 18 16,15 0-1-16,11 1 7 16,8 3-7-16,0 0 1 15,-10 3 0-15,-15 3 2 0,-19 0-2 16,-12 0-1 0,-9-2 0-16,-21-1 2 0,-10-1 0 15,-7-7 1-15,-2-1 1 16,3-4 18-16,9-7-21 15,12-3 5-15,8-1-4 16,7 0-1-16,4 0-15 16,-2 0-114-16,-1 0-205 15</inkml:trace>
-  <inkml:trace contextRef="#ctx0" brushRef="#br0" timeOffset="36007.12">16600 4986 66 0,'0'0'56'0,"0"0"-15"0,0 0 3 15,0 0 13 1,0 0-22-16,0 0-29 0,0 0 1 15,0 0 6-15,-23-15-7 16,23 15-6-16,0 0-11 16,0 0 10-16,0 0 1 15,10 8 0-15,11 5 5 16,15 0 3-16,25 2-3 16,33-3 34-16,35 2-11 15,34-3-9-15,41 6 10 16,32-3-25-16,28 4-4 15,12 10 6-15,2-1-6 16,-12 3-1-16,-12-1-20 16,-20-6-18-16,-32-5-54 15,-41-3-10-15,-46-9-22 0</inkml:trace>
-  <inkml:trace contextRef="#ctx0" brushRef="#br0" timeOffset="37304.19">16723 4955 57 0,'0'0'66'0,"0"0"-9"16,-14 105 0-16,1-61-42 16,2 1 14-16,1 11-3 15,1 16-9-15,0 27 8 16,-6 23-12-16,-3 10-11 16,-3 6 9-16,-2 1-9 15,-2-8 0-15,0 7-2 16,-2 4 9-16,1 6-9 0,-3 13 1 15,1-2 12-15,-2 2-6 16,3 2 0-16,5-12-6 16,4-8-1-16,9-14 0 15,3-14 0-15,3-13 0 16,3-9 0-16,-4-7-1 16,-5-3 1-16,-8-3 0 15,-1-5 0-15,-3-6 17 16,3-9 9-16,1-7-15 15,-1-7-3-15,4-4 3 16,2-8-4-16,-1-2 4 16,4-11 8-16,3-7-13 15,1-5 2-15,5-6-8 0,0-2 12 16,0-1 13-16,0 0-17 16,5 0 0-16,22 0 3 15,19-4-9-15,20-9 0 16,20 0-2-16,23-1 0 15,15 3 6-15,25 0-6 16,21 5 1-16,21 4 11 16,21 2 0-16,10 0-3 15,8 13-2-15,-5 0 0 16,-10 1-7-16,-16 0-5 16,-12-3-8-16,-15 1-7 15,-12 1-19-15,-18-3 39 0,-25 1-13 16,-26-6-8-16,-28-2 8 15,-18-3 13-15,-15 0 6 16,-6 0-1-16,-1-7 15 16,0-6-15-16,-1 0 6 15,2-2-9-15,-2 3 3 16,-5-2-3-16,-4 5 1 16,-2-1 3-16,-2-3-1 15,1-2-9-15,-1-6 4 16,0 1 0-16,-3-6 5 15,0-3-1-15,0-7-3 16,-2-1 19-16,2-12-10 16,2-1 9-16,1-10-15 0,1-3-4 15,8-10 17 1,5-18-15-16,8-10-2 0,7-12 0 16,6-11-2-16,-1-5-4 15,3-16 6-15,4-20 0 16,4-6 10-16,2-11-9 15,-1 6-2-15,-10 14-10 16,-3 9-8-16,-11 15-5 16,-8 12-22-16,-3 8 11 15,-3 13 9-15,-7 8-5 16,-2 13-7-16,-5 13-12 16,-2 11-7-16,-1 12 4 0,0 12-25 15,0 2-105 1</inkml:trace>
-  <inkml:trace contextRef="#ctx0" brushRef="#br0" timeOffset="38269.87">16947 5152 42 0,'0'0'62'0,"-33"144"0"0,19-50-22 15,-4 18-15-15,-1 16 7 16,-8 17 0-16,-10 18-31 16,-8 15 9-16,-5 12 15 15,-2 4 7-15,2-3-27 16,3-14-5-16,3-24 0 16,5-17 8-16,5-16-7 15,-2-12 0-15,-1-4 11 16,-2-10-8-16,2-13 0 15,7-21-2-15,9-20 2 16,12-18-4-16,7-13 0 16,2-2-8-16,0-5-3 15,8-2-8-15,11 0-24 0,2-3-60 16,5-19-57-16</inkml:trace>
-  <inkml:trace contextRef="#ctx0" brushRef="#br0" timeOffset="38991.06">17110 5177 4 0,'0'0'46'16,"-11"113"7"-16,9-51-21 16,2 17-23-16,0 18 4 0,-1 24 4 15,-7 19-10 1,-10 12 9-16,-8 7 9 0,-7 2-21 15,-5-10 53-15,4-10-21 16,4-8-6-16,0-12 5 16,4 0-18-16,-3-4 5 15,1-6-4-15,2-10 0 16,4-15 4-16,6-11-21 16,4-7 5-16,1 4-6 15,-4 4 0-15,-1 4 5 16,-3-6 22-16,1-13-19 15,7-14 0-15,7-17-6 16,4-14-2-16,0-16 0 16,16-10-71-16,13-36-38 15</inkml:trace>
-  <inkml:trace contextRef="#ctx0" brushRef="#br0" timeOffset="39568.64">17414 5009 26 0,'-15'85'71'0,"0"26"-2"0,-2 31-31 15,-4 26 22 1,-5 16-23-16,-3 11-23 0,7-6-11 16,5-8 23-16,16-9-17 15,1-4 0-15,0-10 3 16,0-10 14-16,-9-13-9 15,-9-15-2-15,-5-10-2 16,-5-17-8-16,1-5-2 16,1-9-2-16,2-12 3 15,6-13-1-15,3-14 3 16,7-17 0-16,5-14-4 16,3-9-1-16,0-7 6 15,5-25-7-15,13-18-93 16,6-7-78-16,0-6-48 0</inkml:trace>
-  <inkml:trace contextRef="#ctx0" brushRef="#br0" timeOffset="40095.3">17980 4878 70 0,'0'0'55'0,"0"0"-43"16,0 0 18-16,0 0 1 15,0 0 12-15,-62 151-13 16,41-28 32-16,-3 43-17 16,-6 34 0-16,-4 14-20 15,-5 11-8-15,-1 7-14 16,0-5-2-16,1-3 10 0,0-8-10 15,3-27 9-15,6-18-9 16,6-22 5-16,5-11-6 16,6-13 0-16,-2-11 0 15,3-14 0-15,0-13 1 16,-2-7 1-16,1-5-2 16,-3-2 0-16,-1-5-2 15,-2-8 4-15,5-20-4 16,6-16-24-16,8-21-24 15,0-3-20-15,19-26 25 16,8-18-140-16</inkml:trace>
-  <inkml:trace contextRef="#ctx0" brushRef="#br0" timeOffset="40671.18">18220 4998 73 0,'0'0'31'15,"0"0"-31"-15,0 0 5 16,0 0 15-16,16 162 48 16,-16-36 11-16,-3 37-13 15,-30 34-4-15,-16 22-43 16,-12 12-8-16,-2-3 15 16,9-6 9-16,8-19-17 0,14-24-6 15,9-21 1-15,8-19-13 16,3-18 3-16,1-11-3 15,1-4 6-15,-2-10-5 16,1-7 0-16,1-15-1 16,0-16 2-16,1-15-1 15,1-15 1-15,2-9-4 16,2-13-15-16,4-6-25 16,0 0 24-16,5-26-30 15,15-17-168-15</inkml:trace>
-  <inkml:trace contextRef="#ctx0" brushRef="#br0" timeOffset="41227">18506 5627 35 0,'-15'150'45'0,"-15"29"14"0,-15 30-22 15,-12 12-2 1,-10 8 17-16,-2-5-32 0,8-16 37 16,12-15-3-16,16-16-31 15,14-17-20-15,4-15 11 16,4-18-14-16,4-30 5 16,4-27-7-16,3-23 4 15,0-16-2-15,0-16 2 16,0-10-1-16,0-5-1 15,9-14 0-15,5-19-64 16,6-10-81-16,0-10-16 16</inkml:trace>
-  <inkml:trace contextRef="#ctx0" brushRef="#br0" timeOffset="41751.26">18962 5178 9 0,'0'0'26'0,"0"0"-23"16,0 0 0-16,34-84 31 15,-31 84 3-15,-3 22 8 16,-1 44-45-16,-21 42 0 15,-10 34 59-15,-7 29-7 16,-8 21-40-16,-6 16 26 16,-6 16-37-16,-4 8-1 0,-4 0 57 15,9-5-25-15,6-19 19 16,11-25-29-16,13-18-12 16,10-28-10-16,4-18 4 15,4-25-3-15,4-26-1 16,2-24 4-16,2-16-5 15,2-15 1-15,0-8-4 16,0-2-6-16,0 0-17 16,0-2-33-16,0 2-57 15,0-3 3-15</inkml:trace>
-  <inkml:trace contextRef="#ctx0" brushRef="#br0" timeOffset="42211.32">19438 5424 204 0,'0'0'19'0,"0"0"-9"16,0 0-10-16,0 0-41 16,16 85 41-16,-16 32 33 15,-4 43 46-15,-33 45-18 16,-17 31-39-16,-21 18-11 15,-14 11-8-15,1-9 17 16,6-6 26-16,6-1-41 16,12-6 2-16,7-13 0 15,14-30-7-15,14-45 1 16,17-42 3-16,9-38-2 16,3-28 10-16,0-21-4 15,0-13-5-15,0-13 2 0,0-4 3 16,11-28-8-16,12-21-108 15,7-14-146-15</inkml:trace>
-  <inkml:trace contextRef="#ctx0" brushRef="#br0" timeOffset="42621.36">20042 5203 180 0,'0'0'96'0,"0"0"-92"16,-33 169-2-16,-8-6 98 16,-20 48-13-16,-19 27-54 15,-12 20-11-15,-11 9-20 16,6-9 16-16,21-16-3 16,22-27-1-16,21-31-7 0,18-25-7 15,5-23-5 1,1-32-1-16,3-25 0 0,0-30 4 15,3-23 0-15,2-13-6 16,-1-13-25-16,-1 0 0 16,-4-17-35-16,-5-11-164 15</inkml:trace>
-  <inkml:trace contextRef="#ctx0" brushRef="#br0" timeOffset="43367.09">16600 5404 176 0,'0'0'106'0,"0"0"-106"16,0 0 0-16,0 0 16 15,0 0 32-15,0 0 2 16,71 5-18-16,-18-5-24 16,28 0-1-16,26 0 4 15,29 0 4-15,28 0-3 16,24 0-5-16,24 7-2 16,26 5-2-16,21 8 0 15,20 8-6-15,14 11 2 16,-3 6-6-16,-15 2-22 0,-29 5 5 15,-38-6-42-15,-33-4-5 16,-32-8-38-16,-29-11 12 16,-32-11 19-16</inkml:trace>
-  <inkml:trace contextRef="#ctx0" brushRef="#br0" timeOffset="44049.4">16691 5717 166 0,'0'0'98'16,"0"0"-63"-16,0 0 2 0,0 0 8 16,0 0-12-16,0 0-32 15,-16 0-1-15,16 0 0 16,24 0 7-16,22 0 18 16,27 0-11-16,29-2 5 15,27 0 3-15,33 2-17 16,30 0 19-16,34 2-13 15,28 15-6-15,14 5 11 16,3 5-13-16,-1 4-6 16,-13 2-4-16,-11-3-41 15,-25-1 3-15,-24-5-34 16,-29-3-11-16,-32-5 0 16,-32-7 11-16,-35 0 7 15,-30-4 19-15</inkml:trace>
-  <inkml:trace contextRef="#ctx0" brushRef="#br0" timeOffset="44729.45">16569 5981 1 0,'0'0'47'15,"0"0"31"-15,0 0-4 16,0 0-29-16,0 0-10 16,80 0 2-16,-45 0-4 0,16 0-1 15,34 2-7-15,34 3-5 16,42 0-1-16,47 5 0 16,30 8-6-1,25 6-4-15,5 10-9 0,-4 5-1 16,-16 8-36-16,-20 3-25 15,-17-3-48-15,-22-5-78 16,-20-8 181-16,-20-9-72 16</inkml:trace>
-  <inkml:trace contextRef="#ctx0" brushRef="#br0" timeOffset="44804.6">19989 6420 25 0,'0'0'25'16,"0"0"6"-16,0 0-20 0,0 0-11 15</inkml:trace>
-  <inkml:trace contextRef="#ctx0" brushRef="#br0" timeOffset="45403.02">16724 6307 10 0,'0'0'107'0,"0"0"-62"16,0 0-26-16,0 0 29 16,0 0 44-16,0 0-24 15,84-14-33-15,-77 14-18 16,1 0 1-16,5 0-3 16,7 0 4-16,18 0-3 15,19 0 2-15,19 2 6 16,24 7-8-16,22 5-13 15,28 6 7-15,35 10-9 16,29 11 1-16,34 4-4 0,24 9 4 16,13-1-4-16,0 3-27 15,-11 0-24-15,-25-1-74 16,-32-4-22-16,-35-9-44 16</inkml:trace>
-  <inkml:trace contextRef="#ctx0" brushRef="#br0" timeOffset="45891.14">16350 6817 114 0,'0'0'42'0,"89"1"0"0,-8-1 48 15,29 0-8-15,30 0-11 16,28 0-27-16,34 9-43 16,34 16 38-16,31 9-32 15,23 11 0-15,8 5 0 16,-3 2-1-16,-13 4 0 15,-22-4-6-15,-24-7-34 16,-35-3-17-16,-28-9-22 16,-34-8-20-16,-35-5-10 15,-33-12 0-15,-35-4 40 16,-33-4 25-16</inkml:trace>
-  <inkml:trace contextRef="#ctx0" brushRef="#br0" timeOffset="46440.12">15993 7281 245 0,'0'0'54'0,"0"0"-49"15,0 0 12-15,0 0 49 16,0 0-17-16,118 0-35 16,-22-9-14-16,39 1 5 0,35 2 36 15,38 6-21 1,29 0-1-16,30 17-12 0,28 7 7 15,11 3 0-15,1 11-14 16,-12 4-1-16,-21 3-10 16,-34-5-31-16,-34-4 12 15,-40-7-30-15,-36-9-11 16,-36-5 20-16,-35-6 16 16,-29-3 26-16,-27-6-6 15,-7 0-56-15,-40 0 4 16,-23-3 11-16</inkml:trace>
-  <inkml:trace contextRef="#ctx0" brushRef="#br0" timeOffset="47051.52">15989 7779 311 0,'0'0'72'15,"0"0"-72"-15,0 0-24 16,0 0 24-16,0 0 20 15,85 4 41-15,-7-4-29 16,32-11-24-16,31-2-3 0,30 11 15 16,31 2 15-1,28 0-3-15,23 14-17 0,13 7 11 16,1 6-15-16,-7 5-1 16,-14 3-10-16,-20-1-6 15,-24 0-20-15,-23-6-1 16,-28-7-4-16,-30 0-11 15,-30-6 6-15,-30-3 11 16,-24-5-20-16,-21 0 0 16,-15-5-1-16,-1-2-27 15,-11 0 60-15,-9 0 13 16,-3 0 0-16,2 0 3 16,2 0-5-16,4 0 2 0,-1 0-40 15,-1 0-112 1</inkml:trace>
-  <inkml:trace contextRef="#ctx0" brushRef="#br0" timeOffset="47814.17">16256 8120 66 0,'0'0'106'0,"0"0"-84"16,0 0-17-16,0 0-1 0,0 0 80 16,0 0-14-1,19 2-26-15,32-2-3 0,32 0 0 16,43 0 5-16,48 0-1 16,44 0 3-16,39 16-21 15,35 12-21-15,24 7 14 16,8 10-17-16,-6 1-3 15,-18-3 0-15,-32 1-28 16,-27-8-19-16,-40-2-8 16,-39-6 26-16,-38-6 26 15,-43-7-5-15,-35-3-67 16,-28-10-43-16,-18-2 44 16,-7 0 74-16,-29 0 2 0,-16-11-2 15,-9-2-12 1,-7-2-68-16</inkml:trace>
-  <inkml:trace contextRef="#ctx0" brushRef="#br0" timeOffset="49770.37">16908 9765 493 0,'0'0'54'0,"0"0"-54"16,0 0-15-16,0 0 14 16,-3 90 1-16,-5-34 20 15,1 8-19-15,1-2 9 16,3-2-7-16,3-7 4 15,0-11-7-15,3-9 0 16,12-15 0-16,3-11 2 16,4-7 1-16,5-3 9 15,4-23-2-15,2-10-8 16,-2-3-1-16,-1 0 1 16,-8 11 4-16,-6 10 0 15,-7 8 9-15,-1 10 0 0,-3 20-15 16,-1 32 2-16,-2 24-2 15,-2 12 18-15,0 3-2 16,-9-12-13-16,1-12-1 16,4-18 4-16,4-17-6 15,4-14-48-15,14-18-97 16,9-8-320-16</inkml:trace>
-  <inkml:trace contextRef="#ctx0" brushRef="#br0" timeOffset="49965.43">17548 9882 368 0,'0'0'121'0,"0"0"-107"0,0 117-10 16,0-47 33-16,0 7 6 16,1-2-14-16,2-6-18 15,-3-4-2-15,2-20-8 16,1-12-1-16,1-11-35 15,6-15-69-15,6-7-101 16</inkml:trace>
-  <inkml:trace contextRef="#ctx0" brushRef="#br0" timeOffset="50161.22">17863 10079 459 0,'0'0'86'0,"-85"0"-77"0,34 0 10 15,2 11 47-15,10 5-13 16,7 10-12-16,9 10-37 16,8 11-4-16,13 5 2 15,2 5-2-15,27-5 0 16,19-3-52-16,12-5-73 16,10-9-119-16</inkml:trace>
-  <inkml:trace contextRef="#ctx0" brushRef="#br0" timeOffset="50881.18">17184 11266 390 0,'0'0'4'16,"0"102"8"-16,-3-32 14 15,0-5-5-15,3-6-14 16,0-7-5-16,9-15-1 15,13-10 3-15,3-13-4 16,7-14-14-16,3 0-15 16,4-23-29-16,2-9 32 15,-3-9-3-15,-5-2 29 16,-5-1 21-16,-8 7 31 16,-7 14 37-16,-5 14-42 15,-8 9 27-15,0 0-57 16,0 22-14-16,0 13-3 0,0 9 9 15,0 1-1-15,0-2-3 16,0-4-5-16,0-6-15 16,0-8-70-16,7-12-60 15,14-10-167-15</inkml:trace>
-  <inkml:trace contextRef="#ctx0" brushRef="#br0" timeOffset="51159.16">17827 11547 481 0,'0'0'14'16,"0"0"2"-16,-58 100-8 0,47-63-3 15,7-4-5-15,4 0 4 16,0-5 0-16,22-9-4 16,6-11-21-16,7-8 18 15,1-7 2-15,-3-23 1 16,-5-9 13-16,-4-8 20 15,-7-5 16-15,-6-2 29 16,-10 4-19-16,-1 9-25 16,-4 10-24-16,-15 10-6 15,-4 12-4-15,-4 9-19 16,0 2-39-16,5 25-50 16,8 2-136-16</inkml:trace>
-  <inkml:trace contextRef="#ctx0" brushRef="#br0" timeOffset="52491.37">18410 11449 43 0,'0'0'42'0,"0"0"-1"15,-13 85-3-15,10-62 14 16,1-1-20-16,1-3-14 15,-1-2-14-15,1 1 3 16,-1 3-3-16,1-1-4 16,-2-5-86-16,1 0-108 0</inkml:trace>
-  <inkml:trace contextRef="#ctx0" brushRef="#br0" timeOffset="52993.5">18868 11332 295 0,'0'0'87'0,"0"0"-65"16,0 0 28-16,0 0 23 15,0 0-34-15,-88-52-5 16,67 52-31-16,3 0-2 16,-1 18-1-16,4 9-4 15,5 9 4-15,4 10-3 16,4 8 3-16,2 1 0 15,0-2 0-15,0-7-1 16,5-6-29-16,-4-6 10 0,-1-6 9 16,0-4 11-16,0-11 0 15,-1-3-3-15,-7-4 3 16,-2-6 2-16,-2 0 2 16,0 0 28-16,-2-6 19 15,4-15 2-15,2-1-33 16,8-11 9-16,0-2-8 15,23-8-15-15,18-2-6 16,14 0-6-16,14 5-30 16,9 4-77-16,4 7-163 15</inkml:trace>
-  <inkml:trace contextRef="#ctx0" brushRef="#br0" timeOffset="53533.54">19882 11305 17 0,'0'0'597'0,"0"0"-597"16,0 0 9-16,-11 139 13 15,2-69 20-15,-2-1-7 16,-2-3-21-16,-2-6-2 15,-3-9-11-15,4-12-2 16,3-10 3-16,6-16 0 16,4-7 1-16,-1-6-2 15,2 0 8-15,0-11 6 16,0-14-3-16,18-12-11 16,6-2-2-16,8-2 2 15,4 4-2-15,-3 10 0 0,-8 12 1 16,-11 9 0-1,-11 6-6-15,-3 0 6 0,0 5-16 16,-4 11 2-16,-12 8 14 16,0-3 1-16,2-2-1 15,6-2-4-15,8-5-48 16,0-3-31-16,8-4-27 16,15-5-91-16</inkml:trace>
-  <inkml:trace contextRef="#ctx0" brushRef="#br0" timeOffset="53684.27">20191 11653 61 0,'0'0'302'16,"0"0"-162"-16,0 0-90 0,83-48 39 16,-72 45-21-16,1 1-21 15,5 1-32-15,1 1-9 16,4 0-4-16,-3 0-2 16,-1 0-22-16,-1 0-105 15,-4 0-61-15,-1 0-163 16</inkml:trace>
-  <inkml:trace contextRef="#ctx0" brushRef="#br0" timeOffset="53773.14">20487 11559 98 0,'0'0'234'0,"0"0"-160"15,0 0-53-15,0 0-21 16,0 0-42-16,0 0-138 16</inkml:trace>
-  <inkml:trace contextRef="#ctx0" brushRef="#br0" timeOffset="56078.99">17634 9345 114 0,'-173'6'52'15,"7"38"-26"-15,3 21-2 16,9 19 29-16,12 19-11 16,10 12 13-16,19 10-20 15,25 16-21-15,33 7-14 16,42 11-1-16,31 5 0 16,62-6 1-16,46-9-15 0,41-15 2 15,31-16-48 1,20-26-16-16,4-28-25 0,-10-35 6 15</inkml:trace>
-  <inkml:trace contextRef="#ctx0" brushRef="#br0" timeOffset="56243.17">18339 11111 94 0,'116'-78'49'0,"-25"-16"-4"15,-18-16-35-15,-21-20-9 16,-12-20 35-16,-14-23 36 16,-11-7-10-16,-14 1 52 15,-1 7-75-15,-25 16-20 16,-22 5 3-16,-21 15-18 15,-21 23-8-15,-25 35-1 0,-28 39-25 16,-19 38-18 0,-16 16-66-16,-2 42-103 0</inkml:trace>
-  <inkml:trace contextRef="#ctx0" brushRef="#br0" timeOffset="57413.08">23013 11184 396 0,'0'0'115'0,"0"0"-114"16,0 0-1-16,6 88-3 0,-15-14 3 16,-12 8 31-1,-2 4-17-15,-3-4-12 0,-1-10 2 16,3-5-4-16,9-14-67 16,10-11-156-16</inkml:trace>
-  <inkml:trace contextRef="#ctx0" brushRef="#br0" timeOffset="57732.3">23330 11480 366 0,'0'0'142'0,"0"0"-106"15,0 0-29-15,0 0-4 16,-101 103 18-16,67-49-6 0,7-2-9 15,12 0-7-15,10-6 2 16,5-8 0-16,3-9 4 16,17-10-5-16,7-12 1 15,6-7 14-15,4-9-1 16,3-21 14-16,-1-12 1 16,-2-6 4-16,-5-5 10 15,-10-3-19-15,-7-10-12 16,-11 1-9-16,-4-2-3 15,0 8-11-15,-7 8-34 16,-8 15-37-16,-3 16-14 16,2 12-129-16</inkml:trace>
-  <inkml:trace contextRef="#ctx0" brushRef="#br0" timeOffset="58131.63">24029 11359 474 0,'0'0'45'0,"0"0"-38"16,-11 103-7-16,1-39 10 16,-2 1 10-16,1-2-13 15,-3-3-3-15,-4-3-3 0,-3-5-1 16,-1-8-1-16,2-13-10 15,5-10 3-15,5-14 7 16,2-7 2-16,-2 0 5 16,2-7 58-16,2-16-33 15,6-12 8-15,2-5-15 16,23-11-14-16,9-3 4 16,7 2-14-16,5-2 8 15,-1 6-16-15,-2 9 3 16,-4 3-4-16,-5 9 2 15,-6 2-14-15,-4 7-3 16,-9 1-7-16,-4 3 2 0,-4 0-8 16,-4 1-47-1,-3 0-88-15,0 4-32 0</inkml:trace>
-  <inkml:trace contextRef="#ctx0" brushRef="#br0" timeOffset="58483.06">24566 11379 483 0,'0'0'96'16,"0"0"-82"-16,-82 89-1 16,33-28 26-16,4 8 5 0,7 2-31 15,7 2-6 1,9-1-6-16,11-6 3 0,10-11-4 15,1-10 0-15,15-15-7 16,13-14 7-16,5-10 9 16,4-6-4-16,9-20 16 15,1-16-17-15,0-14 12 16,-6-10 8-16,-4-12-19 16,-5-7 12-16,-7-7-15 15,-7-2 1-15,-12 5-6 16,-6 11-6-16,-5 17-6 15,-19 17-48-15,-5 20 9 0,-9 16-32 16,-9 2-80 0,-1 21-209-16</inkml:trace>
-  <inkml:trace contextRef="#ctx0" brushRef="#br0" timeOffset="59263.17">25492 11798 430 0,'0'0'16'0,"0"0"54"15,0 0-57-15,0 0-13 16,0 0 6-16,-85 103 28 16,33-11 10-16,-2 5-32 15,2-4-6-15,6-10 0 16,10-16-4-16,14-21 10 16,10-20-15-16,9-16 3 0,3-10 0 15,0-10 18 1,6-24 6-16,19-20-24 0,11-15-17 15,10-12 17-15,5-8-2 16,6-13 0-16,1-5-3 16,1-3-6-16,4-2-20 15,0 8 20-15,1 15 4 16,-6 26-3-16,-9 30 10 16,-14 29-14-16,-13 8 29 15,-10 35-30-15,-12 17 11 16,0 5 0-16,-22-2 4 15,-14-7 3-15,-10-8 2 16,-8-5 3-16,-9-5-4 16,-3-3 10-16,-3-3-14 0,4-3-24 15,14-4-95-15,16-7-136 16</inkml:trace>
-  <inkml:trace contextRef="#ctx0" brushRef="#br0" timeOffset="59780.41">26905 10898 309 0,'-98'-125'78'0,"-41"1"-35"0,-44 0-39 16,-40 4 7-16,-39 16-6 16,-34 16 6-16,-30 22 1 15,-15 31-11-15,-8 26 28 16,-9 14 2-16,2 51-14 16,0 30 2-16,18 30-19 15,30 25 19-15,42 28-18 16,49 36-1-16,57 44-2 15,63 28-1-15,62 17 5 16,42-6-4-16,75-26-3 0,63-19-10 16,64-32-16-16,67-30-22 15,53-32 48-15,38-37 4 16,17-36 1-16,-5-26 10 16,-21-32-10-16,-31-18 4 15,-41-23 3-15,-41-34 6 16,-39-26 33-16,-35-22-26 15,-26-23-9-15,-23-14-4 16,-20-13-3-16,-19-14-4 16,-17-2 6-16,-22-5 29 15,-27 6-35-15,-17 8-24 16,-53 15-23-16,-43 27-77 16,-37 38-127-16</inkml:trace>
-  <inkml:trace contextRef="#ctx0" brushRef="#br0" timeOffset="60456.76">23129 13763 475 0,'0'0'8'0,"-24"91"-8"16,5-33 0-16,3-5-20 15,5-6 11-15,5-6 5 16,2-5-10-16,4-9-67 15,0-6-69-15</inkml:trace>
-  <inkml:trace contextRef="#ctx0" brushRef="#br0" timeOffset="60766.49">23521 13803 592 0,'0'0'53'16,"0"0"-39"-16,-94 16-14 15,58 19 3-15,-2 9-3 16,7 9 5-16,8 4-2 16,10-1-6-16,13-11-13 15,0-14-24-15,24-16-15 16,10-15 55-16,5-8 2 16,4-26-2-16,-9-11 45 15,-7-9 2-15,-10-6 18 16,-11 4-2-16,-6 5-32 15,0 10-12-15,-3 15 16 0,-8 9-35 16,4 7-2 0,2 7-2-16,2 3-41 0,2 0-42 15,1 8-73-15,0 5-15 16</inkml:trace>
-  <inkml:trace contextRef="#ctx0" brushRef="#br0" timeOffset="61242.32">23844 13829 391 0,'0'0'42'16,"0"0"-23"-16,27 103-11 15,-27-61 6-15,0 0-2 0,-12 1 16 16,-9-6-1 0,2-10-24-16,3-10 2 0,7-9 12 15,4-8 24-15,0 0 30 16,2-3 8-16,2-20-28 15,1-15-40-15,4-12-10 16,22-10 1-16,9-6-2 16,10-1-30-16,0 4-14 15,4 6-5-15,-3 12 14 16,-3 13-5-16,-10 9-28 16,-10 10 39-16,-10 9 15 15,-8 4 13-15,-5 0-2 16,0 0-11-16,-5 4 14 15,-20 23 49-15,-11 15 18 16,-3 11-28-16,2 5-3 0,11 2-22 16,10 3-2-16,12-6-10 15,4-9 3-15,0-11-5 16,9-13 4-16,8-14-1 16,7-10-2-16,2 0 6 15,5-21 9-15,6-13-14 16,-4-10 1-16,-2-4-3 15,-5-4 0-15,-8 7-16 16,-9 8-29-16,-9 14-12 16,0 9-51-16,-5 8-180 15</inkml:trace>
-  <inkml:trace contextRef="#ctx0" brushRef="#br0" timeOffset="61978.35">24915 14204 385 0,'0'0'62'16,"-42"114"-40"-16,18-57-4 16,1-8-2-16,2-1 55 15,0-5-21-15,1-10-31 16,7-6-17-16,3-11 6 16,7-9-8-16,3-7 2 15,0-2 16-15,0-22 5 16,14-16-19-16,7-13-4 15,8-8 0-15,8-12 0 16,8-4-21-16,5-4 7 16,6 9-2-16,-3 20 2 0,-8 19-4 15,-14 21 11-15,-13 12 7 16,-4 0 21-16,-7 19-17 16,-4 10 6-16,-3 1 2 15,0 0-5-15,-18 1-2 16,-7 2-5-16,-12-2 3 15,-5-1-3-15,1-4-24 16,10-5-103-16,15-6-193 16</inkml:trace>
-  <inkml:trace contextRef="#ctx0" brushRef="#br0" timeOffset="62224.21">25370 14269 480 0,'0'0'55'0,"0"0"-55"16,0 0 0-16,0 0 4 16,0 0 46-16,0 0-16 15,105 0-26-15,-64 0-8 16,6 0-3-16,3-7-49 16,-5-2-17-16,-5 4-49 15,-10-1 15-15,-7 3 31 16,-6 3 65-16,1 0-2 15,3 0-3-15,3 0-64 0,1 2 33 16,5 8 8 0</inkml:trace>
-  <inkml:trace contextRef="#ctx0" brushRef="#br0" timeOffset="62391.16">26113 14373 29 0,'0'0'72'16,"149"68"-6"-16,-56-32-4 15,7 2 8-15,0-6-3 16,-6-3-42-16,-12-1 3 15,-12-5 2-15,-12-2-4 16,-7-4-18-16,-11 2-8 16,-4-8-9-16,-6-1-32 15,-6-1-42-15,-11-4-45 16,-9-3 28-16</inkml:trace>
-  <inkml:trace contextRef="#ctx0" brushRef="#br0" timeOffset="62797.88">22480 14627 590 0,'0'0'53'0,"-105"-6"-53"0,110 19-57 16,62 1-10-16,48-2 67 15,48-2 40-15,55-2-13 16,52 6-27-16,43 9 25 16,38 3-19-16,17 10 0 15,11 13-6-15,-5 2 0 16,-8 1 8-16,-27 1-8 15,-42-11 0-15,-53-4-4 16,-59-1-2-16,-55-8 2 16,-45-6 0-16,-39-11 4 15,-31-5 0-15,-15-5-43 16,-37-2-44-16,-35 0 47 16,-32-7-86-16,-30-14-59 15,-22-7 63-15</inkml:trace>
-  <inkml:trace contextRef="#ctx0" brushRef="#br0" timeOffset="62990.12">24882 14916 74 0,'-235'-14'132'0,"6"9"-38"16,11 5-48-16,20 0-27 15,37 0 4-15,50 0-10 16,58 3 2-16,57-2 30 16,101-1 14-16,78 8-18 15,80 4-16-15,56 10-25 16,39 8-25-16,7 1 10 15,-20-1-3-15,-39-9-15 16,-51-8-38-16,-51-10-38 16,-42-3 27-16,-42 0-6 0</inkml:trace>
-  <inkml:trace contextRef="#ctx0" brushRef="#br0" timeOffset="65024.85">17087 4587 67 0,'0'0'72'15,"0"0"-33"-15,0 0 9 16,0 0 25-16,0 0-21 16,0 0 3-16,0 0-18 15,0-39 1-15,0 38-7 16,0-1-18-16,0 2-13 0,-17 0 7 15,-5 11-7-15,-14 15 7 16,-6 5-7-16,-3 3 0 16,-1 1 13-16,4 1-13 15,8 0-3-15,6-6 3 16,7-3-1-16,6-3 0 16,2-2-10-16,5-6-19 15,2-5 0-15,2-8 9 16,1 1-10-16,3-4 17 15,0 0 12-15,0 0 0 16,0-11-9-16,0-9-29 16,0 0 40-16,4 3 14 15,-2 4 19-15,-2 6 2 16,0 3 9-16,0 4-10 16,0 0-17-16,0 0-17 0,0 0-3 15,0 3-11 1,0 9 14-16,0 1 1 0,0-3 1 15,0-2-2-15,0 0 2 16,0-3 4-16,0 0-3 16,0-4-1-16,13 2-2 15,13-3 16-15,5 0-16 16,5 0-28-16,-6-4-167 16</inkml:trace>
-  <inkml:trace contextRef="#ctx0" brushRef="#br0" timeOffset="66263.35">17327 4203 280 0,'0'0'6'0,"0"0"13"0,0 0-4 15,0 103 11-15,0-80 13 16,0-2-17-16,0-2 0 16,0-1-19-16,0-3-1 15,-2-6 4-15,1-3-4 16,1-4-2-16,-3-2 6 15,3 0-2-15,0 0 23 16,0-17-5-16,0-8-18 16,0-4-3-16,0-6 1 15,12-4-2-15,1-3 1 16,7-3 4-16,5-2-1 0,5 3-4 16,3 8 0-16,4 1 1 15,-3 15 4-15,-2 7 0 16,-10 9 12-16,-7 4-17 15,-6 1 0-15,-6 15-4 16,-3 3 4-16,0 5-4 16,-16 0 7-16,-10 0-3 15,-2 3 8-15,-2-4-6 16,4 4 2-16,3-7-4 16,2 1 0-16,7-3 0 15,1-6 0-15,7 1 0 16,5-4 0-16,1 4 4 0,0-3 0 15,1 3 2-15,17-2 4 16,9-2 7-16,4-2-17 16,0 1 0-16,-1 3-21 15,-3-9-157-15,-1 0 10 16</inkml:trace>
-  <inkml:trace contextRef="#ctx0" brushRef="#br0" timeOffset="66714.35">17976 3941 282 0,'0'0'108'15,"0"0"-55"-15,0 0-49 16,0 0 25-16,0 0 34 15,-91 84-39-15,70-51-1 16,2 2-15-16,4 3-7 16,3 2 1-16,1-2 1 15,7-1 3-15,2-6-6 16,2-9-4-16,0-7 3 16,6-7-28-16,14-8 25 15,3 0 4-15,3-19 12 16,4-11-11-16,1-6-1 15,-4-1 2-15,-5 0 10 16,-2 4-11-16,-8 6 11 0,-3 8 1 16,-2 10 2-16,-7 9 11 15,0 3-26-15,0 24-9 16,0 8 9-16,-4 6 0 16,-2 0 7-16,1 0-5 15,1-2 2-15,1-5-4 16,1-2 0-16,1-6-46 15,1-6-52-15,0-5-132 16</inkml:trace>
-  <inkml:trace contextRef="#ctx0" brushRef="#br0" timeOffset="67292.16">18272 4205 188 0,'0'0'130'15,"0"0"-31"-15,0 0-29 0,1-113 12 16,12 75-31-16,1 1-20 16,5 2-2-16,1 8-17 15,0 7 8-15,1 6 7 16,-6 6-13-16,-3 5-13 16,-1 3 2-16,-7 0-6 15,1 2-2-15,-5 13-7 16,0 6 8-16,-8 6-5 15,-17 0 9-15,-10-2-3 16,-2 0-19-16,0-3-15 16,5-4 18-16,13 2-3 15,13 2 14-15,6 4-11 16,5 1 17-16,14 2 0 16,-1 1 4-16,-5-2 3 0,-4-7-5 15,-4-4 4-15,-4-10 15 16,2-4-1-16,-3 1 6 15,0 1 1-15,0-1-24 16,-13 4 6-16,-11-1 5 16,-9 2-7-16,0-4 14 15,6-1-19-15,7-3-24 16,8-1-20-16,2 0-22 16,3 0-61-16,7-12-127 15</inkml:trace>
-  <inkml:trace contextRef="#ctx0" brushRef="#br0" timeOffset="67764.14">18952 3639 137 0,'-108'-44'66'16,"-19"6"-7"-16,-17 8-38 16,-21 10 27-16,-12 15 12 15,-8 5 16-15,-1 20-18 16,13 20-35-16,13 20-18 16,19 28 1-16,24 23 2 0,21 20-8 15,23 10 0-15,27 0 1 16,25-4-6-16,21-8 4 15,33-13 1-15,33-8-3 16,26-16 3-16,26-21 6 16,26-21 1-16,24-35 21 15,18-15-12-15,16-32-7 16,1-25-7-16,-4-14-4 16,-11-14 13-16,-19-16-8 15,-21-12 9-15,-30-9-8 16,-35-3 5-16,-35 0-2 0,-32 3-7 15,-16 12 0 1,-25 7 0-16,-27 15-11 0,-14 25-35 16,-13 17 14-16,-9 26-43 15,-6 20-58-15,-3 4-121 16</inkml:trace>
-  <inkml:trace contextRef="#ctx0" brushRef="#br0" timeOffset="86226.09">25644 1480 48 0,'0'0'405'0,"0"0"-380"16,0 0-25-16,-91 83 0 15,51-25-3-15,9 1 3 16,10-5 0-16,6-2-1 15,9-5 8-15,6-8-12 0,0-8 5 16,2-11-18-16,14-9 7 16,2-11 3-16,7 0 8 15,4-18 23-15,4-17-6 16,2-6 17-16,0-4 15 16,-4-1-35-16,-7 2 19 15,-8-2 1-15,-13 5 13 16,-3 3-42-16,-6 10-5 15,-18 8-11-15,-7 9-64 16,0 8-71-16,2 3-57 0</inkml:trace>
-  <inkml:trace contextRef="#ctx0" brushRef="#br0" timeOffset="86641.29">26040 1294 453 0,'0'0'0'16,"0"105"12"-16,-6-10 14 15,-18 11 19-15,-7 4 7 16,-9-3-2-16,1-5-40 16,-2-12-5-16,4-12 2 15,12-23-4-15,7-19-6 16,10-16-2-16,8-17 5 15,0-3 0-15,0 0 2 16,0-26 5-16,3-18-7 0,20-14 0 16,8-13 1-16,9-8 0 15,11 6 13-15,6 6-14 16,3 19 6-16,-10 19 2 16,-12 13 9-16,-19 11 3 15,-12 5-17-15,-7 0-3 16,0 14-13-16,-1 12 9 15,-16 2-1-15,-5 2 5 16,0 1-20-16,1-3-38 16,4 1 1-16,3 1-11 15,2 0-57-15,5-1-41 16,7-6-41-16</inkml:trace>
-  <inkml:trace contextRef="#ctx0" brushRef="#br0" timeOffset="87007.37">26319 1867 193 0,'0'0'156'16,"61"-92"-59"-16,-35 48-19 16,-7 8-19-16,-9 10 21 15,-2 16-20-15,-7 4-19 16,-1 6-26-16,0 0-15 16,-7 17-22-16,-13 15 22 15,-2 3 0-15,7-4 0 16,6-7-43-16,9-4-20 15,0-9 39-15,5-4 0 0,11-7 10 16,5 0 13-16,3 0 2 16,3-13 0-16,0-2 10 15,2-1-8-15,0 3 0 16,-1 2 15-16,-3 7-13 16,1 4 4-16,-2 0-9 15,0 5 7-15,1 12-7 16,3-1 0-16,0 2 0 15,4-1-1-15,-1-3 7 16,-3-1-8-16,2-3 6 16,-6-3-8-16,-6-2-16 15,-7-3-75-15,-11-2-122 0</inkml:trace>
-  <inkml:trace contextRef="#ctx0" brushRef="#br0" timeOffset="87362.07">27962 1623 385 0,'0'0'44'0,"-144"37"-34"15,73 18-10-15,13 12 0 16,16 8 1-16,16-2 2 15,16-5 12-15,10-9-15 16,6-11-3-16,28-11-52 16,13-10-85-16</inkml:trace>
-  <inkml:trace contextRef="#ctx0" brushRef="#br0" timeOffset="87651.88">28233 1848 53 0,'0'0'366'0,"0"0"-333"16,0 0-33-16,-77 100 31 15,47-57-13-15,5-2 7 16,9-4-17-16,6-14-3 16,6-7-10-16,4-9 10 15,0-7-5-15,0 0 27 16,16-7 80-16,11-13-41 15,7-11-57-15,5-7 6 0,4-5 5 16,0-6-17-16,1 3-1 16,-9 13-2-16,-12 8-16 15,-11 14 1-15,-11 11-46 16,-1 0-104-16,-4 7-309 16</inkml:trace>
-  <inkml:trace contextRef="#ctx0" brushRef="#br0" timeOffset="88298.3">29200 1322 446 0,'-136'-113'3'16,"-22"-1"-3"-16,-9 2 3 15,0 3 10-15,-5 5 1 16,-10 13-13-16,-21 20 1 16,-22 17-4-16,-18 27 2 15,-17 27-1-15,-11 29-2 16,-7 41-4-16,-1 33 7 15,9 23 0-15,18 19-8 16,27 15 7-16,41 15-4 16,50 4 3-16,64 3-6 0,70 3-16 15,54-14 16 1,84-11 8-16,64-16 0 0,60-20 2 16,58-23 0-16,40-24 16 15,36-28-18-15,14-24 0 16,-2-25 26-16,-22-10-22 15,-38-34 5-15,-49-21 16 16,-47-21-23-16,-50-13 0 16,-51-11-4-16,-47-7-3 15,-41-1 3-15,-39 0 4 16,-24 3-4-16,-17-10-5 16,-47-4-21-16,-38 6-17 15,-42 14-205-15</inkml:trace>
-  <inkml:trace contextRef="#ctx0" brushRef="#br0" timeOffset="101225.2">22028 5828 368 0,'0'0'121'15,"0"0"-108"-15,124-12-9 16,-58 12-2-16,20 0 38 0,20 0-32 16,15 4 1-1,7 4-18-15,-4 0 9 0,-12-3-7 16,-14-1-1-16,-20-4-9 15,-18 1-26-15,-23-1-60 16,-25 0-157-16</inkml:trace>
-  <inkml:trace contextRef="#ctx0" brushRef="#br0" timeOffset="102560.98">21839 5923 0 0,'0'0'14'0,"0"0"29"16,0 0-6-16,0 0 55 16,4 108-33-16,-4-60-10 15,-6 6-3-15,-4 4-8 16,-4 1-22-16,4 9 17 16,-5 10-26-16,0 9 6 15,-6 5 1-15,-2 4 7 16,-5 3-8-16,0-1-5 0,1-4 17 15,3 0-6-15,9-9-3 16,5-8-12-16,9-11-1 16,1-9 0-16,0-8 6 15,0-8-9-15,-2-6 0 16,-1-4 1-16,-2-4 2 16,1 0-2-16,-2-4 1 15,-1-4 4-15,1 3 0 16,3-5-4-16,0-3-1 15,1-4 1-15,2-4 0 16,-1-4-1-16,1-1 0 16,0-1 2-16,0 0 2 15,0 0 8-15,0 0 1 0,0 0 6 16,1 0-12-16,16 0 6 16,10-6-11-16,5-1 1 15,10 0 2-15,7 1-6 16,14 3-4-16,16 2 4 15,16 1 1-15,13 0 1 16,7 16-2-16,9 5 0 16,3 2 0-16,0 1 0 15,-3-7 0-15,-8 1-2 16,-12-7 2-16,-15-1 0 16,-16 0 0-16,-8-3-3 15,-13 2 3-15,-7-4-1 0,-5 0 1 16,-12-2 0-16,1-1 4 15,-5-2 30-15,-4 0-9 16,-2 0-1-16,-3 0-2 16,-4 0-15-16,-5 0 3 15,-5 0-1-15,2 0 0 16,-3 0 7-16,0 0-7 16,0 0-5-16,0 0 3 15,1 0-7-15,-1 0 2 16,3-3 1-16,2-1-2 15,1-1-2-15,0 4 1 16,-1-3 0-16,-1 0 3 16,-1 1-3-16,0-3 1 0,0 1 5 15,0-5 4 1,3-4 4-16,-2-7-5 0,2-1-3 16,2-3 8-16,-5-5-14 15,0-7 6-15,0-6-4 16,0-9 0-16,1-9-2 15,6-8 1-15,4-7 0 16,7-10-2-16,5-8 0 16,3-3-4-16,0-2 0 15,-3 2-17-15,0 6 9 16,-7 2 4-16,-5 5-8 16,-7-4 7-16,-3 2-4 0,-4 10 14 15,0 4 0 1,0 15 0-16,0 15-4 0,-8 13 3 15,0 9-8-15,2 10 5 16,1 3-26-16,4 5-17 16,1-1 32-16,0-1-15 15,0-1 17-15,0-2-2 16,0-4-20-16,0-2 35 16,4 2-4-16,-2-3 4 15,1 1 2-15,-2-3 2 16,1 2-4-16,0 0 0 15,-2 0 1-15,1 0 0 16,1 1 0-16,-2 1 4 16,1 2 16-16,-1-2-18 15,0 2 13-15,0 3-13 0,0 0-2 16,0 3-1 0,0 2 0-16,-6 2-8 0,-12 0-38 15,-6 0-113-15,-13 0-96 16</inkml:trace>
-  <inkml:trace contextRef="#ctx0" brushRef="#br0" timeOffset="105484.17">22152 5571 30 0,'0'0'30'0,"0"0"-21"16,0 0 77-16,0 0-28 15,-67 100-17-15,35-71 3 16,0 0-28-16,-3-3-4 16,1-2-5-16,1-1 2 15,2-2-4-15,2-1-2 16,3-3-3-16,2-2 0 15,3 0-10-15,7-5-25 16,8 1-28-16,6-7-9 16,0-4-20-16</inkml:trace>
-  <inkml:trace contextRef="#ctx0" brushRef="#br0" timeOffset="107517.19">22301 5547 30 0,'0'0'29'0,"0"0"-27"0,0 0 1 16,0 0 26-16,0 0 14 15,0 0 5 1,-15 0-10-16,15 0-6 0,0 0 2 16,0 0-15-16,0 0-12 15,0 0 0-15,0 0-5 16,0 0 0-16,0 0-2 15,0 0 2-15,0 0 2 16,0 0-4-16,0 0 6 16,0 0 3-16,0 0 1 15,0 0 4-15,0 0-10 16,2 0 4-16,11 0 1 16,8 0 33-16,3 0-22 0,1 1-5 15,11 1-3 1,9 2 8-16,14 2 0 0,18 2-15 15,19 1-5-15,14 3 2 16,9 3-2-16,0 2 0 16,-3 5 0-16,-8-2-7 15,-8 2-10-15,-3-1-27 16,-9 0 40-16,-3-2-35 16,-6-2 27-16,-12-3 10 15,-9-3-5-15,-10-2-6 16,-8-4 6-16,-10-3 1 15,-9-2 12-15,-6 0-9 16,-6 0 8-16,-4 0 3 16,-4 0-8-16,-1 0 5 0,2 0 3 15,1 0-2-15,1 0-3 16,0 0-1-16,2 0-2 16,-1 0 10-16,2 0-9 15,2 0 0-15,0 0-1 16,2 0 0-16,0 0-1 15,0 0 1-15,-3 1 0 16,-2 3-4-16,-1-4 4 16,-2 0-6-16,-3 0 5 15,0 0 1-15,0 0-6 16,0 0 6-16,0 0 6 16,0 0 4-16,0 0-2 15,0 0-7-15,0 0-1 0,0 0-8 16,-3 0 3-1,-1 0-14-15,1-1-9 0,0-2 4 16,-1 0-11-16,0 1-39 16,1 2 42-16,2-2-37 15,-1 2 42-15,2-1 12 16,0-1 12-16,0 2 3 16,0-1 3-16,0-2-2 15,0 1 3-15,0-1-4 16,0 2 9-16,2 0-8 15,1-1 1-15,-2 1 2 16,3-1-4-16,-1 2-1 0,0-2-1 16,0 0 2-16,0 1 19 15,-1-1 7-15,0 0-13 16,1 0-11-16,-2 1 6 16,1 0-5-16,-2-2-3 15,0 1 0-15,0 2 0 16,0-1 10-16,0 1-3 15,0 0-7-15,0 0 0 16,0 6 0-16,-10 9 26 16,-2 3 19-16,-2 6-10 15,2 0-16-15,2 7-3 16,-1 3 13-16,-1 8-12 16,2 4-1-16,-3 3-1 0,0 1-3 15,3-3 2 1,-2-1-1-16,6-4-7 0,-1 1 8 15,-3 0-9-15,2 9 6 16,-3 6-6-16,1 4 0 16,-3 7 5-16,-1 1-9 15,-1-7 5-15,5-6-6 16,1-6 0-16,3-11 0 16,1-6 7-16,2-4-6 15,2-8-1-15,-1-5 0 16,1 0 1-16,-1 3 0 15,-1 0 0-15,0 2-1 0,-1-2 5 16,-2 1-3 0,2-2 8-16,-1-1-9 0,2 2-1 15,0-3 4-15,0-2-3 16,-3 2-1-16,-1 2 2 16,1 3-2-16,0 2 0 15,0 3 0-15,3-1 0 16,-2-3 1-16,5-6 3 15,0-6-5-15,0-4 2 16,0-3-1-16,0-3 0 16,0-1 1-16,0 0 1 15,0 0-2-15,0 0 1 16,0 0 5-16,0 0-1 16,0 0-3-16,0 0 1 15,0 0 5-15,0 0-1 0,0 0-4 16,0 1 2-16,0-1 4 15,0 0-5-15,0 0-2 16,0 0 2-16,0 0-4 16,0 0-1-16,0 0 1 15,0 0 0-15,0 0 0 16,0 0 0-16,0 0-2 16,0 1-1-16,0-1 3 15,0 0 0-15,0 0 1 16,0 0-1-16,0 0 0 15,0 0-1-15,0 0 0 16,0 0 1-16,0 0-3 0,0 0 0 16,0 0 3-1,0 0-1-15,0 0 1 0,0 0 0 16,0 0 1-16,0 0 0 16,0 0-1-16,0 0 4 15,0 0-4-15,0 0-4 16,0 0-10-16,0 0-6 15,0 0-14-15,0 0-6 16,-2 0-13-16,-2 0-11 16,0 0 4-16,-1 2 30 15,1-2-2-15,-1 1-13 16,4 2-49-16</inkml:trace>
-  <inkml:trace contextRef="#ctx0" brushRef="#br0" timeOffset="107723.04">23754 7363 61 0,'0'0'89'16,"0"0"19"-16,0 0 9 15,-91 72-36-15,62-53-48 16,-1 1 14-16,2-3-22 16,-1-1-6-16,-3-1-17 15,-2-1 2-15,3 1-4 16,0-6-13-16,5-2-35 15,4 0-23-15,7-7-65 16,8 0-95-16</inkml:trace>
-  <inkml:trace contextRef="#ctx0" brushRef="#br0" timeOffset="109970.34">22203 5486 68 0,'0'0'91'15,"0"0"-42"-15,0 0 28 16,0 0 12-16,0 0-29 16,0 0-40-16,95-52 14 15,-67 34-30-15,8-3 24 16,2-1-13-16,6-2-9 16,3-2-6-16,2-3 0 15,-4 2-10-15,-5-1 13 16,-7 4-3-16,-11 0 12 15,-4 1-4-15,-7 5 8 0,-4 2 15 16,-4 0-16-16,-2 4-4 16,-1 4-6-16,2 7-1 15,-2-1 10-15,0 2-6 16,0 0-8-16,1 0 0 16,-1 0 0-16,0 0 0 15,0 0-1-15,0 0 1 16,0 0-1-16,0 0 1 15,2 0-7-15,-2 0 7 16,1 0-11-16,2 0 3 16,2 0-1-16,4 3 9 15,4 7 8-15,2 0-8 16,3-3 0-16,6 2 1 16,4 2 4-16,6 3-10 15,5 2 10-15,7 3-4 0,2 0-1 16,6 0 3-16,7-1-10 15,3-2 10-15,4-1-13 16,-3 4 10-16,-1-3-16 16,2 0 14-16,-1 1 2 15,-2 2-13-15,-3 0 8 16,-8-2 3-16,-4-1 2 16,-6-2 6-16,-3 0-6 15,1-3-5-15,-3 2 5 16,-1-6 1-16,-2 2 6 15,-2-4-4-15,-4 1-2 16,-3-2 3-16,-3-2-4 0,1 2-8 16,-1 0 7-1,1-1 2-15,-3-1 3 0,-1 0-4 16,-3-1-4-16,-4 1 3 16,-2 0-1-16,2 0 2 15,-3-2 0-15,-4 0-3 16,-1 0 3-16,-2 0 0 15,2 1 0-15,0-1-3 16,4 0-35-16,3 2 35 16,0-2-11-16,1 1 14 15,0 2-12-15,0-3-1 16,0 1 13-16,1-1-2 16,-2 0 2-16,-2 0 0 15,3 0 0-15,-5 0 0 16,2 0-10-16,-3 0 10 0,0 0 0 15,-4 0 12-15,-2 0-12 16,0 0 4-16,0 0-2 16,0 0-2-16,0 0 0 15,0 0-1-15,0 0 2 16,0 0-2-16,0 0 1 16,0 0-4-16,0 0 4 15,0 0 0-15,0 0 0 16,0 0-1-16,0 0-6 15,0 6-2-15,0 0-4 16,-6 4 13-16,0 3-2 0,1-4 4 16,1 9-2-16,-1 1 0 15,-2 6 3-15,-3 5-3 16,0 5 11-16,1 5-9 16,-1 2 16-16,4 1-17 15,0-2 1-15,0 1 2 16,0 0 3-16,-1 2 2 15,-1 1-6-15,-1 5-3 16,-4 1 3-16,-1-2 1 16,1-6-2-16,1 0 4 15,2-6-6-15,-2 3 0 16,0 2 1-16,-3-2 7 16,0 1-8-16,-1-4 0 15,1 1-2-15,-2-6 2 0,5-3 0 16,3-3 1-1,-1 4 0-15,1 0-1 0,0 2 5 16,0 0-3-16,2-2-2 16,2-4 6-16,4-4-6 15,-1-4-1-15,2-1 1 16,0-6 1-16,0 7 1 16,0-2-2-16,0 4 0 15,-3 3 0-15,-1 6 2 16,-2-2-2-16,0-1 8 15,3-6-8-15,1-6 1 16,2-5-2-16,0-3 2 0,0-4-1 16,0-1 1-16,0-1 2 15,0 0 1-15,0 0 3 16,0 0 10-16,0 0-2 16,0 0-12-16,2-3 3 15,1 1-4-15,-3 2-4 16,0 0 2-16,0 0-3 15,0 0-16-15,0 0-11 16,0 0 13-16,0 0 3 16,0 0 1-16,0 0 7 15,0 0 2-15,0 0 4 16,0 0-2-16,0 0 2 16,0 0 0-16,0 0-1 0,0 0 0 15,0 0-11 1,0 0 3-16,0 9 9 0,-6 1 8 15,-2 3-2-15,2-2 7 16,2-2-9-16,1-2-4 16,0-4 3-16,2 1-2 15,-1-2 3-15,-2 3-4 16,-7 3-3-16,-10 6 3 16,-4 2 0-16,-6 1 2 15,-2 5 0-15,0-2 1 16,5-2-6-16,6 1 3 15,6-9-2-15,6-2-75 16,-2-8-159-16</inkml:trace>
-  <inkml:trace contextRef="#ctx0" brushRef="#br0" timeOffset="111207.5">22177 5717 163 0,'0'0'152'0,"0"0"-129"15,0 0-18-15,0 0-5 0,0 0 15 16,0 0 3-16,42 35 39 15,-13-24-48-15,2 5 5 16,10 2 4-16,9 0 6 16,11 5-20-16,15 0-4 15,15 4 0-15,14-1-7 16,6-1 13-16,1-1-6 16,-1-4 20-16,-14-3-20 15,-12-3 8-15,-15-5-18 16,-15-1 20-16,-13 0-23 15,-8-4 22-15,-4 2-9 16,-2-5 0-16,-1 1 11 0,-3-2-5 16,-6 1-6-16,-6 1 0 15,-6-1-2-15,-5 2 4 16,-1 1-4-16,3-2 2 16,2 0-16-16,4 1-28 15,1 0-6-15,2 1-36 16,-2-1-2-16,-2-3 20 15,-6 0-4-15</inkml:trace>
-  <inkml:trace contextRef="#ctx0" brushRef="#br0" timeOffset="111819.9">22132 5885 104 0,'0'0'53'0,"0"0"-23"0,0 0 43 16,0 0 30-16,0 0-32 15,0 0-45-15,-53-26-4 16,53 26 2-16,0 0-10 15,0 0-14-15,0 0 0 16,0 0 1-16,0 0 0 16,0 0-1-16,0 0-6 15,13 0 6-15,14 0 30 16,15 0-18-16,10 0 16 16,19 0-19-16,16 0-2 15,19 6 20-15,13 0-15 0,7 4-12 16,1-3 1-1,-5 2-2-15,-10-2-11 0,-17 1-47 16,-20-2 44-16,-20 1 28 16,-19-1-13-16,-11 1 0 15,-7 0-22-15,2 0 12 16,-7-3 10-16,-1 0 0 16,-3 1-23-16,-6-3 8 15,-1 1-14-15,-2 0-31 16,0-2-91-16,-23-1-64 15</inkml:trace>
-  <inkml:trace contextRef="#ctx0" brushRef="#br0" timeOffset="114480.07">23281 5911 5 0,'0'0'46'16,"0"0"-31"-16,0 0 24 16,0 0 13-16,0 0-10 15,0 0 3-15,72 0-1 16,-67 0-12-16,0 0-7 15,4 0-14-15,6 3-7 16,8 6 27-16,3 0-20 0,6 2-3 16,1-1 30-16,-2 0-28 15,-3-2 5-15,-1-1 0 16,-3-1-15 0,-4 1 12-16,-4-4-12 0,-4 0-1 15,0 0 0-15,-5 0 2 16,-1-1 7-16,-1 0-7 15,-1 1-2-15,-1-2 1 16,0 2-4-16,0-1 2 16,-2 3 2-16,2-1-6 15,-1 2-3-15,2 2-4 16,-2 0 8-16,0-2 0 16,1 0 5-16,-3 0 0 15,1-4 0-15,1 1 0 16,-1 0-1-16,-1 3 1 0,2-2 0 15,-2 5 0-15,0 1-12 16,0 6-8-16,0 4 13 16,-5 5 1-16,-7 4 6 15,-4 0 22-15,1 2-14 16,0 5 18-16,1 0-23 16,0 7 7-16,-2 5-7 15,-1 1 0-15,2 5 5 16,-2 3-7-16,1 3 0 15,-3-2-1-15,3-4-7 16,3 1 1-16,4-9 5 16,2-3 2-16,-2-1-1 0,-2-3 2 15,1-2-4-15,-2-1 9 16,0 0-7-16,3-4 2 16,-1-2-2-16,4-5 3 15,3-1-1-15,0-3 1 16,0 2-2-16,1-5 3 15,2-2-1-15,-1-1-1 16,1-1 2-16,0 1 0 16,0-4 3-16,0 2-4 15,0 0-1-15,0-3-2 16,0 0 2-16,0 2-2 16,0 0 1-16,0 4 0 15,0-2-1-15,0 1 0 0,0 1 0 16,0-4-1-16,0 3 3 15,0-1-2-15,-2 2 0 16,-3-2-2-16,-2 4 1 16,0-1 2-16,1-2 2 15,0-2-3-15,3-3 0 16,-1-4 9-16,2-1-6 16,-1 3-2-16,0 1 4 15,0-1-4-15,-2 2 13 16,4 2-1-16,-2-6-5 15,1 2-3-15,2-5 3 16,-1 1-4-16,1-1 0 0,0-3-1 16,0 3-1-16,0-2-2 15,0 2 2-15,-2 3-3 16,-1 2 1-16,1 2 0 16,-1-3 0-16,0 3 1 15,1-4-1-15,1 0 0 16,-1-1 3-16,2-2-1 15,0-2-2-15,0 2 0 16,-1 4 1-16,-1 2 0 16,-1 2-1-16,0 5 1 15,2 1-1-15,-1 3 0 16,1 2-1-16,1-6 1 16,0-3-2-16,0-9 0 0,0-3 2 15,0 1 2 1,0-2-2-16,-4 0-4 0,-3 0-6 15,-3-3 5-15,-5-9 5 16,-8 3-22-16,-2-5 13 16,0 2-3-16,-2-6-15 15,2 0 12-15,4 1 15 16,-5-2 4-16,0-1 3 16,-4 1-7-16,-5 3-1 15,-5 3-7-15,-9 1-6 16,-2 4-8-16,3 4 20 15,5 1 2-15,7 3 4 0,2 0 2 16,3 0-6 0,-1 0 2-16,-2 0-4 0,1 0-15 15,-3 0 4-15,-1 0-23 16,-5 0 23-16,-1 0 12 16,-6 0 1-16,-1-4 0 15,0-1 0-15,2 1 3 16,6 0-3-16,5 2 6 15,3-2 3-15,2 3-1 16,-1-1 0-16,0 1-6 16,-2 1 1-16,-1-2-2 15,2 2 1-15,-1 0-2 16,3 0 4-16,0 0 0 16,1 0 1-16,3 0-3 15,-1 0-2-15,6 0 7 0,0 0-7 16,2 0 2-16,0 0 0 15,-1 0-2-15,-4 2 1 16,-2 1 0-16,1 4-1 16,2-4 0-16,7 0 2 15,2-2 2-15,5-1 6 16,4 0-2-16,4 0 3 16,3 0 19-16,0-3 18 15,0-13-41-15,8 1-3 16,3-2-2-16,-2-1 11 15,0 1-4-15,0-2-2 16,0-2 2-16,2-3-9 0,3-1 7 16,1-6-4-16,6-8-2 15,3-7 2-15,3-6-3 16,1-7 2-16,0-3-1 16,-2-3-1-16,-5 1 0 15,-5 1 7-15,-4 1 2 16,-4 1 1-16,-5 3-10 15,0-3 1-15,1 0-1 16,0 1 2-16,1 2 0 16,-1 1-2-16,0 1 0 15,0 1 1-15,-1 5-1 16,3 10 0-16,-3 6 0 16,1 11 2-16,2 4-2 15,2 5 0-15,5-1-9 16,2 1 9-16,1-1-2 0,0 0 2 15,-2-3 4-15,-2-3 16 16,0 1-7-16,0-3-9 16,-1 1 1-16,0-2 9 15,-3 5-10-15,-2-1 1 16,-1 2 14-16,-4 2-13 16,1 2-4-16,-2 2-2 15,0 4 5-15,0 5-10 16,0 2 5-16,0 0-22 15,1 1-34-15,4 0-76 16,0 9-113-16,4 18 8 16</inkml:trace>
-  <inkml:trace contextRef="#ctx0" brushRef="#br0" timeOffset="115091.51">22127 6668 80 0,'0'0'102'16,"0"0"-37"-16,-23 114 6 16,14-79-23-16,0-6 16 15,0-2-29-15,2-9-17 16,0-6-5-16,4-4-8 15,3-6 3-15,0-2 12 16,-2 0 16-16,2-7 22 0,0-16-8 16,0-8-50-16,0-8 2 15,15-6 0-15,4-3-1 16,8-6-1-16,3-3-12 16,1 4 3-16,4 3-9 15,-2 15-4-15,-2 13 16 16,-3 16-8-16,-4 6 3 15,-9 9 6-15,-9 17 5 16,-6 7-1-16,-5 2 1 16,-20-3 0-16,-6-2 12 15,1-2-1-15,3-3 7 16,6 0-2-16,3-4-3 16,2 1-3-16,2-2-10 0,4-1 2 15,4-1-4 1,3-4-63-16,3-1-22 0,0-5-66 15,5 2-28-15,9-2 7 16</inkml:trace>
-  <inkml:trace contextRef="#ctx0" brushRef="#br0" timeOffset="115317.9">22342 6872 178 0,'0'0'149'0,"0"0"-37"16,0 0-29-16,0 0-13 15,20-81-11-15,-20 74-10 16,0 5-9-16,0 2 4 16,0 0-28-16,-3 11-16 0,-10 17 0 15,-4 9 3-15,5 0-2 16,4-4-2-16,8 0-10 16,0-8-55-16,17-7-33 15,15-7-39-15,8-8-52 16,6-3-109-16</inkml:trace>
-  <inkml:trace contextRef="#ctx0" brushRef="#br0" timeOffset="115632.06">22706 6886 309 0,'0'0'177'16,"0"0"-78"-16,0 0-46 0,0 0-2 16,-87-18-4-1,63 23-19-15,3 11-19 0,3 4-3 16,6-5-6-16,5-1 8 15,4-5-8-15,3-5-4 16,0-4-10-16,13 0 14 16,14-15 6-16,9-11-6 15,3-9 0-15,-1-6-4 16,0-4 4-16,-5 1-2 16,-8 7 2-16,-10 13 0 15,-9 13 31-15,-6 9 21 16,0 2-43-16,0 9-9 15,-12 18-13-15,-6 8 13 16,0 2 2-16,3-2-2 0,6-4-37 16,3-4-29-1,0-11-60-15,0-15-276 0</inkml:trace>
-  <inkml:trace contextRef="#ctx0" brushRef="#br0" timeOffset="116290.7">22094 5630 117 0,'0'0'137'16,"0"0"-26"-16,0 0-6 15,0 0-29-15,0 0 8 16,0 0-41-16,-8-80-16 16,8 46-12-16,-1-6-9 15,-5-7 2-15,-3-3-7 0,-8-1 8 16,-3 3-4-16,0 7-5 15,-1 10-2-15,1 10 0 16,1 4-4-16,3 10-21 16,1 5 1-16,-1 2-27 15,1 0-5-15,-3 2-16 16,4 5-26-16,7 0-32 16,4-7-21-16,3 0 52 15</inkml:trace>
-  <inkml:trace contextRef="#ctx0" brushRef="#br0" timeOffset="116469.58">21892 5079 87 0,'0'0'72'0,"0"0"-3"16,0 0-22-1,0 0 50-15,0 0-86 0,-101 13 53 16,69 11-63-16,4-1 23 16,7-3-7-16,11-5-17 15,6-5-10-15,4 1-3 16,16 1 3-16,21 1 10 15,17-6-43-15,5-5-51 16,3-2-114-16</inkml:trace>
-  <inkml:trace contextRef="#ctx0" brushRef="#br0" timeOffset="117130.3">21555 4387 82 0,'0'0'136'16,"0"0"-65"-16,0 0-33 15,0 0 7-15,0 0-7 0,-82 21 0 16,51 16-4 0,-2 6-33-16,3 6 22 15,3 0-23-15,6-5 8 16,7-6-7-16,6-8 2 0,5-11-6 15,3-6 6-15,0-6-3 16,7-5 8-16,19-2-6 16,10 0-2-16,10-7 4 15,3-11-1-15,-3-3-3 16,-7 0 3-16,-12 7-1 16,-15 4 11-16,-7 7 29 15,-5 3-12-15,0 0-27 16,0 0-3-16,-5 11 0 15,-9 9-11-15,0 4 12 16,3-3-2-16,8-4-41 0,3-1-2 16,0-3-12-16,12-5-70 15,6-2-64-15</inkml:trace>
-  <inkml:trace contextRef="#ctx0" brushRef="#br0" timeOffset="117341.25">21651 4714 260 0,'0'0'95'15,"0"0"-67"-15,0 0-27 16,94-66 7-16,-61 57-8 0,-1 6-39 15,4 3-60-15,1 0-42 16</inkml:trace>
-  <inkml:trace contextRef="#ctx0" brushRef="#br0" timeOffset="118024.26">22745 5304 257 0,'0'0'107'16,"0"0"-54"-16,0 0 26 16,101-113 24-16,-58 70-58 15,6-6 4-15,2-1-43 16,6-1 18-16,1 3 3 16,5 4-22-16,-2 2-3 15,-2 9-4-15,-5 5-9 16,-9 9 5-16,-7 6-21 15,-9 6 1-15,-7 4 0 16,-4 3-3-16,-7 0 17 0,-5 0 8 16,-6 0-16-16,0 0 19 15,0 0-30-15,0 0 31 16,0 0 10-16,-11 0 22 16,-4 0 31-16,0-2-40 15,5 0-11-15,5 0 16 16,5 2-27-16,0 0-1 15,0 0-5-15,0 0-9 16,0 9 14-16,0 5-4 16,0 1-19-16,0-1-21 15,0 0-25-15,-7-1-21 16,-8-4-87-16,-3-7-84 0</inkml:trace>
-  <inkml:trace contextRef="#ctx0" brushRef="#br0" timeOffset="118579.93">23893 4634 193 0,'0'0'227'0,"0"0"-189"0,0 0-38 15,0 0 69-15,-30 82-16 16,9-54-6-16,3-2-35 16,0-4-6-16,5-7 4 15,4-8-10-15,6-4 1 16,2 0 7-16,1-3-8 15,0 0 14-15,0-4-2 16,16-17 0-16,8-10-12 16,10-4-1-16,3 1-3 15,5-2-6-15,0 6-15 0,-3 5 4 16,-9 8 0 0,-15 7 15-16,-9 7 6 15,-6 3 0-15,0 0-18 0,-15 0-18 16,-3 12 36-1,1 4 1-15,7-1-1 0,9 0-9 16,1 5 9-16,0-2 0 16,0 5 4-16,0 0 15 15,-2 2-4-15,-7 2 3 16,-3 0-6-16,-1-1-4 16,-1-3 1-16,2-3-9 15,3-3-7-15,5-3-40 16,2-4-27-16,2-6-77 15,6-4-107-15</inkml:trace>
-  <inkml:trace contextRef="#ctx0" brushRef="#br0" timeOffset="118781.58">24329 4655 131 0,'0'0'92'16,"0"0"-23"-16,0 0-9 15,0 0-49-15,-88 76 26 16,62-33-3-16,8-3-27 16,10 0-1-16,8-8-4 15,4-5-4-15,15-8-2 16,5-8-18-16,1-5-42 16,-3-6-83-16</inkml:trace>
-  <inkml:trace contextRef="#ctx0" brushRef="#br0" timeOffset="121644.98">21387 8286 561 0,'0'0'118'15,"0"0"-108"-15,85 1-10 16,-44 18 0-16,-5-1 0 16,-9 3 0-16,-11 2-8 0,-11-1 6 15,-5 2 0-15,-8 0-1 16,-24 3 3-16,-12-2 0 15,-6 2 0-15,2-2-3 16,12-2-3-16,16 2 4 16,16 5 2-16,4 6-1 15,14 4 1-15,9 0 0 16,-1-5-20-16,-6-7 16 16,-4-6 4-16,-8 0 3 15,-4-5 5-15,0 0-1 16,-13-1 8-16,-13-5 4 15,-3 0 9-15,0-5-14 16,8-3-5-16,8 0 2 0,7-3-9 16,6 0-2-16,0 0-30 15,0 0-34-15,8 0-54 16,12 0-173-16</inkml:trace>
-  <inkml:trace contextRef="#ctx0" brushRef="#br0" timeOffset="122373.22">22176 8693 245 0,'0'0'83'0,"0"0"-74"0,0 0 0 16,0 0 29 0,-57-80 14-16,33 80-18 0,-7 4-10 15,-5 19 4-15,-1 4-5 16,5 4 0-16,12-3-17 15,9-4-5-15,11-5-1 16,0-10-10-16,22-8 5 16,11-1 5-16,8-5 8 15,3-20 0-15,1-8-7 16,-1-7 15-16,0 3-6 16,-8 5 3-16,-11 13 8 15,-10 8 41-15,-9 11 0 16,-6 2-28-16,0 22-28 15,0 7 41-15,0 2-27 16,0-4-20-16,0-7-11 0,0-10-123 16,0-12 66-16,0-8-126 15</inkml:trace>
-  <inkml:trace contextRef="#ctx0" brushRef="#br0" timeOffset="123100.98">21612 6076 289 0,'0'0'82'16,"0"0"-65"-16,-36 92 25 15,8-32-6-15,1 11-7 16,1 7 4-16,0-3-16 16,0-5-7-16,4-8-9 15,-4-10-1-15,4 0 0 16,-2-6-18-16,3-3-42 15,0 0-15-15,2-7-33 16,4-10-65-16,3-8 51 0</inkml:trace>
-  <inkml:trace contextRef="#ctx0" brushRef="#br0" timeOffset="123325.41">21249 6904 95 0,'0'0'173'0,"0"0"-115"15,0 0-56-15,0 0 90 16,-30 113-49-16,26-73-14 15,4-5-20-15,0-5 1 16,0-11-9-16,1-4 1 16,4-7-1-16,-2-7 0 15,0-1 1-15,7 0 6 16,5-11 24-16,11-17-13 0,5-10-1 16,0 0 16-16,-2 1-14 15,-11 12-19-15,-5 19-1 16,-9 6-50-16,-2 25-182 15</inkml:trace>
-  <inkml:trace contextRef="#ctx0" brushRef="#br0" timeOffset="123978.87">21516 8002 365 0,'0'0'234'0,"0"0"-234"15,0 0-25-15,83-1 12 16,-19 15 12-16,10 3 1 16,14 2 1-16,9 1 4 15,8-1-5-15,-1-5-11 16,-6 2 3-16,-5-7-14 16,-5 0 22-16,-7-4 1 15,-8-2-1-15,-14-2 2 16,-14-1-6-16,-18 0 8 15,-19 0 8-15,-8-5 41 16,-20-11-31-16,-20-6-22 0,-1 10 0 16,9 2 3-16,14 5 27 15,12 5-9-15,6 0-21 16,0 0-3-16,0 17 3 16,9 3 12-16,3 2-1 15,-5-4-8-15,-1-5-3 16,-4-6 0-16,1-1-4 15,4-2 3-15,5 0-26 16,9-4-67-16,0 0-254 16</inkml:trace>
-  <inkml:trace contextRef="#ctx0" brushRef="#br0" timeOffset="125171.2">23569 7748 357 0,'0'0'99'16,"0"0"-85"-16,0 0-4 15,88-28 32-15,-36 21-10 16,8-2-16-16,4 1-10 16,4-2-1-16,-4-4 1 15,-6-2 17-15,-5-4-20 16,-8 1 4-16,-7-3-4 15,-8 2 6-15,-8-2-9 0,-9 2-2 16,-7 4 1 0,-6-4 1-16,0 3 0 0,-4-2 3 15,-17 4-1-15,-6 1 0 16,-3 4 6-16,2 5-1 16,4 2 5-16,10 3-1 15,10 0-8-15,4 0-3 16,0 14-3-16,12 4 3 15,16 0 5-15,5 2 2 16,-3 2-3-16,-8-3-4 16,-11 1 0-16,-8-2 0 15,-3-1 0-15,-8 0 0 16,-21 5 3-16,-12 3-3 16,-8 5-19-16,0 2-68 0,3-2-185 15</inkml:trace>
-  <inkml:trace contextRef="#ctx0" brushRef="#br0" timeOffset="129456.26">11829 8392 238 0,'0'0'157'16,"0"0"-94"-16,0 0-40 15,0 0-11-15,0 0 14 16,0 0 31-16,0 0-30 16,54 8 29-16,49-18 0 15,25-3-41-15,15 1-4 16,6 0-8-16,-2 4-6 16,-18 2 3-16,-33 5-5 15,-35 1-15-15,-37 0 8 16,-34 18-43-16,-68 14 29 15,-53 7 23-15,-60 9-52 0,-30-3-23 16,-22 0 39-16,-12-3 39 16,2 0 4-16,15 1 86 15,28-3 10-15,47 0-62 16,53-10-26-16,60-10-8 16,52-11-4-16,86-9 0 15,64-12 1-15,61-18-1 16,36-9-26-16,5-1-116 15,-29-3-214-15</inkml:trace>
-</inkml:ink>
-</file>
-
-<file path=ppt/ink/ink27.xml><?xml version="1.0" encoding="utf-8"?>
-<inkml:ink xmlns:inkml="http://www.w3.org/2003/InkML">
-  <inkml:definitions>
-    <inkml:context xml:id="ctx0">
-      <inkml:inkSource xml:id="inkSrc0">
-        <inkml:traceFormat>
-          <inkml:channel name="X" type="integer" max="32767" units="cm"/>
-          <inkml:channel name="Y" type="integer" max="32767" units="cm"/>
-          <inkml:channel name="F" type="integer" max="2047" units="deg"/>
-          <inkml:channel name="T" type="integer" max="2.14748E9" units="dev"/>
-        </inkml:traceFormat>
-        <inkml:channelProperties>
-          <inkml:channelProperty channel="X" name="resolution" value="1516.99072" units="1/cm"/>
-          <inkml:channelProperty channel="Y" name="resolution" value="2427.1853" units="1/cm"/>
-          <inkml:channelProperty channel="F" name="resolution" value="5.68611" units="1/deg"/>
-          <inkml:channelProperty channel="T" name="resolution" value="1" units="1/dev"/>
-        </inkml:channelProperties>
-      </inkml:inkSource>
-      <inkml:timestamp xml:id="ts0" timeString="2022-11-22T16:07:18.132"/>
-    </inkml:context>
-    <inkml:brush xml:id="br0">
-      <inkml:brushProperty name="width" value="0.05292" units="cm"/>
-      <inkml:brushProperty name="height" value="0.05292" units="cm"/>
-      <inkml:brushProperty name="color" value="#FF0000"/>
-    </inkml:brush>
-  </inkml:definitions>
-  <inkml:trace contextRef="#ctx0" brushRef="#br0">5972 5332 184 0,'0'0'16'15,"-103"-46"-9"-15,46 17-4 16,-6-3 9-16,-2 2 34 0,-8 3 10 16,1 11-8-16,0 12-25 15,-5 4-12-15,-5 22 3 16,-12 21-4-16,-12 10 2 16,-4 12-11-16,-8 3 2 15,10 9 4-15,14 11-7 16,14 16 0-16,26 19 21 15,14 14-2-15,23 11 9 16,14 4-14-16,5-2-8 16,29-13-3-16,20-12-3 15,15-20-2-15,13-11 1 16,13-13-11-16,7-15 2 16,6-17-24-16,0-27 23 0,2-22-21 15,-2-33-20-15,-2-40 52 16,1-25 17-16,1-21-3 15,-7-21 15-15,-8-11-24 16,-13-14 6-16,-14-9-9 16,-15-2 5-16,-20-6-3 15,-22 6-3-15,-12 8 48 16,-45 18-27-16,-31 32-20 16,-34 32-4-16,-30 37-3 15,-20 42-29-15,-7 15-11 16,12 47-19-16,23 24-58 15,25 8-86-15</inkml:trace>
+  <inkml:trace contextRef="#ctx0" brushRef="#br0">7965 6257 60 0,'0'0'69'0,"0"0"-54"15,0 0-12-15,0 0 12 16,0 0 29-16,0 0-13 16,0 0-10-16,73-16 1 15,-43 15-15-15,7-1 8 16,8-2-9-16,1-2-1 15,5 2 5-15,4 1-10 16,-4-1 0-16,1 0 2 16,-1 1 3-16,-2 0-5 0,9-1 0 15,8-3 3 1,13-3-2-16,12 0 24 0,6-3-5 16,6 3 5-16,-4 3-25 15,0-1 9-15,-2 4-9 16,-1-1 1-16,-5 4 1 15,-5 0-2-15,-6-3-1 16,-5-1 1-16,2-4 0 16,2-3 2-16,0 0-2 15,4-1 3-15,2 0-6 16,2 3 3-16,-6 2 0 16,-4 1 0-16,-8 1 2 15,-5 1-2-15,-6 3 1 0,5-2 0 16,-7 3-1-16,-1-1 0 15,-2 2 0-15,-4 0-2 16,6 0 5-16,6 0-5 16,8 0 2-16,7 0 0 15,6 0 1-15,0 0-1 16,-1 0 0-16,-2 0-1 16,-3 7 2-16,-2-1-1 15,-5-2 0-15,0 1-6 16,-3-3 4-16,-2-1-5 15,1-1 7-15,-6 0-2 16,-3 0 6-16,-4 0-4 16,-1 3 0-16,-2 0-1 15,5 1-3-15,0 0 4 0,2 2-2 16,1-2 1-16,1 0 1 16,4-1 0-16,0-3 0 15,1 3 0-15,0 1-2 16,-2 1 2-16,-5 1 0 15,-2 1-3-15,0 0 6 16,0 2-3-16,14 0 0 16,10 0 2-16,7 1-1 15,3 1-1-15,3 1 2 16,-2 1-3-16,1 1 5 16,-5 0-3-16,0-2-1 15,-5-2 1-15,0 3-2 0,-3-6 1 16,2 0 0-16,0 2 2 15,2-2-2-15,4-2 0 16,4 4 0-16,4 1 5 16,-4 4-9-16,-4 3 4 15,-4 1 0-15,-5 2-1 16,-4-2 1-16,-4-1 0 16,-2-1-2-16,4-2 8 15,8 0-6-15,17-1 0 16,8-2 1-16,9 0 4 15,4-1-2-15,-4 0 4 16,-7 1-7-16,-13 1 6 16,-10 1-6-16,-8-3 0 0,-6-1 0 15,-6-2 0 1,-9-4 4-16,-5-2-3 0,-11-1-1 16,-9 0 2-16,-6 0-4 15,-2 0 2-15,-2 0 0 16,0 0 2-16,-5-1-2 15,-2-2 0-15,-3-2 3 16,-2 0-2-16,-2 3 5 16,0-4 5-16,-1 2 8 15,3 0-5-15,1-4-11 16,-1 3-3-16,0 2 0 16,5-3 0-16,2 3-3 0,4 0 2 15,5 3-1-15,0 0-2 16,4 0 4-16,-1 0 0 15,4 0 0-15,-1 0-3 16,0 0 2-16,2 0-4 16,-5-3-7-16,-2 2 7 15,-7-3-19-15,-4 1-14 16,-6 2-23-16,-5-1-27 16,-1-1-54-16</inkml:trace>
+  <inkml:trace contextRef="#ctx0" brushRef="#br0" timeOffset="1177.01">18145 6354 97 0,'0'0'82'15,"0"0"-48"-15,0 0 0 0,0 0 36 16,0 0 7-16,0 0-30 16,0 2-16-16,7 3-17 15,25 2-14-15,17 6 0 16,13 2-1-16,9 1-3 15,1-2-2-15,2-1-6 16,-3-5-2-16,-1-6 5 16,-6-2-14-16,-13 0 4 15,-12 0 6-15,-16-6 5 16,-13-1 3-16,-10-3 5 16,-9 2-23-16,-24-1 11 15,-16 0-17-15,-17 0 14 0,-7 2 9 16,6 2 6-16,12 5 8 15,17 0-1-15,16 0 9 16,13 12-16-16,9 3-9 16,2 3 9-16,24 4 14 15,15-5-11-15,12-1 10 16,12-2-9-16,0-1-3 16,-7-6-1-16,-12-5-5 15,-17-2-3-15,-14 0 1 16,-12 0 0-16,-3 0-2 15,-15 0-44-15,-27-4-55 16</inkml:trace>
 </inkml:ink>
 </file>
 
@@ -2446,7 +2667,7 @@
   <inkml:trace contextRef="#ctx0" brushRef="#br0" timeOffset="31860.09">16519 4445 28 0,'0'0'69'0,"0"0"56"0,0 0-1 15,0 0-53-15,0 0-43 16,0 0-28-16,52-20 1 16,-20 7-7-16,7-3-34 15,0 0-163-15</inkml:trace>
   <inkml:trace contextRef="#ctx0" brushRef="#br0" timeOffset="32204.76">16548 4181 214 0,'0'0'90'0,"0"0"-24"16,0 0-26-16,-64 93-40 15,54-19 43-15,2 3-21 16,5-6-16-16,3-10-6 16,12-2-1-16,19-6-4 15,8-6 10-15,-1-9 1 16,-8-17-6-16,-7-14-7 0,0-7 7 16,0-18 14-1,4-16 4-15,-3-11-1 0,0-10-14 16,-6-8-3-16,-9-1 16 15,-9 2 5-15,0 10 13 16,-12 18-34-16,-10 14-10 16,-5 20 1-16,-2 0-6 15,3 25-67-15,3 2-65 16,13-9-167-16</inkml:trace>
   <inkml:trace contextRef="#ctx0" brushRef="#br0" timeOffset="32780.55">17913 2788 232 0,'0'0'211'16,"0"0"-167"-16,0 0-33 15,0 0 16-15,0 0 27 16,87 1-47-16,-56-1-7 15,6 0-85-15,2 0-69 16,2 0-114-16</inkml:trace>
-  <inkml:trace contextRef="#ctx0" brushRef="#br0" timeOffset="33111.26">19190 2654 89 0,'0'0'185'0,"0"0"-114"0,0 0 14 15,0 0 19-15,0 0-24 16,0 0-49-16,101 0-27 16,-69 0-4-16,8-1-80 15,7-4-121-15</inkml:trace>
+  <inkml:trace contextRef="#ctx0" brushRef="#br0" timeOffset="33111.25">19190 2654 89 0,'0'0'185'0,"0"0"-114"0,0 0 14 15,0 0 19-15,0 0-24 16,0 0-49-16,101 0-27 16,-69 0-4-16,8-1-80 15,7-4-121-15</inkml:trace>
   <inkml:trace contextRef="#ctx0" brushRef="#br0" timeOffset="33390.06">20566 2754 319 0,'0'0'118'0,"0"0"-102"16,0 0 50-16,0 0-20 15,108-11-23-15,-64 7-23 16,1-1-3-16,1 3-116 15,-10-4-160-15</inkml:trace>
   <inkml:trace contextRef="#ctx0" brushRef="#br0" timeOffset="33579.98">21901 2712 432 0,'0'0'90'16,"0"0"-90"-16,90-31-26 15,-53 28 26-15,-1 3-48 16,-6 0-182-16</inkml:trace>
   <inkml:trace contextRef="#ctx0" brushRef="#br0" timeOffset="34109.71">18242 3401 324 0,'0'0'105'15,"0"0"-105"-15,99-1 0 16,-49 0 6-16,9 0-4 16,13-2-2-16,10-4-90 15,3-4-200-15</inkml:trace>
@@ -2461,6 +2682,301 @@
   <inkml:trace contextRef="#ctx0" brushRef="#br0" timeOffset="40145.32">16924 963 4 0,'0'0'34'0,"0"0"-21"0,0 0 9 15,0 0 49-15,0 0-27 16,0 0-26-16,0 0-18 15,15-14 5-15,12 14 9 16,3 10 53-16,0-1-3 16,1 3-43-16,5 5 24 15,7 13-33-15,11 14 24 16,4 11-23-16,-3 8 9 16,-5 8-16-16,-11-1-6 15,-6 1 0-15,-7-5-2 16,-8-8 2-16,-8-7-37 15,-6-10-33-15,-4-7-116 16</inkml:trace>
   <inkml:trace contextRef="#ctx0" brushRef="#br0" timeOffset="40505.41">17227 1583 141 0,'0'0'6'0,"0"0"31"15,0 0 5-15,0 0-12 16,0 0 7-16,88 90-6 0,-60-83-17 16,2-4-8-1,2-3 0-15,-4 0-6 0,2-7-25 16,-3-9-12-16,-2-6 0 15,-5-3 17-15,-4-5 20 16,-4 2 24-16,-4 5 13 16,-3 6 16-16,-5 10 31 15,0 6 12-15,0 1-62 16,-3 0-34-16,-15 5-5 16,-4 13 5-16,2 3 5 15,4 3-5-15,5 0-27 16,5 3-85-16,2-1-124 15</inkml:trace>
   <inkml:trace contextRef="#ctx0" brushRef="#br0" timeOffset="48969.51">6889 2977 76 0,'0'0'36'0,"0"0"15"15,0 0-27-15,0 0 7 16,0 0-1-16,0 0-18 16,0 0-3-16,0 0 18 15,0-11-19-15,0 11-5 16,0 0-3-16,0 0-2 16,6 0 2-16,8-2 34 15,13-1 10-15,4-3 0 16,2-3-17-16,7 1 2 15,-1-2-23-15,3 3 23 0,4-2-25 16,2 5-4-16,8-2 0 16,4 2 7-16,9-1-1 15,5-4 4-15,7-2-9 16,8-6 4-16,7-1 0 16,1-4 1-16,7 0 12 15,1-1-10-15,2 1-4 16,-4 1 4-16,0 5-8 15,-2 0-1-15,-4 3-5 16,0 7-4-16,-3-3 10 16,-6 4 7-16,-3-4-7 15,-1-2 4-15,1-4-3 16,3 1 0-16,6-4-2 0,3 0 2 16,2-1 7-16,0 4-8 15,-5 5 0-15,-1 2 3 16,-8 2-3-16,-4 2 6 15,-6 2-6-15,-3 1 3 16,-6-2-19-16,0 2 19 16,-5-2-3-16,-3 0 4 15,-3 2 4-15,-4 1-5 16,1 0 2-16,0 0-3 16,3 0-4-16,5 0 2 15,4 0 0-15,0 0-5 16,2 0 5-16,6 4 0 15,2 0 2-15,4-2 1 0,4-1 8 16,-3-1-11-16,-3 0 0 16,-6 0 1-16,-7 0 9 15,-5 0-2-15,-4 0-3 16,-6 0-5-16,2 0 7 16,1 3-7-16,1 2-6 15,8-1 6-15,6-2 7 16,3 2-4-16,-3 2-6 15,-3 0 4-15,-5 2-5 16,-7-1 8-16,1 2-1 16,-1-4-3-16,-2 1 4 15,0-6 2-15,3 3-5 0,2-3-1 16,4 0 0-16,5 0 3 16,3 0 3-16,2 0-10 15,-4 2 4-15,-3 2 0 16,-2 1-2-16,-2 1 6 15,5-3-5-15,10 3 1 16,-1-3 0-16,4 0-1 16,-7 3 5-16,1-2-5 15,-2 0 1-15,-1 4-5 16,2-2 0-16,-2 1 5 16,0-4 0-16,-4 0 7 15,0 0-6-15,-4 3-1 16,-4-3 5-16,-2-1-9 0,0 3 8 15,-7 0-7 1,4-1 6-16,-7 3-5 0,2 0 2 16,0-3 0-16,3 3 0 15,1-2 3-15,-2 2-8 16,-2 0 4-16,-4 3 1 16,-4 0 0-16,-3-2 1 15,-2 2-1-15,-4-3 0 16,-3 2 4-16,4-7-12 15,2-1 11-15,1 1-3 16,2-2 2-16,2 0-2 16,-1 0 1-16,-3 0-2 15,-1 0 8-15,-1 0-11 16,-1 0 7-16,-1 0-3 0,-2 0 13 16,0 0-12-16,-1 0 6 15,0 0-1-15,1 0-5 16,-1-3 10-16,-2 2-8 15,-5-2-3-15,-2 2 3 16,-5-1 1-16,1 1 0 16,2-2 11-16,-4 3-13 15,-1-1 18-15,-1 1-14 16,1 0-1-16,2 0 0 16,2-1-4-16,4 1-1 15,1-2 0-15,-1 2 1 16,0-1-2-16,-2-1 1 0,-2 1 0 15,-2 0 1 1,-1-4 0-16,2 2-1 0,-4 2 0 16,-2-1 2-16,-1 1-4 15,-2 1 2-15,-2-1-17 16,0 1-24-16,0 0-62 16,0 0-118-16</inkml:trace>
+</inkml:ink>
+</file>
+
+<file path=ppt/ink/ink30.xml><?xml version="1.0" encoding="utf-8"?>
+<inkml:ink xmlns:inkml="http://www.w3.org/2003/InkML">
+  <inkml:definitions>
+    <inkml:context xml:id="ctx0">
+      <inkml:inkSource xml:id="inkSrc0">
+        <inkml:traceFormat>
+          <inkml:channel name="X" type="integer" max="32767" units="cm"/>
+          <inkml:channel name="Y" type="integer" max="32767" units="cm"/>
+          <inkml:channel name="F" type="integer" max="2047" units="deg"/>
+          <inkml:channel name="T" type="integer" max="2.14748E9" units="dev"/>
+        </inkml:traceFormat>
+        <inkml:channelProperties>
+          <inkml:channelProperty channel="X" name="resolution" value="1516.99072" units="1/cm"/>
+          <inkml:channelProperty channel="Y" name="resolution" value="2427.1853" units="1/cm"/>
+          <inkml:channelProperty channel="F" name="resolution" value="5.68611" units="1/deg"/>
+          <inkml:channelProperty channel="T" name="resolution" value="1" units="1/dev"/>
+        </inkml:channelProperties>
+      </inkml:inkSource>
+      <inkml:timestamp xml:id="ts0" timeString="2022-11-22T16:04:47.678"/>
+    </inkml:context>
+    <inkml:brush xml:id="br0">
+      <inkml:brushProperty name="width" value="0.05292" units="cm"/>
+      <inkml:brushProperty name="height" value="0.05292" units="cm"/>
+      <inkml:brushProperty name="color" value="#FF0000"/>
+    </inkml:brush>
+  </inkml:definitions>
+  <inkml:trace contextRef="#ctx0" brushRef="#br0">13247 5686 12 0,'0'0'33'16,"0"0"-10"-16,0 0 0 15,0 0 4-15,0 0-7 16,0 0-14-16,0 0 4 16,4-37 0-16,-4 31 5 15,2-3 14-15,-2 2-14 16,0-4-7-16,0-1 10 16,0-3-17-16,-3-3 5 0,-10-6 4 15,-9-3-5 1,-8-2 12-16,-10-4-17 0,-15-4-1 15,-11-5 0-15,-14-9-12 16,-13-11 6-16,-10-6-2 16,-7-4 9-16,-7 1 1 15,-9 7-1-15,-7 2 0 16,-21 7-2-16,-18 6 6 16,-26 10-4-16,-27 17 0 15,-20 16 4-15,-10 6-6 16,-1 23 2-16,-1 12 0 15,2 9-6-15,3 9 11 0,17 9-5 16,30 16 5 0,36 15-5-16,35 15 14 0,37 17-8 15,37 11 1-15,36 3 14 16,24 4-14-16,40-8 8 16,29-5-2-16,28-7-13 15,24-5 11-15,28-12-11 16,30-9 0-16,21-14-1 15,18-4 4-15,13-11-3 16,5-13 0-16,16-26-39 16,17-29 29-16,1-27 8 15,-4-31 2-15,-21-14 6 16,-30-14 7-16,-32-24 6 16,-32-10-19-16,-29-17 1 15,-26-7-8-15,-24-4-9 0,-22-7-24 16,-24-5 32-16,-23 6-40 15,-11 2 20-15,-35 14 22 16,-18 14-9-16,-18 12 15 16,-20 24-44-16,-23 21-74 15</inkml:trace>
+  <inkml:trace contextRef="#ctx0" brushRef="#br0" timeOffset="6748.42">2091 9413 56 0,'0'0'97'16,"0"0"-40"-16,0 0-1 15,0 0-26-15,0 0-11 0,0 0 26 16,0 0-29-16,-16-39-3 16,13 33 22-16,-3 2-30 15,0 1 16-15,-10 3-19 16,-7 0 7-16,-8 4-12 15,-8 13 3-15,5 3 0 16,1 3-6-16,15 1 6 16,8-1-3-16,10 3 2 15,0 4-2-15,3-2-2 16,10 1 5-16,-4-3 0 16,-3-2 1-16,-6-3 4 15,0-1-5-15,0-1 0 16,-9-1 7-16,-5 1-15 0,-5-2 8 15,0-3 0 1,10-2-2-16,0-7-25 0,6-3-53 16,3-2-62-16,0-2-40 15</inkml:trace>
+  <inkml:trace contextRef="#ctx0" brushRef="#br0" timeOffset="7031.6">2160 9313 260 0,'0'0'33'0,"0"0"-21"16,0 0-11-16,0 0 20 0,27 115 40 15,-33-74-41-15,-12 2-20 16,3-6-51-16,3-8 7 16,3-12-8-16,0-4 22 15,6-9 25-15,0-4 5 16,3 0 51-16,-4 0 4 15,4 0-29-15,0-5-20 16,0-5 8-16,13-2-14 16,14-2 7-16,10-2-7 15,5-1 0-15,-2 4-1 16,-7 0-7-16,0 3-175 16,-8 2 145-16</inkml:trace>
+  <inkml:trace contextRef="#ctx0" brushRef="#br0" timeOffset="7370.05">2370 9600 31 0,'0'0'104'16,"0"0"-71"-16,0 0-17 15,0 0-9-15,0 0 3 0,44-92-7 16,-31 69-2-16,-1 7-1 16,-4 7-1-16,0 7 0 15,0 2-3-15,1 7-4 16,4 12 5-16,1 2 3 15,0-2 0-15,-3-4 0 16,4-5 0-16,0-6-3 16,-3-4-72-16,6 0-11 15</inkml:trace>
+  <inkml:trace contextRef="#ctx0" brushRef="#br0" timeOffset="7621.12">2883 9085 368 0,'0'0'80'16,"0"0"-75"-16,0 0-2 16</inkml:trace>
+  <inkml:trace contextRef="#ctx0" brushRef="#br0" timeOffset="8457.34">2842 9664 0 0,'-25'0'0'16,"-4"2"0"-16,-1 13 0 15,6 4 0-15,-4 3 0 16,3 1 0-16,-7-1 0 15,-5 3 0-15,-2-2 0 16,-1 0 0-16,3 4 0 16,-1 3 0-16,-1 9 0 15,1 6 0-15,2 0 0 16,27 4 0-16,6-7 0 16,-9-10 0-16,8-3 0 15,4-4 0-15,0-8 0 16,6-13 0-16,10-1 0 15,-10 3 0-15,12-4 0 0,-11-2 0 16,4-2 0-16,2-7 0 16,1-12 0-16,-3-6 0 15,-3 4 0-15,1 2 0 16,-6-3 0-16,0 3 0 16,-3-1 0-16,0 3 0 15,0 11 0-15,0-22 0 16,-6 11 0-16,6-1 0 15,-3-2 0-15,3 0 0 16,0-1 0-16,0 1 0 16,0 2 0-16,0 0 0 15,0 3 0-15,0 3 0 0,0 6 0 16,6 2 0-16,0-8 0 16,4-2 0-16,2-8 0 15,9-4 0-15,6 3 0 16,-9-1 0-16,7-5 0 15,-4 2 0-15,4 0 0 16,-2 2 0-16,4 4 0 16,0-3 0-16,-2 0 0 15,3 6 0-15,-4-4 0 16,2-1 0-16,-7 6 0 16,-13-1 0-16,10 15 0 15,-4-11 0-15,-1-2 0 16,7 13 0-16,-8-2 0 0,-4-1 0 15,3 3 0 1,-3 2 0-16,3 2 0 0,-2-3 0 16,1 0 0-16,-1 1 0 15,1-4 0-15,-1 1 0 16,2 0 0-16,5-2 0 16,2-2 0-16,1 3 0 15,2-6 0-15,-4-4 0 16,-5 3 0-16,1 2 0 15,-8 2 37-15,-3 10 49 16,0 0-8-16,0 0-12 16,0 0-24-16,0 0-42 0,0 0 0 15,8 28 36-15,-8 2 34 16,0 7-23-16,0-1-11 16,-8 6-22-16,2 5 14 15,-2-3-28-15,2 1-18 16,2-2-80-16,-4-4-49 15,-5-5-27-15</inkml:trace>
+  <inkml:trace contextRef="#ctx0" brushRef="#br0" timeOffset="9088.43">3361 9467 320 0,'0'0'84'0,"0"0"-46"16,0 0-38-16,0 0-9 15,0 0-42-15,0 0-140 16</inkml:trace>
+  <inkml:trace contextRef="#ctx0" brushRef="#br0" timeOffset="9806.84">1545 10353 25 0,'0'0'53'15,"0"0"33"-15,0 0-55 16,0 0 10-16,0 0-28 16,0 0-11-16,-95 0 2 15,62 30-4-15,6 0 0 16,9 3-1-16,11-6 2 16,7 3-1-16,24-5 0 15,23-2 5-15,10-6-1 16,0-4 30-16,-11 3-2 15,-15 4-7-15,-14 2-25 0,-10-3 0 16,-4 3-3-16,-3-5 10 16,0-1-7-16,-10-1 3 15,-8 1-2-15,-6 2 7 16,5-4-4-16,-1-1-3 16,4-5-1-16,8-1-20 15,5-5-62-15,3-2-66 16</inkml:trace>
+  <inkml:trace contextRef="#ctx0" brushRef="#br0" timeOffset="9987.36">1920 10310 150 0,'0'0'148'0,"0"0"-148"15,0 0-46-15,0 0 46 16,-14 98 53-16,0-53-37 15,3 1-13-15,2 1-3 16,4-6-48-16,5-3-44 16,-3-9-68-16</inkml:trace>
+  <inkml:trace contextRef="#ctx0" brushRef="#br0" timeOffset="10153.31">1999 10535 6 0,'0'0'0'15,"0"0"0"-15,0 0 6 16,0 0-6-16,0 0-12 16</inkml:trace>
+  <inkml:trace contextRef="#ctx0" brushRef="#br0" timeOffset="10520.33">1999 10535 9 0,'113'-12'15'0,"-107"0"-3"16,2 1 33-16,-2-2 22 16,-2-1-12-16,2-1 19 15,-3 0-11-15,-2-2-13 0,1 2-4 16,1 1-28-16,-3 1 15 16,3 7-5-16,-3 2-17 15,0 3 16-15,0 1-27 16,3 0-12-16,0 5 11 15,6 14-13-15,0 2 12 16,-2 3 2-16,1 0-32 16,-2-7 10-16,1-3 4 15,-1-7 18-15,-3-4-5 16,3-3 8-16,2 0-3 16,2-18 23-16,-1-5-23 15,0-3 10-15,0 3-10 16,-3 3 0-16,-2 4 6 0,1 6 3 15,-2 6 2 1,-2 0-4-16,4 4-2 0,5 0-10 16,4 0-3-16,3 10 1 15,0 5 0-15,5 2-115 16,2-5-112-16</inkml:trace>
+  <inkml:trace contextRef="#ctx0" brushRef="#br0" timeOffset="10946.9">2618 10260 119 0,'0'0'88'0,"0"0"-48"0,0 0-19 16,-91-7-1-16,76 29-14 15,0 7 0-15,3 2 13 16,9 1-18-16,-1-5 3 15,4-6-4-15,0-6-3 16,4-6-5-16,8-9-42 16,6 0-33-16,3-13 81 15,6-16-22-15,0-11 24 16,-2-5 8-16,-3-5-7 16,-5 3 30-16,-8-3 20 15,-6 7 2-15,-3 10 20 16,0 13-52-16,0 14 37 15,0 6-19-15,-11 24-29 0,-4 18-15 16,-1 5 5-16,10 2 0 16,3-10 4-16,3-3-3 15,0-11-1-15,0-4 2 16,9-7 6-16,0-6-11 16,1-5 3-16,4-3-1 15,2 0-8-15,8-13-33 16,0-6-89-16,3-7-87 15</inkml:trace>
+  <inkml:trace contextRef="#ctx0" brushRef="#br0" timeOffset="11232.21">2991 10038 129 0,'0'0'83'15,"0"0"-10"-15,0 0-12 16,0 0 0-16,80-2-9 16,-69 12-41-16,1 6 6 15,-5 12-8-15,-7 12 1 16,0 4 9-16,-8 3 1 16,-12-7 9-16,2-9 1 15,6-5-30-15,6-4 7 16,6-2-3-16,0-2 2 0,3 0-2 15,20-4-4 1,14-7-28-16,15-7-51 0,15 0-96 16</inkml:trace>
+  <inkml:trace contextRef="#ctx0" brushRef="#br0" timeOffset="21945.17">10594 7978 164 0,'0'0'77'0,"0"0"-37"16,0 0-40-16,0 0 1 16,0 0 43-16,82-4 13 15,-49 2-24-15,1 1-4 16,0 1-28-16,2 0 7 16,2 0-7-16,0 0 6 15,1 4-14-15,1 6-25 16,5 0-114-16,3-10-101 15</inkml:trace>
+  <inkml:trace contextRef="#ctx0" brushRef="#br0" timeOffset="22334.99">11828 7499 160 0,'0'0'87'0,"0"0"-40"15,0 0-23-15,103-32 9 16,-68 32-13-16,-9 0 16 15,-4 0-22-15,-11 12-13 16,-9 5 16-16,-2 7-17 16,-17 9 8-16,-18 7 25 15,-5 2-17-15,1-2 6 16,8-7-9-16,13 1-10 16,11-9 8-16,7 1-11 15,10 1 0-15,21 0 0 16,14-4-5-16,10-5-60 15,5-5-78-15,-2-11-159 16</inkml:trace>
+  <inkml:trace contextRef="#ctx0" brushRef="#br0" timeOffset="22800.1">12587 7764 5 0,'0'0'132'16,"0"0"-51"-1,-25-98 1-15,16 76-25 0,-2 7-10 16,-1 14-2-16,-2 1-24 15,-5 21-11-15,-3 16-10 16,0 7 2-16,7 0-4 16,6-1 9-16,6-4-7 15,3-12 0-15,0-8-1 16,16-17-9-16,14-2-10 16,9-29 20-16,6-16 3 15,-2-13 0-15,-4-11-3 16,1-3 4-16,-4-1 0 15,-3 8-5-15,-8 21 1 0,-8 17 0 16,-9 23 29 0,-6 4-5-16,-2 29-18 0,0 27-9 15,0 15 6-15,0 6 3 16,-10 2-6-16,-1-7 0 16,6-9-7-16,1-11-87 15,-3-11-213-15</inkml:trace>
+  <inkml:trace contextRef="#ctx0" brushRef="#br0" timeOffset="23850.46">18783 1963 301 0,'0'0'71'0,"0"0"-54"0,0 0-9 16,90-21 31 0,-83 21-16-16,-7 0-23 0,0 4-13 15,-27 20 13-15,-18 8 3 16,-10 6 3-16,2-2 0 15,12-4 6-15,17 2-12 16,18-3 1-16,6 3-1 16,11 4 6-16,10 3-3 15,-5 1-3-15,-4 0 4 16,-12-3-10-16,0-5 12 16,-9-6-1-16,-7-3 3 15,1-5-3-15,-2-1 12 16,0-2-14-16,-3 3-3 15,-1 3 2-15,3 1-2 16,6 0-40-16,12-4-172 0</inkml:trace>
+  <inkml:trace contextRef="#ctx0" brushRef="#br0" timeOffset="24286.33">19535 2146 339 0,'0'0'61'0,"0"0"-2"16,-122-27-29-16,68 34 6 16,-6 18 5-16,4 8-19 0,7 4-3 15,13 5-19-15,10 5 0 16,11-4 4-16,11-6-4 15,4-6-12-15,0-11-33 16,18-16-6-16,10-4 20 16,10-18 22-16,8-23 9 15,3-13 10-15,3-8-7 16,0-7 0-16,-4-4-1 16,-3-6 5-16,-5 1-1 15,-7 6 2-15,-8 18 3 16,-9 23 57-16,-6 19-6 15,-7 12-16-15,-3 15-46 0,0 26-14 16,0 18 14 0,-15 11 0-16,0 2 2 0,-1-1 0 15,2-6-2-15,6-3-2 16,5-4-61-16,3-7-59 16,0-13-107-16</inkml:trace>
+  <inkml:trace contextRef="#ctx0" brushRef="#br0" timeOffset="24472.87">19841 2232 434 0,'0'0'48'0,"0"0"-35"16,0 0-1-16,-55 85 27 0,41-50-13 15,7-1-5-15,2-1-20 16,5-3-1-16,0-7 0 15,2-7-72-15,11-9-92 16,3-7-168-16</inkml:trace>
+  <inkml:trace contextRef="#ctx0" brushRef="#br0" timeOffset="24612.17">19944 2059 119 0,'0'0'99'15,"0"0"-43"-15,0 0-35 16,0 0-21-16,0 0-35 0,0 0-95 16</inkml:trace>
+  <inkml:trace contextRef="#ctx0" brushRef="#br0" timeOffset="25156.46">20290 2266 402 0,'0'0'8'0,"0"0"12"16,0 0-5-16,-87 86 14 15,70-62-8-15,5-1-16 0,3-6 4 16,4-6-9 0,1-6 0-16,4-5 4 0,0 0-1 15,0-2 17-15,7-21 31 16,10-8-51-16,5-4 22 16,3-6-2-16,0 4-7 15,4 6-6-15,-3 8 1 16,-3 12-5-16,0 4 2 15,-3 7-1-15,0 0-8 16,-1 16 1-16,-1 7 3 16,2 2 0-16,-3 4 0 15,2 1-2-15,0 0-30 16,3-1-78-16,2-3-13 16,6-4-124-16</inkml:trace>
+  <inkml:trace contextRef="#ctx0" brushRef="#br0" timeOffset="25635.86">21947 2080 261 0,'-50'-100'47'0,"-34"-8"42"15,-26-6-50-15,-33-2 25 16,-33 1-29-16,-32 7-26 15,-31 11 12-15,-27 16-17 16,-26 28-3-16,-18 25-1 0,-15 28 5 16,-14 20 3-16,-10 46 6 15,-4 33-8-15,6 27-5 16,21 26-1-16,38 14 0 16,46 9-1-16,69 3 1 15,82 6 0-15,84 4 0 16,72 3-20-16,96-2-2 15,79-13 0-15,72-30-18 16,60-22 10-16,38-36-30 16,17-23-24-16,-5-30 9 15,-21-27 29-15,-26-14 31 16,-32-40 12-16,-37-32 5 16,-41-25-2-16,-51-30 0 15,-50-27-10-15,-55-25 10 0,-49-12 16 16,-43-3 23-16,-21-3 27 15,-41 1 1-15,-17 7-12 16,-21 9-17-16,-18 17-32 16,-21 31-6-16,-22 29-69 15,-20 34-78-15,-18 30-77 16</inkml:trace>
+  <inkml:trace contextRef="#ctx0" brushRef="#br0" timeOffset="26746.87">18507 1976 95 0,'0'0'160'15,"0"0"-94"-15,0 0-15 16,0 0-25-16,83-49-8 16,-38 38 28-16,9 3-19 15,4 7-23-15,-1 1 16 16,-3 0-20-16,-7 1 0 15,-9 14-5-15,-14 3 5 0,-18 1-7 16,-6 8-3 0,-23 1 7-16,-26 5 3 0,-24-1 0 15,-9-2 1 1,-3-1 12-16,6-6-9 0,13-3-4 16,14-1 0-16,10-1 5 15,12-2-5-15,14 1 0 16,6-3-9-16,10 0 8 15,0 2-17-15,22 1 18 16,15 0-1-16,11 1 7 16,8 3-7-16,0 0 1 15,-10 3 0-15,-15 3 2 0,-19 0-2 16,-12 0-1 0,-9-2 0-16,-21-1 2 0,-10-1 0 15,-7-7 1-15,-2-1 1 16,3-4 18-16,9-7-21 15,12-3 5-15,8-1-4 16,7 0-1-16,4 0-15 16,-2 0-114-16,-1 0-205 15</inkml:trace>
+  <inkml:trace contextRef="#ctx0" brushRef="#br0" timeOffset="36007.11">16600 4986 66 0,'0'0'56'0,"0"0"-15"0,0 0 3 15,0 0 13 1,0 0-22-16,0 0-29 0,0 0 1 15,0 0 6-15,-23-15-7 16,23 15-6-16,0 0-11 16,0 0 10-16,0 0 1 15,10 8 0-15,11 5 5 16,15 0 3-16,25 2-3 16,33-3 34-16,35 2-11 15,34-3-9-15,41 6 10 16,32-3-25-16,28 4-4 15,12 10 6-15,2-1-6 16,-12 3-1-16,-12-1-20 16,-20-6-18-16,-32-5-54 15,-41-3-10-15,-46-9-22 0</inkml:trace>
+  <inkml:trace contextRef="#ctx0" brushRef="#br0" timeOffset="37304.18">16723 4955 57 0,'0'0'66'0,"0"0"-9"16,-14 105 0-16,1-61-42 16,2 1 14-16,1 11-3 15,1 16-9-15,0 27 8 16,-6 23-12-16,-3 10-11 16,-3 6 9-16,-2 1-9 15,-2-8 0-15,0 7-2 16,-2 4 9-16,1 6-9 0,-3 13 1 15,1-2 12-15,-2 2-6 16,3 2 0-16,5-12-6 16,4-8-1-16,9-14 0 15,3-14 0-15,3-13 0 16,3-9 0-16,-4-7-1 16,-5-3 1-16,-8-3 0 15,-1-5 0-15,-3-6 17 16,3-9 9-16,1-7-15 15,-1-7-3-15,4-4 3 16,2-8-4-16,-1-2 4 16,4-11 8-16,3-7-13 15,1-5 2-15,5-6-8 0,0-2 12 16,0-1 13-16,0 0-17 16,5 0 0-16,22 0 3 15,19-4-9-15,20-9 0 16,20 0-2-16,23-1 0 15,15 3 6-15,25 0-6 16,21 5 1-16,21 4 11 16,21 2 0-16,10 0-3 15,8 13-2-15,-5 0 0 16,-10 1-7-16,-16 0-5 16,-12-3-8-16,-15 1-7 15,-12 1-19-15,-18-3 39 0,-25 1-13 16,-26-6-8-16,-28-2 8 15,-18-3 13-15,-15 0 6 16,-6 0-1-16,-1-7 15 16,0-6-15-16,-1 0 6 15,2-2-9-15,-2 3 3 16,-5-2-3-16,-4 5 1 16,-2-1 3-16,-2-3-1 15,1-2-9-15,-1-6 4 16,0 1 0-16,-3-6 5 15,0-3-1-15,0-7-3 16,-2-1 19-16,2-12-10 16,2-1 9-16,1-10-15 0,1-3-4 15,8-10 17 1,5-18-15-16,8-10-2 0,7-12 0 16,6-11-2-16,-1-5-4 15,3-16 6-15,4-20 0 16,4-6 10-16,2-11-9 15,-1 6-2-15,-10 14-10 16,-3 9-8-16,-11 15-5 16,-8 12-22-16,-3 8 11 15,-3 13 9-15,-7 8-5 16,-2 13-7-16,-5 13-12 16,-2 11-7-16,-1 12 4 0,0 12-25 15,0 2-105 1</inkml:trace>
+  <inkml:trace contextRef="#ctx0" brushRef="#br0" timeOffset="38269.87">16947 5152 42 0,'0'0'62'0,"-33"144"0"0,19-50-22 15,-4 18-15-15,-1 16 7 16,-8 17 0-16,-10 18-31 16,-8 15 9-16,-5 12 15 15,-2 4 7-15,2-3-27 16,3-14-5-16,3-24 0 16,5-17 8-16,5-16-7 15,-2-12 0-15,-1-4 11 16,-2-10-8-16,2-13 0 15,7-21-2-15,9-20 2 16,12-18-4-16,7-13 0 16,2-2-8-16,0-5-3 15,8-2-8-15,11 0-24 0,2-3-60 16,5-19-57-16</inkml:trace>
+  <inkml:trace contextRef="#ctx0" brushRef="#br0" timeOffset="38991.06">17110 5177 4 0,'0'0'46'16,"-11"113"7"-16,9-51-21 16,2 17-23-16,0 18 4 0,-1 24 4 15,-7 19-10 1,-10 12 9-16,-8 7 9 0,-7 2-21 15,-5-10 53-15,4-10-21 16,4-8-6-16,0-12 5 16,4 0-18-16,-3-4 5 15,1-6-4-15,2-10 0 16,4-15 4-16,6-11-21 16,4-7 5-16,1 4-6 15,-4 4 0-15,-1 4 5 16,-3-6 22-16,1-13-19 15,7-14 0-15,7-17-6 16,4-14-2-16,0-16 0 16,16-10-71-16,13-36-38 15</inkml:trace>
+  <inkml:trace contextRef="#ctx0" brushRef="#br0" timeOffset="39568.64">17414 5009 26 0,'-15'85'71'0,"0"26"-2"0,-2 31-31 15,-4 26 22 1,-5 16-23-16,-3 11-23 0,7-6-11 16,5-8 23-16,16-9-17 15,1-4 0-15,0-10 3 16,0-10 14-16,-9-13-9 15,-9-15-2-15,-5-10-2 16,-5-17-8-16,1-5-2 16,1-9-2-16,2-12 3 15,6-13-1-15,3-14 3 16,7-17 0-16,5-14-4 16,3-9-1-16,0-7 6 15,5-25-7-15,13-18-93 16,6-7-78-16,0-6-48 0</inkml:trace>
+  <inkml:trace contextRef="#ctx0" brushRef="#br0" timeOffset="40095.3">17980 4878 70 0,'0'0'55'0,"0"0"-43"16,0 0 18-16,0 0 1 15,0 0 12-15,-62 151-13 16,41-28 32-16,-3 43-17 16,-6 34 0-16,-4 14-20 15,-5 11-8-15,-1 7-14 16,0-5-2-16,1-3 10 0,0-8-10 15,3-27 9-15,6-18-9 16,6-22 5-16,5-11-6 16,6-13 0-16,-2-11 0 15,3-14 0-15,0-13 1 16,-2-7 1-16,1-5-2 16,-3-2 0-16,-1-5-2 15,-2-8 4-15,5-20-4 16,6-16-24-16,8-21-24 15,0-3-20-15,19-26 25 16,8-18-140-16</inkml:trace>
+  <inkml:trace contextRef="#ctx0" brushRef="#br0" timeOffset="40671.18">18220 4998 73 0,'0'0'31'15,"0"0"-31"-15,0 0 5 16,0 0 15-16,16 162 48 16,-16-36 11-16,-3 37-13 15,-30 34-4-15,-16 22-43 16,-12 12-8-16,-2-3 15 16,9-6 9-16,8-19-17 0,14-24-6 15,9-21 1-15,8-19-13 16,3-18 3-16,1-11-3 15,1-4 6-15,-2-10-5 16,1-7 0-16,1-15-1 16,0-16 2-16,1-15-1 15,1-15 1-15,2-9-4 16,2-13-15-16,4-6-25 16,0 0 24-16,5-26-30 15,15-17-168-15</inkml:trace>
+  <inkml:trace contextRef="#ctx0" brushRef="#br0" timeOffset="41227">18506 5627 35 0,'-15'150'45'0,"-15"29"14"0,-15 30-22 15,-12 12-2 1,-10 8 17-16,-2-5-32 0,8-16 37 16,12-15-3-16,16-16-31 15,14-17-20-15,4-15 11 16,4-18-14-16,4-30 5 16,4-27-7-16,3-23 4 15,0-16-2-15,0-16 2 16,0-10-1-16,0-5-1 15,9-14 0-15,5-19-64 16,6-10-81-16,0-10-16 16</inkml:trace>
+  <inkml:trace contextRef="#ctx0" brushRef="#br0" timeOffset="41751.25">18962 5178 9 0,'0'0'26'0,"0"0"-23"16,0 0 0-16,34-84 31 15,-31 84 3-15,-3 22 8 16,-1 44-45-16,-21 42 0 15,-10 34 59-15,-7 29-7 16,-8 21-40-16,-6 16 26 16,-6 16-37-16,-4 8-1 0,-4 0 57 15,9-5-25-15,6-19 19 16,11-25-29-16,13-18-12 16,10-28-10-16,4-18 4 15,4-25-3-15,4-26-1 16,2-24 4-16,2-16-5 15,2-15 1-15,0-8-4 16,0-2-6-16,0 0-17 16,0-2-33-16,0 2-57 15,0-3 3-15</inkml:trace>
+  <inkml:trace contextRef="#ctx0" brushRef="#br0" timeOffset="42211.32">19438 5424 204 0,'0'0'19'0,"0"0"-9"16,0 0-10-16,0 0-41 16,16 85 41-16,-16 32 33 15,-4 43 46-15,-33 45-18 16,-17 31-39-16,-21 18-11 15,-14 11-8-15,1-9 17 16,6-6 26-16,6-1-41 16,12-6 2-16,7-13 0 15,14-30-7-15,14-45 1 16,17-42 3-16,9-38-2 16,3-28 10-16,0-21-4 15,0-13-5-15,0-13 2 0,0-4 3 16,11-28-8-16,12-21-108 15,7-14-146-15</inkml:trace>
+  <inkml:trace contextRef="#ctx0" brushRef="#br0" timeOffset="42621.36">20042 5203 180 0,'0'0'96'0,"0"0"-92"16,-33 169-2-16,-8-6 98 16,-20 48-13-16,-19 27-54 15,-12 20-11-15,-11 9-20 16,6-9 16-16,21-16-3 16,22-27-1-16,21-31-7 0,18-25-7 15,5-23-5 1,1-32-1-16,3-25 0 0,0-30 4 15,3-23 0-15,2-13-6 16,-1-13-25-16,-1 0 0 16,-4-17-35-16,-5-11-164 15</inkml:trace>
+  <inkml:trace contextRef="#ctx0" brushRef="#br0" timeOffset="43367.09">16600 5404 176 0,'0'0'106'0,"0"0"-106"16,0 0 0-16,0 0 16 15,0 0 32-15,0 0 2 16,71 5-18-16,-18-5-24 16,28 0-1-16,26 0 4 15,29 0 4-15,28 0-3 16,24 0-5-16,24 7-2 16,26 5-2-16,21 8 0 15,20 8-6-15,14 11 2 16,-3 6-6-16,-15 2-22 0,-29 5 5 15,-38-6-42-15,-33-4-5 16,-32-8-38-16,-29-11 12 16,-32-11 19-16</inkml:trace>
+  <inkml:trace contextRef="#ctx0" brushRef="#br0" timeOffset="44049.4">16691 5717 166 0,'0'0'98'16,"0"0"-63"-16,0 0 2 0,0 0 8 16,0 0-12-16,0 0-32 15,-16 0-1-15,16 0 0 16,24 0 7-16,22 0 18 16,27 0-11-16,29-2 5 15,27 0 3-15,33 2-17 16,30 0 19-16,34 2-13 15,28 15-6-15,14 5 11 16,3 5-13-16,-1 4-6 16,-13 2-4-16,-11-3-41 15,-25-1 3-15,-24-5-34 16,-29-3-11-16,-32-5 0 16,-32-7 11-16,-35 0 7 15,-30-4 19-15</inkml:trace>
+  <inkml:trace contextRef="#ctx0" brushRef="#br0" timeOffset="44729.45">16569 5981 1 0,'0'0'47'15,"0"0"31"-15,0 0-4 16,0 0-29-16,0 0-10 16,80 0 2-16,-45 0-4 0,16 0-1 15,34 2-7-15,34 3-5 16,42 0-1-16,47 5 0 16,30 8-6-1,25 6-4-15,5 10-9 0,-4 5-1 16,-16 8-36-16,-20 3-25 15,-17-3-48-15,-22-5-78 16,-20-8 181-16,-20-9-72 16</inkml:trace>
+  <inkml:trace contextRef="#ctx0" brushRef="#br0" timeOffset="44804.6">19989 6420 25 0,'0'0'25'16,"0"0"6"-16,0 0-20 0,0 0-11 15</inkml:trace>
+  <inkml:trace contextRef="#ctx0" brushRef="#br0" timeOffset="45403.02">16724 6307 10 0,'0'0'107'0,"0"0"-62"16,0 0-26-16,0 0 29 16,0 0 44-16,0 0-24 15,84-14-33-15,-77 14-18 16,1 0 1-16,5 0-3 16,7 0 4-16,18 0-3 15,19 0 2-15,19 2 6 16,24 7-8-16,22 5-13 15,28 6 7-15,35 10-9 16,29 11 1-16,34 4-4 0,24 9 4 16,13-1-4-16,0 3-27 15,-11 0-24-15,-25-1-74 16,-32-4-22-16,-35-9-44 16</inkml:trace>
+  <inkml:trace contextRef="#ctx0" brushRef="#br0" timeOffset="45891.14">16350 6817 114 0,'0'0'42'0,"89"1"0"0,-8-1 48 15,29 0-8-15,30 0-11 16,28 0-27-16,34 9-43 16,34 16 38-16,31 9-32 15,23 11 0-15,8 5 0 16,-3 2-1-16,-13 4 0 15,-22-4-6-15,-24-7-34 16,-35-3-17-16,-28-9-22 16,-34-8-20-16,-35-5-10 15,-33-12 0-15,-35-4 40 16,-33-4 25-16</inkml:trace>
+  <inkml:trace contextRef="#ctx0" brushRef="#br0" timeOffset="46440.12">15993 7281 245 0,'0'0'54'0,"0"0"-49"15,0 0 12-15,0 0 49 16,0 0-17-16,118 0-35 16,-22-9-14-16,39 1 5 0,35 2 36 15,38 6-21 1,29 0-1-16,30 17-12 0,28 7 7 15,11 3 0-15,1 11-14 16,-12 4-1-16,-21 3-10 16,-34-5-31-16,-34-4 12 15,-40-7-30-15,-36-9-11 16,-36-5 20-16,-35-6 16 16,-29-3 26-16,-27-6-6 15,-7 0-56-15,-40 0 4 16,-23-3 11-16</inkml:trace>
+  <inkml:trace contextRef="#ctx0" brushRef="#br0" timeOffset="47051.52">15989 7779 311 0,'0'0'72'15,"0"0"-72"-15,0 0-24 16,0 0 24-16,0 0 20 15,85 4 41-15,-7-4-29 16,32-11-24-16,31-2-3 0,30 11 15 16,31 2 15-1,28 0-3-15,23 14-17 0,13 7 11 16,1 6-15-16,-7 5-1 16,-14 3-10-16,-20-1-6 15,-24 0-20-15,-23-6-1 16,-28-7-4-16,-30 0-11 15,-30-6 6-15,-30-3 11 16,-24-5-20-16,-21 0 0 16,-15-5-1-16,-1-2-27 15,-11 0 60-15,-9 0 13 16,-3 0 0-16,2 0 3 16,2 0-5-16,4 0 2 0,-1 0-40 15,-1 0-112 1</inkml:trace>
+  <inkml:trace contextRef="#ctx0" brushRef="#br0" timeOffset="47814.17">16256 8120 66 0,'0'0'106'0,"0"0"-84"16,0 0-17-16,0 0-1 0,0 0 80 16,0 0-14-1,19 2-26-15,32-2-3 0,32 0 0 16,43 0 5-16,48 0-1 16,44 0 3-16,39 16-21 15,35 12-21-15,24 7 14 16,8 10-17-16,-6 1-3 15,-18-3 0-15,-32 1-28 16,-27-8-19-16,-40-2-8 16,-39-6 26-16,-38-6 26 15,-43-7-5-15,-35-3-67 16,-28-10-43-16,-18-2 44 16,-7 0 74-16,-29 0 2 0,-16-11-2 15,-9-2-12 1,-7-2-68-16</inkml:trace>
+  <inkml:trace contextRef="#ctx0" brushRef="#br0" timeOffset="49770.37">16908 9765 493 0,'0'0'54'0,"0"0"-54"16,0 0-15-16,0 0 14 16,-3 90 1-16,-5-34 20 15,1 8-19-15,1-2 9 16,3-2-7-16,3-7 4 15,0-11-7-15,3-9 0 16,12-15 0-16,3-11 2 16,4-7 1-16,5-3 9 15,4-23-2-15,2-10-8 16,-2-3-1-16,-1 0 1 16,-8 11 4-16,-6 10 0 15,-7 8 9-15,-1 10 0 0,-3 20-15 16,-1 32 2-16,-2 24-2 15,-2 12 18-15,0 3-2 16,-9-12-13-16,1-12-1 16,4-18 4-16,4-17-6 15,4-14-48-15,14-18-97 16,9-8-320-16</inkml:trace>
+  <inkml:trace contextRef="#ctx0" brushRef="#br0" timeOffset="49965.43">17548 9882 368 0,'0'0'121'0,"0"0"-107"0,0 117-10 16,0-47 33-16,0 7 6 16,1-2-14-16,2-6-18 15,-3-4-2-15,2-20-8 16,1-12-1-16,1-11-35 15,6-15-69-15,6-7-101 16</inkml:trace>
+  <inkml:trace contextRef="#ctx0" brushRef="#br0" timeOffset="50161.21">17863 10079 459 0,'0'0'86'0,"-85"0"-77"0,34 0 10 15,2 11 47-15,10 5-13 16,7 10-12-16,9 10-37 16,8 11-4-16,13 5 2 15,2 5-2-15,27-5 0 16,19-3-52-16,12-5-73 16,10-9-119-16</inkml:trace>
+  <inkml:trace contextRef="#ctx0" brushRef="#br0" timeOffset="50881.18">17184 11266 390 0,'0'0'4'16,"0"102"8"-16,-3-32 14 15,0-5-5-15,3-6-14 16,0-7-5-16,9-15-1 15,13-10 3-15,3-13-4 16,7-14-14-16,3 0-15 16,4-23-29-16,2-9 32 15,-3-9-3-15,-5-2 29 16,-5-1 21-16,-8 7 31 16,-7 14 37-16,-5 14-42 15,-8 9 27-15,0 0-57 16,0 22-14-16,0 13-3 0,0 9 9 15,0 1-1-15,0-2-3 16,0-4-5-16,0-6-15 16,0-8-70-16,7-12-60 15,14-10-167-15</inkml:trace>
+  <inkml:trace contextRef="#ctx0" brushRef="#br0" timeOffset="51159.16">17827 11547 481 0,'0'0'14'16,"0"0"2"-16,-58 100-8 0,47-63-3 15,7-4-5-15,4 0 4 16,0-5 0-16,22-9-4 16,6-11-21-16,7-8 18 15,1-7 2-15,-3-23 1 16,-5-9 13-16,-4-8 20 15,-7-5 16-15,-6-2 29 16,-10 4-19-16,-1 9-25 16,-4 10-24-16,-15 10-6 15,-4 12-4-15,-4 9-19 16,0 2-39-16,5 25-50 16,8 2-136-16</inkml:trace>
+  <inkml:trace contextRef="#ctx0" brushRef="#br0" timeOffset="52491.37">18410 11449 43 0,'0'0'42'0,"0"0"-1"15,-13 85-3-15,10-62 14 16,1-1-20-16,1-3-14 15,-1-2-14-15,1 1 3 16,-1 3-3-16,1-1-4 16,-2-5-86-16,1 0-108 0</inkml:trace>
+  <inkml:trace contextRef="#ctx0" brushRef="#br0" timeOffset="52993.5">18868 11332 295 0,'0'0'87'0,"0"0"-65"16,0 0 28-16,0 0 23 15,0 0-34-15,-88-52-5 16,67 52-31-16,3 0-2 16,-1 18-1-16,4 9-4 15,5 9 4-15,4 10-3 16,4 8 3-16,2 1 0 15,0-2 0-15,0-7-1 16,5-6-29-16,-4-6 10 0,-1-6 9 16,0-4 11-16,0-11 0 15,-1-3-3-15,-7-4 3 16,-2-6 2-16,-2 0 2 16,0 0 28-16,-2-6 19 15,4-15 2-15,2-1-33 16,8-11 9-16,0-2-8 15,23-8-15-15,18-2-6 16,14 0-6-16,14 5-30 16,9 4-77-16,4 7-163 15</inkml:trace>
+  <inkml:trace contextRef="#ctx0" brushRef="#br0" timeOffset="53533.54">19882 11305 17 0,'0'0'597'0,"0"0"-597"16,0 0 9-16,-11 139 13 15,2-69 20-15,-2-1-7 16,-2-3-21-16,-2-6-2 15,-3-9-11-15,4-12-2 16,3-10 3-16,6-16 0 16,4-7 1-16,-1-6-2 15,2 0 8-15,0-11 6 16,0-14-3-16,18-12-11 16,6-2-2-16,8-2 2 15,4 4-2-15,-3 10 0 0,-8 12 1 16,-11 9 0-1,-11 6-6-15,-3 0 6 0,0 5-16 16,-4 11 2-16,-12 8 14 16,0-3 1-16,2-2-1 15,6-2-4-15,8-5-48 16,0-3-31-16,8-4-27 16,15-5-91-16</inkml:trace>
+  <inkml:trace contextRef="#ctx0" brushRef="#br0" timeOffset="53684.27">20191 11653 61 0,'0'0'302'16,"0"0"-162"-16,0 0-90 0,83-48 39 16,-72 45-21-16,1 1-21 15,5 1-32-15,1 1-9 16,4 0-4-16,-3 0-2 16,-1 0-22-16,-1 0-105 15,-4 0-61-15,-1 0-163 16</inkml:trace>
+  <inkml:trace contextRef="#ctx0" brushRef="#br0" timeOffset="53773.14">20487 11559 98 0,'0'0'234'0,"0"0"-160"15,0 0-53-15,0 0-21 16,0 0-42-16,0 0-138 16</inkml:trace>
+  <inkml:trace contextRef="#ctx0" brushRef="#br0" timeOffset="56078.99">17634 9345 114 0,'-173'6'52'15,"7"38"-26"-15,3 21-2 16,9 19 29-16,12 19-11 16,10 12 13-16,19 10-20 15,25 16-21-15,33 7-14 16,42 11-1-16,31 5 0 16,62-6 1-16,46-9-15 0,41-15 2 15,31-16-48 1,20-26-16-16,4-28-25 0,-10-35 6 15</inkml:trace>
+  <inkml:trace contextRef="#ctx0" brushRef="#br0" timeOffset="56243.17">18339 11111 94 0,'116'-78'49'0,"-25"-16"-4"15,-18-16-35-15,-21-20-9 16,-12-20 35-16,-14-23 36 16,-11-7-10-16,-14 1 52 15,-1 7-75-15,-25 16-20 16,-22 5 3-16,-21 15-18 15,-21 23-8-15,-25 35-1 0,-28 39-25 16,-19 38-18 0,-16 16-66-16,-2 42-103 0</inkml:trace>
+  <inkml:trace contextRef="#ctx0" brushRef="#br0" timeOffset="57413.08">23013 11184 396 0,'0'0'115'0,"0"0"-114"16,0 0-1-16,6 88-3 0,-15-14 3 16,-12 8 31-1,-2 4-17-15,-3-4-12 0,-1-10 2 16,3-5-4-16,9-14-67 16,10-11-156-16</inkml:trace>
+  <inkml:trace contextRef="#ctx0" brushRef="#br0" timeOffset="57732.3">23330 11480 366 0,'0'0'142'0,"0"0"-106"15,0 0-29-15,0 0-4 16,-101 103 18-16,67-49-6 0,7-2-9 15,12 0-7-15,10-6 2 16,5-8 0-16,3-9 4 16,17-10-5-16,7-12 1 15,6-7 14-15,4-9-1 16,3-21 14-16,-1-12 1 16,-2-6 4-16,-5-5 10 15,-10-3-19-15,-7-10-12 16,-11 1-9-16,-4-2-3 15,0 8-11-15,-7 8-34 16,-8 15-37-16,-3 16-14 16,2 12-129-16</inkml:trace>
+  <inkml:trace contextRef="#ctx0" brushRef="#br0" timeOffset="58131.63">24029 11359 474 0,'0'0'45'0,"0"0"-38"16,-11 103-7-16,1-39 10 16,-2 1 10-16,1-2-13 15,-3-3-3-15,-4-3-3 0,-3-5-1 16,-1-8-1-16,2-13-10 15,5-10 3-15,5-14 7 16,2-7 2-16,-2 0 5 16,2-7 58-16,2-16-33 15,6-12 8-15,2-5-15 16,23-11-14-16,9-3 4 16,7 2-14-16,5-2 8 15,-1 6-16-15,-2 9 3 16,-4 3-4-16,-5 9 2 15,-6 2-14-15,-4 7-3 16,-9 1-7-16,-4 3 2 0,-4 0-8 16,-4 1-47-1,-3 0-88-15,0 4-32 0</inkml:trace>
+  <inkml:trace contextRef="#ctx0" brushRef="#br0" timeOffset="58483.06">24566 11379 483 0,'0'0'96'16,"0"0"-82"-16,-82 89-1 16,33-28 26-16,4 8 5 0,7 2-31 15,7 2-6 1,9-1-6-16,11-6 3 0,10-11-4 15,1-10 0-15,15-15-7 16,13-14 7-16,5-10 9 16,4-6-4-16,9-20 16 15,1-16-17-15,0-14 12 16,-6-10 8-16,-4-12-19 16,-5-7 12-16,-7-7-15 15,-7-2 1-15,-12 5-6 16,-6 11-6-16,-5 17-6 15,-19 17-48-15,-5 20 9 0,-9 16-32 16,-9 2-80 0,-1 21-209-16</inkml:trace>
+  <inkml:trace contextRef="#ctx0" brushRef="#br0" timeOffset="59263.17">25492 11798 430 0,'0'0'16'0,"0"0"54"15,0 0-57-15,0 0-13 16,0 0 6-16,-85 103 28 16,33-11 10-16,-2 5-32 15,2-4-6-15,6-10 0 16,10-16-4-16,14-21 10 16,10-20-15-16,9-16 3 0,3-10 0 15,0-10 18 1,6-24 6-16,19-20-24 0,11-15-17 15,10-12 17-15,5-8-2 16,6-13 0-16,1-5-3 16,1-3-6-16,4-2-20 15,0 8 20-15,1 15 4 16,-6 26-3-16,-9 30 10 16,-14 29-14-16,-13 8 29 15,-10 35-30-15,-12 17 11 16,0 5 0-16,-22-2 4 15,-14-7 3-15,-10-8 2 16,-8-5 3-16,-9-5-4 16,-3-3 10-16,-3-3-14 0,4-3-24 15,14-4-95-15,16-7-136 16</inkml:trace>
+  <inkml:trace contextRef="#ctx0" brushRef="#br0" timeOffset="59780.41">26905 10898 309 0,'-98'-125'78'0,"-41"1"-35"0,-44 0-39 16,-40 4 7-16,-39 16-6 16,-34 16 6-16,-30 22 1 15,-15 31-11-15,-8 26 28 16,-9 14 2-16,2 51-14 16,0 30 2-16,18 30-19 15,30 25 19-15,42 28-18 16,49 36-1-16,57 44-2 15,63 28-1-15,62 17 5 16,42-6-4-16,75-26-3 0,63-19-10 16,64-32-16-16,67-30-22 15,53-32 48-15,38-37 4 16,17-36 1-16,-5-26 10 16,-21-32-10-16,-31-18 4 15,-41-23 3-15,-41-34 6 16,-39-26 33-16,-35-22-26 15,-26-23-9-15,-23-14-4 16,-20-13-3-16,-19-14-4 16,-17-2 6-16,-22-5 29 15,-27 6-35-15,-17 8-24 16,-53 15-23-16,-43 27-77 16,-37 38-127-16</inkml:trace>
+  <inkml:trace contextRef="#ctx0" brushRef="#br0" timeOffset="60456.75">23129 13763 475 0,'0'0'8'0,"-24"91"-8"16,5-33 0-16,3-5-20 15,5-6 11-15,5-6 5 16,2-5-10-16,4-9-67 15,0-6-69-15</inkml:trace>
+  <inkml:trace contextRef="#ctx0" brushRef="#br0" timeOffset="60766.49">23521 13803 592 0,'0'0'53'16,"0"0"-39"-16,-94 16-14 15,58 19 3-15,-2 9-3 16,7 9 5-16,8 4-2 16,10-1-6-16,13-11-13 15,0-14-24-15,24-16-15 16,10-15 55-16,5-8 2 16,4-26-2-16,-9-11 45 15,-7-9 2-15,-10-6 18 16,-11 4-2-16,-6 5-32 15,0 10-12-15,-3 15 16 0,-8 9-35 16,4 7-2 0,2 7-2-16,2 3-41 0,2 0-42 15,1 8-73-15,0 5-15 16</inkml:trace>
+  <inkml:trace contextRef="#ctx0" brushRef="#br0" timeOffset="61242.32">23844 13829 391 0,'0'0'42'16,"0"0"-23"-16,27 103-11 15,-27-61 6-15,0 0-2 0,-12 1 16 16,-9-6-1 0,2-10-24-16,3-10 2 0,7-9 12 15,4-8 24-15,0 0 30 16,2-3 8-16,2-20-28 15,1-15-40-15,4-12-10 16,22-10 1-16,9-6-2 16,10-1-30-16,0 4-14 15,4 6-5-15,-3 12 14 16,-3 13-5-16,-10 9-28 16,-10 10 39-16,-10 9 15 15,-8 4 13-15,-5 0-2 16,0 0-11-16,-5 4 14 15,-20 23 49-15,-11 15 18 16,-3 11-28-16,2 5-3 0,11 2-22 16,10 3-2-16,12-6-10 15,4-9 3-15,0-11-5 16,9-13 4-16,8-14-1 16,7-10-2-16,2 0 6 15,5-21 9-15,6-13-14 16,-4-10 1-16,-2-4-3 15,-5-4 0-15,-8 7-16 16,-9 8-29-16,-9 14-12 16,0 9-51-16,-5 8-180 15</inkml:trace>
+  <inkml:trace contextRef="#ctx0" brushRef="#br0" timeOffset="61978.35">24915 14204 385 0,'0'0'62'16,"-42"114"-40"-16,18-57-4 16,1-8-2-16,2-1 55 15,0-5-21-15,1-10-31 16,7-6-17-16,3-11 6 16,7-9-8-16,3-7 2 15,0-2 16-15,0-22 5 16,14-16-19-16,7-13-4 15,8-8 0-15,8-12 0 16,8-4-21-16,5-4 7 16,6 9-2-16,-3 20 2 0,-8 19-4 15,-14 21 11-15,-13 12 7 16,-4 0 21-16,-7 19-17 16,-4 10 6-16,-3 1 2 15,0 0-5-15,-18 1-2 16,-7 2-5-16,-12-2 3 15,-5-1-3-15,1-4-24 16,10-5-103-16,15-6-193 16</inkml:trace>
+  <inkml:trace contextRef="#ctx0" brushRef="#br0" timeOffset="62224.21">25370 14269 480 0,'0'0'55'0,"0"0"-55"16,0 0 0-16,0 0 4 16,0 0 46-16,0 0-16 15,105 0-26-15,-64 0-8 16,6 0-3-16,3-7-49 16,-5-2-17-16,-5 4-49 15,-10-1 15-15,-7 3 31 16,-6 3 65-16,1 0-2 15,3 0-3-15,3 0-64 0,1 2 33 16,5 8 8 0</inkml:trace>
+  <inkml:trace contextRef="#ctx0" brushRef="#br0" timeOffset="62391.16">26113 14373 29 0,'0'0'72'16,"149"68"-6"-16,-56-32-4 15,7 2 8-15,0-6-3 16,-6-3-42-16,-12-1 3 15,-12-5 2-15,-12-2-4 16,-7-4-18-16,-11 2-8 16,-4-8-9-16,-6-1-32 15,-6-1-42-15,-11-4-45 16,-9-3 28-16</inkml:trace>
+  <inkml:trace contextRef="#ctx0" brushRef="#br0" timeOffset="62797.88">22480 14627 590 0,'0'0'53'0,"-105"-6"-53"0,110 19-57 16,62 1-10-16,48-2 67 15,48-2 40-15,55-2-13 16,52 6-27-16,43 9 25 16,38 3-19-16,17 10 0 15,11 13-6-15,-5 2 0 16,-8 1 8-16,-27 1-8 15,-42-11 0-15,-53-4-4 16,-59-1-2-16,-55-8 2 16,-45-6 0-16,-39-11 4 15,-31-5 0-15,-15-5-43 16,-37-2-44-16,-35 0 47 16,-32-7-86-16,-30-14-59 15,-22-7 63-15</inkml:trace>
+  <inkml:trace contextRef="#ctx0" brushRef="#br0" timeOffset="62990.12">24882 14916 74 0,'-235'-14'132'0,"6"9"-38"16,11 5-48-16,20 0-27 15,37 0 4-15,50 0-10 16,58 3 2-16,57-2 30 16,101-1 14-16,78 8-18 15,80 4-16-15,56 10-25 16,39 8-25-16,7 1 10 15,-20-1-3-15,-39-9-15 16,-51-8-38-16,-51-10-38 16,-42-3 27-16,-42 0-6 0</inkml:trace>
+  <inkml:trace contextRef="#ctx0" brushRef="#br0" timeOffset="65024.85">17087 4587 67 0,'0'0'72'15,"0"0"-33"-15,0 0 9 16,0 0 25-16,0 0-21 16,0 0 3-16,0 0-18 15,0-39 1-15,0 38-7 16,0-1-18-16,0 2-13 0,-17 0 7 15,-5 11-7-15,-14 15 7 16,-6 5-7-16,-3 3 0 16,-1 1 13-16,4 1-13 15,8 0-3-15,6-6 3 16,7-3-1-16,6-3 0 16,2-2-10-16,5-6-19 15,2-5 0-15,2-8 9 16,1 1-10-16,3-4 17 15,0 0 12-15,0 0 0 16,0-11-9-16,0-9-29 16,0 0 40-16,4 3 14 15,-2 4 19-15,-2 6 2 16,0 3 9-16,0 4-10 16,0 0-17-16,0 0-17 0,0 0-3 15,0 3-11 1,0 9 14-16,0 1 1 0,0-3 1 15,0-2-2-15,0 0 2 16,0-3 4-16,0 0-3 16,0-4-1-16,13 2-2 15,13-3 16-15,5 0-16 16,5 0-28-16,-6-4-167 16</inkml:trace>
+  <inkml:trace contextRef="#ctx0" brushRef="#br0" timeOffset="66263.35">17327 4203 280 0,'0'0'6'0,"0"0"13"0,0 0-4 15,0 103 11-15,0-80 13 16,0-2-17-16,0-2 0 16,0-1-19-16,0-3-1 15,-2-6 4-15,1-3-4 16,1-4-2-16,-3-2 6 15,3 0-2-15,0 0 23 16,0-17-5-16,0-8-18 16,0-4-3-16,0-6 1 15,12-4-2-15,1-3 1 16,7-3 4-16,5-2-1 0,5 3-4 16,3 8 0-16,4 1 1 15,-3 15 4-15,-2 7 0 16,-10 9 12-16,-7 4-17 15,-6 1 0-15,-6 15-4 16,-3 3 4-16,0 5-4 16,-16 0 7-16,-10 0-3 15,-2 3 8-15,-2-4-6 16,4 4 2-16,3-7-4 16,2 1 0-16,7-3 0 15,1-6 0-15,7 1 0 16,5-4 0-16,1 4 4 0,0-3 0 15,1 3 2-15,17-2 4 16,9-2 7-16,4-2-17 16,0 1 0-16,-1 3-21 15,-3-9-157-15,-1 0 10 16</inkml:trace>
+  <inkml:trace contextRef="#ctx0" brushRef="#br0" timeOffset="66714.35">17976 3941 282 0,'0'0'108'15,"0"0"-55"-15,0 0-49 16,0 0 25-16,0 0 34 15,-91 84-39-15,70-51-1 16,2 2-15-16,4 3-7 16,3 2 1-16,1-2 1 15,7-1 3-15,2-6-6 16,2-9-4-16,0-7 3 16,6-7-28-16,14-8 25 15,3 0 4-15,3-19 12 16,4-11-11-16,1-6-1 15,-4-1 2-15,-5 0 10 16,-2 4-11-16,-8 6 11 0,-3 8 1 16,-2 10 2-16,-7 9 11 15,0 3-26-15,0 24-9 16,0 8 9-16,-4 6 0 16,-2 0 7-16,1 0-5 15,1-2 2-15,1-5-4 16,1-2 0-16,1-6-46 15,1-6-52-15,0-5-132 16</inkml:trace>
+  <inkml:trace contextRef="#ctx0" brushRef="#br0" timeOffset="67292.16">18272 4205 188 0,'0'0'130'15,"0"0"-31"-15,0 0-29 0,1-113 12 16,12 75-31-16,1 1-20 16,5 2-2-16,1 8-17 15,0 7 8-15,1 6 7 16,-6 6-13-16,-3 5-13 16,-1 3 2-16,-7 0-6 15,1 2-2-15,-5 13-7 16,0 6 8-16,-8 6-5 15,-17 0 9-15,-10-2-3 16,-2 0-19-16,0-3-15 16,5-4 18-16,13 2-3 15,13 2 14-15,6 4-11 16,5 1 17-16,14 2 0 16,-1 1 4-16,-5-2 3 0,-4-7-5 15,-4-4 4-15,-4-10 15 16,2-4-1-16,-3 1 6 15,0 1 1-15,0-1-24 16,-13 4 6-16,-11-1 5 16,-9 2-7-16,0-4 14 15,6-1-19-15,7-3-24 16,8-1-20-16,2 0-22 16,3 0-61-16,7-12-127 15</inkml:trace>
+  <inkml:trace contextRef="#ctx0" brushRef="#br0" timeOffset="67764.14">18952 3639 137 0,'-108'-44'66'16,"-19"6"-7"-16,-17 8-38 16,-21 10 27-16,-12 15 12 15,-8 5 16-15,-1 20-18 16,13 20-35-16,13 20-18 16,19 28 1-16,24 23 2 0,21 20-8 15,23 10 0-15,27 0 1 16,25-4-6-16,21-8 4 15,33-13 1-15,33-8-3 16,26-16 3-16,26-21 6 16,26-21 1-16,24-35 21 15,18-15-12-15,16-32-7 16,1-25-7-16,-4-14-4 16,-11-14 13-16,-19-16-8 15,-21-12 9-15,-30-9-8 16,-35-3 5-16,-35 0-2 0,-32 3-7 15,-16 12 0 1,-25 7 0-16,-27 15-11 0,-14 25-35 16,-13 17 14-16,-9 26-43 15,-6 20-58-15,-3 4-121 16</inkml:trace>
+  <inkml:trace contextRef="#ctx0" brushRef="#br0" timeOffset="86226.09">25644 1480 48 0,'0'0'405'0,"0"0"-380"16,0 0-25-16,-91 83 0 15,51-25-3-15,9 1 3 16,10-5 0-16,6-2-1 15,9-5 8-15,6-8-12 0,0-8 5 16,2-11-18-16,14-9 7 16,2-11 3-16,7 0 8 15,4-18 23-15,4-17-6 16,2-6 17-16,0-4 15 16,-4-1-35-16,-7 2 19 15,-8-2 1-15,-13 5 13 16,-3 3-42-16,-6 10-5 15,-18 8-11-15,-7 9-64 16,0 8-71-16,2 3-57 0</inkml:trace>
+  <inkml:trace contextRef="#ctx0" brushRef="#br0" timeOffset="86641.29">26040 1294 453 0,'0'0'0'16,"0"105"12"-16,-6-10 14 15,-18 11 19-15,-7 4 7 16,-9-3-2-16,1-5-40 16,-2-12-5-16,4-12 2 15,12-23-4-15,7-19-6 16,10-16-2-16,8-17 5 15,0-3 0-15,0 0 2 16,0-26 5-16,3-18-7 0,20-14 0 16,8-13 1-16,9-8 0 15,11 6 13-15,6 6-14 16,3 19 6-16,-10 19 2 16,-12 13 9-16,-19 11 3 15,-12 5-17-15,-7 0-3 16,0 14-13-16,-1 12 9 15,-16 2-1-15,-5 2 5 16,0 1-20-16,1-3-38 16,4 1 1-16,3 1-11 15,2 0-57-15,5-1-41 16,7-6-41-16</inkml:trace>
+  <inkml:trace contextRef="#ctx0" brushRef="#br0" timeOffset="87007.37">26319 1867 193 0,'0'0'156'16,"61"-92"-59"-16,-35 48-19 16,-7 8-19-16,-9 10 21 15,-2 16-20-15,-7 4-19 16,-1 6-26-16,0 0-15 16,-7 17-22-16,-13 15 22 15,-2 3 0-15,7-4 0 16,6-7-43-16,9-4-20 15,0-9 39-15,5-4 0 0,11-7 10 16,5 0 13-16,3 0 2 16,3-13 0-16,0-2 10 15,2-1-8-15,0 3 0 16,-1 2 15-16,-3 7-13 16,1 4 4-16,-2 0-9 15,0 5 7-15,1 12-7 16,3-1 0-16,0 2 0 15,4-1-1-15,-1-3 7 16,-3-1-8-16,2-3 6 16,-6-3-8-16,-6-2-16 15,-7-3-75-15,-11-2-122 0</inkml:trace>
+  <inkml:trace contextRef="#ctx0" brushRef="#br0" timeOffset="87362.07">27962 1623 385 0,'0'0'44'0,"-144"37"-34"15,73 18-10-15,13 12 0 16,16 8 1-16,16-2 2 15,16-5 12-15,10-9-15 16,6-11-3-16,28-11-52 16,13-10-85-16</inkml:trace>
+  <inkml:trace contextRef="#ctx0" brushRef="#br0" timeOffset="87651.88">28233 1848 53 0,'0'0'366'0,"0"0"-333"16,0 0-33-16,-77 100 31 15,47-57-13-15,5-2 7 16,9-4-17-16,6-14-3 16,6-7-10-16,4-9 10 15,0-7-5-15,0 0 27 16,16-7 80-16,11-13-41 15,7-11-57-15,5-7 6 0,4-5 5 16,0-6-17-16,1 3-1 16,-9 13-2-16,-12 8-16 15,-11 14 1-15,-11 11-46 16,-1 0-104-16,-4 7-309 16</inkml:trace>
+  <inkml:trace contextRef="#ctx0" brushRef="#br0" timeOffset="88298.3">29200 1322 446 0,'-136'-113'3'16,"-22"-1"-3"-16,-9 2 3 15,0 3 10-15,-5 5 1 16,-10 13-13-16,-21 20 1 16,-22 17-4-16,-18 27 2 15,-17 27-1-15,-11 29-2 16,-7 41-4-16,-1 33 7 15,9 23 0-15,18 19-8 16,27 15 7-16,41 15-4 16,50 4 3-16,64 3-6 0,70 3-16 15,54-14 16 1,84-11 8-16,64-16 0 0,60-20 2 16,58-23 0-16,40-24 16 15,36-28-18-15,14-24 0 16,-2-25 26-16,-22-10-22 15,-38-34 5-15,-49-21 16 16,-47-21-23-16,-50-13 0 16,-51-11-4-16,-47-7-3 15,-41-1 3-15,-39 0 4 16,-24 3-4-16,-17-10-5 16,-47-4-21-16,-38 6-17 15,-42 14-205-15</inkml:trace>
+  <inkml:trace contextRef="#ctx0" brushRef="#br0" timeOffset="101225.2">22028 5828 368 0,'0'0'121'15,"0"0"-108"-15,124-12-9 16,-58 12-2-16,20 0 38 0,20 0-32 16,15 4 1-1,7 4-18-15,-4 0 9 0,-12-3-7 16,-14-1-1-16,-20-4-9 15,-18 1-26-15,-23-1-60 16,-25 0-157-16</inkml:trace>
+  <inkml:trace contextRef="#ctx0" brushRef="#br0" timeOffset="102560.98">21839 5923 0 0,'0'0'14'0,"0"0"29"16,0 0-6-16,0 0 55 16,4 108-33-16,-4-60-10 15,-6 6-3-15,-4 4-8 16,-4 1-22-16,4 9 17 16,-5 10-26-16,0 9 6 15,-6 5 1-15,-2 4 7 16,-5 3-8-16,0-1-5 0,1-4 17 15,3 0-6-15,9-9-3 16,5-8-12-16,9-11-1 16,1-9 0-16,0-8 6 15,0-8-9-15,-2-6 0 16,-1-4 1-16,-2-4 2 16,1 0-2-16,-2-4 1 15,-1-4 4-15,1 3 0 16,3-5-4-16,0-3-1 15,1-4 1-15,2-4 0 16,-1-4-1-16,1-1 0 16,0-1 2-16,0 0 2 15,0 0 8-15,0 0 1 0,0 0 6 16,1 0-12-16,16 0 6 16,10-6-11-16,5-1 1 15,10 0 2-15,7 1-6 16,14 3-4-16,16 2 4 15,16 1 1-15,13 0 1 16,7 16-2-16,9 5 0 16,3 2 0-16,0 1 0 15,-3-7 0-15,-8 1-2 16,-12-7 2-16,-15-1 0 16,-16 0 0-16,-8-3-3 15,-13 2 3-15,-7-4-1 0,-5 0 1 16,-12-2 0-16,1-1 4 15,-5-2 30-15,-4 0-9 16,-2 0-1-16,-3 0-2 16,-4 0-15-16,-5 0 3 15,-5 0-1-15,2 0 0 16,-3 0 7-16,0 0-7 16,0 0-5-16,0 0 3 15,1 0-7-15,-1 0 2 16,3-3 1-16,2-1-2 15,1-1-2-15,0 4 1 16,-1-3 0-16,-1 0 3 16,-1 1-3-16,0-3 1 0,0 1 5 15,0-5 4 1,3-4 4-16,-2-7-5 0,2-1-3 16,2-3 8-16,-5-5-14 15,0-7 6-15,0-6-4 16,0-9 0-16,1-9-2 15,6-8 1-15,4-7 0 16,7-10-2-16,5-8 0 16,3-3-4-16,0-2 0 15,-3 2-17-15,0 6 9 16,-7 2 4-16,-5 5-8 16,-7-4 7-16,-3 2-4 0,-4 10 14 15,0 4 0 1,0 15 0-16,0 15-4 0,-8 13 3 15,0 9-8-15,2 10 5 16,1 3-26-16,4 5-17 16,1-1 32-16,0-1-15 15,0-1 17-15,0-2-2 16,0-4-20-16,0-2 35 16,4 2-4-16,-2-3 4 15,1 1 2-15,-2-3 2 16,1 2-4-16,0 0 0 15,-2 0 1-15,1 0 0 16,1 1 0-16,-2 1 4 16,1 2 16-16,-1-2-18 15,0 2 13-15,0 3-13 0,0 0-2 16,0 3-1 0,0 2 0-16,-6 2-8 0,-12 0-38 15,-6 0-113-15,-13 0-96 16</inkml:trace>
+  <inkml:trace contextRef="#ctx0" brushRef="#br0" timeOffset="105484.17">22152 5571 30 0,'0'0'30'0,"0"0"-21"16,0 0 77-16,0 0-28 15,-67 100-17-15,35-71 3 16,0 0-28-16,-3-3-4 16,1-2-5-16,1-1 2 15,2-2-4-15,2-1-2 16,3-3-3-16,2-2 0 15,3 0-10-15,7-5-25 16,8 1-28-16,6-7-9 16,0-4-20-16</inkml:trace>
+  <inkml:trace contextRef="#ctx0" brushRef="#br0" timeOffset="107517.19">22301 5547 30 0,'0'0'29'0,"0"0"-27"0,0 0 1 16,0 0 26-16,0 0 14 15,0 0 5 1,-15 0-10-16,15 0-6 0,0 0 2 16,0 0-15-16,0 0-12 15,0 0 0-15,0 0-5 16,0 0 0-16,0 0-2 15,0 0 2-15,0 0 2 16,0 0-4-16,0 0 6 16,0 0 3-16,0 0 1 15,0 0 4-15,0 0-10 16,2 0 4-16,11 0 1 16,8 0 33-16,3 0-22 0,1 1-5 15,11 1-3 1,9 2 8-16,14 2 0 0,18 2-15 15,19 1-5-15,14 3 2 16,9 3-2-16,0 2 0 16,-3 5 0-16,-8-2-7 15,-8 2-10-15,-3-1-27 16,-9 0 40-16,-3-2-35 16,-6-2 27-16,-12-3 10 15,-9-3-5-15,-10-2-6 16,-8-4 6-16,-10-3 1 15,-9-2 12-15,-6 0-9 16,-6 0 8-16,-4 0 3 16,-4 0-8-16,-1 0 5 0,2 0 3 15,1 0-2-15,1 0-3 16,0 0-1-16,2 0-2 16,-1 0 10-16,2 0-9 15,2 0 0-15,0 0-1 16,2 0 0-16,0 0-1 15,0 0 1-15,-3 1 0 16,-2 3-4-16,-1-4 4 16,-2 0-6-16,-3 0 5 15,0 0 1-15,0 0-6 16,0 0 6-16,0 0 6 16,0 0 4-16,0 0-2 15,0 0-7-15,0 0-1 0,0 0-8 16,-3 0 3-1,-1 0-14-15,1-1-9 0,0-2 4 16,-1 0-11-16,0 1-39 16,1 2 42-16,2-2-37 15,-1 2 42-15,2-1 12 16,0-1 12-16,0 2 3 16,0-1 3-16,0-2-2 15,0 1 3-15,0-1-4 16,0 2 9-16,2 0-8 15,1-1 1-15,-2 1 2 16,3-1-4-16,-1 2-1 0,0-2-1 16,0 0 2-16,0 1 19 15,-1-1 7-15,0 0-13 16,1 0-11-16,-2 1 6 16,1 0-5-16,-2-2-3 15,0 1 0-15,0 2 0 16,0-1 10-16,0 1-3 15,0 0-7-15,0 0 0 16,0 6 0-16,-10 9 26 16,-2 3 19-16,-2 6-10 15,2 0-16-15,2 7-3 16,-1 3 13-16,-1 8-12 16,2 4-1-16,-3 3-1 0,0 1-3 15,3-3 2 1,-2-1-1-16,6-4-7 0,-1 1 8 15,-3 0-9-15,2 9 6 16,-3 6-6-16,1 4 0 16,-3 7 5-16,-1 1-9 15,-1-7 5-15,5-6-6 16,1-6 0-16,3-11 0 16,1-6 7-16,2-4-6 15,2-8-1-15,-1-5 0 16,1 0 1-16,-1 3 0 15,-1 0 0-15,0 2-1 0,-1-2 5 16,-2 1-3 0,2-2 8-16,-1-1-9 0,2 2-1 15,0-3 4-15,0-2-3 16,-3 2-1-16,-1 2 2 16,1 3-2-16,0 2 0 15,0 3 0-15,3-1 0 16,-2-3 1-16,5-6 3 15,0-6-5-15,0-4 2 16,0-3-1-16,0-3 0 16,0-1 1-16,0 0 1 15,0 0-2-15,0 0 1 16,0 0 5-16,0 0-1 16,0 0-3-16,0 0 1 15,0 0 5-15,0 0-1 0,0 0-4 16,0 1 2-16,0-1 4 15,0 0-5-15,0 0-2 16,0 0 2-16,0 0-4 16,0 0-1-16,0 0 1 15,0 0 0-15,0 0 0 16,0 0 0-16,0 0-2 16,0 1-1-16,0-1 3 15,0 0 0-15,0 0 1 16,0 0-1-16,0 0 0 15,0 0-1-15,0 0 0 16,0 0 1-16,0 0-3 0,0 0 0 16,0 0 3-1,0 0-1-15,0 0 1 0,0 0 0 16,0 0 1-16,0 0 0 16,0 0-1-16,0 0 4 15,0 0-4-15,0 0-4 16,0 0-10-16,0 0-6 15,0 0-14-15,0 0-6 16,-2 0-13-16,-2 0-11 16,0 0 4-16,-1 2 30 15,1-2-2-15,-1 1-13 16,4 2-49-16</inkml:trace>
+  <inkml:trace contextRef="#ctx0" brushRef="#br0" timeOffset="107723.04">23754 7363 61 0,'0'0'89'16,"0"0"19"-16,0 0 9 15,-91 72-36-15,62-53-48 16,-1 1 14-16,2-3-22 16,-1-1-6-16,-3-1-17 15,-2-1 2-15,3 1-4 16,0-6-13-16,5-2-35 15,4 0-23-15,7-7-65 16,8 0-95-16</inkml:trace>
+  <inkml:trace contextRef="#ctx0" brushRef="#br0" timeOffset="109970.34">22203 5486 68 0,'0'0'91'15,"0"0"-42"-15,0 0 28 16,0 0 12-16,0 0-29 16,0 0-40-16,95-52 14 15,-67 34-30-15,8-3 24 16,2-1-13-16,6-2-9 16,3-2-6-16,2-3 0 15,-4 2-10-15,-5-1 13 16,-7 4-3-16,-11 0 12 15,-4 1-4-15,-7 5 8 0,-4 2 15 16,-4 0-16-16,-2 4-4 16,-1 4-6-16,2 7-1 15,-2-1 10-15,0 2-6 16,0 0-8-16,1 0 0 16,-1 0 0-16,0 0 0 15,0 0-1-15,0 0 1 16,0 0-1-16,0 0 1 15,2 0-7-15,-2 0 7 16,1 0-11-16,2 0 3 16,2 0-1-16,4 3 9 15,4 7 8-15,2 0-8 16,3-3 0-16,6 2 1 16,4 2 4-16,6 3-10 15,5 2 10-15,7 3-4 0,2 0-1 16,6 0 3-16,7-1-10 15,3-2 10-15,4-1-13 16,-3 4 10-16,-1-3-16 16,2 0 14-16,-1 1 2 15,-2 2-13-15,-3 0 8 16,-8-2 3-16,-4-1 2 16,-6-2 6-16,-3 0-6 15,1-3-5-15,-3 2 5 16,-1-6 1-16,-2 2 6 15,-2-4-4-15,-4 1-2 16,-3-2 3-16,-3-2-4 0,1 2-8 16,-1 0 7-1,1-1 2-15,-3-1 3 0,-1 0-4 16,-3-1-4-16,-4 1 3 16,-2 0-1-16,2 0 2 15,-3-2 0-15,-4 0-3 16,-1 0 3-16,-2 0 0 15,2 1 0-15,0-1-3 16,4 0-35-16,3 2 35 16,0-2-11-16,1 1 14 15,0 2-12-15,0-3-1 16,0 1 13-16,1-1-2 16,-2 0 2-16,-2 0 0 15,3 0 0-15,-5 0 0 16,2 0-10-16,-3 0 10 0,0 0 0 15,-4 0 12-15,-2 0-12 16,0 0 4-16,0 0-2 16,0 0-2-16,0 0 0 15,0 0-1-15,0 0 2 16,0 0-2-16,0 0 1 16,0 0-4-16,0 0 4 15,0 0 0-15,0 0 0 16,0 0-1-16,0 0-6 15,0 6-2-15,0 0-4 16,-6 4 13-16,0 3-2 0,1-4 4 16,1 9-2-16,-1 1 0 15,-2 6 3-15,-3 5-3 16,0 5 11-16,1 5-9 16,-1 2 16-16,4 1-17 15,0-2 1-15,0 1 2 16,0 0 3-16,-1 2 2 15,-1 1-6-15,-1 5-3 16,-4 1 3-16,-1-2 1 16,1-6-2-16,1 0 4 15,2-6-6-15,-2 3 0 16,0 2 1-16,-3-2 7 16,0 1-8-16,-1-4 0 15,1 1-2-15,-2-6 2 0,5-3 0 16,3-3 1-1,-1 4 0-15,1 0-1 0,0 2 5 16,0 0-3-16,2-2-2 16,2-4 6-16,4-4-6 15,-1-4-1-15,2-1 1 16,0-6 1-16,0 7 1 16,0-2-2-16,0 4 0 15,-3 3 0-15,-1 6 2 16,-2-2-2-16,0-1 8 15,3-6-8-15,1-6 1 16,2-5-2-16,0-3 2 0,0-4-1 16,0-1 1-16,0-1 2 15,0 0 1-15,0 0 3 16,0 0 10-16,0 0-2 16,0 0-12-16,2-3 3 15,1 1-4-15,-3 2-4 16,0 0 2-16,0 0-3 15,0 0-16-15,0 0-11 16,0 0 13-16,0 0 3 16,0 0 1-16,0 0 7 15,0 0 2-15,0 0 4 16,0 0-2-16,0 0 2 16,0 0 0-16,0 0-1 0,0 0 0 15,0 0-11 1,0 0 3-16,0 9 9 0,-6 1 8 15,-2 3-2-15,2-2 7 16,2-2-9-16,1-2-4 16,0-4 3-16,2 1-2 15,-1-2 3-15,-2 3-4 16,-7 3-3-16,-10 6 3 16,-4 2 0-16,-6 1 2 15,-2 5 0-15,0-2 1 16,5-2-6-16,6 1 3 15,6-9-2-15,6-2-75 16,-2-8-159-16</inkml:trace>
+  <inkml:trace contextRef="#ctx0" brushRef="#br0" timeOffset="111207.5">22177 5717 163 0,'0'0'152'0,"0"0"-129"15,0 0-18-15,0 0-5 0,0 0 15 16,0 0 3-16,42 35 39 15,-13-24-48-15,2 5 5 16,10 2 4-16,9 0 6 16,11 5-20-16,15 0-4 15,15 4 0-15,14-1-7 16,6-1 13-16,1-1-6 16,-1-4 20-16,-14-3-20 15,-12-3 8-15,-15-5-18 16,-15-1 20-16,-13 0-23 15,-8-4 22-15,-4 2-9 16,-2-5 0-16,-1 1 11 0,-3-2-5 16,-6 1-6-16,-6 1 0 15,-6-1-2-15,-5 2 4 16,-1 1-4-16,3-2 2 16,2 0-16-16,4 1-28 15,1 0-6-15,2 1-36 16,-2-1-2-16,-2-3 20 15,-6 0-4-15</inkml:trace>
+  <inkml:trace contextRef="#ctx0" brushRef="#br0" timeOffset="111819.9">22132 5885 104 0,'0'0'53'0,"0"0"-23"0,0 0 43 16,0 0 30-16,0 0-32 15,0 0-45-15,-53-26-4 16,53 26 2-16,0 0-10 15,0 0-14-15,0 0 0 16,0 0 1-16,0 0 0 16,0 0-1-16,0 0-6 15,13 0 6-15,14 0 30 16,15 0-18-16,10 0 16 16,19 0-19-16,16 0-2 15,19 6 20-15,13 0-15 0,7 4-12 16,1-3 1-1,-5 2-2-15,-10-2-11 0,-17 1-47 16,-20-2 44-16,-20 1 28 16,-19-1-13-16,-11 1 0 15,-7 0-22-15,2 0 12 16,-7-3 10-16,-1 0 0 16,-3 1-23-16,-6-3 8 15,-1 1-14-15,-2 0-31 16,0-2-91-16,-23-1-64 15</inkml:trace>
+  <inkml:trace contextRef="#ctx0" brushRef="#br0" timeOffset="114480.07">23281 5911 5 0,'0'0'46'16,"0"0"-31"-16,0 0 24 16,0 0 13-16,0 0-10 15,0 0 3-15,72 0-1 16,-67 0-12-16,0 0-7 15,4 0-14-15,6 3-7 16,8 6 27-16,3 0-20 0,6 2-3 16,1-1 30-16,-2 0-28 15,-3-2 5-15,-1-1 0 16,-3-1-15 0,-4 1 12-16,-4-4-12 0,-4 0-1 15,0 0 0-15,-5 0 2 16,-1-1 7-16,-1 0-7 15,-1 1-2-15,-1-2 1 16,0 2-4-16,0-1 2 16,-2 3 2-16,2-1-6 15,-1 2-3-15,2 2-4 16,-2 0 8-16,0-2 0 16,1 0 5-16,-3 0 0 15,1-4 0-15,1 1 0 16,-1 0-1-16,-1 3 1 0,2-2 0 15,-2 5 0-15,0 1-12 16,0 6-8-16,0 4 13 16,-5 5 1-16,-7 4 6 15,-4 0 22-15,1 2-14 16,0 5 18-16,1 0-23 16,0 7 7-16,-2 5-7 15,-1 1 0-15,2 5 5 16,-2 3-7-16,1 3 0 15,-3-2-1-15,3-4-7 16,3 1 1-16,4-9 5 16,2-3 2-16,-2-1-1 0,-2-3 2 15,1-2-4-15,-2-1 9 16,0 0-7-16,3-4 2 16,-1-2-2-16,4-5 3 15,3-1-1-15,0-3 1 16,0 2-2-16,1-5 3 15,2-2-1-15,-1-1-1 16,1-1 2-16,0 1 0 16,0-4 3-16,0 2-4 15,0 0-1-15,0-3-2 16,0 0 2-16,0 2-2 16,0 0 1-16,0 4 0 15,0-2-1-15,0 1 0 0,0 1 0 16,0-4-1-16,0 3 3 15,0-1-2-15,-2 2 0 16,-3-2-2-16,-2 4 1 16,0-1 2-16,1-2 2 15,0-2-3-15,3-3 0 16,-1-4 9-16,2-1-6 16,-1 3-2-16,0 1 4 15,0-1-4-15,-2 2 13 16,4 2-1-16,-2-6-5 15,1 2-3-15,2-5 3 16,-1 1-4-16,1-1 0 0,0-3-1 16,0 3-1-16,0-2-2 15,0 2 2-15,-2 3-3 16,-1 2 1-16,1 2 0 16,-1-3 0-16,0 3 1 15,1-4-1-15,1 0 0 16,-1-1 3-16,2-2-1 15,0-2-2-15,0 2 0 16,-1 4 1-16,-1 2 0 16,-1 2-1-16,0 5 1 15,2 1-1-15,-1 3 0 16,1 2-1-16,1-6 1 16,0-3-2-16,0-9 0 0,0-3 2 15,0 1 2 1,0-2-2-16,-4 0-4 0,-3 0-6 15,-3-3 5-15,-5-9 5 16,-8 3-22-16,-2-5 13 16,0 2-3-16,-2-6-15 15,2 0 12-15,4 1 15 16,-5-2 4-16,0-1 3 16,-4 1-7-16,-5 3-1 15,-5 3-7-15,-9 1-6 16,-2 4-8-16,3 4 20 15,5 1 2-15,7 3 4 0,2 0 2 16,3 0-6 0,-1 0 2-16,-2 0-4 0,1 0-15 15,-3 0 4-15,-1 0-23 16,-5 0 23-16,-1 0 12 16,-6 0 1-16,-1-4 0 15,0-1 0-15,2 1 3 16,6 0-3-16,5 2 6 15,3-2 3-15,2 3-1 16,-1-1 0-16,0 1-6 16,-2 1 1-16,-1-2-2 15,2 2 1-15,-1 0-2 16,3 0 4-16,0 0 0 16,1 0 1-16,3 0-3 15,-1 0-2-15,6 0 7 0,0 0-7 16,2 0 2-16,0 0 0 15,-1 0-2-15,-4 2 1 16,-2 1 0-16,1 4-1 16,2-4 0-16,7 0 2 15,2-2 2-15,5-1 6 16,4 0-2-16,4 0 3 16,3 0 19-16,0-3 18 15,0-13-41-15,8 1-3 16,3-2-2-16,-2-1 11 15,0 1-4-15,0-2-2 16,0-2 2-16,2-3-9 0,3-1 7 16,1-6-4-16,6-8-2 15,3-7 2-15,3-6-3 16,1-7 2-16,0-3-1 16,-2-3-1-16,-5 1 0 15,-5 1 7-15,-4 1 2 16,-4 1 1-16,-5 3-10 15,0-3 1-15,1 0-1 16,0 1 2-16,1 2 0 16,-1 1-2-16,0 1 0 15,0 1 1-15,-1 5-1 16,3 10 0-16,-3 6 0 16,1 11 2-16,2 4-2 15,2 5 0-15,5-1-9 16,2 1 9-16,1-1-2 0,0 0 2 15,-2-3 4-15,-2-3 16 16,0 1-7-16,0-3-9 16,-1 1 1-16,0-2 9 15,-3 5-10-15,-2-1 1 16,-1 2 14-16,-4 2-13 16,1 2-4-16,-2 2-2 15,0 4 5-15,0 5-10 16,0 2 5-16,0 0-22 15,1 1-34-15,4 0-76 16,0 9-113-16,4 18 8 16</inkml:trace>
+  <inkml:trace contextRef="#ctx0" brushRef="#br0" timeOffset="115091.51">22127 6668 80 0,'0'0'102'16,"0"0"-37"-16,-23 114 6 16,14-79-23-16,0-6 16 15,0-2-29-15,2-9-17 16,0-6-5-16,4-4-8 15,3-6 3-15,0-2 12 16,-2 0 16-16,2-7 22 0,0-16-8 16,0-8-50-16,0-8 2 15,15-6 0-15,4-3-1 16,8-6-1-16,3-3-12 16,1 4 3-16,4 3-9 15,-2 15-4-15,-2 13 16 16,-3 16-8-16,-4 6 3 15,-9 9 6-15,-9 17 5 16,-6 7-1-16,-5 2 1 16,-20-3 0-16,-6-2 12 15,1-2-1-15,3-3 7 16,6 0-2-16,3-4-3 16,2 1-3-16,2-2-10 0,4-1 2 15,4-1-4 1,3-4-63-16,3-1-22 0,0-5-66 15,5 2-28-15,9-2 7 16</inkml:trace>
+  <inkml:trace contextRef="#ctx0" brushRef="#br0" timeOffset="115317.9">22342 6872 178 0,'0'0'149'0,"0"0"-37"16,0 0-29-16,0 0-13 15,20-81-11-15,-20 74-10 16,0 5-9-16,0 2 4 16,0 0-28-16,-3 11-16 0,-10 17 0 15,-4 9 3-15,5 0-2 16,4-4-2-16,8 0-10 16,0-8-55-16,17-7-33 15,15-7-39-15,8-8-52 16,6-3-109-16</inkml:trace>
+  <inkml:trace contextRef="#ctx0" brushRef="#br0" timeOffset="115632.06">22706 6886 309 0,'0'0'177'16,"0"0"-78"-16,0 0-46 0,0 0-2 16,-87-18-4-1,63 23-19-15,3 11-19 0,3 4-3 16,6-5-6-16,5-1 8 15,4-5-8-15,3-5-4 16,0-4-10-16,13 0 14 16,14-15 6-16,9-11-6 15,3-9 0-15,-1-6-4 16,0-4 4-16,-5 1-2 16,-8 7 2-16,-10 13 0 15,-9 13 31-15,-6 9 21 16,0 2-43-16,0 9-9 15,-12 18-13-15,-6 8 13 16,0 2 2-16,3-2-2 0,6-4-37 16,3-4-29-1,0-11-60-15,0-15-276 0</inkml:trace>
+  <inkml:trace contextRef="#ctx0" brushRef="#br0" timeOffset="116290.7">22094 5630 117 0,'0'0'137'16,"0"0"-26"-16,0 0-6 15,0 0-29-15,0 0 8 16,0 0-41-16,-8-80-16 16,8 46-12-16,-1-6-9 15,-5-7 2-15,-3-3-7 0,-8-1 8 16,-3 3-4-16,0 7-5 15,-1 10-2-15,1 10 0 16,1 4-4-16,3 10-21 16,1 5 1-16,-1 2-27 15,1 0-5-15,-3 2-16 16,4 5-26-16,7 0-32 16,4-7-21-16,3 0 52 15</inkml:trace>
+  <inkml:trace contextRef="#ctx0" brushRef="#br0" timeOffset="116469.58">21892 5079 87 0,'0'0'72'0,"0"0"-3"16,0 0-22-1,0 0 50-15,0 0-86 0,-101 13 53 16,69 11-63-16,4-1 23 16,7-3-7-16,11-5-17 15,6-5-10-15,4 1-3 16,16 1 3-16,21 1 10 15,17-6-43-15,5-5-51 16,3-2-114-16</inkml:trace>
+  <inkml:trace contextRef="#ctx0" brushRef="#br0" timeOffset="117130.3">21555 4387 82 0,'0'0'136'16,"0"0"-65"-16,0 0-33 15,0 0 7-15,0 0-7 0,-82 21 0 16,51 16-4 0,-2 6-33-16,3 6 22 15,3 0-23-15,6-5 8 16,7-6-7-16,6-8 2 0,5-11-6 15,3-6 6-15,0-6-3 16,7-5 8-16,19-2-6 16,10 0-2-16,10-7 4 15,3-11-1-15,-3-3-3 16,-7 0 3-16,-12 7-1 16,-15 4 11-16,-7 7 29 15,-5 3-12-15,0 0-27 16,0 0-3-16,-5 11 0 15,-9 9-11-15,0 4 12 16,3-3-2-16,8-4-41 0,3-1-2 16,0-3-12-16,12-5-70 15,6-2-64-15</inkml:trace>
+  <inkml:trace contextRef="#ctx0" brushRef="#br0" timeOffset="117341.25">21651 4714 260 0,'0'0'95'15,"0"0"-67"-15,0 0-27 16,94-66 7-16,-61 57-8 0,-1 6-39 15,4 3-60-15,1 0-42 16</inkml:trace>
+  <inkml:trace contextRef="#ctx0" brushRef="#br0" timeOffset="118024.26">22745 5304 257 0,'0'0'107'16,"0"0"-54"-16,0 0 26 16,101-113 24-16,-58 70-58 15,6-6 4-15,2-1-43 16,6-1 18-16,1 3 3 16,5 4-22-16,-2 2-3 15,-2 9-4-15,-5 5-9 16,-9 9 5-16,-7 6-21 15,-9 6 1-15,-7 4 0 16,-4 3-3-16,-7 0 17 0,-5 0 8 16,-6 0-16-16,0 0 19 15,0 0-30-15,0 0 31 16,0 0 10-16,-11 0 22 16,-4 0 31-16,0-2-40 15,5 0-11-15,5 0 16 16,5 2-27-16,0 0-1 15,0 0-5-15,0 0-9 16,0 9 14-16,0 5-4 16,0 1-19-16,0-1-21 15,0 0-25-15,-7-1-21 16,-8-4-87-16,-3-7-84 0</inkml:trace>
+  <inkml:trace contextRef="#ctx0" brushRef="#br0" timeOffset="118579.93">23893 4634 193 0,'0'0'227'0,"0"0"-189"0,0 0-38 15,0 0 69-15,-30 82-16 16,9-54-6-16,3-2-35 16,0-4-6-16,5-7 4 15,4-8-10-15,6-4 1 16,2 0 7-16,1-3-8 15,0 0 14-15,0-4-2 16,16-17 0-16,8-10-12 16,10-4-1-16,3 1-3 15,5-2-6-15,0 6-15 0,-3 5 4 16,-9 8 0 0,-15 7 15-16,-9 7 6 15,-6 3 0-15,0 0-18 0,-15 0-18 16,-3 12 36-1,1 4 1-15,7-1-1 0,9 0-9 16,1 5 9-16,0-2 0 16,0 5 4-16,0 0 15 15,-2 2-4-15,-7 2 3 16,-3 0-6-16,-1-1-4 16,-1-3 1-16,2-3-9 15,3-3-7-15,5-3-40 16,2-4-27-16,2-6-77 15,6-4-107-15</inkml:trace>
+  <inkml:trace contextRef="#ctx0" brushRef="#br0" timeOffset="118781.58">24329 4655 131 0,'0'0'92'16,"0"0"-23"-16,0 0-9 15,0 0-49-15,-88 76 26 16,62-33-3-16,8-3-27 16,10 0-1-16,8-8-4 15,4-5-4-15,15-8-2 16,5-8-18-16,1-5-42 16,-3-6-83-16</inkml:trace>
+  <inkml:trace contextRef="#ctx0" brushRef="#br0" timeOffset="121644.98">21387 8286 561 0,'0'0'118'15,"0"0"-108"-15,85 1-10 16,-44 18 0-16,-5-1 0 16,-9 3 0-16,-11 2-8 0,-11-1 6 15,-5 2 0-15,-8 0-1 16,-24 3 3-16,-12-2 0 15,-6 2 0-15,2-2-3 16,12-2-3-16,16 2 4 16,16 5 2-16,4 6-1 15,14 4 1-15,9 0 0 16,-1-5-20-16,-6-7 16 16,-4-6 4-16,-8 0 3 15,-4-5 5-15,0 0-1 16,-13-1 8-16,-13-5 4 15,-3 0 9-15,0-5-14 16,8-3-5-16,8 0 2 0,7-3-9 16,6 0-2-16,0 0-30 15,0 0-34-15,8 0-54 16,12 0-173-16</inkml:trace>
+  <inkml:trace contextRef="#ctx0" brushRef="#br0" timeOffset="122373.22">22176 8693 245 0,'0'0'83'0,"0"0"-74"0,0 0 0 16,0 0 29 0,-57-80 14-16,33 80-18 0,-7 4-10 15,-5 19 4-15,-1 4-5 16,5 4 0-16,12-3-17 15,9-4-5-15,11-5-1 16,0-10-10-16,22-8 5 16,11-1 5-16,8-5 8 15,3-20 0-15,1-8-7 16,-1-7 15-16,0 3-6 16,-8 5 3-16,-11 13 8 15,-10 8 41-15,-9 11 0 16,-6 2-28-16,0 22-28 15,0 7 41-15,0 2-27 16,0-4-20-16,0-7-11 0,0-10-123 16,0-12 66-16,0-8-126 15</inkml:trace>
+  <inkml:trace contextRef="#ctx0" brushRef="#br0" timeOffset="123100.98">21612 6076 289 0,'0'0'82'16,"0"0"-65"-16,-36 92 25 15,8-32-6-15,1 11-7 16,1 7 4-16,0-3-16 16,0-5-7-16,4-8-9 15,-4-10-1-15,4 0 0 16,-2-6-18-16,3-3-42 15,0 0-15-15,2-7-33 16,4-10-65-16,3-8 51 0</inkml:trace>
+  <inkml:trace contextRef="#ctx0" brushRef="#br0" timeOffset="123325.4">21249 6904 95 0,'0'0'173'0,"0"0"-115"15,0 0-56-15,0 0 90 16,-30 113-49-16,26-73-14 15,4-5-20-15,0-5 1 16,0-11-9-16,1-4 1 16,4-7-1-16,-2-7 0 15,0-1 1-15,7 0 6 16,5-11 24-16,11-17-13 0,5-10-1 16,0 0 16-16,-2 1-14 15,-11 12-19-15,-5 19-1 16,-9 6-50-16,-2 25-182 15</inkml:trace>
+  <inkml:trace contextRef="#ctx0" brushRef="#br0" timeOffset="123978.87">21516 8002 365 0,'0'0'234'0,"0"0"-234"15,0 0-25-15,83-1 12 16,-19 15 12-16,10 3 1 16,14 2 1-16,9 1 4 15,8-1-5-15,-1-5-11 16,-6 2 3-16,-5-7-14 16,-5 0 22-16,-7-4 1 15,-8-2-1-15,-14-2 2 16,-14-1-6-16,-18 0 8 15,-19 0 8-15,-8-5 41 16,-20-11-31-16,-20-6-22 0,-1 10 0 16,9 2 3-16,14 5 27 15,12 5-9-15,6 0-21 16,0 0-3-16,0 17 3 16,9 3 12-16,3 2-1 15,-5-4-8-15,-1-5-3 16,-4-6 0-16,1-1-4 15,4-2 3-15,5 0-26 16,9-4-67-16,0 0-254 16</inkml:trace>
+  <inkml:trace contextRef="#ctx0" brushRef="#br0" timeOffset="125171.2">23569 7748 357 0,'0'0'99'16,"0"0"-85"-16,0 0-4 15,88-28 32-15,-36 21-10 16,8-2-16-16,4 1-10 16,4-2-1-16,-4-4 1 15,-6-2 17-15,-5-4-20 16,-8 1 4-16,-7-3-4 15,-8 2 6-15,-8-2-9 0,-9 2-2 16,-7 4 1 0,-6-4 1-16,0 3 0 0,-4-2 3 15,-17 4-1-15,-6 1 0 16,-3 4 6-16,2 5-1 16,4 2 5-16,10 3-1 15,10 0-8-15,4 0-3 16,0 14-3-16,12 4 3 15,16 0 5-15,5 2 2 16,-3 2-3-16,-8-3-4 16,-11 1 0-16,-8-2 0 15,-3-1 0-15,-8 0 0 16,-21 5 3-16,-12 3-3 16,-8 5-19-16,0 2-68 0,3-2-185 15</inkml:trace>
+  <inkml:trace contextRef="#ctx0" brushRef="#br0" timeOffset="129456.26">11829 8392 238 0,'0'0'157'16,"0"0"-94"-16,0 0-40 15,0 0-11-15,0 0 14 16,0 0 31-16,0 0-30 16,54 8 29-16,49-18 0 15,25-3-41-15,15 1-4 16,6 0-8-16,-2 4-6 16,-18 2 3-16,-33 5-5 15,-35 1-15-15,-37 0 8 16,-34 18-43-16,-68 14 29 15,-53 7 23-15,-60 9-52 0,-30-3-23 16,-22 0 39-16,-12-3 39 16,2 0 4-16,15 1 86 15,28-3 10-15,47 0-62 16,53-10-26-16,60-10-8 16,52-11-4-16,86-9 0 15,64-12 1-15,61-18-1 16,36-9-26-16,5-1-116 15,-29-3-214-15</inkml:trace>
+</inkml:ink>
+</file>
+
+<file path=ppt/ink/ink31.xml><?xml version="1.0" encoding="utf-8"?>
+<inkml:ink xmlns:inkml="http://www.w3.org/2003/InkML">
+  <inkml:definitions>
+    <inkml:context xml:id="ctx0">
+      <inkml:inkSource xml:id="inkSrc0">
+        <inkml:traceFormat>
+          <inkml:channel name="X" type="integer" max="32767" units="cm"/>
+          <inkml:channel name="Y" type="integer" max="32767" units="cm"/>
+          <inkml:channel name="F" type="integer" max="2047" units="deg"/>
+          <inkml:channel name="T" type="integer" max="2.14748E9" units="dev"/>
+        </inkml:traceFormat>
+        <inkml:channelProperties>
+          <inkml:channelProperty channel="X" name="resolution" value="1516.99072" units="1/cm"/>
+          <inkml:channelProperty channel="Y" name="resolution" value="2427.1853" units="1/cm"/>
+          <inkml:channelProperty channel="F" name="resolution" value="5.68611" units="1/deg"/>
+          <inkml:channelProperty channel="T" name="resolution" value="1" units="1/dev"/>
+        </inkml:channelProperties>
+      </inkml:inkSource>
+      <inkml:timestamp xml:id="ts0" timeString="2022-11-23T15:36:52.397"/>
+    </inkml:context>
+    <inkml:brush xml:id="br0">
+      <inkml:brushProperty name="width" value="0.05292" units="cm"/>
+      <inkml:brushProperty name="height" value="0.05292" units="cm"/>
+      <inkml:brushProperty name="color" value="#FF0000"/>
+    </inkml:brush>
+  </inkml:definitions>
+  <inkml:trace contextRef="#ctx0" brushRef="#br0">28290 9710 331 0,'0'0'101'16,"0"0"-96"-16,0 0-1 0,0 0-3 16,0 0-1-16,0 0 20 15,0-10-14-15,7 10-2 16,11 0-8-16,19 0 5 15,24 11-1-15,35 4 3 16,37 9 3-16,31 4-3 16,18 1 4-16,-4 0-7 15,-23-2-1-15,-30-3-1 16,-34-8 2-16,-34-5 0 16,-26-7 0-16,-20-2 0 15,-11-2 0-15,0 0-10 16,-3-3 9-16,-14-7-59 15,-7 4 30-15,-4 5-29 16,-2 1-104-16</inkml:trace>
+  <inkml:trace contextRef="#ctx0" brushRef="#br0" timeOffset="405.68">28438 10351 308 0,'0'0'102'0,"0"0"-89"16,0 0-12-16,0 0 1 16,111 9 5-16,-37 2 15 15,12 5-7-15,7 2-15 16,2 3 3-16,-1-1-4 15,0-1 2-15,-1-1-1 16,3 0 2-16,0 5-2 0,-5-1-22 16,-12 4-39-1,-22-5-146-15</inkml:trace>
+  <inkml:trace contextRef="#ctx0" brushRef="#br0" timeOffset="793.53">28319 11198 394 0,'0'0'151'0,"0"0"-101"15,0 0-50-15,0 0-27 16,0 0 14-16,80 0 13 16,-10 3 12-16,15 11-12 15,12 1 8-15,7 3-9 16,2-4 1-16,3-3 0 15,-3 1 0-15,-7-4 0 16,-11 2-20-16,-13-2 7 16,-12 0-26-16,-13 2-24 0,-10 2-50 15,-19-2 23-15,-18-2-78 16</inkml:trace>
+  <inkml:trace contextRef="#ctx0" brushRef="#br0" timeOffset="1174.5">28354 12210 296 0,'0'0'76'16,"0"0"-71"-16,0 0-3 16,0 0 16-16,117 0 59 15,-61 4-39-15,8 8-22 16,8 2-16-16,5 4 1 15,4-1-4-15,-3-3 2 16,2-1 1-16,-8-3-12 0,-2-2-6 16,-9 2-25-16,-7-3-3 15,-5 2 42-15,-10-2-74 16,-11-1-55-16</inkml:trace>
+  <inkml:trace contextRef="#ctx0" brushRef="#br0" timeOffset="1528.75">28048 13534 257 0,'0'0'178'0,"0"0"-166"16,0 0-7-16,0 0 19 16,0 0-2-16,0 0 47 15,133 0-56-15,-53 1-11 16,16 14 1-16,7 4-3 15,4 1-8-15,-5 2 5 0,-5-3-20 16,-8 2-30 0,-8 0-28-16,-13-2-36 0,-14 3-16 15</inkml:trace>
+  <inkml:trace contextRef="#ctx0" brushRef="#br0" timeOffset="1894.95">27982 14327 332 0,'0'0'24'16,"0"0"-20"-16,0 0-4 15,105 9 0-15,-41-3 70 16,8 5-27-16,4 4-30 16,-2-2 13-16,-2 0-26 15,-4 3 0-15,3 1 2 16,6 6-2-16,7 0-5 15,2 1-1-15,-2 0 3 16,-8-1-61-16,-8-2-27 0,-12 0-60 16,-12-2-43-16</inkml:trace>
+  <inkml:trace contextRef="#ctx0" brushRef="#br0" timeOffset="2241.96">27939 15395 410 0,'0'0'26'0,"0"0"-21"16,109-3-4-16,-54 0 57 16,11 1-13-16,9 2-36 15,8 0-9-15,5 4 0 16,-1 6 7-16,-5 2-7 16,-8 0-8-16,-10-3 6 15,-7 2-9-15,-5-1 10 16,-3 3-9-16,-5 0-64 15,-5-1-70-15,-8-5-143 16</inkml:trace>
+  <inkml:trace contextRef="#ctx0" brushRef="#br0" timeOffset="2578.92">27611 16205 320 0,'0'0'139'0,"0"0"-66"16,84 0-56-16,-26 0-17 15,4 0 2-15,4 0 29 16,5 0-31-16,7 6 3 16,7 8-9-16,6 2 17 15,0 4-21-15,-3 2 10 16,-4 1-10-16,-4 0 9 16,-6 0-46-16,-8 4-97 15,-15-7-116-15</inkml:trace>
+  <inkml:trace contextRef="#ctx0" brushRef="#br0" timeOffset="2941.16">27356 17117 441 0,'0'0'117'0,"0"0"-79"15,0 0-38-15,107 16-26 0,-44-6 26 16,6 2 18-16,1 1-5 15,9 2-4-15,4 4-2 16,1 7 5-16,-1-6-7 16,-6 1-5-16,-8-3 0 15,-6-8-23-15,-6-2-13 16,-8-2-50-16,-13-6-20 16,-14 0-74-16</inkml:trace>
+  <inkml:trace contextRef="#ctx0" brushRef="#br0" timeOffset="3433.32">27140 17994 453 0,'0'0'113'16,"0"0"-84"-16,0 0-29 16,85 0-9-16,-36 0 9 15,8 0 16-15,8 14 12 16,7 4-26-16,4 4 5 15,9 6-7-15,7 2 3 16,2 1 14-16,-4-3-16 0,-14-3 4 16,-19-7-5-16,-19-9-6 15,-15-4-15-15,-8-5-34 16,-8 0-60-16,-7-6-116 16</inkml:trace>
+  <inkml:trace contextRef="#ctx0" brushRef="#br0" timeOffset="8227.87">28236 9240 145 0,'0'0'113'0,"0"0"-91"15,0 0 17-15,0 0-7 16,0 0 5-16,0 0 10 16,0 0-20-16,2-23-22 15,-2 23-5-15,0-2-17 16,-5-2-39-16,-16-1 8 16,-9-4 3-16,-7-2-8 15,-5-1 53-15,-4 0 7 16,0 2 0-16,-5 0-3 15,-1 2-4-15,2 3 7 0,6 4-5 16,5 1 2 0,6 0-2-16,3 19-2 0,0 19 0 15,-2 15 15-15,-4 16-5 16,-4 12 22-16,-1 10-5 16,1 8-11-16,2 6-14 15,2 2 6-15,3 3-8 16,3-3 0-16,2 8 5 15,-2 7-5-15,-3 5 2 16,-3 5-2-16,-4 2 6 16,-8 0-1-16,0 3-4 15,-2 1 3-15,-3-4 3 16,5 0-7-16,4 1 5 0,4 1-3 16,4-6 2-16,1-2-1 15,2-7-3-15,1-7-1 16,-5-5 1-16,-5-6 0 15,-5 0 0-15,-6-4 1 16,-7 7 5-16,-3 5-5 16,-1 4 2-16,1 1-2 15,5-1 5-15,5-2 1 16,6-1 0-16,4-2 3 16,7-4-10-16,4-7 6 15,2-5-6-15,0-3 0 16,0-6 9-16,0-3-9 0,3-3 2 15,1-4-4 1,1 3 4-16,0 1-4 0,-3 0 2 16,3 2 0-16,-1-4 8 15,7 0-8-15,-4 2 7 16,3 3-1-16,1-1-5 16,0-4-1-16,1-2 0 15,2-4 1-15,-2-1 5 16,1 5-6-16,-3 12 0 15,-1 2-1-15,-2 3 1 16,1-5 0-16,0-12 0 16,2-1 3-16,1-4-4 15,4-3 1-15,6-3 0 0,5-2 1 16,4-4 2 0,0 4-3-16,0 6 1 0,3 2 0 15,0 2 3-15,-3-1-3 16,1-4-1-16,-1 0 14 15,0 4-12-15,0-2 1 16,3 0-3-16,0 1 0 16,1-2 4-16,-2 5-1 15,-1-3 7-15,-1 0-4 16,2-2-3-16,4-12-3 16,6-7 0-16,6-8 3 15,4-8 10-15,1 0 0 16,3-2-9-16,4 1 8 15,3 0-9-15,3-2-3 0,2-4 4 16,1-2-2-16,2-8 8 16,0-1-10-16,-2-1 0 15,-3 0 3-15,-3 6-1 16,-5-5 8-16,-1 8-10 16,1 2 3-16,5 2-3 15,3 4 0-15,8 3 0 16,3 3-2-16,5 4 5 15,-1 9-4-15,4 4 1 16,0-3 0-16,5 0 0 16,4-8 0-16,6-9-4 15,6 2 2-15,4-7 0 16,-2-2 2-16,2 4 0 0,0 0 4 16,2 3-6-16,-4-1 2 15,-1-3 0-15,1 3-2 16,4 2 8-16,9 2-8 15,5 0 2-15,1-2-7 16,1 3 2-16,-4 0-16 16,-9 0 12-16,-13-1 6 15,-14-4-1-15,-9-1 4 16,-7-3 1-16,5-5 0 16,7 2 19-16,6-5-5 15,5-3-5-15,1 2-10 16,-5-2 0-16,-1-6 0 0,-2 2 0 15,2-7-4-15,0 0 1 16,0-7 3-16,5 0 0 16,0-11 0-16,4-13-2 15,6-6-10-15,5-2 5 16,-2-4 0-16,1 6 7 16,0 0 2-16,-1 0 10 15,5 0 16-15,1-7-15 16,-4-4-7-16,-1-6-6 15,1-12 0-15,2-14-7 16,2-10 0-16,-1-7 7 16,-1-2-2-16,-6-7 1 15,-5 4 1-15,-3 4 0 16,-6 8 1-16,-7 9-1 16,-3 1 0-16,-4 1 0 0,3 0 11 15,-1 5-5-15,3-3 18 16,2 4-5-16,2-7-16 15,2-8 0-15,1-6-3 16,7-11-3-16,10-22-1 16,8-8-1-16,6-3 5 15,0 0 0-15,-5 6 2 16,2 7 0-16,-3 2-2 16,0 2 0-16,-4 0-9 15,-10-2 22-15,-3-6-14 16,-3-4 1-16,-2-3-12 15,-3 4 11-15,-1 6-4 0,-1 7 5 16,-1 5-2-16,-2 2-2 16,-5-6-14-16,-3-2 17 15,-5 0-2-15,1 1 0 16,1 0 1-16,-4 9-2 16,-5 1 2-16,-7 9 4 15,-6 13-1-15,-6 9-1 16,1 10 2-16,1 3-4 15,0 1 2-15,-1-1 0 16,1-7-1-16,-1-1 5 16,-1-5-5-16,-4-5 1 15,-4-4-5-15,-5-6 5 16,-3-10-9-16,0-6-3 0,-9 0 10 16,-5 6 1-1,-1 8 1-15,5 10 0 0,2 8 5 16,-2 7-12-16,1 6 5 15,-2 0 2-15,-2 2-4 16,3-3 4-16,-2-5 0 16,0 0-1-16,-6-7 1 15,-2-1 0-15,-6-2-9 16,-9-3-22-16,-4 1 23 16,-2-6-15-16,-3 0 18 15,0 2 2-15,0 4-3 16,-3 4-4-16,0 0 9 0,0-3 1 15,-4-3 0-15,-10-1-17 16,-15 1 15-16,-14-5 1 16,-10-2-5-16,-9 1-5 15,2 4 10-15,7 1-1 16,10 7-4-16,19 7 7 16,11-2-1-16,9 2 1 15,4 6 1-15,-1 3-4 16,-6 9 1-16,-5 2 1 15,-9 0 0-15,-8 1 0 16,-13-7 0-16,-14 2 3 16,-6 1 0-16,-4 8-3 15,6 5 0-15,12 9 2 0,10 2-7 16,11 4 5-16,11 0-18 16,10 2 12-16,4 1-4 15,4 0 1-15,-1-1 8 16,-4-3-2-16,-1 0-3 15,-3-1 12-15,-4 2-6 16,-2-6 0-16,-5 0 0 16,-7-5-1-16,-7-2 1 15,0-2-3-15,-3-4 3 16,3 5 0-16,3 0 2 16,5 2-13-16,7 1 11 15,6 3 0-15,6 2 0 16,3 2-3-16,7 2 2 15,2 5 1-15,4 5 3 0,-1 7-3 16,4 4 4-16,2 0-4 16,-1 0 0-16,6 0 0 15,4 3-2-15,8 3 2 16,5 0 0-16,1 0 0 16,-1 4-10-16,0 1-4 15,0 3-2-15,3 4-39 16,5 3-52-16,1-2-75 15</inkml:trace>
+  <inkml:trace contextRef="#ctx0" brushRef="#br0" timeOffset="13699.52">29636 13308 36 0,'0'0'0'16,"0"0"-5"-16,0 0 5 15,-94-61 0-15,49 28 6 16,-9-3 11-16,-6-3 13 16,1-2 22-16,-4 4-7 0,-9 0-35 15,-11 0-1-15,-13 3-6 16,-7-3-5-16,-5 3 2 16,0 2 0-16,7 6 10 15,5 5 24-15,2 11 8 16,-1 10-28-16,-7 0-9 15,-2 10-5-15,2 16 0 16,8 9 1-16,9 1-1 16,9 7 0-16,12 1 2 15,10 9-3-15,12 5 5 16,10 6-4-16,11 7 0 16,13 3 1-16,8-1 5 15,11 6 3-15,26-3-7 0,17 3 8 16,18-2-10-16,22 4 0 15,19-2 6-15,23-3-5 16,22-2 11-16,9-9-2 16,13-16-10-16,5-17 7 15,0-17-6-15,-6-15 0 16,-13-3 6-16,-18-23-4 16,-24-16 11-16,-24-13-3 15,-20-13-10-15,-19-14 19 16,-17-4 5-16,-15-7 15 15,-14-3 20-15,-15-11-20 16,-4-6-19-16,-30-5-6 0,-19-4-15 16,-26 5-5-16,-28 4-29 15,-33 13 7-15,-33 12 4 16,-26 17-11-16,-22 24-26 16,-19 14-26-16,-9 11-130 15</inkml:trace>
+  <inkml:trace contextRef="#ctx0" brushRef="#br0" timeOffset="27099.85">30759 13544 16 0,'0'0'57'0,"0"0"-29"0,0 0-19 15,0 0-8 1,0 0 26-16,85-30 26 16,-70 28-7-16,-1 2-23 0,-3 0-20 15,-2 0-2-15,-4 0 5 16,-5 0-5-16,0 0 2 15,0 3 2-15,0 11 20 16,-6 3 4-16,-9 3-2 16,-5 1 4-16,1 0-18 15,3 1-8-15,2 3 13 16,5-4-18-16,2 3 0 16,7 0 2-16,0-4 3 15,0-1-10-15,13-4 3 16,14-5-63-16,7-8-83 15</inkml:trace>
+  <inkml:trace contextRef="#ctx0" brushRef="#br0" timeOffset="27444.83">31136 13637 128 0,'0'0'7'16,"0"0"7"-16,0 0 23 16,0 0-12-16,-89 96 3 15,77-74 0-15,6-1-26 0,3-2-1 16,3-8 9-16,0-2 8 16,9-5 11-16,6-4 15 15,7 0-18-15,2-1-4 16,-1-14-15-16,-1-3 8 15,-3-3 24-15,-4 0-23 16,-2-3 14-16,-5-2-12 16,-6 4-17-16,-2-2 3 15,0 5-4-15,0 4-22 16,-13 5-11-16,-3 8-52 16,-3 2-62-16,-1 0-109 15</inkml:trace>
+  <inkml:trace contextRef="#ctx0" brushRef="#br0" timeOffset="28208.63">31405 13600 49 0,'0'0'23'15,"0"0"-20"-15,0 0 2 16,0 0 72-16,0 0-23 16,-32 91-16-16,19-58-29 15,1-4-3-15,2-4-3 16,1-1-2-16,3-1 1 16,0-5-2-16,3-2-2 15,3-1-53-15,0-3-77 16</inkml:trace>
+  <inkml:trace contextRef="#ctx0" brushRef="#br0" timeOffset="28644.72">31740 13584 186 0,'0'0'87'0,"0"0"-26"16,0 0-35-16,0 0-15 16,0 0-6-16,-89 30 19 0,62-4-20 15,5-2 2-15,7-2-6 16,5-4 0-16,5-3 0 16,5-4 5-16,0-6-5 15,0 1-20-15,5-3 10 16,14-1 10-16,5 0 2 15,2 2-2-15,0 3-10 16,-4 5 7-16,-5 5-9 16,-10 8 2-16,-7 5 10 15,0 1 8-15,-6-2 19 16,-12-3 3-16,-2-8-5 16,2-4 9-16,-2-5-2 15,2-4 1-15,0 0 1 0,-2-3-21 16,2 0-1-1,1-2-12-15,5 0-3 0,3 0-31 16,4 0-44-16,3-4-18 16,2-8-104-16</inkml:trace>
+  <inkml:trace contextRef="#ctx0" brushRef="#br0" timeOffset="29724.79">32295 13621 87 0,'0'0'5'0,"0"0"10"16,0 0-11-16,0 0 8 16,-36 80 0-16,22-61-9 15,0 0-2-15,0-5-1 16,3-1-38-16,1-4-31 0</inkml:trace>
+  <inkml:trace contextRef="#ctx0" brushRef="#br0" timeOffset="29994.96">32269 13601 30 0,'0'0'63'0,"0"0"-13"16,0 0-36-16,0 0 9 15,0 0 13-15,71 85-13 16,-61-51-11-16,-6 1 1 16,-4-2 0-16,0-3-7 0,-3-3 11 15,-12-7-15 1,-9-5 36-16,-7-4 18 0,-8-4-15 16,-3-4-16-16,-1-2-15 15,9-1-7-15,-1 0 2 16,5 3-5-16,8 3-33 15,2-2-46-15,10 0-90 16</inkml:trace>
+  <inkml:trace contextRef="#ctx0" brushRef="#br0" timeOffset="30670.96">32819 13635 216 0,'0'0'34'15,"-64"-135"-13"-15,16 53-9 0,-10-9 19 16,-17-1 44-16,-17 3-55 16,-21 4-16-16,-25 4 3 15,-25 9-6-15,-24 8 0 16,-22 9-1-16,-6 12 0 15,5 11-1-15,5 12 1 16,13 10-4-16,13 10 0 16,15 0 4-16,18 20 0 15,22 17 0-15,17 12-7 16,16 15 3-16,13 9 0 16,5 7 4-16,9 11 0 15,11 5 4-15,16-2 4 16,24-2-8-16,13-6 3 15,46-4 4-15,36 4 1 0,46 4-3 16,50 1 12-16,38-3-5 16,30 1 9-16,8-10-3 15,-11-10-17-15,-15-14 2 16,-25-24-3-16,-19-18 0 16,-20-13-4-16,-22-24 6 15,-17-21-2-15,-16-11 3 16,-17-8-2-16,-15-2 4 15,-13 0-5-15,-15-5 0 16,-13-7-6-16,-17-5-7 16,-15-5-4-16,-4 4-58 0,-19 5 7 15,-17 10 9 1,-9 19-92-16</inkml:trace>
+</inkml:ink>
+</file>
+
+<file path=ppt/ink/ink32.xml><?xml version="1.0" encoding="utf-8"?>
+<inkml:ink xmlns:inkml="http://www.w3.org/2003/InkML">
+  <inkml:definitions>
+    <inkml:context xml:id="ctx0">
+      <inkml:inkSource xml:id="inkSrc0">
+        <inkml:traceFormat>
+          <inkml:channel name="X" type="integer" max="32767" units="cm"/>
+          <inkml:channel name="Y" type="integer" max="32767" units="cm"/>
+          <inkml:channel name="F" type="integer" max="2047" units="deg"/>
+          <inkml:channel name="T" type="integer" max="2.14748E9" units="dev"/>
+        </inkml:traceFormat>
+        <inkml:channelProperties>
+          <inkml:channelProperty channel="X" name="resolution" value="1516.99072" units="1/cm"/>
+          <inkml:channelProperty channel="Y" name="resolution" value="2427.1853" units="1/cm"/>
+          <inkml:channelProperty channel="F" name="resolution" value="5.68611" units="1/deg"/>
+          <inkml:channelProperty channel="T" name="resolution" value="1" units="1/dev"/>
+        </inkml:channelProperties>
+      </inkml:inkSource>
+      <inkml:timestamp xml:id="ts0" timeString="2022-11-22T16:07:18.132"/>
+    </inkml:context>
+    <inkml:brush xml:id="br0">
+      <inkml:brushProperty name="width" value="0.05292" units="cm"/>
+      <inkml:brushProperty name="height" value="0.05292" units="cm"/>
+      <inkml:brushProperty name="color" value="#FF0000"/>
+    </inkml:brush>
+  </inkml:definitions>
+  <inkml:trace contextRef="#ctx0" brushRef="#br0">5972 5332 184 0,'0'0'16'15,"-103"-46"-9"-15,46 17-4 16,-6-3 9-16,-2 2 34 0,-8 3 10 16,1 11-8-16,0 12-25 15,-5 4-12-15,-5 22 3 16,-12 21-4-16,-12 10 2 16,-4 12-11-16,-8 3 2 15,10 9 4-15,14 11-7 16,14 16 0-16,26 19 21 15,14 14-2-15,23 11 9 16,14 4-14-16,5-2-8 16,29-13-3-16,20-12-3 15,15-20-2-15,13-11 1 16,13-13-11-16,7-15 2 16,6-17-24-16,0-27 23 0,2-22-21 15,-2-33-20-15,-2-40 52 16,1-25 17-16,1-21-3 15,-7-21 15-15,-8-11-24 16,-13-14 6-16,-14-9-9 16,-15-2 5-16,-20-6-3 15,-22 6-3-15,-12 8 48 16,-45 18-27-16,-31 32-20 16,-34 32-4-16,-30 37-3 15,-20 42-29-15,-7 15-11 16,12 47-19-16,23 24-58 15,25 8-86-15</inkml:trace>
+</inkml:ink>
+</file>
+
+<file path=ppt/ink/ink33.xml><?xml version="1.0" encoding="utf-8"?>
+<inkml:ink xmlns:inkml="http://www.w3.org/2003/InkML">
+  <inkml:definitions>
+    <inkml:context xml:id="ctx0">
+      <inkml:inkSource xml:id="inkSrc0">
+        <inkml:traceFormat>
+          <inkml:channel name="X" type="integer" max="32767" units="cm"/>
+          <inkml:channel name="Y" type="integer" max="32767" units="cm"/>
+          <inkml:channel name="F" type="integer" max="2047" units="deg"/>
+          <inkml:channel name="T" type="integer" max="2.14748E9" units="dev"/>
+        </inkml:traceFormat>
+        <inkml:channelProperties>
+          <inkml:channelProperty channel="X" name="resolution" value="1516.99072" units="1/cm"/>
+          <inkml:channelProperty channel="Y" name="resolution" value="2427.1853" units="1/cm"/>
+          <inkml:channelProperty channel="F" name="resolution" value="5.68611" units="1/deg"/>
+          <inkml:channelProperty channel="T" name="resolution" value="1" units="1/dev"/>
+        </inkml:channelProperties>
+      </inkml:inkSource>
+      <inkml:timestamp xml:id="ts0" timeString="2022-11-23T15:23:32.144"/>
+    </inkml:context>
+    <inkml:brush xml:id="br0">
+      <inkml:brushProperty name="width" value="0.05292" units="cm"/>
+      <inkml:brushProperty name="height" value="0.05292" units="cm"/>
+      <inkml:brushProperty name="color" value="#FF0000"/>
+    </inkml:brush>
+  </inkml:definitions>
+  <inkml:trace contextRef="#ctx0" brushRef="#br0">3215 6733 31 0,'0'0'23'0,"0"0"-11"15,0 0 31 1,0 0 21-16,0 0-20 0,0 0 45 15,0 0-23-15,0 0-11 16,91-4 11-16,-72 4-54 16,5 0-5-16,4 0-7 15,8 5 0-15,6 1 0 16,12-1 1-16,4-1-1 16,1 0 0-16,4-3 1 15,0 5 1-15,-2 1-2 16,3 2 2-16,0 1-4 15,-1 1 5-15,3 2-3 16,1 0 0-16,6-1 2 16,6 1-5-16,9-2 3 0,9 0 0 15,3 1 0-15,-2-3 1 16,1 4-2-16,1 0 1 16,0-1 0-16,1 3 3 15,4-2-3-15,2-2 0 16,-1 2 1-16,10-4 1 15,-1 2-2-15,2-2 0 16,-1 2 1-16,-1-1-1 16,-3 3 0-16,3 1 0 15,-2-1-5-15,3 0 10 16,-2-1-6-16,-1-1 1 16,3-1 0-16,-2 0-2 15,-1 2 2-15,1-2 0 16,-5 0 0-16,1-1 0 15,-1 1 0-15,0-4 0 0,-3 0 2 16,-3-1-7-16,-3-4 0 16,-2 2-3-16,1-1 7 15,-1-2-4-15,-1 1 5 16,-5-1-2-16,-1 0 6 16,0 0-6-16,0 0 2 15,0 0 0-15,0 0-2 16,-2-3 0-16,0-4 2 15,-2-1 0-15,-4 1 7 16,-5 0-4-16,-1 2-3 16,-2-1 0-16,-2 6-1 15,-4-2 1-15,-1 2-2 0,0 0 2 16,3 0 0-16,2 0 2 16,2 0 0-16,-1 0-2 15,-2 0 0-15,1 0 4 16,-1-1-4-16,1-4 0 15,4 3 0-15,-2-4 0 16,1 2 0-16,2 1 0 16,7-4-3-16,0 2 4 15,1 3-1-15,-4 0 0 16,3 2-1-16,2 0-5 16,4 0 9-16,6 0-3 15,3 0 0-15,3 0 2 16,7-4-4-16,-4 1 2 0,-3 0 0 15,0 0-2-15,-7 3 5 16,-7 0-3-16,-4 0 0 16,-5 0 6-16,-2 0-6 15,1 0 0-15,-4 0 1 16,-2 0-6-16,-3 0 5 16,-7 0 0-16,-2 0 0 15,-5 0 5-15,-5 0-7 16,-3 0 2-16,-9 0 0 15,-3 0-3-15,-5-1 4 16,0-3-1-16,-2 1 0 16,-2-1 4-16,-5 1-4 0,-9 0 0 15,-2 2 0-15,-7-1 9 16,1 1 4-16,-1 0-3 16,1 0-10-16,1-1 3 15,-2 0-6-15,2 2 0 16,0 0-7-16,0 0 3 15,-6 0-44-15,-8 0-117 16</inkml:trace>
+  <inkml:trace contextRef="#ctx0" brushRef="#br0" timeOffset="4468.1">3261 6856 12 0,'0'0'75'16,"0"0"-18"-16,0 0 0 15,0 0 2-15,0 0 8 16,0 0-16-16,-58 14 1 16,67-14-14-16,22 0-30 15,17 0 5-15,13 0 13 0,12 0-5 16,12 0-19-16,6 0 2 16,6 0 3-16,2 0-1 15,5-2-5-15,2-4-1 16,10 0 0-16,7-8 0 15,-1 1-1-15,2 1 1 16,-2 1 3-16,-13 4-3 16,-13 1-2-16,-13 4-3 15,-17 2 9-15,-14 0-6 16,-13 0 2-16,-2 0 0 16,-1-1 2-16,-5-3 4 15,-1 1-6-15,0-3 0 16,-6 3 2-16,3 1-3 0,-5-2 1 15,0 3 0-15,-2-3 3 16,5 0-3-16,2-2 0 16,10-4 0-16,6 1 3 15,4 0-3-15,5-2 0 16,0 3 2-16,-1 0-6 16,-2 3 4-16,-7 2 0 15,-6 1-3-15,2 2 5 16,-5 0-2-16,0 0 5 15,6 0-3-15,3 0 14 16,10-5-14-16,5-1 5 16,-2-1-4-16,0-2 3 0,0 2-6 15,-1-1 0 1,-5 0 0-16,-4 4 2 0,-3 2 0 16,-5 2-2-16,-7 0 0 15,-3 0 0-15,7 0-3 16,0 0 3-16,8 2 0 15,6 2 1-15,4-2 0 16,3-1-1-16,2 3 0 16,-2-3 1-16,-5 2-2 15,0 2 1-15,-3 0 0 16,-1-3-2-16,-1 3 4 16,1-1-2-16,-1-3 0 15,-1 2 1-15,-5 0-1 16,0 0 0-16,-3 1 0 15,-1 0 3-15,1-2-3 0,0-1 0 16,1-1 0-16,2 0 2 16,3 0-4-16,0 0 2 15,2 0 0-15,0 0 1 16,1 0-1-16,-1 3 0 16,4 3 0-16,0 1 0 15,7 3 6-15,6-2-6 16,8 2 2-16,8 2-3 15,4 4 3-15,2 4-1 16,7 0-1-16,4 0-1 16,4 2-1-16,2-4 2 15,3 2 0-15,-1-1-4 0,-1-4 10 16,-2 2-8-16,3 0 3 16,-3-3-1-16,1 0 0 15,0 0 0-15,0 0 1 16,-3 3-1-16,0-5 0 15,1 3 0-15,1-2-2 16,-1-3 4-16,2 1-1 16,-7 0-1-16,-5 0 0 15,-8-2-2-15,-1 1 2 16,1-2 0-16,0-1 0 16,-5 2 2-16,-4-2-2 15,-4 1 0-15,-7-2 0 16,0 1-2-16,-5-2 5 15,-4-4-3-15,-1-1 0 0,1 0 2 16,0 0-5-16,-2 0 3 16,-1-3 0-16,-2-6 0 15,-6 4 3-15,-4-3-5 16,-4 3 2-16,-6 0 0 16,-2-1 0-16,-5-1 0 15,-2 0 0-15,2-2 0 16,1 1 2-16,8-2-2 15,2 3 0-15,0-2 2 16,0 4-4-16,-2-2 2 16,-1 3 0-16,4-1-4 15,2-2 4-15,3 2 0 0,5-4 0 16,3 0-16-16,-1 1 15 16,2 2-3-16,1-1-2 15,0 2 6-15,1-2-13 16,0 2 6-16,-3-2 4 15,-3 5-3-15,-3-2 4 16,-5 1 2-16,-2-1 0 16,2 1-2-16,0 0 4 15,1-1-2-15,0-2 0 16,-2 1 3-16,-1-3-3 16,0 2 0-16,5 2 0 15,4 0-2-15,2 1 2 16,1 3 0-16,2 0 0 15,-3 0 0-15,1 0 2 0,0 0-2 16,3 0 2-16,7 8-9 16,8 1 14-16,7 2-8 15,3 4 1-15,-4-3 0 16,-4 3 5-16,-11-3-4 16,-7 0-1-16,-7-2 0 15,-5-4 4-15,-3-2-4 16,-4-2 0-16,-7 1 2 15,-9-3 3-15,-4 0-5 16,-6 0 2-16,0 1 20 0,0-1-17 16,0 2-5-1,0 1-2-15,0 1-2 0,-6 4 2 16,-3 5 2-16,0-1 0 16,-2 5-1-16,0 3 3 15,0 3-2-15,-3 2 0 16,0 3 0-16,-2-1 1 15,1 5-1-15,-2 9 0 16,1 5 1-16,-3 8 3 16,0 3-3-16,-3 0 4 15,-2 5-4-15,1-2 3 16,1-1 9-16,3-2 5 16,-2-6-9-16,2-2-8 15,-2-5-1-15,-1-6 0 16,1-7 5-16,-2-4-4 0,0-6 0 15,-4-5-1-15,-8-5 11 16,-10-3-9-16,-8-5-1 16,-10-3 0-16,-7 0 3 15,-15 0-6-15,-11-3 4 16,-14-6-2-16,-8 2 0 16,-1 0 3-16,4 0-3 15,6-2 0-15,5-2 0 16,-2 2 5-16,1-2-5 15,1-1 0-15,0 3-3 16,2 0 2-16,0 1 1 16,-6-2 0-16,-7 0 1 0,0-1-2 15,-5-1 1-15,0 1 0 16,-7 2-1-16,-7 1-1 16,-7 4 2-16,-9 1 0 15,-1 0-3-15,5 2 1 16,7 1 1-16,8 0 1 15,14 0 0-15,4 0 1 16,1 0-1-16,2 7 0 16,-2-1 1-16,-4 3-8 15,0-2 7-15,2 2 0 16,0 1-1-16,8-3 4 16,5 3-3-16,7-4 0 15,7 1 2-15,1-2-2 0,-7 1 0 16,-12-1 0-1,-11 0 0-15,-16 1 0 0,-10-3-2 16,-7 3 2-16,-6 2 0 16,1 2-3-16,14-3 4 15,7-1-1-15,15-2 0 16,15-1 3-16,12 2-6 16,6 1 3-16,9-1 0 15,0-2 0-15,1 2 2 16,1 1-2-16,4 1 0 15,1 3 2-15,0 2-4 16,4 1 2-16,1 1 0 16,3-2-3-16,8-1 3 15,4-3 0-15,9 1 0 0,5-4 5 16,5 1-6-16,5-2 1 16,-3 0 0-16,-2 5-5 15,-12 2 5-15,-7 2-2 16,-9 1-4-16,-8-1-9 15,-1-3 13-15,0-2 0 16,4-5 0-16,8-3 0 16,6 0 2-16,7 0 0 15,3-4 0-15,1-3-7 16,2-2 7-16,3 1-10 16,-3-5 1-16,0-2 1 15,-8 0-11-15,-9-3-2 16,-17-4-14-16,-15 3-4 15,-12 4 27-15,-3 3 12 0,5 11 0 16,10 1 19-16,10 0-11 16,9-4-3-16,10-2-1 15,10-1-3-15,13-3 1 16,13-1 11-16,10-3-6 16,7-3 6-16,3-6-13 15,0-8 0-15,0-10 1 16,3-7-1-16,4-13 7 15,-4-12-2-15,-3-7 0 16,-3-6 4-16,-15-3-4 16,-4 0 4-16,1 1-4 0,2 2-3 15,8 6 3 1,4 8-5-16,7 7-3 0,0 10-1 16,13 11-20-16,23 13-53 15,25 11-63-15,21 7-121 16</inkml:trace>
+  <inkml:trace contextRef="#ctx0" brushRef="#br0" timeOffset="18292.83">4760 9245 4 0,'100'-15'26'15,"8"-1"-20"-15,8 2 6 16,-3 3-12-16,-2-3-3 15,-1 0-11-15,-2-2 21 16,5-1-7-16,2-1 0 0,3-2-3 16,7-1 3-16,5-3 14 15,9 4-8-15,4 2 11 16,-6 4-15-16,2 0-2 16,6-2 6-16,2-1-5 15,10-5 10-15,1 2 3 16,-1 0-6-16,-2 0-2 15,-9 5 9-15,-2 1-8 16,3-3 0-16,2 1 0 16,11-4-7-16,8 1-2 15,7 1 2-15,6-1 12 16,-1 4-6-16,1-1 1 16,-4 0-2-16,5 1 2 15,3 1-7-15,0 1-13 16,0 2 13-16,-7 1 0 0,4-2 7 15,-2 1-11-15,5-1 8 16,3 2-4-16,0 3 10 16,-3 3-2-16,-10 0-1 15,-4 2-4-15,-8 2 1 16,7 0-1-16,6 0-3 16,-1 0 12-16,-2 0-11 15,-3 0 11-15,-3 0-7 16,0 0 25-16,2 0-25 15,7 0-5-15,3 9 2 0,3-1 4 16,-6 4-4 0,0 0-4-16,-3 0 4 0,-3 1-5 15,6 0 4-15,-2-1-1 16,1 1 0-16,-5 1 0 16,-6 2 0-16,-2 4 2 15,-7 2 8-15,6 5-20 16,3 4 11-16,0 2-1 15,8-1 0-15,-7 0 3 16,1-2-3-16,-5-1 0 16,-3 1 3-16,3 3-5 15,3 0 2-15,3-1 0 16,2 1-7-16,0-3 16 16,-2 3-4-16,-2-2-5 15,2 1 0-15,3 4-6 0,-2-4 10 16,6-1-4-16,-5-1 6 15,-1-1-6-15,-5 0-4 16,-8 4 1-16,5-2 3 16,-2 0 4-16,6 0-4 15,2-3 0-15,-2 0 4 16,1-3-4-16,-4 1-1 16,1 1-6-16,4-2 7 15,0-2-5-15,4-2 5 16,-3-2 3-16,-5-2-3 15,-4 1-2-15,-9-1 0 16,-3 1 0-16,-3 1 2 0,-7 0 2 16,0-4-2-16,-3-4 6 15,-10-3-6-15,-7 2 4 16,-11-4-4-16,-9 0-8 16,-10-2 8-16,-6-1-5 15,-8 2 3-15,-6 0 2 16,-2 0-29-16,-3 3 51 15,-4-3-31-15,-9 1 9 16,-11-2-8-16,-19 0-5 16,-9 2-15-16,-9-2-66 15,0 0-40-15</inkml:trace>
+  <inkml:trace contextRef="#ctx0" brushRef="#br0" timeOffset="29943.21">7923 7553 34 0,'0'0'16'16,"0"0"-4"-16,0 0-12 15,0 0 4-15,0 0 33 16,108 10-12-16,-49-4-25 16,7-1-4-16,1-4-11 15,-1-1 7-15,1 0 6 16,1 0-11-16,-2 0-4 15,-2-9 17-15,-11 5 0 16,-12 1-10-16,-12 2 8 0,-17 1-12 16,-6 0 13-1,-6 0-2-15,0 0 0 0,0 0 3 16,0 0-6-16,-5 0-23 16</inkml:trace>
+  <inkml:trace contextRef="#ctx0" brushRef="#br0" timeOffset="31052.66">11604 6543 17 0,'0'0'20'0,"0"0"-20"16,0 0-5-16,0 0 5 15,0 0 10-15,0 0 3 16,0 0 12-16,12-40-25 16,-21 45 1-16,-12 15-2 15,-4 1 1-15,4 2 0 16,0-1 2-16,2 1 2 15,2-2-4-15,2 1 0 0,-1 2 2 16,-2-1-1 0,1-1-1-16,1-5-3 0,7-6 1 15,6-4-32-15,3-3-16 16</inkml:trace>
+  <inkml:trace contextRef="#ctx0" brushRef="#br0" timeOffset="31413.73">11437 6727 29 0,'0'0'22'15,"0"0"-1"-15,0 0-4 16,0 90-17-16,0-74 14 16,0-4-12-16,0-1-1 15,0-7 3-15,0-1-3 16,0 2 1-16,3-3-2 15,4 0 1-15,2-2 10 16,9 0 14-16,5-4 0 0,11-8-25 16,12-5-43-16,-1-5-89 15</inkml:trace>
+  <inkml:trace contextRef="#ctx0" brushRef="#br0" timeOffset="32135.82">11309 6779 23 0,'0'0'27'0,"-8"83"-14"16,8-48-1-16,0-5 0 16,0-6-7-16,0-7-4 15,0-4 3-15,11-4 2 16,5-2 1-16,6-2 6 15,7-4-12-15,9-1-1 16,12 0-37-16</inkml:trace>
+  <inkml:trace contextRef="#ctx0" brushRef="#br0" timeOffset="33039.74">11323 6862 16 0,'0'0'18'16,"0"0"-7"-16,0 0-1 15,0 0-10-15,0 0 8 16,0 0-3-16,-19 66-4 0,19-61 9 16,0-2-9-16,0-1 3 15,0-2 4-15,0 0-6 16,0 0 1-16,0 0-3 16,0 0 2-16,0 1-2 15,0 2 0-15,0-1 0 16,0-1 2-16,0-1 2 15,0 0-2-15,0 0 3 16,6 0 3-16,10-1 14 16,16-14-22-16,13-3-26 15,14-5-48-15</inkml:trace>
+  <inkml:trace contextRef="#ctx0" brushRef="#br0" timeOffset="33716.84">11202 6918 9 0,'0'0'8'16,"0"0"6"-16,0 0-8 0,16 91 7 15,-13-82-9 1,-2 0 1-16,2-5-1 0,0 0 0 16,-2-4-1-1,1 0 2-15,1 0 4 0,3 0 16 16,6 0 9-16,7-8-16 16,11-8-18-16,15-6-6 15,22-5-80-15</inkml:trace>
+  <inkml:trace contextRef="#ctx0" brushRef="#br0" timeOffset="35829.76">3719 7662 7 0,'0'0'25'16,"0"0"-9"-16,0 0-9 15,0 0-7-15,88-14 0 16,-31 4 12-16,8-3-6 16,1 2 5-16,0-3-4 15,7 0-5-15,16 0 11 0,20-9-12 16,18-2 1-1,19-3 2-15,-1-1 0 0,-2 3-4 16,-16 10 0-16,-17 5 3 16,-23 8-4-16,-19 3 1 15,-18 0 0-15,-14 0-6 16,-17 0-1-16,-5 7-19 16,-10-1-15-16,-4 1 2 15</inkml:trace>
+</inkml:ink>
+</file>
+
+<file path=ppt/ink/ink34.xml><?xml version="1.0" encoding="utf-8"?>
+<inkml:ink xmlns:inkml="http://www.w3.org/2003/InkML">
+  <inkml:definitions>
+    <inkml:context xml:id="ctx0">
+      <inkml:inkSource xml:id="inkSrc0">
+        <inkml:traceFormat>
+          <inkml:channel name="X" type="integer" max="32767" units="cm"/>
+          <inkml:channel name="Y" type="integer" max="32767" units="cm"/>
+          <inkml:channel name="F" type="integer" max="2047" units="deg"/>
+          <inkml:channel name="T" type="integer" max="2.14748E9" units="dev"/>
+        </inkml:traceFormat>
+        <inkml:channelProperties>
+          <inkml:channelProperty channel="X" name="resolution" value="1516.99072" units="1/cm"/>
+          <inkml:channelProperty channel="Y" name="resolution" value="2427.1853" units="1/cm"/>
+          <inkml:channelProperty channel="F" name="resolution" value="5.68611" units="1/deg"/>
+          <inkml:channelProperty channel="T" name="resolution" value="1" units="1/dev"/>
+        </inkml:channelProperties>
+      </inkml:inkSource>
+      <inkml:timestamp xml:id="ts0" timeString="2022-11-23T15:44:24.396"/>
+    </inkml:context>
+    <inkml:brush xml:id="br0">
+      <inkml:brushProperty name="width" value="0.05292" units="cm"/>
+      <inkml:brushProperty name="height" value="0.05292" units="cm"/>
+      <inkml:brushProperty name="color" value="#FF0000"/>
+    </inkml:brush>
+  </inkml:definitions>
+  <inkml:trace contextRef="#ctx0" brushRef="#br0">17839 7925 101 0,'0'0'157'0,"0"0"-119"0,0 0-34 15,0 0-4-15,0 0 9 16,95 15 6-16,-40 3 23 15,16 6 1-15,20 3-14 16,17 4 2-16,24 3-19 16,23 4 20-16,30 3-16 15,34 6-5-15,38 6-8 16,34 8 1-16,28 8-1 16,18 2-4-16,-1 3-18 15,-15 0 11-15,-33-9-19 0,-33-10-6 16,-43-8 35-1,-42-15-38-15,-51-15-49 16,-58-14-144-16</inkml:trace>
+  <inkml:trace contextRef="#ctx0" brushRef="#br0" timeOffset="1401.7">17694 7945 87 0,'0'0'11'0,"0"0"3"15,0 0-3-15,-7 120-10 16,-1-65 18-16,-6 9 36 16,-5 12-30-16,-6 7 14 15,-3 12-20-15,-8 7-4 16,0-2-6-16,1 5 60 15,3 3-43-15,3 2-19 0,0 3 12 16,-7 1 11-16,-7-5-16 16,-2-9-9-16,2-9 12 15,5-14-15-15,10-15 18 16,8-10-12-16,6-11-5 16,6-10 1-16,5-1-4 15,3-3 0-15,0-3 3 16,0-6-3-16,0-4 0 15,0-5 0-15,0-5 4 16,0-1 0-16,0-3-4 16,6 0 0-16,12 0 12 15,16 0-9-15,19 0-2 16,21 0-1-16,26 8 0 0,22 8 39 16,23 3-19-16,27 8-19 15,31 6 10-15,31 3-3 16,30 16-8-16,24 7 0 15,7 11 2-15,-8 6-2 16,-23-1 0-16,-33-3-8 16,-25-10 8-16,-27-8 8 15,-19-6-8-15,-13-8 11 16,-11 0-8-16,-2-3-3 16,-1-2 0-16,-6 0 0 15,-8-3 0-15,-13-1-2 16,-16-3 2-16,-13-3 2 15,-8-1 7-15,-2-3-10 0,-1 0 1 16,2 0 0-16,-5-2-10 16,-5 0 16-16,-10-7-6 15,-8-4 4-15,-7 1 8 16,-6-5-17-16,-11-1 12 16,-5-2-7-16,-7-1 14 15,-2 0-5-15,2 0 9 16,2 0 12-16,8 0-1 15,9 0-10-15,12 0-19 16,8 0 2-16,9-13 2 16,5-10 0-16,0-17 7 15,2-16 4-15,-2-19-12 0,-2-18 17 16,1-20-16 0,-3-17 1-16,1-8-4 0,-2-4 0 15,2 3-1-15,2 10 0 16,3 6-35-16,-7 25-39 15,-13 32-33-15,-17 27 28 16,-21 31 61-16,-6 8-96 16,-34 10-6-16,-21 4-90 15</inkml:trace>
+  <inkml:trace contextRef="#ctx0" brushRef="#br0" timeOffset="2008.96">19537 8401 64 0,'0'0'53'16,"-56"89"-32"-16,1-8 71 16,-3 17-41-16,-6 12 7 15,-9 15-27-15,-5 8 59 16,-10 2-49-16,3-10-23 16,7-12 32-16,13-12-39 15,10-17-8-15,9-15 0 16,11-16-3-16,7-18 0 15,13-14-17-15,12-12-34 16,3-9-80-16,15-2-58 16</inkml:trace>
+  <inkml:trace contextRef="#ctx0" brushRef="#br0" timeOffset="2368.23">20979 9148 235 0,'0'0'102'0,"-67"181"15"16,17-66-85-16,-5 6 51 15,-6-5-51-15,-1-4-4 16,2-5 8-16,0-8-20 16,5-9-7-16,2-8-9 15,-1-13 0-15,3-13-1 16,-1-22-81-16,1-17 2 15,6-17-92-15,2-36-57 16</inkml:trace>
+  <inkml:trace contextRef="#ctx0" brushRef="#br0" timeOffset="2926.43">18339 8637 45 0,'0'0'106'0,"-32"98"-32"15,20-51-7-15,3-2 0 16,2-2-22-16,0-3-32 16,2-1 3-16,-3-1-16 15,1-6-18-15,-2-5-61 16,5-10-127-16</inkml:trace>
+  <inkml:trace contextRef="#ctx0" brushRef="#br0" timeOffset="3546.36">19836 9138 148 0,'0'0'156'16,"0"0"-107"-16,0 0-26 15,0 0 16-15,101-11 31 16,-67 11-26-16,-6 15-14 15,-4 11-2-15,-12 7-25 0,-11 6 0 16,-1 6-1-16,-25 0 5 16,-17 0-1-16,-10 0-6 15,-6-5 0-15,-6-2 8 16,-2 0 3-16,5-7 10 16,1-1-9-16,11-3-9 15,16-9 34-15,12 1-25 16,17-6 0-16,4-1-3 15,7 5-2-15,23-7 13 16,15 5-4-16,4-4-11 16,6-4-5-16,2-1 0 15,3-3-66-15,-5-2-69 0,-9-1-289 16</inkml:trace>
+  <inkml:trace contextRef="#ctx0" brushRef="#br0" timeOffset="4199.04">21594 9655 391 0,'0'0'82'16,"0"0"-80"-16,86-6-4 0,-63 12 4 16,-7 9-8-16,-7 1 11 15,-8 5-16-15,-1 0 16 16,-4 1-5-16,-18-2 7 15,-20 0 6-15,-16-4 1 16,-14-4-7-16,-1-4-5 16,9 1 12-16,18 0-13 15,19 5-1-15,16 3-1 16,11 3-17-16,8 9 13 16,23 4 4-16,7 3-4 15,0 2-2-15,-11-2 0 16,-10-4 0-16,-11-11 7 0,-6-4 20 15,0-3 20-15,-5-1 18 16,-17-2-21-16,-5-4 14 16,-9-3-15-16,2-2-7 15,4-2-21-15,6 0 0 16,5 0-8-16,8 0-103 16,2 0-60-16,8 0-149 15</inkml:trace>
+  <inkml:trace contextRef="#ctx0" brushRef="#br0" timeOffset="14078.33">18540 6307 49 0,'0'0'36'16,"0"0"-1"-16,0 0 23 15,0 0 3-15,0 0-29 16,0 0-5-16,0 0-13 15,9-4-1-15,-7 4 18 16,-2 0-6-16,0 0-11 16,0 0-14-16,0 7-4 0,0 21 1 15,-10 12 3 1,1 5 1-16,-1 3 4 0,3-1-4 16,-1 0-1-16,0 6 13 15,-2 3-13-15,-2 9 7 16,2 2-2-16,-4 2-4 15,2-2 8-15,-2-5-7 16,0-1-2-16,-1-2 3 16,-1-6 17-16,-2-2-10 15,1-2-1-15,1-4 6 16,3-2-8-16,-1-1-7 16,7-2 0-16,-1-3 3 15,2-2-1-15,-1-2 0 16,-1 1-2-16,2-3 0 0,-3-3 0 15,1-7 0-15,0-2 2 16,2-5-7-16,0 0 5 16,-3 0 0-16,2 1 2 15,-1 1 2-15,1 3 1 16,-3 5-3-16,-1-1-1 16,-1-1 6-16,-1-4-3 15,4-5 3-15,2-1-1 16,3-4-5-16,4-4 1 15,0-3-2-15,0-1 1 16,0 0 15-16,0 0-16 16,0-3-5-16,3-11-16 15,5-3-24-15,-4-2 18 0,-1 0-24 16,-1-2-41-16,-1-2-14 16,-1-1-2-16,0-3 21 15</inkml:trace>
+  <inkml:trace contextRef="#ctx0" brushRef="#br0" timeOffset="14430.05">18128 7607 61 0,'0'0'76'15,"0"0"9"-15,0 0-52 16,0 0-20-16,0 0 6 16,0 0-1-16,0-1-5 15,0 1-3-15,0 14 22 0,0 4 8 16,0 5-11-16,0 5-13 15,-2 3 15-15,1 0-14 16,1-1-9-16,0-4 2 16,0-3-10-16,0-3 5 15,0-2-5-15,0-3 0 16,3-5 10-16,1-2-7 16,0-6-3-16,-1-2 9 15,0 0-2-15,1 0 29 16,6 0 5-16,1-7-24 15,4-4 11-15,1 0-24 16,-4 0 10-16,3-1-5 16,-1 4-9-16,2-2 0 0,-3 3-9 15,2-2-63 1,-3 3-59-16,-4 1-194 0</inkml:trace>
+  <inkml:trace contextRef="#ctx0" brushRef="#br0" timeOffset="18141.34">22549 8851 99 0,'0'0'68'16,"0"0"-31"-16,0 0 17 0,0 0 9 15,0 0-9 1,0 0-14-16,0 0-6 0,18-26 4 16,-8 18-7-16,5-5-20 15,3 3 15-15,4-5-13 16,4 0-9-16,6-2 1 15,6 0-3-15,8-1 0 16,8 1 9-16,6 3-11 16,8 2 9-16,13 3-9 15,14 3 0-15,8 6 3 16,3 0-3-16,-3 0-2 16,-7 15 1-16,-4-1-3 15,-1 5 4-15,-4 0 0 16,-10-1 0-16,-11 3-3 0,-8-2 1 15,-9 3-5-15,0 1 4 16,-2 0 0-16,-1 4 3 16,-6 2-2-16,-5 0 1 15,-9 2-1-15,-5 3 0 16,-7 1-4-16,-1 3 6 16,-4-1-7-16,-1 1 6 15,-4 0 1-15,-1-1-3 16,0 0 1-16,0-1 2 15,0-1 0-15,-2-3-1 16,2 0 2-16,-1-8-2 16,-2-1 0-16,0-7-10 0,0-4 11 15,0-5-13-15,0 1 11 16,0-2-4-16,0-2 3 16,0-2 3-16,0-2-1 15,0 0 2-15,-2 0-1 16,2 0 0-16,0 0 2 15,-3 0-2-15,0 0 6 16,-1-10-5-16,-5-7-1 16,2-5-9-16,-3 2 8 15,-1-5-8-15,0 3 9 16,2 1 2-16,3 4 2 16,2 8-1-16,2 7-2 15,2 2 5-15,-1 0-6 0,-4 4-30 16,-1 16 30-16,-1 5 1 15,-2-1 2-15,2 0 0 16,0-1-3-16,3-5 0 16,2-4-1-16,2-3-2 15,0-2 3-15,0-2 7 16,14-3 3-16,5-3 25 16,2-1-8-16,3 0-1 15,2-5 6-15,-3-11-9 16,3-2-3-16,-5 0-15 15,0 0-5-15,-5-2-2 16,-6 0-58-16,-5 1-84 16,-5-6-201-16</inkml:trace>
+  <inkml:trace contextRef="#ctx0" brushRef="#br0" timeOffset="19288.27">20230 8414 35 0,'0'0'25'0,"0"0"-6"15,0 0 62-15,0 0 3 16,0 0-13-16,0 0-16 0,0 0-28 16,0 0 18-16,0 0 2 15,0 0-1-15,0 0 14 16,12-8-20-16,11-12-39 16,11-3 12-16,13-3-9 15,8-5 12-15,11-3-3 16,8-2-6-16,7-2 4 15,9-2-11-15,4 4 0 16,2 2-1-16,-1 7 2 16,5 11-1-16,2 9 0 15,2 7-3-15,-1 0-1 16,-6 8 4-16,-6 13 0 16,-8 6-5-16,-9 4 5 15,-12 8 0-15,-8 4 0 16,-8 2-1-16,-10 0-2 0,-3 0-2 15,-7-4 5-15,0-2-5 16,0-4 6-16,-3-3-3 16,0-7 0-16,-4-1-3 15,-3-1 4-15,-5-5-8 16,-2 2 2-16,-8 0 6 16,-1 0-13-16,0-1 11 15,0-1 2-15,0 1 0 16,0-6-5-16,0-2 6 15,-1-5 0-15,1-5-3 16,0 2-15-16,-3-3-12 16,0 0-30-16,-1 0-32 0,-4-7 0 15,-3-5-98-15</inkml:trace>
+  <inkml:trace contextRef="#ctx0" brushRef="#br0" timeOffset="19529.06">22076 8622 64 0,'0'0'53'0,"0"0"-53"16,0 0 18-16,0 0 35 16,0 0-12-16,0 0-3 15,-23 41-18-15,22-28 0 16,1 0-1-16,0 0-12 16,0-4 5-16,0-1 3 15,8-5 28-15,5-3 17 0,2 0-8 16,6 0-12-1,2 0 7-15,2-7-6 0,-3-5-10 16,-3 1-26-16,-5 1-5 16,-8 2-30-16,-6-6-143 15</inkml:trace>
+  <inkml:trace contextRef="#ctx0" brushRef="#br0" timeOffset="20810.36">18762 8138 23 0,'0'0'66'0,"0"0"-24"16,0 0 34-16,0 0 10 0,0 0-22 16,49-84-24-16,-35 65 2 15,2-4-7-15,2-4 13 16,6-4-8-16,6-4-17 16,4-5 5-16,6-3 0 15,4 0-3-15,8-3-4 16,2-5-15-16,6 3 11 15,5 4-16-15,5 6 0 16,3 7 2-16,5 7-3 16,-2 6 0-16,3 8-3 15,3 6 2-15,5 4-1 16,-1 0 1-16,-3 10-3 16,-8 8 0-16,-9 4 0 15,-8 5-3-15,-9 3 7 16,-10 8-11-16,-8 4 5 0,-8 6 3 15,-11-1-16-15,-8-1 17 16,-4-2-12-16,0-3 14 16,-18-4 0-16,-1-7-6 15,0-3 1-15,5-1 5 16,2 0-5-16,2 1 5 16,4 5-4-16,1-2 4 15,4 3-3-15,-2 1 0 16,3-6 2-16,0-5-7 15,0-3 5-15,0-10-3 16,0-3 11-16,0-3-5 16,0-3 2-16,0 4 1 0,0-5-6 15,0 0 3-15,0 0-55 16,0 0-78-16,0-7-135 16</inkml:trace>
+  <inkml:trace contextRef="#ctx0" brushRef="#br0" timeOffset="21119.47">20171 8217 191 0,'0'0'61'0,"0"0"-26"16,0 0 36-16,0 0-15 16,0 0-35-16,0 0-21 15,0-3-8-15,0 10 8 0,0 4 7 16,0-1-4-1,0 1 9-15,0-1-8 0,0-4 6 16,0-1 3-16,0-2-7 16,6-3 19-16,3 2 2 15,1-2 1-15,2 0 2 16,1 0-20-16,2-4 5 16,1-6-3-16,1-5-5 15,-1 1 19-15,-2 0-26 16,-1 0-5-16,-5 0-16 15,-5-4-106-15,-3 0-139 16</inkml:trace>
 </inkml:ink>
 </file>
 
@@ -2545,7 +3061,7 @@
   <inkml:trace contextRef="#ctx0" brushRef="#br0" timeOffset="-9511.77">11135 12880 242 0,'0'0'56'0,"0"0"-39"16,0 0-9-16,0 0 20 16,0 0-3-16,0 0-3 15,0 0-16-15,-11 21 55 16,24 18-13-16,8 16-20 15,13 21 19-15,9 18-11 16,5 15-16-16,0 2 2 16,-5-3-22-16,-1-11 16 15,-8-18-16-15,-3-18 6 16,-1-16-12-16,2-11-11 16,-3-10-52-16,-2-6-78 15,-7-12-189-15</inkml:trace>
   <inkml:trace contextRef="#ctx0" brushRef="#br0" timeOffset="-9347.26">11298 13604 237 0,'0'0'49'16,"0"0"55"-16,-82-53 9 16,79 32 0-16,3-4-50 15,12-1-42-15,24-5-17 16,7-2 1-16,11-2-10 15,1 5-54-15,-3-4-124 16</inkml:trace>
   <inkml:trace contextRef="#ctx0" brushRef="#br0" timeOffset="-9016.4">11881 13373 81 0,'0'0'131'0,"0"0"-37"15,0-93-17-15,-10 58-5 16,-3 2-22-16,0 6 8 16,-3 13 17-16,0 12-12 15,-1 2-8-15,-2 26-26 0,1 19 0 16,5 13-17-1,5 6-7-15,8-3 7 0,5-7-10 16,20-12-2-16,8-6 0 16,8-11 3-16,3-4-11 15,1-9 4-15,1-11-54 16,-1-1-17-16,-4-23-20 16,-2-12 0-16,-4-13-55 15</inkml:trace>
-  <inkml:trace contextRef="#ctx0" brushRef="#br0" timeOffset="-8695.24">12174 13192 161 0,'0'0'166'16,"0"0"-23"-16,0 0-11 15,-81-10-70-15,66 39-5 0,6 10-13 16,6 5-29-16,3 1-2 16,0-4-4-16,8-5-6 15,10-13-4-15,1-6 1 16,2-13-12-16,-3-4-16 15,-5-4-2-15,-4-22 10 16,-4-8 8-16,-5-9-12 16,0-1 24-16,0 3 3 15,-6 8 1-15,-2 14 13 16,5 10 2-16,3 9 23 16,0 0-11-16,3 5-23 15,18 15-6-15,3 2 18 16,2 2-15-16,-1-4 8 0,-1-6-13 15,-1-5 1-15,2-9-1 16,3 0-55-16,5-14-40 16,-2-15-91-16</inkml:trace>
+  <inkml:trace contextRef="#ctx0" brushRef="#br0" timeOffset="-8695.25">12174 13192 161 0,'0'0'166'16,"0"0"-23"-16,0 0-11 15,-81-10-70-15,66 39-5 0,6 10-13 16,6 5-29-16,3 1-2 16,0-4-4-16,8-5-6 15,10-13-4-15,1-6 1 16,2-13-12-16,-3-4-16 15,-5-4-2-15,-4-22 10 16,-4-8 8-16,-5-9-12 16,0-1 24-16,0 3 3 15,-6 8 1-15,-2 14 13 16,5 10 2-16,3 9 23 16,0 0-11-16,3 5-23 15,18 15-6-15,3 2 18 16,2 2-15-16,-1-4 8 0,-1-6-13 15,-1-5 1-15,2-9-1 16,3 0-55-16,5-14-40 16,-2-15-91-16</inkml:trace>
   <inkml:trace contextRef="#ctx0" brushRef="#br0" timeOffset="-8312.06">12615 12167 515 0,'0'0'122'16,"0"0"-67"-16,30 90-29 15,7-10 57-15,5 13-12 16,1 2-38-16,2-6-14 15,0-7-7-15,6-7-11 0,-2-11-2 16,0-4-81 0,-3-11-45-16,-10-11-47 0,-10-18-257 15</inkml:trace>
   <inkml:trace contextRef="#ctx0" brushRef="#br0" timeOffset="-8019.31">13190 12623 281 0,'0'0'101'0,"-9"-88"-21"16,-5 50 4-16,-3 6 19 16,0 14-40-16,4 12 18 15,-1 6-24-15,-1 14-21 16,5 21-13-16,4 8-14 15,6 6 13-15,1-6-2 16,19-6-16-16,2-3 6 16,3-8-10-16,1-6 0 15,1-6-3-15,5-4-32 16,3-10-33-16,4 0-38 16,4-7-10-16,2-19-133 15</inkml:trace>
   <inkml:trace contextRef="#ctx0" brushRef="#br0" timeOffset="-7646.19">13603 12290 424 0,'0'0'91'0,"0"0"26"16,-97 16-18-16,76 19-33 15,12 10-16-15,9 5-4 16,0 2-34-16,14-5 0 15,6-8-11-15,3-10 3 16,2-13-6-16,-1-8 2 16,0-8-19-16,-3-2-1 0,-2-26-8 15,-2-9 6 1,-7-7-8-16,-5 2-21 0,-5 1 28 16,0 1 19-16,-9 7 4 15,-6 2 4-15,3 8 2 16,3 10 3-16,6 10 24 15,3 3-8-15,0 3-13 16,1 16-10-16,11 6 28 16,-1 0-19-16,4-4-5 15,0-3-12-15,1-7-23 16,5-6-52-16,-2-5-6 16,1 0-84-16,-5 0-124 15</inkml:trace>
@@ -2720,7 +3236,7 @@
   <inkml:trace contextRef="#ctx0" brushRef="#br0" timeOffset="184228.98">4073 13446 38 0,'0'0'169'16,"0"0"-122"-16,0 0 13 15,0 0 28-15,0 0-2 16,0 0-29-16,-108 4 2 15,71 18-40-15,-9 11-5 16,-3 12-14-16,1 5-24 16,0 5-26-16,8-6-1 15,7-5 24-15,9-10 2 0,12-13 0 16,12-6 9-16,0-6-88 16,0-7-75-16</inkml:trace>
   <inkml:trace contextRef="#ctx0" brushRef="#br0" timeOffset="184454.71">3637 13597 408 0,'0'0'59'0,"0"0"-58"15,0 0 9-15,-66 127-12 16,50-73 2-16,7-3 0 15,9-8-4-15,0-7 4 16,6-11-2-16,18-3-1 0,9-9 2 16,6-10-3-16,8-3-43 15,1-7-67-15,-5-20-90 16</inkml:trace>
   <inkml:trace contextRef="#ctx0" brushRef="#br0" timeOffset="9818.67">28491 4396 14 0,'0'0'9'0,"0"0"6"16,0 0 28-16,0 0 29 15,0 0 92-15,0 0-84 16,0 0-42-16,-52-91 19 16,52 23-25-16,7-9 19 15,11-9-30-15,9-6-21 16,9 6 0-16,4 18-6 16,-4 26 6-16,-3 27-5 15,-6 15 1-15,-6 35-8 16,-2 22 12-16,-5 14 0 15,-6 8 8-15,-2-3-4 16,-1-8-3-16,2-18 6 0,5-13-7 16,2-14 0-1,6-13 0-15,6-10 1 0,7 0 27 16,4-20 11-16,2-15-3 16,0-10-10-16,-1-11-3 15,-3-10 0-15,-6-7-5 16,0-3-17-16,-8 0-1 15,-6 9-1-15,-6 9-5 16,-8 12-29-16,-1 11-27 16,0 12-21-16,0 14-21 15,-7 9-148-15</inkml:trace>
-  <inkml:trace contextRef="#ctx0" brushRef="#br0" timeOffset="10089.86">29330 3694 276 0,'0'0'55'0,"0"0"-49"16,-17 96 6-16,6-40 47 15,1 7-5-15,6 3-9 16,2-1-14-16,2-7 6 15,0-6-19-15,16-9-3 0,4-4-8 16,7-10-2 0,12-6-4-16,13-12-1 0,15-11-3 15,14-2-66 1,7-28-61-16,-3-11-164 0</inkml:trace>
+  <inkml:trace contextRef="#ctx0" brushRef="#br0" timeOffset="10089.85">29330 3694 276 0,'0'0'55'0,"0"0"-49"16,-17 96 6-16,6-40 47 15,1 7-5-15,6 3-9 16,2-1-14-16,2-7 6 15,0-6-19-15,16-9-3 0,4-4-8 16,7-10-2 0,12-6-4-16,13-12-1 0,15-11-3 15,14-2-66 1,7-28-61-16,-3-11-164 0</inkml:trace>
   <inkml:trace contextRef="#ctx0" brushRef="#br0" timeOffset="10500.8">30216 3643 396 0,'0'0'103'0,"0"0"-103"15,0 0 12-15,-40 144 18 16,14-59 15-16,2 6-21 16,-1-2 24-16,7-15-32 0,3-20-13 15,8-18 5-15,5-20-8 16,2-9 1-16,0-7 6 15,0 0-5-15,0-9 28 16,0-26 37-16,0-20-66 16,0-21 2-16,3-10-3 15,6-12-1-15,8-2-3 16,9 4 0-16,13 10-6 16,13 16-12-16,11 26-2 15,6 19-4-15,-2 22 22 16,-3 3 6-16,-7 19-5 15,-10 15 6-15,-11 2-1 16,-18 0 0-16,-12-1-8 0,-6 0 8 16,-34 1 0-16,-25 2 7 15,-19-4 10-15,-13-2-17 16,1-10 5-16,18-8-3 16,25-7 1-16,30-7-6 15,20-13-62-15,51-22-269 16</inkml:trace>
   <inkml:trace contextRef="#ctx0" brushRef="#br0" timeOffset="10943.77">31674 2891 532 0,'-133'-38'4'0,"-48"20"-4"16,-40 18 0-16,-35 4-1 15,-40 30-6-15,-29 14 14 16,-24 14 30-16,-6 18-19 16,1 18 15-16,16 16 0 15,15 16-24-15,28 16 1 16,38 24-8-16,49 14 3 16,55 7-6-16,59 4 1 15,60-13 0-15,48-8 1 16,81-14 1-16,67-13-2 15,73-17 0-15,69-24 2 0,60-26 4 16,45-29-6 0,29-24 0-16,1-26 8 0,-12-11-8 15,-30-42 0-15,-42-28 0 16,-43-22 0-16,-47-18 19 16,-50-8-19-16,-58-11 3 15,-57-7-6-15,-56-12 3 16,-44-19 0-16,-31-8 0 15,-62-1-9-15,-53 7-6 16,-62 17-21-16,-74 19-15 16,-76 27-52-16,-80 36-94 15,-72 40-14-15</inkml:trace>
   <inkml:trace contextRef="#ctx0" brushRef="#br0" timeOffset="27711.07">32314 3384 198 0,'0'0'19'0,"0"0"9"16,0 0-2-16,-55-81 2 0,36 60 31 15,-3-3-36 1,-6-3 22-16,-7-1-25 0,-5-3-6 16,-14 0 14-16,-13-1-28 15,-16 1 0-15,-19 1-7 16,-25-7 14-16,-23-3-12 15,-26-5 5-15,-20-3 0 16,-16-5 9-16,-5 2-9 16,-14 3-3-16,-10 11 1 15,-4 14 4-15,-1 7 3 16,14 14-5-16,9 2 2 16,7 16-4-16,3 29 2 15,5 20 0-15,5 17-3 16,12 15 5-16,20 12-4 15,12 7-7-15,19 5 9 0,18-3 0 16,16 1-6-16,15-5 6 16,12 3-7-16,10 16 5 15,8 13 1-15,3 11-2 16,3 8 3-16,5-9 2 16,9-7 5-16,20-6-9 15,21-6 2-15,28 4 0 16,42 0 2-16,36-1-1 15,36-10 1-15,31-15 9 16,29-18-8-16,29-17 0 16,27-24-2-16,27-24 0 15,22-17 6-15,14-15-7 0,4-6 0 16,2-29 10-16,-3-15-6 16,-5-14-3-16,-22-10-1 15,-26-11 11-15,-27-15-11 16,-36-21 0-16,-29-17-1 15,-31-21-3-15,-33-12 2 16,-42-16 1-16,-43-13 1 16,-30-18-34-16,-51-6 34 15,-32 6 0-15,-22 13 2 16,-24 17 10-16,-15 13-12 16,-27 13 0-16,-26 19 9 15,-27 29-9-15,-36 36-2 16,-28 46-6-16,-27 32 8 0,-22 50-6 15,-19 36 10-15,-14 28-4 16,-3 13 0-16,7 9 4 16,26 10-10-16,33 16 3 15,40 41 3-15,39 33-3 16,41 24-10-16,42 8 12 16,44-23 1-16,50-21-7 15,51-24 2-15,43-28 1 16,72-23 4-16,55-27 16 15,50-22-16-15,42-17 7 16,28-19-1-16,23-11-2 16,18-18-4-16,9-23 4 15,14-12-4-15,9-20 11 16,4-25-9-16,1-16 3 0,-9-9-7 16,-17-21 9-16,-27-18-10 15,-37-14 3-15,-41-22-24 16,-52-11 16-16,-52-12 10 15,-45-7-2-15,-38-6 0 16,-29-4 3-16,-21-1-6 16,-7-1 16-16,-45 10-10 15,-35 6 4-15,-38 15-6 16,-41 15-2-16,-41 9 1 16,-32 14 0-16,-36 8-2 15,-26 10 2-15,-29 15 0 16,-11 26-6-16,-13 32 2 15,-12 27 4-15,-2 51-3 0,-4 45-1 16,5 35 4-16,23 30 0 16,41 27 3-16,60 36-9 15,68 24 3-15,77 20-8 16,70 4 5-16,41-8 6 16,63-5-13-16,43-18 16 15,36-21-3-15,32-34 5 16,29-40 0-16,32-33 7 15,33-25-11-15,30-28 7 16,28-32-6-16,16-28 5 16,10-14 0-16,-3-38 4 15,-10-12-11-15,-17-18 7 0,-21-17-7 16,-26-15 10-16,-23-20-6 16,-28-20-4-16,-37-12 0 15,-31-13-6-15,-36-5 4 16,-39 2 2-16,-35-4 1 15,-42-6 7-15,-26-10-16 16,-63 2 8-16,-53 2 0 16,-72 11-1-16,-82 17-40 15,-79 18-35-15,-91 20-33 16,-79 28-33-16</inkml:trace>
@@ -3115,20 +3631,20 @@
   <inkml:trace contextRef="#ctx0" brushRef="#br0" timeOffset="17239.8">5729 2315 37 0,'0'0'42'0,"0"0"27"16,0 0-54-16,0 0-6 15,0 0-8-15,0 0 25 16,-33 44-8-16,27-23-3 16,1-2-3-16,0-2 2 15,3-3-14-15,2 0-4 16,0-5 1-16,3-2-4 15,13-1 7-15,5-6 6 16,2 0 12-16,4 0-12 16,1-8-6-16,-1-6-19 15,-2-4-97-15</inkml:trace>
   <inkml:trace contextRef="#ctx0" brushRef="#br0" timeOffset="36215.08">27472 2830 180 0,'0'0'97'0,"-95"-64"-50"15,44 32-35-15,-3 1-12 16,-4-1 1-16,-5-1 1 0,-10 1 14 15,-7 3 0 1,-11-3-16-16,-6 4 4 0,-8 4 10 16,-8 2-14-16,-14 6-14 15,-16 12 10-15,-11 4 4 16,-1 0-6-16,0 9 10 16,7 11-8-16,10 6 8 15,2 2 5-15,9 5 3 16,4 1 2-16,13 6-10 15,10 6 2-15,11 7 1 16,7 9 9-16,9 9-16 16,8 7 0-16,15 9 3 15,12-1-3-15,16-3-17 16,21-4 17-16,5-7-21 0,47-4 20 16,31-9 0-16,35-5 1 15,33-9 7-15,30-7-7 16,23-7 9-16,18-11-19 15,16-9 10-15,11-11-11 16,7 0-21-16,-4-18-7 16,-5-17 38-16,-18-8-11 15,-22-3 12-15,-24-8 0 16,-33-3-29-16,-29-6 29 16,-34-7 32-16,-31-11-7 15,-28-6 50-15,-23-4-33 16,-9-3 3-16,-42-12-25 15,-32 0-10-15,-46 0-10 0,-50 17-175 16,-53 29-94-16</inkml:trace>
   <inkml:trace contextRef="#ctx0" brushRef="#br0" timeOffset="37414.9">15517 11616 73 0,'0'0'101'0,"15"-138"-72"16,0 85-16-16,-1 17-10 16,-4 18 48-16,-4 15-23 15,-2 3-28-15,7 28-5 16,11 30 5-16,10 32 83 0,6 33-49 15,2 22-1 1,-7 10-15-16,-10 0-17 0,-8-6 5 16,-11-12-6-16,-1-16 2 15,0-15-4-15,2-19 12 16,3-20-10-16,2-15 3 16,-4-15-3-16,-6-15-123 15,0-15-98-15</inkml:trace>
-  <inkml:trace contextRef="#ctx0" brushRef="#br0" timeOffset="37743.66">15586 12684 267 0,'0'0'63'0,"97"140"-27"15,-43-69-23-15,-4-13-13 16,-6-14 12-16,-2-12-12 15,0-7 9-15,-1-8 4 16,-1-9 2-16,0-8 0 16,-1-11 3-16,0-31-4 15,3-20-14-15,0-27-9 16,-5-10-7-16,-9-1-10 16,-12 12 22-16,-14 25 4 15,-2 23 10-15,-22 23 32 16,-16 17-25-16,-11 17-15 15,-7 26-2-15,-1 12 2 0,4 12-7 16,10 10 5-16,15 4-27 16,16 2-49-16,12-9-90 15,0-13-53-15</inkml:trace>
-  <inkml:trace contextRef="#ctx0" brushRef="#br0" timeOffset="-154228.73">17138 1142 9 0,'0'0'51'0,"0"0"-11"15,0 0 3-15,0 0-18 16,0 0 12-16,0 0-22 16,0 0 9-16,0 0 6 15,2-15-30-15,-2 15-5 16,0 0-3-16,0 0-16 16,-4 0 20-16,-5 7 4 15,-3 4 9-15,-3 4-3 16,2-3-5-16,0 1 4 15,-1-1-2-15,3-1-2 0,0-2 1 16,0 1 0-16,2 0 5 16,0-3-7-16,3 0 0 15,0-1-1-15,5 1-26 16,-1-4-53-16,2-1-20 16</inkml:trace>
+  <inkml:trace contextRef="#ctx0" brushRef="#br0" timeOffset="37743.65">15586 12684 267 0,'0'0'63'0,"97"140"-27"15,-43-69-23-15,-4-13-13 16,-6-14 12-16,-2-12-12 15,0-7 9-15,-1-8 4 16,-1-9 2-16,0-8 0 16,-1-11 3-16,0-31-4 15,3-20-14-15,0-27-9 16,-5-10-7-16,-9-1-10 16,-12 12 22-16,-14 25 4 15,-2 23 10-15,-22 23 32 16,-16 17-25-16,-11 17-15 15,-7 26-2-15,-1 12 2 0,4 12-7 16,10 10 5-16,15 4-27 16,16 2-49-16,12-9-90 15,0-13-53-15</inkml:trace>
+  <inkml:trace contextRef="#ctx0" brushRef="#br0" timeOffset="-154228.74">17138 1142 9 0,'0'0'51'0,"0"0"-11"15,0 0 3-15,0 0-18 16,0 0 12-16,0 0-22 16,0 0 9-16,0 0 6 15,2-15-30-15,-2 15-5 16,0 0-3-16,0 0-16 16,-4 0 20-16,-5 7 4 15,-3 4 9-15,-3 4-3 16,2-3-5-16,0 1 4 15,-1-1-2-15,3-1-2 0,0-2 1 16,0 1 0-16,2 0 5 16,0-3-7-16,3 0 0 15,0-1-1-15,5 1-26 16,-1-4-53-16,2-1-20 16</inkml:trace>
   <inkml:trace contextRef="#ctx0" brushRef="#br0" timeOffset="-153768.75">17148 1217 9 0,'0'0'57'0,"0"0"-56"16,0 0 31-16,0 0 30 16,0 0 2-16,0 0-22 15,-74 63-28-15,49-44-8 16,3 2-6-16,1-5 7 15,6 0-14-15,4-3-3 16,1 2 3-16,4-1-83 16,5-6-45-16</inkml:trace>
   <inkml:trace contextRef="#ctx0" brushRef="#br0" timeOffset="-153560.98">17102 1398 44 0,'0'0'41'16,"0"0"-6"-16,0 0 2 15,0 0 35-15,0 0-39 16,0 0-12-16,-57 38-15 16,45-29-2-16,3 1-3 15,6-2-2-15,1-2-31 16,2-4-94-16,0 0-9 15</inkml:trace>
-  <inkml:trace contextRef="#ctx0" brushRef="#br0" timeOffset="-153408.77">17102 1398 3 0,'-2'127'64'15,"-16"-110"-27"-15,-1-1-24 16,1 1 12-16,5-2-16 15,0-1-9-15,5 0-7 16,5-4-62-16</inkml:trace>
-  <inkml:trace contextRef="#ctx0" brushRef="#br0" timeOffset="-141945.11">16715 2157 51 0,'0'0'79'0,"0"0"-75"16,0 0-2-16,0 0 26 15,0 0 72-15,100 19-30 16,-51-18-28-16,14-1 6 16,10 0-11-16,17 0 4 15,10 0-19-15,15-4-8 0,19-5-12 16,26 1 5 0,13 0-5-16,13 5 5 0,4 3-2 15,-2 0-1-15,-3 0-4 16,-9-3 1-16,-15 3-6 15,-24-3-2-15,-29-1-8 16,-33 2 0-16,-30 1 2 16,-21 0 13-16,-16 0 0 15,-5 1 2-15,-3 0 16 16,0 0-7-16,0 0-5 16,0 0-5-16,0 0-1 15,0 0-50-15,0 0-125 16,0 0-132-16</inkml:trace>
+  <inkml:trace contextRef="#ctx0" brushRef="#br0" timeOffset="-153408.78">17102 1398 3 0,'-2'127'64'15,"-16"-110"-27"-15,-1-1-24 16,1 1 12-16,5-2-16 15,0-1-9-15,5 0-7 16,5-4-62-16</inkml:trace>
+  <inkml:trace contextRef="#ctx0" brushRef="#br0" timeOffset="-141945.12">16715 2157 51 0,'0'0'79'0,"0"0"-75"16,0 0-2-16,0 0 26 15,0 0 72-15,100 19-30 16,-51-18-28-16,14-1 6 16,10 0-11-16,17 0 4 15,10 0-19-15,15-4-8 0,19-5-12 16,26 1 5 0,13 0-5-16,13 5 5 0,4 3-2 15,-2 0-1-15,-3 0-4 16,-9-3 1-16,-15 3-6 15,-24-3-2-15,-29-1-8 16,-33 2 0-16,-30 1 2 16,-21 0 13-16,-16 0 0 15,-5 1 2-15,-3 0 16 16,0 0-7-16,0 0-5 16,0 0-5-16,0 0-1 15,0 0-50-15,0 0-125 16,0 0-132-16</inkml:trace>
   <inkml:trace contextRef="#ctx0" brushRef="#br0" timeOffset="-141455.02">17649 1667 74 0,'0'0'234'15,"0"0"-234"-15,0 0-8 0,-1 88 8 16,-8-40 57-16,0 0-8 16,3-3-49-16,1-3 3 15,2-2 2-15,0-2 1 16,-1-6-7-16,-1-3 1 16,0-7-32-16,2-6-76 15,3-10-33-15</inkml:trace>
   <inkml:trace contextRef="#ctx0" brushRef="#br0" timeOffset="-141075.72">18239 1712 257 0,'0'0'81'0,"0"0"-75"0,0 0-6 16,0 0 21-16,0 0 43 16,-2 98-46-16,1-71 7 15,-2 0-21-15,-2 1 3 16,-1 1-5-16,-4 1-2 16,2-3-3-16,1-2-11 15,2-5-83-15,5-6-64 16</inkml:trace>
   <inkml:trace contextRef="#ctx0" brushRef="#br0" timeOffset="-140638.39">18774 1649 116 0,'0'0'59'0,"0"0"-36"16,0 0 8-16,3 82 52 16,-3-48-40-16,0 3 0 15,0-4-27-15,0 0-13 16,0 0 17-16,-5-4-14 15,0-2-6-15,0-4 3 16,1-4-3-16,1-3-16 16,0-4-77-16,3-7-135 15</inkml:trace>
   <inkml:trace contextRef="#ctx0" brushRef="#br0" timeOffset="-140278.31">19155 1594 261 0,'0'0'117'0,"0"0"-117"0,0 0 9 15,0 0-9-15,0 108 58 16,0-59-28-16,0 2-12 16,0-3 1-16,0-3-6 15,0-2-11-15,0-3 6 16,0-5-5-16,0-6-6 15,0-6 3-15,0 1-48 16,-11-5-68-16,-1-6-216 16</inkml:trace>
   <inkml:trace contextRef="#ctx0" brushRef="#br0" timeOffset="-139522.43">17181 1673 42 0,'0'0'51'16,"0"0"-13"-16,0 0 28 15,6 113 3-15,-6-76-5 16,0 0-32-16,0-1 4 16,0 2-17-16,-6 2-17 15,-7-2 5-15,0-1-3 16,3-6 3-16,1-6-7 15,6-5-15-15,3-9-26 16,0-1-23-16,2-8-36 16,11-2-97-16</inkml:trace>
   <inkml:trace contextRef="#ctx0" brushRef="#br0" timeOffset="-137955.95">18234 1653 7 0,'0'0'38'0,"0"0"-20"16,0 0-7-16,0 0-4 15,0 0 9-15,0 0 9 16,0 0-5-16,0 0-17 16,0 17 11-16,0 9 33 15,0 9 7-15,0 3-21 16,-3 3-2-16,-1 0-8 15,-1-4-1-15,2-5-12 16,-3-2-5-16,2-4 5 16,1-3-13-16,0-5 6 0,-2 0-2 15,1-5-1 1,-1-2-1-16,0-6 1 0,3 1 0 16,2-5-31-16,0-1-61 15,0 0-36-15</inkml:trace>
-  <inkml:trace contextRef="#ctx0" brushRef="#br0" timeOffset="-136986.71">16818 2877 1 0,'0'0'62'16,"0"0"-26"-16,0 0 49 16,121 1-41-16,-54-5-10 15,18-10-7-15,20-6 36 16,23-1-2-16,21 0-28 16,32 0-7-16,25 1 1 15,19 3 13-15,8 5-7 16,-7 9-33-16,-20 1 9 15,-28 2-18-15,-36-1 13 0,-37-4-8 16,-39 1-12-16,-32 1 1 16,-23-1 14-16,-11-2-12 15,-14 1-40-15,-23-1-53 16,-17-1-148-16</inkml:trace>
-  <inkml:trace contextRef="#ctx0" brushRef="#br0" timeOffset="-136513.61">17132 2201 66 0,'0'0'184'16,"0"0"-126"-16,0 0-57 15,0 0 26-15,0 0 70 16,52 102-43-16,-42-61-17 16,-1 1-6-16,-1 0-19 15,-5 5-9-15,-3 6 4 16,0 1-7-16,0-2 6 15,0-6-6-15,0-13-2 16,0-4-24-16,0-11-53 16,10-11-33-16,8-7-116 15</inkml:trace>
+  <inkml:trace contextRef="#ctx0" brushRef="#br0" timeOffset="-136986.72">16818 2877 1 0,'0'0'62'16,"0"0"-26"-16,0 0 49 16,121 1-41-16,-54-5-10 15,18-10-7-15,20-6 36 16,23-1-2-16,21 0-28 16,32 0-7-16,25 1 1 15,19 3 13-15,8 5-7 16,-7 9-33-16,-20 1 9 15,-28 2-18-15,-36-1 13 0,-37-4-8 16,-39 1-12-16,-32 1 1 16,-23-1 14-16,-11-2-12 15,-14 1-40-15,-23-1-53 16,-17-1-148-16</inkml:trace>
+  <inkml:trace contextRef="#ctx0" brushRef="#br0" timeOffset="-136513.62">17132 2201 66 0,'0'0'184'16,"0"0"-126"-16,0 0-57 15,0 0 26-15,0 0 70 16,52 102-43-16,-42-61-17 16,-1 1-6-16,-1 0-19 15,-5 5-9-15,-3 6 4 16,0 1-7-16,0-2 6 15,0-6-6-15,0-13-2 16,0-4-24-16,0-11-53 16,10-11-33-16,8-7-116 15</inkml:trace>
   <inkml:trace contextRef="#ctx0" brushRef="#br0" timeOffset="-136108.3">17822 2105 45 0,'0'0'188'0,"0"0"-170"16,0 0-6-16,0 83 103 15,0-32-26-15,-1 1-35 16,1 1-5-16,0-3-30 15,0-1-7-15,0 0 0 16,0 2-10-16,0 0 3 16,0-4-5-16,0-3 0 15,0-7 0-15,-7-9-112 0,7-9 33 16,0-13-119-16</inkml:trace>
   <inkml:trace contextRef="#ctx0" brushRef="#br0" timeOffset="-135823.93">18253 2159 286 0,'0'0'120'0,"0"0"-65"0,0 0-51 15,0 0 9 1,0 0-8-16,23 108 28 0,-20-48-2 16,-3 0-6-16,0-2-18 15,0-3 1-15,0-1 0 16,0-2-6-16,0-7 1 16,0-7-3-16,0-8-52 15,0-9-47-15,0-7-108 16</inkml:trace>
   <inkml:trace contextRef="#ctx0" brushRef="#br0" timeOffset="-135560.59">18747 2210 395 0,'0'0'61'16,"0"0"-49"-16,28 105 21 16,-18-50 24-16,-3 5-7 15,-1 3-12-15,1 2-27 16,-1 0 1-16,2-10-4 16,0-11-4-16,0-12 0 15,0-6-4-15,2-8-7 16,6-6-86-16,3-10-83 15</inkml:trace>
@@ -3141,7 +3657,7 @@
   <inkml:trace contextRef="#ctx0" brushRef="#br0" timeOffset="-106524.49">13342 15886 6 0,'0'0'1'16,"0"0"-1"-16,0 0 41 15,0 0 33-15,0 0-18 16,0 0-34-16,-27 18 8 16,23-5-11-16,1 1 7 15,1 2-15-15,2-4-1 16,0-2-6-16,0-4-6 16,0-3 2-16,0 1 0 15,0-4 4-15,0 0-2 16,3 0 3-16,10 0 20 15,3-3-10-15,3-8-4 0,2-6-11 16,0 2 0-16,-1-1 5 16,0 0-2-16,-1 1-2 15,-1 1-1-15,-1 1 3 16,-1 3-5-16,2 1 2 16,0-1 0-16,0-1 0 15,0 2 1-15,-1-3-1 16,0 2 0-16,-1-1 0 15,-2 3 4-15,-2-1-4 16,-2 3 0-16,-2 0 4 16,-4 1-2-16,1 3 5 15,-2-4 2-15,2 2-9 16,0 2 5-16,-2 1-5 0,2-2 2 16,-2-1 4-1,-2-1-6-15,2 1 5 0,-1-3 0 16,-1-1-3-16,-1-4 3 15,0 0 4-15,0-2 7 16,-3-2 14-16,-6-1-20 16,-2-3-6-16,1 2 7 15,0 1-10-15,2 3 5 16,1 4 5-16,2 4 5 16,2 2 6-16,0 4-9 15,3 0-9-15,-1 0-1 16,1 0-1-16,0 0-4 0,0 0 2 15,0 0-2 1,0 0-4-16,-2 0 5 0,-1 0-13 16,-1 0-6-16,-6 6 20 15,2 4 4-15,-1-2-4 16,0 1 0-16,0-5-6 16,2 2 2-16,1-1-2 15,-3-2-1-15,-3 1-12 16,-3 3 10-16,-6 0 4 15,-3 4-7-15,-4 3 10 16,-3 2 2-16,-2 2-14 16,1-3 10-16,4-3-3 15,4-2 4-15,5-6-7 16,1 1 10-16,9-4 7 16,0 0-5-16,-1-1-2 0,2 2 4 15,-1-1 0-15,0 4-8 16,-3 2 1-16,2 0 3 15,-2 1-1-15,6-3 1 16,3 0-6-16,1-2 6 16,2-1-31-16,0-2-7 15,0 0 4-15,0 0-4 16,0 0 32-16,0 0 6 16,0 0 3-16,0 0 10 15,0 0-12-15,0 0 8 16,0 0-9-16,-1 0 0 15,1 0 1-15,0 0-1 0,0 2-38 16,1 3-120-16,7 2 35 16</inkml:trace>
   <inkml:trace contextRef="#ctx0" brushRef="#br0" timeOffset="-105373.77">13692 15564 57 0,'0'0'68'0,"0"0"-9"16,0 0-4-16,0 0-1 15,0 0-54-15,0 0-6 16,2-4 0-16,1 14 6 15,0 3 37-15,0-1-30 16,0 1-1-16,3 1 9 16,0 0-12-16,3 0-1 0,0 1-1 15,-2-3 4 1,5-1-4-16,-1-2-1 0,-1-2 0 16,3-5 8-16,0 0-6 15,1-2 1-15,1 0-3 16,2 0 1-16,1-7-5 15,1-3-1-15,-1-1-5 16,1-3 7-16,2 3-11 16,-3-1 14-16,2 0-2 15,-3 0-5-15,0 0 6 16,-2-1-11-16,-3 2 5 16,-3 4 6-16,-2-3 2 15,0 4 0-15,-2 0 5 16,-2-1-3-16,0-1 14 15,0 1-8-15,2-2-9 0,-4-1 13 16,1 2-6-16,-2-3 25 16,0 0-6-16,0-2-18 15,0 3 11-15,0 0-13 16,-2 0-2-16,-5 4 11 16,-1-2-15-16,0 2 6 15,-2-1-6-15,1 2 0 16,2-2 7-16,-2 1-7 15,3-2 2-15,0-1 3 16,0-1-2-16,1 3-3 16,2-4 0-16,0 2 5 15,-1 2-8-15,4-1 3 16,-1 2-2-16,1 1-5 0,0 0 11 16,0 3-4-1,0-1 0-15,0 0 1 0,0 0 4 16,0 3-5-16,0 0 0 15,0 0 0-15,0 0 1 16,0 0-2-16,0 0-2 16,-3 0-12-16,-3 0 2 15,-2 0 4-15,-5 0 9 16,-1 3 15-16,-2 1-13 16,-1-1 3-16,-3-2 13 15,-6 1 3-15,1-2 19 16,-2 0-6-16,3 0-24 15,3 0 6-15,9 4-16 16,5 3-7-16,5 4-4 0,2-1-86 16,2 1-20-16,17 0-21 15,4-5-39-15</inkml:trace>
   <inkml:trace contextRef="#ctx0" brushRef="#br0" timeOffset="-104515.39">14106 15320 10 0,'0'0'45'0,"0"0"-40"16,0 0 33-16,0 0 23 15,0 0-9-15,0 0-22 16,3 84-9-16,-2-76 16 16,1 2-22-16,1-5 4 15,-3 2-13-15,6-3 1 16,-3 1 10-16,1-1-15 15,1 0 3-15,1-1 0 0,1-2-2 16,2-1 1-16,2 0-2 16,1 0-2-16,5 0 6 15,3-5-5-15,1-7-1 16,1-1 0-16,3 0 0 16,1-1-22-16,-4 0 22 15,1 5-22-15,-1-2 14 16,-2 1-3-16,-1 3 7 15,-2 1-1-15,-3 2 7 16,-2 0-2-16,0-2 0 16,-2 2 4-16,1 1-6 15,-5-1 2-15,-3 3 0 16,-2-1 8-16,-1 2-7 0,0 0 12 16,0 0 18-16,0-1-9 15,0-2-1-15,0 2-18 16,0-1 12-16,0 2-15 15,0-1 6-15,0-4 4 16,0 1-1-16,-3-2-5 16,-1-2-3-16,1-4-1 15,-3 0 0-15,3-5 3 16,-2-3-3-16,1-2 0 16,-1 2 2-16,1-1 2 15,1 1-1-15,-4 3-3 16,4 3 0-16,1 0 4 15,-1 4-2-15,3 3 1 16,-1 4 3-16,-1 1-2 0,1 2 0 16,-1 0-4-16,2 0-16 15,0 0 16-15,0 0-23 16,0 0 19-16,0 0 4 16,0 0 0-16,0 0 0 15,-2 0 0-15,2 0 0 16,-1 0 8-16,1 0-5 15,0 0 3-15,0 0-6 16,0 0-1-16,0 0-13 16,-5 0-123-16,-5 0-174 15</inkml:trace>
-  <inkml:trace contextRef="#ctx0" brushRef="#br0" timeOffset="-103795.17">14548 15038 5 0,'0'0'7'0,"0"0"23"16,0 0 12-16,0 0-6 16,0 0-22-16,0 0-9 15,64-56 11-15,-51 47 1 16,1 4 8-16,0-1-12 15,1 0-13-15,3-2 4 16,3 5-4-16,0-1 0 16,1-4 2-16,-1 4-2 15,-3-2 3-15,-2 1-6 16,-2 0 7-16,-1 3 0 0,-2-2-3 16,-1 1 4-1,2-1 10-15,0 1-2 0,-3-1-5 16,0 2 8-16,-6 2-2 15,-2 0-4-15,-1 0-10 16,0 7-36-16,0 16 36 16,0 4 24-16,0 7-24 15,-1-2 17-15,-5-2-14 16,0-1 4-16,3-2-5 16,0-4 3-16,0-7-5 15,2-3 0-15,-2-6-2 16,0-1 2-16,1-5-9 0,-2 1-12 15,-7-2 21 1,-1 0 17-16,-5 0 38 0,-5 0-36 16,2 0 15-16,-1 0 6 15,4-2-27-15,-2 1-2 16,1 1-11-16,-1 0 3 16,-1 3-10-16,2 10 6 15,2-1-56-15,1 2-3 16,5-5-9-16,5-5-31 15,4-3-6-15,1-1 28 16</inkml:trace>
+  <inkml:trace contextRef="#ctx0" brushRef="#br0" timeOffset="-103795.18">14548 15038 5 0,'0'0'7'0,"0"0"23"16,0 0 12-16,0 0-6 16,0 0-22-16,0 0-9 15,64-56 11-15,-51 47 1 16,1 4 8-16,0-1-12 15,1 0-13-15,3-2 4 16,3 5-4-16,0-1 0 16,1-4 2-16,-1 4-2 15,-3-2 3-15,-2 1-6 16,-2 0 7-16,-1 3 0 0,-2-2-3 16,-1 1 4-1,2-1 10-15,0 1-2 0,-3-1-5 16,0 2 8-16,-6 2-2 15,-2 0-4-15,-1 0-10 16,0 7-36-16,0 16 36 16,0 4 24-16,0 7-24 15,-1-2 17-15,-5-2-14 16,0-1 4-16,3-2-5 16,0-4 3-16,0-7-5 15,2-3 0-15,-2-6-2 16,0-1 2-16,1-5-9 0,-2 1-12 15,-7-2 21 1,-1 0 17-16,-5 0 38 0,-5 0-36 16,2 0 15-16,-1 0 6 15,4-2-27-15,-2 1-2 16,1 1-11-16,-1 0 3 16,-1 3-10-16,2 10 6 15,2-1-56-15,1 2-3 16,5-5-9-16,5-5-31 15,4-3-6-15,1-1 28 16</inkml:trace>
   <inkml:trace contextRef="#ctx0" brushRef="#br0" timeOffset="-84483.82">14879 14707 24 0,'0'0'31'15,"0"0"6"-15,0 0 31 16,0 0-21-16,0 0-23 0,0 0-17 16,0 0-4-16,0 0-3 15,0 0-12-15,0 25 12 16,7-3 22-16,3 2 2 16,3 5-5-16,0 0-14 15,-1 1-4-15,0-1 1 16,1-3 2-16,1-1-4 15,-1-5 0-15,-1-4-5 16,-1-9 3-16,-3 1 2 16,-3-5 0-16,-2-3 2 15,3 0 1-15,3-3 36 16,6-17-13-16,3-2-25 16,3-8 5-16,2 0-5 15,-2 4 1-15,-3 1 0 0,-2 6-1 16,-5 1-1-16,-2 4 6 15,0 1-2-15,-5 4-4 16,-1-1 8-16,-3 3-1 16,0-3 2-16,0 0-9 15,0 3 1-15,0-2 1 16,0-1 3-16,0 0-5 16,0-1 4-16,0-4-4 15,-1 1 7-15,-11-3 0 16,-5-4-2-16,-2 2 14 15,0-3-15-15,-2 2 2 16,0 4-6-16,4-1 5 0,4 7-10 16,6 4 5-1,2 3-8-15,1 3-36 0,2 0-85 16,2 12-74-16</inkml:trace>
   <inkml:trace contextRef="#ctx0" brushRef="#br0" timeOffset="-83943.82">15185 14588 7 0,'0'0'35'0,"0"0"8"0,19 87-17 15,-12-61-3-15,2-4 5 16,-1-4 16-16,2-3-24 16,-2-5-15-16,-2-3 6 15,0-4-6-15,2-3 9 16,3 0 18-16,4-5-4 16,3-15-5-16,3 1-22 15,-2-1 0-15,1 2-2 16,-1 2 7-16,-3 3-6 15,1 3 0-15,-4 0 2 16,2 1-3-16,-3 2 1 16,3-3 0-16,-3 0 5 0,0-3-5 15,1 3 19 1,-4-5 11-16,0 2-12 0,-2 2 14 16,-2 0-21-16,-4 4 0 15,-1-3 14-15,0 0-15 16,0-3-2-16,-6-2-2 15,-4-3-5-15,-2-4 17 16,2-1-16-16,-2-2 3 16,1-3 3-16,1 0-3 15,1-1-3-15,2 1-2 16,0 6-6-16,4 8 4 16,-1 6 0-16,4 8-9 15,0 3-54-15,0 16-94 0,0 5-15 16</inkml:trace>
   <inkml:trace contextRef="#ctx0" brushRef="#br0" timeOffset="-83389.76">15462 14404 68 0,'0'0'52'0,"0"0"-46"16,0 0-6-16,16 92 9 0,-10-72-8 16,3-6 8-1,1-5-1-15,0-3-6 0,2-4 4 16,1-2 0-16,-1 0 5 16,5-3 17-16,0-9-16 15,3-4-5-15,-1 2 4 16,1-5-5-16,-4 0 2 15,6-1-6-15,-1-4 6 16,0 1 11-16,-3 3-5 16,-3 4 17-16,-2 2 8 15,0 1-10-15,-2 3-1 16,1 4-11-16,0-5-9 16,0 2 3-16,-3 0-9 15,0-1 2-15,-5-3 22 16,-2 2 0-16,-2 0 16 0,0 1-17 15,0-2-6-15,0 3-3 16,0 1-10-16,-2 0-3 16,-1 2-1-16,-1 1 1 15,3 1-3-15,-1-1 0 16,-1-2 2-16,2 2-7 16,-1-3 5-16,1 3-6 15,-1-4-15-15,1-1-20 16,-1-8 23-16,-1 0 15 15,0 1-9-15,0 5 12 16,-2 8-11-16,-2 4-15 16,-2 27-101-16,-4 12-11 0</inkml:trace>
@@ -3161,7 +3677,7 @@
   <inkml:trace contextRef="#ctx0" brushRef="#br0" timeOffset="-74112.9">14734 13491 236 0,'0'0'47'0,"0"0"-31"16,0 0-20-16,0 104 8 16,9-72-2-16,7-6-2 15,4-6-3-15,0-9 3 16,0-8 0-16,1-3 10 16,-3-3-3-16,1-16-4 15,-3-2 22-15,-2-2-13 0,-5 5-2 16,-2 5 16-16,-4 7 19 15,-3 5-8-15,2 1-36 16,1 0-1-16,-2 15-9 16,2 7-1-16,-1 2 2 15,-2 1-69-15,0-4-13 16,0-5-60-16</inkml:trace>
   <inkml:trace contextRef="#ctx0" brushRef="#br0" timeOffset="-71852.78">12426 14945 159 0,'0'0'29'0,"0"0"-17"15,0 0-8-15,0 0 15 16,0 0-1-16,0 0 11 16,43 102-22-16,-38-80-1 15,2-4-6-15,-1-4-34 16,0-2-40-16,-2-9-79 16</inkml:trace>
   <inkml:trace contextRef="#ctx0" brushRef="#br0" timeOffset="-71697.55">12539 14987 167 0,'0'0'109'0,"0"0"-76"0,0 0 1 16,0 0-9-16,0 0-22 16,0 0-3-16,94-61-25 15,-62 51-83-15,-1-1-85 16</inkml:trace>
-  <inkml:trace contextRef="#ctx0" brushRef="#br0" timeOffset="-70798.62">13200 14595 70 0,'0'0'67'0,"0"0"-34"16,0 0 22-1,66 100-36-15,-57-79 3 0,-5-1-14 16,1-2-7-16,1-4-1 15,-2-5-103-15</inkml:trace>
+  <inkml:trace contextRef="#ctx0" brushRef="#br0" timeOffset="-70798.63">13200 14595 70 0,'0'0'67'0,"0"0"-34"16,0 0 22-1,66 100-36-15,-57-79 3 0,-5-1-14 16,1-2-7-16,1-4-1 15,-2-5-103-15</inkml:trace>
   <inkml:trace contextRef="#ctx0" brushRef="#br0" timeOffset="-70663.43">13333 14644 214 0,'0'0'88'0,"0"0"-48"16,0 0-22-16,0 0 3 15,0 0-21-15,0 0-3 16,83-58-96-16</inkml:trace>
   <inkml:trace contextRef="#ctx0" brushRef="#br0" timeOffset="-70197.72">13899 14168 222 0,'0'0'125'0,"0"0"-125"16,0 0-1-16,0 0 1 15,0 0 20-15,-2 87-8 16,2-60-12-16,6-1 6 16,3 0-5-16,-3 1-1 15,-3-4-92-15,-3-1-116 16</inkml:trace>
   <inkml:trace contextRef="#ctx0" brushRef="#br0" timeOffset="-70053.84">13979 14361 129 0,'0'0'198'16,"0"0"-153"-16,0 0-43 15,0 0 14-15,0 0 7 0,100-66-23 16,-70 54-82-16,-3-3-249 15</inkml:trace>
@@ -3185,13 +3701,13 @@
   <inkml:trace contextRef="#ctx0" brushRef="#br0" timeOffset="-39074.96">13151 12844 141 0,'0'0'63'0,"0"0"-36"16,0 0 47-16,0 0 22 15,0 0-63-15,0 0-19 16,67-93 24-16,-57 61-19 15,-1-2-15-15,-2 2 7 16,-7 0-10-16,0 8 13 16,0 4 14-16,-2 10-10 15,-7 5-4-15,-3 5-6 0,-1 0 3 16,-5 11 5 0,3 9-16-16,0 3 0 0,8 5 0 15,4 1 0-15,3-2-5 16,0-2 5-16,6-6 0 15,7-1-8-15,0-7 8 16,1-4-36-16,2-7 4 16,0 0-9-16,0-4 28 15,0-11 0-15,-3-2 0 16,-2 5 9-16,-4-4 8 16,-4 5 2-16,-1 2 15 15,-2 0-3-15,1 4 6 16,1-1 11-16,-2 4-19 15,1 1 12-15,-1 1-28 16,2 0-8-16,-1 7-2 0,2 7 10 16,-1-3 0-16,1-1 0 15,0-3 1-15,-2-2 1 16,2-5-2-16,3 0-7 16,0 0-13-16,6 0-33 15,3 0-9-15,-3-9-118 16</inkml:trace>
   <inkml:trace contextRef="#ctx0" brushRef="#br0" timeOffset="-38588.16">13518 12462 274 0,'0'0'92'15,"0"0"-43"-15,0 0 16 16,0 0 0-16,-88 13-23 16,77 6-35-16,3 8 3 15,3 2 0-15,5 9-1 16,0 1 13-16,3-4-22 15,12 0 3-15,0-10-2 0,6-9-1 16,1-12 0-16,3-4-24 16,1 0-31-16,1-19 0 15,0-8-34-15,-2-9-13 16,-6-1 55-16,-5-1-11 16,-5 1 42-16,0 4 16 15,-5 3 5-15,-2 6 12 16,-1 10 28-16,-1 8 36 15,0 2 36-15,0 4-73 16,0 0-44-16,0 11 0 16,0 9 19-16,0 2 9 15,0-1-26-15,2-2-2 0,1-1 4 16,0 1-4 0,0-9-2-16,1-4-109 0,-1-6-211 15</inkml:trace>
   <inkml:trace contextRef="#ctx0" brushRef="#br0" timeOffset="-38437.4">13740 12272 345 0,'0'0'95'16,"0"0"-95"-16,0 0 6 15,0 0-9-15,0 0 3 16,0 0-143-16,-7 99-112 0</inkml:trace>
-  <inkml:trace contextRef="#ctx0" brushRef="#br0" timeOffset="-38113.81">13788 12540 7 0,'0'0'121'0,"0"0"46"15,0 0-17-15,0 0-57 16,0 0-46-16,0 0-17 15,45-42 0-15,-33 26-9 16,0-1-15-16,-3 7 12 16,-2 2-8-16,0 5 0 0,-2 3-10 15,3 0-1 1,-1 0-1-16,2 0 2 0,0 0 0 16,-2 0-8-16,-2 0 6 15,5 2-13-15,-2-1 14 16,1-1-21-16,-2 1-7 15,3 2-9-15,0 1-13 16,-1 1 6-16,-1-3-15 16,1 1 7-16,0 2-7 15,2-5-50-15,-1 0-9 16,2 0 55-16</inkml:trace>
-  <inkml:trace contextRef="#ctx0" brushRef="#br0" timeOffset="-37677.55">14107 12465 12 0,'0'0'45'16,"0"0"-7"-16,0 0 34 15,0 0 5-15,0 0 0 0,0 0 4 16,66-53-13-16,-66 49 10 16,0 2-15-16,0 2-31 15,0 0-13-15,-6 0-17 16,-5 0 13-16,-2 6 0 16,4-1-14-16,5 0 1 15,2 1-2-15,2-2-18 16,0 0 2-16,0 3-2 15,2-2-3-15,8 2 18 16,3-2-14-16,1-4-1 16,2-1 17-16,2 0-4 15,3-6 5-15,3-12 2 0,0-2 8 16,3-8-14 0,-2-2 6-16,-1-9-2 0,-2-4 3 15,-4-4 3-15,-1-6-5 16,-5-4-1-16,-6-2 2 15,-3 7-8-15,-3 10 6 16,0 21 0-16,-9 16 26 16,-10 5-16-16,0 29 20 15,-3 19-11-15,7 10-7 16,0 7 6-16,8 4-15 16,7 1-2-16,0-4 3 15,0-11 1-15,12-12-10 16,1-9-65-16,-2-10-92 15,-8-7-46-15</inkml:trace>
+  <inkml:trace contextRef="#ctx0" brushRef="#br0" timeOffset="-38113.82">13788 12540 7 0,'0'0'121'0,"0"0"46"15,0 0-17-15,0 0-57 16,0 0-46-16,0 0-17 15,45-42 0-15,-33 26-9 16,0-1-15-16,-3 7 12 16,-2 2-8-16,0 5 0 0,-2 3-10 15,3 0-1 1,-1 0-1-16,2 0 2 0,0 0 0 16,-2 0-8-16,-2 0 6 15,5 2-13-15,-2-1 14 16,1-1-21-16,-2 1-7 15,3 2-9-15,0 1-13 16,-1 1 6-16,-1-3-15 16,1 1 7-16,0 2-7 15,2-5-50-15,-1 0-9 16,2 0 55-16</inkml:trace>
+  <inkml:trace contextRef="#ctx0" brushRef="#br0" timeOffset="-37677.56">14107 12465 12 0,'0'0'45'16,"0"0"-7"-16,0 0 34 15,0 0 5-15,0 0 0 0,0 0 4 16,66-53-13-16,-66 49 10 16,0 2-15-16,0 2-31 15,0 0-13-15,-6 0-17 16,-5 0 13-16,-2 6 0 16,4-1-14-16,5 0 1 15,2 1-2-15,2-2-18 16,0 0 2-16,0 3-2 15,2-2-3-15,8 2 18 16,3-2-14-16,1-4-1 16,2-1 17-16,2 0-4 15,3-6 5-15,3-12 2 0,0-2 8 16,3-8-14 0,-2-2 6-16,-1-9-2 0,-2-4 3 15,-4-4 3-15,-1-6-5 16,-5-4-1-16,-6-2 2 15,-3 7-8-15,-3 10 6 16,0 21 0-16,-9 16 26 16,-10 5-16-16,0 29 20 15,-3 19-11-15,7 10-7 16,0 7 6-16,8 4-15 16,7 1-2-16,0-4 3 15,0-11 1-15,12-12-10 16,1-9-65-16,-2-10-92 15,-8-7-46-15</inkml:trace>
   <inkml:trace contextRef="#ctx0" brushRef="#br0" timeOffset="-37274.11">11972 13500 214 0,'0'0'128'0,"0"0"-124"16,0 0 39-16,0 0 46 15,0 0-11-15,0 0-19 16,111-38-33-16,-22 1 11 16,29-8 0-16,31-12-23 15,33-11 14-15,29-8-22 16,23-7-5-16,24-4 4 16,9-2-2-16,-3 1-4 15,-15-1 1-15,-31 12-6 16,-42 12 4-16,-52 23-38 15,-54 22-5-15,-58 20-40 0,-27 1-117 16,-52 32 156-16,-27 10-214 16</inkml:trace>
-  <inkml:trace contextRef="#ctx0" brushRef="#br0" timeOffset="-36658.95">12633 13445 178 0,'0'0'95'0,"0"0"-53"16,0 0 43-16,0 0-17 0,0 0-54 15,0 0 6 1,20 21 19-16,-16-2-34 0,-1 1 19 16,0 4-17-16,-3-1-3 15,0 1 9-15,0-2-13 16,0-5 3-16,0-5 0 16,0-9-1-16,0-3 3 15,0 0-1-15,2 0 7 16,2-3 13-16,8-20-24 15,3-5 3-15,6-3-7 16,3 0 8-16,-2 4-4 16,2 6 0-16,-3 7 0 15,0 4 2-15,-6 6 10 16,1 4-4-16,-4 0-7 0,-1 0 0 16,0 4-2-16,-2 4-2 15,-3 7 1-15,-1-1-3 16,-2 3-26-16,-3 2-44 15,0 0-42-15,0-2-39 16,0-3-9-16</inkml:trace>
+  <inkml:trace contextRef="#ctx0" brushRef="#br0" timeOffset="-36658.96">12633 13445 178 0,'0'0'95'0,"0"0"-53"16,0 0 43-16,0 0-17 0,0 0-54 15,0 0 6 1,20 21 19-16,-16-2-34 0,-1 1 19 16,0 4-17-16,-3-1-3 15,0 1 9-15,0-2-13 16,0-5 3-16,0-5 0 16,0-9-1-16,0-3 3 15,0 0-1-15,2 0 7 16,2-3 13-16,8-20-24 15,3-5 3-15,6-3-7 16,3 0 8-16,-2 4-4 16,2 6 0-16,-3 7 0 15,0 4 2-15,-6 6 10 16,1 4-4-16,-4 0-7 0,-1 0 0 16,0 4-2-16,-2 4-2 15,-3 7 1-15,-1-1-3 16,-2 3-26-16,-3 2-44 15,0 0-42-15,0-2-39 16,0-3-9-16</inkml:trace>
   <inkml:trace contextRef="#ctx0" brushRef="#br0" timeOffset="-36353.22">13060 13465 53 0,'0'0'77'0,"0"0"-29"0,0 0 43 16,49-80 19-16,-43 57-65 16,-6 6 10-16,0-1-9 15,-3 6-1-15,-13 2-14 16,1 3-21-16,-3 6 24 16,1 1-15-16,0 0-10 15,-1 10 22-15,3 13-19 16,3 7-10-16,6 4 3 15,6 2-2-15,0 0 0 16,10-4-3-16,8-6 1 16,5-4 0-16,0-7 4 15,4-7-10-15,3-5-23 0,1-3-54 16,1 0-80 0,-1-20-136-16</inkml:trace>
   <inkml:trace contextRef="#ctx0" brushRef="#br0" timeOffset="-35915.9">13352 13333 340 0,'0'0'50'0,"0"0"-17"16,0 0 45-16,0 0-20 0,0 0 0 15,0 0-18 1,83 68-34-16,-79-50 32 0,-4-1-28 16,0 0 0-1,0-2 5-15,0-6-11 0,0-2-2 16,0-6 1-16,0-1 1 16,0 0 14-16,3-13-7 15,10-17 4-15,4-15-15 16,4-6 0-16,1-5-2 15,3 0-26-15,-7 13-6 16,-4 13 34-16,-8 16 0 16,-6 10 11-16,0 4-11 0,0 10-4 15,0 16 4 1,0 9 29-16,0 2-27 0,3 0 9 16,9-6-11-16,2-5 0 15,0-9 0-15,-4-6-36 16,-4-7-20-16,-6-2-36 15,0-1-32-15,-16-1-107 16</inkml:trace>
-  <inkml:trace contextRef="#ctx0" brushRef="#br0" timeOffset="-35455.84">12504 13318 68 0,'0'0'92'0,"0"0"-24"15,0 0-3-15,0 0 12 16,0 0-47-16,0 0-13 15,25-10-10-15,-15 27 16 16,2 5 11-16,-1 7-6 16,-2 4 1-16,-2 6-2 15,2 4-20-15,-3 0 9 16,5-1-16-16,3 0 0 16,3-5-1-16,1-6-124 15,-3-11-246-15</inkml:trace>
+  <inkml:trace contextRef="#ctx0" brushRef="#br0" timeOffset="-35455.85">12504 13318 68 0,'0'0'92'0,"0"0"-24"15,0 0-3-15,0 0 12 16,0 0-47-16,0 0-13 15,25-10-10-15,-15 27 16 16,2 5 11-16,-1 7-6 16,-2 4 1-16,-2 6-2 15,2 4-20-15,-3 0 9 16,5-1-16-16,3 0 0 16,3-5-1-16,1-6-124 15,-3-11-246-15</inkml:trace>
   <inkml:trace contextRef="#ctx0" brushRef="#br0" timeOffset="-35051.82">12578 13208 192 0,'0'0'123'16,"0"0"-98"-16,0 0-21 15,37 108 89-15,-19-44-29 16,-1 1-27-16,-4-5-29 16,-1-6 5-16,-3-8-13 15,-3-6 6-15,-1-9-8 16,-2-6 2-16,-3-8-104 15,0-14-135-15</inkml:trace>
   <inkml:trace contextRef="#ctx0" brushRef="#br0" timeOffset="-30120.95">11753 14523 50 0,'0'0'109'16,"0"0"-87"-16,85-21 23 15,-22-2-4-15,17-9 1 16,10-9-15-16,13-10 13 16,9-9 1-16,8-3-18 15,4-7 0-15,3-8-11 16,2 1-8-16,6-1 5 16,4 6-9-16,3 3 0 15,4 1-2-15,-4 5 2 16,-11-1 0-16,-4 5 1 15,-11 4 0-15,-7 8-1 16,-9 9 0-16,-9 8 0 0,-16 13-10 16,-16 13-41-16,-20 4-23 15,-24 9-63-15,-15 12-7 16</inkml:trace>
   <inkml:trace contextRef="#ctx0" brushRef="#br0" timeOffset="-29752.59">12004 14477 92 0,'0'0'24'0,"0"0"-15"16,104-39 8-16,-40 5 40 16,20-15 32-16,22-13-11 15,26-17-16-15,21-20-14 16,18-7-13-16,19-7-11 16,16 2 1-16,7 8-18 15,0 6-1-15,-8 8-6 16,-11 7 2-16,-12 7 4 15,-20 11-6-15,-19 11 0 0,-26 13-1 16,-26 12-7-16,-28 11-19 16,-23 9-44-16,-22 8-45 15,-18 0-104-15</inkml:trace>
@@ -3243,7 +3759,7 @@
   <inkml:trace contextRef="#ctx0" brushRef="#br0" timeOffset="8872.1">19402 2032 7 0,'0'0'35'15,"0"0"-4"-15,0 0 10 16,0 0 6-16,0 0-14 15,0 0 3-15,0 0-4 16,-12 0 1-16,8 0 10 16,3 0-5-16,-1 0-12 15,1 0-8-15,1 0-16 16,0 0 9-16,0 1-11 0,0 3 0 16,0 5 9-16,11 1 21 15,6-2-14-15,7 1 15 16,4-2-14-16,5-2 12 15,1-2-29-15,7-2 11 16,2-1-10-16,-2 0-1 16,1 0-115-16,-13 0-175 15</inkml:trace>
   <inkml:trace contextRef="#ctx0" brushRef="#br0" timeOffset="9238.41">19976 2106 252 0,'0'0'92'15,"0"0"-84"-15,0 0 22 16,0 0 41-16,0 0-16 15,87 2-23-15,-51-2-32 16,0 0-11-16,-3 0-77 16,-5-2-235-16</inkml:trace>
   <inkml:trace contextRef="#ctx0" brushRef="#br0" timeOffset="9884.11">20484 1851 119 0,'0'0'101'15,"0"0"-79"-15,0 0-21 0,0 0 37 16,-18 125 57-16,18-78-41 15,0 4-11-15,-3 0-14 16,3-3-18-16,-1-3 14 16,-1-3-25-16,1-4 0 15,-1-9 2-15,1-8 5 16,-1-9-7-16,1-5 0 16,1-5 2-16,0-2 10 15,-2 0 13-15,2-13 39 16,0-16-45-16,0-15-19 0,0-11 0 15,0-11-2-15,0-7-8 16,12 0-10-16,4-2-9 16,1 6 1-16,-2 9 10 15,1 13 17-15,-1 15-1 16,-1 9 2-16,2 16 4 16,3 7 3-16,5 7-7 15,8 22 0-15,-4 8-5 16,-6 4 2-16,-13-1 3 15,-9-2-1-15,0 0 0 16,-12-4-3-16,-5 1 4 16,0-4-11-16,4-1-45 15,5-4-61-15,4-9-146 16</inkml:trace>
-  <inkml:trace contextRef="#ctx0" brushRef="#br0" timeOffset="10294.35">20848 1842 156 0,'0'0'265'16,"0"0"-244"-16,0 0-13 16,0 0 24-16,0 96-8 15,8-74-3-15,3-4-20 16,4-8 5-16,5-9-2 15,1-1-3-15,7-13 18 0,0-17-19 16,1-7-7-16,-6 3 7 16,-7 7 0-16,-8 13 12 15,-6 8 29-15,-2 6-8 16,0 14-33-16,0 25 14 16,-9 18 9-16,-6 12 42 15,-9 2-37-15,-1 7 7 16,-3-1-11-16,-7 10-20 15,1 3 4-15,-2-4-2 16,2-11-5-16,10-25 1 16,10-18 1-16,7-21-3 15,7-11 9-15,0-9 3 16,9-34-12-16,24-24-61 0,13-15-7 16,6-12-16-16,-4 6-164 15</inkml:trace>
+  <inkml:trace contextRef="#ctx0" brushRef="#br0" timeOffset="10294.34">20848 1842 156 0,'0'0'265'16,"0"0"-244"-16,0 0-13 16,0 0 24-16,0 96-8 15,8-74-3-15,3-4-20 16,4-8 5-16,5-9-2 15,1-1-3-15,7-13 18 0,0-17-19 16,1-7-7-16,-6 3 7 16,-7 7 0-16,-8 13 12 15,-6 8 29-15,-2 6-8 16,0 14-33-16,0 25 14 16,-9 18 9-16,-6 12 42 15,-9 2-37-15,-1 7 7 16,-3-1-11-16,-7 10-20 15,1 3 4-15,-2-4-2 16,2-11-5-16,10-25 1 16,10-18 1-16,7-21-3 15,7-11 9-15,0-9 3 16,9-34-12-16,24-24-61 0,13-15-7 16,6-12-16-16,-4 6-164 15</inkml:trace>
   <inkml:trace contextRef="#ctx0" brushRef="#br0" timeOffset="11562.31">21381 1842 103 0,'0'0'111'16,"0"0"-56"-16,0 0-11 15,0 0 27-15,-75 116-15 16,60-67-21-16,8 1-5 16,4-8-16-16,3-5 1 15,0-3-15-15,4-6 6 16,9-9-6-16,1-4 0 16,4-6-12-16,4-9 12 15,11 0 0-15,9-27 0 16,3-10-15-16,2-5-23 0,-2-8 4 15,-3-5 2 1,-6-10 32-16,-8 1 7 0,-8-6-1 16,-9 1-6-16,-6 2 36 15,-5 5-18-15,0 5 24 16,-6 11-6-16,-6 14-10 16,3 17 15-16,3 15-14 15,1 12-24-15,-2 32-3 16,3 24 0-16,-1 10 8 15,4 5-4-15,-1-1-4 16,-2-9 8-16,-1-8-7 16,-2-11-1-16,4-16 0 15,0-10-1-15,1-11-1 16,1-11-2-16,-1-4-1 16,1-2 5-16,-2-3 11 0,3-22-11 15,0-11-6-15,4-10 1 16,14 1 5-16,2 8 0 15,0 13-4-15,0 15-6 16,1 9 2-16,3 6 8 16,-2 17 21-16,-1 7-14 15,-3 2 2-15,-6-1-9 16,-3-2 0-16,-3-1 5 16,-6-3-5-16,0-1-10 15,0 0-60-15,0-6-76 0,0-7-117 16</inkml:trace>
   <inkml:trace contextRef="#ctx0" brushRef="#br0" timeOffset="12035.08">22140 1991 23 0,'0'0'0'16,"0"0"-23"-16</inkml:trace>
   <inkml:trace contextRef="#ctx0" brushRef="#br0" timeOffset="12445.83">22140 1991 18 0,'-42'-34'75'16,"42"34"-15"-16,-3 0-25 15,3 0-20-15,0 0-15 16,-1 0-2-16,1 0-55 16,0 0 2-16,0 0 25 15,0 0 30-15,0 0 7 0,0 0 13 16,0 0 14-1,0 0 7-15,0 0-3 0,0 0 0 16,0 0-17-16,0 0-15 16,0 0 4-16,0-1-1 15,0 1 8-15,0 0-10 16,0 0-7-16,0 0 5 16,0 0-5-16,0 0 0 15,0 0-3-15,0 0-1 16,0 0-64-16,0 0-95 15</inkml:trace>
@@ -3385,7 +3901,7 @@
           <a:p>
             <a:fld id="{5D38F1B7-0FC5-4C7E-91D2-C5DAFC5544C9}" type="datetimeFigureOut">
               <a:rPr lang="en-US" smtClean="0"/>
-              <a:t>22-Nov-22</a:t>
+              <a:t>23-Nov-22</a:t>
             </a:fld>
             <a:endParaRPr lang="en-US"/>
           </a:p>
@@ -3671,7 +4187,13 @@
       </p:grpSpPr>
       <p:sp>
         <p:nvSpPr>
-          <p:cNvPr id="2" name="Title 1"/>
+          <p:cNvPr id="2" name="Title 1">
+            <a:extLst>
+              <a:ext uri="{FF2B5EF4-FFF2-40B4-BE49-F238E27FC236}">
+                <a16:creationId xmlns:a16="http://schemas.microsoft.com/office/drawing/2014/main" id="{E07BDB91-BF36-5754-BAD9-EA9E4D1A2598}"/>
+              </a:ext>
+            </a:extLst>
+          </p:cNvPr>
           <p:cNvSpPr>
             <a:spLocks noGrp="1"/>
           </p:cNvSpPr>
@@ -3697,13 +4219,18 @@
               <a:rPr lang="en-US"/>
               <a:t>Click to edit Master title style</a:t>
             </a:r>
-            <a:endParaRPr lang="en-US" dirty="0"/>
           </a:p>
         </p:txBody>
       </p:sp>
       <p:sp>
         <p:nvSpPr>
-          <p:cNvPr id="3" name="Subtitle 2"/>
+          <p:cNvPr id="3" name="Subtitle 2">
+            <a:extLst>
+              <a:ext uri="{FF2B5EF4-FFF2-40B4-BE49-F238E27FC236}">
+                <a16:creationId xmlns:a16="http://schemas.microsoft.com/office/drawing/2014/main" id="{5ECBFD7A-B339-5236-7167-0C6126CD107E}"/>
+              </a:ext>
+            </a:extLst>
+          </p:cNvPr>
           <p:cNvSpPr>
             <a:spLocks noGrp="1"/>
           </p:cNvSpPr>
@@ -3762,13 +4289,18 @@
               <a:rPr lang="en-US"/>
               <a:t>Click to edit Master subtitle style</a:t>
             </a:r>
-            <a:endParaRPr lang="en-US" dirty="0"/>
           </a:p>
         </p:txBody>
       </p:sp>
       <p:sp>
         <p:nvSpPr>
-          <p:cNvPr id="4" name="Date Placeholder 3"/>
+          <p:cNvPr id="4" name="Date Placeholder 3">
+            <a:extLst>
+              <a:ext uri="{FF2B5EF4-FFF2-40B4-BE49-F238E27FC236}">
+                <a16:creationId xmlns:a16="http://schemas.microsoft.com/office/drawing/2014/main" id="{F30D617E-7D46-8AF6-5F72-7E04F4D16B34}"/>
+              </a:ext>
+            </a:extLst>
+          </p:cNvPr>
           <p:cNvSpPr>
             <a:spLocks noGrp="1"/>
           </p:cNvSpPr>
@@ -3783,7 +4315,7 @@
           <a:p>
             <a:fld id="{6EE6F086-CBC8-467F-8FDF-FA361F8D2F6A}" type="datetimeFigureOut">
               <a:rPr lang="en-US" smtClean="0"/>
-              <a:t>22-Nov-22</a:t>
+              <a:t>23-Nov-22</a:t>
             </a:fld>
             <a:endParaRPr lang="en-US"/>
           </a:p>
@@ -3791,7 +4323,13 @@
       </p:sp>
       <p:sp>
         <p:nvSpPr>
-          <p:cNvPr id="5" name="Footer Placeholder 4"/>
+          <p:cNvPr id="5" name="Footer Placeholder 4">
+            <a:extLst>
+              <a:ext uri="{FF2B5EF4-FFF2-40B4-BE49-F238E27FC236}">
+                <a16:creationId xmlns:a16="http://schemas.microsoft.com/office/drawing/2014/main" id="{ED5EAABB-AAF4-54B4-0B81-3D2495D1B735}"/>
+              </a:ext>
+            </a:extLst>
+          </p:cNvPr>
           <p:cNvSpPr>
             <a:spLocks noGrp="1"/>
           </p:cNvSpPr>
@@ -3810,7 +4348,13 @@
       </p:sp>
       <p:sp>
         <p:nvSpPr>
-          <p:cNvPr id="6" name="Slide Number Placeholder 5"/>
+          <p:cNvPr id="6" name="Slide Number Placeholder 5">
+            <a:extLst>
+              <a:ext uri="{FF2B5EF4-FFF2-40B4-BE49-F238E27FC236}">
+                <a16:creationId xmlns:a16="http://schemas.microsoft.com/office/drawing/2014/main" id="{154389EB-1286-C578-9669-BAF9A8E434F6}"/>
+              </a:ext>
+            </a:extLst>
+          </p:cNvPr>
           <p:cNvSpPr>
             <a:spLocks noGrp="1"/>
           </p:cNvSpPr>
@@ -3834,7 +4378,7 @@
     </p:spTree>
     <p:extLst>
       <p:ext uri="{BB962C8B-B14F-4D97-AF65-F5344CB8AC3E}">
-        <p14:creationId xmlns:p14="http://schemas.microsoft.com/office/powerpoint/2010/main" val="2132925586"/>
+        <p14:creationId xmlns:p14="http://schemas.microsoft.com/office/powerpoint/2010/main" val="4265639797"/>
       </p:ext>
     </p:extLst>
   </p:cSld>
@@ -3863,7 +4407,13 @@
       </p:grpSpPr>
       <p:sp>
         <p:nvSpPr>
-          <p:cNvPr id="2" name="Title 1"/>
+          <p:cNvPr id="2" name="Title 1">
+            <a:extLst>
+              <a:ext uri="{FF2B5EF4-FFF2-40B4-BE49-F238E27FC236}">
+                <a16:creationId xmlns:a16="http://schemas.microsoft.com/office/drawing/2014/main" id="{4DED9294-88B0-67F1-D727-749FC1BC69A8}"/>
+              </a:ext>
+            </a:extLst>
+          </p:cNvPr>
           <p:cNvSpPr>
             <a:spLocks noGrp="1"/>
           </p:cNvSpPr>
@@ -3880,13 +4430,18 @@
               <a:rPr lang="en-US"/>
               <a:t>Click to edit Master title style</a:t>
             </a:r>
-            <a:endParaRPr lang="en-US" dirty="0"/>
           </a:p>
         </p:txBody>
       </p:sp>
       <p:sp>
         <p:nvSpPr>
-          <p:cNvPr id="3" name="Vertical Text Placeholder 2"/>
+          <p:cNvPr id="3" name="Vertical Text Placeholder 2">
+            <a:extLst>
+              <a:ext uri="{FF2B5EF4-FFF2-40B4-BE49-F238E27FC236}">
+                <a16:creationId xmlns:a16="http://schemas.microsoft.com/office/drawing/2014/main" id="{3E39C6AB-965D-D504-B36F-272CB8BC0EA2}"/>
+              </a:ext>
+            </a:extLst>
+          </p:cNvPr>
           <p:cNvSpPr>
             <a:spLocks noGrp="1"/>
           </p:cNvSpPr>
@@ -3932,13 +4487,18 @@
               <a:rPr lang="en-US"/>
               <a:t>Fifth level</a:t>
             </a:r>
-            <a:endParaRPr lang="en-US" dirty="0"/>
           </a:p>
         </p:txBody>
       </p:sp>
       <p:sp>
         <p:nvSpPr>
-          <p:cNvPr id="4" name="Date Placeholder 3"/>
+          <p:cNvPr id="4" name="Date Placeholder 3">
+            <a:extLst>
+              <a:ext uri="{FF2B5EF4-FFF2-40B4-BE49-F238E27FC236}">
+                <a16:creationId xmlns:a16="http://schemas.microsoft.com/office/drawing/2014/main" id="{12C7BFE5-2518-F551-7566-DAFCBC4C7B11}"/>
+              </a:ext>
+            </a:extLst>
+          </p:cNvPr>
           <p:cNvSpPr>
             <a:spLocks noGrp="1"/>
           </p:cNvSpPr>
@@ -3953,7 +4513,7 @@
           <a:p>
             <a:fld id="{6EE6F086-CBC8-467F-8FDF-FA361F8D2F6A}" type="datetimeFigureOut">
               <a:rPr lang="en-US" smtClean="0"/>
-              <a:t>22-Nov-22</a:t>
+              <a:t>23-Nov-22</a:t>
             </a:fld>
             <a:endParaRPr lang="en-US"/>
           </a:p>
@@ -3961,7 +4521,13 @@
       </p:sp>
       <p:sp>
         <p:nvSpPr>
-          <p:cNvPr id="5" name="Footer Placeholder 4"/>
+          <p:cNvPr id="5" name="Footer Placeholder 4">
+            <a:extLst>
+              <a:ext uri="{FF2B5EF4-FFF2-40B4-BE49-F238E27FC236}">
+                <a16:creationId xmlns:a16="http://schemas.microsoft.com/office/drawing/2014/main" id="{492D41C4-2C4C-2A04-5409-6E26DC1ACE85}"/>
+              </a:ext>
+            </a:extLst>
+          </p:cNvPr>
           <p:cNvSpPr>
             <a:spLocks noGrp="1"/>
           </p:cNvSpPr>
@@ -3980,7 +4546,13 @@
       </p:sp>
       <p:sp>
         <p:nvSpPr>
-          <p:cNvPr id="6" name="Slide Number Placeholder 5"/>
+          <p:cNvPr id="6" name="Slide Number Placeholder 5">
+            <a:extLst>
+              <a:ext uri="{FF2B5EF4-FFF2-40B4-BE49-F238E27FC236}">
+                <a16:creationId xmlns:a16="http://schemas.microsoft.com/office/drawing/2014/main" id="{A0E85203-FFE1-8A8F-1084-B8BE5DB29BDE}"/>
+              </a:ext>
+            </a:extLst>
+          </p:cNvPr>
           <p:cNvSpPr>
             <a:spLocks noGrp="1"/>
           </p:cNvSpPr>
@@ -4004,7 +4576,7 @@
     </p:spTree>
     <p:extLst>
       <p:ext uri="{BB962C8B-B14F-4D97-AF65-F5344CB8AC3E}">
-        <p14:creationId xmlns:p14="http://schemas.microsoft.com/office/powerpoint/2010/main" val="2272808832"/>
+        <p14:creationId xmlns:p14="http://schemas.microsoft.com/office/powerpoint/2010/main" val="78868051"/>
       </p:ext>
     </p:extLst>
   </p:cSld>
@@ -4033,7 +4605,13 @@
       </p:grpSpPr>
       <p:sp>
         <p:nvSpPr>
-          <p:cNvPr id="2" name="Vertical Title 1"/>
+          <p:cNvPr id="2" name="Vertical Title 1">
+            <a:extLst>
+              <a:ext uri="{FF2B5EF4-FFF2-40B4-BE49-F238E27FC236}">
+                <a16:creationId xmlns:a16="http://schemas.microsoft.com/office/drawing/2014/main" id="{1F06F8EA-4118-2755-A21D-5D57B9A4F5A2}"/>
+              </a:ext>
+            </a:extLst>
+          </p:cNvPr>
           <p:cNvSpPr>
             <a:spLocks noGrp="1"/>
           </p:cNvSpPr>
@@ -4055,13 +4633,18 @@
               <a:rPr lang="en-US"/>
               <a:t>Click to edit Master title style</a:t>
             </a:r>
-            <a:endParaRPr lang="en-US" dirty="0"/>
           </a:p>
         </p:txBody>
       </p:sp>
       <p:sp>
         <p:nvSpPr>
-          <p:cNvPr id="3" name="Vertical Text Placeholder 2"/>
+          <p:cNvPr id="3" name="Vertical Text Placeholder 2">
+            <a:extLst>
+              <a:ext uri="{FF2B5EF4-FFF2-40B4-BE49-F238E27FC236}">
+                <a16:creationId xmlns:a16="http://schemas.microsoft.com/office/drawing/2014/main" id="{63C1BBF9-0250-906B-6028-C698D6444F12}"/>
+              </a:ext>
+            </a:extLst>
+          </p:cNvPr>
           <p:cNvSpPr>
             <a:spLocks noGrp="1"/>
           </p:cNvSpPr>
@@ -4112,13 +4695,18 @@
               <a:rPr lang="en-US"/>
               <a:t>Fifth level</a:t>
             </a:r>
-            <a:endParaRPr lang="en-US" dirty="0"/>
           </a:p>
         </p:txBody>
       </p:sp>
       <p:sp>
         <p:nvSpPr>
-          <p:cNvPr id="4" name="Date Placeholder 3"/>
+          <p:cNvPr id="4" name="Date Placeholder 3">
+            <a:extLst>
+              <a:ext uri="{FF2B5EF4-FFF2-40B4-BE49-F238E27FC236}">
+                <a16:creationId xmlns:a16="http://schemas.microsoft.com/office/drawing/2014/main" id="{2ECAA5E6-BB61-AA47-E0E9-DCCC498B1F2F}"/>
+              </a:ext>
+            </a:extLst>
+          </p:cNvPr>
           <p:cNvSpPr>
             <a:spLocks noGrp="1"/>
           </p:cNvSpPr>
@@ -4133,7 +4721,7 @@
           <a:p>
             <a:fld id="{6EE6F086-CBC8-467F-8FDF-FA361F8D2F6A}" type="datetimeFigureOut">
               <a:rPr lang="en-US" smtClean="0"/>
-              <a:t>22-Nov-22</a:t>
+              <a:t>23-Nov-22</a:t>
             </a:fld>
             <a:endParaRPr lang="en-US"/>
           </a:p>
@@ -4141,7 +4729,13 @@
       </p:sp>
       <p:sp>
         <p:nvSpPr>
-          <p:cNvPr id="5" name="Footer Placeholder 4"/>
+          <p:cNvPr id="5" name="Footer Placeholder 4">
+            <a:extLst>
+              <a:ext uri="{FF2B5EF4-FFF2-40B4-BE49-F238E27FC236}">
+                <a16:creationId xmlns:a16="http://schemas.microsoft.com/office/drawing/2014/main" id="{A3DB7AED-828E-8060-889F-E11CCA21869B}"/>
+              </a:ext>
+            </a:extLst>
+          </p:cNvPr>
           <p:cNvSpPr>
             <a:spLocks noGrp="1"/>
           </p:cNvSpPr>
@@ -4160,7 +4754,13 @@
       </p:sp>
       <p:sp>
         <p:nvSpPr>
-          <p:cNvPr id="6" name="Slide Number Placeholder 5"/>
+          <p:cNvPr id="6" name="Slide Number Placeholder 5">
+            <a:extLst>
+              <a:ext uri="{FF2B5EF4-FFF2-40B4-BE49-F238E27FC236}">
+                <a16:creationId xmlns:a16="http://schemas.microsoft.com/office/drawing/2014/main" id="{D8CB9103-7D67-89AE-0675-66C80573B376}"/>
+              </a:ext>
+            </a:extLst>
+          </p:cNvPr>
           <p:cNvSpPr>
             <a:spLocks noGrp="1"/>
           </p:cNvSpPr>
@@ -4184,7 +4784,7 @@
     </p:spTree>
     <p:extLst>
       <p:ext uri="{BB962C8B-B14F-4D97-AF65-F5344CB8AC3E}">
-        <p14:creationId xmlns:p14="http://schemas.microsoft.com/office/powerpoint/2010/main" val="4222792996"/>
+        <p14:creationId xmlns:p14="http://schemas.microsoft.com/office/powerpoint/2010/main" val="1864355526"/>
       </p:ext>
     </p:extLst>
   </p:cSld>
@@ -4213,7 +4813,13 @@
       </p:grpSpPr>
       <p:sp>
         <p:nvSpPr>
-          <p:cNvPr id="2" name="Title 1"/>
+          <p:cNvPr id="2" name="Title 1">
+            <a:extLst>
+              <a:ext uri="{FF2B5EF4-FFF2-40B4-BE49-F238E27FC236}">
+                <a16:creationId xmlns:a16="http://schemas.microsoft.com/office/drawing/2014/main" id="{77FC080B-2997-24B9-EC9C-384D044E197C}"/>
+              </a:ext>
+            </a:extLst>
+          </p:cNvPr>
           <p:cNvSpPr>
             <a:spLocks noGrp="1"/>
           </p:cNvSpPr>
@@ -4230,13 +4836,18 @@
               <a:rPr lang="en-US"/>
               <a:t>Click to edit Master title style</a:t>
             </a:r>
-            <a:endParaRPr lang="en-US" dirty="0"/>
           </a:p>
         </p:txBody>
       </p:sp>
       <p:sp>
         <p:nvSpPr>
-          <p:cNvPr id="3" name="Content Placeholder 2"/>
+          <p:cNvPr id="3" name="Content Placeholder 2">
+            <a:extLst>
+              <a:ext uri="{FF2B5EF4-FFF2-40B4-BE49-F238E27FC236}">
+                <a16:creationId xmlns:a16="http://schemas.microsoft.com/office/drawing/2014/main" id="{C2E9FE42-271E-34B9-4BB8-1339682DF935}"/>
+              </a:ext>
+            </a:extLst>
+          </p:cNvPr>
           <p:cNvSpPr>
             <a:spLocks noGrp="1"/>
           </p:cNvSpPr>
@@ -4282,13 +4893,18 @@
               <a:rPr lang="en-US"/>
               <a:t>Fifth level</a:t>
             </a:r>
-            <a:endParaRPr lang="en-US" dirty="0"/>
           </a:p>
         </p:txBody>
       </p:sp>
       <p:sp>
         <p:nvSpPr>
-          <p:cNvPr id="4" name="Date Placeholder 3"/>
+          <p:cNvPr id="4" name="Date Placeholder 3">
+            <a:extLst>
+              <a:ext uri="{FF2B5EF4-FFF2-40B4-BE49-F238E27FC236}">
+                <a16:creationId xmlns:a16="http://schemas.microsoft.com/office/drawing/2014/main" id="{B1D91DA3-CDBA-E7A9-BADA-5623B322DDD9}"/>
+              </a:ext>
+            </a:extLst>
+          </p:cNvPr>
           <p:cNvSpPr>
             <a:spLocks noGrp="1"/>
           </p:cNvSpPr>
@@ -4303,7 +4919,7 @@
           <a:p>
             <a:fld id="{6EE6F086-CBC8-467F-8FDF-FA361F8D2F6A}" type="datetimeFigureOut">
               <a:rPr lang="en-US" smtClean="0"/>
-              <a:t>22-Nov-22</a:t>
+              <a:t>23-Nov-22</a:t>
             </a:fld>
             <a:endParaRPr lang="en-US"/>
           </a:p>
@@ -4311,7 +4927,13 @@
       </p:sp>
       <p:sp>
         <p:nvSpPr>
-          <p:cNvPr id="5" name="Footer Placeholder 4"/>
+          <p:cNvPr id="5" name="Footer Placeholder 4">
+            <a:extLst>
+              <a:ext uri="{FF2B5EF4-FFF2-40B4-BE49-F238E27FC236}">
+                <a16:creationId xmlns:a16="http://schemas.microsoft.com/office/drawing/2014/main" id="{5A605EC7-40F4-BDEA-BD27-6306ECA2B14E}"/>
+              </a:ext>
+            </a:extLst>
+          </p:cNvPr>
           <p:cNvSpPr>
             <a:spLocks noGrp="1"/>
           </p:cNvSpPr>
@@ -4330,7 +4952,13 @@
       </p:sp>
       <p:sp>
         <p:nvSpPr>
-          <p:cNvPr id="6" name="Slide Number Placeholder 5"/>
+          <p:cNvPr id="6" name="Slide Number Placeholder 5">
+            <a:extLst>
+              <a:ext uri="{FF2B5EF4-FFF2-40B4-BE49-F238E27FC236}">
+                <a16:creationId xmlns:a16="http://schemas.microsoft.com/office/drawing/2014/main" id="{64F34DAB-76D6-2BD8-2C30-0AF041C2D84D}"/>
+              </a:ext>
+            </a:extLst>
+          </p:cNvPr>
           <p:cNvSpPr>
             <a:spLocks noGrp="1"/>
           </p:cNvSpPr>
@@ -4354,7 +4982,7 @@
     </p:spTree>
     <p:extLst>
       <p:ext uri="{BB962C8B-B14F-4D97-AF65-F5344CB8AC3E}">
-        <p14:creationId xmlns:p14="http://schemas.microsoft.com/office/powerpoint/2010/main" val="164607125"/>
+        <p14:creationId xmlns:p14="http://schemas.microsoft.com/office/powerpoint/2010/main" val="2370730462"/>
       </p:ext>
     </p:extLst>
   </p:cSld>
@@ -4383,7 +5011,13 @@
       </p:grpSpPr>
       <p:sp>
         <p:nvSpPr>
-          <p:cNvPr id="2" name="Title 1"/>
+          <p:cNvPr id="2" name="Title 1">
+            <a:extLst>
+              <a:ext uri="{FF2B5EF4-FFF2-40B4-BE49-F238E27FC236}">
+                <a16:creationId xmlns:a16="http://schemas.microsoft.com/office/drawing/2014/main" id="{53EE5ADA-8723-C909-967E-8D1AFFCD8719}"/>
+              </a:ext>
+            </a:extLst>
+          </p:cNvPr>
           <p:cNvSpPr>
             <a:spLocks noGrp="1"/>
           </p:cNvSpPr>
@@ -4409,13 +5043,18 @@
               <a:rPr lang="en-US"/>
               <a:t>Click to edit Master title style</a:t>
             </a:r>
-            <a:endParaRPr lang="en-US" dirty="0"/>
           </a:p>
         </p:txBody>
       </p:sp>
       <p:sp>
         <p:nvSpPr>
-          <p:cNvPr id="3" name="Text Placeholder 2"/>
+          <p:cNvPr id="3" name="Text Placeholder 2">
+            <a:extLst>
+              <a:ext uri="{FF2B5EF4-FFF2-40B4-BE49-F238E27FC236}">
+                <a16:creationId xmlns:a16="http://schemas.microsoft.com/office/drawing/2014/main" id="{4E3E3162-5CE7-7936-60DE-9202B419AC9A}"/>
+              </a:ext>
+            </a:extLst>
+          </p:cNvPr>
           <p:cNvSpPr>
             <a:spLocks noGrp="1"/>
           </p:cNvSpPr>
@@ -4534,7 +5173,13 @@
       </p:sp>
       <p:sp>
         <p:nvSpPr>
-          <p:cNvPr id="4" name="Date Placeholder 3"/>
+          <p:cNvPr id="4" name="Date Placeholder 3">
+            <a:extLst>
+              <a:ext uri="{FF2B5EF4-FFF2-40B4-BE49-F238E27FC236}">
+                <a16:creationId xmlns:a16="http://schemas.microsoft.com/office/drawing/2014/main" id="{424E976A-E41B-EFCF-25D6-8A6E0B2E56B0}"/>
+              </a:ext>
+            </a:extLst>
+          </p:cNvPr>
           <p:cNvSpPr>
             <a:spLocks noGrp="1"/>
           </p:cNvSpPr>
@@ -4549,7 +5194,7 @@
           <a:p>
             <a:fld id="{6EE6F086-CBC8-467F-8FDF-FA361F8D2F6A}" type="datetimeFigureOut">
               <a:rPr lang="en-US" smtClean="0"/>
-              <a:t>22-Nov-22</a:t>
+              <a:t>23-Nov-22</a:t>
             </a:fld>
             <a:endParaRPr lang="en-US"/>
           </a:p>
@@ -4557,7 +5202,13 @@
       </p:sp>
       <p:sp>
         <p:nvSpPr>
-          <p:cNvPr id="5" name="Footer Placeholder 4"/>
+          <p:cNvPr id="5" name="Footer Placeholder 4">
+            <a:extLst>
+              <a:ext uri="{FF2B5EF4-FFF2-40B4-BE49-F238E27FC236}">
+                <a16:creationId xmlns:a16="http://schemas.microsoft.com/office/drawing/2014/main" id="{1270EE9B-C0C0-C8F6-BC40-6ACCF277460A}"/>
+              </a:ext>
+            </a:extLst>
+          </p:cNvPr>
           <p:cNvSpPr>
             <a:spLocks noGrp="1"/>
           </p:cNvSpPr>
@@ -4576,7 +5227,13 @@
       </p:sp>
       <p:sp>
         <p:nvSpPr>
-          <p:cNvPr id="6" name="Slide Number Placeholder 5"/>
+          <p:cNvPr id="6" name="Slide Number Placeholder 5">
+            <a:extLst>
+              <a:ext uri="{FF2B5EF4-FFF2-40B4-BE49-F238E27FC236}">
+                <a16:creationId xmlns:a16="http://schemas.microsoft.com/office/drawing/2014/main" id="{A55C640C-C4CD-AF33-175B-F6D827E54A56}"/>
+              </a:ext>
+            </a:extLst>
+          </p:cNvPr>
           <p:cNvSpPr>
             <a:spLocks noGrp="1"/>
           </p:cNvSpPr>
@@ -4600,7 +5257,7 @@
     </p:spTree>
     <p:extLst>
       <p:ext uri="{BB962C8B-B14F-4D97-AF65-F5344CB8AC3E}">
-        <p14:creationId xmlns:p14="http://schemas.microsoft.com/office/powerpoint/2010/main" val="2950580308"/>
+        <p14:creationId xmlns:p14="http://schemas.microsoft.com/office/powerpoint/2010/main" val="2473922037"/>
       </p:ext>
     </p:extLst>
   </p:cSld>
@@ -4629,7 +5286,13 @@
       </p:grpSpPr>
       <p:sp>
         <p:nvSpPr>
-          <p:cNvPr id="2" name="Title 1"/>
+          <p:cNvPr id="2" name="Title 1">
+            <a:extLst>
+              <a:ext uri="{FF2B5EF4-FFF2-40B4-BE49-F238E27FC236}">
+                <a16:creationId xmlns:a16="http://schemas.microsoft.com/office/drawing/2014/main" id="{24DB4C53-A342-81AF-699B-A113E3B1D666}"/>
+              </a:ext>
+            </a:extLst>
+          </p:cNvPr>
           <p:cNvSpPr>
             <a:spLocks noGrp="1"/>
           </p:cNvSpPr>
@@ -4646,13 +5309,18 @@
               <a:rPr lang="en-US"/>
               <a:t>Click to edit Master title style</a:t>
             </a:r>
-            <a:endParaRPr lang="en-US" dirty="0"/>
           </a:p>
         </p:txBody>
       </p:sp>
       <p:sp>
         <p:nvSpPr>
-          <p:cNvPr id="3" name="Content Placeholder 2"/>
+          <p:cNvPr id="3" name="Content Placeholder 2">
+            <a:extLst>
+              <a:ext uri="{FF2B5EF4-FFF2-40B4-BE49-F238E27FC236}">
+                <a16:creationId xmlns:a16="http://schemas.microsoft.com/office/drawing/2014/main" id="{9B77F6AB-6844-7A82-5465-9C320C9B4F27}"/>
+              </a:ext>
+            </a:extLst>
+          </p:cNvPr>
           <p:cNvSpPr>
             <a:spLocks noGrp="1"/>
           </p:cNvSpPr>
@@ -4703,13 +5371,18 @@
               <a:rPr lang="en-US"/>
               <a:t>Fifth level</a:t>
             </a:r>
-            <a:endParaRPr lang="en-US" dirty="0"/>
           </a:p>
         </p:txBody>
       </p:sp>
       <p:sp>
         <p:nvSpPr>
-          <p:cNvPr id="4" name="Content Placeholder 3"/>
+          <p:cNvPr id="4" name="Content Placeholder 3">
+            <a:extLst>
+              <a:ext uri="{FF2B5EF4-FFF2-40B4-BE49-F238E27FC236}">
+                <a16:creationId xmlns:a16="http://schemas.microsoft.com/office/drawing/2014/main" id="{A76A5756-37A3-5888-B340-9540D40343A3}"/>
+              </a:ext>
+            </a:extLst>
+          </p:cNvPr>
           <p:cNvSpPr>
             <a:spLocks noGrp="1"/>
           </p:cNvSpPr>
@@ -4760,13 +5433,18 @@
               <a:rPr lang="en-US"/>
               <a:t>Fifth level</a:t>
             </a:r>
-            <a:endParaRPr lang="en-US" dirty="0"/>
           </a:p>
         </p:txBody>
       </p:sp>
       <p:sp>
         <p:nvSpPr>
-          <p:cNvPr id="5" name="Date Placeholder 4"/>
+          <p:cNvPr id="5" name="Date Placeholder 4">
+            <a:extLst>
+              <a:ext uri="{FF2B5EF4-FFF2-40B4-BE49-F238E27FC236}">
+                <a16:creationId xmlns:a16="http://schemas.microsoft.com/office/drawing/2014/main" id="{53147C88-698F-1C8A-B85B-4A4A765AF766}"/>
+              </a:ext>
+            </a:extLst>
+          </p:cNvPr>
           <p:cNvSpPr>
             <a:spLocks noGrp="1"/>
           </p:cNvSpPr>
@@ -4781,7 +5459,7 @@
           <a:p>
             <a:fld id="{6EE6F086-CBC8-467F-8FDF-FA361F8D2F6A}" type="datetimeFigureOut">
               <a:rPr lang="en-US" smtClean="0"/>
-              <a:t>22-Nov-22</a:t>
+              <a:t>23-Nov-22</a:t>
             </a:fld>
             <a:endParaRPr lang="en-US"/>
           </a:p>
@@ -4789,7 +5467,13 @@
       </p:sp>
       <p:sp>
         <p:nvSpPr>
-          <p:cNvPr id="6" name="Footer Placeholder 5"/>
+          <p:cNvPr id="6" name="Footer Placeholder 5">
+            <a:extLst>
+              <a:ext uri="{FF2B5EF4-FFF2-40B4-BE49-F238E27FC236}">
+                <a16:creationId xmlns:a16="http://schemas.microsoft.com/office/drawing/2014/main" id="{CBCAA408-9906-C489-84D7-A08CD5F7445C}"/>
+              </a:ext>
+            </a:extLst>
+          </p:cNvPr>
           <p:cNvSpPr>
             <a:spLocks noGrp="1"/>
           </p:cNvSpPr>
@@ -4808,7 +5492,13 @@
       </p:sp>
       <p:sp>
         <p:nvSpPr>
-          <p:cNvPr id="7" name="Slide Number Placeholder 6"/>
+          <p:cNvPr id="7" name="Slide Number Placeholder 6">
+            <a:extLst>
+              <a:ext uri="{FF2B5EF4-FFF2-40B4-BE49-F238E27FC236}">
+                <a16:creationId xmlns:a16="http://schemas.microsoft.com/office/drawing/2014/main" id="{E72C29DB-16EC-608D-20C1-5272EE305376}"/>
+              </a:ext>
+            </a:extLst>
+          </p:cNvPr>
           <p:cNvSpPr>
             <a:spLocks noGrp="1"/>
           </p:cNvSpPr>
@@ -4832,7 +5522,7 @@
     </p:spTree>
     <p:extLst>
       <p:ext uri="{BB962C8B-B14F-4D97-AF65-F5344CB8AC3E}">
-        <p14:creationId xmlns:p14="http://schemas.microsoft.com/office/powerpoint/2010/main" val="1758202122"/>
+        <p14:creationId xmlns:p14="http://schemas.microsoft.com/office/powerpoint/2010/main" val="2993769380"/>
       </p:ext>
     </p:extLst>
   </p:cSld>
@@ -4861,7 +5551,13 @@
       </p:grpSpPr>
       <p:sp>
         <p:nvSpPr>
-          <p:cNvPr id="2" name="Title 1"/>
+          <p:cNvPr id="2" name="Title 1">
+            <a:extLst>
+              <a:ext uri="{FF2B5EF4-FFF2-40B4-BE49-F238E27FC236}">
+                <a16:creationId xmlns:a16="http://schemas.microsoft.com/office/drawing/2014/main" id="{BA15AED6-242C-43A5-5223-0F0AB2520810}"/>
+              </a:ext>
+            </a:extLst>
+          </p:cNvPr>
           <p:cNvSpPr>
             <a:spLocks noGrp="1"/>
           </p:cNvSpPr>
@@ -4883,13 +5579,18 @@
               <a:rPr lang="en-US"/>
               <a:t>Click to edit Master title style</a:t>
             </a:r>
-            <a:endParaRPr lang="en-US" dirty="0"/>
           </a:p>
         </p:txBody>
       </p:sp>
       <p:sp>
         <p:nvSpPr>
-          <p:cNvPr id="3" name="Text Placeholder 2"/>
+          <p:cNvPr id="3" name="Text Placeholder 2">
+            <a:extLst>
+              <a:ext uri="{FF2B5EF4-FFF2-40B4-BE49-F238E27FC236}">
+                <a16:creationId xmlns:a16="http://schemas.microsoft.com/office/drawing/2014/main" id="{20EE9DCF-39EA-32D2-F9DE-74895479F9A5}"/>
+              </a:ext>
+            </a:extLst>
+          </p:cNvPr>
           <p:cNvSpPr>
             <a:spLocks noGrp="1"/>
           </p:cNvSpPr>
@@ -4954,7 +5655,13 @@
       </p:sp>
       <p:sp>
         <p:nvSpPr>
-          <p:cNvPr id="4" name="Content Placeholder 3"/>
+          <p:cNvPr id="4" name="Content Placeholder 3">
+            <a:extLst>
+              <a:ext uri="{FF2B5EF4-FFF2-40B4-BE49-F238E27FC236}">
+                <a16:creationId xmlns:a16="http://schemas.microsoft.com/office/drawing/2014/main" id="{434E7854-A3D6-6F69-4178-C4C274CF39E6}"/>
+              </a:ext>
+            </a:extLst>
+          </p:cNvPr>
           <p:cNvSpPr>
             <a:spLocks noGrp="1"/>
           </p:cNvSpPr>
@@ -5005,13 +5712,18 @@
               <a:rPr lang="en-US"/>
               <a:t>Fifth level</a:t>
             </a:r>
-            <a:endParaRPr lang="en-US" dirty="0"/>
           </a:p>
         </p:txBody>
       </p:sp>
       <p:sp>
         <p:nvSpPr>
-          <p:cNvPr id="5" name="Text Placeholder 4"/>
+          <p:cNvPr id="5" name="Text Placeholder 4">
+            <a:extLst>
+              <a:ext uri="{FF2B5EF4-FFF2-40B4-BE49-F238E27FC236}">
+                <a16:creationId xmlns:a16="http://schemas.microsoft.com/office/drawing/2014/main" id="{2F190A95-2FB0-EB9F-E9A6-23C3DCDF84DD}"/>
+              </a:ext>
+            </a:extLst>
+          </p:cNvPr>
           <p:cNvSpPr>
             <a:spLocks noGrp="1"/>
           </p:cNvSpPr>
@@ -5076,7 +5788,13 @@
       </p:sp>
       <p:sp>
         <p:nvSpPr>
-          <p:cNvPr id="6" name="Content Placeholder 5"/>
+          <p:cNvPr id="6" name="Content Placeholder 5">
+            <a:extLst>
+              <a:ext uri="{FF2B5EF4-FFF2-40B4-BE49-F238E27FC236}">
+                <a16:creationId xmlns:a16="http://schemas.microsoft.com/office/drawing/2014/main" id="{2290574F-822E-B97E-8F1C-5487DBBCC40A}"/>
+              </a:ext>
+            </a:extLst>
+          </p:cNvPr>
           <p:cNvSpPr>
             <a:spLocks noGrp="1"/>
           </p:cNvSpPr>
@@ -5127,13 +5845,18 @@
               <a:rPr lang="en-US"/>
               <a:t>Fifth level</a:t>
             </a:r>
-            <a:endParaRPr lang="en-US" dirty="0"/>
           </a:p>
         </p:txBody>
       </p:sp>
       <p:sp>
         <p:nvSpPr>
-          <p:cNvPr id="7" name="Date Placeholder 6"/>
+          <p:cNvPr id="7" name="Date Placeholder 6">
+            <a:extLst>
+              <a:ext uri="{FF2B5EF4-FFF2-40B4-BE49-F238E27FC236}">
+                <a16:creationId xmlns:a16="http://schemas.microsoft.com/office/drawing/2014/main" id="{E7634742-876A-963E-B57D-0B1BC535A12D}"/>
+              </a:ext>
+            </a:extLst>
+          </p:cNvPr>
           <p:cNvSpPr>
             <a:spLocks noGrp="1"/>
           </p:cNvSpPr>
@@ -5148,7 +5871,7 @@
           <a:p>
             <a:fld id="{6EE6F086-CBC8-467F-8FDF-FA361F8D2F6A}" type="datetimeFigureOut">
               <a:rPr lang="en-US" smtClean="0"/>
-              <a:t>22-Nov-22</a:t>
+              <a:t>23-Nov-22</a:t>
             </a:fld>
             <a:endParaRPr lang="en-US"/>
           </a:p>
@@ -5156,7 +5879,13 @@
       </p:sp>
       <p:sp>
         <p:nvSpPr>
-          <p:cNvPr id="8" name="Footer Placeholder 7"/>
+          <p:cNvPr id="8" name="Footer Placeholder 7">
+            <a:extLst>
+              <a:ext uri="{FF2B5EF4-FFF2-40B4-BE49-F238E27FC236}">
+                <a16:creationId xmlns:a16="http://schemas.microsoft.com/office/drawing/2014/main" id="{B4322D4F-75FE-8A40-1DC4-C6215CCD1CAC}"/>
+              </a:ext>
+            </a:extLst>
+          </p:cNvPr>
           <p:cNvSpPr>
             <a:spLocks noGrp="1"/>
           </p:cNvSpPr>
@@ -5175,7 +5904,13 @@
       </p:sp>
       <p:sp>
         <p:nvSpPr>
-          <p:cNvPr id="9" name="Slide Number Placeholder 8"/>
+          <p:cNvPr id="9" name="Slide Number Placeholder 8">
+            <a:extLst>
+              <a:ext uri="{FF2B5EF4-FFF2-40B4-BE49-F238E27FC236}">
+                <a16:creationId xmlns:a16="http://schemas.microsoft.com/office/drawing/2014/main" id="{B000CC4F-3C4C-8BC1-B55C-B6D84728644A}"/>
+              </a:ext>
+            </a:extLst>
+          </p:cNvPr>
           <p:cNvSpPr>
             <a:spLocks noGrp="1"/>
           </p:cNvSpPr>
@@ -5199,7 +5934,7 @@
     </p:spTree>
     <p:extLst>
       <p:ext uri="{BB962C8B-B14F-4D97-AF65-F5344CB8AC3E}">
-        <p14:creationId xmlns:p14="http://schemas.microsoft.com/office/powerpoint/2010/main" val="3788663045"/>
+        <p14:creationId xmlns:p14="http://schemas.microsoft.com/office/powerpoint/2010/main" val="329982131"/>
       </p:ext>
     </p:extLst>
   </p:cSld>
@@ -5228,7 +5963,13 @@
       </p:grpSpPr>
       <p:sp>
         <p:nvSpPr>
-          <p:cNvPr id="2" name="Title 1"/>
+          <p:cNvPr id="2" name="Title 1">
+            <a:extLst>
+              <a:ext uri="{FF2B5EF4-FFF2-40B4-BE49-F238E27FC236}">
+                <a16:creationId xmlns:a16="http://schemas.microsoft.com/office/drawing/2014/main" id="{C51028FA-915C-7CD0-5F1F-2EB445809E55}"/>
+              </a:ext>
+            </a:extLst>
+          </p:cNvPr>
           <p:cNvSpPr>
             <a:spLocks noGrp="1"/>
           </p:cNvSpPr>
@@ -5245,13 +5986,18 @@
               <a:rPr lang="en-US"/>
               <a:t>Click to edit Master title style</a:t>
             </a:r>
-            <a:endParaRPr lang="en-US" dirty="0"/>
           </a:p>
         </p:txBody>
       </p:sp>
       <p:sp>
         <p:nvSpPr>
-          <p:cNvPr id="3" name="Date Placeholder 2"/>
+          <p:cNvPr id="3" name="Date Placeholder 2">
+            <a:extLst>
+              <a:ext uri="{FF2B5EF4-FFF2-40B4-BE49-F238E27FC236}">
+                <a16:creationId xmlns:a16="http://schemas.microsoft.com/office/drawing/2014/main" id="{52E8A790-0462-4E8E-EAA1-CA4C1C6B43C1}"/>
+              </a:ext>
+            </a:extLst>
+          </p:cNvPr>
           <p:cNvSpPr>
             <a:spLocks noGrp="1"/>
           </p:cNvSpPr>
@@ -5266,7 +6012,7 @@
           <a:p>
             <a:fld id="{6EE6F086-CBC8-467F-8FDF-FA361F8D2F6A}" type="datetimeFigureOut">
               <a:rPr lang="en-US" smtClean="0"/>
-              <a:t>22-Nov-22</a:t>
+              <a:t>23-Nov-22</a:t>
             </a:fld>
             <a:endParaRPr lang="en-US"/>
           </a:p>
@@ -5274,7 +6020,13 @@
       </p:sp>
       <p:sp>
         <p:nvSpPr>
-          <p:cNvPr id="4" name="Footer Placeholder 3"/>
+          <p:cNvPr id="4" name="Footer Placeholder 3">
+            <a:extLst>
+              <a:ext uri="{FF2B5EF4-FFF2-40B4-BE49-F238E27FC236}">
+                <a16:creationId xmlns:a16="http://schemas.microsoft.com/office/drawing/2014/main" id="{5F82287C-A3C7-F061-EE96-BDDEFCD8C1EC}"/>
+              </a:ext>
+            </a:extLst>
+          </p:cNvPr>
           <p:cNvSpPr>
             <a:spLocks noGrp="1"/>
           </p:cNvSpPr>
@@ -5293,7 +6045,13 @@
       </p:sp>
       <p:sp>
         <p:nvSpPr>
-          <p:cNvPr id="5" name="Slide Number Placeholder 4"/>
+          <p:cNvPr id="5" name="Slide Number Placeholder 4">
+            <a:extLst>
+              <a:ext uri="{FF2B5EF4-FFF2-40B4-BE49-F238E27FC236}">
+                <a16:creationId xmlns:a16="http://schemas.microsoft.com/office/drawing/2014/main" id="{A9A1339F-6EA1-80D2-899F-BC353AF906B2}"/>
+              </a:ext>
+            </a:extLst>
+          </p:cNvPr>
           <p:cNvSpPr>
             <a:spLocks noGrp="1"/>
           </p:cNvSpPr>
@@ -5317,7 +6075,7 @@
     </p:spTree>
     <p:extLst>
       <p:ext uri="{BB962C8B-B14F-4D97-AF65-F5344CB8AC3E}">
-        <p14:creationId xmlns:p14="http://schemas.microsoft.com/office/powerpoint/2010/main" val="2163972753"/>
+        <p14:creationId xmlns:p14="http://schemas.microsoft.com/office/powerpoint/2010/main" val="4289260792"/>
       </p:ext>
     </p:extLst>
   </p:cSld>
@@ -5346,7 +6104,13 @@
       </p:grpSpPr>
       <p:sp>
         <p:nvSpPr>
-          <p:cNvPr id="2" name="Date Placeholder 1"/>
+          <p:cNvPr id="2" name="Date Placeholder 1">
+            <a:extLst>
+              <a:ext uri="{FF2B5EF4-FFF2-40B4-BE49-F238E27FC236}">
+                <a16:creationId xmlns:a16="http://schemas.microsoft.com/office/drawing/2014/main" id="{3F1EA0B5-7B46-8782-2725-BDD24EFF0198}"/>
+              </a:ext>
+            </a:extLst>
+          </p:cNvPr>
           <p:cNvSpPr>
             <a:spLocks noGrp="1"/>
           </p:cNvSpPr>
@@ -5361,7 +6125,7 @@
           <a:p>
             <a:fld id="{6EE6F086-CBC8-467F-8FDF-FA361F8D2F6A}" type="datetimeFigureOut">
               <a:rPr lang="en-US" smtClean="0"/>
-              <a:t>22-Nov-22</a:t>
+              <a:t>23-Nov-22</a:t>
             </a:fld>
             <a:endParaRPr lang="en-US"/>
           </a:p>
@@ -5369,7 +6133,13 @@
       </p:sp>
       <p:sp>
         <p:nvSpPr>
-          <p:cNvPr id="3" name="Footer Placeholder 2"/>
+          <p:cNvPr id="3" name="Footer Placeholder 2">
+            <a:extLst>
+              <a:ext uri="{FF2B5EF4-FFF2-40B4-BE49-F238E27FC236}">
+                <a16:creationId xmlns:a16="http://schemas.microsoft.com/office/drawing/2014/main" id="{B5711210-94CD-DDE7-90CE-9D4132FDB56F}"/>
+              </a:ext>
+            </a:extLst>
+          </p:cNvPr>
           <p:cNvSpPr>
             <a:spLocks noGrp="1"/>
           </p:cNvSpPr>
@@ -5388,7 +6158,13 @@
       </p:sp>
       <p:sp>
         <p:nvSpPr>
-          <p:cNvPr id="4" name="Slide Number Placeholder 3"/>
+          <p:cNvPr id="4" name="Slide Number Placeholder 3">
+            <a:extLst>
+              <a:ext uri="{FF2B5EF4-FFF2-40B4-BE49-F238E27FC236}">
+                <a16:creationId xmlns:a16="http://schemas.microsoft.com/office/drawing/2014/main" id="{0326AE56-1DDB-150E-765A-71814C516D62}"/>
+              </a:ext>
+            </a:extLst>
+          </p:cNvPr>
           <p:cNvSpPr>
             <a:spLocks noGrp="1"/>
           </p:cNvSpPr>
@@ -5412,7 +6188,7 @@
     </p:spTree>
     <p:extLst>
       <p:ext uri="{BB962C8B-B14F-4D97-AF65-F5344CB8AC3E}">
-        <p14:creationId xmlns:p14="http://schemas.microsoft.com/office/powerpoint/2010/main" val="3943589954"/>
+        <p14:creationId xmlns:p14="http://schemas.microsoft.com/office/powerpoint/2010/main" val="1739351191"/>
       </p:ext>
     </p:extLst>
   </p:cSld>
@@ -5441,7 +6217,13 @@
       </p:grpSpPr>
       <p:sp>
         <p:nvSpPr>
-          <p:cNvPr id="2" name="Title 1"/>
+          <p:cNvPr id="2" name="Title 1">
+            <a:extLst>
+              <a:ext uri="{FF2B5EF4-FFF2-40B4-BE49-F238E27FC236}">
+                <a16:creationId xmlns:a16="http://schemas.microsoft.com/office/drawing/2014/main" id="{99D49455-555E-4CE4-8DAB-FF534755FDD7}"/>
+              </a:ext>
+            </a:extLst>
+          </p:cNvPr>
           <p:cNvSpPr>
             <a:spLocks noGrp="1"/>
           </p:cNvSpPr>
@@ -5467,13 +6249,18 @@
               <a:rPr lang="en-US"/>
               <a:t>Click to edit Master title style</a:t>
             </a:r>
-            <a:endParaRPr lang="en-US" dirty="0"/>
           </a:p>
         </p:txBody>
       </p:sp>
       <p:sp>
         <p:nvSpPr>
-          <p:cNvPr id="3" name="Content Placeholder 2"/>
+          <p:cNvPr id="3" name="Content Placeholder 2">
+            <a:extLst>
+              <a:ext uri="{FF2B5EF4-FFF2-40B4-BE49-F238E27FC236}">
+                <a16:creationId xmlns:a16="http://schemas.microsoft.com/office/drawing/2014/main" id="{46E9A9A0-ED58-1AD3-A35A-311EA26FA90A}"/>
+              </a:ext>
+            </a:extLst>
+          </p:cNvPr>
           <p:cNvSpPr>
             <a:spLocks noGrp="1"/>
           </p:cNvSpPr>
@@ -5552,13 +6339,18 @@
               <a:rPr lang="en-US"/>
               <a:t>Fifth level</a:t>
             </a:r>
-            <a:endParaRPr lang="en-US" dirty="0"/>
           </a:p>
         </p:txBody>
       </p:sp>
       <p:sp>
         <p:nvSpPr>
-          <p:cNvPr id="4" name="Text Placeholder 3"/>
+          <p:cNvPr id="4" name="Text Placeholder 3">
+            <a:extLst>
+              <a:ext uri="{FF2B5EF4-FFF2-40B4-BE49-F238E27FC236}">
+                <a16:creationId xmlns:a16="http://schemas.microsoft.com/office/drawing/2014/main" id="{BA6B7573-5AB2-0530-E643-8B6DDC387B66}"/>
+              </a:ext>
+            </a:extLst>
+          </p:cNvPr>
           <p:cNvSpPr>
             <a:spLocks noGrp="1"/>
           </p:cNvSpPr>
@@ -5623,7 +6415,13 @@
       </p:sp>
       <p:sp>
         <p:nvSpPr>
-          <p:cNvPr id="5" name="Date Placeholder 4"/>
+          <p:cNvPr id="5" name="Date Placeholder 4">
+            <a:extLst>
+              <a:ext uri="{FF2B5EF4-FFF2-40B4-BE49-F238E27FC236}">
+                <a16:creationId xmlns:a16="http://schemas.microsoft.com/office/drawing/2014/main" id="{97AE66A7-4E15-4654-6F98-2DECBD9B6356}"/>
+              </a:ext>
+            </a:extLst>
+          </p:cNvPr>
           <p:cNvSpPr>
             <a:spLocks noGrp="1"/>
           </p:cNvSpPr>
@@ -5638,7 +6436,7 @@
           <a:p>
             <a:fld id="{6EE6F086-CBC8-467F-8FDF-FA361F8D2F6A}" type="datetimeFigureOut">
               <a:rPr lang="en-US" smtClean="0"/>
-              <a:t>22-Nov-22</a:t>
+              <a:t>23-Nov-22</a:t>
             </a:fld>
             <a:endParaRPr lang="en-US"/>
           </a:p>
@@ -5646,7 +6444,13 @@
       </p:sp>
       <p:sp>
         <p:nvSpPr>
-          <p:cNvPr id="6" name="Footer Placeholder 5"/>
+          <p:cNvPr id="6" name="Footer Placeholder 5">
+            <a:extLst>
+              <a:ext uri="{FF2B5EF4-FFF2-40B4-BE49-F238E27FC236}">
+                <a16:creationId xmlns:a16="http://schemas.microsoft.com/office/drawing/2014/main" id="{1F86A978-FCD5-BFEE-6EDD-F3CBEC795F1F}"/>
+              </a:ext>
+            </a:extLst>
+          </p:cNvPr>
           <p:cNvSpPr>
             <a:spLocks noGrp="1"/>
           </p:cNvSpPr>
@@ -5665,7 +6469,13 @@
       </p:sp>
       <p:sp>
         <p:nvSpPr>
-          <p:cNvPr id="7" name="Slide Number Placeholder 6"/>
+          <p:cNvPr id="7" name="Slide Number Placeholder 6">
+            <a:extLst>
+              <a:ext uri="{FF2B5EF4-FFF2-40B4-BE49-F238E27FC236}">
+                <a16:creationId xmlns:a16="http://schemas.microsoft.com/office/drawing/2014/main" id="{3B9B0530-81AB-679F-798A-FFEAF7918A19}"/>
+              </a:ext>
+            </a:extLst>
+          </p:cNvPr>
           <p:cNvSpPr>
             <a:spLocks noGrp="1"/>
           </p:cNvSpPr>
@@ -5689,7 +6499,7 @@
     </p:spTree>
     <p:extLst>
       <p:ext uri="{BB962C8B-B14F-4D97-AF65-F5344CB8AC3E}">
-        <p14:creationId xmlns:p14="http://schemas.microsoft.com/office/powerpoint/2010/main" val="3034114408"/>
+        <p14:creationId xmlns:p14="http://schemas.microsoft.com/office/powerpoint/2010/main" val="1631552192"/>
       </p:ext>
     </p:extLst>
   </p:cSld>
@@ -5718,7 +6528,13 @@
       </p:grpSpPr>
       <p:sp>
         <p:nvSpPr>
-          <p:cNvPr id="2" name="Title 1"/>
+          <p:cNvPr id="2" name="Title 1">
+            <a:extLst>
+              <a:ext uri="{FF2B5EF4-FFF2-40B4-BE49-F238E27FC236}">
+                <a16:creationId xmlns:a16="http://schemas.microsoft.com/office/drawing/2014/main" id="{D07BE4E3-B29C-4467-FBE0-481D4F257D39}"/>
+              </a:ext>
+            </a:extLst>
+          </p:cNvPr>
           <p:cNvSpPr>
             <a:spLocks noGrp="1"/>
           </p:cNvSpPr>
@@ -5744,15 +6560,20 @@
               <a:rPr lang="en-US"/>
               <a:t>Click to edit Master title style</a:t>
             </a:r>
-            <a:endParaRPr lang="en-US" dirty="0"/>
           </a:p>
         </p:txBody>
       </p:sp>
       <p:sp>
         <p:nvSpPr>
-          <p:cNvPr id="3" name="Picture Placeholder 2"/>
+          <p:cNvPr id="3" name="Picture Placeholder 2">
+            <a:extLst>
+              <a:ext uri="{FF2B5EF4-FFF2-40B4-BE49-F238E27FC236}">
+                <a16:creationId xmlns:a16="http://schemas.microsoft.com/office/drawing/2014/main" id="{63F84F07-2109-6D65-3205-B112786EDE19}"/>
+              </a:ext>
+            </a:extLst>
+          </p:cNvPr>
           <p:cNvSpPr>
-            <a:spLocks noGrp="1" noChangeAspect="1"/>
+            <a:spLocks noGrp="1"/>
           </p:cNvSpPr>
           <p:nvPr>
             <p:ph type="pic" idx="1"/>
@@ -5765,7 +6586,7 @@
           </a:xfrm>
         </p:spPr>
         <p:txBody>
-          <a:bodyPr anchor="t"/>
+          <a:bodyPr/>
           <a:lstStyle>
             <a:lvl1pPr marL="0" indent="0">
               <a:buNone/>
@@ -5805,17 +6626,19 @@
             </a:lvl9pPr>
           </a:lstStyle>
           <a:p>
-            <a:r>
-              <a:rPr lang="en-US"/>
-              <a:t>Click icon to add picture</a:t>
-            </a:r>
-            <a:endParaRPr lang="en-US" dirty="0"/>
+            <a:endParaRPr lang="en-US"/>
           </a:p>
         </p:txBody>
       </p:sp>
       <p:sp>
         <p:nvSpPr>
-          <p:cNvPr id="4" name="Text Placeholder 3"/>
+          <p:cNvPr id="4" name="Text Placeholder 3">
+            <a:extLst>
+              <a:ext uri="{FF2B5EF4-FFF2-40B4-BE49-F238E27FC236}">
+                <a16:creationId xmlns:a16="http://schemas.microsoft.com/office/drawing/2014/main" id="{04A76F56-B37D-A505-8414-7D113C1DF5B8}"/>
+              </a:ext>
+            </a:extLst>
+          </p:cNvPr>
           <p:cNvSpPr>
             <a:spLocks noGrp="1"/>
           </p:cNvSpPr>
@@ -5880,7 +6703,13 @@
       </p:sp>
       <p:sp>
         <p:nvSpPr>
-          <p:cNvPr id="5" name="Date Placeholder 4"/>
+          <p:cNvPr id="5" name="Date Placeholder 4">
+            <a:extLst>
+              <a:ext uri="{FF2B5EF4-FFF2-40B4-BE49-F238E27FC236}">
+                <a16:creationId xmlns:a16="http://schemas.microsoft.com/office/drawing/2014/main" id="{F13B234A-FFA8-80E5-2527-EAA14F061A6A}"/>
+              </a:ext>
+            </a:extLst>
+          </p:cNvPr>
           <p:cNvSpPr>
             <a:spLocks noGrp="1"/>
           </p:cNvSpPr>
@@ -5895,7 +6724,7 @@
           <a:p>
             <a:fld id="{6EE6F086-CBC8-467F-8FDF-FA361F8D2F6A}" type="datetimeFigureOut">
               <a:rPr lang="en-US" smtClean="0"/>
-              <a:t>22-Nov-22</a:t>
+              <a:t>23-Nov-22</a:t>
             </a:fld>
             <a:endParaRPr lang="en-US"/>
           </a:p>
@@ -5903,7 +6732,13 @@
       </p:sp>
       <p:sp>
         <p:nvSpPr>
-          <p:cNvPr id="6" name="Footer Placeholder 5"/>
+          <p:cNvPr id="6" name="Footer Placeholder 5">
+            <a:extLst>
+              <a:ext uri="{FF2B5EF4-FFF2-40B4-BE49-F238E27FC236}">
+                <a16:creationId xmlns:a16="http://schemas.microsoft.com/office/drawing/2014/main" id="{C0714A0B-83B2-F179-0673-2E31742B423B}"/>
+              </a:ext>
+            </a:extLst>
+          </p:cNvPr>
           <p:cNvSpPr>
             <a:spLocks noGrp="1"/>
           </p:cNvSpPr>
@@ -5922,7 +6757,13 @@
       </p:sp>
       <p:sp>
         <p:nvSpPr>
-          <p:cNvPr id="7" name="Slide Number Placeholder 6"/>
+          <p:cNvPr id="7" name="Slide Number Placeholder 6">
+            <a:extLst>
+              <a:ext uri="{FF2B5EF4-FFF2-40B4-BE49-F238E27FC236}">
+                <a16:creationId xmlns:a16="http://schemas.microsoft.com/office/drawing/2014/main" id="{1F9E46F3-7B2E-DAC0-3934-1542DD4E413F}"/>
+              </a:ext>
+            </a:extLst>
+          </p:cNvPr>
           <p:cNvSpPr>
             <a:spLocks noGrp="1"/>
           </p:cNvSpPr>
@@ -5946,7 +6787,7 @@
     </p:spTree>
     <p:extLst>
       <p:ext uri="{BB962C8B-B14F-4D97-AF65-F5344CB8AC3E}">
-        <p14:creationId xmlns:p14="http://schemas.microsoft.com/office/powerpoint/2010/main" val="968289223"/>
+        <p14:creationId xmlns:p14="http://schemas.microsoft.com/office/powerpoint/2010/main" val="4236407742"/>
       </p:ext>
     </p:extLst>
   </p:cSld>
@@ -5980,7 +6821,13 @@
       </p:grpSpPr>
       <p:sp>
         <p:nvSpPr>
-          <p:cNvPr id="2" name="Title Placeholder 1"/>
+          <p:cNvPr id="2" name="Title Placeholder 1">
+            <a:extLst>
+              <a:ext uri="{FF2B5EF4-FFF2-40B4-BE49-F238E27FC236}">
+                <a16:creationId xmlns:a16="http://schemas.microsoft.com/office/drawing/2014/main" id="{86CD9C32-E4CE-9E9A-5629-995AE5CAEAF5}"/>
+              </a:ext>
+            </a:extLst>
+          </p:cNvPr>
           <p:cNvSpPr>
             <a:spLocks noGrp="1"/>
           </p:cNvSpPr>
@@ -6007,13 +6854,18 @@
               <a:rPr lang="en-US"/>
               <a:t>Click to edit Master title style</a:t>
             </a:r>
-            <a:endParaRPr lang="en-US" dirty="0"/>
           </a:p>
         </p:txBody>
       </p:sp>
       <p:sp>
         <p:nvSpPr>
-          <p:cNvPr id="3" name="Text Placeholder 2"/>
+          <p:cNvPr id="3" name="Text Placeholder 2">
+            <a:extLst>
+              <a:ext uri="{FF2B5EF4-FFF2-40B4-BE49-F238E27FC236}">
+                <a16:creationId xmlns:a16="http://schemas.microsoft.com/office/drawing/2014/main" id="{51D91194-B032-41F8-F9A1-661073826C97}"/>
+              </a:ext>
+            </a:extLst>
+          </p:cNvPr>
           <p:cNvSpPr>
             <a:spLocks noGrp="1"/>
           </p:cNvSpPr>
@@ -6069,13 +6921,18 @@
               <a:rPr lang="en-US"/>
               <a:t>Fifth level</a:t>
             </a:r>
-            <a:endParaRPr lang="en-US" dirty="0"/>
           </a:p>
         </p:txBody>
       </p:sp>
       <p:sp>
         <p:nvSpPr>
-          <p:cNvPr id="4" name="Date Placeholder 3"/>
+          <p:cNvPr id="4" name="Date Placeholder 3">
+            <a:extLst>
+              <a:ext uri="{FF2B5EF4-FFF2-40B4-BE49-F238E27FC236}">
+                <a16:creationId xmlns:a16="http://schemas.microsoft.com/office/drawing/2014/main" id="{162E654D-F1F3-EA32-7191-4B47F360CE61}"/>
+              </a:ext>
+            </a:extLst>
+          </p:cNvPr>
           <p:cNvSpPr>
             <a:spLocks noGrp="1"/>
           </p:cNvSpPr>
@@ -6108,7 +6965,7 @@
           <a:p>
             <a:fld id="{6EE6F086-CBC8-467F-8FDF-FA361F8D2F6A}" type="datetimeFigureOut">
               <a:rPr lang="en-US" smtClean="0"/>
-              <a:t>22-Nov-22</a:t>
+              <a:t>23-Nov-22</a:t>
             </a:fld>
             <a:endParaRPr lang="en-US"/>
           </a:p>
@@ -6116,7 +6973,13 @@
       </p:sp>
       <p:sp>
         <p:nvSpPr>
-          <p:cNvPr id="5" name="Footer Placeholder 4"/>
+          <p:cNvPr id="5" name="Footer Placeholder 4">
+            <a:extLst>
+              <a:ext uri="{FF2B5EF4-FFF2-40B4-BE49-F238E27FC236}">
+                <a16:creationId xmlns:a16="http://schemas.microsoft.com/office/drawing/2014/main" id="{5F8B42CF-0595-8D0B-AA07-8FDB02E92D24}"/>
+              </a:ext>
+            </a:extLst>
+          </p:cNvPr>
           <p:cNvSpPr>
             <a:spLocks noGrp="1"/>
           </p:cNvSpPr>
@@ -6153,7 +7016,13 @@
       </p:sp>
       <p:sp>
         <p:nvSpPr>
-          <p:cNvPr id="6" name="Slide Number Placeholder 5"/>
+          <p:cNvPr id="6" name="Slide Number Placeholder 5">
+            <a:extLst>
+              <a:ext uri="{FF2B5EF4-FFF2-40B4-BE49-F238E27FC236}">
+                <a16:creationId xmlns:a16="http://schemas.microsoft.com/office/drawing/2014/main" id="{4D305487-2463-D945-B379-ED68EE585BD8}"/>
+              </a:ext>
+            </a:extLst>
+          </p:cNvPr>
           <p:cNvSpPr>
             <a:spLocks noGrp="1"/>
           </p:cNvSpPr>
@@ -6195,23 +7064,23 @@
     </p:spTree>
     <p:extLst>
       <p:ext uri="{BB962C8B-B14F-4D97-AF65-F5344CB8AC3E}">
-        <p14:creationId xmlns:p14="http://schemas.microsoft.com/office/powerpoint/2010/main" val="2695414429"/>
+        <p14:creationId xmlns:p14="http://schemas.microsoft.com/office/powerpoint/2010/main" val="3966947719"/>
       </p:ext>
     </p:extLst>
   </p:cSld>
-  <p:clrMap bg1="dk1" tx1="lt1" bg2="dk2" tx2="lt2" accent1="accent1" accent2="accent2" accent3="accent3" accent4="accent4" accent5="accent5" accent6="accent6" hlink="hlink" folHlink="folHlink"/>
+  <p:clrMap bg1="lt1" tx1="dk1" bg2="lt2" tx2="dk2" accent1="accent1" accent2="accent2" accent3="accent3" accent4="accent4" accent5="accent5" accent6="accent6" hlink="hlink" folHlink="folHlink"/>
   <p:sldLayoutIdLst>
-    <p:sldLayoutId id="2147483709" r:id="rId1"/>
-    <p:sldLayoutId id="2147483710" r:id="rId2"/>
-    <p:sldLayoutId id="2147483711" r:id="rId3"/>
-    <p:sldLayoutId id="2147483712" r:id="rId4"/>
-    <p:sldLayoutId id="2147483713" r:id="rId5"/>
-    <p:sldLayoutId id="2147483714" r:id="rId6"/>
-    <p:sldLayoutId id="2147483715" r:id="rId7"/>
-    <p:sldLayoutId id="2147483716" r:id="rId8"/>
-    <p:sldLayoutId id="2147483717" r:id="rId9"/>
-    <p:sldLayoutId id="2147483718" r:id="rId10"/>
-    <p:sldLayoutId id="2147483719" r:id="rId11"/>
+    <p:sldLayoutId id="2147483721" r:id="rId1"/>
+    <p:sldLayoutId id="2147483722" r:id="rId2"/>
+    <p:sldLayoutId id="2147483723" r:id="rId3"/>
+    <p:sldLayoutId id="2147483724" r:id="rId4"/>
+    <p:sldLayoutId id="2147483725" r:id="rId5"/>
+    <p:sldLayoutId id="2147483726" r:id="rId6"/>
+    <p:sldLayoutId id="2147483727" r:id="rId7"/>
+    <p:sldLayoutId id="2147483728" r:id="rId8"/>
+    <p:sldLayoutId id="2147483729" r:id="rId9"/>
+    <p:sldLayoutId id="2147483730" r:id="rId10"/>
+    <p:sldLayoutId id="2147483731" r:id="rId11"/>
   </p:sldLayoutIdLst>
   <p:txStyles>
     <p:titleStyle>
@@ -6880,8 +7749,8 @@
           </p:pic>
         </mc:Fallback>
       </mc:AlternateContent>
-      <mc:AlternateContent xmlns:mc="http://schemas.openxmlformats.org/markup-compatibility/2006">
-        <mc:Choice xmlns:p14="http://schemas.microsoft.com/office/powerpoint/2010/main" Requires="p14">
+      <mc:AlternateContent xmlns:mc="http://schemas.openxmlformats.org/markup-compatibility/2006" xmlns:p14="http://schemas.microsoft.com/office/powerpoint/2010/main">
+        <mc:Choice Requires="p14">
           <p:contentPart p14:bwMode="auto" r:id="rId4">
             <p14:nvContentPartPr>
               <p14:cNvPr id="4" name="Ink 3">
@@ -6900,7 +7769,7 @@
             </p14:xfrm>
           </p:contentPart>
         </mc:Choice>
-        <mc:Fallback>
+        <mc:Fallback xmlns="">
           <p:pic>
             <p:nvPicPr>
               <p:cNvPr id="4" name="Ink 3">
@@ -7314,8 +8183,8 @@
           </a:p>
         </p:txBody>
       </p:sp>
-      <mc:AlternateContent xmlns:mc="http://schemas.openxmlformats.org/markup-compatibility/2006">
-        <mc:Choice xmlns:p14="http://schemas.microsoft.com/office/powerpoint/2010/main" Requires="p14">
+      <mc:AlternateContent xmlns:mc="http://schemas.openxmlformats.org/markup-compatibility/2006" xmlns:p14="http://schemas.microsoft.com/office/powerpoint/2010/main">
+        <mc:Choice Requires="p14">
           <p:contentPart p14:bwMode="auto" r:id="rId2">
             <p14:nvContentPartPr>
               <p14:cNvPr id="3" name="Ink 2">
@@ -7334,7 +8203,7 @@
             </p14:xfrm>
           </p:contentPart>
         </mc:Choice>
-        <mc:Fallback>
+        <mc:Fallback xmlns="">
           <p:pic>
             <p:nvPicPr>
               <p:cNvPr id="3" name="Ink 2">
@@ -8492,8 +9361,8 @@
           </a:ln>
         </p:spPr>
       </p:cxnSp>
-      <mc:AlternateContent xmlns:mc="http://schemas.openxmlformats.org/markup-compatibility/2006">
-        <mc:Choice xmlns:p14="http://schemas.microsoft.com/office/powerpoint/2010/main" Requires="p14">
+      <mc:AlternateContent xmlns:mc="http://schemas.openxmlformats.org/markup-compatibility/2006" xmlns:p14="http://schemas.microsoft.com/office/powerpoint/2010/main">
+        <mc:Choice Requires="p14">
           <p:contentPart p14:bwMode="auto" r:id="rId2">
             <p14:nvContentPartPr>
               <p14:cNvPr id="3" name="Ink 2">
@@ -8512,7 +9381,7 @@
             </p14:xfrm>
           </p:contentPart>
         </mc:Choice>
-        <mc:Fallback>
+        <mc:Fallback xmlns="">
           <p:pic>
             <p:nvPicPr>
               <p:cNvPr id="3" name="Ink 2">
@@ -8835,8 +9704,8 @@
           </a:p>
         </p:txBody>
       </p:sp>
-      <mc:AlternateContent xmlns:mc="http://schemas.openxmlformats.org/markup-compatibility/2006">
-        <mc:Choice xmlns:p14="http://schemas.microsoft.com/office/powerpoint/2010/main" Requires="p14">
+      <mc:AlternateContent xmlns:mc="http://schemas.openxmlformats.org/markup-compatibility/2006" xmlns:p14="http://schemas.microsoft.com/office/powerpoint/2010/main">
+        <mc:Choice Requires="p14">
           <p:contentPart p14:bwMode="auto" r:id="rId11">
             <p14:nvContentPartPr>
               <p14:cNvPr id="3" name="Ink 2">
@@ -8855,7 +9724,7 @@
             </p14:xfrm>
           </p:contentPart>
         </mc:Choice>
-        <mc:Fallback>
+        <mc:Fallback xmlns="">
           <p:pic>
             <p:nvPicPr>
               <p:cNvPr id="3" name="Ink 2">
@@ -8947,8 +9816,8 @@
           </a:p>
         </p:txBody>
       </p:sp>
-      <mc:AlternateContent xmlns:mc="http://schemas.openxmlformats.org/markup-compatibility/2006">
-        <mc:Choice xmlns:p14="http://schemas.microsoft.com/office/powerpoint/2010/main" Requires="p14">
+      <mc:AlternateContent xmlns:mc="http://schemas.openxmlformats.org/markup-compatibility/2006" xmlns:p14="http://schemas.microsoft.com/office/powerpoint/2010/main">
+        <mc:Choice Requires="p14">
           <p:contentPart p14:bwMode="auto" r:id="rId2">
             <p14:nvContentPartPr>
               <p14:cNvPr id="2" name="Ink 1">
@@ -8967,7 +9836,7 @@
             </p14:xfrm>
           </p:contentPart>
         </mc:Choice>
-        <mc:Fallback>
+        <mc:Fallback xmlns="">
           <p:pic>
             <p:nvPicPr>
               <p:cNvPr id="2" name="Ink 1">
@@ -9078,8 +9947,8 @@
           </a:p>
         </p:txBody>
       </p:sp>
-      <mc:AlternateContent xmlns:mc="http://schemas.openxmlformats.org/markup-compatibility/2006">
-        <mc:Choice xmlns:p14="http://schemas.microsoft.com/office/powerpoint/2010/main" Requires="p14">
+      <mc:AlternateContent xmlns:mc="http://schemas.openxmlformats.org/markup-compatibility/2006" xmlns:p14="http://schemas.microsoft.com/office/powerpoint/2010/main">
+        <mc:Choice Requires="p14">
           <p:contentPart p14:bwMode="auto" r:id="rId2">
             <p14:nvContentPartPr>
               <p14:cNvPr id="4" name="Ink 3">
@@ -9098,7 +9967,7 @@
             </p14:xfrm>
           </p:contentPart>
         </mc:Choice>
-        <mc:Fallback>
+        <mc:Fallback xmlns="">
           <p:pic>
             <p:nvPicPr>
               <p:cNvPr id="4" name="Ink 3">
@@ -9121,6 +9990,57 @@
               <a:xfrm>
                 <a:off x="611280" y="573120"/>
                 <a:ext cx="11305080" cy="6264000"/>
+              </a:xfrm>
+              <a:prstGeom prst="rect">
+                <a:avLst/>
+              </a:prstGeom>
+            </p:spPr>
+          </p:pic>
+        </mc:Fallback>
+      </mc:AlternateContent>
+      <mc:AlternateContent xmlns:mc="http://schemas.openxmlformats.org/markup-compatibility/2006">
+        <mc:Choice xmlns:p14="http://schemas.microsoft.com/office/powerpoint/2010/main" Requires="p14">
+          <p:contentPart p14:bwMode="auto" r:id="rId4">
+            <p14:nvContentPartPr>
+              <p14:cNvPr id="5" name="Ink 4">
+                <a:extLst>
+                  <a:ext uri="{FF2B5EF4-FFF2-40B4-BE49-F238E27FC236}">
+                    <a16:creationId xmlns:a16="http://schemas.microsoft.com/office/drawing/2014/main" id="{EDBF4F35-0834-6E0C-09E2-86C7DE831F3B}"/>
+                  </a:ext>
+                </a:extLst>
+              </p14:cNvPr>
+              <p14:cNvContentPartPr/>
+              <p14:nvPr/>
+            </p14:nvContentPartPr>
+            <p14:xfrm>
+              <a:off x="141120" y="39600"/>
+              <a:ext cx="12021120" cy="4817520"/>
+            </p14:xfrm>
+          </p:contentPart>
+        </mc:Choice>
+        <mc:Fallback>
+          <p:pic>
+            <p:nvPicPr>
+              <p:cNvPr id="5" name="Ink 4">
+                <a:extLst>
+                  <a:ext uri="{FF2B5EF4-FFF2-40B4-BE49-F238E27FC236}">
+                    <a16:creationId xmlns:a16="http://schemas.microsoft.com/office/drawing/2014/main" id="{EDBF4F35-0834-6E0C-09E2-86C7DE831F3B}"/>
+                  </a:ext>
+                </a:extLst>
+              </p:cNvPr>
+              <p:cNvPicPr/>
+              <p:nvPr/>
+            </p:nvPicPr>
+            <p:blipFill>
+              <a:blip r:embed="rId5"/>
+              <a:stretch>
+                <a:fillRect/>
+              </a:stretch>
+            </p:blipFill>
+            <p:spPr>
+              <a:xfrm>
+                <a:off x="131760" y="30240"/>
+                <a:ext cx="12039840" cy="4836240"/>
               </a:xfrm>
               <a:prstGeom prst="rect">
                 <a:avLst/>
@@ -9239,6 +10159,36 @@
           <a:chExt cx="0" cy="0"/>
         </a:xfrm>
       </p:grpSpPr>
+    </p:spTree>
+    <p:extLst>
+      <p:ext uri="{BB962C8B-B14F-4D97-AF65-F5344CB8AC3E}">
+        <p14:creationId xmlns:p14="http://schemas.microsoft.com/office/powerpoint/2010/main" val="3152852709"/>
+      </p:ext>
+    </p:extLst>
+  </p:cSld>
+  <p:clrMapOvr>
+    <a:masterClrMapping/>
+  </p:clrMapOvr>
+</p:sld>
+</file>
+
+<file path=ppt/slides/slide18.xml><?xml version="1.0" encoding="utf-8"?>
+<p:sld xmlns:a="http://schemas.openxmlformats.org/drawingml/2006/main" xmlns:r="http://schemas.openxmlformats.org/officeDocument/2006/relationships" xmlns:p="http://schemas.openxmlformats.org/presentationml/2006/main">
+  <p:cSld>
+    <p:spTree>
+      <p:nvGrpSpPr>
+        <p:cNvPr id="1" name=""/>
+        <p:cNvGrpSpPr/>
+        <p:nvPr/>
+      </p:nvGrpSpPr>
+      <p:grpSpPr>
+        <a:xfrm>
+          <a:off x="0" y="0"/>
+          <a:ext cx="0" cy="0"/>
+          <a:chOff x="0" y="0"/>
+          <a:chExt cx="0" cy="0"/>
+        </a:xfrm>
+      </p:grpSpPr>
       <p:sp>
         <p:nvSpPr>
           <p:cNvPr id="2" name="Title 1">
@@ -9261,18 +10211,9 @@
           <a:lstStyle/>
           <a:p>
             <a:r>
-              <a:rPr lang="en-US" dirty="0" err="1"/>
-              <a:t>Homegeneous</a:t>
-            </a:r>
-            <a:r>
               <a:rPr lang="en-US" dirty="0"/>
-              <a:t> and </a:t>
-            </a:r>
-            <a:r>
-              <a:rPr lang="en-US" dirty="0" err="1"/>
-              <a:t>NonHomogeneous</a:t>
-            </a:r>
-            <a:endParaRPr lang="en-US" dirty="0"/>
+              <a:t>Homogeneous and Non-Homogeneous</a:t>
+            </a:r>
           </a:p>
         </p:txBody>
       </p:sp>
@@ -9306,8 +10247,8 @@
           </a:prstGeom>
         </p:spPr>
       </p:pic>
-      <mc:AlternateContent xmlns:mc="http://schemas.openxmlformats.org/markup-compatibility/2006">
-        <mc:Choice xmlns:p14="http://schemas.microsoft.com/office/powerpoint/2010/main" Requires="p14">
+      <mc:AlternateContent xmlns:mc="http://schemas.openxmlformats.org/markup-compatibility/2006" xmlns:p14="http://schemas.microsoft.com/office/powerpoint/2010/main">
+        <mc:Choice Requires="p14">
           <p:contentPart p14:bwMode="auto" r:id="rId3">
             <p14:nvContentPartPr>
               <p14:cNvPr id="3" name="Ink 2">
@@ -9326,7 +10267,7 @@
             </p14:xfrm>
           </p:contentPart>
         </mc:Choice>
-        <mc:Fallback>
+        <mc:Fallback xmlns="">
           <p:pic>
             <p:nvPicPr>
               <p:cNvPr id="3" name="Ink 2">
@@ -9357,152 +10298,61 @@
           </p:pic>
         </mc:Fallback>
       </mc:AlternateContent>
+      <mc:AlternateContent xmlns:mc="http://schemas.openxmlformats.org/markup-compatibility/2006">
+        <mc:Choice xmlns:p14="http://schemas.microsoft.com/office/powerpoint/2010/main" Requires="p14">
+          <p:contentPart p14:bwMode="auto" r:id="rId5">
+            <p14:nvContentPartPr>
+              <p14:cNvPr id="4" name="Ink 3">
+                <a:extLst>
+                  <a:ext uri="{FF2B5EF4-FFF2-40B4-BE49-F238E27FC236}">
+                    <a16:creationId xmlns:a16="http://schemas.microsoft.com/office/drawing/2014/main" id="{696F39AC-2DBE-D7CB-E965-E4565AE1C3BF}"/>
+                  </a:ext>
+                </a:extLst>
+              </p14:cNvPr>
+              <p14:cNvContentPartPr/>
+              <p14:nvPr/>
+            </p14:nvContentPartPr>
+            <p14:xfrm>
+              <a:off x="565920" y="1308960"/>
+              <a:ext cx="11014200" cy="1569600"/>
+            </p14:xfrm>
+          </p:contentPart>
+        </mc:Choice>
+        <mc:Fallback>
+          <p:pic>
+            <p:nvPicPr>
+              <p:cNvPr id="4" name="Ink 3">
+                <a:extLst>
+                  <a:ext uri="{FF2B5EF4-FFF2-40B4-BE49-F238E27FC236}">
+                    <a16:creationId xmlns:a16="http://schemas.microsoft.com/office/drawing/2014/main" id="{696F39AC-2DBE-D7CB-E965-E4565AE1C3BF}"/>
+                  </a:ext>
+                </a:extLst>
+              </p:cNvPr>
+              <p:cNvPicPr/>
+              <p:nvPr/>
+            </p:nvPicPr>
+            <p:blipFill>
+              <a:blip r:embed="rId6"/>
+              <a:stretch>
+                <a:fillRect/>
+              </a:stretch>
+            </p:blipFill>
+            <p:spPr>
+              <a:xfrm>
+                <a:off x="556560" y="1299600"/>
+                <a:ext cx="11032920" cy="1588320"/>
+              </a:xfrm>
+              <a:prstGeom prst="rect">
+                <a:avLst/>
+              </a:prstGeom>
+            </p:spPr>
+          </p:pic>
+        </mc:Fallback>
+      </mc:AlternateContent>
     </p:spTree>
     <p:extLst>
       <p:ext uri="{BB962C8B-B14F-4D97-AF65-F5344CB8AC3E}">
         <p14:creationId xmlns:p14="http://schemas.microsoft.com/office/powerpoint/2010/main" val="864133797"/>
-      </p:ext>
-    </p:extLst>
-  </p:cSld>
-  <p:clrMapOvr>
-    <a:masterClrMapping/>
-  </p:clrMapOvr>
-</p:sld>
-</file>
-
-<file path=ppt/slides/slide18.xml><?xml version="1.0" encoding="utf-8"?>
-<p:sld xmlns:a="http://schemas.openxmlformats.org/drawingml/2006/main" xmlns:r="http://schemas.openxmlformats.org/officeDocument/2006/relationships" xmlns:p="http://schemas.openxmlformats.org/presentationml/2006/main">
-  <p:cSld>
-    <p:spTree>
-      <p:nvGrpSpPr>
-        <p:cNvPr id="1" name=""/>
-        <p:cNvGrpSpPr/>
-        <p:nvPr/>
-      </p:nvGrpSpPr>
-      <p:grpSpPr>
-        <a:xfrm>
-          <a:off x="0" y="0"/>
-          <a:ext cx="0" cy="0"/>
-          <a:chOff x="0" y="0"/>
-          <a:chExt cx="0" cy="0"/>
-        </a:xfrm>
-      </p:grpSpPr>
-      <p:sp>
-        <p:nvSpPr>
-          <p:cNvPr id="2" name="Title 1">
-            <a:extLst>
-              <a:ext uri="{FF2B5EF4-FFF2-40B4-BE49-F238E27FC236}">
-                <a16:creationId xmlns:a16="http://schemas.microsoft.com/office/drawing/2014/main" id="{79EFE057-F4E8-FA91-629F-7B5E191718D7}"/>
-              </a:ext>
-            </a:extLst>
-          </p:cNvPr>
-          <p:cNvSpPr>
-            <a:spLocks noGrp="1"/>
-          </p:cNvSpPr>
-          <p:nvPr>
-            <p:ph type="title"/>
-          </p:nvPr>
-        </p:nvSpPr>
-        <p:spPr/>
-        <p:txBody>
-          <a:bodyPr/>
-          <a:lstStyle/>
-          <a:p>
-            <a:r>
-              <a:rPr lang="en-US" dirty="0"/>
-              <a:t>What is an Array/List?</a:t>
-            </a:r>
-          </a:p>
-        </p:txBody>
-      </p:sp>
-      <p:sp>
-        <p:nvSpPr>
-          <p:cNvPr id="3" name="Content Placeholder 2">
-            <a:extLst>
-              <a:ext uri="{FF2B5EF4-FFF2-40B4-BE49-F238E27FC236}">
-                <a16:creationId xmlns:a16="http://schemas.microsoft.com/office/drawing/2014/main" id="{46896802-2415-F4E8-49EF-076D5E316D96}"/>
-              </a:ext>
-            </a:extLst>
-          </p:cNvPr>
-          <p:cNvSpPr>
-            <a:spLocks noGrp="1"/>
-          </p:cNvSpPr>
-          <p:nvPr>
-            <p:ph idx="1"/>
-          </p:nvPr>
-        </p:nvSpPr>
-        <p:spPr/>
-        <p:txBody>
-          <a:bodyPr>
-            <a:normAutofit lnSpcReduction="10000"/>
-          </a:bodyPr>
-          <a:lstStyle/>
-          <a:p>
-            <a:r>
-              <a:rPr lang="en-US" sz="2000" dirty="0"/>
-              <a:t>Array is a DS consisting of collection of elements each identified by an index.  It is stored such that the position of each element can be computed from its index. Because of index : Random Access is possible</a:t>
-            </a:r>
-          </a:p>
-          <a:p>
-            <a:pPr marL="0" indent="0">
-              <a:buNone/>
-            </a:pPr>
-            <a:r>
-              <a:rPr lang="en-US" sz="2000" dirty="0"/>
-              <a:t>For example, </a:t>
-            </a:r>
-          </a:p>
-          <a:p>
-            <a:r>
-              <a:rPr lang="en-US" sz="2000" dirty="0"/>
-              <a:t>List of Science marks for Class-XII: [89, 78, 95, 92, 91]</a:t>
-            </a:r>
-          </a:p>
-          <a:p>
-            <a:r>
-              <a:rPr lang="en-US" sz="2000" dirty="0"/>
-              <a:t>List of things to purchase: [“Apples”, “Notebook”, “Highlighters”, “Chocolates”]</a:t>
-            </a:r>
-          </a:p>
-          <a:p>
-            <a:endParaRPr lang="en-US" sz="2000" dirty="0"/>
-          </a:p>
-          <a:p>
-            <a:endParaRPr lang="en-US" sz="2000" dirty="0"/>
-          </a:p>
-          <a:p>
-            <a:pPr marL="0" indent="0">
-              <a:buNone/>
-            </a:pPr>
-            <a:r>
-              <a:rPr lang="en-US" sz="2000" dirty="0"/>
-              <a:t>In programming languages like Python and JavaScript, arrays are heterogeneous which means you can store different data type values in the same array.</a:t>
-            </a:r>
-          </a:p>
-          <a:p>
-            <a:pPr marL="0" indent="0">
-              <a:buNone/>
-            </a:pPr>
-            <a:r>
-              <a:rPr lang="en-US" sz="2000" dirty="0"/>
-              <a:t>For example,</a:t>
-            </a:r>
-          </a:p>
-          <a:p>
-            <a:pPr marL="0" indent="0">
-              <a:buNone/>
-            </a:pPr>
-            <a:r>
-              <a:rPr lang="en-US" sz="2000" dirty="0"/>
-              <a:t>[“John”, “Wick”, 42, true]</a:t>
-            </a:r>
-          </a:p>
-        </p:txBody>
-      </p:sp>
-    </p:spTree>
-    <p:extLst>
-      <p:ext uri="{BB962C8B-B14F-4D97-AF65-F5344CB8AC3E}">
-        <p14:creationId xmlns:p14="http://schemas.microsoft.com/office/powerpoint/2010/main" val="4105176677"/>
       </p:ext>
     </p:extLst>
   </p:cSld>
@@ -9552,7 +10402,7 @@
           <a:p>
             <a:r>
               <a:rPr lang="en-US" dirty="0"/>
-              <a:t>Properties of Array</a:t>
+              <a:t>What is an Array/List?</a:t>
             </a:r>
           </a:p>
         </p:txBody>
@@ -9576,39 +10426,126 @@
         <p:spPr/>
         <p:txBody>
           <a:bodyPr>
-            <a:normAutofit/>
+            <a:normAutofit lnSpcReduction="10000"/>
           </a:bodyPr>
           <a:lstStyle/>
           <a:p>
             <a:r>
               <a:rPr lang="en-US" sz="2000" dirty="0"/>
-              <a:t>Array can store values of any single data type. (int, Boolean, float, String)</a:t>
-            </a:r>
-          </a:p>
-          <a:p>
+              <a:t>Array is a DS consisting of collection of elements each identified by an index.  It is stored such that the position of each element can be computed from its index. Because of index : Random Access is possible</a:t>
+            </a:r>
+          </a:p>
+          <a:p>
+            <a:pPr marL="0" indent="0">
+              <a:buNone/>
+            </a:pPr>
             <a:r>
               <a:rPr lang="en-US" sz="2000" dirty="0"/>
-              <a:t>Every cell of an Array has an unique index.</a:t>
+              <a:t>For example, </a:t>
             </a:r>
           </a:p>
           <a:p>
             <a:r>
               <a:rPr lang="en-US" sz="2000" dirty="0"/>
-              <a:t>Index starts with 0.</a:t>
+              <a:t>List of Science marks for Class-XII: [89, 78, 95, 92, 91]</a:t>
             </a:r>
           </a:p>
           <a:p>
             <a:r>
               <a:rPr lang="en-US" sz="2000" dirty="0"/>
-              <a:t>In programming languages like Python and JavaScript, you do NOT have to specify the length of the array. The length increases when you add more items. The length decreases when you remove items.</a:t>
+              <a:t>List of things to purchase: [“Apples”, “Notebook”, “Highlighters”, “Chocolates”]</a:t>
+            </a:r>
+          </a:p>
+          <a:p>
+            <a:endParaRPr lang="en-US" sz="2000" dirty="0"/>
+          </a:p>
+          <a:p>
+            <a:endParaRPr lang="en-US" sz="2000" dirty="0"/>
+          </a:p>
+          <a:p>
+            <a:pPr marL="0" indent="0">
+              <a:buNone/>
+            </a:pPr>
+            <a:r>
+              <a:rPr lang="en-US" sz="2000" dirty="0"/>
+              <a:t>In programming languages like Python and JavaScript, arrays are heterogeneous which means you can store different data type values in the same array.</a:t>
+            </a:r>
+          </a:p>
+          <a:p>
+            <a:pPr marL="0" indent="0">
+              <a:buNone/>
+            </a:pPr>
+            <a:r>
+              <a:rPr lang="en-US" sz="2000" dirty="0"/>
+              <a:t>For example,</a:t>
+            </a:r>
+          </a:p>
+          <a:p>
+            <a:pPr marL="0" indent="0">
+              <a:buNone/>
+            </a:pPr>
+            <a:r>
+              <a:rPr lang="en-US" sz="2000" dirty="0"/>
+              <a:t>[“John”, “Wick”, 42, true]</a:t>
             </a:r>
           </a:p>
         </p:txBody>
       </p:sp>
+      <mc:AlternateContent xmlns:mc="http://schemas.openxmlformats.org/markup-compatibility/2006">
+        <mc:Choice xmlns:p14="http://schemas.microsoft.com/office/powerpoint/2010/main" Requires="p14">
+          <p:contentPart p14:bwMode="auto" r:id="rId2">
+            <p14:nvContentPartPr>
+              <p14:cNvPr id="4" name="Ink 3">
+                <a:extLst>
+                  <a:ext uri="{FF2B5EF4-FFF2-40B4-BE49-F238E27FC236}">
+                    <a16:creationId xmlns:a16="http://schemas.microsoft.com/office/drawing/2014/main" id="{914BE031-9BFE-2898-422A-3BEC06E1A64F}"/>
+                  </a:ext>
+                </a:extLst>
+              </p14:cNvPr>
+              <p14:cNvContentPartPr/>
+              <p14:nvPr/>
+            </p14:nvContentPartPr>
+            <p14:xfrm>
+              <a:off x="4142880" y="3336120"/>
+              <a:ext cx="4492080" cy="721440"/>
+            </p14:xfrm>
+          </p:contentPart>
+        </mc:Choice>
+        <mc:Fallback>
+          <p:pic>
+            <p:nvPicPr>
+              <p:cNvPr id="4" name="Ink 3">
+                <a:extLst>
+                  <a:ext uri="{FF2B5EF4-FFF2-40B4-BE49-F238E27FC236}">
+                    <a16:creationId xmlns:a16="http://schemas.microsoft.com/office/drawing/2014/main" id="{914BE031-9BFE-2898-422A-3BEC06E1A64F}"/>
+                  </a:ext>
+                </a:extLst>
+              </p:cNvPr>
+              <p:cNvPicPr/>
+              <p:nvPr/>
+            </p:nvPicPr>
+            <p:blipFill>
+              <a:blip r:embed="rId3"/>
+              <a:stretch>
+                <a:fillRect/>
+              </a:stretch>
+            </p:blipFill>
+            <p:spPr>
+              <a:xfrm>
+                <a:off x="4133520" y="3326760"/>
+                <a:ext cx="4510800" cy="740160"/>
+              </a:xfrm>
+              <a:prstGeom prst="rect">
+                <a:avLst/>
+              </a:prstGeom>
+            </p:spPr>
+          </p:pic>
+        </mc:Fallback>
+      </mc:AlternateContent>
     </p:spTree>
     <p:extLst>
       <p:ext uri="{BB962C8B-B14F-4D97-AF65-F5344CB8AC3E}">
-        <p14:creationId xmlns:p14="http://schemas.microsoft.com/office/powerpoint/2010/main" val="3251695779"/>
+        <p14:creationId xmlns:p14="http://schemas.microsoft.com/office/powerpoint/2010/main" val="4105176677"/>
       </p:ext>
     </p:extLst>
   </p:cSld>
@@ -9746,7 +10683,7 @@
           <a:p>
             <a:r>
               <a:rPr lang="en-US" dirty="0"/>
-              <a:t>What is the need of an Array?</a:t>
+              <a:t>Properties of Array</a:t>
             </a:r>
           </a:p>
         </p:txBody>
@@ -9774,6 +10711,112 @@
           </a:bodyPr>
           <a:lstStyle/>
           <a:p>
+            <a:r>
+              <a:rPr lang="en-US" sz="2000" dirty="0"/>
+              <a:t>Array can store values of any single data type. (int, Boolean, float, String)</a:t>
+            </a:r>
+          </a:p>
+          <a:p>
+            <a:r>
+              <a:rPr lang="en-US" sz="2000" dirty="0"/>
+              <a:t>Every cell of an Array has an unique index.</a:t>
+            </a:r>
+          </a:p>
+          <a:p>
+            <a:r>
+              <a:rPr lang="en-US" sz="2000" dirty="0"/>
+              <a:t>Index starts with 0.</a:t>
+            </a:r>
+          </a:p>
+          <a:p>
+            <a:r>
+              <a:rPr lang="en-US" sz="2000" dirty="0"/>
+              <a:t>In programming languages like Python and JavaScript, you do NOT have to specify the length of the array. The length increases when you add more items. The length decreases when you remove items.</a:t>
+            </a:r>
+          </a:p>
+        </p:txBody>
+      </p:sp>
+    </p:spTree>
+    <p:extLst>
+      <p:ext uri="{BB962C8B-B14F-4D97-AF65-F5344CB8AC3E}">
+        <p14:creationId xmlns:p14="http://schemas.microsoft.com/office/powerpoint/2010/main" val="3251695779"/>
+      </p:ext>
+    </p:extLst>
+  </p:cSld>
+  <p:clrMapOvr>
+    <a:masterClrMapping/>
+  </p:clrMapOvr>
+</p:sld>
+</file>
+
+<file path=ppt/slides/slide21.xml><?xml version="1.0" encoding="utf-8"?>
+<p:sld xmlns:a="http://schemas.openxmlformats.org/drawingml/2006/main" xmlns:r="http://schemas.openxmlformats.org/officeDocument/2006/relationships" xmlns:p="http://schemas.openxmlformats.org/presentationml/2006/main">
+  <p:cSld>
+    <p:spTree>
+      <p:nvGrpSpPr>
+        <p:cNvPr id="1" name=""/>
+        <p:cNvGrpSpPr/>
+        <p:nvPr/>
+      </p:nvGrpSpPr>
+      <p:grpSpPr>
+        <a:xfrm>
+          <a:off x="0" y="0"/>
+          <a:ext cx="0" cy="0"/>
+          <a:chOff x="0" y="0"/>
+          <a:chExt cx="0" cy="0"/>
+        </a:xfrm>
+      </p:grpSpPr>
+      <p:sp>
+        <p:nvSpPr>
+          <p:cNvPr id="2" name="Title 1">
+            <a:extLst>
+              <a:ext uri="{FF2B5EF4-FFF2-40B4-BE49-F238E27FC236}">
+                <a16:creationId xmlns:a16="http://schemas.microsoft.com/office/drawing/2014/main" id="{79EFE057-F4E8-FA91-629F-7B5E191718D7}"/>
+              </a:ext>
+            </a:extLst>
+          </p:cNvPr>
+          <p:cNvSpPr>
+            <a:spLocks noGrp="1"/>
+          </p:cNvSpPr>
+          <p:nvPr>
+            <p:ph type="title"/>
+          </p:nvPr>
+        </p:nvSpPr>
+        <p:spPr/>
+        <p:txBody>
+          <a:bodyPr/>
+          <a:lstStyle/>
+          <a:p>
+            <a:r>
+              <a:rPr lang="en-US" dirty="0"/>
+              <a:t>What is the need of an Array?</a:t>
+            </a:r>
+          </a:p>
+        </p:txBody>
+      </p:sp>
+      <p:sp>
+        <p:nvSpPr>
+          <p:cNvPr id="3" name="Content Placeholder 2">
+            <a:extLst>
+              <a:ext uri="{FF2B5EF4-FFF2-40B4-BE49-F238E27FC236}">
+                <a16:creationId xmlns:a16="http://schemas.microsoft.com/office/drawing/2014/main" id="{46896802-2415-F4E8-49EF-076D5E316D96}"/>
+              </a:ext>
+            </a:extLst>
+          </p:cNvPr>
+          <p:cNvSpPr>
+            <a:spLocks noGrp="1"/>
+          </p:cNvSpPr>
+          <p:nvPr>
+            <p:ph idx="1"/>
+          </p:nvPr>
+        </p:nvSpPr>
+        <p:spPr/>
+        <p:txBody>
+          <a:bodyPr>
+            <a:normAutofit/>
+          </a:bodyPr>
+          <a:lstStyle/>
+          <a:p>
             <a:pPr marL="0" indent="0">
               <a:buNone/>
             </a:pPr>
@@ -9823,8 +10866,8 @@
           </a:p>
         </p:txBody>
       </p:sp>
-      <mc:AlternateContent xmlns:mc="http://schemas.openxmlformats.org/markup-compatibility/2006">
-        <mc:Choice xmlns:p14="http://schemas.microsoft.com/office/powerpoint/2010/main" Requires="p14">
+      <mc:AlternateContent xmlns:mc="http://schemas.openxmlformats.org/markup-compatibility/2006" xmlns:p14="http://schemas.microsoft.com/office/powerpoint/2010/main">
+        <mc:Choice Requires="p14">
           <p:contentPart p14:bwMode="auto" r:id="rId2">
             <p14:nvContentPartPr>
               <p14:cNvPr id="4" name="Ink 3">
@@ -9843,7 +10886,7 @@
             </p14:xfrm>
           </p:contentPart>
         </mc:Choice>
-        <mc:Fallback>
+        <mc:Fallback xmlns="">
           <p:pic>
             <p:nvPicPr>
               <p:cNvPr id="4" name="Ink 3">
@@ -9874,6 +10917,57 @@
           </p:pic>
         </mc:Fallback>
       </mc:AlternateContent>
+      <mc:AlternateContent xmlns:mc="http://schemas.openxmlformats.org/markup-compatibility/2006">
+        <mc:Choice xmlns:p14="http://schemas.microsoft.com/office/powerpoint/2010/main" Requires="p14">
+          <p:contentPart p14:bwMode="auto" r:id="rId4">
+            <p14:nvContentPartPr>
+              <p14:cNvPr id="5" name="Ink 4">
+                <a:extLst>
+                  <a:ext uri="{FF2B5EF4-FFF2-40B4-BE49-F238E27FC236}">
+                    <a16:creationId xmlns:a16="http://schemas.microsoft.com/office/drawing/2014/main" id="{3206D9AD-AD69-4E1C-36C3-57DC76CE6984}"/>
+                  </a:ext>
+                </a:extLst>
+              </p14:cNvPr>
+              <p14:cNvContentPartPr/>
+              <p14:nvPr/>
+            </p14:nvContentPartPr>
+            <p14:xfrm>
+              <a:off x="2867400" y="2165040"/>
+              <a:ext cx="3915360" cy="197280"/>
+            </p14:xfrm>
+          </p:contentPart>
+        </mc:Choice>
+        <mc:Fallback>
+          <p:pic>
+            <p:nvPicPr>
+              <p:cNvPr id="5" name="Ink 4">
+                <a:extLst>
+                  <a:ext uri="{FF2B5EF4-FFF2-40B4-BE49-F238E27FC236}">
+                    <a16:creationId xmlns:a16="http://schemas.microsoft.com/office/drawing/2014/main" id="{3206D9AD-AD69-4E1C-36C3-57DC76CE6984}"/>
+                  </a:ext>
+                </a:extLst>
+              </p:cNvPr>
+              <p:cNvPicPr/>
+              <p:nvPr/>
+            </p:nvPicPr>
+            <p:blipFill>
+              <a:blip r:embed="rId5"/>
+              <a:stretch>
+                <a:fillRect/>
+              </a:stretch>
+            </p:blipFill>
+            <p:spPr>
+              <a:xfrm>
+                <a:off x="2858040" y="2155680"/>
+                <a:ext cx="3934080" cy="216000"/>
+              </a:xfrm>
+              <a:prstGeom prst="rect">
+                <a:avLst/>
+              </a:prstGeom>
+            </p:spPr>
+          </p:pic>
+        </mc:Fallback>
+      </mc:AlternateContent>
     </p:spTree>
     <p:extLst>
       <p:ext uri="{BB962C8B-B14F-4D97-AF65-F5344CB8AC3E}">
@@ -9887,7 +10981,7 @@
 </p:sld>
 </file>
 
-<file path=ppt/slides/slide21.xml><?xml version="1.0" encoding="utf-8"?>
+<file path=ppt/slides/slide22.xml><?xml version="1.0" encoding="utf-8"?>
 <p:sld xmlns:a="http://schemas.openxmlformats.org/drawingml/2006/main" xmlns:r="http://schemas.openxmlformats.org/officeDocument/2006/relationships" xmlns:p="http://schemas.openxmlformats.org/presentationml/2006/main">
   <p:cSld>
     <p:spTree>
@@ -10076,8 +11170,8 @@
           </a:p>
         </p:txBody>
       </p:sp>
-      <mc:AlternateContent xmlns:mc="http://schemas.openxmlformats.org/markup-compatibility/2006">
-        <mc:Choice xmlns:p14="http://schemas.microsoft.com/office/powerpoint/2010/main" Requires="p14">
+      <mc:AlternateContent xmlns:mc="http://schemas.openxmlformats.org/markup-compatibility/2006" xmlns:p14="http://schemas.microsoft.com/office/powerpoint/2010/main">
+        <mc:Choice Requires="p14">
           <p:contentPart p14:bwMode="auto" r:id="rId2">
             <p14:nvContentPartPr>
               <p14:cNvPr id="4" name="Ink 3">
@@ -10096,7 +11190,7 @@
             </p14:xfrm>
           </p:contentPart>
         </mc:Choice>
-        <mc:Fallback>
+        <mc:Fallback xmlns="">
           <p:pic>
             <p:nvPicPr>
               <p:cNvPr id="4" name="Ink 3">
@@ -10127,6 +11221,57 @@
           </p:pic>
         </mc:Fallback>
       </mc:AlternateContent>
+      <mc:AlternateContent xmlns:mc="http://schemas.openxmlformats.org/markup-compatibility/2006">
+        <mc:Choice xmlns:p14="http://schemas.microsoft.com/office/powerpoint/2010/main" Requires="p14">
+          <p:contentPart p14:bwMode="auto" r:id="rId4">
+            <p14:nvContentPartPr>
+              <p14:cNvPr id="5" name="Ink 4">
+                <a:extLst>
+                  <a:ext uri="{FF2B5EF4-FFF2-40B4-BE49-F238E27FC236}">
+                    <a16:creationId xmlns:a16="http://schemas.microsoft.com/office/drawing/2014/main" id="{FEECABE1-9A45-7726-E6EA-E24D43A9A068}"/>
+                  </a:ext>
+                </a:extLst>
+              </p14:cNvPr>
+              <p14:cNvContentPartPr/>
+              <p14:nvPr/>
+            </p14:nvContentPartPr>
+            <p14:xfrm>
+              <a:off x="9136080" y="3270960"/>
+              <a:ext cx="2698200" cy="3545640"/>
+            </p14:xfrm>
+          </p:contentPart>
+        </mc:Choice>
+        <mc:Fallback>
+          <p:pic>
+            <p:nvPicPr>
+              <p:cNvPr id="5" name="Ink 4">
+                <a:extLst>
+                  <a:ext uri="{FF2B5EF4-FFF2-40B4-BE49-F238E27FC236}">
+                    <a16:creationId xmlns:a16="http://schemas.microsoft.com/office/drawing/2014/main" id="{FEECABE1-9A45-7726-E6EA-E24D43A9A068}"/>
+                  </a:ext>
+                </a:extLst>
+              </p:cNvPr>
+              <p:cNvPicPr/>
+              <p:nvPr/>
+            </p:nvPicPr>
+            <p:blipFill>
+              <a:blip r:embed="rId5"/>
+              <a:stretch>
+                <a:fillRect/>
+              </a:stretch>
+            </p:blipFill>
+            <p:spPr>
+              <a:xfrm>
+                <a:off x="9126720" y="3261600"/>
+                <a:ext cx="2716920" cy="3564360"/>
+              </a:xfrm>
+              <a:prstGeom prst="rect">
+                <a:avLst/>
+              </a:prstGeom>
+            </p:spPr>
+          </p:pic>
+        </mc:Fallback>
+      </mc:AlternateContent>
     </p:spTree>
     <p:extLst>
       <p:ext uri="{BB962C8B-B14F-4D97-AF65-F5344CB8AC3E}">
@@ -10140,7 +11285,7 @@
 </p:sld>
 </file>
 
-<file path=ppt/slides/slide22.xml><?xml version="1.0" encoding="utf-8"?>
+<file path=ppt/slides/slide23.xml><?xml version="1.0" encoding="utf-8"?>
 <p:sld xmlns:a="http://schemas.openxmlformats.org/drawingml/2006/main" xmlns:r="http://schemas.openxmlformats.org/officeDocument/2006/relationships" xmlns:p="http://schemas.openxmlformats.org/presentationml/2006/main">
   <p:cSld>
     <p:spTree>
@@ -10215,39 +11360,9 @@
           </a:prstGeom>
         </p:spPr>
       </p:pic>
-      <p:pic>
-        <p:nvPicPr>
-          <p:cNvPr id="8" name="Picture 7">
-            <a:extLst>
-              <a:ext uri="{FF2B5EF4-FFF2-40B4-BE49-F238E27FC236}">
-                <a16:creationId xmlns:a16="http://schemas.microsoft.com/office/drawing/2014/main" id="{8E2281B7-D3E9-E4D2-410F-587D20151458}"/>
-              </a:ext>
-            </a:extLst>
-          </p:cNvPr>
-          <p:cNvPicPr>
-            <a:picLocks noChangeAspect="1"/>
-          </p:cNvPicPr>
-          <p:nvPr/>
-        </p:nvPicPr>
-        <p:blipFill>
-          <a:blip r:embed="rId3"/>
-          <a:stretch>
-            <a:fillRect/>
-          </a:stretch>
-        </p:blipFill>
-        <p:spPr>
-          <a:xfrm>
-            <a:off x="1156954" y="3342510"/>
-            <a:ext cx="8745170" cy="2934109"/>
-          </a:xfrm>
-          <a:prstGeom prst="rect">
-            <a:avLst/>
-          </a:prstGeom>
-        </p:spPr>
-      </p:pic>
-      <mc:AlternateContent xmlns:mc="http://schemas.openxmlformats.org/markup-compatibility/2006">
-        <mc:Choice xmlns:p14="http://schemas.microsoft.com/office/powerpoint/2010/main" Requires="p14">
-          <p:contentPart p14:bwMode="auto" r:id="rId4">
+      <mc:AlternateContent xmlns:mc="http://schemas.openxmlformats.org/markup-compatibility/2006" xmlns:p14="http://schemas.microsoft.com/office/powerpoint/2010/main">
+        <mc:Choice Requires="p14">
+          <p:contentPart p14:bwMode="auto" r:id="rId3">
             <p14:nvContentPartPr>
               <p14:cNvPr id="3" name="Ink 2">
                 <a:extLst>
@@ -10265,7 +11380,7 @@
             </p14:xfrm>
           </p:contentPart>
         </mc:Choice>
-        <mc:Fallback>
+        <mc:Fallback xmlns="">
           <p:pic>
             <p:nvPicPr>
               <p:cNvPr id="3" name="Ink 2">
@@ -10296,183 +11411,91 @@
           </p:pic>
         </mc:Fallback>
       </mc:AlternateContent>
+      <mc:AlternateContent xmlns:mc="http://schemas.openxmlformats.org/markup-compatibility/2006">
+        <mc:Choice xmlns:p14="http://schemas.microsoft.com/office/powerpoint/2010/main" Requires="p14">
+          <p:contentPart p14:bwMode="auto" r:id="rId6">
+            <p14:nvContentPartPr>
+              <p14:cNvPr id="4" name="Ink 3">
+                <a:extLst>
+                  <a:ext uri="{FF2B5EF4-FFF2-40B4-BE49-F238E27FC236}">
+                    <a16:creationId xmlns:a16="http://schemas.microsoft.com/office/drawing/2014/main" id="{DFF23660-97AE-8ECF-22EE-0DD6D3A3E27C}"/>
+                  </a:ext>
+                </a:extLst>
+              </p14:cNvPr>
+              <p14:cNvContentPartPr/>
+              <p14:nvPr/>
+            </p14:nvContentPartPr>
+            <p14:xfrm>
+              <a:off x="1153080" y="2341080"/>
+              <a:ext cx="7377840" cy="1256760"/>
+            </p14:xfrm>
+          </p:contentPart>
+        </mc:Choice>
+        <mc:Fallback>
+          <p:pic>
+            <p:nvPicPr>
+              <p:cNvPr id="4" name="Ink 3">
+                <a:extLst>
+                  <a:ext uri="{FF2B5EF4-FFF2-40B4-BE49-F238E27FC236}">
+                    <a16:creationId xmlns:a16="http://schemas.microsoft.com/office/drawing/2014/main" id="{DFF23660-97AE-8ECF-22EE-0DD6D3A3E27C}"/>
+                  </a:ext>
+                </a:extLst>
+              </p:cNvPr>
+              <p:cNvPicPr/>
+              <p:nvPr/>
+            </p:nvPicPr>
+            <p:blipFill>
+              <a:blip r:embed="rId7"/>
+              <a:stretch>
+                <a:fillRect/>
+              </a:stretch>
+            </p:blipFill>
+            <p:spPr>
+              <a:xfrm>
+                <a:off x="1143720" y="2331720"/>
+                <a:ext cx="7396560" cy="1275480"/>
+              </a:xfrm>
+              <a:prstGeom prst="rect">
+                <a:avLst/>
+              </a:prstGeom>
+            </p:spPr>
+          </p:pic>
+        </mc:Fallback>
+      </mc:AlternateContent>
+      <p:pic>
+        <p:nvPicPr>
+          <p:cNvPr id="7" name="Picture 6">
+            <a:extLst>
+              <a:ext uri="{FF2B5EF4-FFF2-40B4-BE49-F238E27FC236}">
+                <a16:creationId xmlns:a16="http://schemas.microsoft.com/office/drawing/2014/main" id="{1A9578F7-0EFC-CA17-72DD-85AE0EBA2CFE}"/>
+              </a:ext>
+            </a:extLst>
+          </p:cNvPr>
+          <p:cNvPicPr>
+            <a:picLocks noChangeAspect="1"/>
+          </p:cNvPicPr>
+          <p:nvPr/>
+        </p:nvPicPr>
+        <p:blipFill>
+          <a:blip r:embed="rId8"/>
+          <a:stretch>
+            <a:fillRect/>
+          </a:stretch>
+        </p:blipFill>
+        <p:spPr>
+          <a:xfrm>
+            <a:off x="3424516" y="3139932"/>
+            <a:ext cx="4954353" cy="2988034"/>
+          </a:xfrm>
+          <a:prstGeom prst="rect">
+            <a:avLst/>
+          </a:prstGeom>
+        </p:spPr>
+      </p:pic>
     </p:spTree>
     <p:extLst>
       <p:ext uri="{BB962C8B-B14F-4D97-AF65-F5344CB8AC3E}">
         <p14:creationId xmlns:p14="http://schemas.microsoft.com/office/powerpoint/2010/main" val="2677904901"/>
-      </p:ext>
-    </p:extLst>
-  </p:cSld>
-  <p:clrMapOvr>
-    <a:masterClrMapping/>
-  </p:clrMapOvr>
-</p:sld>
-</file>
-
-<file path=ppt/slides/slide23.xml><?xml version="1.0" encoding="utf-8"?>
-<p:sld xmlns:a="http://schemas.openxmlformats.org/drawingml/2006/main" xmlns:r="http://schemas.openxmlformats.org/officeDocument/2006/relationships" xmlns:p="http://schemas.openxmlformats.org/presentationml/2006/main">
-  <p:cSld>
-    <p:spTree>
-      <p:nvGrpSpPr>
-        <p:cNvPr id="1" name=""/>
-        <p:cNvGrpSpPr/>
-        <p:nvPr/>
-      </p:nvGrpSpPr>
-      <p:grpSpPr>
-        <a:xfrm>
-          <a:off x="0" y="0"/>
-          <a:ext cx="0" cy="0"/>
-          <a:chOff x="0" y="0"/>
-          <a:chExt cx="0" cy="0"/>
-        </a:xfrm>
-      </p:grpSpPr>
-      <p:sp>
-        <p:nvSpPr>
-          <p:cNvPr id="2" name="Title 1">
-            <a:extLst>
-              <a:ext uri="{FF2B5EF4-FFF2-40B4-BE49-F238E27FC236}">
-                <a16:creationId xmlns:a16="http://schemas.microsoft.com/office/drawing/2014/main" id="{333B46EB-6A64-CD9B-8B28-EA1EE46281F2}"/>
-              </a:ext>
-            </a:extLst>
-          </p:cNvPr>
-          <p:cNvSpPr>
-            <a:spLocks noGrp="1"/>
-          </p:cNvSpPr>
-          <p:nvPr>
-            <p:ph type="title"/>
-          </p:nvPr>
-        </p:nvSpPr>
-        <p:spPr/>
-        <p:txBody>
-          <a:bodyPr/>
-          <a:lstStyle/>
-          <a:p>
-            <a:r>
-              <a:rPr lang="en-US" dirty="0"/>
-              <a:t>Traversal of an Array</a:t>
-            </a:r>
-          </a:p>
-        </p:txBody>
-      </p:sp>
-      <p:sp>
-        <p:nvSpPr>
-          <p:cNvPr id="9" name="TextBox 8">
-            <a:extLst>
-              <a:ext uri="{FF2B5EF4-FFF2-40B4-BE49-F238E27FC236}">
-                <a16:creationId xmlns:a16="http://schemas.microsoft.com/office/drawing/2014/main" id="{716CEBCF-0319-E9E5-4777-10A94CFB98AF}"/>
-              </a:ext>
-            </a:extLst>
-          </p:cNvPr>
-          <p:cNvSpPr txBox="1"/>
-          <p:nvPr/>
-        </p:nvSpPr>
-        <p:spPr>
-          <a:xfrm>
-            <a:off x="1389529" y="2244281"/>
-            <a:ext cx="3425490" cy="1200329"/>
-          </a:xfrm>
-          <a:prstGeom prst="rect">
-            <a:avLst/>
-          </a:prstGeom>
-          <a:noFill/>
-        </p:spPr>
-        <p:txBody>
-          <a:bodyPr wrap="none" rtlCol="0">
-            <a:spAutoFit/>
-          </a:bodyPr>
-          <a:lstStyle/>
-          <a:p>
-            <a:r>
-              <a:rPr lang="en-US" dirty="0"/>
-              <a:t>from array import *</a:t>
-            </a:r>
-          </a:p>
-          <a:p>
-            <a:r>
-              <a:rPr lang="en-US" dirty="0"/>
-              <a:t>array1 = array('</a:t>
-            </a:r>
-            <a:r>
-              <a:rPr lang="en-US" dirty="0" err="1"/>
-              <a:t>i</a:t>
-            </a:r>
-            <a:r>
-              <a:rPr lang="en-US" dirty="0"/>
-              <a:t>', [10,20,30,40,50])</a:t>
-            </a:r>
-          </a:p>
-          <a:p>
-            <a:r>
-              <a:rPr lang="en-US" dirty="0"/>
-              <a:t>for x in array1:</a:t>
-            </a:r>
-          </a:p>
-          <a:p>
-            <a:r>
-              <a:rPr lang="en-US" dirty="0"/>
-              <a:t>	print (x)</a:t>
-            </a:r>
-          </a:p>
-        </p:txBody>
-      </p:sp>
-      <p:sp>
-        <p:nvSpPr>
-          <p:cNvPr id="12" name="TextBox 11">
-            <a:extLst>
-              <a:ext uri="{FF2B5EF4-FFF2-40B4-BE49-F238E27FC236}">
-                <a16:creationId xmlns:a16="http://schemas.microsoft.com/office/drawing/2014/main" id="{C9A78E3D-F5A2-B098-7A86-A4D426B34229}"/>
-              </a:ext>
-            </a:extLst>
-          </p:cNvPr>
-          <p:cNvSpPr txBox="1"/>
-          <p:nvPr/>
-        </p:nvSpPr>
-        <p:spPr>
-          <a:xfrm>
-            <a:off x="1389529" y="4522703"/>
-            <a:ext cx="6096000" cy="392159"/>
-          </a:xfrm>
-          <a:prstGeom prst="rect">
-            <a:avLst/>
-          </a:prstGeom>
-          <a:noFill/>
-        </p:spPr>
-        <p:txBody>
-          <a:bodyPr wrap="square">
-            <a:spAutoFit/>
-          </a:bodyPr>
-          <a:lstStyle/>
-          <a:p>
-            <a:pPr marL="0" lvl="0" indent="0" algn="l" rtl="0">
-              <a:lnSpc>
-                <a:spcPct val="115000"/>
-              </a:lnSpc>
-              <a:spcBef>
-                <a:spcPts val="1000"/>
-              </a:spcBef>
-              <a:spcAft>
-                <a:spcPts val="0"/>
-              </a:spcAft>
-              <a:buClr>
-                <a:schemeClr val="dk1"/>
-              </a:buClr>
-              <a:buSzPts val="1100"/>
-              <a:buFont typeface="Arial"/>
-              <a:buNone/>
-            </a:pPr>
-            <a:r>
-              <a:rPr lang="en-IN" dirty="0">
-                <a:sym typeface="Poppins"/>
-              </a:rPr>
-              <a:t>Time Complexity : O (n)</a:t>
-            </a:r>
-          </a:p>
-        </p:txBody>
-      </p:sp>
-    </p:spTree>
-    <p:extLst>
-      <p:ext uri="{BB962C8B-B14F-4D97-AF65-F5344CB8AC3E}">
-        <p14:creationId xmlns:p14="http://schemas.microsoft.com/office/powerpoint/2010/main" val="586402080"/>
       </p:ext>
     </p:extLst>
   </p:cSld>
@@ -10522,7 +11545,7 @@
           <a:p>
             <a:r>
               <a:rPr lang="en-US" dirty="0"/>
-              <a:t>Access an Item at Position in an Array</a:t>
+              <a:t>Traversal of an Array</a:t>
             </a:r>
           </a:p>
         </p:txBody>
@@ -10575,12 +11598,15 @@
             </a:r>
           </a:p>
           <a:p>
-            <a:endParaRPr lang="en-US" dirty="0"/>
-          </a:p>
-          <a:p>
             <a:r>
               <a:rPr lang="en-US" dirty="0"/>
-              <a:t>print (array1[0])</a:t>
+              <a:t>for x in array1:</a:t>
+            </a:r>
+          </a:p>
+          <a:p>
+            <a:r>
+              <a:rPr lang="en-US" dirty="0"/>
+              <a:t>	print (x)</a:t>
             </a:r>
           </a:p>
         </p:txBody>
@@ -10634,7 +11660,7 @@
               <a:rPr lang="en-IN" dirty="0">
                 <a:sym typeface="Poppins"/>
               </a:rPr>
-              <a:t>Time Complexity : O(1)</a:t>
+              <a:t>Time Complexity : O (n)</a:t>
             </a:r>
           </a:p>
         </p:txBody>
@@ -10642,7 +11668,7 @@
     </p:spTree>
     <p:extLst>
       <p:ext uri="{BB962C8B-B14F-4D97-AF65-F5344CB8AC3E}">
-        <p14:creationId xmlns:p14="http://schemas.microsoft.com/office/powerpoint/2010/main" val="763501826"/>
+        <p14:creationId xmlns:p14="http://schemas.microsoft.com/office/powerpoint/2010/main" val="586402080"/>
       </p:ext>
     </p:extLst>
   </p:cSld>
@@ -10692,6 +11718,176 @@
           <a:p>
             <a:r>
               <a:rPr lang="en-US" dirty="0"/>
+              <a:t>Access an Item at Position in an Array</a:t>
+            </a:r>
+          </a:p>
+        </p:txBody>
+      </p:sp>
+      <p:sp>
+        <p:nvSpPr>
+          <p:cNvPr id="9" name="TextBox 8">
+            <a:extLst>
+              <a:ext uri="{FF2B5EF4-FFF2-40B4-BE49-F238E27FC236}">
+                <a16:creationId xmlns:a16="http://schemas.microsoft.com/office/drawing/2014/main" id="{716CEBCF-0319-E9E5-4777-10A94CFB98AF}"/>
+              </a:ext>
+            </a:extLst>
+          </p:cNvPr>
+          <p:cNvSpPr txBox="1"/>
+          <p:nvPr/>
+        </p:nvSpPr>
+        <p:spPr>
+          <a:xfrm>
+            <a:off x="1389529" y="2244281"/>
+            <a:ext cx="3425490" cy="1200329"/>
+          </a:xfrm>
+          <a:prstGeom prst="rect">
+            <a:avLst/>
+          </a:prstGeom>
+          <a:noFill/>
+        </p:spPr>
+        <p:txBody>
+          <a:bodyPr wrap="none" rtlCol="0">
+            <a:spAutoFit/>
+          </a:bodyPr>
+          <a:lstStyle/>
+          <a:p>
+            <a:r>
+              <a:rPr lang="en-US" dirty="0"/>
+              <a:t>from array import *</a:t>
+            </a:r>
+          </a:p>
+          <a:p>
+            <a:r>
+              <a:rPr lang="en-US" dirty="0"/>
+              <a:t>array1 = array('</a:t>
+            </a:r>
+            <a:r>
+              <a:rPr lang="en-US" dirty="0" err="1"/>
+              <a:t>i</a:t>
+            </a:r>
+            <a:r>
+              <a:rPr lang="en-US" dirty="0"/>
+              <a:t>', [10,20,30,40,50])</a:t>
+            </a:r>
+          </a:p>
+          <a:p>
+            <a:endParaRPr lang="en-US" dirty="0"/>
+          </a:p>
+          <a:p>
+            <a:r>
+              <a:rPr lang="en-US" dirty="0"/>
+              <a:t>print (array1[0])</a:t>
+            </a:r>
+          </a:p>
+        </p:txBody>
+      </p:sp>
+      <p:sp>
+        <p:nvSpPr>
+          <p:cNvPr id="12" name="TextBox 11">
+            <a:extLst>
+              <a:ext uri="{FF2B5EF4-FFF2-40B4-BE49-F238E27FC236}">
+                <a16:creationId xmlns:a16="http://schemas.microsoft.com/office/drawing/2014/main" id="{C9A78E3D-F5A2-B098-7A86-A4D426B34229}"/>
+              </a:ext>
+            </a:extLst>
+          </p:cNvPr>
+          <p:cNvSpPr txBox="1"/>
+          <p:nvPr/>
+        </p:nvSpPr>
+        <p:spPr>
+          <a:xfrm>
+            <a:off x="1389529" y="4522703"/>
+            <a:ext cx="6096000" cy="392159"/>
+          </a:xfrm>
+          <a:prstGeom prst="rect">
+            <a:avLst/>
+          </a:prstGeom>
+          <a:noFill/>
+        </p:spPr>
+        <p:txBody>
+          <a:bodyPr wrap="square">
+            <a:spAutoFit/>
+          </a:bodyPr>
+          <a:lstStyle/>
+          <a:p>
+            <a:pPr marL="0" lvl="0" indent="0" algn="l" rtl="0">
+              <a:lnSpc>
+                <a:spcPct val="115000"/>
+              </a:lnSpc>
+              <a:spcBef>
+                <a:spcPts val="1000"/>
+              </a:spcBef>
+              <a:spcAft>
+                <a:spcPts val="0"/>
+              </a:spcAft>
+              <a:buClr>
+                <a:schemeClr val="dk1"/>
+              </a:buClr>
+              <a:buSzPts val="1100"/>
+              <a:buFont typeface="Arial"/>
+              <a:buNone/>
+            </a:pPr>
+            <a:r>
+              <a:rPr lang="en-IN" dirty="0">
+                <a:sym typeface="Poppins"/>
+              </a:rPr>
+              <a:t>Time Complexity : O(1)</a:t>
+            </a:r>
+          </a:p>
+        </p:txBody>
+      </p:sp>
+    </p:spTree>
+    <p:extLst>
+      <p:ext uri="{BB962C8B-B14F-4D97-AF65-F5344CB8AC3E}">
+        <p14:creationId xmlns:p14="http://schemas.microsoft.com/office/powerpoint/2010/main" val="763501826"/>
+      </p:ext>
+    </p:extLst>
+  </p:cSld>
+  <p:clrMapOvr>
+    <a:masterClrMapping/>
+  </p:clrMapOvr>
+</p:sld>
+</file>
+
+<file path=ppt/slides/slide26.xml><?xml version="1.0" encoding="utf-8"?>
+<p:sld xmlns:a="http://schemas.openxmlformats.org/drawingml/2006/main" xmlns:r="http://schemas.openxmlformats.org/officeDocument/2006/relationships" xmlns:p="http://schemas.openxmlformats.org/presentationml/2006/main">
+  <p:cSld>
+    <p:spTree>
+      <p:nvGrpSpPr>
+        <p:cNvPr id="1" name=""/>
+        <p:cNvGrpSpPr/>
+        <p:nvPr/>
+      </p:nvGrpSpPr>
+      <p:grpSpPr>
+        <a:xfrm>
+          <a:off x="0" y="0"/>
+          <a:ext cx="0" cy="0"/>
+          <a:chOff x="0" y="0"/>
+          <a:chExt cx="0" cy="0"/>
+        </a:xfrm>
+      </p:grpSpPr>
+      <p:sp>
+        <p:nvSpPr>
+          <p:cNvPr id="2" name="Title 1">
+            <a:extLst>
+              <a:ext uri="{FF2B5EF4-FFF2-40B4-BE49-F238E27FC236}">
+                <a16:creationId xmlns:a16="http://schemas.microsoft.com/office/drawing/2014/main" id="{333B46EB-6A64-CD9B-8B28-EA1EE46281F2}"/>
+              </a:ext>
+            </a:extLst>
+          </p:cNvPr>
+          <p:cNvSpPr>
+            <a:spLocks noGrp="1"/>
+          </p:cNvSpPr>
+          <p:nvPr>
+            <p:ph type="title"/>
+          </p:nvPr>
+        </p:nvSpPr>
+        <p:spPr/>
+        <p:txBody>
+          <a:bodyPr/>
+          <a:lstStyle/>
+          <a:p>
+            <a:r>
+              <a:rPr lang="en-US" dirty="0"/>
               <a:t>Inserting New Item in an Array</a:t>
             </a:r>
           </a:p>
@@ -10801,11 +11997,62 @@
               <a:rPr lang="en-IN" dirty="0">
                 <a:sym typeface="Poppins"/>
               </a:rPr>
-              <a:t>Time Complexity : O(1)</a:t>
+              <a:t>Time Complexity : O(n)</a:t>
             </a:r>
           </a:p>
         </p:txBody>
       </p:sp>
+      <mc:AlternateContent xmlns:mc="http://schemas.openxmlformats.org/markup-compatibility/2006">
+        <mc:Choice xmlns:p14="http://schemas.microsoft.com/office/powerpoint/2010/main" Requires="p14">
+          <p:contentPart p14:bwMode="auto" r:id="rId2">
+            <p14:nvContentPartPr>
+              <p14:cNvPr id="3" name="Ink 2">
+                <a:extLst>
+                  <a:ext uri="{FF2B5EF4-FFF2-40B4-BE49-F238E27FC236}">
+                    <a16:creationId xmlns:a16="http://schemas.microsoft.com/office/drawing/2014/main" id="{6D8F21D7-7C57-4B8A-6932-16C5CA098E6A}"/>
+                  </a:ext>
+                </a:extLst>
+              </p14:cNvPr>
+              <p14:cNvContentPartPr/>
+              <p14:nvPr/>
+            </p14:nvContentPartPr>
+            <p14:xfrm>
+              <a:off x="6162480" y="2269080"/>
+              <a:ext cx="2653200" cy="1710720"/>
+            </p14:xfrm>
+          </p:contentPart>
+        </mc:Choice>
+        <mc:Fallback>
+          <p:pic>
+            <p:nvPicPr>
+              <p:cNvPr id="3" name="Ink 2">
+                <a:extLst>
+                  <a:ext uri="{FF2B5EF4-FFF2-40B4-BE49-F238E27FC236}">
+                    <a16:creationId xmlns:a16="http://schemas.microsoft.com/office/drawing/2014/main" id="{6D8F21D7-7C57-4B8A-6932-16C5CA098E6A}"/>
+                  </a:ext>
+                </a:extLst>
+              </p:cNvPr>
+              <p:cNvPicPr/>
+              <p:nvPr/>
+            </p:nvPicPr>
+            <p:blipFill>
+              <a:blip r:embed="rId3"/>
+              <a:stretch>
+                <a:fillRect/>
+              </a:stretch>
+            </p:blipFill>
+            <p:spPr>
+              <a:xfrm>
+                <a:off x="6153120" y="2259720"/>
+                <a:ext cx="2671920" cy="1729440"/>
+              </a:xfrm>
+              <a:prstGeom prst="rect">
+                <a:avLst/>
+              </a:prstGeom>
+            </p:spPr>
+          </p:pic>
+        </mc:Fallback>
+      </mc:AlternateContent>
     </p:spTree>
     <p:extLst>
       <p:ext uri="{BB962C8B-B14F-4D97-AF65-F5344CB8AC3E}">
@@ -10819,7 +12066,7 @@
 </p:sld>
 </file>
 
-<file path=ppt/slides/slide26.xml><?xml version="1.0" encoding="utf-8"?>
+<file path=ppt/slides/slide27.xml><?xml version="1.0" encoding="utf-8"?>
 <p:sld xmlns:a="http://schemas.openxmlformats.org/drawingml/2006/main" xmlns:r="http://schemas.openxmlformats.org/officeDocument/2006/relationships" xmlns:p="http://schemas.openxmlformats.org/presentationml/2006/main">
   <p:cSld>
     <p:spTree>
@@ -10983,7 +12230,7 @@
 </p:sld>
 </file>
 
-<file path=ppt/slides/slide27.xml><?xml version="1.0" encoding="utf-8"?>
+<file path=ppt/slides/slide28.xml><?xml version="1.0" encoding="utf-8"?>
 <p:sld xmlns:a="http://schemas.openxmlformats.org/drawingml/2006/main" xmlns:r="http://schemas.openxmlformats.org/officeDocument/2006/relationships" xmlns:p="http://schemas.openxmlformats.org/presentationml/2006/main">
   <p:cSld>
     <p:spTree>
@@ -11159,7 +12406,7 @@
 </p:sld>
 </file>
 
-<file path=ppt/slides/slide28.xml><?xml version="1.0" encoding="utf-8"?>
+<file path=ppt/slides/slide29.xml><?xml version="1.0" encoding="utf-8"?>
 <p:sld xmlns:a="http://schemas.openxmlformats.org/drawingml/2006/main" xmlns:r="http://schemas.openxmlformats.org/officeDocument/2006/relationships" xmlns:p="http://schemas.openxmlformats.org/presentationml/2006/main">
   <p:cSld>
     <p:spTree>
@@ -11199,7 +12446,7 @@
           <a:p>
             <a:r>
               <a:rPr lang="en-US" dirty="0"/>
-              <a:t>Stack in Python Using a List</a:t>
+              <a:t>Stack in Python Using a List , dequeue</a:t>
             </a:r>
             <a:br>
               <a:rPr lang="en-US" dirty="0"/>
@@ -11452,8 +12699,8 @@
           </p:pic>
         </mc:Fallback>
       </mc:AlternateContent>
-      <mc:AlternateContent xmlns:mc="http://schemas.openxmlformats.org/markup-compatibility/2006">
-        <mc:Choice xmlns:p14="http://schemas.microsoft.com/office/powerpoint/2010/main" Requires="p14">
+      <mc:AlternateContent xmlns:mc="http://schemas.openxmlformats.org/markup-compatibility/2006" xmlns:p14="http://schemas.microsoft.com/office/powerpoint/2010/main">
+        <mc:Choice Requires="p14">
           <p:contentPart p14:bwMode="auto" r:id="rId6">
             <p14:nvContentPartPr>
               <p14:cNvPr id="5" name="Ink 4">
@@ -11472,7 +12719,7 @@
             </p14:xfrm>
           </p:contentPart>
         </mc:Choice>
-        <mc:Fallback>
+        <mc:Fallback xmlns="">
           <p:pic>
             <p:nvPicPr>
               <p:cNvPr id="5" name="Ink 4">
@@ -11503,8 +12750,8 @@
           </p:pic>
         </mc:Fallback>
       </mc:AlternateContent>
-      <mc:AlternateContent xmlns:mc="http://schemas.openxmlformats.org/markup-compatibility/2006">
-        <mc:Choice xmlns:p14="http://schemas.microsoft.com/office/powerpoint/2010/main" Requires="p14">
+      <mc:AlternateContent xmlns:mc="http://schemas.openxmlformats.org/markup-compatibility/2006" xmlns:p14="http://schemas.microsoft.com/office/powerpoint/2010/main">
+        <mc:Choice Requires="p14">
           <p:contentPart p14:bwMode="auto" r:id="rId8">
             <p14:nvContentPartPr>
               <p14:cNvPr id="6" name="Ink 5">
@@ -11523,7 +12770,7 @@
             </p14:xfrm>
           </p:contentPart>
         </mc:Choice>
-        <mc:Fallback>
+        <mc:Fallback xmlns="">
           <p:pic>
             <p:nvPicPr>
               <p:cNvPr id="6" name="Ink 5">
@@ -11558,6 +12805,244 @@
     <p:extLst>
       <p:ext uri="{BB962C8B-B14F-4D97-AF65-F5344CB8AC3E}">
         <p14:creationId xmlns:p14="http://schemas.microsoft.com/office/powerpoint/2010/main" val="4047078849"/>
+      </p:ext>
+    </p:extLst>
+  </p:cSld>
+  <p:clrMapOvr>
+    <a:masterClrMapping/>
+  </p:clrMapOvr>
+</p:sld>
+</file>
+
+<file path=ppt/slides/slide30.xml><?xml version="1.0" encoding="utf-8"?>
+<p:sld xmlns:a="http://schemas.openxmlformats.org/drawingml/2006/main" xmlns:r="http://schemas.openxmlformats.org/officeDocument/2006/relationships" xmlns:p="http://schemas.openxmlformats.org/presentationml/2006/main">
+  <p:cSld>
+    <p:spTree>
+      <p:nvGrpSpPr>
+        <p:cNvPr id="1" name=""/>
+        <p:cNvGrpSpPr/>
+        <p:nvPr/>
+      </p:nvGrpSpPr>
+      <p:grpSpPr>
+        <a:xfrm>
+          <a:off x="0" y="0"/>
+          <a:ext cx="0" cy="0"/>
+          <a:chOff x="0" y="0"/>
+          <a:chExt cx="0" cy="0"/>
+        </a:xfrm>
+      </p:grpSpPr>
+      <p:sp>
+        <p:nvSpPr>
+          <p:cNvPr id="2" name="Title 1">
+            <a:extLst>
+              <a:ext uri="{FF2B5EF4-FFF2-40B4-BE49-F238E27FC236}">
+                <a16:creationId xmlns:a16="http://schemas.microsoft.com/office/drawing/2014/main" id="{1ED5ABEA-9A8B-F075-A0A0-4DA806222B9E}"/>
+              </a:ext>
+            </a:extLst>
+          </p:cNvPr>
+          <p:cNvSpPr>
+            <a:spLocks noGrp="1"/>
+          </p:cNvSpPr>
+          <p:nvPr>
+            <p:ph type="title"/>
+          </p:nvPr>
+        </p:nvSpPr>
+        <p:spPr/>
+        <p:txBody>
+          <a:bodyPr/>
+          <a:lstStyle/>
+          <a:p>
+            <a:r>
+              <a:rPr lang="en-US" dirty="0"/>
+              <a:t>Queue in Python</a:t>
+            </a:r>
+          </a:p>
+        </p:txBody>
+      </p:sp>
+      <p:pic>
+        <p:nvPicPr>
+          <p:cNvPr id="1026" name="Picture 2" descr="Tourists Queuing Up to Enter the American Museum of Natural History in New York">
+            <a:extLst>
+              <a:ext uri="{FF2B5EF4-FFF2-40B4-BE49-F238E27FC236}">
+                <a16:creationId xmlns:a16="http://schemas.microsoft.com/office/drawing/2014/main" id="{3ECA8213-0A7F-708B-C9CE-109FAF087E48}"/>
+              </a:ext>
+            </a:extLst>
+          </p:cNvPr>
+          <p:cNvPicPr>
+            <a:picLocks noChangeAspect="1" noChangeArrowheads="1"/>
+          </p:cNvPicPr>
+          <p:nvPr/>
+        </p:nvPicPr>
+        <p:blipFill>
+          <a:blip r:embed="rId2">
+            <a:extLst>
+              <a:ext uri="{28A0092B-C50C-407E-A947-70E740481C1C}">
+                <a14:useLocalDpi xmlns:a14="http://schemas.microsoft.com/office/drawing/2010/main" val="0"/>
+              </a:ext>
+            </a:extLst>
+          </a:blip>
+          <a:srcRect/>
+          <a:stretch>
+            <a:fillRect/>
+          </a:stretch>
+        </p:blipFill>
+        <p:spPr bwMode="auto">
+          <a:xfrm>
+            <a:off x="4321548" y="1408951"/>
+            <a:ext cx="3548903" cy="4731871"/>
+          </a:xfrm>
+          <a:prstGeom prst="rect">
+            <a:avLst/>
+          </a:prstGeom>
+          <a:noFill/>
+          <a:extLst>
+            <a:ext uri="{909E8E84-426E-40DD-AFC4-6F175D3DCCD1}">
+              <a14:hiddenFill xmlns:a14="http://schemas.microsoft.com/office/drawing/2010/main">
+                <a:solidFill>
+                  <a:srgbClr val="FFFFFF"/>
+                </a:solidFill>
+              </a14:hiddenFill>
+            </a:ext>
+          </a:extLst>
+        </p:spPr>
+      </p:pic>
+    </p:spTree>
+    <p:extLst>
+      <p:ext uri="{BB962C8B-B14F-4D97-AF65-F5344CB8AC3E}">
+        <p14:creationId xmlns:p14="http://schemas.microsoft.com/office/powerpoint/2010/main" val="1625013479"/>
+      </p:ext>
+    </p:extLst>
+  </p:cSld>
+  <p:clrMapOvr>
+    <a:masterClrMapping/>
+  </p:clrMapOvr>
+</p:sld>
+</file>
+
+<file path=ppt/slides/slide31.xml><?xml version="1.0" encoding="utf-8"?>
+<p:sld xmlns:a="http://schemas.openxmlformats.org/drawingml/2006/main" xmlns:r="http://schemas.openxmlformats.org/officeDocument/2006/relationships" xmlns:p="http://schemas.openxmlformats.org/presentationml/2006/main">
+  <p:cSld>
+    <p:spTree>
+      <p:nvGrpSpPr>
+        <p:cNvPr id="1" name=""/>
+        <p:cNvGrpSpPr/>
+        <p:nvPr/>
+      </p:nvGrpSpPr>
+      <p:grpSpPr>
+        <a:xfrm>
+          <a:off x="0" y="0"/>
+          <a:ext cx="0" cy="0"/>
+          <a:chOff x="0" y="0"/>
+          <a:chExt cx="0" cy="0"/>
+        </a:xfrm>
+      </p:grpSpPr>
+      <p:sp>
+        <p:nvSpPr>
+          <p:cNvPr id="2" name="Title 1">
+            <a:extLst>
+              <a:ext uri="{FF2B5EF4-FFF2-40B4-BE49-F238E27FC236}">
+                <a16:creationId xmlns:a16="http://schemas.microsoft.com/office/drawing/2014/main" id="{8F363857-D37F-BF99-F442-210CD7F58B52}"/>
+              </a:ext>
+            </a:extLst>
+          </p:cNvPr>
+          <p:cNvSpPr>
+            <a:spLocks noGrp="1"/>
+          </p:cNvSpPr>
+          <p:nvPr>
+            <p:ph type="title"/>
+          </p:nvPr>
+        </p:nvSpPr>
+        <p:spPr/>
+        <p:txBody>
+          <a:bodyPr/>
+          <a:lstStyle/>
+          <a:p>
+            <a:r>
+              <a:rPr lang="en-US" dirty="0"/>
+              <a:t>Enqueue and Dequeue</a:t>
+            </a:r>
+          </a:p>
+        </p:txBody>
+      </p:sp>
+      <p:sp>
+        <p:nvSpPr>
+          <p:cNvPr id="3" name="Content Placeholder 2">
+            <a:extLst>
+              <a:ext uri="{FF2B5EF4-FFF2-40B4-BE49-F238E27FC236}">
+                <a16:creationId xmlns:a16="http://schemas.microsoft.com/office/drawing/2014/main" id="{F7F2D41A-E8A0-40D0-00B8-68349158FE87}"/>
+              </a:ext>
+            </a:extLst>
+          </p:cNvPr>
+          <p:cNvSpPr>
+            <a:spLocks noGrp="1"/>
+          </p:cNvSpPr>
+          <p:nvPr>
+            <p:ph idx="1"/>
+          </p:nvPr>
+        </p:nvSpPr>
+        <p:spPr/>
+        <p:txBody>
+          <a:bodyPr/>
+          <a:lstStyle/>
+          <a:p>
+            <a:r>
+              <a:rPr lang="en-US" dirty="0"/>
+              <a:t>Adding an element to the FIFO queue is commonly referred to as an enqueue operation, while retrieving one from it is known as a dequeue operation</a:t>
+            </a:r>
+          </a:p>
+        </p:txBody>
+      </p:sp>
+      <p:pic>
+        <p:nvPicPr>
+          <p:cNvPr id="2052" name="Picture 4" descr="Implementing Queue Data Structure in Python | Studytonight">
+            <a:extLst>
+              <a:ext uri="{FF2B5EF4-FFF2-40B4-BE49-F238E27FC236}">
+                <a16:creationId xmlns:a16="http://schemas.microsoft.com/office/drawing/2014/main" id="{5FF58043-277A-47BC-7C3A-BBB06AEAB15B}"/>
+              </a:ext>
+            </a:extLst>
+          </p:cNvPr>
+          <p:cNvPicPr>
+            <a:picLocks noChangeAspect="1" noChangeArrowheads="1"/>
+          </p:cNvPicPr>
+          <p:nvPr/>
+        </p:nvPicPr>
+        <p:blipFill>
+          <a:blip r:embed="rId2">
+            <a:extLst>
+              <a:ext uri="{28A0092B-C50C-407E-A947-70E740481C1C}">
+                <a14:useLocalDpi xmlns:a14="http://schemas.microsoft.com/office/drawing/2010/main" val="0"/>
+              </a:ext>
+            </a:extLst>
+          </a:blip>
+          <a:srcRect/>
+          <a:stretch>
+            <a:fillRect/>
+          </a:stretch>
+        </p:blipFill>
+        <p:spPr bwMode="auto">
+          <a:xfrm>
+            <a:off x="3858466" y="3429000"/>
+            <a:ext cx="3686175" cy="2400300"/>
+          </a:xfrm>
+          <a:prstGeom prst="rect">
+            <a:avLst/>
+          </a:prstGeom>
+          <a:noFill/>
+          <a:extLst>
+            <a:ext uri="{909E8E84-426E-40DD-AFC4-6F175D3DCCD1}">
+              <a14:hiddenFill xmlns:a14="http://schemas.microsoft.com/office/drawing/2010/main">
+                <a:solidFill>
+                  <a:srgbClr val="FFFFFF"/>
+                </a:solidFill>
+              </a14:hiddenFill>
+            </a:ext>
+          </a:extLst>
+        </p:spPr>
+      </p:pic>
+    </p:spTree>
+    <p:extLst>
+      <p:ext uri="{BB962C8B-B14F-4D97-AF65-F5344CB8AC3E}">
+        <p14:creationId xmlns:p14="http://schemas.microsoft.com/office/powerpoint/2010/main" val="566270695"/>
       </p:ext>
     </p:extLst>
   </p:cSld>
@@ -11728,8 +13213,8 @@
           </p:pic>
         </mc:Fallback>
       </mc:AlternateContent>
-      <mc:AlternateContent xmlns:mc="http://schemas.openxmlformats.org/markup-compatibility/2006">
-        <mc:Choice xmlns:p14="http://schemas.microsoft.com/office/powerpoint/2010/main" Requires="p14">
+      <mc:AlternateContent xmlns:mc="http://schemas.openxmlformats.org/markup-compatibility/2006" xmlns:p14="http://schemas.microsoft.com/office/powerpoint/2010/main">
+        <mc:Choice Requires="p14">
           <p:contentPart p14:bwMode="auto" r:id="rId4">
             <p14:nvContentPartPr>
               <p14:cNvPr id="5" name="Ink 4">
@@ -11748,7 +13233,7 @@
             </p14:xfrm>
           </p:contentPart>
         </mc:Choice>
-        <mc:Fallback>
+        <mc:Fallback xmlns="">
           <p:pic>
             <p:nvPicPr>
               <p:cNvPr id="5" name="Ink 4">
@@ -12016,8 +13501,8 @@
           </p:pic>
         </mc:Fallback>
       </mc:AlternateContent>
-      <mc:AlternateContent xmlns:mc="http://schemas.openxmlformats.org/markup-compatibility/2006">
-        <mc:Choice xmlns:p14="http://schemas.microsoft.com/office/powerpoint/2010/main" Requires="p14">
+      <mc:AlternateContent xmlns:mc="http://schemas.openxmlformats.org/markup-compatibility/2006" xmlns:p14="http://schemas.microsoft.com/office/powerpoint/2010/main">
+        <mc:Choice Requires="p14">
           <p:contentPart p14:bwMode="auto" r:id="rId8">
             <p14:nvContentPartPr>
               <p14:cNvPr id="6" name="Ink 5">
@@ -12036,7 +13521,7 @@
             </p14:xfrm>
           </p:contentPart>
         </mc:Choice>
-        <mc:Fallback>
+        <mc:Fallback xmlns="">
           <p:pic>
             <p:nvPicPr>
               <p:cNvPr id="6" name="Ink 5">
@@ -12131,6 +13616,57 @@
           </a:p>
         </p:txBody>
       </p:sp>
+      <p:sp>
+        <p:nvSpPr>
+          <p:cNvPr id="6" name="Content Placeholder 2">
+            <a:extLst>
+              <a:ext uri="{FF2B5EF4-FFF2-40B4-BE49-F238E27FC236}">
+                <a16:creationId xmlns:a16="http://schemas.microsoft.com/office/drawing/2014/main" id="{DEF5B2D5-2AA0-8B50-7F62-0DA7A825FE71}"/>
+              </a:ext>
+            </a:extLst>
+          </p:cNvPr>
+          <p:cNvSpPr>
+            <a:spLocks noGrp="1"/>
+          </p:cNvSpPr>
+          <p:nvPr>
+            <p:ph idx="1"/>
+          </p:nvPr>
+        </p:nvSpPr>
+        <p:spPr>
+          <a:xfrm>
+            <a:off x="965421" y="3898109"/>
+            <a:ext cx="10515600" cy="2191354"/>
+          </a:xfrm>
+        </p:spPr>
+        <p:txBody>
+          <a:bodyPr/>
+          <a:lstStyle/>
+          <a:p>
+            <a:r>
+              <a:rPr lang="en-US" dirty="0"/>
+              <a:t>Actually runs your code</a:t>
+            </a:r>
+          </a:p>
+          <a:p>
+            <a:r>
+              <a:rPr lang="en-US" dirty="0"/>
+              <a:t>Knows all the ‘rules’ of the language</a:t>
+            </a:r>
+          </a:p>
+          <a:p>
+            <a:r>
+              <a:rPr lang="en-US" dirty="0"/>
+              <a:t>called when running python command at terminal</a:t>
+            </a:r>
+          </a:p>
+          <a:p>
+            <a:pPr marL="0" indent="0">
+              <a:buNone/>
+            </a:pPr>
+            <a:endParaRPr lang="en-US" dirty="0"/>
+          </a:p>
+        </p:txBody>
+      </p:sp>
       <p:pic>
         <p:nvPicPr>
           <p:cNvPr id="5122" name="Picture 2" descr="Cython - Wikipedia">
@@ -12297,57 +13833,6 @@
               </a:rPr>
               <a:t> is the default and most widely used implementation of the Python language.</a:t>
             </a:r>
-            <a:endParaRPr lang="en-US" dirty="0"/>
-          </a:p>
-        </p:txBody>
-      </p:sp>
-      <p:sp>
-        <p:nvSpPr>
-          <p:cNvPr id="6" name="Content Placeholder 2">
-            <a:extLst>
-              <a:ext uri="{FF2B5EF4-FFF2-40B4-BE49-F238E27FC236}">
-                <a16:creationId xmlns:a16="http://schemas.microsoft.com/office/drawing/2014/main" id="{DEF5B2D5-2AA0-8B50-7F62-0DA7A825FE71}"/>
-              </a:ext>
-            </a:extLst>
-          </p:cNvPr>
-          <p:cNvSpPr>
-            <a:spLocks noGrp="1"/>
-          </p:cNvSpPr>
-          <p:nvPr>
-            <p:ph idx="1"/>
-          </p:nvPr>
-        </p:nvSpPr>
-        <p:spPr>
-          <a:xfrm>
-            <a:off x="965421" y="3898109"/>
-            <a:ext cx="10515600" cy="2191354"/>
-          </a:xfrm>
-        </p:spPr>
-        <p:txBody>
-          <a:bodyPr/>
-          <a:lstStyle/>
-          <a:p>
-            <a:r>
-              <a:rPr lang="en-US" dirty="0"/>
-              <a:t>Actually runs your code</a:t>
-            </a:r>
-          </a:p>
-          <a:p>
-            <a:r>
-              <a:rPr lang="en-US" dirty="0"/>
-              <a:t>Knows all the ‘rules’ of the language</a:t>
-            </a:r>
-          </a:p>
-          <a:p>
-            <a:r>
-              <a:rPr lang="en-US" dirty="0"/>
-              <a:t>called when running python command at terminal</a:t>
-            </a:r>
-          </a:p>
-          <a:p>
-            <a:pPr marL="0" indent="0">
-              <a:buNone/>
-            </a:pPr>
             <a:endParaRPr lang="en-US" dirty="0"/>
           </a:p>
         </p:txBody>
@@ -12666,6 +14151,63 @@
           </a:p>
         </p:txBody>
       </p:sp>
+      <p:sp>
+        <p:nvSpPr>
+          <p:cNvPr id="5" name="Content Placeholder 2">
+            <a:extLst>
+              <a:ext uri="{FF2B5EF4-FFF2-40B4-BE49-F238E27FC236}">
+                <a16:creationId xmlns:a16="http://schemas.microsoft.com/office/drawing/2014/main" id="{9E453DF0-04A6-ECA9-A5A0-34BD93417086}"/>
+              </a:ext>
+            </a:extLst>
+          </p:cNvPr>
+          <p:cNvSpPr>
+            <a:spLocks noGrp="1"/>
+          </p:cNvSpPr>
+          <p:nvPr>
+            <p:ph idx="1"/>
+          </p:nvPr>
+        </p:nvSpPr>
+        <p:spPr>
+          <a:xfrm>
+            <a:off x="3926539" y="4069168"/>
+            <a:ext cx="6801445" cy="2191354"/>
+          </a:xfrm>
+        </p:spPr>
+        <p:txBody>
+          <a:bodyPr/>
+          <a:lstStyle/>
+          <a:p>
+            <a:r>
+              <a:rPr lang="en-US" sz="2000" dirty="0"/>
+              <a:t>Stack holds the memory location of reference value</a:t>
+            </a:r>
+          </a:p>
+          <a:p>
+            <a:r>
+              <a:rPr lang="en-US" sz="2000" dirty="0"/>
+              <a:t>Stores the static variable</a:t>
+            </a:r>
+          </a:p>
+          <a:p>
+            <a:r>
+              <a:rPr lang="en-US" sz="2000" dirty="0"/>
+              <a:t>methods and variables are stored here – stack frame</a:t>
+            </a:r>
+          </a:p>
+          <a:p>
+            <a:r>
+              <a:rPr lang="en-US" sz="2000" dirty="0"/>
+              <a:t>destroyed automatically when functions and methods are returned</a:t>
+            </a:r>
+          </a:p>
+          <a:p>
+            <a:pPr marL="0" indent="0">
+              <a:buNone/>
+            </a:pPr>
+            <a:endParaRPr lang="en-US" dirty="0"/>
+          </a:p>
+        </p:txBody>
+      </p:sp>
       <p:pic>
         <p:nvPicPr>
           <p:cNvPr id="4" name="Picture 2" descr="Stack and Heap Layout of Embedded Projects – VisualGDB Documentation">
@@ -12713,63 +14255,6 @@
           </a:extLst>
         </p:spPr>
       </p:pic>
-      <p:sp>
-        <p:nvSpPr>
-          <p:cNvPr id="5" name="Content Placeholder 2">
-            <a:extLst>
-              <a:ext uri="{FF2B5EF4-FFF2-40B4-BE49-F238E27FC236}">
-                <a16:creationId xmlns:a16="http://schemas.microsoft.com/office/drawing/2014/main" id="{9E453DF0-04A6-ECA9-A5A0-34BD93417086}"/>
-              </a:ext>
-            </a:extLst>
-          </p:cNvPr>
-          <p:cNvSpPr>
-            <a:spLocks noGrp="1"/>
-          </p:cNvSpPr>
-          <p:nvPr>
-            <p:ph idx="1"/>
-          </p:nvPr>
-        </p:nvSpPr>
-        <p:spPr>
-          <a:xfrm>
-            <a:off x="3926539" y="4069168"/>
-            <a:ext cx="6801445" cy="2191354"/>
-          </a:xfrm>
-        </p:spPr>
-        <p:txBody>
-          <a:bodyPr/>
-          <a:lstStyle/>
-          <a:p>
-            <a:r>
-              <a:rPr lang="en-US" sz="2000" dirty="0"/>
-              <a:t>Stack holds the memory location of reference value</a:t>
-            </a:r>
-          </a:p>
-          <a:p>
-            <a:r>
-              <a:rPr lang="en-US" sz="2000" dirty="0"/>
-              <a:t>Stores the static variable</a:t>
-            </a:r>
-          </a:p>
-          <a:p>
-            <a:r>
-              <a:rPr lang="en-US" sz="2000" dirty="0"/>
-              <a:t>methods and variables are stored here – stack frame</a:t>
-            </a:r>
-          </a:p>
-          <a:p>
-            <a:r>
-              <a:rPr lang="en-US" sz="2000" dirty="0"/>
-              <a:t>destroyed automatically when functions and methods are returned</a:t>
-            </a:r>
-          </a:p>
-          <a:p>
-            <a:pPr marL="0" indent="0">
-              <a:buNone/>
-            </a:pPr>
-            <a:endParaRPr lang="en-US" dirty="0"/>
-          </a:p>
-        </p:txBody>
-      </p:sp>
       <p:sp>
         <p:nvSpPr>
           <p:cNvPr id="6" name="Content Placeholder 2">
@@ -13131,8 +14616,8 @@
           </p:pic>
         </mc:Fallback>
       </mc:AlternateContent>
-      <mc:AlternateContent xmlns:mc="http://schemas.openxmlformats.org/markup-compatibility/2006">
-        <mc:Choice xmlns:p14="http://schemas.microsoft.com/office/powerpoint/2010/main" Requires="p14">
+      <mc:AlternateContent xmlns:mc="http://schemas.openxmlformats.org/markup-compatibility/2006" xmlns:p14="http://schemas.microsoft.com/office/powerpoint/2010/main">
+        <mc:Choice Requires="p14">
           <p:contentPart p14:bwMode="auto" r:id="rId9">
             <p14:nvContentPartPr>
               <p14:cNvPr id="9" name="Ink 8">
@@ -13151,7 +14636,7 @@
             </p14:xfrm>
           </p:contentPart>
         </mc:Choice>
-        <mc:Fallback>
+        <mc:Fallback xmlns="">
           <p:pic>
             <p:nvPicPr>
               <p:cNvPr id="9" name="Ink 8">
@@ -13395,8 +14880,8 @@
           </p:pic>
         </mc:Fallback>
       </mc:AlternateContent>
-      <mc:AlternateContent xmlns:mc="http://schemas.openxmlformats.org/markup-compatibility/2006">
-        <mc:Choice xmlns:p14="http://schemas.microsoft.com/office/powerpoint/2010/main" Requires="p14">
+      <mc:AlternateContent xmlns:mc="http://schemas.openxmlformats.org/markup-compatibility/2006" xmlns:p14="http://schemas.microsoft.com/office/powerpoint/2010/main">
+        <mc:Choice Requires="p14">
           <p:contentPart p14:bwMode="auto" r:id="rId4">
             <p14:nvContentPartPr>
               <p14:cNvPr id="4" name="Ink 3">
@@ -13415,7 +14900,7 @@
             </p14:xfrm>
           </p:contentPart>
         </mc:Choice>
-        <mc:Fallback>
+        <mc:Fallback xmlns="">
           <p:pic>
             <p:nvPicPr>
               <p:cNvPr id="4" name="Ink 3">
@@ -13462,7 +14947,7 @@
 <file path=ppt/theme/theme1.xml><?xml version="1.0" encoding="utf-8"?>
 <a:theme xmlns:a="http://schemas.openxmlformats.org/drawingml/2006/main" name="Office Theme">
   <a:themeElements>
-    <a:clrScheme name="Office Theme">
+    <a:clrScheme name="Office">
       <a:dk1>
         <a:sysClr val="windowText" lastClr="000000"/>
       </a:dk1>
@@ -13500,7 +14985,7 @@
         <a:srgbClr val="954F72"/>
       </a:folHlink>
     </a:clrScheme>
-    <a:fontScheme name="Office Theme">
+    <a:fontScheme name="Office">
       <a:majorFont>
         <a:latin typeface="Calibri Light" panose="020F0302020204030204"/>
         <a:ea typeface=""/>
@@ -13535,6 +15020,23 @@
         <a:font script="Viet" typeface="Times New Roman"/>
         <a:font script="Uigh" typeface="Microsoft Uighur"/>
         <a:font script="Geor" typeface="Sylfaen"/>
+        <a:font script="Armn" typeface="Arial"/>
+        <a:font script="Bugi" typeface="Leelawadee UI"/>
+        <a:font script="Bopo" typeface="Microsoft JhengHei"/>
+        <a:font script="Java" typeface="Javanese Text"/>
+        <a:font script="Lisu" typeface="Segoe UI"/>
+        <a:font script="Mymr" typeface="Myanmar Text"/>
+        <a:font script="Nkoo" typeface="Ebrima"/>
+        <a:font script="Olck" typeface="Nirmala UI"/>
+        <a:font script="Osma" typeface="Ebrima"/>
+        <a:font script="Phag" typeface="Phagspa"/>
+        <a:font script="Syrn" typeface="Estrangelo Edessa"/>
+        <a:font script="Syrj" typeface="Estrangelo Edessa"/>
+        <a:font script="Syre" typeface="Estrangelo Edessa"/>
+        <a:font script="Sora" typeface="Nirmala UI"/>
+        <a:font script="Tale" typeface="Microsoft Tai Le"/>
+        <a:font script="Talu" typeface="Microsoft New Tai Lue"/>
+        <a:font script="Tfng" typeface="Ebrima"/>
       </a:majorFont>
       <a:minorFont>
         <a:latin typeface="Calibri" panose="020F0502020204030204"/>
@@ -13570,9 +15072,26 @@
         <a:font script="Viet" typeface="Arial"/>
         <a:font script="Uigh" typeface="Microsoft Uighur"/>
         <a:font script="Geor" typeface="Sylfaen"/>
+        <a:font script="Armn" typeface="Arial"/>
+        <a:font script="Bugi" typeface="Leelawadee UI"/>
+        <a:font script="Bopo" typeface="Microsoft JhengHei"/>
+        <a:font script="Java" typeface="Javanese Text"/>
+        <a:font script="Lisu" typeface="Segoe UI"/>
+        <a:font script="Mymr" typeface="Myanmar Text"/>
+        <a:font script="Nkoo" typeface="Ebrima"/>
+        <a:font script="Olck" typeface="Nirmala UI"/>
+        <a:font script="Osma" typeface="Ebrima"/>
+        <a:font script="Phag" typeface="Phagspa"/>
+        <a:font script="Syrn" typeface="Estrangelo Edessa"/>
+        <a:font script="Syrj" typeface="Estrangelo Edessa"/>
+        <a:font script="Syre" typeface="Estrangelo Edessa"/>
+        <a:font script="Sora" typeface="Nirmala UI"/>
+        <a:font script="Tale" typeface="Microsoft Tai Le"/>
+        <a:font script="Talu" typeface="Microsoft New Tai Lue"/>
+        <a:font script="Tfng" typeface="Ebrima"/>
       </a:minorFont>
     </a:fontScheme>
-    <a:fmtScheme name="Office Theme">
+    <a:fmtScheme name="Office">
       <a:fillStyleLst>
         <a:solidFill>
           <a:schemeClr val="phClr"/>
@@ -13714,7 +15233,7 @@
   <a:extraClrSchemeLst/>
   <a:extLst>
     <a:ext uri="{05A4C25C-085E-4340-85A3-A5531E510DB2}">
-      <thm15:themeFamily xmlns:thm15="http://schemas.microsoft.com/office/thememl/2012/main" name="Office Theme" id="{62F939B6-93AF-4DB8-9C6B-D6C7DFDC589F}" vid="{4F46216B-77A9-411A-B9D3-5023FCB70208}"/>
+      <thm15:themeFamily xmlns:thm15="http://schemas.microsoft.com/office/thememl/2012/main" name="Office Theme" id="{62F939B6-93AF-4DB8-9C6B-D6C7DFDC589F}" vid="{4A3C46E8-61CC-4603-A589-7422A47A8E4A}"/>
     </a:ext>
   </a:extLst>
 </a:theme>
